--- a/RoadDesigner.pptx
+++ b/RoadDesigner.pptx
@@ -38,10 +38,11 @@
     <p:sldId id="294" r:id="rId32"/>
     <p:sldId id="293" r:id="rId33"/>
     <p:sldId id="295" r:id="rId34"/>
-    <p:sldId id="268" r:id="rId35"/>
-    <p:sldId id="269" r:id="rId36"/>
-    <p:sldId id="275" r:id="rId37"/>
-    <p:sldId id="270" r:id="rId38"/>
+    <p:sldId id="296" r:id="rId35"/>
+    <p:sldId id="268" r:id="rId36"/>
+    <p:sldId id="269" r:id="rId37"/>
+    <p:sldId id="275" r:id="rId38"/>
+    <p:sldId id="270" r:id="rId39"/>
   </p:sldIdLst>
   <p:sldSz cx="9144000" cy="6858000" type="screen4x3"/>
   <p:notesSz cx="6997700" cy="9283700"/>
@@ -3169,7 +3170,6 @@
               <a:rPr lang="en-US" altLang="ja-JP" sz="3200" b="1" dirty="0" smtClean="0"/>
               <a:t>kde_feature_d.xml</a:t>
             </a:r>
-            <a:endParaRPr lang="en-US" altLang="ja-JP" sz="3200" b="1" dirty="0" smtClean="0"/>
           </a:p>
           <a:p>
             <a:r>
@@ -3961,11 +3961,7 @@
           <a:p>
             <a:r>
               <a:rPr lang="en-US" altLang="ja-JP" sz="3200" dirty="0" smtClean="0"/>
-              <a:t>Iteration</a:t>
-            </a:r>
-            <a:r>
-              <a:rPr lang="en-US" altLang="ja-JP" sz="3200" dirty="0" smtClean="0"/>
-              <a:t>: </a:t>
+              <a:t>Iteration: </a:t>
             </a:r>
             <a:r>
               <a:rPr lang="en-US" altLang="ja-JP" sz="3200" dirty="0"/>
@@ -3976,11 +3972,7 @@
           <a:p>
             <a:r>
               <a:rPr lang="en-US" altLang="ja-JP" sz="3200" dirty="0" smtClean="0"/>
-              <a:t>Snap</a:t>
-            </a:r>
-            <a:r>
-              <a:rPr lang="en-US" altLang="ja-JP" sz="3200" dirty="0" smtClean="0"/>
-              <a:t>: ON</a:t>
+              <a:t>Snap: ON</a:t>
             </a:r>
             <a:r>
               <a:rPr lang="ja-JP" altLang="en-US" sz="3200" dirty="0"/>
@@ -4162,26 +4154,13 @@
           <a:p>
             <a:r>
               <a:rPr lang="en-US" altLang="ja-JP" sz="3200" dirty="0" smtClean="0"/>
-              <a:t>Iteration</a:t>
-            </a:r>
+              <a:t>Iteration: 9</a:t>
+            </a:r>
+          </a:p>
+          <a:p>
             <a:r>
               <a:rPr lang="en-US" altLang="ja-JP" sz="3200" dirty="0" smtClean="0"/>
-              <a:t>: </a:t>
-            </a:r>
-            <a:r>
-              <a:rPr lang="en-US" altLang="ja-JP" sz="3200" dirty="0" smtClean="0"/>
-              <a:t>9</a:t>
-            </a:r>
-            <a:endParaRPr lang="en-US" altLang="ja-JP" sz="3200" dirty="0" smtClean="0"/>
-          </a:p>
-          <a:p>
-            <a:r>
-              <a:rPr lang="en-US" altLang="ja-JP" sz="3200" dirty="0" smtClean="0"/>
-              <a:t>Snap</a:t>
-            </a:r>
-            <a:r>
-              <a:rPr lang="en-US" altLang="ja-JP" sz="3200" dirty="0" smtClean="0"/>
-              <a:t>: ON</a:t>
+              <a:t>Snap: ON</a:t>
             </a:r>
             <a:r>
               <a:rPr lang="ja-JP" altLang="en-US" sz="3200" dirty="0"/>
@@ -4363,25 +4342,13 @@
           <a:p>
             <a:r>
               <a:rPr lang="en-US" altLang="ja-JP" sz="3200" dirty="0" smtClean="0"/>
-              <a:t>Iteration</a:t>
-            </a:r>
+              <a:t>Iteration: 10</a:t>
+            </a:r>
+          </a:p>
+          <a:p>
             <a:r>
               <a:rPr lang="en-US" altLang="ja-JP" sz="3200" dirty="0" smtClean="0"/>
-              <a:t>: </a:t>
-            </a:r>
-            <a:r>
-              <a:rPr lang="en-US" altLang="ja-JP" sz="3200" dirty="0" smtClean="0"/>
-              <a:t>10</a:t>
-            </a:r>
-          </a:p>
-          <a:p>
-            <a:r>
-              <a:rPr lang="en-US" altLang="ja-JP" sz="3200" dirty="0" smtClean="0"/>
-              <a:t>Snap</a:t>
-            </a:r>
-            <a:r>
-              <a:rPr lang="en-US" altLang="ja-JP" sz="3200" dirty="0" smtClean="0"/>
-              <a:t>: ON</a:t>
+              <a:t>Snap: ON</a:t>
             </a:r>
             <a:r>
               <a:rPr lang="ja-JP" altLang="en-US" sz="3200" dirty="0"/>
@@ -4509,25 +4476,13 @@
           <a:p>
             <a:r>
               <a:rPr lang="en-US" altLang="ja-JP" sz="3200" dirty="0" smtClean="0"/>
-              <a:t>Iteration</a:t>
-            </a:r>
+              <a:t>Iteration: 11</a:t>
+            </a:r>
+          </a:p>
+          <a:p>
             <a:r>
               <a:rPr lang="en-US" altLang="ja-JP" sz="3200" dirty="0" smtClean="0"/>
-              <a:t>: </a:t>
-            </a:r>
-            <a:r>
-              <a:rPr lang="en-US" altLang="ja-JP" sz="3200" dirty="0" smtClean="0"/>
-              <a:t>11</a:t>
-            </a:r>
-          </a:p>
-          <a:p>
-            <a:r>
-              <a:rPr lang="en-US" altLang="ja-JP" sz="3200" dirty="0" smtClean="0"/>
-              <a:t>Snap</a:t>
-            </a:r>
-            <a:r>
-              <a:rPr lang="en-US" altLang="ja-JP" sz="3200" dirty="0" smtClean="0"/>
-              <a:t>: ON</a:t>
+              <a:t>Snap: ON</a:t>
             </a:r>
             <a:r>
               <a:rPr lang="ja-JP" altLang="en-US" sz="3200" dirty="0"/>
@@ -4807,25 +4762,13 @@
           <a:p>
             <a:r>
               <a:rPr lang="en-US" altLang="ja-JP" sz="3200" dirty="0" smtClean="0"/>
-              <a:t>Iteration</a:t>
-            </a:r>
+              <a:t>Iteration: 12</a:t>
+            </a:r>
+          </a:p>
+          <a:p>
             <a:r>
               <a:rPr lang="en-US" altLang="ja-JP" sz="3200" dirty="0" smtClean="0"/>
-              <a:t>: </a:t>
-            </a:r>
-            <a:r>
-              <a:rPr lang="en-US" altLang="ja-JP" sz="3200" dirty="0" smtClean="0"/>
-              <a:t>12</a:t>
-            </a:r>
-          </a:p>
-          <a:p>
-            <a:r>
-              <a:rPr lang="en-US" altLang="ja-JP" sz="3200" dirty="0" smtClean="0"/>
-              <a:t>Snap</a:t>
-            </a:r>
-            <a:r>
-              <a:rPr lang="en-US" altLang="ja-JP" sz="3200" dirty="0" smtClean="0"/>
-              <a:t>: ON</a:t>
+              <a:t>Snap: ON</a:t>
             </a:r>
             <a:r>
               <a:rPr lang="ja-JP" altLang="en-US" sz="3200" dirty="0"/>
@@ -5007,25 +4950,13 @@
           <a:p>
             <a:r>
               <a:rPr lang="en-US" altLang="ja-JP" sz="3200" dirty="0" smtClean="0"/>
-              <a:t>Iteration</a:t>
-            </a:r>
+              <a:t>Iteration: 13</a:t>
+            </a:r>
+          </a:p>
+          <a:p>
             <a:r>
               <a:rPr lang="en-US" altLang="ja-JP" sz="3200" dirty="0" smtClean="0"/>
-              <a:t>: </a:t>
-            </a:r>
-            <a:r>
-              <a:rPr lang="en-US" altLang="ja-JP" sz="3200" dirty="0" smtClean="0"/>
-              <a:t>13</a:t>
-            </a:r>
-          </a:p>
-          <a:p>
-            <a:r>
-              <a:rPr lang="en-US" altLang="ja-JP" sz="3200" dirty="0" smtClean="0"/>
-              <a:t>Snap</a:t>
-            </a:r>
-            <a:r>
-              <a:rPr lang="en-US" altLang="ja-JP" sz="3200" dirty="0" smtClean="0"/>
-              <a:t>: ON</a:t>
+              <a:t>Snap: ON</a:t>
             </a:r>
             <a:r>
               <a:rPr lang="ja-JP" altLang="en-US" sz="3200" dirty="0"/>
@@ -5163,25 +5094,13 @@
           <a:p>
             <a:r>
               <a:rPr lang="en-US" altLang="ja-JP" sz="3200" dirty="0" smtClean="0"/>
-              <a:t>Iteration</a:t>
-            </a:r>
+              <a:t>Iteration: 14</a:t>
+            </a:r>
+          </a:p>
+          <a:p>
             <a:r>
               <a:rPr lang="en-US" altLang="ja-JP" sz="3200" dirty="0" smtClean="0"/>
-              <a:t>: </a:t>
-            </a:r>
-            <a:r>
-              <a:rPr lang="en-US" altLang="ja-JP" sz="3200" dirty="0" smtClean="0"/>
-              <a:t>14</a:t>
-            </a:r>
-          </a:p>
-          <a:p>
-            <a:r>
-              <a:rPr lang="en-US" altLang="ja-JP" sz="3200" dirty="0" smtClean="0"/>
-              <a:t>Snap</a:t>
-            </a:r>
-            <a:r>
-              <a:rPr lang="en-US" altLang="ja-JP" sz="3200" dirty="0" smtClean="0"/>
-              <a:t>: ON</a:t>
+              <a:t>Snap: ON</a:t>
             </a:r>
             <a:r>
               <a:rPr lang="ja-JP" altLang="en-US" sz="3200" dirty="0"/>
@@ -5363,25 +5282,13 @@
           <a:p>
             <a:r>
               <a:rPr lang="en-US" altLang="ja-JP" sz="3200" dirty="0" smtClean="0"/>
-              <a:t>Iteration</a:t>
-            </a:r>
+              <a:t>Iteration: 15</a:t>
+            </a:r>
+          </a:p>
+          <a:p>
             <a:r>
               <a:rPr lang="en-US" altLang="ja-JP" sz="3200" dirty="0" smtClean="0"/>
-              <a:t>: </a:t>
-            </a:r>
-            <a:r>
-              <a:rPr lang="en-US" altLang="ja-JP" sz="3200" dirty="0" smtClean="0"/>
-              <a:t>15</a:t>
-            </a:r>
-          </a:p>
-          <a:p>
-            <a:r>
-              <a:rPr lang="en-US" altLang="ja-JP" sz="3200" dirty="0" smtClean="0"/>
-              <a:t>Snap</a:t>
-            </a:r>
-            <a:r>
-              <a:rPr lang="en-US" altLang="ja-JP" sz="3200" dirty="0" smtClean="0"/>
-              <a:t>: ON</a:t>
+              <a:t>Snap: ON</a:t>
             </a:r>
             <a:r>
               <a:rPr lang="ja-JP" altLang="en-US" sz="3200" dirty="0"/>
@@ -5607,25 +5514,13 @@
           <a:p>
             <a:r>
               <a:rPr lang="en-US" altLang="ja-JP" sz="3200" dirty="0" smtClean="0"/>
-              <a:t>Iteration</a:t>
-            </a:r>
+              <a:t>Iteration: 16</a:t>
+            </a:r>
+          </a:p>
+          <a:p>
             <a:r>
               <a:rPr lang="en-US" altLang="ja-JP" sz="3200" dirty="0" smtClean="0"/>
-              <a:t>: </a:t>
-            </a:r>
-            <a:r>
-              <a:rPr lang="en-US" altLang="ja-JP" sz="3200" dirty="0" smtClean="0"/>
-              <a:t>16</a:t>
-            </a:r>
-          </a:p>
-          <a:p>
-            <a:r>
-              <a:rPr lang="en-US" altLang="ja-JP" sz="3200" dirty="0" smtClean="0"/>
-              <a:t>Snap</a:t>
-            </a:r>
-            <a:r>
-              <a:rPr lang="en-US" altLang="ja-JP" sz="3200" dirty="0" smtClean="0"/>
-              <a:t>: ON</a:t>
+              <a:t>Snap: ON</a:t>
             </a:r>
             <a:r>
               <a:rPr lang="ja-JP" altLang="en-US" sz="3200" dirty="0"/>
@@ -5763,15 +5658,7 @@
           <a:p>
             <a:r>
               <a:rPr lang="en-US" altLang="ja-JP" sz="3200" dirty="0" smtClean="0"/>
-              <a:t>Iteration</a:t>
-            </a:r>
-            <a:r>
-              <a:rPr lang="en-US" altLang="ja-JP" sz="3200" dirty="0" smtClean="0"/>
-              <a:t>: </a:t>
-            </a:r>
-            <a:r>
-              <a:rPr lang="en-US" altLang="ja-JP" sz="3200" dirty="0" smtClean="0"/>
-              <a:t>17</a:t>
+              <a:t>Iteration: 17</a:t>
             </a:r>
             <a:r>
               <a:rPr lang="ja-JP" altLang="en-US" sz="3200" dirty="0" smtClean="0"/>
@@ -5782,11 +5669,7 @@
           <a:p>
             <a:r>
               <a:rPr lang="en-US" altLang="ja-JP" sz="3200" dirty="0" smtClean="0"/>
-              <a:t>Snap</a:t>
-            </a:r>
-            <a:r>
-              <a:rPr lang="en-US" altLang="ja-JP" sz="3200" dirty="0" smtClean="0"/>
-              <a:t>: ON</a:t>
+              <a:t>Snap: ON</a:t>
             </a:r>
             <a:r>
               <a:rPr lang="ja-JP" altLang="en-US" sz="3200" dirty="0"/>
@@ -6258,7 +6141,6 @@
               <a:rPr lang="en-US" altLang="ja-JP" sz="4400" b="1" dirty="0" smtClean="0"/>
               <a:t>kde_feature_e.xml</a:t>
             </a:r>
-            <a:endParaRPr lang="en-US" altLang="ja-JP" sz="4400" b="1" dirty="0" smtClean="0"/>
           </a:p>
         </p:txBody>
       </p:sp>
@@ -9160,11 +9042,7 @@
             <a:pPr algn="ctr"/>
             <a:r>
               <a:rPr lang="ja-JP" altLang="en-US" sz="4400" dirty="0" smtClean="0"/>
-              <a:t>２種類のパターン</a:t>
-            </a:r>
-            <a:r>
-              <a:rPr lang="ja-JP" altLang="en-US" sz="4400" dirty="0" smtClean="0"/>
-              <a:t>に挑戦</a:t>
+              <a:t>２種類のパターンに挑戦</a:t>
             </a:r>
             <a:endParaRPr lang="en-US" altLang="ja-JP" sz="4400" dirty="0" smtClean="0"/>
           </a:p>
@@ -9182,7 +9060,6 @@
               <a:rPr lang="en-US" altLang="ja-JP" sz="4400" b="1" dirty="0" smtClean="0"/>
               <a:t>kde_feature_f.xml</a:t>
             </a:r>
-            <a:endParaRPr lang="en-US" altLang="ja-JP" sz="4400" b="1" dirty="0" smtClean="0"/>
           </a:p>
         </p:txBody>
       </p:sp>
@@ -9972,11 +9849,7 @@
             <a:pPr algn="ctr"/>
             <a:r>
               <a:rPr lang="ja-JP" altLang="en-US" sz="4400" dirty="0" smtClean="0"/>
-              <a:t>もっと複雑なパターン</a:t>
-            </a:r>
-            <a:r>
-              <a:rPr lang="ja-JP" altLang="en-US" sz="4400" dirty="0" smtClean="0"/>
-              <a:t>に挑戦</a:t>
+              <a:t>もっと複雑なパターンに挑戦</a:t>
             </a:r>
             <a:endParaRPr lang="en-US" altLang="ja-JP" sz="4400" dirty="0" smtClean="0"/>
           </a:p>
@@ -9994,7 +9867,6 @@
               <a:rPr lang="en-US" altLang="ja-JP" sz="4400" b="1" dirty="0" smtClean="0"/>
               <a:t>kde_feature_g.xml</a:t>
             </a:r>
-            <a:endParaRPr lang="en-US" altLang="ja-JP" sz="4400" b="1" dirty="0" smtClean="0"/>
           </a:p>
         </p:txBody>
       </p:sp>
@@ -10264,6 +10136,212 @@
 </file>
 
 <file path=ppt/slides/slide34.xml><?xml version="1.0" encoding="utf-8"?>
+<p:sld xmlns:a="http://schemas.openxmlformats.org/drawingml/2006/main" xmlns:r="http://schemas.openxmlformats.org/officeDocument/2006/relationships" xmlns:p="http://schemas.openxmlformats.org/presentationml/2006/main">
+  <p:cSld>
+    <p:spTree>
+      <p:nvGrpSpPr>
+        <p:cNvPr id="1" name=""/>
+        <p:cNvGrpSpPr/>
+        <p:nvPr/>
+      </p:nvGrpSpPr>
+      <p:grpSpPr>
+        <a:xfrm>
+          <a:off x="0" y="0"/>
+          <a:ext cx="0" cy="0"/>
+          <a:chOff x="0" y="0"/>
+          <a:chExt cx="0" cy="0"/>
+        </a:xfrm>
+      </p:grpSpPr>
+      <p:pic>
+        <p:nvPicPr>
+          <p:cNvPr id="1026" name="Picture 2"/>
+          <p:cNvPicPr>
+            <a:picLocks noChangeAspect="1" noChangeArrowheads="1"/>
+          </p:cNvPicPr>
+          <p:nvPr/>
+        </p:nvPicPr>
+        <p:blipFill>
+          <a:blip r:embed="rId2" cstate="print">
+            <a:extLst>
+              <a:ext uri="{28A0092B-C50C-407E-A947-70E740481C1C}">
+                <a14:useLocalDpi xmlns:a14="http://schemas.microsoft.com/office/drawing/2010/main" val="0"/>
+              </a:ext>
+            </a:extLst>
+          </a:blip>
+          <a:srcRect/>
+          <a:stretch>
+            <a:fillRect/>
+          </a:stretch>
+        </p:blipFill>
+        <p:spPr bwMode="auto">
+          <a:xfrm>
+            <a:off x="304800" y="937936"/>
+            <a:ext cx="1509712" cy="1500464"/>
+          </a:xfrm>
+          <a:prstGeom prst="rect">
+            <a:avLst/>
+          </a:prstGeom>
+          <a:noFill/>
+          <a:ln>
+            <a:noFill/>
+          </a:ln>
+          <a:extLst>
+            <a:ext uri="{909E8E84-426E-40DD-AFC4-6F175D3DCCD1}">
+              <a14:hiddenFill xmlns:a14="http://schemas.microsoft.com/office/drawing/2010/main">
+                <a:solidFill>
+                  <a:schemeClr val="accent1"/>
+                </a:solidFill>
+              </a14:hiddenFill>
+            </a:ext>
+            <a:ext uri="{91240B29-F687-4F45-9708-019B960494DF}">
+              <a14:hiddenLine xmlns:a14="http://schemas.microsoft.com/office/drawing/2010/main" w="9525">
+                <a:solidFill>
+                  <a:schemeClr val="tx1"/>
+                </a:solidFill>
+                <a:miter lim="800000"/>
+                <a:headEnd/>
+                <a:tailEnd/>
+              </a14:hiddenLine>
+            </a:ext>
+          </a:extLst>
+        </p:spPr>
+      </p:pic>
+      <p:pic>
+        <p:nvPicPr>
+          <p:cNvPr id="1027" name="Picture 3"/>
+          <p:cNvPicPr>
+            <a:picLocks noChangeAspect="1" noChangeArrowheads="1"/>
+          </p:cNvPicPr>
+          <p:nvPr/>
+        </p:nvPicPr>
+        <p:blipFill>
+          <a:blip r:embed="rId3" cstate="print">
+            <a:extLst>
+              <a:ext uri="{28A0092B-C50C-407E-A947-70E740481C1C}">
+                <a14:useLocalDpi xmlns:a14="http://schemas.microsoft.com/office/drawing/2010/main" val="0"/>
+              </a:ext>
+            </a:extLst>
+          </a:blip>
+          <a:srcRect/>
+          <a:stretch>
+            <a:fillRect/>
+          </a:stretch>
+        </p:blipFill>
+        <p:spPr bwMode="auto">
+          <a:xfrm>
+            <a:off x="1981200" y="937936"/>
+            <a:ext cx="1489373" cy="1487078"/>
+          </a:xfrm>
+          <a:prstGeom prst="rect">
+            <a:avLst/>
+          </a:prstGeom>
+          <a:noFill/>
+          <a:ln>
+            <a:noFill/>
+          </a:ln>
+          <a:extLst>
+            <a:ext uri="{909E8E84-426E-40DD-AFC4-6F175D3DCCD1}">
+              <a14:hiddenFill xmlns:a14="http://schemas.microsoft.com/office/drawing/2010/main">
+                <a:solidFill>
+                  <a:schemeClr val="accent1"/>
+                </a:solidFill>
+              </a14:hiddenFill>
+            </a:ext>
+            <a:ext uri="{91240B29-F687-4F45-9708-019B960494DF}">
+              <a14:hiddenLine xmlns:a14="http://schemas.microsoft.com/office/drawing/2010/main" w="9525">
+                <a:solidFill>
+                  <a:schemeClr val="tx1"/>
+                </a:solidFill>
+                <a:miter lim="800000"/>
+                <a:headEnd/>
+                <a:tailEnd/>
+              </a14:hiddenLine>
+            </a:ext>
+          </a:extLst>
+        </p:spPr>
+      </p:pic>
+      <p:sp>
+        <p:nvSpPr>
+          <p:cNvPr id="4" name="TextBox 3"/>
+          <p:cNvSpPr txBox="1"/>
+          <p:nvPr/>
+        </p:nvSpPr>
+        <p:spPr>
+          <a:xfrm>
+            <a:off x="1" y="-13195"/>
+            <a:ext cx="9144000" cy="584775"/>
+          </a:xfrm>
+          <a:prstGeom prst="rect">
+            <a:avLst/>
+          </a:prstGeom>
+          <a:noFill/>
+        </p:spPr>
+        <p:txBody>
+          <a:bodyPr wrap="square" rtlCol="0">
+            <a:spAutoFit/>
+          </a:bodyPr>
+          <a:lstStyle/>
+          <a:p>
+            <a:r>
+              <a:rPr lang="ja-JP" altLang="en-US" sz="3200" dirty="0"/>
+              <a:t>そもそも</a:t>
+            </a:r>
+            <a:r>
+              <a:rPr lang="ja-JP" altLang="en-US" sz="3200" dirty="0" smtClean="0"/>
+              <a:t>、カーネルがおかしかった。</a:t>
+            </a:r>
+            <a:endParaRPr lang="en-US" altLang="ja-JP" sz="3200" dirty="0" smtClean="0"/>
+          </a:p>
+        </p:txBody>
+      </p:sp>
+      <p:sp>
+        <p:nvSpPr>
+          <p:cNvPr id="5" name="TextBox 4"/>
+          <p:cNvSpPr txBox="1"/>
+          <p:nvPr/>
+        </p:nvSpPr>
+        <p:spPr>
+          <a:xfrm>
+            <a:off x="0" y="3149025"/>
+            <a:ext cx="9144000" cy="584775"/>
+          </a:xfrm>
+          <a:prstGeom prst="rect">
+            <a:avLst/>
+          </a:prstGeom>
+          <a:noFill/>
+        </p:spPr>
+        <p:txBody>
+          <a:bodyPr wrap="square" rtlCol="0">
+            <a:spAutoFit/>
+          </a:bodyPr>
+          <a:lstStyle/>
+          <a:p>
+            <a:r>
+              <a:rPr lang="ja-JP" altLang="en-US" sz="3200" dirty="0" smtClean="0"/>
+              <a:t>修正後⇒ </a:t>
+            </a:r>
+            <a:r>
+              <a:rPr lang="en-US" altLang="ja-JP" sz="3200" dirty="0" smtClean="0"/>
+              <a:t>kde_feature_g2.xml</a:t>
+            </a:r>
+            <a:endParaRPr lang="en-US" altLang="ja-JP" sz="3200" dirty="0" smtClean="0"/>
+          </a:p>
+        </p:txBody>
+      </p:sp>
+    </p:spTree>
+    <p:extLst>
+      <p:ext uri="{BB962C8B-B14F-4D97-AF65-F5344CB8AC3E}">
+        <p14:creationId xmlns:p14="http://schemas.microsoft.com/office/powerpoint/2010/main" val="3210585770"/>
+      </p:ext>
+    </p:extLst>
+  </p:cSld>
+  <p:clrMapOvr>
+    <a:masterClrMapping/>
+  </p:clrMapOvr>
+</p:sld>
+</file>
+
+<file path=ppt/slides/slide35.xml><?xml version="1.0" encoding="utf-8"?>
 <p:sld xmlns:a="http://schemas.openxmlformats.org/drawingml/2006/main" xmlns:r="http://schemas.openxmlformats.org/officeDocument/2006/relationships" xmlns:p="http://schemas.openxmlformats.org/presentationml/2006/main">
   <p:cSld>
     <p:spTree>
@@ -10806,7 +10884,7 @@
 </p:sld>
 </file>
 
-<file path=ppt/slides/slide35.xml><?xml version="1.0" encoding="utf-8"?>
+<file path=ppt/slides/slide36.xml><?xml version="1.0" encoding="utf-8"?>
 <p:sld xmlns:a="http://schemas.openxmlformats.org/drawingml/2006/main" xmlns:r="http://schemas.openxmlformats.org/officeDocument/2006/relationships" xmlns:p="http://schemas.openxmlformats.org/presentationml/2006/main">
   <p:cSld>
     <p:spTree>
@@ -11320,7 +11398,7 @@
 </p:sld>
 </file>
 
-<file path=ppt/slides/slide36.xml><?xml version="1.0" encoding="utf-8"?>
+<file path=ppt/slides/slide37.xml><?xml version="1.0" encoding="utf-8"?>
 <p:sld xmlns:a="http://schemas.openxmlformats.org/drawingml/2006/main" xmlns:r="http://schemas.openxmlformats.org/officeDocument/2006/relationships" xmlns:p="http://schemas.openxmlformats.org/presentationml/2006/main">
   <p:cSld>
     <p:spTree>
@@ -11774,7 +11852,7 @@
 </p:sld>
 </file>
 
-<file path=ppt/slides/slide37.xml><?xml version="1.0" encoding="utf-8"?>
+<file path=ppt/slides/slide38.xml><?xml version="1.0" encoding="utf-8"?>
 <p:sld xmlns:a="http://schemas.openxmlformats.org/drawingml/2006/main" xmlns:r="http://schemas.openxmlformats.org/officeDocument/2006/relationships" xmlns:p="http://schemas.openxmlformats.org/presentationml/2006/main">
   <p:cSld>
     <p:spTree>
@@ -13169,13 +13247,8 @@
           <a:p>
             <a:r>
               <a:rPr lang="en-US" altLang="ja-JP" sz="3200" dirty="0" smtClean="0"/>
-              <a:t>Iteration: </a:t>
-            </a:r>
-            <a:r>
-              <a:rPr lang="en-US" altLang="ja-JP" sz="3200" dirty="0" smtClean="0"/>
-              <a:t>5</a:t>
-            </a:r>
-            <a:endParaRPr lang="en-US" altLang="ja-JP" sz="3200" dirty="0" smtClean="0"/>
+              <a:t>Iteration: 5</a:t>
+            </a:r>
           </a:p>
           <a:p>
             <a:r>
@@ -13737,13 +13810,8 @@
           <a:p>
             <a:r>
               <a:rPr lang="en-US" altLang="ja-JP" sz="3200" dirty="0" smtClean="0"/>
-              <a:t>Iteration: </a:t>
-            </a:r>
-            <a:r>
-              <a:rPr lang="en-US" altLang="ja-JP" sz="3200" dirty="0" smtClean="0"/>
-              <a:t>6</a:t>
-            </a:r>
-            <a:endParaRPr lang="en-US" altLang="ja-JP" sz="3200" dirty="0" smtClean="0"/>
+              <a:t>Iteration: 6</a:t>
+            </a:r>
           </a:p>
           <a:p>
             <a:r>
@@ -14443,17 +14511,8 @@
           <a:p>
             <a:r>
               <a:rPr lang="en-US" altLang="ja-JP" sz="3200" dirty="0" smtClean="0"/>
-              <a:t>Iteration</a:t>
-            </a:r>
-            <a:r>
-              <a:rPr lang="en-US" altLang="ja-JP" sz="3200" dirty="0" smtClean="0"/>
-              <a:t>: </a:t>
-            </a:r>
-            <a:r>
-              <a:rPr lang="en-US" altLang="ja-JP" sz="3200" dirty="0" smtClean="0"/>
-              <a:t>6</a:t>
-            </a:r>
-            <a:endParaRPr lang="en-US" altLang="ja-JP" sz="3200" dirty="0" smtClean="0"/>
+              <a:t>Iteration: 6</a:t>
+            </a:r>
           </a:p>
           <a:p>
             <a:r>
@@ -15101,25 +15160,13 @@
           <a:p>
             <a:r>
               <a:rPr lang="en-US" altLang="ja-JP" sz="3200" dirty="0" smtClean="0"/>
-              <a:t>Iteration</a:t>
-            </a:r>
+              <a:t>Iteration: 7</a:t>
+            </a:r>
+          </a:p>
+          <a:p>
             <a:r>
               <a:rPr lang="en-US" altLang="ja-JP" sz="3200" dirty="0" smtClean="0"/>
-              <a:t>: </a:t>
-            </a:r>
-            <a:r>
-              <a:rPr lang="en-US" altLang="ja-JP" sz="3200" dirty="0" smtClean="0"/>
-              <a:t>7</a:t>
-            </a:r>
-          </a:p>
-          <a:p>
-            <a:r>
-              <a:rPr lang="en-US" altLang="ja-JP" sz="3200" dirty="0" smtClean="0"/>
-              <a:t>Snap</a:t>
-            </a:r>
-            <a:r>
-              <a:rPr lang="en-US" altLang="ja-JP" sz="3200" dirty="0" smtClean="0"/>
-              <a:t>: ON</a:t>
+              <a:t>Snap: ON</a:t>
             </a:r>
             <a:r>
               <a:rPr lang="ja-JP" altLang="en-US" sz="3200" dirty="0"/>

--- a/RoadDesigner.pptx
+++ b/RoadDesigner.pptx
@@ -39,10 +39,16 @@
     <p:sldId id="293" r:id="rId33"/>
     <p:sldId id="295" r:id="rId34"/>
     <p:sldId id="296" r:id="rId35"/>
-    <p:sldId id="268" r:id="rId36"/>
-    <p:sldId id="269" r:id="rId37"/>
-    <p:sldId id="275" r:id="rId38"/>
-    <p:sldId id="270" r:id="rId39"/>
+    <p:sldId id="297" r:id="rId36"/>
+    <p:sldId id="298" r:id="rId37"/>
+    <p:sldId id="299" r:id="rId38"/>
+    <p:sldId id="303" r:id="rId39"/>
+    <p:sldId id="301" r:id="rId40"/>
+    <p:sldId id="302" r:id="rId41"/>
+    <p:sldId id="268" r:id="rId42"/>
+    <p:sldId id="269" r:id="rId43"/>
+    <p:sldId id="275" r:id="rId44"/>
+    <p:sldId id="270" r:id="rId45"/>
   </p:sldIdLst>
   <p:sldSz cx="9144000" cy="6858000" type="screen4x3"/>
   <p:notesSz cx="6997700" cy="9283700"/>
@@ -325,7 +331,7 @@
           <a:p>
             <a:fld id="{2F0C258B-7F9F-4882-BAC1-54AC507C7770}" type="datetimeFigureOut">
               <a:rPr lang="en-US" smtClean="0"/>
-              <a:t>2/18/2014</a:t>
+              <a:t>2/19/2014</a:t>
             </a:fld>
             <a:endParaRPr lang="en-US"/>
           </a:p>
@@ -495,7 +501,7 @@
           <a:p>
             <a:fld id="{2F0C258B-7F9F-4882-BAC1-54AC507C7770}" type="datetimeFigureOut">
               <a:rPr lang="en-US" smtClean="0"/>
-              <a:t>2/18/2014</a:t>
+              <a:t>2/19/2014</a:t>
             </a:fld>
             <a:endParaRPr lang="en-US"/>
           </a:p>
@@ -675,7 +681,7 @@
           <a:p>
             <a:fld id="{2F0C258B-7F9F-4882-BAC1-54AC507C7770}" type="datetimeFigureOut">
               <a:rPr lang="en-US" smtClean="0"/>
-              <a:t>2/18/2014</a:t>
+              <a:t>2/19/2014</a:t>
             </a:fld>
             <a:endParaRPr lang="en-US"/>
           </a:p>
@@ -845,7 +851,7 @@
           <a:p>
             <a:fld id="{2F0C258B-7F9F-4882-BAC1-54AC507C7770}" type="datetimeFigureOut">
               <a:rPr lang="en-US" smtClean="0"/>
-              <a:t>2/18/2014</a:t>
+              <a:t>2/19/2014</a:t>
             </a:fld>
             <a:endParaRPr lang="en-US"/>
           </a:p>
@@ -1091,7 +1097,7 @@
           <a:p>
             <a:fld id="{2F0C258B-7F9F-4882-BAC1-54AC507C7770}" type="datetimeFigureOut">
               <a:rPr lang="en-US" smtClean="0"/>
-              <a:t>2/18/2014</a:t>
+              <a:t>2/19/2014</a:t>
             </a:fld>
             <a:endParaRPr lang="en-US"/>
           </a:p>
@@ -1379,7 +1385,7 @@
           <a:p>
             <a:fld id="{2F0C258B-7F9F-4882-BAC1-54AC507C7770}" type="datetimeFigureOut">
               <a:rPr lang="en-US" smtClean="0"/>
-              <a:t>2/18/2014</a:t>
+              <a:t>2/19/2014</a:t>
             </a:fld>
             <a:endParaRPr lang="en-US"/>
           </a:p>
@@ -1801,7 +1807,7 @@
           <a:p>
             <a:fld id="{2F0C258B-7F9F-4882-BAC1-54AC507C7770}" type="datetimeFigureOut">
               <a:rPr lang="en-US" smtClean="0"/>
-              <a:t>2/18/2014</a:t>
+              <a:t>2/19/2014</a:t>
             </a:fld>
             <a:endParaRPr lang="en-US"/>
           </a:p>
@@ -1919,7 +1925,7 @@
           <a:p>
             <a:fld id="{2F0C258B-7F9F-4882-BAC1-54AC507C7770}" type="datetimeFigureOut">
               <a:rPr lang="en-US" smtClean="0"/>
-              <a:t>2/18/2014</a:t>
+              <a:t>2/19/2014</a:t>
             </a:fld>
             <a:endParaRPr lang="en-US"/>
           </a:p>
@@ -2014,7 +2020,7 @@
           <a:p>
             <a:fld id="{2F0C258B-7F9F-4882-BAC1-54AC507C7770}" type="datetimeFigureOut">
               <a:rPr lang="en-US" smtClean="0"/>
-              <a:t>2/18/2014</a:t>
+              <a:t>2/19/2014</a:t>
             </a:fld>
             <a:endParaRPr lang="en-US"/>
           </a:p>
@@ -2291,7 +2297,7 @@
           <a:p>
             <a:fld id="{2F0C258B-7F9F-4882-BAC1-54AC507C7770}" type="datetimeFigureOut">
               <a:rPr lang="en-US" smtClean="0"/>
-              <a:t>2/18/2014</a:t>
+              <a:t>2/19/2014</a:t>
             </a:fld>
             <a:endParaRPr lang="en-US"/>
           </a:p>
@@ -2544,7 +2550,7 @@
           <a:p>
             <a:fld id="{2F0C258B-7F9F-4882-BAC1-54AC507C7770}" type="datetimeFigureOut">
               <a:rPr lang="en-US" smtClean="0"/>
-              <a:t>2/18/2014</a:t>
+              <a:t>2/19/2014</a:t>
             </a:fld>
             <a:endParaRPr lang="en-US"/>
           </a:p>
@@ -2757,7 +2763,7 @@
           <a:p>
             <a:fld id="{2F0C258B-7F9F-4882-BAC1-54AC507C7770}" type="datetimeFigureOut">
               <a:rPr lang="en-US" smtClean="0"/>
-              <a:t>2/18/2014</a:t>
+              <a:t>2/19/2014</a:t>
             </a:fld>
             <a:endParaRPr lang="en-US"/>
           </a:p>
@@ -10288,7 +10294,19 @@
             </a:r>
             <a:r>
               <a:rPr lang="ja-JP" altLang="en-US" sz="3200" dirty="0" smtClean="0"/>
-              <a:t>、カーネルがおかしかった。</a:t>
+              <a:t>、カーネルがお</a:t>
+            </a:r>
+            <a:r>
+              <a:rPr lang="ja-JP" altLang="en-US" sz="3200" dirty="0" smtClean="0"/>
+              <a:t>か</a:t>
+            </a:r>
+            <a:r>
+              <a:rPr lang="ja-JP" altLang="en-US" sz="3200" dirty="0"/>
+              <a:t>しい</a:t>
+            </a:r>
+            <a:r>
+              <a:rPr lang="ja-JP" altLang="en-US" sz="3200" dirty="0" smtClean="0"/>
+              <a:t>。</a:t>
             </a:r>
             <a:endParaRPr lang="en-US" altLang="ja-JP" sz="3200" dirty="0" smtClean="0"/>
           </a:p>
@@ -10303,7 +10321,7 @@
         <p:spPr>
           <a:xfrm>
             <a:off x="0" y="3149025"/>
-            <a:ext cx="9144000" cy="584775"/>
+            <a:ext cx="9144000" cy="2062103"/>
           </a:xfrm>
           <a:prstGeom prst="rect">
             <a:avLst/>
@@ -10318,13 +10336,53 @@
           <a:p>
             <a:r>
               <a:rPr lang="ja-JP" altLang="en-US" sz="3200" dirty="0" smtClean="0"/>
-              <a:t>修正後⇒ </a:t>
+              <a:t>もともとの</a:t>
+            </a:r>
+            <a:r>
+              <a:rPr lang="en-US" altLang="ja-JP" sz="3200" dirty="0" smtClean="0"/>
+              <a:t>GSM</a:t>
+            </a:r>
+            <a:r>
+              <a:rPr lang="ja-JP" altLang="en-US" sz="3200" dirty="0" smtClean="0"/>
+              <a:t>ファイルで、道路が二重になってた。</a:t>
+            </a:r>
+            <a:endParaRPr lang="en-US" altLang="ja-JP" sz="3200" dirty="0" smtClean="0"/>
+          </a:p>
+          <a:p>
+            <a:r>
+              <a:rPr lang="ja-JP" altLang="en-US" sz="3200" dirty="0"/>
+              <a:t>やはり</a:t>
+            </a:r>
+            <a:r>
+              <a:rPr lang="ja-JP" altLang="en-US" sz="3200" dirty="0" smtClean="0"/>
+              <a:t>、この問題は、いろいろ面倒だ。。。</a:t>
+            </a:r>
+            <a:endParaRPr lang="en-US" altLang="ja-JP" sz="3200" dirty="0" smtClean="0"/>
+          </a:p>
+          <a:p>
+            <a:r>
+              <a:rPr lang="ja-JP" altLang="en-US" sz="3200" dirty="0"/>
+              <a:t>手</a:t>
+            </a:r>
+            <a:r>
+              <a:rPr lang="ja-JP" altLang="en-US" sz="3200" dirty="0" smtClean="0"/>
+              <a:t>動で道路を修正した。</a:t>
+            </a:r>
+            <a:endParaRPr lang="en-US" altLang="ja-JP" sz="3200" dirty="0" smtClean="0"/>
+          </a:p>
+          <a:p>
+            <a:r>
+              <a:rPr lang="ja-JP" altLang="en-US" sz="3200" dirty="0" smtClean="0"/>
+              <a:t>修</a:t>
+            </a:r>
+            <a:r>
+              <a:rPr lang="ja-JP" altLang="en-US" sz="3200" dirty="0" smtClean="0"/>
+              <a:t>正後⇒ </a:t>
             </a:r>
             <a:r>
               <a:rPr lang="en-US" altLang="ja-JP" sz="3200" dirty="0" smtClean="0"/>
               <a:t>kde_feature_g2.xml</a:t>
             </a:r>
-            <a:endParaRPr lang="en-US" altLang="ja-JP" sz="3200" dirty="0" smtClean="0"/>
           </a:p>
         </p:txBody>
       </p:sp>
@@ -10342,6 +10400,3933 @@
 </file>
 
 <file path=ppt/slides/slide35.xml><?xml version="1.0" encoding="utf-8"?>
+<p:sld xmlns:a="http://schemas.openxmlformats.org/drawingml/2006/main" xmlns:r="http://schemas.openxmlformats.org/officeDocument/2006/relationships" xmlns:p="http://schemas.openxmlformats.org/presentationml/2006/main">
+  <p:cSld>
+    <p:spTree>
+      <p:nvGrpSpPr>
+        <p:cNvPr id="1" name=""/>
+        <p:cNvGrpSpPr/>
+        <p:nvPr/>
+      </p:nvGrpSpPr>
+      <p:grpSpPr>
+        <a:xfrm>
+          <a:off x="0" y="0"/>
+          <a:ext cx="0" cy="0"/>
+          <a:chOff x="0" y="0"/>
+          <a:chExt cx="0" cy="0"/>
+        </a:xfrm>
+      </p:grpSpPr>
+      <p:pic>
+        <p:nvPicPr>
+          <p:cNvPr id="1026" name="Picture 2"/>
+          <p:cNvPicPr>
+            <a:picLocks noChangeAspect="1" noChangeArrowheads="1"/>
+          </p:cNvPicPr>
+          <p:nvPr/>
+        </p:nvPicPr>
+        <p:blipFill>
+          <a:blip r:embed="rId2" cstate="print">
+            <a:extLst>
+              <a:ext uri="{28A0092B-C50C-407E-A947-70E740481C1C}">
+                <a14:useLocalDpi xmlns:a14="http://schemas.microsoft.com/office/drawing/2010/main" val="0"/>
+              </a:ext>
+            </a:extLst>
+          </a:blip>
+          <a:srcRect/>
+          <a:stretch>
+            <a:fillRect/>
+          </a:stretch>
+        </p:blipFill>
+        <p:spPr bwMode="auto">
+          <a:xfrm>
+            <a:off x="152400" y="838200"/>
+            <a:ext cx="1652587" cy="1649108"/>
+          </a:xfrm>
+          <a:prstGeom prst="rect">
+            <a:avLst/>
+          </a:prstGeom>
+          <a:noFill/>
+          <a:ln>
+            <a:noFill/>
+          </a:ln>
+          <a:extLst>
+            <a:ext uri="{909E8E84-426E-40DD-AFC4-6F175D3DCCD1}">
+              <a14:hiddenFill xmlns:a14="http://schemas.microsoft.com/office/drawing/2010/main">
+                <a:solidFill>
+                  <a:schemeClr val="accent1"/>
+                </a:solidFill>
+              </a14:hiddenFill>
+            </a:ext>
+            <a:ext uri="{91240B29-F687-4F45-9708-019B960494DF}">
+              <a14:hiddenLine xmlns:a14="http://schemas.microsoft.com/office/drawing/2010/main" w="9525">
+                <a:solidFill>
+                  <a:schemeClr val="tx1"/>
+                </a:solidFill>
+                <a:miter lim="800000"/>
+                <a:headEnd/>
+                <a:tailEnd/>
+              </a14:hiddenLine>
+            </a:ext>
+          </a:extLst>
+        </p:spPr>
+      </p:pic>
+      <p:sp>
+        <p:nvSpPr>
+          <p:cNvPr id="3" name="TextBox 2"/>
+          <p:cNvSpPr txBox="1"/>
+          <p:nvPr/>
+        </p:nvSpPr>
+        <p:spPr>
+          <a:xfrm>
+            <a:off x="1" y="-13195"/>
+            <a:ext cx="9144000" cy="584775"/>
+          </a:xfrm>
+          <a:prstGeom prst="rect">
+            <a:avLst/>
+          </a:prstGeom>
+          <a:noFill/>
+        </p:spPr>
+        <p:txBody>
+          <a:bodyPr wrap="square" rtlCol="0">
+            <a:spAutoFit/>
+          </a:bodyPr>
+          <a:lstStyle/>
+          <a:p>
+            <a:r>
+              <a:rPr lang="ja-JP" altLang="en-US" sz="3200" dirty="0"/>
+              <a:t>再</a:t>
+            </a:r>
+            <a:r>
+              <a:rPr lang="ja-JP" altLang="en-US" sz="3200" dirty="0" smtClean="0"/>
+              <a:t>度、１ステップ毎の調査（</a:t>
+            </a:r>
+            <a:r>
+              <a:rPr lang="en-US" altLang="ja-JP" sz="3200" dirty="0" smtClean="0"/>
+              <a:t>kde_feature_g2.xml</a:t>
+            </a:r>
+            <a:r>
+              <a:rPr lang="ja-JP" altLang="en-US" sz="3200" dirty="0" smtClean="0"/>
+              <a:t>）</a:t>
+            </a:r>
+            <a:endParaRPr lang="en-US" altLang="ja-JP" sz="3200" dirty="0" smtClean="0"/>
+          </a:p>
+        </p:txBody>
+      </p:sp>
+      <p:pic>
+        <p:nvPicPr>
+          <p:cNvPr id="1027" name="Picture 3"/>
+          <p:cNvPicPr>
+            <a:picLocks noChangeAspect="1" noChangeArrowheads="1"/>
+          </p:cNvPicPr>
+          <p:nvPr/>
+        </p:nvPicPr>
+        <p:blipFill>
+          <a:blip r:embed="rId3" cstate="print">
+            <a:extLst>
+              <a:ext uri="{28A0092B-C50C-407E-A947-70E740481C1C}">
+                <a14:useLocalDpi xmlns:a14="http://schemas.microsoft.com/office/drawing/2010/main" val="0"/>
+              </a:ext>
+            </a:extLst>
+          </a:blip>
+          <a:srcRect/>
+          <a:stretch>
+            <a:fillRect/>
+          </a:stretch>
+        </p:blipFill>
+        <p:spPr bwMode="auto">
+          <a:xfrm>
+            <a:off x="1905000" y="855685"/>
+            <a:ext cx="1658628" cy="1662113"/>
+          </a:xfrm>
+          <a:prstGeom prst="rect">
+            <a:avLst/>
+          </a:prstGeom>
+          <a:noFill/>
+          <a:ln>
+            <a:noFill/>
+          </a:ln>
+          <a:extLst>
+            <a:ext uri="{909E8E84-426E-40DD-AFC4-6F175D3DCCD1}">
+              <a14:hiddenFill xmlns:a14="http://schemas.microsoft.com/office/drawing/2010/main">
+                <a:solidFill>
+                  <a:schemeClr val="accent1"/>
+                </a:solidFill>
+              </a14:hiddenFill>
+            </a:ext>
+            <a:ext uri="{91240B29-F687-4F45-9708-019B960494DF}">
+              <a14:hiddenLine xmlns:a14="http://schemas.microsoft.com/office/drawing/2010/main" w="9525">
+                <a:solidFill>
+                  <a:schemeClr val="tx1"/>
+                </a:solidFill>
+                <a:miter lim="800000"/>
+                <a:headEnd/>
+                <a:tailEnd/>
+              </a14:hiddenLine>
+            </a:ext>
+          </a:extLst>
+        </p:spPr>
+      </p:pic>
+      <p:pic>
+        <p:nvPicPr>
+          <p:cNvPr id="1028" name="Picture 4"/>
+          <p:cNvPicPr>
+            <a:picLocks noChangeAspect="1" noChangeArrowheads="1"/>
+          </p:cNvPicPr>
+          <p:nvPr/>
+        </p:nvPicPr>
+        <p:blipFill>
+          <a:blip r:embed="rId4" cstate="print">
+            <a:extLst>
+              <a:ext uri="{28A0092B-C50C-407E-A947-70E740481C1C}">
+                <a14:useLocalDpi xmlns:a14="http://schemas.microsoft.com/office/drawing/2010/main" val="0"/>
+              </a:ext>
+            </a:extLst>
+          </a:blip>
+          <a:srcRect/>
+          <a:stretch>
+            <a:fillRect/>
+          </a:stretch>
+        </p:blipFill>
+        <p:spPr bwMode="auto">
+          <a:xfrm>
+            <a:off x="3657600" y="848541"/>
+            <a:ext cx="1669400" cy="1676400"/>
+          </a:xfrm>
+          <a:prstGeom prst="rect">
+            <a:avLst/>
+          </a:prstGeom>
+          <a:noFill/>
+          <a:ln>
+            <a:noFill/>
+          </a:ln>
+          <a:extLst>
+            <a:ext uri="{909E8E84-426E-40DD-AFC4-6F175D3DCCD1}">
+              <a14:hiddenFill xmlns:a14="http://schemas.microsoft.com/office/drawing/2010/main">
+                <a:solidFill>
+                  <a:schemeClr val="accent1"/>
+                </a:solidFill>
+              </a14:hiddenFill>
+            </a:ext>
+            <a:ext uri="{91240B29-F687-4F45-9708-019B960494DF}">
+              <a14:hiddenLine xmlns:a14="http://schemas.microsoft.com/office/drawing/2010/main" w="9525">
+                <a:solidFill>
+                  <a:schemeClr val="tx1"/>
+                </a:solidFill>
+                <a:miter lim="800000"/>
+                <a:headEnd/>
+                <a:tailEnd/>
+              </a14:hiddenLine>
+            </a:ext>
+          </a:extLst>
+        </p:spPr>
+      </p:pic>
+      <p:pic>
+        <p:nvPicPr>
+          <p:cNvPr id="1029" name="Picture 5"/>
+          <p:cNvPicPr>
+            <a:picLocks noChangeAspect="1" noChangeArrowheads="1"/>
+          </p:cNvPicPr>
+          <p:nvPr/>
+        </p:nvPicPr>
+        <p:blipFill>
+          <a:blip r:embed="rId5" cstate="print">
+            <a:extLst>
+              <a:ext uri="{28A0092B-C50C-407E-A947-70E740481C1C}">
+                <a14:useLocalDpi xmlns:a14="http://schemas.microsoft.com/office/drawing/2010/main" val="0"/>
+              </a:ext>
+            </a:extLst>
+          </a:blip>
+          <a:srcRect/>
+          <a:stretch>
+            <a:fillRect/>
+          </a:stretch>
+        </p:blipFill>
+        <p:spPr bwMode="auto">
+          <a:xfrm>
+            <a:off x="5486400" y="857256"/>
+            <a:ext cx="1669400" cy="1687047"/>
+          </a:xfrm>
+          <a:prstGeom prst="rect">
+            <a:avLst/>
+          </a:prstGeom>
+          <a:noFill/>
+          <a:ln>
+            <a:noFill/>
+          </a:ln>
+          <a:extLst>
+            <a:ext uri="{909E8E84-426E-40DD-AFC4-6F175D3DCCD1}">
+              <a14:hiddenFill xmlns:a14="http://schemas.microsoft.com/office/drawing/2010/main">
+                <a:solidFill>
+                  <a:schemeClr val="accent1"/>
+                </a:solidFill>
+              </a14:hiddenFill>
+            </a:ext>
+            <a:ext uri="{91240B29-F687-4F45-9708-019B960494DF}">
+              <a14:hiddenLine xmlns:a14="http://schemas.microsoft.com/office/drawing/2010/main" w="9525">
+                <a:solidFill>
+                  <a:schemeClr val="tx1"/>
+                </a:solidFill>
+                <a:miter lim="800000"/>
+                <a:headEnd/>
+                <a:tailEnd/>
+              </a14:hiddenLine>
+            </a:ext>
+          </a:extLst>
+        </p:spPr>
+      </p:pic>
+      <p:pic>
+        <p:nvPicPr>
+          <p:cNvPr id="1030" name="Picture 6"/>
+          <p:cNvPicPr>
+            <a:picLocks noChangeAspect="1" noChangeArrowheads="1"/>
+          </p:cNvPicPr>
+          <p:nvPr/>
+        </p:nvPicPr>
+        <p:blipFill>
+          <a:blip r:embed="rId6" cstate="print">
+            <a:extLst>
+              <a:ext uri="{28A0092B-C50C-407E-A947-70E740481C1C}">
+                <a14:useLocalDpi xmlns:a14="http://schemas.microsoft.com/office/drawing/2010/main" val="0"/>
+              </a:ext>
+            </a:extLst>
+          </a:blip>
+          <a:srcRect/>
+          <a:stretch>
+            <a:fillRect/>
+          </a:stretch>
+        </p:blipFill>
+        <p:spPr bwMode="auto">
+          <a:xfrm>
+            <a:off x="7315200" y="859170"/>
+            <a:ext cx="1658628" cy="1658628"/>
+          </a:xfrm>
+          <a:prstGeom prst="rect">
+            <a:avLst/>
+          </a:prstGeom>
+          <a:noFill/>
+          <a:ln>
+            <a:noFill/>
+          </a:ln>
+          <a:extLst>
+            <a:ext uri="{909E8E84-426E-40DD-AFC4-6F175D3DCCD1}">
+              <a14:hiddenFill xmlns:a14="http://schemas.microsoft.com/office/drawing/2010/main">
+                <a:solidFill>
+                  <a:schemeClr val="accent1"/>
+                </a:solidFill>
+              </a14:hiddenFill>
+            </a:ext>
+            <a:ext uri="{91240B29-F687-4F45-9708-019B960494DF}">
+              <a14:hiddenLine xmlns:a14="http://schemas.microsoft.com/office/drawing/2010/main" w="9525">
+                <a:solidFill>
+                  <a:schemeClr val="tx1"/>
+                </a:solidFill>
+                <a:miter lim="800000"/>
+                <a:headEnd/>
+                <a:tailEnd/>
+              </a14:hiddenLine>
+            </a:ext>
+          </a:extLst>
+        </p:spPr>
+      </p:pic>
+      <p:pic>
+        <p:nvPicPr>
+          <p:cNvPr id="1031" name="Picture 7"/>
+          <p:cNvPicPr>
+            <a:picLocks noChangeAspect="1" noChangeArrowheads="1"/>
+          </p:cNvPicPr>
+          <p:nvPr/>
+        </p:nvPicPr>
+        <p:blipFill>
+          <a:blip r:embed="rId7" cstate="print">
+            <a:extLst>
+              <a:ext uri="{28A0092B-C50C-407E-A947-70E740481C1C}">
+                <a14:useLocalDpi xmlns:a14="http://schemas.microsoft.com/office/drawing/2010/main" val="0"/>
+              </a:ext>
+            </a:extLst>
+          </a:blip>
+          <a:srcRect/>
+          <a:stretch>
+            <a:fillRect/>
+          </a:stretch>
+        </p:blipFill>
+        <p:spPr bwMode="auto">
+          <a:xfrm>
+            <a:off x="120977" y="2819400"/>
+            <a:ext cx="1652587" cy="1649115"/>
+          </a:xfrm>
+          <a:prstGeom prst="rect">
+            <a:avLst/>
+          </a:prstGeom>
+          <a:noFill/>
+          <a:ln>
+            <a:noFill/>
+          </a:ln>
+          <a:extLst>
+            <a:ext uri="{909E8E84-426E-40DD-AFC4-6F175D3DCCD1}">
+              <a14:hiddenFill xmlns:a14="http://schemas.microsoft.com/office/drawing/2010/main">
+                <a:solidFill>
+                  <a:schemeClr val="accent1"/>
+                </a:solidFill>
+              </a14:hiddenFill>
+            </a:ext>
+            <a:ext uri="{91240B29-F687-4F45-9708-019B960494DF}">
+              <a14:hiddenLine xmlns:a14="http://schemas.microsoft.com/office/drawing/2010/main" w="9525">
+                <a:solidFill>
+                  <a:schemeClr val="tx1"/>
+                </a:solidFill>
+                <a:miter lim="800000"/>
+                <a:headEnd/>
+                <a:tailEnd/>
+              </a14:hiddenLine>
+            </a:ext>
+          </a:extLst>
+        </p:spPr>
+      </p:pic>
+      <p:pic>
+        <p:nvPicPr>
+          <p:cNvPr id="1032" name="Picture 8"/>
+          <p:cNvPicPr>
+            <a:picLocks noChangeAspect="1" noChangeArrowheads="1"/>
+          </p:cNvPicPr>
+          <p:nvPr/>
+        </p:nvPicPr>
+        <p:blipFill>
+          <a:blip r:embed="rId8" cstate="print">
+            <a:extLst>
+              <a:ext uri="{28A0092B-C50C-407E-A947-70E740481C1C}">
+                <a14:useLocalDpi xmlns:a14="http://schemas.microsoft.com/office/drawing/2010/main" val="0"/>
+              </a:ext>
+            </a:extLst>
+          </a:blip>
+          <a:srcRect/>
+          <a:stretch>
+            <a:fillRect/>
+          </a:stretch>
+        </p:blipFill>
+        <p:spPr bwMode="auto">
+          <a:xfrm>
+            <a:off x="1905001" y="2804079"/>
+            <a:ext cx="1658627" cy="1679756"/>
+          </a:xfrm>
+          <a:prstGeom prst="rect">
+            <a:avLst/>
+          </a:prstGeom>
+          <a:noFill/>
+          <a:ln>
+            <a:noFill/>
+          </a:ln>
+          <a:extLst>
+            <a:ext uri="{909E8E84-426E-40DD-AFC4-6F175D3DCCD1}">
+              <a14:hiddenFill xmlns:a14="http://schemas.microsoft.com/office/drawing/2010/main">
+                <a:solidFill>
+                  <a:schemeClr val="accent1"/>
+                </a:solidFill>
+              </a14:hiddenFill>
+            </a:ext>
+            <a:ext uri="{91240B29-F687-4F45-9708-019B960494DF}">
+              <a14:hiddenLine xmlns:a14="http://schemas.microsoft.com/office/drawing/2010/main" w="9525">
+                <a:solidFill>
+                  <a:schemeClr val="tx1"/>
+                </a:solidFill>
+                <a:miter lim="800000"/>
+                <a:headEnd/>
+                <a:tailEnd/>
+              </a14:hiddenLine>
+            </a:ext>
+          </a:extLst>
+        </p:spPr>
+      </p:pic>
+      <p:pic>
+        <p:nvPicPr>
+          <p:cNvPr id="1033" name="Picture 9"/>
+          <p:cNvPicPr>
+            <a:picLocks noChangeAspect="1" noChangeArrowheads="1"/>
+          </p:cNvPicPr>
+          <p:nvPr/>
+        </p:nvPicPr>
+        <p:blipFill>
+          <a:blip r:embed="rId9" cstate="print">
+            <a:extLst>
+              <a:ext uri="{28A0092B-C50C-407E-A947-70E740481C1C}">
+                <a14:useLocalDpi xmlns:a14="http://schemas.microsoft.com/office/drawing/2010/main" val="0"/>
+              </a:ext>
+            </a:extLst>
+          </a:blip>
+          <a:srcRect/>
+          <a:stretch>
+            <a:fillRect/>
+          </a:stretch>
+        </p:blipFill>
+        <p:spPr bwMode="auto">
+          <a:xfrm>
+            <a:off x="3657600" y="2819399"/>
+            <a:ext cx="1635198" cy="1649115"/>
+          </a:xfrm>
+          <a:prstGeom prst="rect">
+            <a:avLst/>
+          </a:prstGeom>
+          <a:noFill/>
+          <a:ln>
+            <a:noFill/>
+          </a:ln>
+          <a:extLst>
+            <a:ext uri="{909E8E84-426E-40DD-AFC4-6F175D3DCCD1}">
+              <a14:hiddenFill xmlns:a14="http://schemas.microsoft.com/office/drawing/2010/main">
+                <a:solidFill>
+                  <a:schemeClr val="accent1"/>
+                </a:solidFill>
+              </a14:hiddenFill>
+            </a:ext>
+            <a:ext uri="{91240B29-F687-4F45-9708-019B960494DF}">
+              <a14:hiddenLine xmlns:a14="http://schemas.microsoft.com/office/drawing/2010/main" w="9525">
+                <a:solidFill>
+                  <a:schemeClr val="tx1"/>
+                </a:solidFill>
+                <a:miter lim="800000"/>
+                <a:headEnd/>
+                <a:tailEnd/>
+              </a14:hiddenLine>
+            </a:ext>
+          </a:extLst>
+        </p:spPr>
+      </p:pic>
+      <p:pic>
+        <p:nvPicPr>
+          <p:cNvPr id="1034" name="Picture 10"/>
+          <p:cNvPicPr>
+            <a:picLocks noChangeAspect="1" noChangeArrowheads="1"/>
+          </p:cNvPicPr>
+          <p:nvPr/>
+        </p:nvPicPr>
+        <p:blipFill>
+          <a:blip r:embed="rId10" cstate="print">
+            <a:extLst>
+              <a:ext uri="{28A0092B-C50C-407E-A947-70E740481C1C}">
+                <a14:useLocalDpi xmlns:a14="http://schemas.microsoft.com/office/drawing/2010/main" val="0"/>
+              </a:ext>
+            </a:extLst>
+          </a:blip>
+          <a:srcRect/>
+          <a:stretch>
+            <a:fillRect/>
+          </a:stretch>
+        </p:blipFill>
+        <p:spPr bwMode="auto">
+          <a:xfrm>
+            <a:off x="5486400" y="2804079"/>
+            <a:ext cx="1665790" cy="1676400"/>
+          </a:xfrm>
+          <a:prstGeom prst="rect">
+            <a:avLst/>
+          </a:prstGeom>
+          <a:noFill/>
+          <a:ln>
+            <a:noFill/>
+          </a:ln>
+          <a:extLst>
+            <a:ext uri="{909E8E84-426E-40DD-AFC4-6F175D3DCCD1}">
+              <a14:hiddenFill xmlns:a14="http://schemas.microsoft.com/office/drawing/2010/main">
+                <a:solidFill>
+                  <a:schemeClr val="accent1"/>
+                </a:solidFill>
+              </a14:hiddenFill>
+            </a:ext>
+            <a:ext uri="{91240B29-F687-4F45-9708-019B960494DF}">
+              <a14:hiddenLine xmlns:a14="http://schemas.microsoft.com/office/drawing/2010/main" w="9525">
+                <a:solidFill>
+                  <a:schemeClr val="tx1"/>
+                </a:solidFill>
+                <a:miter lim="800000"/>
+                <a:headEnd/>
+                <a:tailEnd/>
+              </a14:hiddenLine>
+            </a:ext>
+          </a:extLst>
+        </p:spPr>
+      </p:pic>
+      <p:pic>
+        <p:nvPicPr>
+          <p:cNvPr id="1035" name="Picture 11"/>
+          <p:cNvPicPr>
+            <a:picLocks noChangeAspect="1" noChangeArrowheads="1"/>
+          </p:cNvPicPr>
+          <p:nvPr/>
+        </p:nvPicPr>
+        <p:blipFill>
+          <a:blip r:embed="rId11" cstate="print">
+            <a:extLst>
+              <a:ext uri="{28A0092B-C50C-407E-A947-70E740481C1C}">
+                <a14:useLocalDpi xmlns:a14="http://schemas.microsoft.com/office/drawing/2010/main" val="0"/>
+              </a:ext>
+            </a:extLst>
+          </a:blip>
+          <a:srcRect/>
+          <a:stretch>
+            <a:fillRect/>
+          </a:stretch>
+        </p:blipFill>
+        <p:spPr bwMode="auto">
+          <a:xfrm>
+            <a:off x="7293861" y="2819400"/>
+            <a:ext cx="1679967" cy="1676400"/>
+          </a:xfrm>
+          <a:prstGeom prst="rect">
+            <a:avLst/>
+          </a:prstGeom>
+          <a:noFill/>
+          <a:ln>
+            <a:noFill/>
+          </a:ln>
+          <a:extLst>
+            <a:ext uri="{909E8E84-426E-40DD-AFC4-6F175D3DCCD1}">
+              <a14:hiddenFill xmlns:a14="http://schemas.microsoft.com/office/drawing/2010/main">
+                <a:solidFill>
+                  <a:schemeClr val="accent1"/>
+                </a:solidFill>
+              </a14:hiddenFill>
+            </a:ext>
+            <a:ext uri="{91240B29-F687-4F45-9708-019B960494DF}">
+              <a14:hiddenLine xmlns:a14="http://schemas.microsoft.com/office/drawing/2010/main" w="9525">
+                <a:solidFill>
+                  <a:schemeClr val="tx1"/>
+                </a:solidFill>
+                <a:miter lim="800000"/>
+                <a:headEnd/>
+                <a:tailEnd/>
+              </a14:hiddenLine>
+            </a:ext>
+          </a:extLst>
+        </p:spPr>
+      </p:pic>
+      <p:pic>
+        <p:nvPicPr>
+          <p:cNvPr id="1036" name="Picture 12"/>
+          <p:cNvPicPr>
+            <a:picLocks noChangeAspect="1" noChangeArrowheads="1"/>
+          </p:cNvPicPr>
+          <p:nvPr/>
+        </p:nvPicPr>
+        <p:blipFill>
+          <a:blip r:embed="rId12" cstate="print">
+            <a:extLst>
+              <a:ext uri="{28A0092B-C50C-407E-A947-70E740481C1C}">
+                <a14:useLocalDpi xmlns:a14="http://schemas.microsoft.com/office/drawing/2010/main" val="0"/>
+              </a:ext>
+            </a:extLst>
+          </a:blip>
+          <a:srcRect/>
+          <a:stretch>
+            <a:fillRect/>
+          </a:stretch>
+        </p:blipFill>
+        <p:spPr bwMode="auto">
+          <a:xfrm>
+            <a:off x="7293861" y="4876800"/>
+            <a:ext cx="1621163" cy="1614337"/>
+          </a:xfrm>
+          <a:prstGeom prst="rect">
+            <a:avLst/>
+          </a:prstGeom>
+          <a:noFill/>
+          <a:ln>
+            <a:noFill/>
+          </a:ln>
+          <a:extLst>
+            <a:ext uri="{909E8E84-426E-40DD-AFC4-6F175D3DCCD1}">
+              <a14:hiddenFill xmlns:a14="http://schemas.microsoft.com/office/drawing/2010/main">
+                <a:solidFill>
+                  <a:schemeClr val="accent1"/>
+                </a:solidFill>
+              </a14:hiddenFill>
+            </a:ext>
+            <a:ext uri="{91240B29-F687-4F45-9708-019B960494DF}">
+              <a14:hiddenLine xmlns:a14="http://schemas.microsoft.com/office/drawing/2010/main" w="9525">
+                <a:solidFill>
+                  <a:schemeClr val="tx1"/>
+                </a:solidFill>
+                <a:miter lim="800000"/>
+                <a:headEnd/>
+                <a:tailEnd/>
+              </a14:hiddenLine>
+            </a:ext>
+          </a:extLst>
+        </p:spPr>
+      </p:pic>
+      <p:sp>
+        <p:nvSpPr>
+          <p:cNvPr id="2" name="TextBox 1"/>
+          <p:cNvSpPr txBox="1"/>
+          <p:nvPr/>
+        </p:nvSpPr>
+        <p:spPr>
+          <a:xfrm>
+            <a:off x="5897252" y="5518666"/>
+            <a:ext cx="877163" cy="369332"/>
+          </a:xfrm>
+          <a:prstGeom prst="rect">
+            <a:avLst/>
+          </a:prstGeom>
+          <a:noFill/>
+        </p:spPr>
+        <p:txBody>
+          <a:bodyPr wrap="none" rtlCol="0">
+            <a:spAutoFit/>
+          </a:bodyPr>
+          <a:lstStyle/>
+          <a:p>
+            <a:r>
+              <a:rPr lang="ja-JP" altLang="en-US" dirty="0"/>
+              <a:t>・・・・・・</a:t>
+            </a:r>
+            <a:endParaRPr lang="en-US" dirty="0"/>
+          </a:p>
+        </p:txBody>
+      </p:sp>
+    </p:spTree>
+    <p:extLst>
+      <p:ext uri="{BB962C8B-B14F-4D97-AF65-F5344CB8AC3E}">
+        <p14:creationId xmlns:p14="http://schemas.microsoft.com/office/powerpoint/2010/main" val="2734846606"/>
+      </p:ext>
+    </p:extLst>
+  </p:cSld>
+  <p:clrMapOvr>
+    <a:masterClrMapping/>
+  </p:clrMapOvr>
+</p:sld>
+</file>
+
+<file path=ppt/slides/slide36.xml><?xml version="1.0" encoding="utf-8"?>
+<p:sld xmlns:a="http://schemas.openxmlformats.org/drawingml/2006/main" xmlns:r="http://schemas.openxmlformats.org/officeDocument/2006/relationships" xmlns:p="http://schemas.openxmlformats.org/presentationml/2006/main">
+  <p:cSld>
+    <p:spTree>
+      <p:nvGrpSpPr>
+        <p:cNvPr id="1" name=""/>
+        <p:cNvGrpSpPr/>
+        <p:nvPr/>
+      </p:nvGrpSpPr>
+      <p:grpSpPr>
+        <a:xfrm>
+          <a:off x="0" y="0"/>
+          <a:ext cx="0" cy="0"/>
+          <a:chOff x="0" y="0"/>
+          <a:chExt cx="0" cy="0"/>
+        </a:xfrm>
+      </p:grpSpPr>
+      <p:pic>
+        <p:nvPicPr>
+          <p:cNvPr id="2050" name="Picture 2"/>
+          <p:cNvPicPr>
+            <a:picLocks noChangeAspect="1" noChangeArrowheads="1"/>
+          </p:cNvPicPr>
+          <p:nvPr/>
+        </p:nvPicPr>
+        <p:blipFill>
+          <a:blip r:embed="rId2">
+            <a:extLst>
+              <a:ext uri="{28A0092B-C50C-407E-A947-70E740481C1C}">
+                <a14:useLocalDpi xmlns:a14="http://schemas.microsoft.com/office/drawing/2010/main" val="0"/>
+              </a:ext>
+            </a:extLst>
+          </a:blip>
+          <a:srcRect/>
+          <a:stretch>
+            <a:fillRect/>
+          </a:stretch>
+        </p:blipFill>
+        <p:spPr bwMode="auto">
+          <a:xfrm>
+            <a:off x="4343400" y="2057400"/>
+            <a:ext cx="4563099" cy="4604208"/>
+          </a:xfrm>
+          <a:prstGeom prst="rect">
+            <a:avLst/>
+          </a:prstGeom>
+          <a:noFill/>
+          <a:ln>
+            <a:noFill/>
+          </a:ln>
+          <a:extLst>
+            <a:ext uri="{909E8E84-426E-40DD-AFC4-6F175D3DCCD1}">
+              <a14:hiddenFill xmlns:a14="http://schemas.microsoft.com/office/drawing/2010/main">
+                <a:solidFill>
+                  <a:schemeClr val="accent1"/>
+                </a:solidFill>
+              </a14:hiddenFill>
+            </a:ext>
+            <a:ext uri="{91240B29-F687-4F45-9708-019B960494DF}">
+              <a14:hiddenLine xmlns:a14="http://schemas.microsoft.com/office/drawing/2010/main" w="9525">
+                <a:solidFill>
+                  <a:schemeClr val="tx1"/>
+                </a:solidFill>
+                <a:miter lim="800000"/>
+                <a:headEnd/>
+                <a:tailEnd/>
+              </a14:hiddenLine>
+            </a:ext>
+          </a:extLst>
+        </p:spPr>
+      </p:pic>
+      <p:sp>
+        <p:nvSpPr>
+          <p:cNvPr id="3" name="TextBox 2"/>
+          <p:cNvSpPr txBox="1"/>
+          <p:nvPr/>
+        </p:nvSpPr>
+        <p:spPr>
+          <a:xfrm>
+            <a:off x="1" y="-13195"/>
+            <a:ext cx="9144000" cy="584775"/>
+          </a:xfrm>
+          <a:prstGeom prst="rect">
+            <a:avLst/>
+          </a:prstGeom>
+          <a:noFill/>
+        </p:spPr>
+        <p:txBody>
+          <a:bodyPr wrap="square" rtlCol="0">
+            <a:spAutoFit/>
+          </a:bodyPr>
+          <a:lstStyle/>
+          <a:p>
+            <a:r>
+              <a:rPr lang="ja-JP" altLang="en-US" sz="3200" dirty="0" smtClean="0"/>
+              <a:t>広い領域だと。。。あまり変わらない。</a:t>
+            </a:r>
+            <a:endParaRPr lang="en-US" altLang="ja-JP" sz="3200" dirty="0" smtClean="0"/>
+          </a:p>
+        </p:txBody>
+      </p:sp>
+      <p:pic>
+        <p:nvPicPr>
+          <p:cNvPr id="4" name="Picture 2"/>
+          <p:cNvPicPr>
+            <a:picLocks noChangeAspect="1" noChangeArrowheads="1"/>
+          </p:cNvPicPr>
+          <p:nvPr/>
+        </p:nvPicPr>
+        <p:blipFill>
+          <a:blip r:embed="rId3">
+            <a:extLst>
+              <a:ext uri="{28A0092B-C50C-407E-A947-70E740481C1C}">
+                <a14:useLocalDpi xmlns:a14="http://schemas.microsoft.com/office/drawing/2010/main" val="0"/>
+              </a:ext>
+            </a:extLst>
+          </a:blip>
+          <a:srcRect/>
+          <a:stretch>
+            <a:fillRect/>
+          </a:stretch>
+        </p:blipFill>
+        <p:spPr bwMode="auto">
+          <a:xfrm>
+            <a:off x="152400" y="1143000"/>
+            <a:ext cx="3469566" cy="3475171"/>
+          </a:xfrm>
+          <a:prstGeom prst="rect">
+            <a:avLst/>
+          </a:prstGeom>
+          <a:noFill/>
+          <a:ln>
+            <a:noFill/>
+          </a:ln>
+          <a:extLst>
+            <a:ext uri="{909E8E84-426E-40DD-AFC4-6F175D3DCCD1}">
+              <a14:hiddenFill xmlns:a14="http://schemas.microsoft.com/office/drawing/2010/main">
+                <a:solidFill>
+                  <a:schemeClr val="accent1"/>
+                </a:solidFill>
+              </a14:hiddenFill>
+            </a:ext>
+            <a:ext uri="{91240B29-F687-4F45-9708-019B960494DF}">
+              <a14:hiddenLine xmlns:a14="http://schemas.microsoft.com/office/drawing/2010/main" w="9525">
+                <a:solidFill>
+                  <a:schemeClr val="tx1"/>
+                </a:solidFill>
+                <a:miter lim="800000"/>
+                <a:headEnd/>
+                <a:tailEnd/>
+              </a14:hiddenLine>
+            </a:ext>
+          </a:extLst>
+        </p:spPr>
+      </p:pic>
+      <p:sp>
+        <p:nvSpPr>
+          <p:cNvPr id="5" name="Right Arrow 4"/>
+          <p:cNvSpPr/>
+          <p:nvPr/>
+        </p:nvSpPr>
+        <p:spPr>
+          <a:xfrm>
+            <a:off x="3886200" y="3398971"/>
+            <a:ext cx="304800" cy="1219200"/>
+          </a:xfrm>
+          <a:prstGeom prst="rightArrow">
+            <a:avLst/>
+          </a:prstGeom>
+          <a:solidFill>
+            <a:schemeClr val="accent6">
+              <a:lumMod val="20000"/>
+              <a:lumOff val="80000"/>
+            </a:schemeClr>
+          </a:solidFill>
+          <a:ln>
+            <a:solidFill>
+              <a:schemeClr val="accent6">
+                <a:lumMod val="50000"/>
+              </a:schemeClr>
+            </a:solidFill>
+          </a:ln>
+        </p:spPr>
+        <p:style>
+          <a:lnRef idx="2">
+            <a:schemeClr val="accent1">
+              <a:shade val="50000"/>
+            </a:schemeClr>
+          </a:lnRef>
+          <a:fillRef idx="1">
+            <a:schemeClr val="accent1"/>
+          </a:fillRef>
+          <a:effectRef idx="0">
+            <a:schemeClr val="accent1"/>
+          </a:effectRef>
+          <a:fontRef idx="minor">
+            <a:schemeClr val="lt1"/>
+          </a:fontRef>
+        </p:style>
+        <p:txBody>
+          <a:bodyPr rtlCol="0" anchor="ctr"/>
+          <a:lstStyle/>
+          <a:p>
+            <a:pPr algn="ctr"/>
+            <a:endParaRPr lang="en-US"/>
+          </a:p>
+        </p:txBody>
+      </p:sp>
+      <p:sp>
+        <p:nvSpPr>
+          <p:cNvPr id="2" name="Oval 1"/>
+          <p:cNvSpPr/>
+          <p:nvPr/>
+        </p:nvSpPr>
+        <p:spPr>
+          <a:xfrm>
+            <a:off x="6705600" y="2743200"/>
+            <a:ext cx="457200" cy="457200"/>
+          </a:xfrm>
+          <a:prstGeom prst="ellipse">
+            <a:avLst/>
+          </a:prstGeom>
+          <a:noFill/>
+          <a:ln>
+            <a:solidFill>
+              <a:schemeClr val="tx1"/>
+            </a:solidFill>
+            <a:prstDash val="dash"/>
+          </a:ln>
+        </p:spPr>
+        <p:style>
+          <a:lnRef idx="2">
+            <a:schemeClr val="accent1">
+              <a:shade val="50000"/>
+            </a:schemeClr>
+          </a:lnRef>
+          <a:fillRef idx="1">
+            <a:schemeClr val="accent1"/>
+          </a:fillRef>
+          <a:effectRef idx="0">
+            <a:schemeClr val="accent1"/>
+          </a:effectRef>
+          <a:fontRef idx="minor">
+            <a:schemeClr val="lt1"/>
+          </a:fontRef>
+        </p:style>
+        <p:txBody>
+          <a:bodyPr rtlCol="0" anchor="ctr"/>
+          <a:lstStyle/>
+          <a:p>
+            <a:pPr algn="ctr"/>
+            <a:endParaRPr lang="en-US"/>
+          </a:p>
+        </p:txBody>
+      </p:sp>
+      <p:sp>
+        <p:nvSpPr>
+          <p:cNvPr id="7" name="Oval 6"/>
+          <p:cNvSpPr/>
+          <p:nvPr/>
+        </p:nvSpPr>
+        <p:spPr>
+          <a:xfrm>
+            <a:off x="6629400" y="2133600"/>
+            <a:ext cx="457200" cy="457200"/>
+          </a:xfrm>
+          <a:prstGeom prst="ellipse">
+            <a:avLst/>
+          </a:prstGeom>
+          <a:noFill/>
+          <a:ln>
+            <a:solidFill>
+              <a:schemeClr val="tx1"/>
+            </a:solidFill>
+            <a:prstDash val="dash"/>
+          </a:ln>
+        </p:spPr>
+        <p:style>
+          <a:lnRef idx="2">
+            <a:schemeClr val="accent1">
+              <a:shade val="50000"/>
+            </a:schemeClr>
+          </a:lnRef>
+          <a:fillRef idx="1">
+            <a:schemeClr val="accent1"/>
+          </a:fillRef>
+          <a:effectRef idx="0">
+            <a:schemeClr val="accent1"/>
+          </a:effectRef>
+          <a:fontRef idx="minor">
+            <a:schemeClr val="lt1"/>
+          </a:fontRef>
+        </p:style>
+        <p:txBody>
+          <a:bodyPr rtlCol="0" anchor="ctr"/>
+          <a:lstStyle/>
+          <a:p>
+            <a:pPr algn="ctr"/>
+            <a:endParaRPr lang="en-US"/>
+          </a:p>
+        </p:txBody>
+      </p:sp>
+      <p:sp>
+        <p:nvSpPr>
+          <p:cNvPr id="8" name="Oval 7"/>
+          <p:cNvSpPr/>
+          <p:nvPr/>
+        </p:nvSpPr>
+        <p:spPr>
+          <a:xfrm>
+            <a:off x="8229600" y="2987511"/>
+            <a:ext cx="457200" cy="457200"/>
+          </a:xfrm>
+          <a:prstGeom prst="ellipse">
+            <a:avLst/>
+          </a:prstGeom>
+          <a:noFill/>
+          <a:ln>
+            <a:solidFill>
+              <a:schemeClr val="tx1"/>
+            </a:solidFill>
+            <a:prstDash val="dash"/>
+          </a:ln>
+        </p:spPr>
+        <p:style>
+          <a:lnRef idx="2">
+            <a:schemeClr val="accent1">
+              <a:shade val="50000"/>
+            </a:schemeClr>
+          </a:lnRef>
+          <a:fillRef idx="1">
+            <a:schemeClr val="accent1"/>
+          </a:fillRef>
+          <a:effectRef idx="0">
+            <a:schemeClr val="accent1"/>
+          </a:effectRef>
+          <a:fontRef idx="minor">
+            <a:schemeClr val="lt1"/>
+          </a:fontRef>
+        </p:style>
+        <p:txBody>
+          <a:bodyPr rtlCol="0" anchor="ctr"/>
+          <a:lstStyle/>
+          <a:p>
+            <a:pPr algn="ctr"/>
+            <a:endParaRPr lang="en-US"/>
+          </a:p>
+        </p:txBody>
+      </p:sp>
+      <p:sp>
+        <p:nvSpPr>
+          <p:cNvPr id="9" name="Oval 8"/>
+          <p:cNvSpPr/>
+          <p:nvPr/>
+        </p:nvSpPr>
+        <p:spPr>
+          <a:xfrm>
+            <a:off x="8458200" y="3597111"/>
+            <a:ext cx="457200" cy="457200"/>
+          </a:xfrm>
+          <a:prstGeom prst="ellipse">
+            <a:avLst/>
+          </a:prstGeom>
+          <a:noFill/>
+          <a:ln>
+            <a:solidFill>
+              <a:schemeClr val="tx1"/>
+            </a:solidFill>
+            <a:prstDash val="dash"/>
+          </a:ln>
+        </p:spPr>
+        <p:style>
+          <a:lnRef idx="2">
+            <a:schemeClr val="accent1">
+              <a:shade val="50000"/>
+            </a:schemeClr>
+          </a:lnRef>
+          <a:fillRef idx="1">
+            <a:schemeClr val="accent1"/>
+          </a:fillRef>
+          <a:effectRef idx="0">
+            <a:schemeClr val="accent1"/>
+          </a:effectRef>
+          <a:fontRef idx="minor">
+            <a:schemeClr val="lt1"/>
+          </a:fontRef>
+        </p:style>
+        <p:txBody>
+          <a:bodyPr rtlCol="0" anchor="ctr"/>
+          <a:lstStyle/>
+          <a:p>
+            <a:pPr algn="ctr"/>
+            <a:endParaRPr lang="en-US"/>
+          </a:p>
+        </p:txBody>
+      </p:sp>
+    </p:spTree>
+    <p:extLst>
+      <p:ext uri="{BB962C8B-B14F-4D97-AF65-F5344CB8AC3E}">
+        <p14:creationId xmlns:p14="http://schemas.microsoft.com/office/powerpoint/2010/main" val="1839377768"/>
+      </p:ext>
+    </p:extLst>
+  </p:cSld>
+  <p:clrMapOvr>
+    <a:masterClrMapping/>
+  </p:clrMapOvr>
+</p:sld>
+</file>
+
+<file path=ppt/slides/slide37.xml><?xml version="1.0" encoding="utf-8"?>
+<p:sld xmlns:a="http://schemas.openxmlformats.org/drawingml/2006/main" xmlns:r="http://schemas.openxmlformats.org/officeDocument/2006/relationships" xmlns:p="http://schemas.openxmlformats.org/presentationml/2006/main">
+  <p:cSld>
+    <p:spTree>
+      <p:nvGrpSpPr>
+        <p:cNvPr id="1" name=""/>
+        <p:cNvGrpSpPr/>
+        <p:nvPr/>
+      </p:nvGrpSpPr>
+      <p:grpSpPr>
+        <a:xfrm>
+          <a:off x="0" y="0"/>
+          <a:ext cx="0" cy="0"/>
+          <a:chOff x="0" y="0"/>
+          <a:chExt cx="0" cy="0"/>
+        </a:xfrm>
+      </p:grpSpPr>
+      <p:sp>
+        <p:nvSpPr>
+          <p:cNvPr id="3" name="TextBox 2"/>
+          <p:cNvSpPr txBox="1"/>
+          <p:nvPr/>
+        </p:nvSpPr>
+        <p:spPr>
+          <a:xfrm>
+            <a:off x="1" y="-13195"/>
+            <a:ext cx="9144000" cy="1077218"/>
+          </a:xfrm>
+          <a:prstGeom prst="rect">
+            <a:avLst/>
+          </a:prstGeom>
+          <a:noFill/>
+        </p:spPr>
+        <p:txBody>
+          <a:bodyPr wrap="square" rtlCol="0">
+            <a:spAutoFit/>
+          </a:bodyPr>
+          <a:lstStyle/>
+          <a:p>
+            <a:r>
+              <a:rPr lang="ja-JP" altLang="en-US" sz="3200" dirty="0" smtClean="0"/>
+              <a:t>細かいバグ：</a:t>
+            </a:r>
+            <a:endParaRPr lang="en-US" altLang="ja-JP" sz="3200" dirty="0" smtClean="0"/>
+          </a:p>
+          <a:p>
+            <a:r>
+              <a:rPr lang="ja-JP" altLang="en-US" sz="3200" dirty="0"/>
+              <a:t>なぜ</a:t>
+            </a:r>
+            <a:r>
+              <a:rPr lang="ja-JP" altLang="en-US" sz="3200" dirty="0" smtClean="0"/>
+              <a:t>、左方向の短いエッジが生成されないのか？</a:t>
+            </a:r>
+            <a:endParaRPr lang="en-US" altLang="ja-JP" sz="3200" dirty="0" smtClean="0"/>
+          </a:p>
+        </p:txBody>
+      </p:sp>
+      <p:sp>
+        <p:nvSpPr>
+          <p:cNvPr id="4" name="TextBox 3"/>
+          <p:cNvSpPr txBox="1"/>
+          <p:nvPr/>
+        </p:nvSpPr>
+        <p:spPr>
+          <a:xfrm>
+            <a:off x="1295400" y="5978891"/>
+            <a:ext cx="1467902" cy="400110"/>
+          </a:xfrm>
+          <a:prstGeom prst="rect">
+            <a:avLst/>
+          </a:prstGeom>
+          <a:noFill/>
+        </p:spPr>
+        <p:txBody>
+          <a:bodyPr wrap="none" rtlCol="0">
+            <a:spAutoFit/>
+          </a:bodyPr>
+          <a:lstStyle/>
+          <a:p>
+            <a:r>
+              <a:rPr lang="en-US" sz="2000" dirty="0" smtClean="0"/>
+              <a:t>Iteration: 31</a:t>
+            </a:r>
+            <a:endParaRPr lang="en-US" sz="2000" dirty="0"/>
+          </a:p>
+        </p:txBody>
+      </p:sp>
+      <p:sp>
+        <p:nvSpPr>
+          <p:cNvPr id="6" name="TextBox 5"/>
+          <p:cNvSpPr txBox="1"/>
+          <p:nvPr/>
+        </p:nvSpPr>
+        <p:spPr>
+          <a:xfrm>
+            <a:off x="6172200" y="5996370"/>
+            <a:ext cx="1467902" cy="400110"/>
+          </a:xfrm>
+          <a:prstGeom prst="rect">
+            <a:avLst/>
+          </a:prstGeom>
+          <a:noFill/>
+        </p:spPr>
+        <p:txBody>
+          <a:bodyPr wrap="none" rtlCol="0">
+            <a:spAutoFit/>
+          </a:bodyPr>
+          <a:lstStyle/>
+          <a:p>
+            <a:r>
+              <a:rPr lang="en-US" sz="2000" dirty="0" smtClean="0"/>
+              <a:t>Iteration: 32</a:t>
+            </a:r>
+            <a:endParaRPr lang="en-US" sz="2000" dirty="0"/>
+          </a:p>
+        </p:txBody>
+      </p:sp>
+      <p:sp>
+        <p:nvSpPr>
+          <p:cNvPr id="2" name="Oval 1"/>
+          <p:cNvSpPr/>
+          <p:nvPr/>
+        </p:nvSpPr>
+        <p:spPr>
+          <a:xfrm>
+            <a:off x="5771562" y="3581400"/>
+            <a:ext cx="381000" cy="381000"/>
+          </a:xfrm>
+          <a:prstGeom prst="ellipse">
+            <a:avLst/>
+          </a:prstGeom>
+          <a:noFill/>
+          <a:ln>
+            <a:solidFill>
+              <a:schemeClr val="tx1"/>
+            </a:solidFill>
+            <a:prstDash val="dash"/>
+          </a:ln>
+        </p:spPr>
+        <p:style>
+          <a:lnRef idx="2">
+            <a:schemeClr val="accent1">
+              <a:shade val="50000"/>
+            </a:schemeClr>
+          </a:lnRef>
+          <a:fillRef idx="1">
+            <a:schemeClr val="accent1"/>
+          </a:fillRef>
+          <a:effectRef idx="0">
+            <a:schemeClr val="accent1"/>
+          </a:effectRef>
+          <a:fontRef idx="minor">
+            <a:schemeClr val="lt1"/>
+          </a:fontRef>
+        </p:style>
+        <p:txBody>
+          <a:bodyPr rtlCol="0" anchor="ctr"/>
+          <a:lstStyle/>
+          <a:p>
+            <a:pPr algn="ctr"/>
+            <a:endParaRPr lang="en-US"/>
+          </a:p>
+        </p:txBody>
+      </p:sp>
+      <p:pic>
+        <p:nvPicPr>
+          <p:cNvPr id="3076" name="Picture 4"/>
+          <p:cNvPicPr>
+            <a:picLocks noChangeAspect="1" noChangeArrowheads="1"/>
+          </p:cNvPicPr>
+          <p:nvPr/>
+        </p:nvPicPr>
+        <p:blipFill>
+          <a:blip r:embed="rId2">
+            <a:extLst>
+              <a:ext uri="{28A0092B-C50C-407E-A947-70E740481C1C}">
+                <a14:useLocalDpi xmlns:a14="http://schemas.microsoft.com/office/drawing/2010/main" val="0"/>
+              </a:ext>
+            </a:extLst>
+          </a:blip>
+          <a:srcRect/>
+          <a:stretch>
+            <a:fillRect/>
+          </a:stretch>
+        </p:blipFill>
+        <p:spPr bwMode="auto">
+          <a:xfrm>
+            <a:off x="4876800" y="2149841"/>
+            <a:ext cx="3784141" cy="3812809"/>
+          </a:xfrm>
+          <a:prstGeom prst="rect">
+            <a:avLst/>
+          </a:prstGeom>
+          <a:noFill/>
+          <a:ln>
+            <a:noFill/>
+          </a:ln>
+          <a:extLst>
+            <a:ext uri="{909E8E84-426E-40DD-AFC4-6F175D3DCCD1}">
+              <a14:hiddenFill xmlns:a14="http://schemas.microsoft.com/office/drawing/2010/main">
+                <a:solidFill>
+                  <a:schemeClr val="accent1"/>
+                </a:solidFill>
+              </a14:hiddenFill>
+            </a:ext>
+            <a:ext uri="{91240B29-F687-4F45-9708-019B960494DF}">
+              <a14:hiddenLine xmlns:a14="http://schemas.microsoft.com/office/drawing/2010/main" w="9525">
+                <a:solidFill>
+                  <a:schemeClr val="tx1"/>
+                </a:solidFill>
+                <a:miter lim="800000"/>
+                <a:headEnd/>
+                <a:tailEnd/>
+              </a14:hiddenLine>
+            </a:ext>
+          </a:extLst>
+        </p:spPr>
+      </p:pic>
+      <p:pic>
+        <p:nvPicPr>
+          <p:cNvPr id="3077" name="Picture 5"/>
+          <p:cNvPicPr>
+            <a:picLocks noChangeAspect="1" noChangeArrowheads="1"/>
+          </p:cNvPicPr>
+          <p:nvPr/>
+        </p:nvPicPr>
+        <p:blipFill>
+          <a:blip r:embed="rId3">
+            <a:extLst>
+              <a:ext uri="{28A0092B-C50C-407E-A947-70E740481C1C}">
+                <a14:useLocalDpi xmlns:a14="http://schemas.microsoft.com/office/drawing/2010/main" val="0"/>
+              </a:ext>
+            </a:extLst>
+          </a:blip>
+          <a:srcRect/>
+          <a:stretch>
+            <a:fillRect/>
+          </a:stretch>
+        </p:blipFill>
+        <p:spPr bwMode="auto">
+          <a:xfrm>
+            <a:off x="381000" y="2149841"/>
+            <a:ext cx="3812809" cy="3812809"/>
+          </a:xfrm>
+          <a:prstGeom prst="rect">
+            <a:avLst/>
+          </a:prstGeom>
+          <a:noFill/>
+          <a:ln>
+            <a:noFill/>
+          </a:ln>
+          <a:extLst>
+            <a:ext uri="{909E8E84-426E-40DD-AFC4-6F175D3DCCD1}">
+              <a14:hiddenFill xmlns:a14="http://schemas.microsoft.com/office/drawing/2010/main">
+                <a:solidFill>
+                  <a:schemeClr val="accent1"/>
+                </a:solidFill>
+              </a14:hiddenFill>
+            </a:ext>
+            <a:ext uri="{91240B29-F687-4F45-9708-019B960494DF}">
+              <a14:hiddenLine xmlns:a14="http://schemas.microsoft.com/office/drawing/2010/main" w="9525">
+                <a:solidFill>
+                  <a:schemeClr val="tx1"/>
+                </a:solidFill>
+                <a:miter lim="800000"/>
+                <a:headEnd/>
+                <a:tailEnd/>
+              </a14:hiddenLine>
+            </a:ext>
+          </a:extLst>
+        </p:spPr>
+      </p:pic>
+      <p:sp>
+        <p:nvSpPr>
+          <p:cNvPr id="10" name="Oval 9"/>
+          <p:cNvSpPr/>
+          <p:nvPr/>
+        </p:nvSpPr>
+        <p:spPr>
+          <a:xfrm>
+            <a:off x="5715000" y="3505200"/>
+            <a:ext cx="457200" cy="457200"/>
+          </a:xfrm>
+          <a:prstGeom prst="ellipse">
+            <a:avLst/>
+          </a:prstGeom>
+          <a:noFill/>
+          <a:ln>
+            <a:solidFill>
+              <a:schemeClr val="tx1"/>
+            </a:solidFill>
+            <a:prstDash val="dash"/>
+          </a:ln>
+        </p:spPr>
+        <p:style>
+          <a:lnRef idx="2">
+            <a:schemeClr val="accent1">
+              <a:shade val="50000"/>
+            </a:schemeClr>
+          </a:lnRef>
+          <a:fillRef idx="1">
+            <a:schemeClr val="accent1"/>
+          </a:fillRef>
+          <a:effectRef idx="0">
+            <a:schemeClr val="accent1"/>
+          </a:effectRef>
+          <a:fontRef idx="minor">
+            <a:schemeClr val="lt1"/>
+          </a:fontRef>
+        </p:style>
+        <p:txBody>
+          <a:bodyPr rtlCol="0" anchor="ctr"/>
+          <a:lstStyle/>
+          <a:p>
+            <a:pPr algn="ctr"/>
+            <a:endParaRPr lang="en-US"/>
+          </a:p>
+        </p:txBody>
+      </p:sp>
+    </p:spTree>
+    <p:extLst>
+      <p:ext uri="{BB962C8B-B14F-4D97-AF65-F5344CB8AC3E}">
+        <p14:creationId xmlns:p14="http://schemas.microsoft.com/office/powerpoint/2010/main" val="2974715106"/>
+      </p:ext>
+    </p:extLst>
+  </p:cSld>
+  <p:clrMapOvr>
+    <a:masterClrMapping/>
+  </p:clrMapOvr>
+</p:sld>
+</file>
+
+<file path=ppt/slides/slide38.xml><?xml version="1.0" encoding="utf-8"?>
+<p:sld xmlns:a="http://schemas.openxmlformats.org/drawingml/2006/main" xmlns:r="http://schemas.openxmlformats.org/officeDocument/2006/relationships" xmlns:p="http://schemas.openxmlformats.org/presentationml/2006/main">
+  <p:cSld>
+    <p:spTree>
+      <p:nvGrpSpPr>
+        <p:cNvPr id="1" name=""/>
+        <p:cNvGrpSpPr/>
+        <p:nvPr/>
+      </p:nvGrpSpPr>
+      <p:grpSpPr>
+        <a:xfrm>
+          <a:off x="0" y="0"/>
+          <a:ext cx="0" cy="0"/>
+          <a:chOff x="0" y="0"/>
+          <a:chExt cx="0" cy="0"/>
+        </a:xfrm>
+      </p:grpSpPr>
+      <p:sp>
+        <p:nvSpPr>
+          <p:cNvPr id="3" name="TextBox 2"/>
+          <p:cNvSpPr txBox="1"/>
+          <p:nvPr/>
+        </p:nvSpPr>
+        <p:spPr>
+          <a:xfrm>
+            <a:off x="1311897" y="5619690"/>
+            <a:ext cx="1467902" cy="400110"/>
+          </a:xfrm>
+          <a:prstGeom prst="rect">
+            <a:avLst/>
+          </a:prstGeom>
+          <a:noFill/>
+        </p:spPr>
+        <p:txBody>
+          <a:bodyPr wrap="none" rtlCol="0">
+            <a:spAutoFit/>
+          </a:bodyPr>
+          <a:lstStyle/>
+          <a:p>
+            <a:r>
+              <a:rPr lang="en-US" sz="2000" dirty="0" smtClean="0"/>
+              <a:t>Iteration: 29</a:t>
+            </a:r>
+            <a:endParaRPr lang="en-US" sz="2000" dirty="0"/>
+          </a:p>
+        </p:txBody>
+      </p:sp>
+      <p:pic>
+        <p:nvPicPr>
+          <p:cNvPr id="4099" name="Picture 3"/>
+          <p:cNvPicPr>
+            <a:picLocks noChangeAspect="1" noChangeArrowheads="1"/>
+          </p:cNvPicPr>
+          <p:nvPr/>
+        </p:nvPicPr>
+        <p:blipFill>
+          <a:blip r:embed="rId2">
+            <a:extLst>
+              <a:ext uri="{28A0092B-C50C-407E-A947-70E740481C1C}">
+                <a14:useLocalDpi xmlns:a14="http://schemas.microsoft.com/office/drawing/2010/main" val="0"/>
+              </a:ext>
+            </a:extLst>
+          </a:blip>
+          <a:srcRect/>
+          <a:stretch>
+            <a:fillRect/>
+          </a:stretch>
+        </p:blipFill>
+        <p:spPr bwMode="auto">
+          <a:xfrm>
+            <a:off x="228600" y="1276290"/>
+            <a:ext cx="4087368" cy="4114800"/>
+          </a:xfrm>
+          <a:prstGeom prst="rect">
+            <a:avLst/>
+          </a:prstGeom>
+          <a:noFill/>
+          <a:ln>
+            <a:noFill/>
+          </a:ln>
+          <a:extLst>
+            <a:ext uri="{909E8E84-426E-40DD-AFC4-6F175D3DCCD1}">
+              <a14:hiddenFill xmlns:a14="http://schemas.microsoft.com/office/drawing/2010/main">
+                <a:solidFill>
+                  <a:schemeClr val="accent1"/>
+                </a:solidFill>
+              </a14:hiddenFill>
+            </a:ext>
+            <a:ext uri="{91240B29-F687-4F45-9708-019B960494DF}">
+              <a14:hiddenLine xmlns:a14="http://schemas.microsoft.com/office/drawing/2010/main" w="9525">
+                <a:solidFill>
+                  <a:schemeClr val="tx1"/>
+                </a:solidFill>
+                <a:miter lim="800000"/>
+                <a:headEnd/>
+                <a:tailEnd/>
+              </a14:hiddenLine>
+            </a:ext>
+          </a:extLst>
+        </p:spPr>
+      </p:pic>
+      <p:pic>
+        <p:nvPicPr>
+          <p:cNvPr id="4100" name="Picture 4"/>
+          <p:cNvPicPr>
+            <a:picLocks noChangeAspect="1" noChangeArrowheads="1"/>
+          </p:cNvPicPr>
+          <p:nvPr/>
+        </p:nvPicPr>
+        <p:blipFill>
+          <a:blip r:embed="rId3">
+            <a:extLst>
+              <a:ext uri="{28A0092B-C50C-407E-A947-70E740481C1C}">
+                <a14:useLocalDpi xmlns:a14="http://schemas.microsoft.com/office/drawing/2010/main" val="0"/>
+              </a:ext>
+            </a:extLst>
+          </a:blip>
+          <a:srcRect/>
+          <a:stretch>
+            <a:fillRect/>
+          </a:stretch>
+        </p:blipFill>
+        <p:spPr bwMode="auto">
+          <a:xfrm>
+            <a:off x="4724400" y="1300644"/>
+            <a:ext cx="4135547" cy="4114800"/>
+          </a:xfrm>
+          <a:prstGeom prst="rect">
+            <a:avLst/>
+          </a:prstGeom>
+          <a:noFill/>
+          <a:ln>
+            <a:noFill/>
+          </a:ln>
+          <a:extLst>
+            <a:ext uri="{909E8E84-426E-40DD-AFC4-6F175D3DCCD1}">
+              <a14:hiddenFill xmlns:a14="http://schemas.microsoft.com/office/drawing/2010/main">
+                <a:solidFill>
+                  <a:schemeClr val="accent1"/>
+                </a:solidFill>
+              </a14:hiddenFill>
+            </a:ext>
+            <a:ext uri="{91240B29-F687-4F45-9708-019B960494DF}">
+              <a14:hiddenLine xmlns:a14="http://schemas.microsoft.com/office/drawing/2010/main" w="9525">
+                <a:solidFill>
+                  <a:schemeClr val="tx1"/>
+                </a:solidFill>
+                <a:miter lim="800000"/>
+                <a:headEnd/>
+                <a:tailEnd/>
+              </a14:hiddenLine>
+            </a:ext>
+          </a:extLst>
+        </p:spPr>
+      </p:pic>
+      <p:sp>
+        <p:nvSpPr>
+          <p:cNvPr id="6" name="TextBox 5"/>
+          <p:cNvSpPr txBox="1"/>
+          <p:nvPr/>
+        </p:nvSpPr>
+        <p:spPr>
+          <a:xfrm>
+            <a:off x="6172200" y="5572035"/>
+            <a:ext cx="1467902" cy="400110"/>
+          </a:xfrm>
+          <a:prstGeom prst="rect">
+            <a:avLst/>
+          </a:prstGeom>
+          <a:noFill/>
+        </p:spPr>
+        <p:txBody>
+          <a:bodyPr wrap="none" rtlCol="0">
+            <a:spAutoFit/>
+          </a:bodyPr>
+          <a:lstStyle/>
+          <a:p>
+            <a:r>
+              <a:rPr lang="en-US" sz="2000" dirty="0" smtClean="0"/>
+              <a:t>Iteration: 30</a:t>
+            </a:r>
+            <a:endParaRPr lang="en-US" sz="2000" dirty="0"/>
+          </a:p>
+        </p:txBody>
+      </p:sp>
+      <p:sp>
+        <p:nvSpPr>
+          <p:cNvPr id="7" name="TextBox 6"/>
+          <p:cNvSpPr txBox="1"/>
+          <p:nvPr/>
+        </p:nvSpPr>
+        <p:spPr>
+          <a:xfrm>
+            <a:off x="1" y="-13195"/>
+            <a:ext cx="9144000" cy="584775"/>
+          </a:xfrm>
+          <a:prstGeom prst="rect">
+            <a:avLst/>
+          </a:prstGeom>
+          <a:noFill/>
+        </p:spPr>
+        <p:txBody>
+          <a:bodyPr wrap="square" rtlCol="0">
+            <a:spAutoFit/>
+          </a:bodyPr>
+          <a:lstStyle/>
+          <a:p>
+            <a:r>
+              <a:rPr lang="ja-JP" altLang="en-US" sz="3200" dirty="0"/>
+              <a:t>依然とし</a:t>
+            </a:r>
+            <a:r>
+              <a:rPr lang="ja-JP" altLang="en-US" sz="3200" dirty="0" smtClean="0"/>
+              <a:t>て</a:t>
+            </a:r>
+            <a:r>
+              <a:rPr lang="ja-JP" altLang="en-US" sz="3200" dirty="0"/>
+              <a:t>、</a:t>
+            </a:r>
+            <a:r>
+              <a:rPr lang="ja-JP" altLang="en-US" sz="3200" dirty="0" smtClean="0"/>
+              <a:t>バグ：</a:t>
+            </a:r>
+            <a:endParaRPr lang="en-US" altLang="ja-JP" sz="3200" dirty="0" smtClean="0"/>
+          </a:p>
+        </p:txBody>
+      </p:sp>
+    </p:spTree>
+    <p:extLst>
+      <p:ext uri="{BB962C8B-B14F-4D97-AF65-F5344CB8AC3E}">
+        <p14:creationId xmlns:p14="http://schemas.microsoft.com/office/powerpoint/2010/main" val="2484167152"/>
+      </p:ext>
+    </p:extLst>
+  </p:cSld>
+  <p:clrMapOvr>
+    <a:masterClrMapping/>
+  </p:clrMapOvr>
+</p:sld>
+</file>
+
+<file path=ppt/slides/slide39.xml><?xml version="1.0" encoding="utf-8"?>
+<p:sld xmlns:a="http://schemas.openxmlformats.org/drawingml/2006/main" xmlns:r="http://schemas.openxmlformats.org/officeDocument/2006/relationships" xmlns:p="http://schemas.openxmlformats.org/presentationml/2006/main">
+  <p:cSld>
+    <p:spTree>
+      <p:nvGrpSpPr>
+        <p:cNvPr id="1" name=""/>
+        <p:cNvGrpSpPr/>
+        <p:nvPr/>
+      </p:nvGrpSpPr>
+      <p:grpSpPr>
+        <a:xfrm>
+          <a:off x="0" y="0"/>
+          <a:ext cx="0" cy="0"/>
+          <a:chOff x="0" y="0"/>
+          <a:chExt cx="0" cy="0"/>
+        </a:xfrm>
+      </p:grpSpPr>
+      <p:sp>
+        <p:nvSpPr>
+          <p:cNvPr id="2" name="TextBox 1"/>
+          <p:cNvSpPr txBox="1"/>
+          <p:nvPr/>
+        </p:nvSpPr>
+        <p:spPr>
+          <a:xfrm>
+            <a:off x="1" y="-13195"/>
+            <a:ext cx="9144000" cy="584775"/>
+          </a:xfrm>
+          <a:prstGeom prst="rect">
+            <a:avLst/>
+          </a:prstGeom>
+          <a:noFill/>
+        </p:spPr>
+        <p:txBody>
+          <a:bodyPr wrap="square" rtlCol="0">
+            <a:spAutoFit/>
+          </a:bodyPr>
+          <a:lstStyle/>
+          <a:p>
+            <a:r>
+              <a:rPr lang="ja-JP" altLang="en-US" sz="3200" dirty="0" smtClean="0"/>
+              <a:t>原因：</a:t>
+            </a:r>
+            <a:endParaRPr lang="en-US" altLang="ja-JP" sz="3200" dirty="0" smtClean="0"/>
+          </a:p>
+        </p:txBody>
+      </p:sp>
+      <p:sp>
+        <p:nvSpPr>
+          <p:cNvPr id="3" name="Oval 2"/>
+          <p:cNvSpPr/>
+          <p:nvPr/>
+        </p:nvSpPr>
+        <p:spPr>
+          <a:xfrm>
+            <a:off x="5328365" y="1219200"/>
+            <a:ext cx="152400" cy="152400"/>
+          </a:xfrm>
+          <a:prstGeom prst="ellipse">
+            <a:avLst/>
+          </a:prstGeom>
+          <a:solidFill>
+            <a:schemeClr val="tx1"/>
+          </a:solidFill>
+          <a:ln>
+            <a:solidFill>
+              <a:schemeClr val="tx1"/>
+            </a:solidFill>
+          </a:ln>
+        </p:spPr>
+        <p:style>
+          <a:lnRef idx="2">
+            <a:schemeClr val="accent1">
+              <a:shade val="50000"/>
+            </a:schemeClr>
+          </a:lnRef>
+          <a:fillRef idx="1">
+            <a:schemeClr val="accent1"/>
+          </a:fillRef>
+          <a:effectRef idx="0">
+            <a:schemeClr val="accent1"/>
+          </a:effectRef>
+          <a:fontRef idx="minor">
+            <a:schemeClr val="lt1"/>
+          </a:fontRef>
+        </p:style>
+        <p:txBody>
+          <a:bodyPr rtlCol="0" anchor="ctr"/>
+          <a:lstStyle/>
+          <a:p>
+            <a:pPr algn="ctr"/>
+            <a:endParaRPr lang="en-US"/>
+          </a:p>
+        </p:txBody>
+      </p:sp>
+      <p:sp>
+        <p:nvSpPr>
+          <p:cNvPr id="4" name="Oval 3"/>
+          <p:cNvSpPr/>
+          <p:nvPr/>
+        </p:nvSpPr>
+        <p:spPr>
+          <a:xfrm>
+            <a:off x="3423365" y="1371600"/>
+            <a:ext cx="152400" cy="152400"/>
+          </a:xfrm>
+          <a:prstGeom prst="ellipse">
+            <a:avLst/>
+          </a:prstGeom>
+          <a:solidFill>
+            <a:schemeClr val="tx1"/>
+          </a:solidFill>
+          <a:ln>
+            <a:solidFill>
+              <a:schemeClr val="tx1"/>
+            </a:solidFill>
+          </a:ln>
+        </p:spPr>
+        <p:style>
+          <a:lnRef idx="2">
+            <a:schemeClr val="accent1">
+              <a:shade val="50000"/>
+            </a:schemeClr>
+          </a:lnRef>
+          <a:fillRef idx="1">
+            <a:schemeClr val="accent1"/>
+          </a:fillRef>
+          <a:effectRef idx="0">
+            <a:schemeClr val="accent1"/>
+          </a:effectRef>
+          <a:fontRef idx="minor">
+            <a:schemeClr val="lt1"/>
+          </a:fontRef>
+        </p:style>
+        <p:txBody>
+          <a:bodyPr rtlCol="0" anchor="ctr"/>
+          <a:lstStyle/>
+          <a:p>
+            <a:pPr algn="ctr"/>
+            <a:endParaRPr lang="en-US"/>
+          </a:p>
+        </p:txBody>
+      </p:sp>
+      <p:cxnSp>
+        <p:nvCxnSpPr>
+          <p:cNvPr id="6" name="Straight Connector 5"/>
+          <p:cNvCxnSpPr>
+            <a:stCxn id="3" idx="2"/>
+            <a:endCxn id="4" idx="6"/>
+          </p:cNvCxnSpPr>
+          <p:nvPr/>
+        </p:nvCxnSpPr>
+        <p:spPr>
+          <a:xfrm flipH="1">
+            <a:off x="3575765" y="1295400"/>
+            <a:ext cx="1752600" cy="152400"/>
+          </a:xfrm>
+          <a:prstGeom prst="line">
+            <a:avLst/>
+          </a:prstGeom>
+          <a:ln w="25400">
+            <a:solidFill>
+              <a:schemeClr val="tx1"/>
+            </a:solidFill>
+          </a:ln>
+        </p:spPr>
+        <p:style>
+          <a:lnRef idx="1">
+            <a:schemeClr val="accent1"/>
+          </a:lnRef>
+          <a:fillRef idx="0">
+            <a:schemeClr val="accent1"/>
+          </a:fillRef>
+          <a:effectRef idx="0">
+            <a:schemeClr val="accent1"/>
+          </a:effectRef>
+          <a:fontRef idx="minor">
+            <a:schemeClr val="tx1"/>
+          </a:fontRef>
+        </p:style>
+      </p:cxnSp>
+      <p:cxnSp>
+        <p:nvCxnSpPr>
+          <p:cNvPr id="8" name="Straight Arrow Connector 7"/>
+          <p:cNvCxnSpPr>
+            <a:stCxn id="4" idx="3"/>
+          </p:cNvCxnSpPr>
+          <p:nvPr/>
+        </p:nvCxnSpPr>
+        <p:spPr>
+          <a:xfrm flipH="1">
+            <a:off x="2432767" y="1501682"/>
+            <a:ext cx="1012916" cy="174718"/>
+          </a:xfrm>
+          <a:prstGeom prst="straightConnector1">
+            <a:avLst/>
+          </a:prstGeom>
+          <a:ln w="25400">
+            <a:solidFill>
+              <a:schemeClr val="tx1"/>
+            </a:solidFill>
+            <a:tailEnd type="arrow"/>
+          </a:ln>
+        </p:spPr>
+        <p:style>
+          <a:lnRef idx="1">
+            <a:schemeClr val="accent1"/>
+          </a:lnRef>
+          <a:fillRef idx="0">
+            <a:schemeClr val="accent1"/>
+          </a:fillRef>
+          <a:effectRef idx="0">
+            <a:schemeClr val="accent1"/>
+          </a:effectRef>
+          <a:fontRef idx="minor">
+            <a:schemeClr val="tx1"/>
+          </a:fontRef>
+        </p:style>
+      </p:cxnSp>
+      <p:sp>
+        <p:nvSpPr>
+          <p:cNvPr id="15" name="Freeform 14"/>
+          <p:cNvSpPr/>
+          <p:nvPr/>
+        </p:nvSpPr>
+        <p:spPr>
+          <a:xfrm>
+            <a:off x="2479113" y="1491006"/>
+            <a:ext cx="2846895" cy="695993"/>
+          </a:xfrm>
+          <a:custGeom>
+            <a:avLst/>
+            <a:gdLst>
+              <a:gd name="connsiteX0" fmla="*/ 0 w 2846895"/>
+              <a:gd name="connsiteY0" fmla="*/ 311085 h 695993"/>
+              <a:gd name="connsiteX1" fmla="*/ 622170 w 2846895"/>
+              <a:gd name="connsiteY1" fmla="*/ 688157 h 695993"/>
+              <a:gd name="connsiteX2" fmla="*/ 2846895 w 2846895"/>
+              <a:gd name="connsiteY2" fmla="*/ 0 h 695993"/>
+            </a:gdLst>
+            <a:ahLst/>
+            <a:cxnLst>
+              <a:cxn ang="0">
+                <a:pos x="connsiteX0" y="connsiteY0"/>
+              </a:cxn>
+              <a:cxn ang="0">
+                <a:pos x="connsiteX1" y="connsiteY1"/>
+              </a:cxn>
+              <a:cxn ang="0">
+                <a:pos x="connsiteX2" y="connsiteY2"/>
+              </a:cxn>
+            </a:cxnLst>
+            <a:rect l="l" t="t" r="r" b="b"/>
+            <a:pathLst>
+              <a:path w="2846895" h="695993">
+                <a:moveTo>
+                  <a:pt x="0" y="311085"/>
+                </a:moveTo>
+                <a:cubicBezTo>
+                  <a:pt x="73844" y="525544"/>
+                  <a:pt x="147688" y="740004"/>
+                  <a:pt x="622170" y="688157"/>
+                </a:cubicBezTo>
+                <a:cubicBezTo>
+                  <a:pt x="1096652" y="636310"/>
+                  <a:pt x="1971773" y="318155"/>
+                  <a:pt x="2846895" y="0"/>
+                </a:cubicBezTo>
+              </a:path>
+            </a:pathLst>
+          </a:custGeom>
+          <a:noFill/>
+          <a:ln>
+            <a:solidFill>
+              <a:schemeClr val="accent6">
+                <a:lumMod val="75000"/>
+              </a:schemeClr>
+            </a:solidFill>
+            <a:prstDash val="dash"/>
+            <a:tailEnd type="arrow"/>
+          </a:ln>
+        </p:spPr>
+        <p:style>
+          <a:lnRef idx="2">
+            <a:schemeClr val="accent1">
+              <a:shade val="50000"/>
+            </a:schemeClr>
+          </a:lnRef>
+          <a:fillRef idx="1">
+            <a:schemeClr val="accent1"/>
+          </a:fillRef>
+          <a:effectRef idx="0">
+            <a:schemeClr val="accent1"/>
+          </a:effectRef>
+          <a:fontRef idx="minor">
+            <a:schemeClr val="lt1"/>
+          </a:fontRef>
+        </p:style>
+        <p:txBody>
+          <a:bodyPr rtlCol="0" anchor="ctr"/>
+          <a:lstStyle/>
+          <a:p>
+            <a:pPr algn="ctr"/>
+            <a:endParaRPr lang="en-US"/>
+          </a:p>
+        </p:txBody>
+      </p:sp>
+      <p:sp>
+        <p:nvSpPr>
+          <p:cNvPr id="16" name="TextBox 15"/>
+          <p:cNvSpPr txBox="1"/>
+          <p:nvPr/>
+        </p:nvSpPr>
+        <p:spPr>
+          <a:xfrm>
+            <a:off x="1981200" y="2186999"/>
+            <a:ext cx="3842719" cy="369332"/>
+          </a:xfrm>
+          <a:prstGeom prst="rect">
+            <a:avLst/>
+          </a:prstGeom>
+          <a:noFill/>
+        </p:spPr>
+        <p:txBody>
+          <a:bodyPr wrap="none" rtlCol="0">
+            <a:spAutoFit/>
+          </a:bodyPr>
+          <a:lstStyle/>
+          <a:p>
+            <a:r>
+              <a:rPr lang="ja-JP" altLang="en-US" dirty="0" smtClean="0"/>
+              <a:t>この点が、この点に</a:t>
+            </a:r>
+            <a:r>
+              <a:rPr lang="en-US" altLang="ja-JP" dirty="0" smtClean="0"/>
+              <a:t>snap</a:t>
+            </a:r>
+            <a:r>
+              <a:rPr lang="ja-JP" altLang="en-US" dirty="0" smtClean="0"/>
+              <a:t>してしまった。</a:t>
+            </a:r>
+            <a:endParaRPr lang="en-US" dirty="0"/>
+          </a:p>
+        </p:txBody>
+      </p:sp>
+      <p:sp>
+        <p:nvSpPr>
+          <p:cNvPr id="17" name="TextBox 16"/>
+          <p:cNvSpPr txBox="1"/>
+          <p:nvPr/>
+        </p:nvSpPr>
+        <p:spPr>
+          <a:xfrm>
+            <a:off x="0" y="2971800"/>
+            <a:ext cx="9144000" cy="584775"/>
+          </a:xfrm>
+          <a:prstGeom prst="rect">
+            <a:avLst/>
+          </a:prstGeom>
+          <a:noFill/>
+        </p:spPr>
+        <p:txBody>
+          <a:bodyPr wrap="square" rtlCol="0">
+            <a:spAutoFit/>
+          </a:bodyPr>
+          <a:lstStyle/>
+          <a:p>
+            <a:r>
+              <a:rPr lang="ja-JP" altLang="en-US" sz="3200" dirty="0"/>
+              <a:t>対応</a:t>
+            </a:r>
+            <a:r>
+              <a:rPr lang="ja-JP" altLang="en-US" sz="3200" dirty="0" smtClean="0"/>
+              <a:t>：</a:t>
+            </a:r>
+            <a:endParaRPr lang="en-US" altLang="ja-JP" sz="3200" dirty="0" smtClean="0"/>
+          </a:p>
+        </p:txBody>
+      </p:sp>
+      <p:sp>
+        <p:nvSpPr>
+          <p:cNvPr id="18" name="Oval 17"/>
+          <p:cNvSpPr/>
+          <p:nvPr/>
+        </p:nvSpPr>
+        <p:spPr>
+          <a:xfrm>
+            <a:off x="5328365" y="4377869"/>
+            <a:ext cx="152400" cy="152400"/>
+          </a:xfrm>
+          <a:prstGeom prst="ellipse">
+            <a:avLst/>
+          </a:prstGeom>
+          <a:solidFill>
+            <a:schemeClr val="tx1"/>
+          </a:solidFill>
+          <a:ln>
+            <a:solidFill>
+              <a:schemeClr val="tx1"/>
+            </a:solidFill>
+          </a:ln>
+        </p:spPr>
+        <p:style>
+          <a:lnRef idx="2">
+            <a:schemeClr val="accent1">
+              <a:shade val="50000"/>
+            </a:schemeClr>
+          </a:lnRef>
+          <a:fillRef idx="1">
+            <a:schemeClr val="accent1"/>
+          </a:fillRef>
+          <a:effectRef idx="0">
+            <a:schemeClr val="accent1"/>
+          </a:effectRef>
+          <a:fontRef idx="minor">
+            <a:schemeClr val="lt1"/>
+          </a:fontRef>
+        </p:style>
+        <p:txBody>
+          <a:bodyPr rtlCol="0" anchor="ctr"/>
+          <a:lstStyle/>
+          <a:p>
+            <a:pPr algn="ctr"/>
+            <a:endParaRPr lang="en-US"/>
+          </a:p>
+        </p:txBody>
+      </p:sp>
+      <p:sp>
+        <p:nvSpPr>
+          <p:cNvPr id="19" name="Oval 18"/>
+          <p:cNvSpPr/>
+          <p:nvPr/>
+        </p:nvSpPr>
+        <p:spPr>
+          <a:xfrm>
+            <a:off x="3423365" y="4530269"/>
+            <a:ext cx="152400" cy="152400"/>
+          </a:xfrm>
+          <a:prstGeom prst="ellipse">
+            <a:avLst/>
+          </a:prstGeom>
+          <a:solidFill>
+            <a:schemeClr val="tx1"/>
+          </a:solidFill>
+          <a:ln>
+            <a:solidFill>
+              <a:schemeClr val="tx1"/>
+            </a:solidFill>
+          </a:ln>
+        </p:spPr>
+        <p:style>
+          <a:lnRef idx="2">
+            <a:schemeClr val="accent1">
+              <a:shade val="50000"/>
+            </a:schemeClr>
+          </a:lnRef>
+          <a:fillRef idx="1">
+            <a:schemeClr val="accent1"/>
+          </a:fillRef>
+          <a:effectRef idx="0">
+            <a:schemeClr val="accent1"/>
+          </a:effectRef>
+          <a:fontRef idx="minor">
+            <a:schemeClr val="lt1"/>
+          </a:fontRef>
+        </p:style>
+        <p:txBody>
+          <a:bodyPr rtlCol="0" anchor="ctr"/>
+          <a:lstStyle/>
+          <a:p>
+            <a:pPr algn="ctr"/>
+            <a:endParaRPr lang="en-US"/>
+          </a:p>
+        </p:txBody>
+      </p:sp>
+      <p:cxnSp>
+        <p:nvCxnSpPr>
+          <p:cNvPr id="20" name="Straight Connector 19"/>
+          <p:cNvCxnSpPr>
+            <a:stCxn id="18" idx="2"/>
+            <a:endCxn id="19" idx="6"/>
+          </p:cNvCxnSpPr>
+          <p:nvPr/>
+        </p:nvCxnSpPr>
+        <p:spPr>
+          <a:xfrm flipH="1">
+            <a:off x="3575765" y="4454069"/>
+            <a:ext cx="1752600" cy="152400"/>
+          </a:xfrm>
+          <a:prstGeom prst="line">
+            <a:avLst/>
+          </a:prstGeom>
+          <a:ln w="25400">
+            <a:solidFill>
+              <a:schemeClr val="tx1"/>
+            </a:solidFill>
+          </a:ln>
+        </p:spPr>
+        <p:style>
+          <a:lnRef idx="1">
+            <a:schemeClr val="accent1"/>
+          </a:lnRef>
+          <a:fillRef idx="0">
+            <a:schemeClr val="accent1"/>
+          </a:fillRef>
+          <a:effectRef idx="0">
+            <a:schemeClr val="accent1"/>
+          </a:effectRef>
+          <a:fontRef idx="minor">
+            <a:schemeClr val="tx1"/>
+          </a:fontRef>
+        </p:style>
+      </p:cxnSp>
+      <p:cxnSp>
+        <p:nvCxnSpPr>
+          <p:cNvPr id="21" name="Straight Arrow Connector 20"/>
+          <p:cNvCxnSpPr>
+            <a:stCxn id="19" idx="3"/>
+          </p:cNvCxnSpPr>
+          <p:nvPr/>
+        </p:nvCxnSpPr>
+        <p:spPr>
+          <a:xfrm flipH="1">
+            <a:off x="2432767" y="4660351"/>
+            <a:ext cx="1012916" cy="174718"/>
+          </a:xfrm>
+          <a:prstGeom prst="straightConnector1">
+            <a:avLst/>
+          </a:prstGeom>
+          <a:ln w="25400">
+            <a:solidFill>
+              <a:schemeClr val="tx1"/>
+            </a:solidFill>
+            <a:tailEnd type="arrow"/>
+          </a:ln>
+        </p:spPr>
+        <p:style>
+          <a:lnRef idx="1">
+            <a:schemeClr val="accent1"/>
+          </a:lnRef>
+          <a:fillRef idx="0">
+            <a:schemeClr val="accent1"/>
+          </a:fillRef>
+          <a:effectRef idx="0">
+            <a:schemeClr val="accent1"/>
+          </a:effectRef>
+          <a:fontRef idx="minor">
+            <a:schemeClr val="tx1"/>
+          </a:fontRef>
+        </p:style>
+      </p:cxnSp>
+      <p:sp>
+        <p:nvSpPr>
+          <p:cNvPr id="23" name="TextBox 22"/>
+          <p:cNvSpPr txBox="1"/>
+          <p:nvPr/>
+        </p:nvSpPr>
+        <p:spPr>
+          <a:xfrm>
+            <a:off x="1219200" y="5345668"/>
+            <a:ext cx="4605748" cy="369332"/>
+          </a:xfrm>
+          <a:prstGeom prst="rect">
+            <a:avLst/>
+          </a:prstGeom>
+          <a:noFill/>
+        </p:spPr>
+        <p:txBody>
+          <a:bodyPr wrap="none" rtlCol="0">
+            <a:spAutoFit/>
+          </a:bodyPr>
+          <a:lstStyle/>
+          <a:p>
+            <a:r>
+              <a:rPr lang="ja-JP" altLang="en-US" dirty="0"/>
+              <a:t>内</a:t>
+            </a:r>
+            <a:r>
+              <a:rPr lang="ja-JP" altLang="en-US" dirty="0" smtClean="0"/>
+              <a:t>積</a:t>
+            </a:r>
+            <a:r>
+              <a:rPr lang="en-US" altLang="ja-JP" dirty="0" smtClean="0"/>
+              <a:t>&gt;0</a:t>
+            </a:r>
+            <a:r>
+              <a:rPr lang="ja-JP" altLang="en-US" dirty="0" smtClean="0"/>
+              <a:t>の頂点にのみ、</a:t>
+            </a:r>
+            <a:r>
+              <a:rPr lang="en-US" altLang="ja-JP" dirty="0" smtClean="0"/>
+              <a:t>snap</a:t>
+            </a:r>
+            <a:r>
+              <a:rPr lang="ja-JP" altLang="en-US" dirty="0" smtClean="0"/>
+              <a:t>できるようにする。</a:t>
+            </a:r>
+            <a:endParaRPr lang="en-US" dirty="0"/>
+          </a:p>
+        </p:txBody>
+      </p:sp>
+      <p:sp>
+        <p:nvSpPr>
+          <p:cNvPr id="24" name="Oval 23"/>
+          <p:cNvSpPr/>
+          <p:nvPr/>
+        </p:nvSpPr>
+        <p:spPr>
+          <a:xfrm>
+            <a:off x="2209800" y="4301669"/>
+            <a:ext cx="152400" cy="152400"/>
+          </a:xfrm>
+          <a:prstGeom prst="ellipse">
+            <a:avLst/>
+          </a:prstGeom>
+          <a:solidFill>
+            <a:schemeClr val="tx1"/>
+          </a:solidFill>
+          <a:ln>
+            <a:solidFill>
+              <a:schemeClr val="tx1"/>
+            </a:solidFill>
+          </a:ln>
+        </p:spPr>
+        <p:style>
+          <a:lnRef idx="2">
+            <a:schemeClr val="accent1">
+              <a:shade val="50000"/>
+            </a:schemeClr>
+          </a:lnRef>
+          <a:fillRef idx="1">
+            <a:schemeClr val="accent1"/>
+          </a:fillRef>
+          <a:effectRef idx="0">
+            <a:schemeClr val="accent1"/>
+          </a:effectRef>
+          <a:fontRef idx="minor">
+            <a:schemeClr val="lt1"/>
+          </a:fontRef>
+        </p:style>
+        <p:txBody>
+          <a:bodyPr rtlCol="0" anchor="ctr"/>
+          <a:lstStyle/>
+          <a:p>
+            <a:pPr algn="ctr"/>
+            <a:endParaRPr lang="en-US"/>
+          </a:p>
+        </p:txBody>
+      </p:sp>
+      <p:sp>
+        <p:nvSpPr>
+          <p:cNvPr id="28" name="Freeform 27"/>
+          <p:cNvSpPr/>
+          <p:nvPr/>
+        </p:nvSpPr>
+        <p:spPr>
+          <a:xfrm>
+            <a:off x="1988768" y="4487159"/>
+            <a:ext cx="349079" cy="404089"/>
+          </a:xfrm>
+          <a:custGeom>
+            <a:avLst/>
+            <a:gdLst>
+              <a:gd name="connsiteX0" fmla="*/ 349079 w 349079"/>
+              <a:gd name="connsiteY0" fmla="*/ 395926 h 404089"/>
+              <a:gd name="connsiteX1" fmla="*/ 226531 w 349079"/>
+              <a:gd name="connsiteY1" fmla="*/ 395926 h 404089"/>
+              <a:gd name="connsiteX2" fmla="*/ 288 w 349079"/>
+              <a:gd name="connsiteY2" fmla="*/ 311084 h 404089"/>
+              <a:gd name="connsiteX3" fmla="*/ 188824 w 349079"/>
+              <a:gd name="connsiteY3" fmla="*/ 0 h 404089"/>
+            </a:gdLst>
+            <a:ahLst/>
+            <a:cxnLst>
+              <a:cxn ang="0">
+                <a:pos x="connsiteX0" y="connsiteY0"/>
+              </a:cxn>
+              <a:cxn ang="0">
+                <a:pos x="connsiteX1" y="connsiteY1"/>
+              </a:cxn>
+              <a:cxn ang="0">
+                <a:pos x="connsiteX2" y="connsiteY2"/>
+              </a:cxn>
+              <a:cxn ang="0">
+                <a:pos x="connsiteX3" y="connsiteY3"/>
+              </a:cxn>
+            </a:cxnLst>
+            <a:rect l="l" t="t" r="r" b="b"/>
+            <a:pathLst>
+              <a:path w="349079" h="404089">
+                <a:moveTo>
+                  <a:pt x="349079" y="395926"/>
+                </a:moveTo>
+                <a:cubicBezTo>
+                  <a:pt x="316871" y="402996"/>
+                  <a:pt x="284663" y="410066"/>
+                  <a:pt x="226531" y="395926"/>
+                </a:cubicBezTo>
+                <a:cubicBezTo>
+                  <a:pt x="168399" y="381786"/>
+                  <a:pt x="6572" y="377072"/>
+                  <a:pt x="288" y="311084"/>
+                </a:cubicBezTo>
+                <a:cubicBezTo>
+                  <a:pt x="-5996" y="245096"/>
+                  <a:pt x="91414" y="122548"/>
+                  <a:pt x="188824" y="0"/>
+                </a:cubicBezTo>
+              </a:path>
+            </a:pathLst>
+          </a:custGeom>
+          <a:noFill/>
+          <a:ln>
+            <a:solidFill>
+              <a:schemeClr val="accent6">
+                <a:lumMod val="75000"/>
+              </a:schemeClr>
+            </a:solidFill>
+            <a:prstDash val="dash"/>
+            <a:tailEnd type="arrow"/>
+          </a:ln>
+        </p:spPr>
+        <p:style>
+          <a:lnRef idx="2">
+            <a:schemeClr val="accent1">
+              <a:shade val="50000"/>
+            </a:schemeClr>
+          </a:lnRef>
+          <a:fillRef idx="1">
+            <a:schemeClr val="accent1"/>
+          </a:fillRef>
+          <a:effectRef idx="0">
+            <a:schemeClr val="accent1"/>
+          </a:effectRef>
+          <a:fontRef idx="minor">
+            <a:schemeClr val="lt1"/>
+          </a:fontRef>
+        </p:style>
+        <p:txBody>
+          <a:bodyPr rtlCol="0" anchor="ctr"/>
+          <a:lstStyle/>
+          <a:p>
+            <a:pPr algn="ctr"/>
+            <a:endParaRPr lang="en-US"/>
+          </a:p>
+        </p:txBody>
+      </p:sp>
+      <p:cxnSp>
+        <p:nvCxnSpPr>
+          <p:cNvPr id="29" name="Straight Arrow Connector 28"/>
+          <p:cNvCxnSpPr/>
+          <p:nvPr/>
+        </p:nvCxnSpPr>
+        <p:spPr>
+          <a:xfrm flipH="1" flipV="1">
+            <a:off x="2330643" y="4384153"/>
+            <a:ext cx="1147848" cy="206701"/>
+          </a:xfrm>
+          <a:prstGeom prst="straightConnector1">
+            <a:avLst/>
+          </a:prstGeom>
+          <a:ln w="25400">
+            <a:solidFill>
+              <a:schemeClr val="tx1"/>
+            </a:solidFill>
+            <a:prstDash val="dash"/>
+            <a:tailEnd type="arrow"/>
+          </a:ln>
+        </p:spPr>
+        <p:style>
+          <a:lnRef idx="1">
+            <a:schemeClr val="accent1"/>
+          </a:lnRef>
+          <a:fillRef idx="0">
+            <a:schemeClr val="accent1"/>
+          </a:fillRef>
+          <a:effectRef idx="0">
+            <a:schemeClr val="accent1"/>
+          </a:effectRef>
+          <a:fontRef idx="minor">
+            <a:schemeClr val="tx1"/>
+          </a:fontRef>
+        </p:style>
+      </p:cxnSp>
+    </p:spTree>
+    <p:extLst>
+      <p:ext uri="{BB962C8B-B14F-4D97-AF65-F5344CB8AC3E}">
+        <p14:creationId xmlns:p14="http://schemas.microsoft.com/office/powerpoint/2010/main" val="179082736"/>
+      </p:ext>
+    </p:extLst>
+  </p:cSld>
+  <p:clrMapOvr>
+    <a:masterClrMapping/>
+  </p:clrMapOvr>
+</p:sld>
+</file>
+
+<file path=ppt/slides/slide4.xml><?xml version="1.0" encoding="utf-8"?>
+<p:sld xmlns:a="http://schemas.openxmlformats.org/drawingml/2006/main" xmlns:r="http://schemas.openxmlformats.org/officeDocument/2006/relationships" xmlns:p="http://schemas.openxmlformats.org/presentationml/2006/main">
+  <p:cSld>
+    <p:spTree>
+      <p:nvGrpSpPr>
+        <p:cNvPr id="1" name=""/>
+        <p:cNvGrpSpPr/>
+        <p:nvPr/>
+      </p:nvGrpSpPr>
+      <p:grpSpPr>
+        <a:xfrm>
+          <a:off x="0" y="0"/>
+          <a:ext cx="0" cy="0"/>
+          <a:chOff x="0" y="0"/>
+          <a:chExt cx="0" cy="0"/>
+        </a:xfrm>
+      </p:grpSpPr>
+      <p:pic>
+        <p:nvPicPr>
+          <p:cNvPr id="1026" name="Picture 2"/>
+          <p:cNvPicPr>
+            <a:picLocks noChangeAspect="1" noChangeArrowheads="1"/>
+          </p:cNvPicPr>
+          <p:nvPr/>
+        </p:nvPicPr>
+        <p:blipFill>
+          <a:blip r:embed="rId2">
+            <a:extLst>
+              <a:ext uri="{28A0092B-C50C-407E-A947-70E740481C1C}">
+                <a14:useLocalDpi xmlns:a14="http://schemas.microsoft.com/office/drawing/2010/main" val="0"/>
+              </a:ext>
+            </a:extLst>
+          </a:blip>
+          <a:srcRect/>
+          <a:stretch>
+            <a:fillRect/>
+          </a:stretch>
+        </p:blipFill>
+        <p:spPr bwMode="auto">
+          <a:xfrm>
+            <a:off x="1828800" y="1671430"/>
+            <a:ext cx="5172997" cy="5110370"/>
+          </a:xfrm>
+          <a:prstGeom prst="rect">
+            <a:avLst/>
+          </a:prstGeom>
+          <a:noFill/>
+          <a:ln>
+            <a:noFill/>
+          </a:ln>
+          <a:extLst>
+            <a:ext uri="{909E8E84-426E-40DD-AFC4-6F175D3DCCD1}">
+              <a14:hiddenFill xmlns:a14="http://schemas.microsoft.com/office/drawing/2010/main">
+                <a:solidFill>
+                  <a:schemeClr val="accent1"/>
+                </a:solidFill>
+              </a14:hiddenFill>
+            </a:ext>
+            <a:ext uri="{91240B29-F687-4F45-9708-019B960494DF}">
+              <a14:hiddenLine xmlns:a14="http://schemas.microsoft.com/office/drawing/2010/main" w="9525">
+                <a:solidFill>
+                  <a:schemeClr val="tx1"/>
+                </a:solidFill>
+                <a:miter lim="800000"/>
+                <a:headEnd/>
+                <a:tailEnd/>
+              </a14:hiddenLine>
+            </a:ext>
+          </a:extLst>
+        </p:spPr>
+      </p:pic>
+      <p:sp>
+        <p:nvSpPr>
+          <p:cNvPr id="3" name="TextBox 2"/>
+          <p:cNvSpPr txBox="1"/>
+          <p:nvPr/>
+        </p:nvSpPr>
+        <p:spPr>
+          <a:xfrm>
+            <a:off x="0" y="-13195"/>
+            <a:ext cx="7585731" cy="1569660"/>
+          </a:xfrm>
+          <a:prstGeom prst="rect">
+            <a:avLst/>
+          </a:prstGeom>
+          <a:noFill/>
+        </p:spPr>
+        <p:txBody>
+          <a:bodyPr wrap="none" rtlCol="0">
+            <a:spAutoFit/>
+          </a:bodyPr>
+          <a:lstStyle/>
+          <a:p>
+            <a:r>
+              <a:rPr lang="ja-JP" altLang="en-US" sz="3200" dirty="0" smtClean="0"/>
+              <a:t>道路の生成（</a:t>
+            </a:r>
+            <a:r>
+              <a:rPr lang="en-US" altLang="ja-JP" sz="3200" dirty="0" smtClean="0"/>
+              <a:t>Avenue</a:t>
+            </a:r>
+            <a:r>
+              <a:rPr lang="ja-JP" altLang="en-US" sz="3200" dirty="0" smtClean="0"/>
+              <a:t>）</a:t>
+            </a:r>
+            <a:endParaRPr lang="en-US" altLang="ja-JP" sz="3200" dirty="0" smtClean="0"/>
+          </a:p>
+          <a:p>
+            <a:r>
+              <a:rPr lang="en-US" altLang="ja-JP" sz="3200" dirty="0" smtClean="0"/>
+              <a:t>Iteration: </a:t>
+            </a:r>
+            <a:r>
+              <a:rPr lang="en-US" altLang="ja-JP" sz="3200" dirty="0"/>
+              <a:t>4</a:t>
+            </a:r>
+            <a:endParaRPr lang="en-US" altLang="ja-JP" sz="3200" dirty="0" smtClean="0"/>
+          </a:p>
+          <a:p>
+            <a:r>
+              <a:rPr lang="en-US" altLang="ja-JP" sz="3200" dirty="0" smtClean="0"/>
+              <a:t>Snap: ON</a:t>
+            </a:r>
+            <a:r>
+              <a:rPr lang="ja-JP" altLang="en-US" sz="3200" dirty="0"/>
+              <a:t>　</a:t>
+            </a:r>
+            <a:r>
+              <a:rPr lang="ja-JP" altLang="en-US" sz="3200" dirty="0" smtClean="0"/>
+              <a:t>（</a:t>
+            </a:r>
+            <a:r>
+              <a:rPr lang="en-US" altLang="ja-JP" sz="3200" dirty="0" smtClean="0"/>
+              <a:t>10m</a:t>
+            </a:r>
+            <a:r>
+              <a:rPr lang="ja-JP" altLang="en-US" sz="3200" dirty="0" smtClean="0"/>
+              <a:t>。ただし、最後の点は</a:t>
+            </a:r>
+            <a:r>
+              <a:rPr lang="en-US" altLang="ja-JP" sz="3200" dirty="0" smtClean="0"/>
+              <a:t>40m</a:t>
+            </a:r>
+            <a:r>
+              <a:rPr lang="ja-JP" altLang="en-US" sz="3200" dirty="0" smtClean="0"/>
+              <a:t>）</a:t>
+            </a:r>
+            <a:endParaRPr lang="en-US" altLang="ja-JP" sz="3200" dirty="0" smtClean="0"/>
+          </a:p>
+        </p:txBody>
+      </p:sp>
+      <p:sp>
+        <p:nvSpPr>
+          <p:cNvPr id="4" name="TextBox 3"/>
+          <p:cNvSpPr txBox="1"/>
+          <p:nvPr/>
+        </p:nvSpPr>
+        <p:spPr>
+          <a:xfrm>
+            <a:off x="3268019" y="4134498"/>
+            <a:ext cx="301686" cy="369332"/>
+          </a:xfrm>
+          <a:prstGeom prst="rect">
+            <a:avLst/>
+          </a:prstGeom>
+          <a:noFill/>
+        </p:spPr>
+        <p:txBody>
+          <a:bodyPr wrap="none" rtlCol="0">
+            <a:spAutoFit/>
+          </a:bodyPr>
+          <a:lstStyle/>
+          <a:p>
+            <a:r>
+              <a:rPr lang="en-US" dirty="0" smtClean="0"/>
+              <a:t>4</a:t>
+            </a:r>
+            <a:endParaRPr lang="en-US" dirty="0"/>
+          </a:p>
+        </p:txBody>
+      </p:sp>
+      <p:sp>
+        <p:nvSpPr>
+          <p:cNvPr id="5" name="TextBox 4"/>
+          <p:cNvSpPr txBox="1"/>
+          <p:nvPr/>
+        </p:nvSpPr>
+        <p:spPr>
+          <a:xfrm>
+            <a:off x="3203754" y="3765166"/>
+            <a:ext cx="301686" cy="369332"/>
+          </a:xfrm>
+          <a:prstGeom prst="rect">
+            <a:avLst/>
+          </a:prstGeom>
+          <a:noFill/>
+        </p:spPr>
+        <p:txBody>
+          <a:bodyPr wrap="none" rtlCol="0">
+            <a:spAutoFit/>
+          </a:bodyPr>
+          <a:lstStyle/>
+          <a:p>
+            <a:r>
+              <a:rPr lang="en-US" dirty="0" smtClean="0"/>
+              <a:t>5</a:t>
+            </a:r>
+            <a:endParaRPr lang="en-US" dirty="0"/>
+          </a:p>
+        </p:txBody>
+      </p:sp>
+      <p:sp>
+        <p:nvSpPr>
+          <p:cNvPr id="6" name="TextBox 5"/>
+          <p:cNvSpPr txBox="1"/>
+          <p:nvPr/>
+        </p:nvSpPr>
+        <p:spPr>
+          <a:xfrm>
+            <a:off x="5247662" y="3913580"/>
+            <a:ext cx="301686" cy="369332"/>
+          </a:xfrm>
+          <a:prstGeom prst="rect">
+            <a:avLst/>
+          </a:prstGeom>
+          <a:noFill/>
+        </p:spPr>
+        <p:txBody>
+          <a:bodyPr wrap="none" rtlCol="0">
+            <a:spAutoFit/>
+          </a:bodyPr>
+          <a:lstStyle/>
+          <a:p>
+            <a:r>
+              <a:rPr lang="en-US" dirty="0" smtClean="0"/>
+              <a:t>6</a:t>
+            </a:r>
+            <a:endParaRPr lang="en-US" dirty="0"/>
+          </a:p>
+        </p:txBody>
+      </p:sp>
+      <p:sp>
+        <p:nvSpPr>
+          <p:cNvPr id="7" name="TextBox 6"/>
+          <p:cNvSpPr txBox="1"/>
+          <p:nvPr/>
+        </p:nvSpPr>
+        <p:spPr>
+          <a:xfrm>
+            <a:off x="3268019" y="4840896"/>
+            <a:ext cx="301686" cy="369332"/>
+          </a:xfrm>
+          <a:prstGeom prst="rect">
+            <a:avLst/>
+          </a:prstGeom>
+          <a:noFill/>
+        </p:spPr>
+        <p:txBody>
+          <a:bodyPr wrap="none" rtlCol="0">
+            <a:spAutoFit/>
+          </a:bodyPr>
+          <a:lstStyle/>
+          <a:p>
+            <a:r>
+              <a:rPr lang="en-US" dirty="0" smtClean="0"/>
+              <a:t>7</a:t>
+            </a:r>
+            <a:endParaRPr lang="en-US" dirty="0"/>
+          </a:p>
+        </p:txBody>
+      </p:sp>
+      <p:sp>
+        <p:nvSpPr>
+          <p:cNvPr id="8" name="TextBox 7"/>
+          <p:cNvSpPr txBox="1"/>
+          <p:nvPr/>
+        </p:nvSpPr>
+        <p:spPr>
+          <a:xfrm>
+            <a:off x="5106558" y="3544248"/>
+            <a:ext cx="301686" cy="369332"/>
+          </a:xfrm>
+          <a:prstGeom prst="rect">
+            <a:avLst/>
+          </a:prstGeom>
+          <a:noFill/>
+        </p:spPr>
+        <p:txBody>
+          <a:bodyPr wrap="none" rtlCol="0">
+            <a:spAutoFit/>
+          </a:bodyPr>
+          <a:lstStyle/>
+          <a:p>
+            <a:r>
+              <a:rPr lang="en-US" dirty="0" smtClean="0"/>
+              <a:t>8</a:t>
+            </a:r>
+            <a:endParaRPr lang="en-US" dirty="0"/>
+          </a:p>
+        </p:txBody>
+      </p:sp>
+      <p:sp>
+        <p:nvSpPr>
+          <p:cNvPr id="9" name="TextBox 8"/>
+          <p:cNvSpPr txBox="1"/>
+          <p:nvPr/>
+        </p:nvSpPr>
+        <p:spPr>
+          <a:xfrm>
+            <a:off x="3052911" y="2547732"/>
+            <a:ext cx="301686" cy="369332"/>
+          </a:xfrm>
+          <a:prstGeom prst="rect">
+            <a:avLst/>
+          </a:prstGeom>
+          <a:noFill/>
+        </p:spPr>
+        <p:txBody>
+          <a:bodyPr wrap="none" rtlCol="0">
+            <a:spAutoFit/>
+          </a:bodyPr>
+          <a:lstStyle/>
+          <a:p>
+            <a:r>
+              <a:rPr lang="en-US" dirty="0" smtClean="0"/>
+              <a:t>9</a:t>
+            </a:r>
+            <a:endParaRPr lang="en-US" dirty="0"/>
+          </a:p>
+        </p:txBody>
+      </p:sp>
+      <p:sp>
+        <p:nvSpPr>
+          <p:cNvPr id="10" name="TextBox 9"/>
+          <p:cNvSpPr txBox="1"/>
+          <p:nvPr/>
+        </p:nvSpPr>
+        <p:spPr>
+          <a:xfrm>
+            <a:off x="1623178" y="4099297"/>
+            <a:ext cx="418704" cy="369332"/>
+          </a:xfrm>
+          <a:prstGeom prst="rect">
+            <a:avLst/>
+          </a:prstGeom>
+          <a:noFill/>
+        </p:spPr>
+        <p:txBody>
+          <a:bodyPr wrap="none" rtlCol="0">
+            <a:spAutoFit/>
+          </a:bodyPr>
+          <a:lstStyle/>
+          <a:p>
+            <a:r>
+              <a:rPr lang="en-US" dirty="0" smtClean="0"/>
+              <a:t>10</a:t>
+            </a:r>
+            <a:endParaRPr lang="en-US" dirty="0"/>
+          </a:p>
+        </p:txBody>
+      </p:sp>
+      <p:sp>
+        <p:nvSpPr>
+          <p:cNvPr id="11" name="TextBox 10"/>
+          <p:cNvSpPr txBox="1"/>
+          <p:nvPr/>
+        </p:nvSpPr>
+        <p:spPr>
+          <a:xfrm>
+            <a:off x="3914131" y="6096000"/>
+            <a:ext cx="418704" cy="369332"/>
+          </a:xfrm>
+          <a:prstGeom prst="rect">
+            <a:avLst/>
+          </a:prstGeom>
+          <a:noFill/>
+        </p:spPr>
+        <p:txBody>
+          <a:bodyPr wrap="none" rtlCol="0">
+            <a:spAutoFit/>
+          </a:bodyPr>
+          <a:lstStyle/>
+          <a:p>
+            <a:r>
+              <a:rPr lang="en-US" dirty="0" smtClean="0"/>
+              <a:t>15</a:t>
+            </a:r>
+            <a:endParaRPr lang="en-US" dirty="0"/>
+          </a:p>
+        </p:txBody>
+      </p:sp>
+      <p:sp>
+        <p:nvSpPr>
+          <p:cNvPr id="12" name="TextBox 11"/>
+          <p:cNvSpPr txBox="1"/>
+          <p:nvPr/>
+        </p:nvSpPr>
+        <p:spPr>
+          <a:xfrm>
+            <a:off x="1490026" y="4906618"/>
+            <a:ext cx="418704" cy="369332"/>
+          </a:xfrm>
+          <a:prstGeom prst="rect">
+            <a:avLst/>
+          </a:prstGeom>
+          <a:noFill/>
+        </p:spPr>
+        <p:txBody>
+          <a:bodyPr wrap="none" rtlCol="0">
+            <a:spAutoFit/>
+          </a:bodyPr>
+          <a:lstStyle/>
+          <a:p>
+            <a:r>
+              <a:rPr lang="en-US" dirty="0" smtClean="0"/>
+              <a:t>16</a:t>
+            </a:r>
+            <a:endParaRPr lang="en-US" dirty="0"/>
+          </a:p>
+        </p:txBody>
+      </p:sp>
+      <p:sp>
+        <p:nvSpPr>
+          <p:cNvPr id="13" name="TextBox 12"/>
+          <p:cNvSpPr txBox="1"/>
+          <p:nvPr/>
+        </p:nvSpPr>
+        <p:spPr>
+          <a:xfrm>
+            <a:off x="5333601" y="4372498"/>
+            <a:ext cx="418704" cy="369332"/>
+          </a:xfrm>
+          <a:prstGeom prst="rect">
+            <a:avLst/>
+          </a:prstGeom>
+          <a:noFill/>
+        </p:spPr>
+        <p:txBody>
+          <a:bodyPr wrap="none" rtlCol="0">
+            <a:spAutoFit/>
+          </a:bodyPr>
+          <a:lstStyle/>
+          <a:p>
+            <a:r>
+              <a:rPr lang="en-US" dirty="0" smtClean="0"/>
+              <a:t>14</a:t>
+            </a:r>
+            <a:endParaRPr lang="en-US" dirty="0"/>
+          </a:p>
+        </p:txBody>
+      </p:sp>
+      <p:sp>
+        <p:nvSpPr>
+          <p:cNvPr id="14" name="TextBox 13"/>
+          <p:cNvSpPr txBox="1"/>
+          <p:nvPr/>
+        </p:nvSpPr>
+        <p:spPr>
+          <a:xfrm>
+            <a:off x="6400800" y="3747395"/>
+            <a:ext cx="418704" cy="369332"/>
+          </a:xfrm>
+          <a:prstGeom prst="rect">
+            <a:avLst/>
+          </a:prstGeom>
+          <a:noFill/>
+        </p:spPr>
+        <p:txBody>
+          <a:bodyPr wrap="none" rtlCol="0">
+            <a:spAutoFit/>
+          </a:bodyPr>
+          <a:lstStyle/>
+          <a:p>
+            <a:r>
+              <a:rPr lang="en-US" dirty="0" smtClean="0"/>
+              <a:t>13</a:t>
+            </a:r>
+            <a:endParaRPr lang="en-US" dirty="0"/>
+          </a:p>
+        </p:txBody>
+      </p:sp>
+      <p:sp>
+        <p:nvSpPr>
+          <p:cNvPr id="15" name="Oval 14"/>
+          <p:cNvSpPr/>
+          <p:nvPr/>
+        </p:nvSpPr>
+        <p:spPr>
+          <a:xfrm>
+            <a:off x="3461561" y="4589430"/>
+            <a:ext cx="304800" cy="304800"/>
+          </a:xfrm>
+          <a:prstGeom prst="ellipse">
+            <a:avLst/>
+          </a:prstGeom>
+          <a:noFill/>
+          <a:ln>
+            <a:prstDash val="sysDash"/>
+          </a:ln>
+        </p:spPr>
+        <p:style>
+          <a:lnRef idx="2">
+            <a:schemeClr val="accent1">
+              <a:shade val="50000"/>
+            </a:schemeClr>
+          </a:lnRef>
+          <a:fillRef idx="1">
+            <a:schemeClr val="accent1"/>
+          </a:fillRef>
+          <a:effectRef idx="0">
+            <a:schemeClr val="accent1"/>
+          </a:effectRef>
+          <a:fontRef idx="minor">
+            <a:schemeClr val="lt1"/>
+          </a:fontRef>
+        </p:style>
+        <p:txBody>
+          <a:bodyPr rtlCol="0" anchor="ctr"/>
+          <a:lstStyle/>
+          <a:p>
+            <a:pPr algn="ctr"/>
+            <a:endParaRPr lang="en-US"/>
+          </a:p>
+        </p:txBody>
+      </p:sp>
+    </p:spTree>
+    <p:extLst>
+      <p:ext uri="{BB962C8B-B14F-4D97-AF65-F5344CB8AC3E}">
+        <p14:creationId xmlns:p14="http://schemas.microsoft.com/office/powerpoint/2010/main" val="2813798201"/>
+      </p:ext>
+    </p:extLst>
+  </p:cSld>
+  <p:clrMapOvr>
+    <a:masterClrMapping/>
+  </p:clrMapOvr>
+</p:sld>
+</file>
+
+<file path=ppt/slides/slide40.xml><?xml version="1.0" encoding="utf-8"?>
+<p:sld xmlns:a="http://schemas.openxmlformats.org/drawingml/2006/main" xmlns:r="http://schemas.openxmlformats.org/officeDocument/2006/relationships" xmlns:p="http://schemas.openxmlformats.org/presentationml/2006/main">
+  <p:cSld>
+    <p:spTree>
+      <p:nvGrpSpPr>
+        <p:cNvPr id="1" name=""/>
+        <p:cNvGrpSpPr/>
+        <p:nvPr/>
+      </p:nvGrpSpPr>
+      <p:grpSpPr>
+        <a:xfrm>
+          <a:off x="0" y="0"/>
+          <a:ext cx="0" cy="0"/>
+          <a:chOff x="0" y="0"/>
+          <a:chExt cx="0" cy="0"/>
+        </a:xfrm>
+      </p:grpSpPr>
+      <p:sp>
+        <p:nvSpPr>
+          <p:cNvPr id="2" name="TextBox 1"/>
+          <p:cNvSpPr txBox="1"/>
+          <p:nvPr/>
+        </p:nvSpPr>
+        <p:spPr>
+          <a:xfrm>
+            <a:off x="1" y="-13195"/>
+            <a:ext cx="9144000" cy="584775"/>
+          </a:xfrm>
+          <a:prstGeom prst="rect">
+            <a:avLst/>
+          </a:prstGeom>
+          <a:noFill/>
+        </p:spPr>
+        <p:txBody>
+          <a:bodyPr wrap="square" rtlCol="0">
+            <a:spAutoFit/>
+          </a:bodyPr>
+          <a:lstStyle/>
+          <a:p>
+            <a:r>
+              <a:rPr lang="ja-JP" altLang="en-US" sz="3200" dirty="0"/>
+              <a:t>同様</a:t>
+            </a:r>
+            <a:r>
+              <a:rPr lang="ja-JP" altLang="en-US" sz="3200" dirty="0" smtClean="0"/>
+              <a:t>の</a:t>
+            </a:r>
+            <a:r>
+              <a:rPr lang="ja-JP" altLang="en-US" sz="3200" dirty="0"/>
+              <a:t>問</a:t>
+            </a:r>
+            <a:r>
+              <a:rPr lang="ja-JP" altLang="en-US" sz="3200" dirty="0" smtClean="0"/>
+              <a:t>題が、エッジへのスナップでもある。</a:t>
+            </a:r>
+            <a:endParaRPr lang="en-US" altLang="ja-JP" sz="3200" dirty="0" smtClean="0"/>
+          </a:p>
+        </p:txBody>
+      </p:sp>
+      <p:sp>
+        <p:nvSpPr>
+          <p:cNvPr id="3" name="Oval 2"/>
+          <p:cNvSpPr/>
+          <p:nvPr/>
+        </p:nvSpPr>
+        <p:spPr>
+          <a:xfrm>
+            <a:off x="5328365" y="762000"/>
+            <a:ext cx="152400" cy="152400"/>
+          </a:xfrm>
+          <a:prstGeom prst="ellipse">
+            <a:avLst/>
+          </a:prstGeom>
+          <a:solidFill>
+            <a:schemeClr val="tx1"/>
+          </a:solidFill>
+          <a:ln>
+            <a:solidFill>
+              <a:schemeClr val="tx1"/>
+            </a:solidFill>
+          </a:ln>
+        </p:spPr>
+        <p:style>
+          <a:lnRef idx="2">
+            <a:schemeClr val="accent1">
+              <a:shade val="50000"/>
+            </a:schemeClr>
+          </a:lnRef>
+          <a:fillRef idx="1">
+            <a:schemeClr val="accent1"/>
+          </a:fillRef>
+          <a:effectRef idx="0">
+            <a:schemeClr val="accent1"/>
+          </a:effectRef>
+          <a:fontRef idx="minor">
+            <a:schemeClr val="lt1"/>
+          </a:fontRef>
+        </p:style>
+        <p:txBody>
+          <a:bodyPr rtlCol="0" anchor="ctr"/>
+          <a:lstStyle/>
+          <a:p>
+            <a:pPr algn="ctr"/>
+            <a:endParaRPr lang="en-US"/>
+          </a:p>
+        </p:txBody>
+      </p:sp>
+      <p:sp>
+        <p:nvSpPr>
+          <p:cNvPr id="4" name="Oval 3"/>
+          <p:cNvSpPr/>
+          <p:nvPr/>
+        </p:nvSpPr>
+        <p:spPr>
+          <a:xfrm>
+            <a:off x="3423365" y="914400"/>
+            <a:ext cx="152400" cy="152400"/>
+          </a:xfrm>
+          <a:prstGeom prst="ellipse">
+            <a:avLst/>
+          </a:prstGeom>
+          <a:solidFill>
+            <a:schemeClr val="tx1"/>
+          </a:solidFill>
+          <a:ln>
+            <a:solidFill>
+              <a:schemeClr val="tx1"/>
+            </a:solidFill>
+          </a:ln>
+        </p:spPr>
+        <p:style>
+          <a:lnRef idx="2">
+            <a:schemeClr val="accent1">
+              <a:shade val="50000"/>
+            </a:schemeClr>
+          </a:lnRef>
+          <a:fillRef idx="1">
+            <a:schemeClr val="accent1"/>
+          </a:fillRef>
+          <a:effectRef idx="0">
+            <a:schemeClr val="accent1"/>
+          </a:effectRef>
+          <a:fontRef idx="minor">
+            <a:schemeClr val="lt1"/>
+          </a:fontRef>
+        </p:style>
+        <p:txBody>
+          <a:bodyPr rtlCol="0" anchor="ctr"/>
+          <a:lstStyle/>
+          <a:p>
+            <a:pPr algn="ctr"/>
+            <a:endParaRPr lang="en-US"/>
+          </a:p>
+        </p:txBody>
+      </p:sp>
+      <p:cxnSp>
+        <p:nvCxnSpPr>
+          <p:cNvPr id="5" name="Straight Connector 4"/>
+          <p:cNvCxnSpPr>
+            <a:stCxn id="3" idx="2"/>
+            <a:endCxn id="4" idx="6"/>
+          </p:cNvCxnSpPr>
+          <p:nvPr/>
+        </p:nvCxnSpPr>
+        <p:spPr>
+          <a:xfrm flipH="1">
+            <a:off x="3575765" y="838200"/>
+            <a:ext cx="1752600" cy="152400"/>
+          </a:xfrm>
+          <a:prstGeom prst="line">
+            <a:avLst/>
+          </a:prstGeom>
+          <a:ln w="25400">
+            <a:solidFill>
+              <a:schemeClr val="tx1"/>
+            </a:solidFill>
+          </a:ln>
+        </p:spPr>
+        <p:style>
+          <a:lnRef idx="1">
+            <a:schemeClr val="accent1"/>
+          </a:lnRef>
+          <a:fillRef idx="0">
+            <a:schemeClr val="accent1"/>
+          </a:fillRef>
+          <a:effectRef idx="0">
+            <a:schemeClr val="accent1"/>
+          </a:effectRef>
+          <a:fontRef idx="minor">
+            <a:schemeClr val="tx1"/>
+          </a:fontRef>
+        </p:style>
+      </p:cxnSp>
+      <p:cxnSp>
+        <p:nvCxnSpPr>
+          <p:cNvPr id="6" name="Straight Arrow Connector 5"/>
+          <p:cNvCxnSpPr>
+            <a:stCxn id="4" idx="3"/>
+          </p:cNvCxnSpPr>
+          <p:nvPr/>
+        </p:nvCxnSpPr>
+        <p:spPr>
+          <a:xfrm flipH="1">
+            <a:off x="2432767" y="1044482"/>
+            <a:ext cx="1012916" cy="174718"/>
+          </a:xfrm>
+          <a:prstGeom prst="straightConnector1">
+            <a:avLst/>
+          </a:prstGeom>
+          <a:ln w="25400">
+            <a:solidFill>
+              <a:schemeClr val="tx1"/>
+            </a:solidFill>
+            <a:tailEnd type="arrow"/>
+          </a:ln>
+        </p:spPr>
+        <p:style>
+          <a:lnRef idx="1">
+            <a:schemeClr val="accent1"/>
+          </a:lnRef>
+          <a:fillRef idx="0">
+            <a:schemeClr val="accent1"/>
+          </a:fillRef>
+          <a:effectRef idx="0">
+            <a:schemeClr val="accent1"/>
+          </a:effectRef>
+          <a:fontRef idx="minor">
+            <a:schemeClr val="tx1"/>
+          </a:fontRef>
+        </p:style>
+      </p:cxnSp>
+      <p:sp>
+        <p:nvSpPr>
+          <p:cNvPr id="8" name="TextBox 7"/>
+          <p:cNvSpPr txBox="1"/>
+          <p:nvPr/>
+        </p:nvSpPr>
+        <p:spPr>
+          <a:xfrm>
+            <a:off x="988562" y="1629993"/>
+            <a:ext cx="4195379" cy="369332"/>
+          </a:xfrm>
+          <a:prstGeom prst="rect">
+            <a:avLst/>
+          </a:prstGeom>
+          <a:noFill/>
+        </p:spPr>
+        <p:txBody>
+          <a:bodyPr wrap="none" rtlCol="0">
+            <a:spAutoFit/>
+          </a:bodyPr>
+          <a:lstStyle/>
+          <a:p>
+            <a:r>
+              <a:rPr lang="ja-JP" altLang="en-US" dirty="0" smtClean="0"/>
+              <a:t>この点が、このエッジに</a:t>
+            </a:r>
+            <a:r>
+              <a:rPr lang="en-US" altLang="ja-JP" dirty="0" smtClean="0"/>
+              <a:t>snap</a:t>
+            </a:r>
+            <a:r>
+              <a:rPr lang="ja-JP" altLang="en-US" dirty="0" smtClean="0"/>
+              <a:t>してしまった。</a:t>
+            </a:r>
+            <a:endParaRPr lang="en-US" dirty="0"/>
+          </a:p>
+        </p:txBody>
+      </p:sp>
+      <p:sp>
+        <p:nvSpPr>
+          <p:cNvPr id="9" name="TextBox 8"/>
+          <p:cNvSpPr txBox="1"/>
+          <p:nvPr/>
+        </p:nvSpPr>
+        <p:spPr>
+          <a:xfrm>
+            <a:off x="0" y="2971800"/>
+            <a:ext cx="9144000" cy="584775"/>
+          </a:xfrm>
+          <a:prstGeom prst="rect">
+            <a:avLst/>
+          </a:prstGeom>
+          <a:noFill/>
+        </p:spPr>
+        <p:txBody>
+          <a:bodyPr wrap="square" rtlCol="0">
+            <a:spAutoFit/>
+          </a:bodyPr>
+          <a:lstStyle/>
+          <a:p>
+            <a:r>
+              <a:rPr lang="ja-JP" altLang="en-US" sz="3200" dirty="0"/>
+              <a:t>対応</a:t>
+            </a:r>
+            <a:r>
+              <a:rPr lang="ja-JP" altLang="en-US" sz="3200" dirty="0" smtClean="0"/>
+              <a:t>：</a:t>
+            </a:r>
+            <a:endParaRPr lang="en-US" altLang="ja-JP" sz="3200" dirty="0" smtClean="0"/>
+          </a:p>
+        </p:txBody>
+      </p:sp>
+      <p:sp>
+        <p:nvSpPr>
+          <p:cNvPr id="14" name="TextBox 13"/>
+          <p:cNvSpPr txBox="1"/>
+          <p:nvPr/>
+        </p:nvSpPr>
+        <p:spPr>
+          <a:xfrm>
+            <a:off x="1219200" y="5345668"/>
+            <a:ext cx="6455613" cy="369332"/>
+          </a:xfrm>
+          <a:prstGeom prst="rect">
+            <a:avLst/>
+          </a:prstGeom>
+          <a:noFill/>
+        </p:spPr>
+        <p:txBody>
+          <a:bodyPr wrap="none" rtlCol="0">
+            <a:spAutoFit/>
+          </a:bodyPr>
+          <a:lstStyle/>
+          <a:p>
+            <a:r>
+              <a:rPr lang="ja-JP" altLang="en-US" dirty="0" smtClean="0"/>
+              <a:t>エッジの近接点との内積</a:t>
+            </a:r>
+            <a:r>
+              <a:rPr lang="en-US" altLang="ja-JP" dirty="0" smtClean="0"/>
+              <a:t>&gt;0</a:t>
+            </a:r>
+            <a:r>
+              <a:rPr lang="ja-JP" altLang="en-US" dirty="0" smtClean="0"/>
+              <a:t>の場合のみ、</a:t>
+            </a:r>
+            <a:r>
+              <a:rPr lang="en-US" altLang="ja-JP" dirty="0" smtClean="0"/>
+              <a:t>snap</a:t>
+            </a:r>
+            <a:r>
+              <a:rPr lang="ja-JP" altLang="en-US" dirty="0" smtClean="0"/>
+              <a:t>できるようにする。</a:t>
+            </a:r>
+            <a:endParaRPr lang="en-US" dirty="0"/>
+          </a:p>
+        </p:txBody>
+      </p:sp>
+      <p:sp>
+        <p:nvSpPr>
+          <p:cNvPr id="17" name="Oval 16"/>
+          <p:cNvSpPr/>
+          <p:nvPr/>
+        </p:nvSpPr>
+        <p:spPr>
+          <a:xfrm>
+            <a:off x="5219035" y="2654587"/>
+            <a:ext cx="152400" cy="152400"/>
+          </a:xfrm>
+          <a:prstGeom prst="ellipse">
+            <a:avLst/>
+          </a:prstGeom>
+          <a:solidFill>
+            <a:schemeClr val="tx1"/>
+          </a:solidFill>
+          <a:ln>
+            <a:solidFill>
+              <a:schemeClr val="tx1"/>
+            </a:solidFill>
+          </a:ln>
+        </p:spPr>
+        <p:style>
+          <a:lnRef idx="2">
+            <a:schemeClr val="accent1">
+              <a:shade val="50000"/>
+            </a:schemeClr>
+          </a:lnRef>
+          <a:fillRef idx="1">
+            <a:schemeClr val="accent1"/>
+          </a:fillRef>
+          <a:effectRef idx="0">
+            <a:schemeClr val="accent1"/>
+          </a:effectRef>
+          <a:fontRef idx="minor">
+            <a:schemeClr val="lt1"/>
+          </a:fontRef>
+        </p:style>
+        <p:txBody>
+          <a:bodyPr rtlCol="0" anchor="ctr"/>
+          <a:lstStyle/>
+          <a:p>
+            <a:pPr algn="ctr"/>
+            <a:endParaRPr lang="en-US"/>
+          </a:p>
+        </p:txBody>
+      </p:sp>
+      <p:cxnSp>
+        <p:nvCxnSpPr>
+          <p:cNvPr id="18" name="Straight Connector 17"/>
+          <p:cNvCxnSpPr/>
+          <p:nvPr/>
+        </p:nvCxnSpPr>
+        <p:spPr>
+          <a:xfrm flipH="1">
+            <a:off x="5288437" y="871979"/>
+            <a:ext cx="113122" cy="1885361"/>
+          </a:xfrm>
+          <a:prstGeom prst="line">
+            <a:avLst/>
+          </a:prstGeom>
+          <a:ln w="25400">
+            <a:solidFill>
+              <a:schemeClr val="tx1"/>
+            </a:solidFill>
+          </a:ln>
+        </p:spPr>
+        <p:style>
+          <a:lnRef idx="1">
+            <a:schemeClr val="accent1"/>
+          </a:lnRef>
+          <a:fillRef idx="0">
+            <a:schemeClr val="accent1"/>
+          </a:fillRef>
+          <a:effectRef idx="0">
+            <a:schemeClr val="accent1"/>
+          </a:effectRef>
+          <a:fontRef idx="minor">
+            <a:schemeClr val="tx1"/>
+          </a:fontRef>
+        </p:style>
+      </p:cxnSp>
+      <p:sp>
+        <p:nvSpPr>
+          <p:cNvPr id="21" name="Freeform 20"/>
+          <p:cNvSpPr/>
+          <p:nvPr/>
+        </p:nvSpPr>
+        <p:spPr>
+          <a:xfrm>
+            <a:off x="2507530" y="1291472"/>
+            <a:ext cx="2790334" cy="207390"/>
+          </a:xfrm>
+          <a:custGeom>
+            <a:avLst/>
+            <a:gdLst>
+              <a:gd name="connsiteX0" fmla="*/ 0 w 2790334"/>
+              <a:gd name="connsiteY0" fmla="*/ 0 h 207390"/>
+              <a:gd name="connsiteX1" fmla="*/ 942680 w 2790334"/>
+              <a:gd name="connsiteY1" fmla="*/ 94268 h 207390"/>
+              <a:gd name="connsiteX2" fmla="*/ 2790334 w 2790334"/>
+              <a:gd name="connsiteY2" fmla="*/ 207390 h 207390"/>
+            </a:gdLst>
+            <a:ahLst/>
+            <a:cxnLst>
+              <a:cxn ang="0">
+                <a:pos x="connsiteX0" y="connsiteY0"/>
+              </a:cxn>
+              <a:cxn ang="0">
+                <a:pos x="connsiteX1" y="connsiteY1"/>
+              </a:cxn>
+              <a:cxn ang="0">
+                <a:pos x="connsiteX2" y="connsiteY2"/>
+              </a:cxn>
+            </a:cxnLst>
+            <a:rect l="l" t="t" r="r" b="b"/>
+            <a:pathLst>
+              <a:path w="2790334" h="207390">
+                <a:moveTo>
+                  <a:pt x="0" y="0"/>
+                </a:moveTo>
+                <a:cubicBezTo>
+                  <a:pt x="238812" y="29851"/>
+                  <a:pt x="477624" y="59703"/>
+                  <a:pt x="942680" y="94268"/>
+                </a:cubicBezTo>
+                <a:cubicBezTo>
+                  <a:pt x="1407736" y="128833"/>
+                  <a:pt x="2099035" y="168111"/>
+                  <a:pt x="2790334" y="207390"/>
+                </a:cubicBezTo>
+              </a:path>
+            </a:pathLst>
+          </a:custGeom>
+          <a:noFill/>
+          <a:ln>
+            <a:solidFill>
+              <a:schemeClr val="accent6">
+                <a:lumMod val="75000"/>
+              </a:schemeClr>
+            </a:solidFill>
+            <a:prstDash val="dash"/>
+            <a:tailEnd type="arrow"/>
+          </a:ln>
+        </p:spPr>
+        <p:style>
+          <a:lnRef idx="2">
+            <a:schemeClr val="accent1">
+              <a:shade val="50000"/>
+            </a:schemeClr>
+          </a:lnRef>
+          <a:fillRef idx="1">
+            <a:schemeClr val="accent1"/>
+          </a:fillRef>
+          <a:effectRef idx="0">
+            <a:schemeClr val="accent1"/>
+          </a:effectRef>
+          <a:fontRef idx="minor">
+            <a:schemeClr val="lt1"/>
+          </a:fontRef>
+        </p:style>
+        <p:txBody>
+          <a:bodyPr rtlCol="0" anchor="ctr"/>
+          <a:lstStyle/>
+          <a:p>
+            <a:pPr algn="ctr"/>
+            <a:endParaRPr lang="en-US"/>
+          </a:p>
+        </p:txBody>
+      </p:sp>
+      <p:sp>
+        <p:nvSpPr>
+          <p:cNvPr id="29" name="Oval 28"/>
+          <p:cNvSpPr/>
+          <p:nvPr/>
+        </p:nvSpPr>
+        <p:spPr>
+          <a:xfrm>
+            <a:off x="5333998" y="3670013"/>
+            <a:ext cx="152400" cy="152400"/>
+          </a:xfrm>
+          <a:prstGeom prst="ellipse">
+            <a:avLst/>
+          </a:prstGeom>
+          <a:solidFill>
+            <a:schemeClr val="tx1"/>
+          </a:solidFill>
+          <a:ln>
+            <a:solidFill>
+              <a:schemeClr val="tx1"/>
+            </a:solidFill>
+          </a:ln>
+        </p:spPr>
+        <p:style>
+          <a:lnRef idx="2">
+            <a:schemeClr val="accent1">
+              <a:shade val="50000"/>
+            </a:schemeClr>
+          </a:lnRef>
+          <a:fillRef idx="1">
+            <a:schemeClr val="accent1"/>
+          </a:fillRef>
+          <a:effectRef idx="0">
+            <a:schemeClr val="accent1"/>
+          </a:effectRef>
+          <a:fontRef idx="minor">
+            <a:schemeClr val="lt1"/>
+          </a:fontRef>
+        </p:style>
+        <p:txBody>
+          <a:bodyPr rtlCol="0" anchor="ctr"/>
+          <a:lstStyle/>
+          <a:p>
+            <a:pPr algn="ctr"/>
+            <a:endParaRPr lang="en-US"/>
+          </a:p>
+        </p:txBody>
+      </p:sp>
+      <p:sp>
+        <p:nvSpPr>
+          <p:cNvPr id="30" name="Oval 29"/>
+          <p:cNvSpPr/>
+          <p:nvPr/>
+        </p:nvSpPr>
+        <p:spPr>
+          <a:xfrm>
+            <a:off x="3428998" y="3822413"/>
+            <a:ext cx="152400" cy="152400"/>
+          </a:xfrm>
+          <a:prstGeom prst="ellipse">
+            <a:avLst/>
+          </a:prstGeom>
+          <a:solidFill>
+            <a:schemeClr val="tx1"/>
+          </a:solidFill>
+          <a:ln>
+            <a:solidFill>
+              <a:schemeClr val="tx1"/>
+            </a:solidFill>
+          </a:ln>
+        </p:spPr>
+        <p:style>
+          <a:lnRef idx="2">
+            <a:schemeClr val="accent1">
+              <a:shade val="50000"/>
+            </a:schemeClr>
+          </a:lnRef>
+          <a:fillRef idx="1">
+            <a:schemeClr val="accent1"/>
+          </a:fillRef>
+          <a:effectRef idx="0">
+            <a:schemeClr val="accent1"/>
+          </a:effectRef>
+          <a:fontRef idx="minor">
+            <a:schemeClr val="lt1"/>
+          </a:fontRef>
+        </p:style>
+        <p:txBody>
+          <a:bodyPr rtlCol="0" anchor="ctr"/>
+          <a:lstStyle/>
+          <a:p>
+            <a:pPr algn="ctr"/>
+            <a:endParaRPr lang="en-US"/>
+          </a:p>
+        </p:txBody>
+      </p:sp>
+      <p:cxnSp>
+        <p:nvCxnSpPr>
+          <p:cNvPr id="31" name="Straight Connector 30"/>
+          <p:cNvCxnSpPr>
+            <a:stCxn id="29" idx="2"/>
+            <a:endCxn id="30" idx="6"/>
+          </p:cNvCxnSpPr>
+          <p:nvPr/>
+        </p:nvCxnSpPr>
+        <p:spPr>
+          <a:xfrm flipH="1">
+            <a:off x="3581398" y="3746213"/>
+            <a:ext cx="1752600" cy="152400"/>
+          </a:xfrm>
+          <a:prstGeom prst="line">
+            <a:avLst/>
+          </a:prstGeom>
+          <a:ln w="25400">
+            <a:solidFill>
+              <a:schemeClr val="tx1"/>
+            </a:solidFill>
+          </a:ln>
+        </p:spPr>
+        <p:style>
+          <a:lnRef idx="1">
+            <a:schemeClr val="accent1"/>
+          </a:lnRef>
+          <a:fillRef idx="0">
+            <a:schemeClr val="accent1"/>
+          </a:fillRef>
+          <a:effectRef idx="0">
+            <a:schemeClr val="accent1"/>
+          </a:effectRef>
+          <a:fontRef idx="minor">
+            <a:schemeClr val="tx1"/>
+          </a:fontRef>
+        </p:style>
+      </p:cxnSp>
+      <p:cxnSp>
+        <p:nvCxnSpPr>
+          <p:cNvPr id="32" name="Straight Arrow Connector 31"/>
+          <p:cNvCxnSpPr>
+            <a:stCxn id="30" idx="3"/>
+          </p:cNvCxnSpPr>
+          <p:nvPr/>
+        </p:nvCxnSpPr>
+        <p:spPr>
+          <a:xfrm flipH="1">
+            <a:off x="2438400" y="3952495"/>
+            <a:ext cx="1012916" cy="174718"/>
+          </a:xfrm>
+          <a:prstGeom prst="straightConnector1">
+            <a:avLst/>
+          </a:prstGeom>
+          <a:ln w="25400">
+            <a:solidFill>
+              <a:schemeClr val="tx1"/>
+            </a:solidFill>
+            <a:tailEnd type="arrow"/>
+          </a:ln>
+        </p:spPr>
+        <p:style>
+          <a:lnRef idx="1">
+            <a:schemeClr val="accent1"/>
+          </a:lnRef>
+          <a:fillRef idx="0">
+            <a:schemeClr val="accent1"/>
+          </a:fillRef>
+          <a:effectRef idx="0">
+            <a:schemeClr val="accent1"/>
+          </a:effectRef>
+          <a:fontRef idx="minor">
+            <a:schemeClr val="tx1"/>
+          </a:fontRef>
+        </p:style>
+      </p:cxnSp>
+      <p:sp>
+        <p:nvSpPr>
+          <p:cNvPr id="33" name="Oval 32"/>
+          <p:cNvSpPr/>
+          <p:nvPr/>
+        </p:nvSpPr>
+        <p:spPr>
+          <a:xfrm>
+            <a:off x="5224668" y="5562600"/>
+            <a:ext cx="152400" cy="152400"/>
+          </a:xfrm>
+          <a:prstGeom prst="ellipse">
+            <a:avLst/>
+          </a:prstGeom>
+          <a:solidFill>
+            <a:schemeClr val="tx1"/>
+          </a:solidFill>
+          <a:ln>
+            <a:solidFill>
+              <a:schemeClr val="tx1"/>
+            </a:solidFill>
+          </a:ln>
+        </p:spPr>
+        <p:style>
+          <a:lnRef idx="2">
+            <a:schemeClr val="accent1">
+              <a:shade val="50000"/>
+            </a:schemeClr>
+          </a:lnRef>
+          <a:fillRef idx="1">
+            <a:schemeClr val="accent1"/>
+          </a:fillRef>
+          <a:effectRef idx="0">
+            <a:schemeClr val="accent1"/>
+          </a:effectRef>
+          <a:fontRef idx="minor">
+            <a:schemeClr val="lt1"/>
+          </a:fontRef>
+        </p:style>
+        <p:txBody>
+          <a:bodyPr rtlCol="0" anchor="ctr"/>
+          <a:lstStyle/>
+          <a:p>
+            <a:pPr algn="ctr"/>
+            <a:endParaRPr lang="en-US"/>
+          </a:p>
+        </p:txBody>
+      </p:sp>
+      <p:cxnSp>
+        <p:nvCxnSpPr>
+          <p:cNvPr id="34" name="Straight Connector 33"/>
+          <p:cNvCxnSpPr/>
+          <p:nvPr/>
+        </p:nvCxnSpPr>
+        <p:spPr>
+          <a:xfrm flipH="1">
+            <a:off x="5294070" y="3779992"/>
+            <a:ext cx="113122" cy="1885361"/>
+          </a:xfrm>
+          <a:prstGeom prst="line">
+            <a:avLst/>
+          </a:prstGeom>
+          <a:ln w="25400">
+            <a:solidFill>
+              <a:schemeClr val="tx1"/>
+            </a:solidFill>
+          </a:ln>
+        </p:spPr>
+        <p:style>
+          <a:lnRef idx="1">
+            <a:schemeClr val="accent1"/>
+          </a:lnRef>
+          <a:fillRef idx="0">
+            <a:schemeClr val="accent1"/>
+          </a:fillRef>
+          <a:effectRef idx="0">
+            <a:schemeClr val="accent1"/>
+          </a:effectRef>
+          <a:fontRef idx="minor">
+            <a:schemeClr val="tx1"/>
+          </a:fontRef>
+        </p:style>
+      </p:cxnSp>
+      <p:cxnSp>
+        <p:nvCxnSpPr>
+          <p:cNvPr id="36" name="Straight Arrow Connector 35"/>
+          <p:cNvCxnSpPr/>
+          <p:nvPr/>
+        </p:nvCxnSpPr>
+        <p:spPr>
+          <a:xfrm>
+            <a:off x="3516198" y="3912124"/>
+            <a:ext cx="1866507" cy="480767"/>
+          </a:xfrm>
+          <a:prstGeom prst="straightConnector1">
+            <a:avLst/>
+          </a:prstGeom>
+          <a:ln w="25400">
+            <a:solidFill>
+              <a:schemeClr val="tx1"/>
+            </a:solidFill>
+            <a:prstDash val="dash"/>
+            <a:tailEnd type="arrow"/>
+          </a:ln>
+        </p:spPr>
+        <p:style>
+          <a:lnRef idx="1">
+            <a:schemeClr val="accent1"/>
+          </a:lnRef>
+          <a:fillRef idx="0">
+            <a:schemeClr val="accent1"/>
+          </a:fillRef>
+          <a:effectRef idx="0">
+            <a:schemeClr val="accent1"/>
+          </a:effectRef>
+          <a:fontRef idx="minor">
+            <a:schemeClr val="tx1"/>
+          </a:fontRef>
+        </p:style>
+      </p:cxnSp>
+      <p:sp>
+        <p:nvSpPr>
+          <p:cNvPr id="39" name="Freeform 38"/>
+          <p:cNvSpPr/>
+          <p:nvPr/>
+        </p:nvSpPr>
+        <p:spPr>
+          <a:xfrm>
+            <a:off x="2931736" y="4138367"/>
+            <a:ext cx="1159497" cy="1131382"/>
+          </a:xfrm>
+          <a:custGeom>
+            <a:avLst/>
+            <a:gdLst>
+              <a:gd name="connsiteX0" fmla="*/ 0 w 1159497"/>
+              <a:gd name="connsiteY0" fmla="*/ 0 h 1131382"/>
+              <a:gd name="connsiteX1" fmla="*/ 339365 w 1159497"/>
+              <a:gd name="connsiteY1" fmla="*/ 1131217 h 1131382"/>
+              <a:gd name="connsiteX2" fmla="*/ 1159497 w 1159497"/>
+              <a:gd name="connsiteY2" fmla="*/ 65988 h 1131382"/>
+            </a:gdLst>
+            <a:ahLst/>
+            <a:cxnLst>
+              <a:cxn ang="0">
+                <a:pos x="connsiteX0" y="connsiteY0"/>
+              </a:cxn>
+              <a:cxn ang="0">
+                <a:pos x="connsiteX1" y="connsiteY1"/>
+              </a:cxn>
+              <a:cxn ang="0">
+                <a:pos x="connsiteX2" y="connsiteY2"/>
+              </a:cxn>
+            </a:cxnLst>
+            <a:rect l="l" t="t" r="r" b="b"/>
+            <a:pathLst>
+              <a:path w="1159497" h="1131382">
+                <a:moveTo>
+                  <a:pt x="0" y="0"/>
+                </a:moveTo>
+                <a:cubicBezTo>
+                  <a:pt x="73058" y="560109"/>
+                  <a:pt x="146116" y="1120219"/>
+                  <a:pt x="339365" y="1131217"/>
+                </a:cubicBezTo>
+                <a:cubicBezTo>
+                  <a:pt x="532614" y="1142215"/>
+                  <a:pt x="846055" y="604101"/>
+                  <a:pt x="1159497" y="65988"/>
+                </a:cubicBezTo>
+              </a:path>
+            </a:pathLst>
+          </a:custGeom>
+          <a:noFill/>
+          <a:ln>
+            <a:solidFill>
+              <a:schemeClr val="accent6">
+                <a:lumMod val="75000"/>
+              </a:schemeClr>
+            </a:solidFill>
+            <a:prstDash val="dash"/>
+            <a:headEnd type="arrow"/>
+            <a:tailEnd type="arrow"/>
+          </a:ln>
+        </p:spPr>
+        <p:style>
+          <a:lnRef idx="2">
+            <a:schemeClr val="accent1">
+              <a:shade val="50000"/>
+            </a:schemeClr>
+          </a:lnRef>
+          <a:fillRef idx="1">
+            <a:schemeClr val="accent1"/>
+          </a:fillRef>
+          <a:effectRef idx="0">
+            <a:schemeClr val="accent1"/>
+          </a:effectRef>
+          <a:fontRef idx="minor">
+            <a:schemeClr val="lt1"/>
+          </a:fontRef>
+        </p:style>
+        <p:txBody>
+          <a:bodyPr rtlCol="0" anchor="ctr"/>
+          <a:lstStyle/>
+          <a:p>
+            <a:pPr algn="ctr"/>
+            <a:endParaRPr lang="en-US"/>
+          </a:p>
+        </p:txBody>
+      </p:sp>
+    </p:spTree>
+    <p:extLst>
+      <p:ext uri="{BB962C8B-B14F-4D97-AF65-F5344CB8AC3E}">
+        <p14:creationId xmlns:p14="http://schemas.microsoft.com/office/powerpoint/2010/main" val="3575823313"/>
+      </p:ext>
+    </p:extLst>
+  </p:cSld>
+  <p:clrMapOvr>
+    <a:masterClrMapping/>
+  </p:clrMapOvr>
+</p:sld>
+</file>
+
+<file path=ppt/slides/slide41.xml><?xml version="1.0" encoding="utf-8"?>
 <p:sld xmlns:a="http://schemas.openxmlformats.org/drawingml/2006/main" xmlns:r="http://schemas.openxmlformats.org/officeDocument/2006/relationships" xmlns:p="http://schemas.openxmlformats.org/presentationml/2006/main">
   <p:cSld>
     <p:spTree>
@@ -10884,7 +14869,7 @@
 </p:sld>
 </file>
 
-<file path=ppt/slides/slide36.xml><?xml version="1.0" encoding="utf-8"?>
+<file path=ppt/slides/slide42.xml><?xml version="1.0" encoding="utf-8"?>
 <p:sld xmlns:a="http://schemas.openxmlformats.org/drawingml/2006/main" xmlns:r="http://schemas.openxmlformats.org/officeDocument/2006/relationships" xmlns:p="http://schemas.openxmlformats.org/presentationml/2006/main">
   <p:cSld>
     <p:spTree>
@@ -11398,7 +15383,7 @@
 </p:sld>
 </file>
 
-<file path=ppt/slides/slide37.xml><?xml version="1.0" encoding="utf-8"?>
+<file path=ppt/slides/slide43.xml><?xml version="1.0" encoding="utf-8"?>
 <p:sld xmlns:a="http://schemas.openxmlformats.org/drawingml/2006/main" xmlns:r="http://schemas.openxmlformats.org/officeDocument/2006/relationships" xmlns:p="http://schemas.openxmlformats.org/presentationml/2006/main">
   <p:cSld>
     <p:spTree>
@@ -11852,7 +15837,7 @@
 </p:sld>
 </file>
 
-<file path=ppt/slides/slide38.xml><?xml version="1.0" encoding="utf-8"?>
+<file path=ppt/slides/slide44.xml><?xml version="1.0" encoding="utf-8"?>
 <p:sld xmlns:a="http://schemas.openxmlformats.org/drawingml/2006/main" xmlns:r="http://schemas.openxmlformats.org/officeDocument/2006/relationships" xmlns:p="http://schemas.openxmlformats.org/presentationml/2006/main">
   <p:cSld>
     <p:spTree>
@@ -12590,544 +16575,6 @@
     <p:extLst>
       <p:ext uri="{BB962C8B-B14F-4D97-AF65-F5344CB8AC3E}">
         <p14:creationId xmlns:p14="http://schemas.microsoft.com/office/powerpoint/2010/main" val="106156660"/>
-      </p:ext>
-    </p:extLst>
-  </p:cSld>
-  <p:clrMapOvr>
-    <a:masterClrMapping/>
-  </p:clrMapOvr>
-</p:sld>
-</file>
-
-<file path=ppt/slides/slide4.xml><?xml version="1.0" encoding="utf-8"?>
-<p:sld xmlns:a="http://schemas.openxmlformats.org/drawingml/2006/main" xmlns:r="http://schemas.openxmlformats.org/officeDocument/2006/relationships" xmlns:p="http://schemas.openxmlformats.org/presentationml/2006/main">
-  <p:cSld>
-    <p:spTree>
-      <p:nvGrpSpPr>
-        <p:cNvPr id="1" name=""/>
-        <p:cNvGrpSpPr/>
-        <p:nvPr/>
-      </p:nvGrpSpPr>
-      <p:grpSpPr>
-        <a:xfrm>
-          <a:off x="0" y="0"/>
-          <a:ext cx="0" cy="0"/>
-          <a:chOff x="0" y="0"/>
-          <a:chExt cx="0" cy="0"/>
-        </a:xfrm>
-      </p:grpSpPr>
-      <p:pic>
-        <p:nvPicPr>
-          <p:cNvPr id="1026" name="Picture 2"/>
-          <p:cNvPicPr>
-            <a:picLocks noChangeAspect="1" noChangeArrowheads="1"/>
-          </p:cNvPicPr>
-          <p:nvPr/>
-        </p:nvPicPr>
-        <p:blipFill>
-          <a:blip r:embed="rId2">
-            <a:extLst>
-              <a:ext uri="{28A0092B-C50C-407E-A947-70E740481C1C}">
-                <a14:useLocalDpi xmlns:a14="http://schemas.microsoft.com/office/drawing/2010/main" val="0"/>
-              </a:ext>
-            </a:extLst>
-          </a:blip>
-          <a:srcRect/>
-          <a:stretch>
-            <a:fillRect/>
-          </a:stretch>
-        </p:blipFill>
-        <p:spPr bwMode="auto">
-          <a:xfrm>
-            <a:off x="1828800" y="1671430"/>
-            <a:ext cx="5172997" cy="5110370"/>
-          </a:xfrm>
-          <a:prstGeom prst="rect">
-            <a:avLst/>
-          </a:prstGeom>
-          <a:noFill/>
-          <a:ln>
-            <a:noFill/>
-          </a:ln>
-          <a:extLst>
-            <a:ext uri="{909E8E84-426E-40DD-AFC4-6F175D3DCCD1}">
-              <a14:hiddenFill xmlns:a14="http://schemas.microsoft.com/office/drawing/2010/main">
-                <a:solidFill>
-                  <a:schemeClr val="accent1"/>
-                </a:solidFill>
-              </a14:hiddenFill>
-            </a:ext>
-            <a:ext uri="{91240B29-F687-4F45-9708-019B960494DF}">
-              <a14:hiddenLine xmlns:a14="http://schemas.microsoft.com/office/drawing/2010/main" w="9525">
-                <a:solidFill>
-                  <a:schemeClr val="tx1"/>
-                </a:solidFill>
-                <a:miter lim="800000"/>
-                <a:headEnd/>
-                <a:tailEnd/>
-              </a14:hiddenLine>
-            </a:ext>
-          </a:extLst>
-        </p:spPr>
-      </p:pic>
-      <p:sp>
-        <p:nvSpPr>
-          <p:cNvPr id="3" name="TextBox 2"/>
-          <p:cNvSpPr txBox="1"/>
-          <p:nvPr/>
-        </p:nvSpPr>
-        <p:spPr>
-          <a:xfrm>
-            <a:off x="0" y="-13195"/>
-            <a:ext cx="7585731" cy="1569660"/>
-          </a:xfrm>
-          <a:prstGeom prst="rect">
-            <a:avLst/>
-          </a:prstGeom>
-          <a:noFill/>
-        </p:spPr>
-        <p:txBody>
-          <a:bodyPr wrap="none" rtlCol="0">
-            <a:spAutoFit/>
-          </a:bodyPr>
-          <a:lstStyle/>
-          <a:p>
-            <a:r>
-              <a:rPr lang="ja-JP" altLang="en-US" sz="3200" dirty="0" smtClean="0"/>
-              <a:t>道路の生成（</a:t>
-            </a:r>
-            <a:r>
-              <a:rPr lang="en-US" altLang="ja-JP" sz="3200" dirty="0" smtClean="0"/>
-              <a:t>Avenue</a:t>
-            </a:r>
-            <a:r>
-              <a:rPr lang="ja-JP" altLang="en-US" sz="3200" dirty="0" smtClean="0"/>
-              <a:t>）</a:t>
-            </a:r>
-            <a:endParaRPr lang="en-US" altLang="ja-JP" sz="3200" dirty="0" smtClean="0"/>
-          </a:p>
-          <a:p>
-            <a:r>
-              <a:rPr lang="en-US" altLang="ja-JP" sz="3200" dirty="0" smtClean="0"/>
-              <a:t>Iteration: </a:t>
-            </a:r>
-            <a:r>
-              <a:rPr lang="en-US" altLang="ja-JP" sz="3200" dirty="0"/>
-              <a:t>4</a:t>
-            </a:r>
-            <a:endParaRPr lang="en-US" altLang="ja-JP" sz="3200" dirty="0" smtClean="0"/>
-          </a:p>
-          <a:p>
-            <a:r>
-              <a:rPr lang="en-US" altLang="ja-JP" sz="3200" dirty="0" smtClean="0"/>
-              <a:t>Snap: ON</a:t>
-            </a:r>
-            <a:r>
-              <a:rPr lang="ja-JP" altLang="en-US" sz="3200" dirty="0"/>
-              <a:t>　</a:t>
-            </a:r>
-            <a:r>
-              <a:rPr lang="ja-JP" altLang="en-US" sz="3200" dirty="0" smtClean="0"/>
-              <a:t>（</a:t>
-            </a:r>
-            <a:r>
-              <a:rPr lang="en-US" altLang="ja-JP" sz="3200" dirty="0" smtClean="0"/>
-              <a:t>10m</a:t>
-            </a:r>
-            <a:r>
-              <a:rPr lang="ja-JP" altLang="en-US" sz="3200" dirty="0" smtClean="0"/>
-              <a:t>。ただし、最後の点は</a:t>
-            </a:r>
-            <a:r>
-              <a:rPr lang="en-US" altLang="ja-JP" sz="3200" dirty="0" smtClean="0"/>
-              <a:t>40m</a:t>
-            </a:r>
-            <a:r>
-              <a:rPr lang="ja-JP" altLang="en-US" sz="3200" dirty="0" smtClean="0"/>
-              <a:t>）</a:t>
-            </a:r>
-            <a:endParaRPr lang="en-US" altLang="ja-JP" sz="3200" dirty="0" smtClean="0"/>
-          </a:p>
-        </p:txBody>
-      </p:sp>
-      <p:sp>
-        <p:nvSpPr>
-          <p:cNvPr id="4" name="TextBox 3"/>
-          <p:cNvSpPr txBox="1"/>
-          <p:nvPr/>
-        </p:nvSpPr>
-        <p:spPr>
-          <a:xfrm>
-            <a:off x="3268019" y="4134498"/>
-            <a:ext cx="301686" cy="369332"/>
-          </a:xfrm>
-          <a:prstGeom prst="rect">
-            <a:avLst/>
-          </a:prstGeom>
-          <a:noFill/>
-        </p:spPr>
-        <p:txBody>
-          <a:bodyPr wrap="none" rtlCol="0">
-            <a:spAutoFit/>
-          </a:bodyPr>
-          <a:lstStyle/>
-          <a:p>
-            <a:r>
-              <a:rPr lang="en-US" dirty="0" smtClean="0"/>
-              <a:t>4</a:t>
-            </a:r>
-            <a:endParaRPr lang="en-US" dirty="0"/>
-          </a:p>
-        </p:txBody>
-      </p:sp>
-      <p:sp>
-        <p:nvSpPr>
-          <p:cNvPr id="5" name="TextBox 4"/>
-          <p:cNvSpPr txBox="1"/>
-          <p:nvPr/>
-        </p:nvSpPr>
-        <p:spPr>
-          <a:xfrm>
-            <a:off x="3203754" y="3765166"/>
-            <a:ext cx="301686" cy="369332"/>
-          </a:xfrm>
-          <a:prstGeom prst="rect">
-            <a:avLst/>
-          </a:prstGeom>
-          <a:noFill/>
-        </p:spPr>
-        <p:txBody>
-          <a:bodyPr wrap="none" rtlCol="0">
-            <a:spAutoFit/>
-          </a:bodyPr>
-          <a:lstStyle/>
-          <a:p>
-            <a:r>
-              <a:rPr lang="en-US" dirty="0" smtClean="0"/>
-              <a:t>5</a:t>
-            </a:r>
-            <a:endParaRPr lang="en-US" dirty="0"/>
-          </a:p>
-        </p:txBody>
-      </p:sp>
-      <p:sp>
-        <p:nvSpPr>
-          <p:cNvPr id="6" name="TextBox 5"/>
-          <p:cNvSpPr txBox="1"/>
-          <p:nvPr/>
-        </p:nvSpPr>
-        <p:spPr>
-          <a:xfrm>
-            <a:off x="5247662" y="3913580"/>
-            <a:ext cx="301686" cy="369332"/>
-          </a:xfrm>
-          <a:prstGeom prst="rect">
-            <a:avLst/>
-          </a:prstGeom>
-          <a:noFill/>
-        </p:spPr>
-        <p:txBody>
-          <a:bodyPr wrap="none" rtlCol="0">
-            <a:spAutoFit/>
-          </a:bodyPr>
-          <a:lstStyle/>
-          <a:p>
-            <a:r>
-              <a:rPr lang="en-US" dirty="0" smtClean="0"/>
-              <a:t>6</a:t>
-            </a:r>
-            <a:endParaRPr lang="en-US" dirty="0"/>
-          </a:p>
-        </p:txBody>
-      </p:sp>
-      <p:sp>
-        <p:nvSpPr>
-          <p:cNvPr id="7" name="TextBox 6"/>
-          <p:cNvSpPr txBox="1"/>
-          <p:nvPr/>
-        </p:nvSpPr>
-        <p:spPr>
-          <a:xfrm>
-            <a:off x="3268019" y="4840896"/>
-            <a:ext cx="301686" cy="369332"/>
-          </a:xfrm>
-          <a:prstGeom prst="rect">
-            <a:avLst/>
-          </a:prstGeom>
-          <a:noFill/>
-        </p:spPr>
-        <p:txBody>
-          <a:bodyPr wrap="none" rtlCol="0">
-            <a:spAutoFit/>
-          </a:bodyPr>
-          <a:lstStyle/>
-          <a:p>
-            <a:r>
-              <a:rPr lang="en-US" dirty="0" smtClean="0"/>
-              <a:t>7</a:t>
-            </a:r>
-            <a:endParaRPr lang="en-US" dirty="0"/>
-          </a:p>
-        </p:txBody>
-      </p:sp>
-      <p:sp>
-        <p:nvSpPr>
-          <p:cNvPr id="8" name="TextBox 7"/>
-          <p:cNvSpPr txBox="1"/>
-          <p:nvPr/>
-        </p:nvSpPr>
-        <p:spPr>
-          <a:xfrm>
-            <a:off x="5106558" y="3544248"/>
-            <a:ext cx="301686" cy="369332"/>
-          </a:xfrm>
-          <a:prstGeom prst="rect">
-            <a:avLst/>
-          </a:prstGeom>
-          <a:noFill/>
-        </p:spPr>
-        <p:txBody>
-          <a:bodyPr wrap="none" rtlCol="0">
-            <a:spAutoFit/>
-          </a:bodyPr>
-          <a:lstStyle/>
-          <a:p>
-            <a:r>
-              <a:rPr lang="en-US" dirty="0" smtClean="0"/>
-              <a:t>8</a:t>
-            </a:r>
-            <a:endParaRPr lang="en-US" dirty="0"/>
-          </a:p>
-        </p:txBody>
-      </p:sp>
-      <p:sp>
-        <p:nvSpPr>
-          <p:cNvPr id="9" name="TextBox 8"/>
-          <p:cNvSpPr txBox="1"/>
-          <p:nvPr/>
-        </p:nvSpPr>
-        <p:spPr>
-          <a:xfrm>
-            <a:off x="3052911" y="2547732"/>
-            <a:ext cx="301686" cy="369332"/>
-          </a:xfrm>
-          <a:prstGeom prst="rect">
-            <a:avLst/>
-          </a:prstGeom>
-          <a:noFill/>
-        </p:spPr>
-        <p:txBody>
-          <a:bodyPr wrap="none" rtlCol="0">
-            <a:spAutoFit/>
-          </a:bodyPr>
-          <a:lstStyle/>
-          <a:p>
-            <a:r>
-              <a:rPr lang="en-US" dirty="0" smtClean="0"/>
-              <a:t>9</a:t>
-            </a:r>
-            <a:endParaRPr lang="en-US" dirty="0"/>
-          </a:p>
-        </p:txBody>
-      </p:sp>
-      <p:sp>
-        <p:nvSpPr>
-          <p:cNvPr id="10" name="TextBox 9"/>
-          <p:cNvSpPr txBox="1"/>
-          <p:nvPr/>
-        </p:nvSpPr>
-        <p:spPr>
-          <a:xfrm>
-            <a:off x="1623178" y="4099297"/>
-            <a:ext cx="418704" cy="369332"/>
-          </a:xfrm>
-          <a:prstGeom prst="rect">
-            <a:avLst/>
-          </a:prstGeom>
-          <a:noFill/>
-        </p:spPr>
-        <p:txBody>
-          <a:bodyPr wrap="none" rtlCol="0">
-            <a:spAutoFit/>
-          </a:bodyPr>
-          <a:lstStyle/>
-          <a:p>
-            <a:r>
-              <a:rPr lang="en-US" dirty="0" smtClean="0"/>
-              <a:t>10</a:t>
-            </a:r>
-            <a:endParaRPr lang="en-US" dirty="0"/>
-          </a:p>
-        </p:txBody>
-      </p:sp>
-      <p:sp>
-        <p:nvSpPr>
-          <p:cNvPr id="11" name="TextBox 10"/>
-          <p:cNvSpPr txBox="1"/>
-          <p:nvPr/>
-        </p:nvSpPr>
-        <p:spPr>
-          <a:xfrm>
-            <a:off x="3914131" y="6096000"/>
-            <a:ext cx="418704" cy="369332"/>
-          </a:xfrm>
-          <a:prstGeom prst="rect">
-            <a:avLst/>
-          </a:prstGeom>
-          <a:noFill/>
-        </p:spPr>
-        <p:txBody>
-          <a:bodyPr wrap="none" rtlCol="0">
-            <a:spAutoFit/>
-          </a:bodyPr>
-          <a:lstStyle/>
-          <a:p>
-            <a:r>
-              <a:rPr lang="en-US" dirty="0" smtClean="0"/>
-              <a:t>15</a:t>
-            </a:r>
-            <a:endParaRPr lang="en-US" dirty="0"/>
-          </a:p>
-        </p:txBody>
-      </p:sp>
-      <p:sp>
-        <p:nvSpPr>
-          <p:cNvPr id="12" name="TextBox 11"/>
-          <p:cNvSpPr txBox="1"/>
-          <p:nvPr/>
-        </p:nvSpPr>
-        <p:spPr>
-          <a:xfrm>
-            <a:off x="1490026" y="4906618"/>
-            <a:ext cx="418704" cy="369332"/>
-          </a:xfrm>
-          <a:prstGeom prst="rect">
-            <a:avLst/>
-          </a:prstGeom>
-          <a:noFill/>
-        </p:spPr>
-        <p:txBody>
-          <a:bodyPr wrap="none" rtlCol="0">
-            <a:spAutoFit/>
-          </a:bodyPr>
-          <a:lstStyle/>
-          <a:p>
-            <a:r>
-              <a:rPr lang="en-US" dirty="0" smtClean="0"/>
-              <a:t>16</a:t>
-            </a:r>
-            <a:endParaRPr lang="en-US" dirty="0"/>
-          </a:p>
-        </p:txBody>
-      </p:sp>
-      <p:sp>
-        <p:nvSpPr>
-          <p:cNvPr id="13" name="TextBox 12"/>
-          <p:cNvSpPr txBox="1"/>
-          <p:nvPr/>
-        </p:nvSpPr>
-        <p:spPr>
-          <a:xfrm>
-            <a:off x="5333601" y="4372498"/>
-            <a:ext cx="418704" cy="369332"/>
-          </a:xfrm>
-          <a:prstGeom prst="rect">
-            <a:avLst/>
-          </a:prstGeom>
-          <a:noFill/>
-        </p:spPr>
-        <p:txBody>
-          <a:bodyPr wrap="none" rtlCol="0">
-            <a:spAutoFit/>
-          </a:bodyPr>
-          <a:lstStyle/>
-          <a:p>
-            <a:r>
-              <a:rPr lang="en-US" dirty="0" smtClean="0"/>
-              <a:t>14</a:t>
-            </a:r>
-            <a:endParaRPr lang="en-US" dirty="0"/>
-          </a:p>
-        </p:txBody>
-      </p:sp>
-      <p:sp>
-        <p:nvSpPr>
-          <p:cNvPr id="14" name="TextBox 13"/>
-          <p:cNvSpPr txBox="1"/>
-          <p:nvPr/>
-        </p:nvSpPr>
-        <p:spPr>
-          <a:xfrm>
-            <a:off x="6400800" y="3747395"/>
-            <a:ext cx="418704" cy="369332"/>
-          </a:xfrm>
-          <a:prstGeom prst="rect">
-            <a:avLst/>
-          </a:prstGeom>
-          <a:noFill/>
-        </p:spPr>
-        <p:txBody>
-          <a:bodyPr wrap="none" rtlCol="0">
-            <a:spAutoFit/>
-          </a:bodyPr>
-          <a:lstStyle/>
-          <a:p>
-            <a:r>
-              <a:rPr lang="en-US" dirty="0" smtClean="0"/>
-              <a:t>13</a:t>
-            </a:r>
-            <a:endParaRPr lang="en-US" dirty="0"/>
-          </a:p>
-        </p:txBody>
-      </p:sp>
-      <p:sp>
-        <p:nvSpPr>
-          <p:cNvPr id="15" name="Oval 14"/>
-          <p:cNvSpPr/>
-          <p:nvPr/>
-        </p:nvSpPr>
-        <p:spPr>
-          <a:xfrm>
-            <a:off x="3461561" y="4589430"/>
-            <a:ext cx="304800" cy="304800"/>
-          </a:xfrm>
-          <a:prstGeom prst="ellipse">
-            <a:avLst/>
-          </a:prstGeom>
-          <a:noFill/>
-          <a:ln>
-            <a:prstDash val="sysDash"/>
-          </a:ln>
-        </p:spPr>
-        <p:style>
-          <a:lnRef idx="2">
-            <a:schemeClr val="accent1">
-              <a:shade val="50000"/>
-            </a:schemeClr>
-          </a:lnRef>
-          <a:fillRef idx="1">
-            <a:schemeClr val="accent1"/>
-          </a:fillRef>
-          <a:effectRef idx="0">
-            <a:schemeClr val="accent1"/>
-          </a:effectRef>
-          <a:fontRef idx="minor">
-            <a:schemeClr val="lt1"/>
-          </a:fontRef>
-        </p:style>
-        <p:txBody>
-          <a:bodyPr rtlCol="0" anchor="ctr"/>
-          <a:lstStyle/>
-          <a:p>
-            <a:pPr algn="ctr"/>
-            <a:endParaRPr lang="en-US"/>
-          </a:p>
-        </p:txBody>
-      </p:sp>
-    </p:spTree>
-    <p:extLst>
-      <p:ext uri="{BB962C8B-B14F-4D97-AF65-F5344CB8AC3E}">
-        <p14:creationId xmlns:p14="http://schemas.microsoft.com/office/powerpoint/2010/main" val="2813798201"/>
       </p:ext>
     </p:extLst>
   </p:cSld>

--- a/RoadDesigner.pptx
+++ b/RoadDesigner.pptx
@@ -43,12 +43,16 @@
     <p:sldId id="298" r:id="rId37"/>
     <p:sldId id="299" r:id="rId38"/>
     <p:sldId id="303" r:id="rId39"/>
-    <p:sldId id="301" r:id="rId40"/>
-    <p:sldId id="302" r:id="rId41"/>
-    <p:sldId id="268" r:id="rId42"/>
-    <p:sldId id="269" r:id="rId43"/>
-    <p:sldId id="275" r:id="rId44"/>
-    <p:sldId id="270" r:id="rId45"/>
+    <p:sldId id="304" r:id="rId40"/>
+    <p:sldId id="305" r:id="rId41"/>
+    <p:sldId id="306" r:id="rId42"/>
+    <p:sldId id="307" r:id="rId43"/>
+    <p:sldId id="301" r:id="rId44"/>
+    <p:sldId id="302" r:id="rId45"/>
+    <p:sldId id="268" r:id="rId46"/>
+    <p:sldId id="269" r:id="rId47"/>
+    <p:sldId id="275" r:id="rId48"/>
+    <p:sldId id="270" r:id="rId49"/>
   </p:sldIdLst>
   <p:sldSz cx="9144000" cy="6858000" type="screen4x3"/>
   <p:notesSz cx="6997700" cy="9283700"/>
@@ -10294,11 +10298,7 @@
             </a:r>
             <a:r>
               <a:rPr lang="ja-JP" altLang="en-US" sz="3200" dirty="0" smtClean="0"/>
-              <a:t>、カーネルがお</a:t>
-            </a:r>
-            <a:r>
-              <a:rPr lang="ja-JP" altLang="en-US" sz="3200" dirty="0" smtClean="0"/>
-              <a:t>か</a:t>
+              <a:t>、カーネルがおか</a:t>
             </a:r>
             <a:r>
               <a:rPr lang="ja-JP" altLang="en-US" sz="3200" dirty="0"/>
@@ -10373,11 +10373,7 @@
           <a:p>
             <a:r>
               <a:rPr lang="ja-JP" altLang="en-US" sz="3200" dirty="0" smtClean="0"/>
-              <a:t>修</a:t>
-            </a:r>
-            <a:r>
-              <a:rPr lang="ja-JP" altLang="en-US" sz="3200" dirty="0" smtClean="0"/>
-              <a:t>正後⇒ </a:t>
+              <a:t>修正後⇒ </a:t>
             </a:r>
             <a:r>
               <a:rPr lang="en-US" altLang="ja-JP" sz="3200" dirty="0" smtClean="0"/>
@@ -11021,8 +11017,8 @@
         </p:blipFill>
         <p:spPr bwMode="auto">
           <a:xfrm>
-            <a:off x="7293861" y="4876800"/>
-            <a:ext cx="1621163" cy="1614337"/>
+            <a:off x="3563629" y="1162274"/>
+            <a:ext cx="5351396" cy="5328864"/>
           </a:xfrm>
           <a:prstGeom prst="rect">
             <a:avLst/>
@@ -11060,7 +11056,7 @@
         </p:nvSpPr>
         <p:spPr>
           <a:xfrm>
-            <a:off x="5897252" y="5518666"/>
+            <a:off x="1857151" y="5703332"/>
             <a:ext cx="877163" cy="369332"/>
           </a:xfrm>
           <a:prstGeom prst="rect">
@@ -11862,7 +11858,7 @@
         </p:nvSpPr>
         <p:spPr>
           <a:xfrm>
-            <a:off x="1311897" y="5619690"/>
+            <a:off x="393428" y="2743200"/>
             <a:ext cx="1467902" cy="400110"/>
           </a:xfrm>
           <a:prstGeom prst="rect">
@@ -11893,7 +11889,7 @@
           <p:nvPr/>
         </p:nvPicPr>
         <p:blipFill>
-          <a:blip r:embed="rId2">
+          <a:blip r:embed="rId2" cstate="print">
             <a:extLst>
               <a:ext uri="{28A0092B-C50C-407E-A947-70E740481C1C}">
                 <a14:useLocalDpi xmlns:a14="http://schemas.microsoft.com/office/drawing/2010/main" val="0"/>
@@ -11907,8 +11903,8 @@
         </p:blipFill>
         <p:spPr bwMode="auto">
           <a:xfrm>
-            <a:off x="228600" y="1276290"/>
-            <a:ext cx="4087368" cy="4114800"/>
+            <a:off x="219076" y="914401"/>
+            <a:ext cx="1816607" cy="1828799"/>
           </a:xfrm>
           <a:prstGeom prst="rect">
             <a:avLst/>
@@ -11947,7 +11943,7 @@
           <p:nvPr/>
         </p:nvPicPr>
         <p:blipFill>
-          <a:blip r:embed="rId3">
+          <a:blip r:embed="rId3" cstate="print">
             <a:extLst>
               <a:ext uri="{28A0092B-C50C-407E-A947-70E740481C1C}">
                 <a14:useLocalDpi xmlns:a14="http://schemas.microsoft.com/office/drawing/2010/main" val="0"/>
@@ -11961,8 +11957,8 @@
         </p:blipFill>
         <p:spPr bwMode="auto">
           <a:xfrm>
-            <a:off x="4724400" y="1300644"/>
-            <a:ext cx="4135547" cy="4114800"/>
+            <a:off x="2514600" y="938755"/>
+            <a:ext cx="1813543" cy="1804445"/>
           </a:xfrm>
           <a:prstGeom prst="rect">
             <a:avLst/>
@@ -12000,7 +11996,7 @@
         </p:nvSpPr>
         <p:spPr>
           <a:xfrm>
-            <a:off x="6172200" y="5572035"/>
+            <a:off x="2687420" y="2726846"/>
             <a:ext cx="1467902" cy="400110"/>
           </a:xfrm>
           <a:prstGeom prst="rect">
@@ -12046,21 +12042,122 @@
           <a:p>
             <a:r>
               <a:rPr lang="ja-JP" altLang="en-US" sz="3200" dirty="0"/>
-              <a:t>依然とし</a:t>
+              <a:t>修</a:t>
             </a:r>
             <a:r>
               <a:rPr lang="ja-JP" altLang="en-US" sz="3200" dirty="0" smtClean="0"/>
-              <a:t>て</a:t>
+              <a:t>正</a:t>
             </a:r>
             <a:r>
               <a:rPr lang="ja-JP" altLang="en-US" sz="3200" dirty="0"/>
-              <a:t>、</a:t>
+              <a:t>した</a:t>
             </a:r>
             <a:r>
               <a:rPr lang="ja-JP" altLang="en-US" sz="3200" dirty="0" smtClean="0"/>
-              <a:t>バグ：</a:t>
+              <a:t>。</a:t>
             </a:r>
             <a:endParaRPr lang="en-US" altLang="ja-JP" sz="3200" dirty="0" smtClean="0"/>
+          </a:p>
+        </p:txBody>
+      </p:sp>
+      <p:pic>
+        <p:nvPicPr>
+          <p:cNvPr id="1026" name="Picture 2"/>
+          <p:cNvPicPr>
+            <a:picLocks noChangeAspect="1" noChangeArrowheads="1"/>
+          </p:cNvPicPr>
+          <p:nvPr/>
+        </p:nvPicPr>
+        <p:blipFill>
+          <a:blip r:embed="rId4">
+            <a:extLst>
+              <a:ext uri="{28A0092B-C50C-407E-A947-70E740481C1C}">
+                <a14:useLocalDpi xmlns:a14="http://schemas.microsoft.com/office/drawing/2010/main" val="0"/>
+              </a:ext>
+            </a:extLst>
+          </a:blip>
+          <a:srcRect/>
+          <a:stretch>
+            <a:fillRect/>
+          </a:stretch>
+        </p:blipFill>
+        <p:spPr bwMode="auto">
+          <a:xfrm>
+            <a:off x="4328143" y="1828800"/>
+            <a:ext cx="4533899" cy="4190618"/>
+          </a:xfrm>
+          <a:prstGeom prst="rect">
+            <a:avLst/>
+          </a:prstGeom>
+          <a:noFill/>
+          <a:ln>
+            <a:noFill/>
+          </a:ln>
+          <a:extLst>
+            <a:ext uri="{909E8E84-426E-40DD-AFC4-6F175D3DCCD1}">
+              <a14:hiddenFill xmlns:a14="http://schemas.microsoft.com/office/drawing/2010/main">
+                <a:solidFill>
+                  <a:schemeClr val="accent1"/>
+                </a:solidFill>
+              </a14:hiddenFill>
+            </a:ext>
+            <a:ext uri="{91240B29-F687-4F45-9708-019B960494DF}">
+              <a14:hiddenLine xmlns:a14="http://schemas.microsoft.com/office/drawing/2010/main" w="9525">
+                <a:solidFill>
+                  <a:schemeClr val="tx1"/>
+                </a:solidFill>
+                <a:miter lim="800000"/>
+                <a:headEnd/>
+                <a:tailEnd/>
+              </a14:hiddenLine>
+            </a:ext>
+          </a:extLst>
+        </p:spPr>
+      </p:pic>
+      <p:sp>
+        <p:nvSpPr>
+          <p:cNvPr id="2" name="Oval 1"/>
+          <p:cNvSpPr/>
+          <p:nvPr/>
+        </p:nvSpPr>
+        <p:spPr>
+          <a:xfrm>
+            <a:off x="5029200" y="3733800"/>
+            <a:ext cx="685800" cy="685800"/>
+          </a:xfrm>
+          <a:prstGeom prst="ellipse">
+            <a:avLst/>
+          </a:prstGeom>
+          <a:noFill/>
+          <a:ln>
+            <a:solidFill>
+              <a:schemeClr val="tx1"/>
+            </a:solidFill>
+            <a:prstDash val="dash"/>
+          </a:ln>
+        </p:spPr>
+        <p:style>
+          <a:lnRef idx="2">
+            <a:schemeClr val="accent1">
+              <a:shade val="50000"/>
+            </a:schemeClr>
+          </a:lnRef>
+          <a:fillRef idx="1">
+            <a:schemeClr val="accent1"/>
+          </a:fillRef>
+          <a:effectRef idx="0">
+            <a:schemeClr val="accent1"/>
+          </a:effectRef>
+          <a:fontRef idx="minor">
+            <a:schemeClr val="lt1"/>
+          </a:fontRef>
+        </p:style>
+        <p:txBody>
+          <a:bodyPr rtlCol="0" anchor="ctr"/>
+          <a:lstStyle/>
+          <a:p>
+            <a:pPr algn="ctr"/>
+            <a:endParaRPr lang="en-US"/>
           </a:p>
         </p:txBody>
       </p:sp>
@@ -12078,6 +12175,1080 @@
 </file>
 
 <file path=ppt/slides/slide39.xml><?xml version="1.0" encoding="utf-8"?>
+<p:sld xmlns:a="http://schemas.openxmlformats.org/drawingml/2006/main" xmlns:r="http://schemas.openxmlformats.org/officeDocument/2006/relationships" xmlns:p="http://schemas.openxmlformats.org/presentationml/2006/main">
+  <p:cSld>
+    <p:spTree>
+      <p:nvGrpSpPr>
+        <p:cNvPr id="1" name=""/>
+        <p:cNvGrpSpPr/>
+        <p:nvPr/>
+      </p:nvGrpSpPr>
+      <p:grpSpPr>
+        <a:xfrm>
+          <a:off x="0" y="0"/>
+          <a:ext cx="0" cy="0"/>
+          <a:chOff x="0" y="0"/>
+          <a:chExt cx="0" cy="0"/>
+        </a:xfrm>
+      </p:grpSpPr>
+      <p:pic>
+        <p:nvPicPr>
+          <p:cNvPr id="2050" name="Picture 2"/>
+          <p:cNvPicPr>
+            <a:picLocks noChangeAspect="1" noChangeArrowheads="1"/>
+          </p:cNvPicPr>
+          <p:nvPr/>
+        </p:nvPicPr>
+        <p:blipFill>
+          <a:blip r:embed="rId2">
+            <a:extLst>
+              <a:ext uri="{28A0092B-C50C-407E-A947-70E740481C1C}">
+                <a14:useLocalDpi xmlns:a14="http://schemas.microsoft.com/office/drawing/2010/main" val="0"/>
+              </a:ext>
+            </a:extLst>
+          </a:blip>
+          <a:srcRect/>
+          <a:stretch>
+            <a:fillRect/>
+          </a:stretch>
+        </p:blipFill>
+        <p:spPr bwMode="auto">
+          <a:xfrm>
+            <a:off x="1752600" y="1071562"/>
+            <a:ext cx="5803685" cy="5786438"/>
+          </a:xfrm>
+          <a:prstGeom prst="rect">
+            <a:avLst/>
+          </a:prstGeom>
+          <a:noFill/>
+          <a:ln>
+            <a:noFill/>
+          </a:ln>
+          <a:extLst>
+            <a:ext uri="{909E8E84-426E-40DD-AFC4-6F175D3DCCD1}">
+              <a14:hiddenFill xmlns:a14="http://schemas.microsoft.com/office/drawing/2010/main">
+                <a:solidFill>
+                  <a:schemeClr val="accent1"/>
+                </a:solidFill>
+              </a14:hiddenFill>
+            </a:ext>
+            <a:ext uri="{91240B29-F687-4F45-9708-019B960494DF}">
+              <a14:hiddenLine xmlns:a14="http://schemas.microsoft.com/office/drawing/2010/main" w="9525">
+                <a:solidFill>
+                  <a:schemeClr val="tx1"/>
+                </a:solidFill>
+                <a:miter lim="800000"/>
+                <a:headEnd/>
+                <a:tailEnd/>
+              </a14:hiddenLine>
+            </a:ext>
+          </a:extLst>
+        </p:spPr>
+      </p:pic>
+      <p:sp>
+        <p:nvSpPr>
+          <p:cNvPr id="3" name="TextBox 2"/>
+          <p:cNvSpPr txBox="1"/>
+          <p:nvPr/>
+        </p:nvSpPr>
+        <p:spPr>
+          <a:xfrm>
+            <a:off x="1" y="-13195"/>
+            <a:ext cx="9144000" cy="584775"/>
+          </a:xfrm>
+          <a:prstGeom prst="rect">
+            <a:avLst/>
+          </a:prstGeom>
+          <a:noFill/>
+        </p:spPr>
+        <p:txBody>
+          <a:bodyPr wrap="square" rtlCol="0">
+            <a:spAutoFit/>
+          </a:bodyPr>
+          <a:lstStyle/>
+          <a:p>
+            <a:r>
+              <a:rPr lang="ja-JP" altLang="en-US" sz="3200" dirty="0"/>
+              <a:t>最後ま</a:t>
+            </a:r>
+            <a:r>
+              <a:rPr lang="ja-JP" altLang="en-US" sz="3200" dirty="0" smtClean="0"/>
+              <a:t>で、生成した。</a:t>
+            </a:r>
+            <a:endParaRPr lang="en-US" altLang="ja-JP" sz="3200" dirty="0" smtClean="0"/>
+          </a:p>
+        </p:txBody>
+      </p:sp>
+    </p:spTree>
+    <p:extLst>
+      <p:ext uri="{BB962C8B-B14F-4D97-AF65-F5344CB8AC3E}">
+        <p14:creationId xmlns:p14="http://schemas.microsoft.com/office/powerpoint/2010/main" val="251834220"/>
+      </p:ext>
+    </p:extLst>
+  </p:cSld>
+  <p:clrMapOvr>
+    <a:masterClrMapping/>
+  </p:clrMapOvr>
+</p:sld>
+</file>
+
+<file path=ppt/slides/slide4.xml><?xml version="1.0" encoding="utf-8"?>
+<p:sld xmlns:a="http://schemas.openxmlformats.org/drawingml/2006/main" xmlns:r="http://schemas.openxmlformats.org/officeDocument/2006/relationships" xmlns:p="http://schemas.openxmlformats.org/presentationml/2006/main">
+  <p:cSld>
+    <p:spTree>
+      <p:nvGrpSpPr>
+        <p:cNvPr id="1" name=""/>
+        <p:cNvGrpSpPr/>
+        <p:nvPr/>
+      </p:nvGrpSpPr>
+      <p:grpSpPr>
+        <a:xfrm>
+          <a:off x="0" y="0"/>
+          <a:ext cx="0" cy="0"/>
+          <a:chOff x="0" y="0"/>
+          <a:chExt cx="0" cy="0"/>
+        </a:xfrm>
+      </p:grpSpPr>
+      <p:pic>
+        <p:nvPicPr>
+          <p:cNvPr id="1026" name="Picture 2"/>
+          <p:cNvPicPr>
+            <a:picLocks noChangeAspect="1" noChangeArrowheads="1"/>
+          </p:cNvPicPr>
+          <p:nvPr/>
+        </p:nvPicPr>
+        <p:blipFill>
+          <a:blip r:embed="rId2">
+            <a:extLst>
+              <a:ext uri="{28A0092B-C50C-407E-A947-70E740481C1C}">
+                <a14:useLocalDpi xmlns:a14="http://schemas.microsoft.com/office/drawing/2010/main" val="0"/>
+              </a:ext>
+            </a:extLst>
+          </a:blip>
+          <a:srcRect/>
+          <a:stretch>
+            <a:fillRect/>
+          </a:stretch>
+        </p:blipFill>
+        <p:spPr bwMode="auto">
+          <a:xfrm>
+            <a:off x="1828800" y="1671430"/>
+            <a:ext cx="5172997" cy="5110370"/>
+          </a:xfrm>
+          <a:prstGeom prst="rect">
+            <a:avLst/>
+          </a:prstGeom>
+          <a:noFill/>
+          <a:ln>
+            <a:noFill/>
+          </a:ln>
+          <a:extLst>
+            <a:ext uri="{909E8E84-426E-40DD-AFC4-6F175D3DCCD1}">
+              <a14:hiddenFill xmlns:a14="http://schemas.microsoft.com/office/drawing/2010/main">
+                <a:solidFill>
+                  <a:schemeClr val="accent1"/>
+                </a:solidFill>
+              </a14:hiddenFill>
+            </a:ext>
+            <a:ext uri="{91240B29-F687-4F45-9708-019B960494DF}">
+              <a14:hiddenLine xmlns:a14="http://schemas.microsoft.com/office/drawing/2010/main" w="9525">
+                <a:solidFill>
+                  <a:schemeClr val="tx1"/>
+                </a:solidFill>
+                <a:miter lim="800000"/>
+                <a:headEnd/>
+                <a:tailEnd/>
+              </a14:hiddenLine>
+            </a:ext>
+          </a:extLst>
+        </p:spPr>
+      </p:pic>
+      <p:sp>
+        <p:nvSpPr>
+          <p:cNvPr id="3" name="TextBox 2"/>
+          <p:cNvSpPr txBox="1"/>
+          <p:nvPr/>
+        </p:nvSpPr>
+        <p:spPr>
+          <a:xfrm>
+            <a:off x="0" y="-13195"/>
+            <a:ext cx="7585731" cy="1569660"/>
+          </a:xfrm>
+          <a:prstGeom prst="rect">
+            <a:avLst/>
+          </a:prstGeom>
+          <a:noFill/>
+        </p:spPr>
+        <p:txBody>
+          <a:bodyPr wrap="none" rtlCol="0">
+            <a:spAutoFit/>
+          </a:bodyPr>
+          <a:lstStyle/>
+          <a:p>
+            <a:r>
+              <a:rPr lang="ja-JP" altLang="en-US" sz="3200" dirty="0" smtClean="0"/>
+              <a:t>道路の生成（</a:t>
+            </a:r>
+            <a:r>
+              <a:rPr lang="en-US" altLang="ja-JP" sz="3200" dirty="0" smtClean="0"/>
+              <a:t>Avenue</a:t>
+            </a:r>
+            <a:r>
+              <a:rPr lang="ja-JP" altLang="en-US" sz="3200" dirty="0" smtClean="0"/>
+              <a:t>）</a:t>
+            </a:r>
+            <a:endParaRPr lang="en-US" altLang="ja-JP" sz="3200" dirty="0" smtClean="0"/>
+          </a:p>
+          <a:p>
+            <a:r>
+              <a:rPr lang="en-US" altLang="ja-JP" sz="3200" dirty="0" smtClean="0"/>
+              <a:t>Iteration: </a:t>
+            </a:r>
+            <a:r>
+              <a:rPr lang="en-US" altLang="ja-JP" sz="3200" dirty="0"/>
+              <a:t>4</a:t>
+            </a:r>
+            <a:endParaRPr lang="en-US" altLang="ja-JP" sz="3200" dirty="0" smtClean="0"/>
+          </a:p>
+          <a:p>
+            <a:r>
+              <a:rPr lang="en-US" altLang="ja-JP" sz="3200" dirty="0" smtClean="0"/>
+              <a:t>Snap: ON</a:t>
+            </a:r>
+            <a:r>
+              <a:rPr lang="ja-JP" altLang="en-US" sz="3200" dirty="0"/>
+              <a:t>　</a:t>
+            </a:r>
+            <a:r>
+              <a:rPr lang="ja-JP" altLang="en-US" sz="3200" dirty="0" smtClean="0"/>
+              <a:t>（</a:t>
+            </a:r>
+            <a:r>
+              <a:rPr lang="en-US" altLang="ja-JP" sz="3200" dirty="0" smtClean="0"/>
+              <a:t>10m</a:t>
+            </a:r>
+            <a:r>
+              <a:rPr lang="ja-JP" altLang="en-US" sz="3200" dirty="0" smtClean="0"/>
+              <a:t>。ただし、最後の点は</a:t>
+            </a:r>
+            <a:r>
+              <a:rPr lang="en-US" altLang="ja-JP" sz="3200" dirty="0" smtClean="0"/>
+              <a:t>40m</a:t>
+            </a:r>
+            <a:r>
+              <a:rPr lang="ja-JP" altLang="en-US" sz="3200" dirty="0" smtClean="0"/>
+              <a:t>）</a:t>
+            </a:r>
+            <a:endParaRPr lang="en-US" altLang="ja-JP" sz="3200" dirty="0" smtClean="0"/>
+          </a:p>
+        </p:txBody>
+      </p:sp>
+      <p:sp>
+        <p:nvSpPr>
+          <p:cNvPr id="4" name="TextBox 3"/>
+          <p:cNvSpPr txBox="1"/>
+          <p:nvPr/>
+        </p:nvSpPr>
+        <p:spPr>
+          <a:xfrm>
+            <a:off x="3268019" y="4134498"/>
+            <a:ext cx="301686" cy="369332"/>
+          </a:xfrm>
+          <a:prstGeom prst="rect">
+            <a:avLst/>
+          </a:prstGeom>
+          <a:noFill/>
+        </p:spPr>
+        <p:txBody>
+          <a:bodyPr wrap="none" rtlCol="0">
+            <a:spAutoFit/>
+          </a:bodyPr>
+          <a:lstStyle/>
+          <a:p>
+            <a:r>
+              <a:rPr lang="en-US" dirty="0" smtClean="0"/>
+              <a:t>4</a:t>
+            </a:r>
+            <a:endParaRPr lang="en-US" dirty="0"/>
+          </a:p>
+        </p:txBody>
+      </p:sp>
+      <p:sp>
+        <p:nvSpPr>
+          <p:cNvPr id="5" name="TextBox 4"/>
+          <p:cNvSpPr txBox="1"/>
+          <p:nvPr/>
+        </p:nvSpPr>
+        <p:spPr>
+          <a:xfrm>
+            <a:off x="3203754" y="3765166"/>
+            <a:ext cx="301686" cy="369332"/>
+          </a:xfrm>
+          <a:prstGeom prst="rect">
+            <a:avLst/>
+          </a:prstGeom>
+          <a:noFill/>
+        </p:spPr>
+        <p:txBody>
+          <a:bodyPr wrap="none" rtlCol="0">
+            <a:spAutoFit/>
+          </a:bodyPr>
+          <a:lstStyle/>
+          <a:p>
+            <a:r>
+              <a:rPr lang="en-US" dirty="0" smtClean="0"/>
+              <a:t>5</a:t>
+            </a:r>
+            <a:endParaRPr lang="en-US" dirty="0"/>
+          </a:p>
+        </p:txBody>
+      </p:sp>
+      <p:sp>
+        <p:nvSpPr>
+          <p:cNvPr id="6" name="TextBox 5"/>
+          <p:cNvSpPr txBox="1"/>
+          <p:nvPr/>
+        </p:nvSpPr>
+        <p:spPr>
+          <a:xfrm>
+            <a:off x="5247662" y="3913580"/>
+            <a:ext cx="301686" cy="369332"/>
+          </a:xfrm>
+          <a:prstGeom prst="rect">
+            <a:avLst/>
+          </a:prstGeom>
+          <a:noFill/>
+        </p:spPr>
+        <p:txBody>
+          <a:bodyPr wrap="none" rtlCol="0">
+            <a:spAutoFit/>
+          </a:bodyPr>
+          <a:lstStyle/>
+          <a:p>
+            <a:r>
+              <a:rPr lang="en-US" dirty="0" smtClean="0"/>
+              <a:t>6</a:t>
+            </a:r>
+            <a:endParaRPr lang="en-US" dirty="0"/>
+          </a:p>
+        </p:txBody>
+      </p:sp>
+      <p:sp>
+        <p:nvSpPr>
+          <p:cNvPr id="7" name="TextBox 6"/>
+          <p:cNvSpPr txBox="1"/>
+          <p:nvPr/>
+        </p:nvSpPr>
+        <p:spPr>
+          <a:xfrm>
+            <a:off x="3268019" y="4840896"/>
+            <a:ext cx="301686" cy="369332"/>
+          </a:xfrm>
+          <a:prstGeom prst="rect">
+            <a:avLst/>
+          </a:prstGeom>
+          <a:noFill/>
+        </p:spPr>
+        <p:txBody>
+          <a:bodyPr wrap="none" rtlCol="0">
+            <a:spAutoFit/>
+          </a:bodyPr>
+          <a:lstStyle/>
+          <a:p>
+            <a:r>
+              <a:rPr lang="en-US" dirty="0" smtClean="0"/>
+              <a:t>7</a:t>
+            </a:r>
+            <a:endParaRPr lang="en-US" dirty="0"/>
+          </a:p>
+        </p:txBody>
+      </p:sp>
+      <p:sp>
+        <p:nvSpPr>
+          <p:cNvPr id="8" name="TextBox 7"/>
+          <p:cNvSpPr txBox="1"/>
+          <p:nvPr/>
+        </p:nvSpPr>
+        <p:spPr>
+          <a:xfrm>
+            <a:off x="5106558" y="3544248"/>
+            <a:ext cx="301686" cy="369332"/>
+          </a:xfrm>
+          <a:prstGeom prst="rect">
+            <a:avLst/>
+          </a:prstGeom>
+          <a:noFill/>
+        </p:spPr>
+        <p:txBody>
+          <a:bodyPr wrap="none" rtlCol="0">
+            <a:spAutoFit/>
+          </a:bodyPr>
+          <a:lstStyle/>
+          <a:p>
+            <a:r>
+              <a:rPr lang="en-US" dirty="0" smtClean="0"/>
+              <a:t>8</a:t>
+            </a:r>
+            <a:endParaRPr lang="en-US" dirty="0"/>
+          </a:p>
+        </p:txBody>
+      </p:sp>
+      <p:sp>
+        <p:nvSpPr>
+          <p:cNvPr id="9" name="TextBox 8"/>
+          <p:cNvSpPr txBox="1"/>
+          <p:nvPr/>
+        </p:nvSpPr>
+        <p:spPr>
+          <a:xfrm>
+            <a:off x="3052911" y="2547732"/>
+            <a:ext cx="301686" cy="369332"/>
+          </a:xfrm>
+          <a:prstGeom prst="rect">
+            <a:avLst/>
+          </a:prstGeom>
+          <a:noFill/>
+        </p:spPr>
+        <p:txBody>
+          <a:bodyPr wrap="none" rtlCol="0">
+            <a:spAutoFit/>
+          </a:bodyPr>
+          <a:lstStyle/>
+          <a:p>
+            <a:r>
+              <a:rPr lang="en-US" dirty="0" smtClean="0"/>
+              <a:t>9</a:t>
+            </a:r>
+            <a:endParaRPr lang="en-US" dirty="0"/>
+          </a:p>
+        </p:txBody>
+      </p:sp>
+      <p:sp>
+        <p:nvSpPr>
+          <p:cNvPr id="10" name="TextBox 9"/>
+          <p:cNvSpPr txBox="1"/>
+          <p:nvPr/>
+        </p:nvSpPr>
+        <p:spPr>
+          <a:xfrm>
+            <a:off x="1623178" y="4099297"/>
+            <a:ext cx="418704" cy="369332"/>
+          </a:xfrm>
+          <a:prstGeom prst="rect">
+            <a:avLst/>
+          </a:prstGeom>
+          <a:noFill/>
+        </p:spPr>
+        <p:txBody>
+          <a:bodyPr wrap="none" rtlCol="0">
+            <a:spAutoFit/>
+          </a:bodyPr>
+          <a:lstStyle/>
+          <a:p>
+            <a:r>
+              <a:rPr lang="en-US" dirty="0" smtClean="0"/>
+              <a:t>10</a:t>
+            </a:r>
+            <a:endParaRPr lang="en-US" dirty="0"/>
+          </a:p>
+        </p:txBody>
+      </p:sp>
+      <p:sp>
+        <p:nvSpPr>
+          <p:cNvPr id="11" name="TextBox 10"/>
+          <p:cNvSpPr txBox="1"/>
+          <p:nvPr/>
+        </p:nvSpPr>
+        <p:spPr>
+          <a:xfrm>
+            <a:off x="3914131" y="6096000"/>
+            <a:ext cx="418704" cy="369332"/>
+          </a:xfrm>
+          <a:prstGeom prst="rect">
+            <a:avLst/>
+          </a:prstGeom>
+          <a:noFill/>
+        </p:spPr>
+        <p:txBody>
+          <a:bodyPr wrap="none" rtlCol="0">
+            <a:spAutoFit/>
+          </a:bodyPr>
+          <a:lstStyle/>
+          <a:p>
+            <a:r>
+              <a:rPr lang="en-US" dirty="0" smtClean="0"/>
+              <a:t>15</a:t>
+            </a:r>
+            <a:endParaRPr lang="en-US" dirty="0"/>
+          </a:p>
+        </p:txBody>
+      </p:sp>
+      <p:sp>
+        <p:nvSpPr>
+          <p:cNvPr id="12" name="TextBox 11"/>
+          <p:cNvSpPr txBox="1"/>
+          <p:nvPr/>
+        </p:nvSpPr>
+        <p:spPr>
+          <a:xfrm>
+            <a:off x="1490026" y="4906618"/>
+            <a:ext cx="418704" cy="369332"/>
+          </a:xfrm>
+          <a:prstGeom prst="rect">
+            <a:avLst/>
+          </a:prstGeom>
+          <a:noFill/>
+        </p:spPr>
+        <p:txBody>
+          <a:bodyPr wrap="none" rtlCol="0">
+            <a:spAutoFit/>
+          </a:bodyPr>
+          <a:lstStyle/>
+          <a:p>
+            <a:r>
+              <a:rPr lang="en-US" dirty="0" smtClean="0"/>
+              <a:t>16</a:t>
+            </a:r>
+            <a:endParaRPr lang="en-US" dirty="0"/>
+          </a:p>
+        </p:txBody>
+      </p:sp>
+      <p:sp>
+        <p:nvSpPr>
+          <p:cNvPr id="13" name="TextBox 12"/>
+          <p:cNvSpPr txBox="1"/>
+          <p:nvPr/>
+        </p:nvSpPr>
+        <p:spPr>
+          <a:xfrm>
+            <a:off x="5333601" y="4372498"/>
+            <a:ext cx="418704" cy="369332"/>
+          </a:xfrm>
+          <a:prstGeom prst="rect">
+            <a:avLst/>
+          </a:prstGeom>
+          <a:noFill/>
+        </p:spPr>
+        <p:txBody>
+          <a:bodyPr wrap="none" rtlCol="0">
+            <a:spAutoFit/>
+          </a:bodyPr>
+          <a:lstStyle/>
+          <a:p>
+            <a:r>
+              <a:rPr lang="en-US" dirty="0" smtClean="0"/>
+              <a:t>14</a:t>
+            </a:r>
+            <a:endParaRPr lang="en-US" dirty="0"/>
+          </a:p>
+        </p:txBody>
+      </p:sp>
+      <p:sp>
+        <p:nvSpPr>
+          <p:cNvPr id="14" name="TextBox 13"/>
+          <p:cNvSpPr txBox="1"/>
+          <p:nvPr/>
+        </p:nvSpPr>
+        <p:spPr>
+          <a:xfrm>
+            <a:off x="6400800" y="3747395"/>
+            <a:ext cx="418704" cy="369332"/>
+          </a:xfrm>
+          <a:prstGeom prst="rect">
+            <a:avLst/>
+          </a:prstGeom>
+          <a:noFill/>
+        </p:spPr>
+        <p:txBody>
+          <a:bodyPr wrap="none" rtlCol="0">
+            <a:spAutoFit/>
+          </a:bodyPr>
+          <a:lstStyle/>
+          <a:p>
+            <a:r>
+              <a:rPr lang="en-US" dirty="0" smtClean="0"/>
+              <a:t>13</a:t>
+            </a:r>
+            <a:endParaRPr lang="en-US" dirty="0"/>
+          </a:p>
+        </p:txBody>
+      </p:sp>
+      <p:sp>
+        <p:nvSpPr>
+          <p:cNvPr id="15" name="Oval 14"/>
+          <p:cNvSpPr/>
+          <p:nvPr/>
+        </p:nvSpPr>
+        <p:spPr>
+          <a:xfrm>
+            <a:off x="3461561" y="4589430"/>
+            <a:ext cx="304800" cy="304800"/>
+          </a:xfrm>
+          <a:prstGeom prst="ellipse">
+            <a:avLst/>
+          </a:prstGeom>
+          <a:noFill/>
+          <a:ln>
+            <a:prstDash val="sysDash"/>
+          </a:ln>
+        </p:spPr>
+        <p:style>
+          <a:lnRef idx="2">
+            <a:schemeClr val="accent1">
+              <a:shade val="50000"/>
+            </a:schemeClr>
+          </a:lnRef>
+          <a:fillRef idx="1">
+            <a:schemeClr val="accent1"/>
+          </a:fillRef>
+          <a:effectRef idx="0">
+            <a:schemeClr val="accent1"/>
+          </a:effectRef>
+          <a:fontRef idx="minor">
+            <a:schemeClr val="lt1"/>
+          </a:fontRef>
+        </p:style>
+        <p:txBody>
+          <a:bodyPr rtlCol="0" anchor="ctr"/>
+          <a:lstStyle/>
+          <a:p>
+            <a:pPr algn="ctr"/>
+            <a:endParaRPr lang="en-US"/>
+          </a:p>
+        </p:txBody>
+      </p:sp>
+    </p:spTree>
+    <p:extLst>
+      <p:ext uri="{BB962C8B-B14F-4D97-AF65-F5344CB8AC3E}">
+        <p14:creationId xmlns:p14="http://schemas.microsoft.com/office/powerpoint/2010/main" val="2813798201"/>
+      </p:ext>
+    </p:extLst>
+  </p:cSld>
+  <p:clrMapOvr>
+    <a:masterClrMapping/>
+  </p:clrMapOvr>
+</p:sld>
+</file>
+
+<file path=ppt/slides/slide40.xml><?xml version="1.0" encoding="utf-8"?>
+<p:sld xmlns:a="http://schemas.openxmlformats.org/drawingml/2006/main" xmlns:r="http://schemas.openxmlformats.org/officeDocument/2006/relationships" xmlns:p="http://schemas.openxmlformats.org/presentationml/2006/main">
+  <p:cSld>
+    <p:spTree>
+      <p:nvGrpSpPr>
+        <p:cNvPr id="1" name=""/>
+        <p:cNvGrpSpPr/>
+        <p:nvPr/>
+      </p:nvGrpSpPr>
+      <p:grpSpPr>
+        <a:xfrm>
+          <a:off x="0" y="0"/>
+          <a:ext cx="0" cy="0"/>
+          <a:chOff x="0" y="0"/>
+          <a:chExt cx="0" cy="0"/>
+        </a:xfrm>
+      </p:grpSpPr>
+      <p:pic>
+        <p:nvPicPr>
+          <p:cNvPr id="3074" name="Picture 2"/>
+          <p:cNvPicPr>
+            <a:picLocks noChangeAspect="1" noChangeArrowheads="1"/>
+          </p:cNvPicPr>
+          <p:nvPr/>
+        </p:nvPicPr>
+        <p:blipFill>
+          <a:blip r:embed="rId2">
+            <a:extLst>
+              <a:ext uri="{28A0092B-C50C-407E-A947-70E740481C1C}">
+                <a14:useLocalDpi xmlns:a14="http://schemas.microsoft.com/office/drawing/2010/main" val="0"/>
+              </a:ext>
+            </a:extLst>
+          </a:blip>
+          <a:srcRect/>
+          <a:stretch>
+            <a:fillRect/>
+          </a:stretch>
+        </p:blipFill>
+        <p:spPr bwMode="auto">
+          <a:xfrm>
+            <a:off x="2438400" y="1630339"/>
+            <a:ext cx="5986463" cy="5046685"/>
+          </a:xfrm>
+          <a:prstGeom prst="rect">
+            <a:avLst/>
+          </a:prstGeom>
+          <a:noFill/>
+          <a:ln>
+            <a:noFill/>
+          </a:ln>
+          <a:extLst>
+            <a:ext uri="{909E8E84-426E-40DD-AFC4-6F175D3DCCD1}">
+              <a14:hiddenFill xmlns:a14="http://schemas.microsoft.com/office/drawing/2010/main">
+                <a:solidFill>
+                  <a:schemeClr val="accent1"/>
+                </a:solidFill>
+              </a14:hiddenFill>
+            </a:ext>
+            <a:ext uri="{91240B29-F687-4F45-9708-019B960494DF}">
+              <a14:hiddenLine xmlns:a14="http://schemas.microsoft.com/office/drawing/2010/main" w="9525">
+                <a:solidFill>
+                  <a:schemeClr val="tx1"/>
+                </a:solidFill>
+                <a:miter lim="800000"/>
+                <a:headEnd/>
+                <a:tailEnd/>
+              </a14:hiddenLine>
+            </a:ext>
+          </a:extLst>
+        </p:spPr>
+      </p:pic>
+      <p:sp>
+        <p:nvSpPr>
+          <p:cNvPr id="3" name="TextBox 2"/>
+          <p:cNvSpPr txBox="1"/>
+          <p:nvPr/>
+        </p:nvSpPr>
+        <p:spPr>
+          <a:xfrm>
+            <a:off x="1" y="-13195"/>
+            <a:ext cx="9144000" cy="2062103"/>
+          </a:xfrm>
+          <a:prstGeom prst="rect">
+            <a:avLst/>
+          </a:prstGeom>
+          <a:noFill/>
+        </p:spPr>
+        <p:txBody>
+          <a:bodyPr wrap="square" rtlCol="0">
+            <a:spAutoFit/>
+          </a:bodyPr>
+          <a:lstStyle/>
+          <a:p>
+            <a:r>
+              <a:rPr lang="ja-JP" altLang="en-US" sz="3200" dirty="0" smtClean="0"/>
+              <a:t>細かいところで、ちょっと気になる。。。</a:t>
+            </a:r>
+            <a:endParaRPr lang="en-US" altLang="ja-JP" sz="3200" dirty="0" smtClean="0"/>
+          </a:p>
+          <a:p>
+            <a:r>
+              <a:rPr lang="ja-JP" altLang="en-US" sz="3200" dirty="0" smtClean="0"/>
+              <a:t>⇒これも、もともとの道路網で、すごい近い道路が</a:t>
+            </a:r>
+            <a:endParaRPr lang="en-US" altLang="ja-JP" sz="3200" dirty="0" smtClean="0"/>
+          </a:p>
+          <a:p>
+            <a:r>
+              <a:rPr lang="ja-JP" altLang="en-US" sz="3200" dirty="0" smtClean="0"/>
+              <a:t>　あったせいだ。</a:t>
+            </a:r>
+            <a:endParaRPr lang="en-US" altLang="ja-JP" sz="3200" dirty="0" smtClean="0"/>
+          </a:p>
+          <a:p>
+            <a:r>
+              <a:rPr lang="ja-JP" altLang="en-US" sz="3200" dirty="0" smtClean="0"/>
+              <a:t>⇒</a:t>
+            </a:r>
+            <a:r>
+              <a:rPr lang="en-US" altLang="ja-JP" sz="3200" dirty="0" smtClean="0"/>
+              <a:t>kde_feature_g3.xml</a:t>
+            </a:r>
+            <a:endParaRPr lang="en-US" altLang="ja-JP" sz="3200" dirty="0" smtClean="0"/>
+          </a:p>
+        </p:txBody>
+      </p:sp>
+    </p:spTree>
+    <p:extLst>
+      <p:ext uri="{BB962C8B-B14F-4D97-AF65-F5344CB8AC3E}">
+        <p14:creationId xmlns:p14="http://schemas.microsoft.com/office/powerpoint/2010/main" val="1332556335"/>
+      </p:ext>
+    </p:extLst>
+  </p:cSld>
+  <p:clrMapOvr>
+    <a:masterClrMapping/>
+  </p:clrMapOvr>
+</p:sld>
+</file>
+
+<file path=ppt/slides/slide41.xml><?xml version="1.0" encoding="utf-8"?>
+<p:sld xmlns:a="http://schemas.openxmlformats.org/drawingml/2006/main" xmlns:r="http://schemas.openxmlformats.org/officeDocument/2006/relationships" xmlns:p="http://schemas.openxmlformats.org/presentationml/2006/main">
+  <p:cSld>
+    <p:spTree>
+      <p:nvGrpSpPr>
+        <p:cNvPr id="1" name=""/>
+        <p:cNvGrpSpPr/>
+        <p:nvPr/>
+      </p:nvGrpSpPr>
+      <p:grpSpPr>
+        <a:xfrm>
+          <a:off x="0" y="0"/>
+          <a:ext cx="0" cy="0"/>
+          <a:chOff x="0" y="0"/>
+          <a:chExt cx="0" cy="0"/>
+        </a:xfrm>
+      </p:grpSpPr>
+      <p:pic>
+        <p:nvPicPr>
+          <p:cNvPr id="4099" name="Picture 3"/>
+          <p:cNvPicPr>
+            <a:picLocks noChangeAspect="1" noChangeArrowheads="1"/>
+          </p:cNvPicPr>
+          <p:nvPr/>
+        </p:nvPicPr>
+        <p:blipFill>
+          <a:blip r:embed="rId2">
+            <a:extLst>
+              <a:ext uri="{28A0092B-C50C-407E-A947-70E740481C1C}">
+                <a14:useLocalDpi xmlns:a14="http://schemas.microsoft.com/office/drawing/2010/main" val="0"/>
+              </a:ext>
+            </a:extLst>
+          </a:blip>
+          <a:srcRect/>
+          <a:stretch>
+            <a:fillRect/>
+          </a:stretch>
+        </p:blipFill>
+        <p:spPr bwMode="auto">
+          <a:xfrm>
+            <a:off x="1981200" y="1143000"/>
+            <a:ext cx="5342624" cy="5297577"/>
+          </a:xfrm>
+          <a:prstGeom prst="rect">
+            <a:avLst/>
+          </a:prstGeom>
+          <a:noFill/>
+          <a:ln>
+            <a:noFill/>
+          </a:ln>
+          <a:extLst>
+            <a:ext uri="{909E8E84-426E-40DD-AFC4-6F175D3DCCD1}">
+              <a14:hiddenFill xmlns:a14="http://schemas.microsoft.com/office/drawing/2010/main">
+                <a:solidFill>
+                  <a:schemeClr val="accent1"/>
+                </a:solidFill>
+              </a14:hiddenFill>
+            </a:ext>
+            <a:ext uri="{91240B29-F687-4F45-9708-019B960494DF}">
+              <a14:hiddenLine xmlns:a14="http://schemas.microsoft.com/office/drawing/2010/main" w="9525">
+                <a:solidFill>
+                  <a:schemeClr val="tx1"/>
+                </a:solidFill>
+                <a:miter lim="800000"/>
+                <a:headEnd/>
+                <a:tailEnd/>
+              </a14:hiddenLine>
+            </a:ext>
+          </a:extLst>
+        </p:spPr>
+      </p:pic>
+      <p:sp>
+        <p:nvSpPr>
+          <p:cNvPr id="4" name="TextBox 3"/>
+          <p:cNvSpPr txBox="1"/>
+          <p:nvPr/>
+        </p:nvSpPr>
+        <p:spPr>
+          <a:xfrm>
+            <a:off x="1" y="-13195"/>
+            <a:ext cx="9144000" cy="584775"/>
+          </a:xfrm>
+          <a:prstGeom prst="rect">
+            <a:avLst/>
+          </a:prstGeom>
+          <a:noFill/>
+        </p:spPr>
+        <p:txBody>
+          <a:bodyPr wrap="square" rtlCol="0">
+            <a:spAutoFit/>
+          </a:bodyPr>
+          <a:lstStyle/>
+          <a:p>
+            <a:r>
+              <a:rPr lang="en-US" altLang="ja-JP" sz="3200" dirty="0" smtClean="0"/>
+              <a:t>Snap</a:t>
+            </a:r>
+            <a:r>
+              <a:rPr lang="ja-JP" altLang="en-US" sz="3200" dirty="0" smtClean="0"/>
+              <a:t>のしきい値をものすごく小さくした。（</a:t>
+            </a:r>
+            <a:r>
+              <a:rPr lang="en-US" altLang="ja-JP" sz="3200" dirty="0" smtClean="0"/>
+              <a:t>1m / 4m</a:t>
+            </a:r>
+            <a:r>
+              <a:rPr lang="ja-JP" altLang="en-US" sz="3200" dirty="0" smtClean="0"/>
+              <a:t>）</a:t>
+            </a:r>
+            <a:endParaRPr lang="en-US" altLang="ja-JP" sz="3200" dirty="0" smtClean="0"/>
+          </a:p>
+        </p:txBody>
+      </p:sp>
+    </p:spTree>
+    <p:extLst>
+      <p:ext uri="{BB962C8B-B14F-4D97-AF65-F5344CB8AC3E}">
+        <p14:creationId xmlns:p14="http://schemas.microsoft.com/office/powerpoint/2010/main" val="2556273987"/>
+      </p:ext>
+    </p:extLst>
+  </p:cSld>
+  <p:clrMapOvr>
+    <a:masterClrMapping/>
+  </p:clrMapOvr>
+</p:sld>
+</file>
+
+<file path=ppt/slides/slide42.xml><?xml version="1.0" encoding="utf-8"?>
+<p:sld xmlns:a="http://schemas.openxmlformats.org/drawingml/2006/main" xmlns:r="http://schemas.openxmlformats.org/officeDocument/2006/relationships" xmlns:p="http://schemas.openxmlformats.org/presentationml/2006/main">
+  <p:cSld>
+    <p:spTree>
+      <p:nvGrpSpPr>
+        <p:cNvPr id="1" name=""/>
+        <p:cNvGrpSpPr/>
+        <p:nvPr/>
+      </p:nvGrpSpPr>
+      <p:grpSpPr>
+        <a:xfrm>
+          <a:off x="0" y="0"/>
+          <a:ext cx="0" cy="0"/>
+          <a:chOff x="0" y="0"/>
+          <a:chExt cx="0" cy="0"/>
+        </a:xfrm>
+      </p:grpSpPr>
+      <p:pic>
+        <p:nvPicPr>
+          <p:cNvPr id="5122" name="Picture 2"/>
+          <p:cNvPicPr>
+            <a:picLocks noChangeAspect="1" noChangeArrowheads="1"/>
+          </p:cNvPicPr>
+          <p:nvPr/>
+        </p:nvPicPr>
+        <p:blipFill>
+          <a:blip r:embed="rId2">
+            <a:extLst>
+              <a:ext uri="{28A0092B-C50C-407E-A947-70E740481C1C}">
+                <a14:useLocalDpi xmlns:a14="http://schemas.microsoft.com/office/drawing/2010/main" val="0"/>
+              </a:ext>
+            </a:extLst>
+          </a:blip>
+          <a:srcRect/>
+          <a:stretch>
+            <a:fillRect/>
+          </a:stretch>
+        </p:blipFill>
+        <p:spPr bwMode="auto">
+          <a:xfrm>
+            <a:off x="1752600" y="1290261"/>
+            <a:ext cx="5410200" cy="5428204"/>
+          </a:xfrm>
+          <a:prstGeom prst="rect">
+            <a:avLst/>
+          </a:prstGeom>
+          <a:noFill/>
+          <a:ln>
+            <a:noFill/>
+          </a:ln>
+          <a:extLst>
+            <a:ext uri="{909E8E84-426E-40DD-AFC4-6F175D3DCCD1}">
+              <a14:hiddenFill xmlns:a14="http://schemas.microsoft.com/office/drawing/2010/main">
+                <a:solidFill>
+                  <a:schemeClr val="accent1"/>
+                </a:solidFill>
+              </a14:hiddenFill>
+            </a:ext>
+            <a:ext uri="{91240B29-F687-4F45-9708-019B960494DF}">
+              <a14:hiddenLine xmlns:a14="http://schemas.microsoft.com/office/drawing/2010/main" w="9525">
+                <a:solidFill>
+                  <a:schemeClr val="tx1"/>
+                </a:solidFill>
+                <a:miter lim="800000"/>
+                <a:headEnd/>
+                <a:tailEnd/>
+              </a14:hiddenLine>
+            </a:ext>
+          </a:extLst>
+        </p:spPr>
+      </p:pic>
+      <p:sp>
+        <p:nvSpPr>
+          <p:cNvPr id="3" name="TextBox 2"/>
+          <p:cNvSpPr txBox="1"/>
+          <p:nvPr/>
+        </p:nvSpPr>
+        <p:spPr>
+          <a:xfrm>
+            <a:off x="1" y="-13195"/>
+            <a:ext cx="9144000" cy="1569660"/>
+          </a:xfrm>
+          <a:prstGeom prst="rect">
+            <a:avLst/>
+          </a:prstGeom>
+          <a:noFill/>
+        </p:spPr>
+        <p:txBody>
+          <a:bodyPr wrap="square" rtlCol="0">
+            <a:spAutoFit/>
+          </a:bodyPr>
+          <a:lstStyle/>
+          <a:p>
+            <a:r>
+              <a:rPr lang="ja-JP" altLang="en-US" sz="3200" dirty="0" smtClean="0"/>
+              <a:t>広い範囲で実施。</a:t>
+            </a:r>
+            <a:r>
+              <a:rPr lang="en-US" altLang="ja-JP" sz="3200" dirty="0" smtClean="0"/>
+              <a:t>Snap</a:t>
+            </a:r>
+            <a:r>
+              <a:rPr lang="ja-JP" altLang="en-US" sz="3200" dirty="0" smtClean="0"/>
+              <a:t>しないので、細かい道路がいっぱいできてしまう。</a:t>
+            </a:r>
+            <a:endParaRPr lang="en-US" altLang="ja-JP" sz="3200" dirty="0" smtClean="0"/>
+          </a:p>
+          <a:p>
+            <a:r>
+              <a:rPr lang="ja-JP" altLang="en-US" sz="3200" dirty="0" smtClean="0"/>
+              <a:t>⇒や</a:t>
+            </a:r>
+            <a:r>
+              <a:rPr lang="ja-JP" altLang="en-US" sz="3200" dirty="0"/>
+              <a:t>はり</a:t>
+            </a:r>
+            <a:r>
+              <a:rPr lang="ja-JP" altLang="en-US" sz="3200" dirty="0" smtClean="0"/>
+              <a:t>、</a:t>
+            </a:r>
+            <a:r>
+              <a:rPr lang="en-US" altLang="ja-JP" sz="3200" dirty="0" smtClean="0"/>
+              <a:t>Snap</a:t>
+            </a:r>
+            <a:r>
+              <a:rPr lang="ja-JP" altLang="en-US" sz="3200" dirty="0" smtClean="0"/>
+              <a:t>は必要だ。元に戻す。（</a:t>
+            </a:r>
+            <a:r>
+              <a:rPr lang="en-US" altLang="ja-JP" sz="3200" dirty="0" smtClean="0"/>
+              <a:t>10m / 40m</a:t>
+            </a:r>
+            <a:r>
+              <a:rPr lang="ja-JP" altLang="en-US" sz="3200" dirty="0" smtClean="0"/>
+              <a:t>）</a:t>
+            </a:r>
+            <a:endParaRPr lang="en-US" altLang="ja-JP" sz="3200" dirty="0" smtClean="0"/>
+          </a:p>
+        </p:txBody>
+      </p:sp>
+    </p:spTree>
+    <p:extLst>
+      <p:ext uri="{BB962C8B-B14F-4D97-AF65-F5344CB8AC3E}">
+        <p14:creationId xmlns:p14="http://schemas.microsoft.com/office/powerpoint/2010/main" val="3274813549"/>
+      </p:ext>
+    </p:extLst>
+  </p:cSld>
+  <p:clrMapOvr>
+    <a:masterClrMapping/>
+  </p:clrMapOvr>
+</p:sld>
+</file>
+
+<file path=ppt/slides/slide43.xml><?xml version="1.0" encoding="utf-8"?>
 <p:sld xmlns:a="http://schemas.openxmlformats.org/drawingml/2006/main" xmlns:r="http://schemas.openxmlformats.org/officeDocument/2006/relationships" xmlns:p="http://schemas.openxmlformats.org/presentationml/2006/main">
   <p:cSld>
     <p:spTree>
@@ -12874,545 +14045,7 @@
 </p:sld>
 </file>
 
-<file path=ppt/slides/slide4.xml><?xml version="1.0" encoding="utf-8"?>
-<p:sld xmlns:a="http://schemas.openxmlformats.org/drawingml/2006/main" xmlns:r="http://schemas.openxmlformats.org/officeDocument/2006/relationships" xmlns:p="http://schemas.openxmlformats.org/presentationml/2006/main">
-  <p:cSld>
-    <p:spTree>
-      <p:nvGrpSpPr>
-        <p:cNvPr id="1" name=""/>
-        <p:cNvGrpSpPr/>
-        <p:nvPr/>
-      </p:nvGrpSpPr>
-      <p:grpSpPr>
-        <a:xfrm>
-          <a:off x="0" y="0"/>
-          <a:ext cx="0" cy="0"/>
-          <a:chOff x="0" y="0"/>
-          <a:chExt cx="0" cy="0"/>
-        </a:xfrm>
-      </p:grpSpPr>
-      <p:pic>
-        <p:nvPicPr>
-          <p:cNvPr id="1026" name="Picture 2"/>
-          <p:cNvPicPr>
-            <a:picLocks noChangeAspect="1" noChangeArrowheads="1"/>
-          </p:cNvPicPr>
-          <p:nvPr/>
-        </p:nvPicPr>
-        <p:blipFill>
-          <a:blip r:embed="rId2">
-            <a:extLst>
-              <a:ext uri="{28A0092B-C50C-407E-A947-70E740481C1C}">
-                <a14:useLocalDpi xmlns:a14="http://schemas.microsoft.com/office/drawing/2010/main" val="0"/>
-              </a:ext>
-            </a:extLst>
-          </a:blip>
-          <a:srcRect/>
-          <a:stretch>
-            <a:fillRect/>
-          </a:stretch>
-        </p:blipFill>
-        <p:spPr bwMode="auto">
-          <a:xfrm>
-            <a:off x="1828800" y="1671430"/>
-            <a:ext cx="5172997" cy="5110370"/>
-          </a:xfrm>
-          <a:prstGeom prst="rect">
-            <a:avLst/>
-          </a:prstGeom>
-          <a:noFill/>
-          <a:ln>
-            <a:noFill/>
-          </a:ln>
-          <a:extLst>
-            <a:ext uri="{909E8E84-426E-40DD-AFC4-6F175D3DCCD1}">
-              <a14:hiddenFill xmlns:a14="http://schemas.microsoft.com/office/drawing/2010/main">
-                <a:solidFill>
-                  <a:schemeClr val="accent1"/>
-                </a:solidFill>
-              </a14:hiddenFill>
-            </a:ext>
-            <a:ext uri="{91240B29-F687-4F45-9708-019B960494DF}">
-              <a14:hiddenLine xmlns:a14="http://schemas.microsoft.com/office/drawing/2010/main" w="9525">
-                <a:solidFill>
-                  <a:schemeClr val="tx1"/>
-                </a:solidFill>
-                <a:miter lim="800000"/>
-                <a:headEnd/>
-                <a:tailEnd/>
-              </a14:hiddenLine>
-            </a:ext>
-          </a:extLst>
-        </p:spPr>
-      </p:pic>
-      <p:sp>
-        <p:nvSpPr>
-          <p:cNvPr id="3" name="TextBox 2"/>
-          <p:cNvSpPr txBox="1"/>
-          <p:nvPr/>
-        </p:nvSpPr>
-        <p:spPr>
-          <a:xfrm>
-            <a:off x="0" y="-13195"/>
-            <a:ext cx="7585731" cy="1569660"/>
-          </a:xfrm>
-          <a:prstGeom prst="rect">
-            <a:avLst/>
-          </a:prstGeom>
-          <a:noFill/>
-        </p:spPr>
-        <p:txBody>
-          <a:bodyPr wrap="none" rtlCol="0">
-            <a:spAutoFit/>
-          </a:bodyPr>
-          <a:lstStyle/>
-          <a:p>
-            <a:r>
-              <a:rPr lang="ja-JP" altLang="en-US" sz="3200" dirty="0" smtClean="0"/>
-              <a:t>道路の生成（</a:t>
-            </a:r>
-            <a:r>
-              <a:rPr lang="en-US" altLang="ja-JP" sz="3200" dirty="0" smtClean="0"/>
-              <a:t>Avenue</a:t>
-            </a:r>
-            <a:r>
-              <a:rPr lang="ja-JP" altLang="en-US" sz="3200" dirty="0" smtClean="0"/>
-              <a:t>）</a:t>
-            </a:r>
-            <a:endParaRPr lang="en-US" altLang="ja-JP" sz="3200" dirty="0" smtClean="0"/>
-          </a:p>
-          <a:p>
-            <a:r>
-              <a:rPr lang="en-US" altLang="ja-JP" sz="3200" dirty="0" smtClean="0"/>
-              <a:t>Iteration: </a:t>
-            </a:r>
-            <a:r>
-              <a:rPr lang="en-US" altLang="ja-JP" sz="3200" dirty="0"/>
-              <a:t>4</a:t>
-            </a:r>
-            <a:endParaRPr lang="en-US" altLang="ja-JP" sz="3200" dirty="0" smtClean="0"/>
-          </a:p>
-          <a:p>
-            <a:r>
-              <a:rPr lang="en-US" altLang="ja-JP" sz="3200" dirty="0" smtClean="0"/>
-              <a:t>Snap: ON</a:t>
-            </a:r>
-            <a:r>
-              <a:rPr lang="ja-JP" altLang="en-US" sz="3200" dirty="0"/>
-              <a:t>　</a:t>
-            </a:r>
-            <a:r>
-              <a:rPr lang="ja-JP" altLang="en-US" sz="3200" dirty="0" smtClean="0"/>
-              <a:t>（</a:t>
-            </a:r>
-            <a:r>
-              <a:rPr lang="en-US" altLang="ja-JP" sz="3200" dirty="0" smtClean="0"/>
-              <a:t>10m</a:t>
-            </a:r>
-            <a:r>
-              <a:rPr lang="ja-JP" altLang="en-US" sz="3200" dirty="0" smtClean="0"/>
-              <a:t>。ただし、最後の点は</a:t>
-            </a:r>
-            <a:r>
-              <a:rPr lang="en-US" altLang="ja-JP" sz="3200" dirty="0" smtClean="0"/>
-              <a:t>40m</a:t>
-            </a:r>
-            <a:r>
-              <a:rPr lang="ja-JP" altLang="en-US" sz="3200" dirty="0" smtClean="0"/>
-              <a:t>）</a:t>
-            </a:r>
-            <a:endParaRPr lang="en-US" altLang="ja-JP" sz="3200" dirty="0" smtClean="0"/>
-          </a:p>
-        </p:txBody>
-      </p:sp>
-      <p:sp>
-        <p:nvSpPr>
-          <p:cNvPr id="4" name="TextBox 3"/>
-          <p:cNvSpPr txBox="1"/>
-          <p:nvPr/>
-        </p:nvSpPr>
-        <p:spPr>
-          <a:xfrm>
-            <a:off x="3268019" y="4134498"/>
-            <a:ext cx="301686" cy="369332"/>
-          </a:xfrm>
-          <a:prstGeom prst="rect">
-            <a:avLst/>
-          </a:prstGeom>
-          <a:noFill/>
-        </p:spPr>
-        <p:txBody>
-          <a:bodyPr wrap="none" rtlCol="0">
-            <a:spAutoFit/>
-          </a:bodyPr>
-          <a:lstStyle/>
-          <a:p>
-            <a:r>
-              <a:rPr lang="en-US" dirty="0" smtClean="0"/>
-              <a:t>4</a:t>
-            </a:r>
-            <a:endParaRPr lang="en-US" dirty="0"/>
-          </a:p>
-        </p:txBody>
-      </p:sp>
-      <p:sp>
-        <p:nvSpPr>
-          <p:cNvPr id="5" name="TextBox 4"/>
-          <p:cNvSpPr txBox="1"/>
-          <p:nvPr/>
-        </p:nvSpPr>
-        <p:spPr>
-          <a:xfrm>
-            <a:off x="3203754" y="3765166"/>
-            <a:ext cx="301686" cy="369332"/>
-          </a:xfrm>
-          <a:prstGeom prst="rect">
-            <a:avLst/>
-          </a:prstGeom>
-          <a:noFill/>
-        </p:spPr>
-        <p:txBody>
-          <a:bodyPr wrap="none" rtlCol="0">
-            <a:spAutoFit/>
-          </a:bodyPr>
-          <a:lstStyle/>
-          <a:p>
-            <a:r>
-              <a:rPr lang="en-US" dirty="0" smtClean="0"/>
-              <a:t>5</a:t>
-            </a:r>
-            <a:endParaRPr lang="en-US" dirty="0"/>
-          </a:p>
-        </p:txBody>
-      </p:sp>
-      <p:sp>
-        <p:nvSpPr>
-          <p:cNvPr id="6" name="TextBox 5"/>
-          <p:cNvSpPr txBox="1"/>
-          <p:nvPr/>
-        </p:nvSpPr>
-        <p:spPr>
-          <a:xfrm>
-            <a:off x="5247662" y="3913580"/>
-            <a:ext cx="301686" cy="369332"/>
-          </a:xfrm>
-          <a:prstGeom prst="rect">
-            <a:avLst/>
-          </a:prstGeom>
-          <a:noFill/>
-        </p:spPr>
-        <p:txBody>
-          <a:bodyPr wrap="none" rtlCol="0">
-            <a:spAutoFit/>
-          </a:bodyPr>
-          <a:lstStyle/>
-          <a:p>
-            <a:r>
-              <a:rPr lang="en-US" dirty="0" smtClean="0"/>
-              <a:t>6</a:t>
-            </a:r>
-            <a:endParaRPr lang="en-US" dirty="0"/>
-          </a:p>
-        </p:txBody>
-      </p:sp>
-      <p:sp>
-        <p:nvSpPr>
-          <p:cNvPr id="7" name="TextBox 6"/>
-          <p:cNvSpPr txBox="1"/>
-          <p:nvPr/>
-        </p:nvSpPr>
-        <p:spPr>
-          <a:xfrm>
-            <a:off x="3268019" y="4840896"/>
-            <a:ext cx="301686" cy="369332"/>
-          </a:xfrm>
-          <a:prstGeom prst="rect">
-            <a:avLst/>
-          </a:prstGeom>
-          <a:noFill/>
-        </p:spPr>
-        <p:txBody>
-          <a:bodyPr wrap="none" rtlCol="0">
-            <a:spAutoFit/>
-          </a:bodyPr>
-          <a:lstStyle/>
-          <a:p>
-            <a:r>
-              <a:rPr lang="en-US" dirty="0" smtClean="0"/>
-              <a:t>7</a:t>
-            </a:r>
-            <a:endParaRPr lang="en-US" dirty="0"/>
-          </a:p>
-        </p:txBody>
-      </p:sp>
-      <p:sp>
-        <p:nvSpPr>
-          <p:cNvPr id="8" name="TextBox 7"/>
-          <p:cNvSpPr txBox="1"/>
-          <p:nvPr/>
-        </p:nvSpPr>
-        <p:spPr>
-          <a:xfrm>
-            <a:off x="5106558" y="3544248"/>
-            <a:ext cx="301686" cy="369332"/>
-          </a:xfrm>
-          <a:prstGeom prst="rect">
-            <a:avLst/>
-          </a:prstGeom>
-          <a:noFill/>
-        </p:spPr>
-        <p:txBody>
-          <a:bodyPr wrap="none" rtlCol="0">
-            <a:spAutoFit/>
-          </a:bodyPr>
-          <a:lstStyle/>
-          <a:p>
-            <a:r>
-              <a:rPr lang="en-US" dirty="0" smtClean="0"/>
-              <a:t>8</a:t>
-            </a:r>
-            <a:endParaRPr lang="en-US" dirty="0"/>
-          </a:p>
-        </p:txBody>
-      </p:sp>
-      <p:sp>
-        <p:nvSpPr>
-          <p:cNvPr id="9" name="TextBox 8"/>
-          <p:cNvSpPr txBox="1"/>
-          <p:nvPr/>
-        </p:nvSpPr>
-        <p:spPr>
-          <a:xfrm>
-            <a:off x="3052911" y="2547732"/>
-            <a:ext cx="301686" cy="369332"/>
-          </a:xfrm>
-          <a:prstGeom prst="rect">
-            <a:avLst/>
-          </a:prstGeom>
-          <a:noFill/>
-        </p:spPr>
-        <p:txBody>
-          <a:bodyPr wrap="none" rtlCol="0">
-            <a:spAutoFit/>
-          </a:bodyPr>
-          <a:lstStyle/>
-          <a:p>
-            <a:r>
-              <a:rPr lang="en-US" dirty="0" smtClean="0"/>
-              <a:t>9</a:t>
-            </a:r>
-            <a:endParaRPr lang="en-US" dirty="0"/>
-          </a:p>
-        </p:txBody>
-      </p:sp>
-      <p:sp>
-        <p:nvSpPr>
-          <p:cNvPr id="10" name="TextBox 9"/>
-          <p:cNvSpPr txBox="1"/>
-          <p:nvPr/>
-        </p:nvSpPr>
-        <p:spPr>
-          <a:xfrm>
-            <a:off x="1623178" y="4099297"/>
-            <a:ext cx="418704" cy="369332"/>
-          </a:xfrm>
-          <a:prstGeom prst="rect">
-            <a:avLst/>
-          </a:prstGeom>
-          <a:noFill/>
-        </p:spPr>
-        <p:txBody>
-          <a:bodyPr wrap="none" rtlCol="0">
-            <a:spAutoFit/>
-          </a:bodyPr>
-          <a:lstStyle/>
-          <a:p>
-            <a:r>
-              <a:rPr lang="en-US" dirty="0" smtClean="0"/>
-              <a:t>10</a:t>
-            </a:r>
-            <a:endParaRPr lang="en-US" dirty="0"/>
-          </a:p>
-        </p:txBody>
-      </p:sp>
-      <p:sp>
-        <p:nvSpPr>
-          <p:cNvPr id="11" name="TextBox 10"/>
-          <p:cNvSpPr txBox="1"/>
-          <p:nvPr/>
-        </p:nvSpPr>
-        <p:spPr>
-          <a:xfrm>
-            <a:off x="3914131" y="6096000"/>
-            <a:ext cx="418704" cy="369332"/>
-          </a:xfrm>
-          <a:prstGeom prst="rect">
-            <a:avLst/>
-          </a:prstGeom>
-          <a:noFill/>
-        </p:spPr>
-        <p:txBody>
-          <a:bodyPr wrap="none" rtlCol="0">
-            <a:spAutoFit/>
-          </a:bodyPr>
-          <a:lstStyle/>
-          <a:p>
-            <a:r>
-              <a:rPr lang="en-US" dirty="0" smtClean="0"/>
-              <a:t>15</a:t>
-            </a:r>
-            <a:endParaRPr lang="en-US" dirty="0"/>
-          </a:p>
-        </p:txBody>
-      </p:sp>
-      <p:sp>
-        <p:nvSpPr>
-          <p:cNvPr id="12" name="TextBox 11"/>
-          <p:cNvSpPr txBox="1"/>
-          <p:nvPr/>
-        </p:nvSpPr>
-        <p:spPr>
-          <a:xfrm>
-            <a:off x="1490026" y="4906618"/>
-            <a:ext cx="418704" cy="369332"/>
-          </a:xfrm>
-          <a:prstGeom prst="rect">
-            <a:avLst/>
-          </a:prstGeom>
-          <a:noFill/>
-        </p:spPr>
-        <p:txBody>
-          <a:bodyPr wrap="none" rtlCol="0">
-            <a:spAutoFit/>
-          </a:bodyPr>
-          <a:lstStyle/>
-          <a:p>
-            <a:r>
-              <a:rPr lang="en-US" dirty="0" smtClean="0"/>
-              <a:t>16</a:t>
-            </a:r>
-            <a:endParaRPr lang="en-US" dirty="0"/>
-          </a:p>
-        </p:txBody>
-      </p:sp>
-      <p:sp>
-        <p:nvSpPr>
-          <p:cNvPr id="13" name="TextBox 12"/>
-          <p:cNvSpPr txBox="1"/>
-          <p:nvPr/>
-        </p:nvSpPr>
-        <p:spPr>
-          <a:xfrm>
-            <a:off x="5333601" y="4372498"/>
-            <a:ext cx="418704" cy="369332"/>
-          </a:xfrm>
-          <a:prstGeom prst="rect">
-            <a:avLst/>
-          </a:prstGeom>
-          <a:noFill/>
-        </p:spPr>
-        <p:txBody>
-          <a:bodyPr wrap="none" rtlCol="0">
-            <a:spAutoFit/>
-          </a:bodyPr>
-          <a:lstStyle/>
-          <a:p>
-            <a:r>
-              <a:rPr lang="en-US" dirty="0" smtClean="0"/>
-              <a:t>14</a:t>
-            </a:r>
-            <a:endParaRPr lang="en-US" dirty="0"/>
-          </a:p>
-        </p:txBody>
-      </p:sp>
-      <p:sp>
-        <p:nvSpPr>
-          <p:cNvPr id="14" name="TextBox 13"/>
-          <p:cNvSpPr txBox="1"/>
-          <p:nvPr/>
-        </p:nvSpPr>
-        <p:spPr>
-          <a:xfrm>
-            <a:off x="6400800" y="3747395"/>
-            <a:ext cx="418704" cy="369332"/>
-          </a:xfrm>
-          <a:prstGeom prst="rect">
-            <a:avLst/>
-          </a:prstGeom>
-          <a:noFill/>
-        </p:spPr>
-        <p:txBody>
-          <a:bodyPr wrap="none" rtlCol="0">
-            <a:spAutoFit/>
-          </a:bodyPr>
-          <a:lstStyle/>
-          <a:p>
-            <a:r>
-              <a:rPr lang="en-US" dirty="0" smtClean="0"/>
-              <a:t>13</a:t>
-            </a:r>
-            <a:endParaRPr lang="en-US" dirty="0"/>
-          </a:p>
-        </p:txBody>
-      </p:sp>
-      <p:sp>
-        <p:nvSpPr>
-          <p:cNvPr id="15" name="Oval 14"/>
-          <p:cNvSpPr/>
-          <p:nvPr/>
-        </p:nvSpPr>
-        <p:spPr>
-          <a:xfrm>
-            <a:off x="3461561" y="4589430"/>
-            <a:ext cx="304800" cy="304800"/>
-          </a:xfrm>
-          <a:prstGeom prst="ellipse">
-            <a:avLst/>
-          </a:prstGeom>
-          <a:noFill/>
-          <a:ln>
-            <a:prstDash val="sysDash"/>
-          </a:ln>
-        </p:spPr>
-        <p:style>
-          <a:lnRef idx="2">
-            <a:schemeClr val="accent1">
-              <a:shade val="50000"/>
-            </a:schemeClr>
-          </a:lnRef>
-          <a:fillRef idx="1">
-            <a:schemeClr val="accent1"/>
-          </a:fillRef>
-          <a:effectRef idx="0">
-            <a:schemeClr val="accent1"/>
-          </a:effectRef>
-          <a:fontRef idx="minor">
-            <a:schemeClr val="lt1"/>
-          </a:fontRef>
-        </p:style>
-        <p:txBody>
-          <a:bodyPr rtlCol="0" anchor="ctr"/>
-          <a:lstStyle/>
-          <a:p>
-            <a:pPr algn="ctr"/>
-            <a:endParaRPr lang="en-US"/>
-          </a:p>
-        </p:txBody>
-      </p:sp>
-    </p:spTree>
-    <p:extLst>
-      <p:ext uri="{BB962C8B-B14F-4D97-AF65-F5344CB8AC3E}">
-        <p14:creationId xmlns:p14="http://schemas.microsoft.com/office/powerpoint/2010/main" val="2813798201"/>
-      </p:ext>
-    </p:extLst>
-  </p:cSld>
-  <p:clrMapOvr>
-    <a:masterClrMapping/>
-  </p:clrMapOvr>
-</p:sld>
-</file>
-
-<file path=ppt/slides/slide40.xml><?xml version="1.0" encoding="utf-8"?>
+<file path=ppt/slides/slide44.xml><?xml version="1.0" encoding="utf-8"?>
 <p:sld xmlns:a="http://schemas.openxmlformats.org/drawingml/2006/main" xmlns:r="http://schemas.openxmlformats.org/officeDocument/2006/relationships" xmlns:p="http://schemas.openxmlformats.org/presentationml/2006/main">
   <p:cSld>
     <p:spTree>
@@ -14326,7 +14959,7 @@
 </p:sld>
 </file>
 
-<file path=ppt/slides/slide41.xml><?xml version="1.0" encoding="utf-8"?>
+<file path=ppt/slides/slide45.xml><?xml version="1.0" encoding="utf-8"?>
 <p:sld xmlns:a="http://schemas.openxmlformats.org/drawingml/2006/main" xmlns:r="http://schemas.openxmlformats.org/officeDocument/2006/relationships" xmlns:p="http://schemas.openxmlformats.org/presentationml/2006/main">
   <p:cSld>
     <p:spTree>
@@ -14869,7 +15502,7 @@
 </p:sld>
 </file>
 
-<file path=ppt/slides/slide42.xml><?xml version="1.0" encoding="utf-8"?>
+<file path=ppt/slides/slide46.xml><?xml version="1.0" encoding="utf-8"?>
 <p:sld xmlns:a="http://schemas.openxmlformats.org/drawingml/2006/main" xmlns:r="http://schemas.openxmlformats.org/officeDocument/2006/relationships" xmlns:p="http://schemas.openxmlformats.org/presentationml/2006/main">
   <p:cSld>
     <p:spTree>
@@ -15383,7 +16016,7 @@
 </p:sld>
 </file>
 
-<file path=ppt/slides/slide43.xml><?xml version="1.0" encoding="utf-8"?>
+<file path=ppt/slides/slide47.xml><?xml version="1.0" encoding="utf-8"?>
 <p:sld xmlns:a="http://schemas.openxmlformats.org/drawingml/2006/main" xmlns:r="http://schemas.openxmlformats.org/officeDocument/2006/relationships" xmlns:p="http://schemas.openxmlformats.org/presentationml/2006/main">
   <p:cSld>
     <p:spTree>
@@ -15837,7 +16470,7 @@
 </p:sld>
 </file>
 
-<file path=ppt/slides/slide44.xml><?xml version="1.0" encoding="utf-8"?>
+<file path=ppt/slides/slide48.xml><?xml version="1.0" encoding="utf-8"?>
 <p:sld xmlns:a="http://schemas.openxmlformats.org/drawingml/2006/main" xmlns:r="http://schemas.openxmlformats.org/officeDocument/2006/relationships" xmlns:p="http://schemas.openxmlformats.org/presentationml/2006/main">
   <p:cSld>
     <p:spTree>

--- a/RoadDesigner.pptx
+++ b/RoadDesigner.pptx
@@ -47,12 +47,14 @@
     <p:sldId id="305" r:id="rId41"/>
     <p:sldId id="306" r:id="rId42"/>
     <p:sldId id="307" r:id="rId43"/>
-    <p:sldId id="301" r:id="rId44"/>
-    <p:sldId id="302" r:id="rId45"/>
-    <p:sldId id="268" r:id="rId46"/>
-    <p:sldId id="269" r:id="rId47"/>
-    <p:sldId id="275" r:id="rId48"/>
-    <p:sldId id="270" r:id="rId49"/>
+    <p:sldId id="308" r:id="rId44"/>
+    <p:sldId id="309" r:id="rId45"/>
+    <p:sldId id="301" r:id="rId46"/>
+    <p:sldId id="302" r:id="rId47"/>
+    <p:sldId id="268" r:id="rId48"/>
+    <p:sldId id="269" r:id="rId49"/>
+    <p:sldId id="275" r:id="rId50"/>
+    <p:sldId id="270" r:id="rId51"/>
   </p:sldIdLst>
   <p:sldSz cx="9144000" cy="6858000" type="screen4x3"/>
   <p:notesSz cx="6997700" cy="9283700"/>
@@ -13274,6 +13276,875 @@
         <p:spPr>
           <a:xfrm>
             <a:off x="1" y="-13195"/>
+            <a:ext cx="9144000" cy="5509200"/>
+          </a:xfrm>
+          <a:prstGeom prst="rect">
+            <a:avLst/>
+          </a:prstGeom>
+          <a:noFill/>
+        </p:spPr>
+        <p:txBody>
+          <a:bodyPr wrap="square" rtlCol="0">
+            <a:spAutoFit/>
+          </a:bodyPr>
+          <a:lstStyle/>
+          <a:p>
+            <a:r>
+              <a:rPr lang="ja-JP" altLang="en-US" sz="3200" dirty="0" smtClean="0"/>
+              <a:t>考察：</a:t>
+            </a:r>
+            <a:endParaRPr lang="en-US" altLang="ja-JP" sz="3200" dirty="0" smtClean="0"/>
+          </a:p>
+          <a:p>
+            <a:r>
+              <a:rPr lang="ja-JP" altLang="en-US" sz="3200" dirty="0" smtClean="0"/>
+              <a:t>－　もとの領域と同じ範囲なら、ほぼ同じ道路を再生</a:t>
+            </a:r>
+            <a:endParaRPr lang="en-US" altLang="ja-JP" sz="3200" dirty="0" smtClean="0"/>
+          </a:p>
+          <a:p>
+            <a:r>
+              <a:rPr lang="ja-JP" altLang="en-US" sz="3200" dirty="0"/>
+              <a:t>　</a:t>
+            </a:r>
+            <a:r>
+              <a:rPr lang="ja-JP" altLang="en-US" sz="3200" dirty="0" smtClean="0"/>
+              <a:t>　　できる。（当然といえば、当然だが）</a:t>
+            </a:r>
+            <a:endParaRPr lang="en-US" altLang="ja-JP" sz="3200" dirty="0" smtClean="0"/>
+          </a:p>
+          <a:p>
+            <a:r>
+              <a:rPr lang="ja-JP" altLang="en-US" sz="3200" dirty="0"/>
+              <a:t>　</a:t>
+            </a:r>
+            <a:r>
+              <a:rPr lang="ja-JP" altLang="en-US" sz="3200" dirty="0" smtClean="0"/>
+              <a:t>　　⇒　</a:t>
+            </a:r>
+            <a:r>
+              <a:rPr lang="ja-JP" altLang="en-US" sz="3200" b="1" dirty="0" smtClean="0">
+                <a:solidFill>
+                  <a:srgbClr val="FF0000"/>
+                </a:solidFill>
+              </a:rPr>
+              <a:t>同じ道路を生成するべきなのか？</a:t>
+            </a:r>
+            <a:endParaRPr lang="en-US" altLang="ja-JP" sz="3200" b="1" dirty="0" smtClean="0">
+              <a:solidFill>
+                <a:srgbClr val="FF0000"/>
+              </a:solidFill>
+            </a:endParaRPr>
+          </a:p>
+          <a:p>
+            <a:r>
+              <a:rPr lang="ja-JP" altLang="en-US" sz="3200" b="1" dirty="0">
+                <a:solidFill>
+                  <a:srgbClr val="FF0000"/>
+                </a:solidFill>
+              </a:rPr>
+              <a:t>　</a:t>
+            </a:r>
+            <a:r>
+              <a:rPr lang="ja-JP" altLang="en-US" sz="3200" b="1" dirty="0" smtClean="0">
+                <a:solidFill>
+                  <a:srgbClr val="FF0000"/>
+                </a:solidFill>
+              </a:rPr>
+              <a:t>　　　　同じなら、コピーしちゃえば良いのでは？</a:t>
+            </a:r>
+            <a:endParaRPr lang="en-US" altLang="ja-JP" sz="3200" b="1" dirty="0" smtClean="0">
+              <a:solidFill>
+                <a:srgbClr val="FF0000"/>
+              </a:solidFill>
+            </a:endParaRPr>
+          </a:p>
+          <a:p>
+            <a:r>
+              <a:rPr lang="ja-JP" altLang="en-US" sz="3200" dirty="0" smtClean="0"/>
+              <a:t>－　カーネルの共起確率を考慮した、カーネルの</a:t>
+            </a:r>
+            <a:endParaRPr lang="en-US" altLang="ja-JP" sz="3200" dirty="0" smtClean="0"/>
+          </a:p>
+          <a:p>
+            <a:r>
+              <a:rPr lang="ja-JP" altLang="en-US" sz="3200" dirty="0"/>
+              <a:t>　</a:t>
+            </a:r>
+            <a:r>
+              <a:rPr lang="ja-JP" altLang="en-US" sz="3200" dirty="0" smtClean="0"/>
+              <a:t>　　</a:t>
+            </a:r>
+            <a:r>
+              <a:rPr lang="ja-JP" altLang="en-US" sz="3200" dirty="0" smtClean="0"/>
+              <a:t>選択方式を検討したい。</a:t>
+            </a:r>
+            <a:endParaRPr lang="en-US" altLang="ja-JP" sz="3200" dirty="0" smtClean="0"/>
+          </a:p>
+          <a:p>
+            <a:r>
+              <a:rPr lang="ja-JP" altLang="en-US" sz="3200" dirty="0" smtClean="0"/>
+              <a:t>－　シードを、１つではなく、複数つかいたい。</a:t>
+            </a:r>
+            <a:endParaRPr lang="en-US" altLang="ja-JP" sz="3200" dirty="0" smtClean="0"/>
+          </a:p>
+          <a:p>
+            <a:r>
+              <a:rPr lang="ja-JP" altLang="en-US" sz="3200" dirty="0"/>
+              <a:t>　</a:t>
+            </a:r>
+            <a:r>
+              <a:rPr lang="ja-JP" altLang="en-US" sz="3200" dirty="0" smtClean="0"/>
+              <a:t>　　例えば、サンフランシスコの２種類のグリッド</a:t>
+            </a:r>
+            <a:endParaRPr lang="en-US" altLang="ja-JP" sz="3200" dirty="0" smtClean="0"/>
+          </a:p>
+          <a:p>
+            <a:r>
+              <a:rPr lang="ja-JP" altLang="en-US" sz="3200" dirty="0"/>
+              <a:t>　</a:t>
+            </a:r>
+            <a:r>
+              <a:rPr lang="ja-JP" altLang="en-US" sz="3200" dirty="0" smtClean="0"/>
+              <a:t>　　などは、２つのシードがあれば、きれいに</a:t>
+            </a:r>
+            <a:endParaRPr lang="en-US" altLang="ja-JP" sz="3200" dirty="0" smtClean="0"/>
+          </a:p>
+          <a:p>
+            <a:r>
+              <a:rPr lang="ja-JP" altLang="en-US" sz="3200" dirty="0"/>
+              <a:t>　</a:t>
+            </a:r>
+            <a:r>
+              <a:rPr lang="ja-JP" altLang="en-US" sz="3200" dirty="0" smtClean="0"/>
+              <a:t>　　いけるはず。</a:t>
+            </a:r>
+            <a:endParaRPr lang="en-US" altLang="ja-JP" sz="3200" dirty="0" smtClean="0"/>
+          </a:p>
+        </p:txBody>
+      </p:sp>
+    </p:spTree>
+    <p:extLst>
+      <p:ext uri="{BB962C8B-B14F-4D97-AF65-F5344CB8AC3E}">
+        <p14:creationId xmlns:p14="http://schemas.microsoft.com/office/powerpoint/2010/main" val="260806227"/>
+      </p:ext>
+    </p:extLst>
+  </p:cSld>
+  <p:clrMapOvr>
+    <a:masterClrMapping/>
+  </p:clrMapOvr>
+</p:sld>
+</file>
+
+<file path=ppt/slides/slide44.xml><?xml version="1.0" encoding="utf-8"?>
+<p:sld xmlns:a="http://schemas.openxmlformats.org/drawingml/2006/main" xmlns:r="http://schemas.openxmlformats.org/officeDocument/2006/relationships" xmlns:p="http://schemas.openxmlformats.org/presentationml/2006/main">
+  <p:cSld>
+    <p:spTree>
+      <p:nvGrpSpPr>
+        <p:cNvPr id="1" name=""/>
+        <p:cNvGrpSpPr/>
+        <p:nvPr/>
+      </p:nvGrpSpPr>
+      <p:grpSpPr>
+        <a:xfrm>
+          <a:off x="0" y="0"/>
+          <a:ext cx="0" cy="0"/>
+          <a:chOff x="0" y="0"/>
+          <a:chExt cx="0" cy="0"/>
+        </a:xfrm>
+      </p:grpSpPr>
+      <p:sp>
+        <p:nvSpPr>
+          <p:cNvPr id="2" name="TextBox 1"/>
+          <p:cNvSpPr txBox="1"/>
+          <p:nvPr/>
+        </p:nvSpPr>
+        <p:spPr>
+          <a:xfrm>
+            <a:off x="1" y="-13195"/>
+            <a:ext cx="9144000" cy="1569660"/>
+          </a:xfrm>
+          <a:prstGeom prst="rect">
+            <a:avLst/>
+          </a:prstGeom>
+          <a:noFill/>
+        </p:spPr>
+        <p:txBody>
+          <a:bodyPr wrap="square" rtlCol="0">
+            <a:spAutoFit/>
+          </a:bodyPr>
+          <a:lstStyle/>
+          <a:p>
+            <a:r>
+              <a:rPr lang="ja-JP" altLang="en-US" sz="3200" dirty="0" smtClean="0"/>
+              <a:t>まずは、複数シードの付与から。</a:t>
+            </a:r>
+            <a:endParaRPr lang="en-US" altLang="ja-JP" sz="3200" dirty="0" smtClean="0"/>
+          </a:p>
+          <a:p>
+            <a:r>
+              <a:rPr lang="ja-JP" altLang="en-US" sz="3200" dirty="0"/>
+              <a:t>とりあえず</a:t>
+            </a:r>
+            <a:r>
+              <a:rPr lang="ja-JP" altLang="en-US" sz="3200" dirty="0" smtClean="0"/>
+              <a:t>、もとの領域のポリゴンに合わせたシードの配置でやってみよう。</a:t>
+            </a:r>
+            <a:endParaRPr lang="en-US" altLang="ja-JP" sz="3200" dirty="0" smtClean="0"/>
+          </a:p>
+        </p:txBody>
+      </p:sp>
+      <p:sp>
+        <p:nvSpPr>
+          <p:cNvPr id="3" name="Freeform 2"/>
+          <p:cNvSpPr/>
+          <p:nvPr/>
+        </p:nvSpPr>
+        <p:spPr>
+          <a:xfrm>
+            <a:off x="2105025" y="2047875"/>
+            <a:ext cx="5162550" cy="3819525"/>
+          </a:xfrm>
+          <a:custGeom>
+            <a:avLst/>
+            <a:gdLst>
+              <a:gd name="connsiteX0" fmla="*/ 419100 w 5162550"/>
+              <a:gd name="connsiteY0" fmla="*/ 628650 h 3819525"/>
+              <a:gd name="connsiteX1" fmla="*/ 3486150 w 5162550"/>
+              <a:gd name="connsiteY1" fmla="*/ 0 h 3819525"/>
+              <a:gd name="connsiteX2" fmla="*/ 5162550 w 5162550"/>
+              <a:gd name="connsiteY2" fmla="*/ 3390900 h 3819525"/>
+              <a:gd name="connsiteX3" fmla="*/ 1219200 w 5162550"/>
+              <a:gd name="connsiteY3" fmla="*/ 3819525 h 3819525"/>
+              <a:gd name="connsiteX4" fmla="*/ 0 w 5162550"/>
+              <a:gd name="connsiteY4" fmla="*/ 2276475 h 3819525"/>
+              <a:gd name="connsiteX5" fmla="*/ 419100 w 5162550"/>
+              <a:gd name="connsiteY5" fmla="*/ 628650 h 3819525"/>
+            </a:gdLst>
+            <a:ahLst/>
+            <a:cxnLst>
+              <a:cxn ang="0">
+                <a:pos x="connsiteX0" y="connsiteY0"/>
+              </a:cxn>
+              <a:cxn ang="0">
+                <a:pos x="connsiteX1" y="connsiteY1"/>
+              </a:cxn>
+              <a:cxn ang="0">
+                <a:pos x="connsiteX2" y="connsiteY2"/>
+              </a:cxn>
+              <a:cxn ang="0">
+                <a:pos x="connsiteX3" y="connsiteY3"/>
+              </a:cxn>
+              <a:cxn ang="0">
+                <a:pos x="connsiteX4" y="connsiteY4"/>
+              </a:cxn>
+              <a:cxn ang="0">
+                <a:pos x="connsiteX5" y="connsiteY5"/>
+              </a:cxn>
+            </a:cxnLst>
+            <a:rect l="l" t="t" r="r" b="b"/>
+            <a:pathLst>
+              <a:path w="5162550" h="3819525">
+                <a:moveTo>
+                  <a:pt x="419100" y="628650"/>
+                </a:moveTo>
+                <a:lnTo>
+                  <a:pt x="3486150" y="0"/>
+                </a:lnTo>
+                <a:lnTo>
+                  <a:pt x="5162550" y="3390900"/>
+                </a:lnTo>
+                <a:lnTo>
+                  <a:pt x="1219200" y="3819525"/>
+                </a:lnTo>
+                <a:lnTo>
+                  <a:pt x="0" y="2276475"/>
+                </a:lnTo>
+                <a:lnTo>
+                  <a:pt x="419100" y="628650"/>
+                </a:lnTo>
+                <a:close/>
+              </a:path>
+            </a:pathLst>
+          </a:custGeom>
+          <a:noFill/>
+          <a:ln>
+            <a:solidFill>
+              <a:schemeClr val="tx1"/>
+            </a:solidFill>
+          </a:ln>
+        </p:spPr>
+        <p:style>
+          <a:lnRef idx="2">
+            <a:schemeClr val="accent1">
+              <a:shade val="50000"/>
+            </a:schemeClr>
+          </a:lnRef>
+          <a:fillRef idx="1">
+            <a:schemeClr val="accent1"/>
+          </a:fillRef>
+          <a:effectRef idx="0">
+            <a:schemeClr val="accent1"/>
+          </a:effectRef>
+          <a:fontRef idx="minor">
+            <a:schemeClr val="lt1"/>
+          </a:fontRef>
+        </p:style>
+        <p:txBody>
+          <a:bodyPr rtlCol="0" anchor="ctr"/>
+          <a:lstStyle/>
+          <a:p>
+            <a:pPr algn="ctr"/>
+            <a:endParaRPr lang="en-US"/>
+          </a:p>
+        </p:txBody>
+      </p:sp>
+      <p:sp>
+        <p:nvSpPr>
+          <p:cNvPr id="5" name="Oval 4"/>
+          <p:cNvSpPr/>
+          <p:nvPr/>
+        </p:nvSpPr>
+        <p:spPr>
+          <a:xfrm>
+            <a:off x="3419475" y="3286125"/>
+            <a:ext cx="157163" cy="157163"/>
+          </a:xfrm>
+          <a:prstGeom prst="ellipse">
+            <a:avLst/>
+          </a:prstGeom>
+          <a:solidFill>
+            <a:schemeClr val="tx1"/>
+          </a:solidFill>
+          <a:ln>
+            <a:solidFill>
+              <a:schemeClr val="tx1"/>
+            </a:solidFill>
+          </a:ln>
+        </p:spPr>
+        <p:style>
+          <a:lnRef idx="2">
+            <a:schemeClr val="accent1">
+              <a:shade val="50000"/>
+            </a:schemeClr>
+          </a:lnRef>
+          <a:fillRef idx="1">
+            <a:schemeClr val="accent1"/>
+          </a:fillRef>
+          <a:effectRef idx="0">
+            <a:schemeClr val="accent1"/>
+          </a:effectRef>
+          <a:fontRef idx="minor">
+            <a:schemeClr val="lt1"/>
+          </a:fontRef>
+        </p:style>
+        <p:txBody>
+          <a:bodyPr rtlCol="0" anchor="ctr"/>
+          <a:lstStyle/>
+          <a:p>
+            <a:pPr algn="ctr"/>
+            <a:endParaRPr lang="en-US"/>
+          </a:p>
+        </p:txBody>
+      </p:sp>
+      <p:sp>
+        <p:nvSpPr>
+          <p:cNvPr id="6" name="Oval 5"/>
+          <p:cNvSpPr/>
+          <p:nvPr/>
+        </p:nvSpPr>
+        <p:spPr>
+          <a:xfrm>
+            <a:off x="3233737" y="4114800"/>
+            <a:ext cx="157163" cy="157163"/>
+          </a:xfrm>
+          <a:prstGeom prst="ellipse">
+            <a:avLst/>
+          </a:prstGeom>
+          <a:solidFill>
+            <a:schemeClr val="tx1"/>
+          </a:solidFill>
+          <a:ln>
+            <a:solidFill>
+              <a:schemeClr val="tx1"/>
+            </a:solidFill>
+          </a:ln>
+        </p:spPr>
+        <p:style>
+          <a:lnRef idx="2">
+            <a:schemeClr val="accent1">
+              <a:shade val="50000"/>
+            </a:schemeClr>
+          </a:lnRef>
+          <a:fillRef idx="1">
+            <a:schemeClr val="accent1"/>
+          </a:fillRef>
+          <a:effectRef idx="0">
+            <a:schemeClr val="accent1"/>
+          </a:effectRef>
+          <a:fontRef idx="minor">
+            <a:schemeClr val="lt1"/>
+          </a:fontRef>
+        </p:style>
+        <p:txBody>
+          <a:bodyPr rtlCol="0" anchor="ctr"/>
+          <a:lstStyle/>
+          <a:p>
+            <a:pPr algn="ctr"/>
+            <a:endParaRPr lang="en-US"/>
+          </a:p>
+        </p:txBody>
+      </p:sp>
+      <p:sp>
+        <p:nvSpPr>
+          <p:cNvPr id="7" name="Oval 6"/>
+          <p:cNvSpPr/>
+          <p:nvPr/>
+        </p:nvSpPr>
+        <p:spPr>
+          <a:xfrm>
+            <a:off x="3810000" y="4876800"/>
+            <a:ext cx="157163" cy="157163"/>
+          </a:xfrm>
+          <a:prstGeom prst="ellipse">
+            <a:avLst/>
+          </a:prstGeom>
+          <a:solidFill>
+            <a:schemeClr val="tx1"/>
+          </a:solidFill>
+          <a:ln>
+            <a:solidFill>
+              <a:schemeClr val="tx1"/>
+            </a:solidFill>
+          </a:ln>
+        </p:spPr>
+        <p:style>
+          <a:lnRef idx="2">
+            <a:schemeClr val="accent1">
+              <a:shade val="50000"/>
+            </a:schemeClr>
+          </a:lnRef>
+          <a:fillRef idx="1">
+            <a:schemeClr val="accent1"/>
+          </a:fillRef>
+          <a:effectRef idx="0">
+            <a:schemeClr val="accent1"/>
+          </a:effectRef>
+          <a:fontRef idx="minor">
+            <a:schemeClr val="lt1"/>
+          </a:fontRef>
+        </p:style>
+        <p:txBody>
+          <a:bodyPr rtlCol="0" anchor="ctr"/>
+          <a:lstStyle/>
+          <a:p>
+            <a:pPr algn="ctr"/>
+            <a:endParaRPr lang="en-US"/>
+          </a:p>
+        </p:txBody>
+      </p:sp>
+      <p:sp>
+        <p:nvSpPr>
+          <p:cNvPr id="8" name="Oval 7"/>
+          <p:cNvSpPr/>
+          <p:nvPr/>
+        </p:nvSpPr>
+        <p:spPr>
+          <a:xfrm>
+            <a:off x="5715000" y="4648200"/>
+            <a:ext cx="157163" cy="157163"/>
+          </a:xfrm>
+          <a:prstGeom prst="ellipse">
+            <a:avLst/>
+          </a:prstGeom>
+          <a:solidFill>
+            <a:schemeClr val="tx1"/>
+          </a:solidFill>
+          <a:ln>
+            <a:solidFill>
+              <a:schemeClr val="tx1"/>
+            </a:solidFill>
+          </a:ln>
+        </p:spPr>
+        <p:style>
+          <a:lnRef idx="2">
+            <a:schemeClr val="accent1">
+              <a:shade val="50000"/>
+            </a:schemeClr>
+          </a:lnRef>
+          <a:fillRef idx="1">
+            <a:schemeClr val="accent1"/>
+          </a:fillRef>
+          <a:effectRef idx="0">
+            <a:schemeClr val="accent1"/>
+          </a:effectRef>
+          <a:fontRef idx="minor">
+            <a:schemeClr val="lt1"/>
+          </a:fontRef>
+        </p:style>
+        <p:txBody>
+          <a:bodyPr rtlCol="0" anchor="ctr"/>
+          <a:lstStyle/>
+          <a:p>
+            <a:pPr algn="ctr"/>
+            <a:endParaRPr lang="en-US"/>
+          </a:p>
+        </p:txBody>
+      </p:sp>
+      <p:sp>
+        <p:nvSpPr>
+          <p:cNvPr id="9" name="Oval 8"/>
+          <p:cNvSpPr/>
+          <p:nvPr/>
+        </p:nvSpPr>
+        <p:spPr>
+          <a:xfrm>
+            <a:off x="4905375" y="2990850"/>
+            <a:ext cx="157163" cy="157163"/>
+          </a:xfrm>
+          <a:prstGeom prst="ellipse">
+            <a:avLst/>
+          </a:prstGeom>
+          <a:solidFill>
+            <a:schemeClr val="tx1"/>
+          </a:solidFill>
+          <a:ln>
+            <a:solidFill>
+              <a:schemeClr val="tx1"/>
+            </a:solidFill>
+          </a:ln>
+        </p:spPr>
+        <p:style>
+          <a:lnRef idx="2">
+            <a:schemeClr val="accent1">
+              <a:shade val="50000"/>
+            </a:schemeClr>
+          </a:lnRef>
+          <a:fillRef idx="1">
+            <a:schemeClr val="accent1"/>
+          </a:fillRef>
+          <a:effectRef idx="0">
+            <a:schemeClr val="accent1"/>
+          </a:effectRef>
+          <a:fontRef idx="minor">
+            <a:schemeClr val="lt1"/>
+          </a:fontRef>
+        </p:style>
+        <p:txBody>
+          <a:bodyPr rtlCol="0" anchor="ctr"/>
+          <a:lstStyle/>
+          <a:p>
+            <a:pPr algn="ctr"/>
+            <a:endParaRPr lang="en-US"/>
+          </a:p>
+        </p:txBody>
+      </p:sp>
+      <p:cxnSp>
+        <p:nvCxnSpPr>
+          <p:cNvPr id="11" name="Straight Connector 10"/>
+          <p:cNvCxnSpPr>
+            <a:stCxn id="3" idx="0"/>
+            <a:endCxn id="4" idx="1"/>
+          </p:cNvCxnSpPr>
+          <p:nvPr/>
+        </p:nvCxnSpPr>
+        <p:spPr>
+          <a:xfrm>
+            <a:off x="2524125" y="2676525"/>
+            <a:ext cx="1842291" cy="1304128"/>
+          </a:xfrm>
+          <a:prstGeom prst="line">
+            <a:avLst/>
+          </a:prstGeom>
+          <a:ln>
+            <a:solidFill>
+              <a:schemeClr val="tx1"/>
+            </a:solidFill>
+            <a:prstDash val="dash"/>
+          </a:ln>
+        </p:spPr>
+        <p:style>
+          <a:lnRef idx="1">
+            <a:schemeClr val="accent1"/>
+          </a:lnRef>
+          <a:fillRef idx="0">
+            <a:schemeClr val="accent1"/>
+          </a:fillRef>
+          <a:effectRef idx="0">
+            <a:schemeClr val="accent1"/>
+          </a:effectRef>
+          <a:fontRef idx="minor">
+            <a:schemeClr val="tx1"/>
+          </a:fontRef>
+        </p:style>
+      </p:cxnSp>
+      <p:sp>
+        <p:nvSpPr>
+          <p:cNvPr id="13" name="TextBox 12"/>
+          <p:cNvSpPr txBox="1"/>
+          <p:nvPr/>
+        </p:nvSpPr>
+        <p:spPr>
+          <a:xfrm>
+            <a:off x="4010025" y="4155281"/>
+            <a:ext cx="1231427" cy="369332"/>
+          </a:xfrm>
+          <a:prstGeom prst="rect">
+            <a:avLst/>
+          </a:prstGeom>
+          <a:noFill/>
+        </p:spPr>
+        <p:txBody>
+          <a:bodyPr wrap="none" rtlCol="0">
+            <a:spAutoFit/>
+          </a:bodyPr>
+          <a:lstStyle/>
+          <a:p>
+            <a:r>
+              <a:rPr lang="ja-JP" altLang="en-US" dirty="0" smtClean="0"/>
+              <a:t>エリア中心</a:t>
+            </a:r>
+            <a:endParaRPr lang="en-US" dirty="0"/>
+          </a:p>
+        </p:txBody>
+      </p:sp>
+      <p:cxnSp>
+        <p:nvCxnSpPr>
+          <p:cNvPr id="14" name="Straight Connector 13"/>
+          <p:cNvCxnSpPr>
+            <a:stCxn id="3" idx="1"/>
+          </p:cNvCxnSpPr>
+          <p:nvPr/>
+        </p:nvCxnSpPr>
+        <p:spPr>
+          <a:xfrm flipH="1">
+            <a:off x="4429125" y="2047875"/>
+            <a:ext cx="1162050" cy="1981200"/>
+          </a:xfrm>
+          <a:prstGeom prst="line">
+            <a:avLst/>
+          </a:prstGeom>
+          <a:ln>
+            <a:solidFill>
+              <a:schemeClr val="tx1"/>
+            </a:solidFill>
+            <a:prstDash val="dash"/>
+          </a:ln>
+        </p:spPr>
+        <p:style>
+          <a:lnRef idx="1">
+            <a:schemeClr val="accent1"/>
+          </a:lnRef>
+          <a:fillRef idx="0">
+            <a:schemeClr val="accent1"/>
+          </a:fillRef>
+          <a:effectRef idx="0">
+            <a:schemeClr val="accent1"/>
+          </a:effectRef>
+          <a:fontRef idx="minor">
+            <a:schemeClr val="tx1"/>
+          </a:fontRef>
+        </p:style>
+      </p:cxnSp>
+      <p:cxnSp>
+        <p:nvCxnSpPr>
+          <p:cNvPr id="17" name="Straight Connector 16"/>
+          <p:cNvCxnSpPr>
+            <a:stCxn id="3" idx="2"/>
+          </p:cNvCxnSpPr>
+          <p:nvPr/>
+        </p:nvCxnSpPr>
+        <p:spPr>
+          <a:xfrm flipH="1" flipV="1">
+            <a:off x="4438650" y="4029075"/>
+            <a:ext cx="2828925" cy="1409700"/>
+          </a:xfrm>
+          <a:prstGeom prst="line">
+            <a:avLst/>
+          </a:prstGeom>
+          <a:ln>
+            <a:solidFill>
+              <a:schemeClr val="tx1"/>
+            </a:solidFill>
+            <a:prstDash val="dash"/>
+          </a:ln>
+        </p:spPr>
+        <p:style>
+          <a:lnRef idx="1">
+            <a:schemeClr val="accent1"/>
+          </a:lnRef>
+          <a:fillRef idx="0">
+            <a:schemeClr val="accent1"/>
+          </a:fillRef>
+          <a:effectRef idx="0">
+            <a:schemeClr val="accent1"/>
+          </a:effectRef>
+          <a:fontRef idx="minor">
+            <a:schemeClr val="tx1"/>
+          </a:fontRef>
+        </p:style>
+      </p:cxnSp>
+      <p:cxnSp>
+        <p:nvCxnSpPr>
+          <p:cNvPr id="20" name="Straight Connector 19"/>
+          <p:cNvCxnSpPr/>
+          <p:nvPr/>
+        </p:nvCxnSpPr>
+        <p:spPr>
+          <a:xfrm flipV="1">
+            <a:off x="3343275" y="4029075"/>
+            <a:ext cx="1104900" cy="1838326"/>
+          </a:xfrm>
+          <a:prstGeom prst="line">
+            <a:avLst/>
+          </a:prstGeom>
+          <a:ln>
+            <a:solidFill>
+              <a:schemeClr val="tx1"/>
+            </a:solidFill>
+            <a:prstDash val="dash"/>
+          </a:ln>
+        </p:spPr>
+        <p:style>
+          <a:lnRef idx="1">
+            <a:schemeClr val="accent1"/>
+          </a:lnRef>
+          <a:fillRef idx="0">
+            <a:schemeClr val="accent1"/>
+          </a:fillRef>
+          <a:effectRef idx="0">
+            <a:schemeClr val="accent1"/>
+          </a:effectRef>
+          <a:fontRef idx="minor">
+            <a:schemeClr val="tx1"/>
+          </a:fontRef>
+        </p:style>
+      </p:cxnSp>
+      <p:cxnSp>
+        <p:nvCxnSpPr>
+          <p:cNvPr id="23" name="Straight Connector 22"/>
+          <p:cNvCxnSpPr>
+            <a:stCxn id="3" idx="4"/>
+          </p:cNvCxnSpPr>
+          <p:nvPr/>
+        </p:nvCxnSpPr>
+        <p:spPr>
+          <a:xfrm flipV="1">
+            <a:off x="2105025" y="4057650"/>
+            <a:ext cx="2343150" cy="266700"/>
+          </a:xfrm>
+          <a:prstGeom prst="line">
+            <a:avLst/>
+          </a:prstGeom>
+          <a:ln>
+            <a:solidFill>
+              <a:schemeClr val="tx1"/>
+            </a:solidFill>
+            <a:prstDash val="dash"/>
+          </a:ln>
+        </p:spPr>
+        <p:style>
+          <a:lnRef idx="1">
+            <a:schemeClr val="accent1"/>
+          </a:lnRef>
+          <a:fillRef idx="0">
+            <a:schemeClr val="accent1"/>
+          </a:fillRef>
+          <a:effectRef idx="0">
+            <a:schemeClr val="accent1"/>
+          </a:effectRef>
+          <a:fontRef idx="minor">
+            <a:schemeClr val="tx1"/>
+          </a:fontRef>
+        </p:style>
+      </p:cxnSp>
+      <p:sp>
+        <p:nvSpPr>
+          <p:cNvPr id="4" name="Oval 3"/>
+          <p:cNvSpPr/>
+          <p:nvPr/>
+        </p:nvSpPr>
+        <p:spPr>
+          <a:xfrm>
+            <a:off x="4343400" y="3957637"/>
+            <a:ext cx="157163" cy="157163"/>
+          </a:xfrm>
+          <a:prstGeom prst="ellipse">
+            <a:avLst/>
+          </a:prstGeom>
+          <a:solidFill>
+            <a:schemeClr val="bg1"/>
+          </a:solidFill>
+          <a:ln>
+            <a:solidFill>
+              <a:schemeClr val="tx1"/>
+            </a:solidFill>
+          </a:ln>
+        </p:spPr>
+        <p:style>
+          <a:lnRef idx="2">
+            <a:schemeClr val="accent1">
+              <a:shade val="50000"/>
+            </a:schemeClr>
+          </a:lnRef>
+          <a:fillRef idx="1">
+            <a:schemeClr val="accent1"/>
+          </a:fillRef>
+          <a:effectRef idx="0">
+            <a:schemeClr val="accent1"/>
+          </a:effectRef>
+          <a:fontRef idx="minor">
+            <a:schemeClr val="lt1"/>
+          </a:fontRef>
+        </p:style>
+        <p:txBody>
+          <a:bodyPr rtlCol="0" anchor="ctr"/>
+          <a:lstStyle/>
+          <a:p>
+            <a:pPr algn="ctr"/>
+            <a:endParaRPr lang="en-US"/>
+          </a:p>
+        </p:txBody>
+      </p:sp>
+    </p:spTree>
+    <p:extLst>
+      <p:ext uri="{BB962C8B-B14F-4D97-AF65-F5344CB8AC3E}">
+        <p14:creationId xmlns:p14="http://schemas.microsoft.com/office/powerpoint/2010/main" val="608576765"/>
+      </p:ext>
+    </p:extLst>
+  </p:cSld>
+  <p:clrMapOvr>
+    <a:masterClrMapping/>
+  </p:clrMapOvr>
+</p:sld>
+</file>
+
+<file path=ppt/slides/slide45.xml><?xml version="1.0" encoding="utf-8"?>
+<p:sld xmlns:a="http://schemas.openxmlformats.org/drawingml/2006/main" xmlns:r="http://schemas.openxmlformats.org/officeDocument/2006/relationships" xmlns:p="http://schemas.openxmlformats.org/presentationml/2006/main">
+  <p:cSld>
+    <p:spTree>
+      <p:nvGrpSpPr>
+        <p:cNvPr id="1" name=""/>
+        <p:cNvGrpSpPr/>
+        <p:nvPr/>
+      </p:nvGrpSpPr>
+      <p:grpSpPr>
+        <a:xfrm>
+          <a:off x="0" y="0"/>
+          <a:ext cx="0" cy="0"/>
+          <a:chOff x="0" y="0"/>
+          <a:chExt cx="0" cy="0"/>
+        </a:xfrm>
+      </p:grpSpPr>
+      <p:sp>
+        <p:nvSpPr>
+          <p:cNvPr id="2" name="TextBox 1"/>
+          <p:cNvSpPr txBox="1"/>
+          <p:nvPr/>
+        </p:nvSpPr>
+        <p:spPr>
+          <a:xfrm>
+            <a:off x="1" y="-13195"/>
             <a:ext cx="9144000" cy="584775"/>
           </a:xfrm>
           <a:prstGeom prst="rect">
@@ -14045,7 +14916,7 @@
 </p:sld>
 </file>
 
-<file path=ppt/slides/slide44.xml><?xml version="1.0" encoding="utf-8"?>
+<file path=ppt/slides/slide46.xml><?xml version="1.0" encoding="utf-8"?>
 <p:sld xmlns:a="http://schemas.openxmlformats.org/drawingml/2006/main" xmlns:r="http://schemas.openxmlformats.org/officeDocument/2006/relationships" xmlns:p="http://schemas.openxmlformats.org/presentationml/2006/main">
   <p:cSld>
     <p:spTree>
@@ -14959,7 +15830,7 @@
 </p:sld>
 </file>
 
-<file path=ppt/slides/slide45.xml><?xml version="1.0" encoding="utf-8"?>
+<file path=ppt/slides/slide47.xml><?xml version="1.0" encoding="utf-8"?>
 <p:sld xmlns:a="http://schemas.openxmlformats.org/drawingml/2006/main" xmlns:r="http://schemas.openxmlformats.org/officeDocument/2006/relationships" xmlns:p="http://schemas.openxmlformats.org/presentationml/2006/main">
   <p:cSld>
     <p:spTree>
@@ -15502,7 +16373,7 @@
 </p:sld>
 </file>
 
-<file path=ppt/slides/slide46.xml><?xml version="1.0" encoding="utf-8"?>
+<file path=ppt/slides/slide48.xml><?xml version="1.0" encoding="utf-8"?>
 <p:sld xmlns:a="http://schemas.openxmlformats.org/drawingml/2006/main" xmlns:r="http://schemas.openxmlformats.org/officeDocument/2006/relationships" xmlns:p="http://schemas.openxmlformats.org/presentationml/2006/main">
   <p:cSld>
     <p:spTree>
@@ -16016,7 +16887,7 @@
 </p:sld>
 </file>
 
-<file path=ppt/slides/slide47.xml><?xml version="1.0" encoding="utf-8"?>
+<file path=ppt/slides/slide49.xml><?xml version="1.0" encoding="utf-8"?>
 <p:sld xmlns:a="http://schemas.openxmlformats.org/drawingml/2006/main" xmlns:r="http://schemas.openxmlformats.org/officeDocument/2006/relationships" xmlns:p="http://schemas.openxmlformats.org/presentationml/2006/main">
   <p:cSld>
     <p:spTree>
@@ -16461,753 +17332,6 @@
     <p:extLst>
       <p:ext uri="{BB962C8B-B14F-4D97-AF65-F5344CB8AC3E}">
         <p14:creationId xmlns:p14="http://schemas.microsoft.com/office/powerpoint/2010/main" val="2851835096"/>
-      </p:ext>
-    </p:extLst>
-  </p:cSld>
-  <p:clrMapOvr>
-    <a:masterClrMapping/>
-  </p:clrMapOvr>
-</p:sld>
-</file>
-
-<file path=ppt/slides/slide48.xml><?xml version="1.0" encoding="utf-8"?>
-<p:sld xmlns:a="http://schemas.openxmlformats.org/drawingml/2006/main" xmlns:r="http://schemas.openxmlformats.org/officeDocument/2006/relationships" xmlns:p="http://schemas.openxmlformats.org/presentationml/2006/main">
-  <p:cSld>
-    <p:spTree>
-      <p:nvGrpSpPr>
-        <p:cNvPr id="1" name=""/>
-        <p:cNvGrpSpPr/>
-        <p:nvPr/>
-      </p:nvGrpSpPr>
-      <p:grpSpPr>
-        <a:xfrm>
-          <a:off x="0" y="0"/>
-          <a:ext cx="0" cy="0"/>
-          <a:chOff x="0" y="0"/>
-          <a:chExt cx="0" cy="0"/>
-        </a:xfrm>
-      </p:grpSpPr>
-      <p:sp>
-        <p:nvSpPr>
-          <p:cNvPr id="2" name="TextBox 1"/>
-          <p:cNvSpPr txBox="1"/>
-          <p:nvPr/>
-        </p:nvSpPr>
-        <p:spPr>
-          <a:xfrm>
-            <a:off x="394251" y="838200"/>
-            <a:ext cx="3985386" cy="584775"/>
-          </a:xfrm>
-          <a:prstGeom prst="rect">
-            <a:avLst/>
-          </a:prstGeom>
-          <a:noFill/>
-        </p:spPr>
-        <p:txBody>
-          <a:bodyPr wrap="none" rtlCol="0">
-            <a:spAutoFit/>
-          </a:bodyPr>
-          <a:lstStyle/>
-          <a:p>
-            <a:r>
-              <a:rPr lang="ja-JP" altLang="en-US" sz="3200" dirty="0"/>
-              <a:t>４</a:t>
-            </a:r>
-            <a:r>
-              <a:rPr lang="ja-JP" altLang="en-US" sz="3200" dirty="0" smtClean="0"/>
-              <a:t>）　他のエッジに近い</a:t>
-            </a:r>
-            <a:endParaRPr lang="en-US" altLang="ja-JP" sz="3200" dirty="0" smtClean="0"/>
-          </a:p>
-        </p:txBody>
-      </p:sp>
-      <p:sp>
-        <p:nvSpPr>
-          <p:cNvPr id="3" name="Right Arrow 2"/>
-          <p:cNvSpPr/>
-          <p:nvPr/>
-        </p:nvSpPr>
-        <p:spPr>
-          <a:xfrm>
-            <a:off x="4379637" y="3200400"/>
-            <a:ext cx="304800" cy="1219200"/>
-          </a:xfrm>
-          <a:prstGeom prst="rightArrow">
-            <a:avLst/>
-          </a:prstGeom>
-          <a:solidFill>
-            <a:schemeClr val="accent6">
-              <a:lumMod val="20000"/>
-              <a:lumOff val="80000"/>
-            </a:schemeClr>
-          </a:solidFill>
-          <a:ln>
-            <a:solidFill>
-              <a:schemeClr val="accent6">
-                <a:lumMod val="50000"/>
-              </a:schemeClr>
-            </a:solidFill>
-          </a:ln>
-        </p:spPr>
-        <p:style>
-          <a:lnRef idx="2">
-            <a:schemeClr val="accent1">
-              <a:shade val="50000"/>
-            </a:schemeClr>
-          </a:lnRef>
-          <a:fillRef idx="1">
-            <a:schemeClr val="accent1"/>
-          </a:fillRef>
-          <a:effectRef idx="0">
-            <a:schemeClr val="accent1"/>
-          </a:effectRef>
-          <a:fontRef idx="minor">
-            <a:schemeClr val="lt1"/>
-          </a:fontRef>
-        </p:style>
-        <p:txBody>
-          <a:bodyPr rtlCol="0" anchor="ctr"/>
-          <a:lstStyle/>
-          <a:p>
-            <a:pPr algn="ctr"/>
-            <a:endParaRPr lang="en-US"/>
-          </a:p>
-        </p:txBody>
-      </p:sp>
-      <p:sp>
-        <p:nvSpPr>
-          <p:cNvPr id="4" name="Oval 3"/>
-          <p:cNvSpPr/>
-          <p:nvPr/>
-        </p:nvSpPr>
-        <p:spPr>
-          <a:xfrm>
-            <a:off x="1219200" y="4191000"/>
-            <a:ext cx="152400" cy="152400"/>
-          </a:xfrm>
-          <a:prstGeom prst="ellipse">
-            <a:avLst/>
-          </a:prstGeom>
-          <a:solidFill>
-            <a:schemeClr val="tx1"/>
-          </a:solidFill>
-          <a:ln>
-            <a:solidFill>
-              <a:schemeClr val="tx1"/>
-            </a:solidFill>
-          </a:ln>
-        </p:spPr>
-        <p:style>
-          <a:lnRef idx="2">
-            <a:schemeClr val="accent1">
-              <a:shade val="50000"/>
-            </a:schemeClr>
-          </a:lnRef>
-          <a:fillRef idx="1">
-            <a:schemeClr val="accent1"/>
-          </a:fillRef>
-          <a:effectRef idx="0">
-            <a:schemeClr val="accent1"/>
-          </a:effectRef>
-          <a:fontRef idx="minor">
-            <a:schemeClr val="lt1"/>
-          </a:fontRef>
-        </p:style>
-        <p:txBody>
-          <a:bodyPr rtlCol="0" anchor="ctr"/>
-          <a:lstStyle/>
-          <a:p>
-            <a:pPr algn="ctr"/>
-            <a:endParaRPr lang="en-US"/>
-          </a:p>
-        </p:txBody>
-      </p:sp>
-      <p:cxnSp>
-        <p:nvCxnSpPr>
-          <p:cNvPr id="6" name="Straight Arrow Connector 5"/>
-          <p:cNvCxnSpPr/>
-          <p:nvPr/>
-        </p:nvCxnSpPr>
-        <p:spPr>
-          <a:xfrm flipV="1">
-            <a:off x="1295400" y="3024808"/>
-            <a:ext cx="1524000" cy="1219200"/>
-          </a:xfrm>
-          <a:prstGeom prst="straightConnector1">
-            <a:avLst/>
-          </a:prstGeom>
-          <a:ln w="25400">
-            <a:solidFill>
-              <a:schemeClr val="tx1"/>
-            </a:solidFill>
-            <a:tailEnd type="arrow" w="lg" len="lg"/>
-          </a:ln>
-        </p:spPr>
-        <p:style>
-          <a:lnRef idx="1">
-            <a:schemeClr val="accent1"/>
-          </a:lnRef>
-          <a:fillRef idx="0">
-            <a:schemeClr val="accent1"/>
-          </a:fillRef>
-          <a:effectRef idx="0">
-            <a:schemeClr val="accent1"/>
-          </a:effectRef>
-          <a:fontRef idx="minor">
-            <a:schemeClr val="tx1"/>
-          </a:fontRef>
-        </p:style>
-      </p:cxnSp>
-      <p:cxnSp>
-        <p:nvCxnSpPr>
-          <p:cNvPr id="7" name="Straight Connector 6"/>
-          <p:cNvCxnSpPr/>
-          <p:nvPr/>
-        </p:nvCxnSpPr>
-        <p:spPr>
-          <a:xfrm>
-            <a:off x="3124200" y="2362200"/>
-            <a:ext cx="0" cy="2590800"/>
-          </a:xfrm>
-          <a:prstGeom prst="line">
-            <a:avLst/>
-          </a:prstGeom>
-          <a:ln w="25400">
-            <a:solidFill>
-              <a:schemeClr val="tx1"/>
-            </a:solidFill>
-          </a:ln>
-        </p:spPr>
-        <p:style>
-          <a:lnRef idx="1">
-            <a:schemeClr val="accent1"/>
-          </a:lnRef>
-          <a:fillRef idx="0">
-            <a:schemeClr val="accent1"/>
-          </a:fillRef>
-          <a:effectRef idx="0">
-            <a:schemeClr val="accent1"/>
-          </a:effectRef>
-          <a:fontRef idx="minor">
-            <a:schemeClr val="tx1"/>
-          </a:fontRef>
-        </p:style>
-      </p:cxnSp>
-      <p:cxnSp>
-        <p:nvCxnSpPr>
-          <p:cNvPr id="12" name="Straight Connector 11"/>
-          <p:cNvCxnSpPr/>
-          <p:nvPr/>
-        </p:nvCxnSpPr>
-        <p:spPr>
-          <a:xfrm>
-            <a:off x="8001000" y="1043608"/>
-            <a:ext cx="0" cy="2590800"/>
-          </a:xfrm>
-          <a:prstGeom prst="line">
-            <a:avLst/>
-          </a:prstGeom>
-          <a:ln w="25400">
-            <a:solidFill>
-              <a:schemeClr val="tx1"/>
-            </a:solidFill>
-          </a:ln>
-        </p:spPr>
-        <p:style>
-          <a:lnRef idx="1">
-            <a:schemeClr val="accent1"/>
-          </a:lnRef>
-          <a:fillRef idx="0">
-            <a:schemeClr val="accent1"/>
-          </a:fillRef>
-          <a:effectRef idx="0">
-            <a:schemeClr val="accent1"/>
-          </a:effectRef>
-          <a:fontRef idx="minor">
-            <a:schemeClr val="tx1"/>
-          </a:fontRef>
-        </p:style>
-      </p:cxnSp>
-      <p:sp>
-        <p:nvSpPr>
-          <p:cNvPr id="13" name="Oval 12"/>
-          <p:cNvSpPr/>
-          <p:nvPr/>
-        </p:nvSpPr>
-        <p:spPr>
-          <a:xfrm>
-            <a:off x="6096000" y="2918792"/>
-            <a:ext cx="152400" cy="152400"/>
-          </a:xfrm>
-          <a:prstGeom prst="ellipse">
-            <a:avLst/>
-          </a:prstGeom>
-          <a:solidFill>
-            <a:schemeClr val="tx1"/>
-          </a:solidFill>
-          <a:ln>
-            <a:solidFill>
-              <a:schemeClr val="tx1"/>
-            </a:solidFill>
-          </a:ln>
-        </p:spPr>
-        <p:style>
-          <a:lnRef idx="2">
-            <a:schemeClr val="accent1">
-              <a:shade val="50000"/>
-            </a:schemeClr>
-          </a:lnRef>
-          <a:fillRef idx="1">
-            <a:schemeClr val="accent1"/>
-          </a:fillRef>
-          <a:effectRef idx="0">
-            <a:schemeClr val="accent1"/>
-          </a:effectRef>
-          <a:fontRef idx="minor">
-            <a:schemeClr val="lt1"/>
-          </a:fontRef>
-        </p:style>
-        <p:txBody>
-          <a:bodyPr rtlCol="0" anchor="ctr"/>
-          <a:lstStyle/>
-          <a:p>
-            <a:pPr algn="ctr"/>
-            <a:endParaRPr lang="en-US"/>
-          </a:p>
-        </p:txBody>
-      </p:sp>
-      <p:cxnSp>
-        <p:nvCxnSpPr>
-          <p:cNvPr id="14" name="Straight Arrow Connector 13"/>
-          <p:cNvCxnSpPr/>
-          <p:nvPr/>
-        </p:nvCxnSpPr>
-        <p:spPr>
-          <a:xfrm flipV="1">
-            <a:off x="6172200" y="1752600"/>
-            <a:ext cx="1524000" cy="1219200"/>
-          </a:xfrm>
-          <a:prstGeom prst="straightConnector1">
-            <a:avLst/>
-          </a:prstGeom>
-          <a:ln w="25400">
-            <a:solidFill>
-              <a:schemeClr val="tx1"/>
-            </a:solidFill>
-            <a:prstDash val="dash"/>
-            <a:tailEnd type="arrow" w="lg" len="lg"/>
-          </a:ln>
-        </p:spPr>
-        <p:style>
-          <a:lnRef idx="1">
-            <a:schemeClr val="accent1"/>
-          </a:lnRef>
-          <a:fillRef idx="0">
-            <a:schemeClr val="accent1"/>
-          </a:fillRef>
-          <a:effectRef idx="0">
-            <a:schemeClr val="accent1"/>
-          </a:effectRef>
-          <a:fontRef idx="minor">
-            <a:schemeClr val="tx1"/>
-          </a:fontRef>
-        </p:style>
-      </p:cxnSp>
-      <p:sp>
-        <p:nvSpPr>
-          <p:cNvPr id="15" name="Oval 14"/>
-          <p:cNvSpPr/>
-          <p:nvPr/>
-        </p:nvSpPr>
-        <p:spPr>
-          <a:xfrm>
-            <a:off x="7928112" y="1712844"/>
-            <a:ext cx="152400" cy="152400"/>
-          </a:xfrm>
-          <a:prstGeom prst="ellipse">
-            <a:avLst/>
-          </a:prstGeom>
-          <a:solidFill>
-            <a:schemeClr val="tx1"/>
-          </a:solidFill>
-          <a:ln>
-            <a:solidFill>
-              <a:schemeClr val="tx1"/>
-            </a:solidFill>
-          </a:ln>
-        </p:spPr>
-        <p:style>
-          <a:lnRef idx="2">
-            <a:schemeClr val="accent1">
-              <a:shade val="50000"/>
-            </a:schemeClr>
-          </a:lnRef>
-          <a:fillRef idx="1">
-            <a:schemeClr val="accent1"/>
-          </a:fillRef>
-          <a:effectRef idx="0">
-            <a:schemeClr val="accent1"/>
-          </a:effectRef>
-          <a:fontRef idx="minor">
-            <a:schemeClr val="lt1"/>
-          </a:fontRef>
-        </p:style>
-        <p:txBody>
-          <a:bodyPr rtlCol="0" anchor="ctr"/>
-          <a:lstStyle/>
-          <a:p>
-            <a:pPr algn="ctr"/>
-            <a:endParaRPr lang="en-US"/>
-          </a:p>
-        </p:txBody>
-      </p:sp>
-      <p:cxnSp>
-        <p:nvCxnSpPr>
-          <p:cNvPr id="16" name="Straight Arrow Connector 15"/>
-          <p:cNvCxnSpPr>
-            <a:endCxn id="15" idx="2"/>
-          </p:cNvCxnSpPr>
-          <p:nvPr/>
-        </p:nvCxnSpPr>
-        <p:spPr>
-          <a:xfrm flipV="1">
-            <a:off x="6172200" y="1789044"/>
-            <a:ext cx="1755912" cy="1182756"/>
-          </a:xfrm>
-          <a:prstGeom prst="straightConnector1">
-            <a:avLst/>
-          </a:prstGeom>
-          <a:ln w="25400">
-            <a:solidFill>
-              <a:schemeClr val="tx1"/>
-            </a:solidFill>
-            <a:tailEnd type="arrow" w="lg" len="lg"/>
-          </a:ln>
-        </p:spPr>
-        <p:style>
-          <a:lnRef idx="1">
-            <a:schemeClr val="accent1"/>
-          </a:lnRef>
-          <a:fillRef idx="0">
-            <a:schemeClr val="accent1"/>
-          </a:fillRef>
-          <a:effectRef idx="0">
-            <a:schemeClr val="accent1"/>
-          </a:effectRef>
-          <a:fontRef idx="minor">
-            <a:schemeClr val="tx1"/>
-          </a:fontRef>
-        </p:style>
-      </p:cxnSp>
-      <p:sp>
-        <p:nvSpPr>
-          <p:cNvPr id="18" name="TextBox 17"/>
-          <p:cNvSpPr txBox="1"/>
-          <p:nvPr/>
-        </p:nvSpPr>
-        <p:spPr>
-          <a:xfrm>
-            <a:off x="6547285" y="3111716"/>
-            <a:ext cx="1370888" cy="400110"/>
-          </a:xfrm>
-          <a:prstGeom prst="rect">
-            <a:avLst/>
-          </a:prstGeom>
-          <a:noFill/>
-        </p:spPr>
-        <p:txBody>
-          <a:bodyPr wrap="none" rtlCol="0">
-            <a:spAutoFit/>
-          </a:bodyPr>
-          <a:lstStyle/>
-          <a:p>
-            <a:r>
-              <a:rPr lang="en-US" sz="2000" dirty="0" smtClean="0"/>
-              <a:t>Snap</a:t>
-            </a:r>
-            <a:r>
-              <a:rPr lang="ja-JP" altLang="en-US" sz="2000" dirty="0" smtClean="0"/>
-              <a:t>させる</a:t>
-            </a:r>
-            <a:endParaRPr lang="en-US" sz="2000" dirty="0"/>
-          </a:p>
-        </p:txBody>
-      </p:sp>
-      <p:cxnSp>
-        <p:nvCxnSpPr>
-          <p:cNvPr id="19" name="Straight Connector 18"/>
-          <p:cNvCxnSpPr/>
-          <p:nvPr/>
-        </p:nvCxnSpPr>
-        <p:spPr>
-          <a:xfrm>
-            <a:off x="8001000" y="3810000"/>
-            <a:ext cx="0" cy="2590800"/>
-          </a:xfrm>
-          <a:prstGeom prst="line">
-            <a:avLst/>
-          </a:prstGeom>
-          <a:ln w="25400">
-            <a:solidFill>
-              <a:schemeClr val="tx1"/>
-            </a:solidFill>
-          </a:ln>
-        </p:spPr>
-        <p:style>
-          <a:lnRef idx="1">
-            <a:schemeClr val="accent1"/>
-          </a:lnRef>
-          <a:fillRef idx="0">
-            <a:schemeClr val="accent1"/>
-          </a:fillRef>
-          <a:effectRef idx="0">
-            <a:schemeClr val="accent1"/>
-          </a:effectRef>
-          <a:fontRef idx="minor">
-            <a:schemeClr val="tx1"/>
-          </a:fontRef>
-        </p:style>
-      </p:cxnSp>
-      <p:sp>
-        <p:nvSpPr>
-          <p:cNvPr id="20" name="Oval 19"/>
-          <p:cNvSpPr/>
-          <p:nvPr/>
-        </p:nvSpPr>
-        <p:spPr>
-          <a:xfrm>
-            <a:off x="6096000" y="5685184"/>
-            <a:ext cx="152400" cy="152400"/>
-          </a:xfrm>
-          <a:prstGeom prst="ellipse">
-            <a:avLst/>
-          </a:prstGeom>
-          <a:solidFill>
-            <a:schemeClr val="tx1"/>
-          </a:solidFill>
-          <a:ln>
-            <a:solidFill>
-              <a:schemeClr val="tx1"/>
-            </a:solidFill>
-          </a:ln>
-        </p:spPr>
-        <p:style>
-          <a:lnRef idx="2">
-            <a:schemeClr val="accent1">
-              <a:shade val="50000"/>
-            </a:schemeClr>
-          </a:lnRef>
-          <a:fillRef idx="1">
-            <a:schemeClr val="accent1"/>
-          </a:fillRef>
-          <a:effectRef idx="0">
-            <a:schemeClr val="accent1"/>
-          </a:effectRef>
-          <a:fontRef idx="minor">
-            <a:schemeClr val="lt1"/>
-          </a:fontRef>
-        </p:style>
-        <p:txBody>
-          <a:bodyPr rtlCol="0" anchor="ctr"/>
-          <a:lstStyle/>
-          <a:p>
-            <a:pPr algn="ctr"/>
-            <a:endParaRPr lang="en-US"/>
-          </a:p>
-        </p:txBody>
-      </p:sp>
-      <p:cxnSp>
-        <p:nvCxnSpPr>
-          <p:cNvPr id="21" name="Straight Arrow Connector 20"/>
-          <p:cNvCxnSpPr/>
-          <p:nvPr/>
-        </p:nvCxnSpPr>
-        <p:spPr>
-          <a:xfrm flipV="1">
-            <a:off x="6172200" y="4555436"/>
-            <a:ext cx="1447800" cy="1182756"/>
-          </a:xfrm>
-          <a:prstGeom prst="straightConnector1">
-            <a:avLst/>
-          </a:prstGeom>
-          <a:ln w="25400">
-            <a:solidFill>
-              <a:schemeClr val="tx1"/>
-            </a:solidFill>
-            <a:prstDash val="solid"/>
-            <a:tailEnd type="none" w="lg" len="lg"/>
-          </a:ln>
-        </p:spPr>
-        <p:style>
-          <a:lnRef idx="1">
-            <a:schemeClr val="accent1"/>
-          </a:lnRef>
-          <a:fillRef idx="0">
-            <a:schemeClr val="accent1"/>
-          </a:fillRef>
-          <a:effectRef idx="0">
-            <a:schemeClr val="accent1"/>
-          </a:effectRef>
-          <a:fontRef idx="minor">
-            <a:schemeClr val="tx1"/>
-          </a:fontRef>
-        </p:style>
-      </p:cxnSp>
-      <p:sp>
-        <p:nvSpPr>
-          <p:cNvPr id="22" name="Oval 21"/>
-          <p:cNvSpPr/>
-          <p:nvPr/>
-        </p:nvSpPr>
-        <p:spPr>
-          <a:xfrm>
-            <a:off x="7928112" y="4479236"/>
-            <a:ext cx="152400" cy="152400"/>
-          </a:xfrm>
-          <a:prstGeom prst="ellipse">
-            <a:avLst/>
-          </a:prstGeom>
-          <a:solidFill>
-            <a:schemeClr val="tx1"/>
-          </a:solidFill>
-          <a:ln>
-            <a:solidFill>
-              <a:schemeClr val="tx1"/>
-            </a:solidFill>
-          </a:ln>
-        </p:spPr>
-        <p:style>
-          <a:lnRef idx="2">
-            <a:schemeClr val="accent1">
-              <a:shade val="50000"/>
-            </a:schemeClr>
-          </a:lnRef>
-          <a:fillRef idx="1">
-            <a:schemeClr val="accent1"/>
-          </a:fillRef>
-          <a:effectRef idx="0">
-            <a:schemeClr val="accent1"/>
-          </a:effectRef>
-          <a:fontRef idx="minor">
-            <a:schemeClr val="lt1"/>
-          </a:fontRef>
-        </p:style>
-        <p:txBody>
-          <a:bodyPr rtlCol="0" anchor="ctr"/>
-          <a:lstStyle/>
-          <a:p>
-            <a:pPr algn="ctr"/>
-            <a:endParaRPr lang="en-US"/>
-          </a:p>
-        </p:txBody>
-      </p:sp>
-      <p:sp>
-        <p:nvSpPr>
-          <p:cNvPr id="24" name="TextBox 23"/>
-          <p:cNvSpPr txBox="1"/>
-          <p:nvPr/>
-        </p:nvSpPr>
-        <p:spPr>
-          <a:xfrm>
-            <a:off x="6400800" y="5878108"/>
-            <a:ext cx="1723549" cy="400110"/>
-          </a:xfrm>
-          <a:prstGeom prst="rect">
-            <a:avLst/>
-          </a:prstGeom>
-          <a:noFill/>
-        </p:spPr>
-        <p:txBody>
-          <a:bodyPr wrap="none" rtlCol="0">
-            <a:spAutoFit/>
-          </a:bodyPr>
-          <a:lstStyle/>
-          <a:p>
-            <a:r>
-              <a:rPr lang="en-US" altLang="ja-JP" sz="2000" dirty="0" smtClean="0"/>
-              <a:t>Connect</a:t>
-            </a:r>
-            <a:r>
-              <a:rPr lang="ja-JP" altLang="en-US" sz="2000" dirty="0" smtClean="0"/>
-              <a:t>させる</a:t>
-            </a:r>
-            <a:endParaRPr lang="en-US" sz="2000" dirty="0"/>
-          </a:p>
-        </p:txBody>
-      </p:sp>
-      <p:cxnSp>
-        <p:nvCxnSpPr>
-          <p:cNvPr id="25" name="Straight Arrow Connector 24"/>
-          <p:cNvCxnSpPr>
-            <a:endCxn id="22" idx="2"/>
-          </p:cNvCxnSpPr>
-          <p:nvPr/>
-        </p:nvCxnSpPr>
-        <p:spPr>
-          <a:xfrm>
-            <a:off x="7620000" y="4555436"/>
-            <a:ext cx="308112" cy="0"/>
-          </a:xfrm>
-          <a:prstGeom prst="straightConnector1">
-            <a:avLst/>
-          </a:prstGeom>
-          <a:ln w="25400">
-            <a:solidFill>
-              <a:schemeClr val="tx1"/>
-            </a:solidFill>
-            <a:prstDash val="solid"/>
-            <a:tailEnd type="arrow" w="lg" len="lg"/>
-          </a:ln>
-        </p:spPr>
-        <p:style>
-          <a:lnRef idx="1">
-            <a:schemeClr val="accent1"/>
-          </a:lnRef>
-          <a:fillRef idx="0">
-            <a:schemeClr val="accent1"/>
-          </a:fillRef>
-          <a:effectRef idx="0">
-            <a:schemeClr val="accent1"/>
-          </a:effectRef>
-          <a:fontRef idx="minor">
-            <a:schemeClr val="tx1"/>
-          </a:fontRef>
-        </p:style>
-      </p:cxnSp>
-      <p:sp>
-        <p:nvSpPr>
-          <p:cNvPr id="31" name="TextBox 30"/>
-          <p:cNvSpPr txBox="1"/>
-          <p:nvPr/>
-        </p:nvSpPr>
-        <p:spPr>
-          <a:xfrm>
-            <a:off x="5525212" y="3790890"/>
-            <a:ext cx="1095172" cy="400110"/>
-          </a:xfrm>
-          <a:prstGeom prst="rect">
-            <a:avLst/>
-          </a:prstGeom>
-          <a:noFill/>
-        </p:spPr>
-        <p:txBody>
-          <a:bodyPr wrap="none" rtlCol="0">
-            <a:spAutoFit/>
-          </a:bodyPr>
-          <a:lstStyle/>
-          <a:p>
-            <a:r>
-              <a:rPr lang="ja-JP" altLang="en-US" sz="2000" dirty="0"/>
-              <a:t>どっち？</a:t>
-            </a:r>
-            <a:endParaRPr lang="en-US" sz="2000" dirty="0"/>
-          </a:p>
-        </p:txBody>
-      </p:sp>
-    </p:spTree>
-    <p:extLst>
-      <p:ext uri="{BB962C8B-B14F-4D97-AF65-F5344CB8AC3E}">
-        <p14:creationId xmlns:p14="http://schemas.microsoft.com/office/powerpoint/2010/main" val="106156660"/>
       </p:ext>
     </p:extLst>
   </p:cSld>
@@ -17771,6 +17895,753 @@
     <p:extLst>
       <p:ext uri="{BB962C8B-B14F-4D97-AF65-F5344CB8AC3E}">
         <p14:creationId xmlns:p14="http://schemas.microsoft.com/office/powerpoint/2010/main" val="2783273200"/>
+      </p:ext>
+    </p:extLst>
+  </p:cSld>
+  <p:clrMapOvr>
+    <a:masterClrMapping/>
+  </p:clrMapOvr>
+</p:sld>
+</file>
+
+<file path=ppt/slides/slide50.xml><?xml version="1.0" encoding="utf-8"?>
+<p:sld xmlns:a="http://schemas.openxmlformats.org/drawingml/2006/main" xmlns:r="http://schemas.openxmlformats.org/officeDocument/2006/relationships" xmlns:p="http://schemas.openxmlformats.org/presentationml/2006/main">
+  <p:cSld>
+    <p:spTree>
+      <p:nvGrpSpPr>
+        <p:cNvPr id="1" name=""/>
+        <p:cNvGrpSpPr/>
+        <p:nvPr/>
+      </p:nvGrpSpPr>
+      <p:grpSpPr>
+        <a:xfrm>
+          <a:off x="0" y="0"/>
+          <a:ext cx="0" cy="0"/>
+          <a:chOff x="0" y="0"/>
+          <a:chExt cx="0" cy="0"/>
+        </a:xfrm>
+      </p:grpSpPr>
+      <p:sp>
+        <p:nvSpPr>
+          <p:cNvPr id="2" name="TextBox 1"/>
+          <p:cNvSpPr txBox="1"/>
+          <p:nvPr/>
+        </p:nvSpPr>
+        <p:spPr>
+          <a:xfrm>
+            <a:off x="394251" y="838200"/>
+            <a:ext cx="3985386" cy="584775"/>
+          </a:xfrm>
+          <a:prstGeom prst="rect">
+            <a:avLst/>
+          </a:prstGeom>
+          <a:noFill/>
+        </p:spPr>
+        <p:txBody>
+          <a:bodyPr wrap="none" rtlCol="0">
+            <a:spAutoFit/>
+          </a:bodyPr>
+          <a:lstStyle/>
+          <a:p>
+            <a:r>
+              <a:rPr lang="ja-JP" altLang="en-US" sz="3200" dirty="0"/>
+              <a:t>４</a:t>
+            </a:r>
+            <a:r>
+              <a:rPr lang="ja-JP" altLang="en-US" sz="3200" dirty="0" smtClean="0"/>
+              <a:t>）　他のエッジに近い</a:t>
+            </a:r>
+            <a:endParaRPr lang="en-US" altLang="ja-JP" sz="3200" dirty="0" smtClean="0"/>
+          </a:p>
+        </p:txBody>
+      </p:sp>
+      <p:sp>
+        <p:nvSpPr>
+          <p:cNvPr id="3" name="Right Arrow 2"/>
+          <p:cNvSpPr/>
+          <p:nvPr/>
+        </p:nvSpPr>
+        <p:spPr>
+          <a:xfrm>
+            <a:off x="4379637" y="3200400"/>
+            <a:ext cx="304800" cy="1219200"/>
+          </a:xfrm>
+          <a:prstGeom prst="rightArrow">
+            <a:avLst/>
+          </a:prstGeom>
+          <a:solidFill>
+            <a:schemeClr val="accent6">
+              <a:lumMod val="20000"/>
+              <a:lumOff val="80000"/>
+            </a:schemeClr>
+          </a:solidFill>
+          <a:ln>
+            <a:solidFill>
+              <a:schemeClr val="accent6">
+                <a:lumMod val="50000"/>
+              </a:schemeClr>
+            </a:solidFill>
+          </a:ln>
+        </p:spPr>
+        <p:style>
+          <a:lnRef idx="2">
+            <a:schemeClr val="accent1">
+              <a:shade val="50000"/>
+            </a:schemeClr>
+          </a:lnRef>
+          <a:fillRef idx="1">
+            <a:schemeClr val="accent1"/>
+          </a:fillRef>
+          <a:effectRef idx="0">
+            <a:schemeClr val="accent1"/>
+          </a:effectRef>
+          <a:fontRef idx="minor">
+            <a:schemeClr val="lt1"/>
+          </a:fontRef>
+        </p:style>
+        <p:txBody>
+          <a:bodyPr rtlCol="0" anchor="ctr"/>
+          <a:lstStyle/>
+          <a:p>
+            <a:pPr algn="ctr"/>
+            <a:endParaRPr lang="en-US"/>
+          </a:p>
+        </p:txBody>
+      </p:sp>
+      <p:sp>
+        <p:nvSpPr>
+          <p:cNvPr id="4" name="Oval 3"/>
+          <p:cNvSpPr/>
+          <p:nvPr/>
+        </p:nvSpPr>
+        <p:spPr>
+          <a:xfrm>
+            <a:off x="1219200" y="4191000"/>
+            <a:ext cx="152400" cy="152400"/>
+          </a:xfrm>
+          <a:prstGeom prst="ellipse">
+            <a:avLst/>
+          </a:prstGeom>
+          <a:solidFill>
+            <a:schemeClr val="tx1"/>
+          </a:solidFill>
+          <a:ln>
+            <a:solidFill>
+              <a:schemeClr val="tx1"/>
+            </a:solidFill>
+          </a:ln>
+        </p:spPr>
+        <p:style>
+          <a:lnRef idx="2">
+            <a:schemeClr val="accent1">
+              <a:shade val="50000"/>
+            </a:schemeClr>
+          </a:lnRef>
+          <a:fillRef idx="1">
+            <a:schemeClr val="accent1"/>
+          </a:fillRef>
+          <a:effectRef idx="0">
+            <a:schemeClr val="accent1"/>
+          </a:effectRef>
+          <a:fontRef idx="minor">
+            <a:schemeClr val="lt1"/>
+          </a:fontRef>
+        </p:style>
+        <p:txBody>
+          <a:bodyPr rtlCol="0" anchor="ctr"/>
+          <a:lstStyle/>
+          <a:p>
+            <a:pPr algn="ctr"/>
+            <a:endParaRPr lang="en-US"/>
+          </a:p>
+        </p:txBody>
+      </p:sp>
+      <p:cxnSp>
+        <p:nvCxnSpPr>
+          <p:cNvPr id="6" name="Straight Arrow Connector 5"/>
+          <p:cNvCxnSpPr/>
+          <p:nvPr/>
+        </p:nvCxnSpPr>
+        <p:spPr>
+          <a:xfrm flipV="1">
+            <a:off x="1295400" y="3024808"/>
+            <a:ext cx="1524000" cy="1219200"/>
+          </a:xfrm>
+          <a:prstGeom prst="straightConnector1">
+            <a:avLst/>
+          </a:prstGeom>
+          <a:ln w="25400">
+            <a:solidFill>
+              <a:schemeClr val="tx1"/>
+            </a:solidFill>
+            <a:tailEnd type="arrow" w="lg" len="lg"/>
+          </a:ln>
+        </p:spPr>
+        <p:style>
+          <a:lnRef idx="1">
+            <a:schemeClr val="accent1"/>
+          </a:lnRef>
+          <a:fillRef idx="0">
+            <a:schemeClr val="accent1"/>
+          </a:fillRef>
+          <a:effectRef idx="0">
+            <a:schemeClr val="accent1"/>
+          </a:effectRef>
+          <a:fontRef idx="minor">
+            <a:schemeClr val="tx1"/>
+          </a:fontRef>
+        </p:style>
+      </p:cxnSp>
+      <p:cxnSp>
+        <p:nvCxnSpPr>
+          <p:cNvPr id="7" name="Straight Connector 6"/>
+          <p:cNvCxnSpPr/>
+          <p:nvPr/>
+        </p:nvCxnSpPr>
+        <p:spPr>
+          <a:xfrm>
+            <a:off x="3124200" y="2362200"/>
+            <a:ext cx="0" cy="2590800"/>
+          </a:xfrm>
+          <a:prstGeom prst="line">
+            <a:avLst/>
+          </a:prstGeom>
+          <a:ln w="25400">
+            <a:solidFill>
+              <a:schemeClr val="tx1"/>
+            </a:solidFill>
+          </a:ln>
+        </p:spPr>
+        <p:style>
+          <a:lnRef idx="1">
+            <a:schemeClr val="accent1"/>
+          </a:lnRef>
+          <a:fillRef idx="0">
+            <a:schemeClr val="accent1"/>
+          </a:fillRef>
+          <a:effectRef idx="0">
+            <a:schemeClr val="accent1"/>
+          </a:effectRef>
+          <a:fontRef idx="minor">
+            <a:schemeClr val="tx1"/>
+          </a:fontRef>
+        </p:style>
+      </p:cxnSp>
+      <p:cxnSp>
+        <p:nvCxnSpPr>
+          <p:cNvPr id="12" name="Straight Connector 11"/>
+          <p:cNvCxnSpPr/>
+          <p:nvPr/>
+        </p:nvCxnSpPr>
+        <p:spPr>
+          <a:xfrm>
+            <a:off x="8001000" y="1043608"/>
+            <a:ext cx="0" cy="2590800"/>
+          </a:xfrm>
+          <a:prstGeom prst="line">
+            <a:avLst/>
+          </a:prstGeom>
+          <a:ln w="25400">
+            <a:solidFill>
+              <a:schemeClr val="tx1"/>
+            </a:solidFill>
+          </a:ln>
+        </p:spPr>
+        <p:style>
+          <a:lnRef idx="1">
+            <a:schemeClr val="accent1"/>
+          </a:lnRef>
+          <a:fillRef idx="0">
+            <a:schemeClr val="accent1"/>
+          </a:fillRef>
+          <a:effectRef idx="0">
+            <a:schemeClr val="accent1"/>
+          </a:effectRef>
+          <a:fontRef idx="minor">
+            <a:schemeClr val="tx1"/>
+          </a:fontRef>
+        </p:style>
+      </p:cxnSp>
+      <p:sp>
+        <p:nvSpPr>
+          <p:cNvPr id="13" name="Oval 12"/>
+          <p:cNvSpPr/>
+          <p:nvPr/>
+        </p:nvSpPr>
+        <p:spPr>
+          <a:xfrm>
+            <a:off x="6096000" y="2918792"/>
+            <a:ext cx="152400" cy="152400"/>
+          </a:xfrm>
+          <a:prstGeom prst="ellipse">
+            <a:avLst/>
+          </a:prstGeom>
+          <a:solidFill>
+            <a:schemeClr val="tx1"/>
+          </a:solidFill>
+          <a:ln>
+            <a:solidFill>
+              <a:schemeClr val="tx1"/>
+            </a:solidFill>
+          </a:ln>
+        </p:spPr>
+        <p:style>
+          <a:lnRef idx="2">
+            <a:schemeClr val="accent1">
+              <a:shade val="50000"/>
+            </a:schemeClr>
+          </a:lnRef>
+          <a:fillRef idx="1">
+            <a:schemeClr val="accent1"/>
+          </a:fillRef>
+          <a:effectRef idx="0">
+            <a:schemeClr val="accent1"/>
+          </a:effectRef>
+          <a:fontRef idx="minor">
+            <a:schemeClr val="lt1"/>
+          </a:fontRef>
+        </p:style>
+        <p:txBody>
+          <a:bodyPr rtlCol="0" anchor="ctr"/>
+          <a:lstStyle/>
+          <a:p>
+            <a:pPr algn="ctr"/>
+            <a:endParaRPr lang="en-US"/>
+          </a:p>
+        </p:txBody>
+      </p:sp>
+      <p:cxnSp>
+        <p:nvCxnSpPr>
+          <p:cNvPr id="14" name="Straight Arrow Connector 13"/>
+          <p:cNvCxnSpPr/>
+          <p:nvPr/>
+        </p:nvCxnSpPr>
+        <p:spPr>
+          <a:xfrm flipV="1">
+            <a:off x="6172200" y="1752600"/>
+            <a:ext cx="1524000" cy="1219200"/>
+          </a:xfrm>
+          <a:prstGeom prst="straightConnector1">
+            <a:avLst/>
+          </a:prstGeom>
+          <a:ln w="25400">
+            <a:solidFill>
+              <a:schemeClr val="tx1"/>
+            </a:solidFill>
+            <a:prstDash val="dash"/>
+            <a:tailEnd type="arrow" w="lg" len="lg"/>
+          </a:ln>
+        </p:spPr>
+        <p:style>
+          <a:lnRef idx="1">
+            <a:schemeClr val="accent1"/>
+          </a:lnRef>
+          <a:fillRef idx="0">
+            <a:schemeClr val="accent1"/>
+          </a:fillRef>
+          <a:effectRef idx="0">
+            <a:schemeClr val="accent1"/>
+          </a:effectRef>
+          <a:fontRef idx="minor">
+            <a:schemeClr val="tx1"/>
+          </a:fontRef>
+        </p:style>
+      </p:cxnSp>
+      <p:sp>
+        <p:nvSpPr>
+          <p:cNvPr id="15" name="Oval 14"/>
+          <p:cNvSpPr/>
+          <p:nvPr/>
+        </p:nvSpPr>
+        <p:spPr>
+          <a:xfrm>
+            <a:off x="7928112" y="1712844"/>
+            <a:ext cx="152400" cy="152400"/>
+          </a:xfrm>
+          <a:prstGeom prst="ellipse">
+            <a:avLst/>
+          </a:prstGeom>
+          <a:solidFill>
+            <a:schemeClr val="tx1"/>
+          </a:solidFill>
+          <a:ln>
+            <a:solidFill>
+              <a:schemeClr val="tx1"/>
+            </a:solidFill>
+          </a:ln>
+        </p:spPr>
+        <p:style>
+          <a:lnRef idx="2">
+            <a:schemeClr val="accent1">
+              <a:shade val="50000"/>
+            </a:schemeClr>
+          </a:lnRef>
+          <a:fillRef idx="1">
+            <a:schemeClr val="accent1"/>
+          </a:fillRef>
+          <a:effectRef idx="0">
+            <a:schemeClr val="accent1"/>
+          </a:effectRef>
+          <a:fontRef idx="minor">
+            <a:schemeClr val="lt1"/>
+          </a:fontRef>
+        </p:style>
+        <p:txBody>
+          <a:bodyPr rtlCol="0" anchor="ctr"/>
+          <a:lstStyle/>
+          <a:p>
+            <a:pPr algn="ctr"/>
+            <a:endParaRPr lang="en-US"/>
+          </a:p>
+        </p:txBody>
+      </p:sp>
+      <p:cxnSp>
+        <p:nvCxnSpPr>
+          <p:cNvPr id="16" name="Straight Arrow Connector 15"/>
+          <p:cNvCxnSpPr>
+            <a:endCxn id="15" idx="2"/>
+          </p:cNvCxnSpPr>
+          <p:nvPr/>
+        </p:nvCxnSpPr>
+        <p:spPr>
+          <a:xfrm flipV="1">
+            <a:off x="6172200" y="1789044"/>
+            <a:ext cx="1755912" cy="1182756"/>
+          </a:xfrm>
+          <a:prstGeom prst="straightConnector1">
+            <a:avLst/>
+          </a:prstGeom>
+          <a:ln w="25400">
+            <a:solidFill>
+              <a:schemeClr val="tx1"/>
+            </a:solidFill>
+            <a:tailEnd type="arrow" w="lg" len="lg"/>
+          </a:ln>
+        </p:spPr>
+        <p:style>
+          <a:lnRef idx="1">
+            <a:schemeClr val="accent1"/>
+          </a:lnRef>
+          <a:fillRef idx="0">
+            <a:schemeClr val="accent1"/>
+          </a:fillRef>
+          <a:effectRef idx="0">
+            <a:schemeClr val="accent1"/>
+          </a:effectRef>
+          <a:fontRef idx="minor">
+            <a:schemeClr val="tx1"/>
+          </a:fontRef>
+        </p:style>
+      </p:cxnSp>
+      <p:sp>
+        <p:nvSpPr>
+          <p:cNvPr id="18" name="TextBox 17"/>
+          <p:cNvSpPr txBox="1"/>
+          <p:nvPr/>
+        </p:nvSpPr>
+        <p:spPr>
+          <a:xfrm>
+            <a:off x="6547285" y="3111716"/>
+            <a:ext cx="1370888" cy="400110"/>
+          </a:xfrm>
+          <a:prstGeom prst="rect">
+            <a:avLst/>
+          </a:prstGeom>
+          <a:noFill/>
+        </p:spPr>
+        <p:txBody>
+          <a:bodyPr wrap="none" rtlCol="0">
+            <a:spAutoFit/>
+          </a:bodyPr>
+          <a:lstStyle/>
+          <a:p>
+            <a:r>
+              <a:rPr lang="en-US" sz="2000" dirty="0" smtClean="0"/>
+              <a:t>Snap</a:t>
+            </a:r>
+            <a:r>
+              <a:rPr lang="ja-JP" altLang="en-US" sz="2000" dirty="0" smtClean="0"/>
+              <a:t>させる</a:t>
+            </a:r>
+            <a:endParaRPr lang="en-US" sz="2000" dirty="0"/>
+          </a:p>
+        </p:txBody>
+      </p:sp>
+      <p:cxnSp>
+        <p:nvCxnSpPr>
+          <p:cNvPr id="19" name="Straight Connector 18"/>
+          <p:cNvCxnSpPr/>
+          <p:nvPr/>
+        </p:nvCxnSpPr>
+        <p:spPr>
+          <a:xfrm>
+            <a:off x="8001000" y="3810000"/>
+            <a:ext cx="0" cy="2590800"/>
+          </a:xfrm>
+          <a:prstGeom prst="line">
+            <a:avLst/>
+          </a:prstGeom>
+          <a:ln w="25400">
+            <a:solidFill>
+              <a:schemeClr val="tx1"/>
+            </a:solidFill>
+          </a:ln>
+        </p:spPr>
+        <p:style>
+          <a:lnRef idx="1">
+            <a:schemeClr val="accent1"/>
+          </a:lnRef>
+          <a:fillRef idx="0">
+            <a:schemeClr val="accent1"/>
+          </a:fillRef>
+          <a:effectRef idx="0">
+            <a:schemeClr val="accent1"/>
+          </a:effectRef>
+          <a:fontRef idx="minor">
+            <a:schemeClr val="tx1"/>
+          </a:fontRef>
+        </p:style>
+      </p:cxnSp>
+      <p:sp>
+        <p:nvSpPr>
+          <p:cNvPr id="20" name="Oval 19"/>
+          <p:cNvSpPr/>
+          <p:nvPr/>
+        </p:nvSpPr>
+        <p:spPr>
+          <a:xfrm>
+            <a:off x="6096000" y="5685184"/>
+            <a:ext cx="152400" cy="152400"/>
+          </a:xfrm>
+          <a:prstGeom prst="ellipse">
+            <a:avLst/>
+          </a:prstGeom>
+          <a:solidFill>
+            <a:schemeClr val="tx1"/>
+          </a:solidFill>
+          <a:ln>
+            <a:solidFill>
+              <a:schemeClr val="tx1"/>
+            </a:solidFill>
+          </a:ln>
+        </p:spPr>
+        <p:style>
+          <a:lnRef idx="2">
+            <a:schemeClr val="accent1">
+              <a:shade val="50000"/>
+            </a:schemeClr>
+          </a:lnRef>
+          <a:fillRef idx="1">
+            <a:schemeClr val="accent1"/>
+          </a:fillRef>
+          <a:effectRef idx="0">
+            <a:schemeClr val="accent1"/>
+          </a:effectRef>
+          <a:fontRef idx="minor">
+            <a:schemeClr val="lt1"/>
+          </a:fontRef>
+        </p:style>
+        <p:txBody>
+          <a:bodyPr rtlCol="0" anchor="ctr"/>
+          <a:lstStyle/>
+          <a:p>
+            <a:pPr algn="ctr"/>
+            <a:endParaRPr lang="en-US"/>
+          </a:p>
+        </p:txBody>
+      </p:sp>
+      <p:cxnSp>
+        <p:nvCxnSpPr>
+          <p:cNvPr id="21" name="Straight Arrow Connector 20"/>
+          <p:cNvCxnSpPr/>
+          <p:nvPr/>
+        </p:nvCxnSpPr>
+        <p:spPr>
+          <a:xfrm flipV="1">
+            <a:off x="6172200" y="4555436"/>
+            <a:ext cx="1447800" cy="1182756"/>
+          </a:xfrm>
+          <a:prstGeom prst="straightConnector1">
+            <a:avLst/>
+          </a:prstGeom>
+          <a:ln w="25400">
+            <a:solidFill>
+              <a:schemeClr val="tx1"/>
+            </a:solidFill>
+            <a:prstDash val="solid"/>
+            <a:tailEnd type="none" w="lg" len="lg"/>
+          </a:ln>
+        </p:spPr>
+        <p:style>
+          <a:lnRef idx="1">
+            <a:schemeClr val="accent1"/>
+          </a:lnRef>
+          <a:fillRef idx="0">
+            <a:schemeClr val="accent1"/>
+          </a:fillRef>
+          <a:effectRef idx="0">
+            <a:schemeClr val="accent1"/>
+          </a:effectRef>
+          <a:fontRef idx="minor">
+            <a:schemeClr val="tx1"/>
+          </a:fontRef>
+        </p:style>
+      </p:cxnSp>
+      <p:sp>
+        <p:nvSpPr>
+          <p:cNvPr id="22" name="Oval 21"/>
+          <p:cNvSpPr/>
+          <p:nvPr/>
+        </p:nvSpPr>
+        <p:spPr>
+          <a:xfrm>
+            <a:off x="7928112" y="4479236"/>
+            <a:ext cx="152400" cy="152400"/>
+          </a:xfrm>
+          <a:prstGeom prst="ellipse">
+            <a:avLst/>
+          </a:prstGeom>
+          <a:solidFill>
+            <a:schemeClr val="tx1"/>
+          </a:solidFill>
+          <a:ln>
+            <a:solidFill>
+              <a:schemeClr val="tx1"/>
+            </a:solidFill>
+          </a:ln>
+        </p:spPr>
+        <p:style>
+          <a:lnRef idx="2">
+            <a:schemeClr val="accent1">
+              <a:shade val="50000"/>
+            </a:schemeClr>
+          </a:lnRef>
+          <a:fillRef idx="1">
+            <a:schemeClr val="accent1"/>
+          </a:fillRef>
+          <a:effectRef idx="0">
+            <a:schemeClr val="accent1"/>
+          </a:effectRef>
+          <a:fontRef idx="minor">
+            <a:schemeClr val="lt1"/>
+          </a:fontRef>
+        </p:style>
+        <p:txBody>
+          <a:bodyPr rtlCol="0" anchor="ctr"/>
+          <a:lstStyle/>
+          <a:p>
+            <a:pPr algn="ctr"/>
+            <a:endParaRPr lang="en-US"/>
+          </a:p>
+        </p:txBody>
+      </p:sp>
+      <p:sp>
+        <p:nvSpPr>
+          <p:cNvPr id="24" name="TextBox 23"/>
+          <p:cNvSpPr txBox="1"/>
+          <p:nvPr/>
+        </p:nvSpPr>
+        <p:spPr>
+          <a:xfrm>
+            <a:off x="6400800" y="5878108"/>
+            <a:ext cx="1723549" cy="400110"/>
+          </a:xfrm>
+          <a:prstGeom prst="rect">
+            <a:avLst/>
+          </a:prstGeom>
+          <a:noFill/>
+        </p:spPr>
+        <p:txBody>
+          <a:bodyPr wrap="none" rtlCol="0">
+            <a:spAutoFit/>
+          </a:bodyPr>
+          <a:lstStyle/>
+          <a:p>
+            <a:r>
+              <a:rPr lang="en-US" altLang="ja-JP" sz="2000" dirty="0" smtClean="0"/>
+              <a:t>Connect</a:t>
+            </a:r>
+            <a:r>
+              <a:rPr lang="ja-JP" altLang="en-US" sz="2000" dirty="0" smtClean="0"/>
+              <a:t>させる</a:t>
+            </a:r>
+            <a:endParaRPr lang="en-US" sz="2000" dirty="0"/>
+          </a:p>
+        </p:txBody>
+      </p:sp>
+      <p:cxnSp>
+        <p:nvCxnSpPr>
+          <p:cNvPr id="25" name="Straight Arrow Connector 24"/>
+          <p:cNvCxnSpPr>
+            <a:endCxn id="22" idx="2"/>
+          </p:cNvCxnSpPr>
+          <p:nvPr/>
+        </p:nvCxnSpPr>
+        <p:spPr>
+          <a:xfrm>
+            <a:off x="7620000" y="4555436"/>
+            <a:ext cx="308112" cy="0"/>
+          </a:xfrm>
+          <a:prstGeom prst="straightConnector1">
+            <a:avLst/>
+          </a:prstGeom>
+          <a:ln w="25400">
+            <a:solidFill>
+              <a:schemeClr val="tx1"/>
+            </a:solidFill>
+            <a:prstDash val="solid"/>
+            <a:tailEnd type="arrow" w="lg" len="lg"/>
+          </a:ln>
+        </p:spPr>
+        <p:style>
+          <a:lnRef idx="1">
+            <a:schemeClr val="accent1"/>
+          </a:lnRef>
+          <a:fillRef idx="0">
+            <a:schemeClr val="accent1"/>
+          </a:fillRef>
+          <a:effectRef idx="0">
+            <a:schemeClr val="accent1"/>
+          </a:effectRef>
+          <a:fontRef idx="minor">
+            <a:schemeClr val="tx1"/>
+          </a:fontRef>
+        </p:style>
+      </p:cxnSp>
+      <p:sp>
+        <p:nvSpPr>
+          <p:cNvPr id="31" name="TextBox 30"/>
+          <p:cNvSpPr txBox="1"/>
+          <p:nvPr/>
+        </p:nvSpPr>
+        <p:spPr>
+          <a:xfrm>
+            <a:off x="5525212" y="3790890"/>
+            <a:ext cx="1095172" cy="400110"/>
+          </a:xfrm>
+          <a:prstGeom prst="rect">
+            <a:avLst/>
+          </a:prstGeom>
+          <a:noFill/>
+        </p:spPr>
+        <p:txBody>
+          <a:bodyPr wrap="none" rtlCol="0">
+            <a:spAutoFit/>
+          </a:bodyPr>
+          <a:lstStyle/>
+          <a:p>
+            <a:r>
+              <a:rPr lang="ja-JP" altLang="en-US" sz="2000" dirty="0"/>
+              <a:t>どっち？</a:t>
+            </a:r>
+            <a:endParaRPr lang="en-US" sz="2000" dirty="0"/>
+          </a:p>
+        </p:txBody>
+      </p:sp>
+    </p:spTree>
+    <p:extLst>
+      <p:ext uri="{BB962C8B-B14F-4D97-AF65-F5344CB8AC3E}">
+        <p14:creationId xmlns:p14="http://schemas.microsoft.com/office/powerpoint/2010/main" val="106156660"/>
       </p:ext>
     </p:extLst>
   </p:cSld>

--- a/RoadDesigner.pptx
+++ b/RoadDesigner.pptx
@@ -49,12 +49,17 @@
     <p:sldId id="307" r:id="rId43"/>
     <p:sldId id="308" r:id="rId44"/>
     <p:sldId id="309" r:id="rId45"/>
-    <p:sldId id="301" r:id="rId46"/>
-    <p:sldId id="302" r:id="rId47"/>
-    <p:sldId id="268" r:id="rId48"/>
-    <p:sldId id="269" r:id="rId49"/>
-    <p:sldId id="275" r:id="rId50"/>
-    <p:sldId id="270" r:id="rId51"/>
+    <p:sldId id="310" r:id="rId46"/>
+    <p:sldId id="311" r:id="rId47"/>
+    <p:sldId id="312" r:id="rId48"/>
+    <p:sldId id="313" r:id="rId49"/>
+    <p:sldId id="314" r:id="rId50"/>
+    <p:sldId id="301" r:id="rId51"/>
+    <p:sldId id="302" r:id="rId52"/>
+    <p:sldId id="268" r:id="rId53"/>
+    <p:sldId id="269" r:id="rId54"/>
+    <p:sldId id="275" r:id="rId55"/>
+    <p:sldId id="270" r:id="rId56"/>
   </p:sldIdLst>
   <p:sldSz cx="9144000" cy="6858000" type="screen4x3"/>
   <p:notesSz cx="6997700" cy="9283700"/>
@@ -337,7 +342,7 @@
           <a:p>
             <a:fld id="{2F0C258B-7F9F-4882-BAC1-54AC507C7770}" type="datetimeFigureOut">
               <a:rPr lang="en-US" smtClean="0"/>
-              <a:t>2/19/2014</a:t>
+              <a:t>2/20/2014</a:t>
             </a:fld>
             <a:endParaRPr lang="en-US"/>
           </a:p>
@@ -507,7 +512,7 @@
           <a:p>
             <a:fld id="{2F0C258B-7F9F-4882-BAC1-54AC507C7770}" type="datetimeFigureOut">
               <a:rPr lang="en-US" smtClean="0"/>
-              <a:t>2/19/2014</a:t>
+              <a:t>2/20/2014</a:t>
             </a:fld>
             <a:endParaRPr lang="en-US"/>
           </a:p>
@@ -687,7 +692,7 @@
           <a:p>
             <a:fld id="{2F0C258B-7F9F-4882-BAC1-54AC507C7770}" type="datetimeFigureOut">
               <a:rPr lang="en-US" smtClean="0"/>
-              <a:t>2/19/2014</a:t>
+              <a:t>2/20/2014</a:t>
             </a:fld>
             <a:endParaRPr lang="en-US"/>
           </a:p>
@@ -857,7 +862,7 @@
           <a:p>
             <a:fld id="{2F0C258B-7F9F-4882-BAC1-54AC507C7770}" type="datetimeFigureOut">
               <a:rPr lang="en-US" smtClean="0"/>
-              <a:t>2/19/2014</a:t>
+              <a:t>2/20/2014</a:t>
             </a:fld>
             <a:endParaRPr lang="en-US"/>
           </a:p>
@@ -1103,7 +1108,7 @@
           <a:p>
             <a:fld id="{2F0C258B-7F9F-4882-BAC1-54AC507C7770}" type="datetimeFigureOut">
               <a:rPr lang="en-US" smtClean="0"/>
-              <a:t>2/19/2014</a:t>
+              <a:t>2/20/2014</a:t>
             </a:fld>
             <a:endParaRPr lang="en-US"/>
           </a:p>
@@ -1391,7 +1396,7 @@
           <a:p>
             <a:fld id="{2F0C258B-7F9F-4882-BAC1-54AC507C7770}" type="datetimeFigureOut">
               <a:rPr lang="en-US" smtClean="0"/>
-              <a:t>2/19/2014</a:t>
+              <a:t>2/20/2014</a:t>
             </a:fld>
             <a:endParaRPr lang="en-US"/>
           </a:p>
@@ -1813,7 +1818,7 @@
           <a:p>
             <a:fld id="{2F0C258B-7F9F-4882-BAC1-54AC507C7770}" type="datetimeFigureOut">
               <a:rPr lang="en-US" smtClean="0"/>
-              <a:t>2/19/2014</a:t>
+              <a:t>2/20/2014</a:t>
             </a:fld>
             <a:endParaRPr lang="en-US"/>
           </a:p>
@@ -1931,7 +1936,7 @@
           <a:p>
             <a:fld id="{2F0C258B-7F9F-4882-BAC1-54AC507C7770}" type="datetimeFigureOut">
               <a:rPr lang="en-US" smtClean="0"/>
-              <a:t>2/19/2014</a:t>
+              <a:t>2/20/2014</a:t>
             </a:fld>
             <a:endParaRPr lang="en-US"/>
           </a:p>
@@ -2026,7 +2031,7 @@
           <a:p>
             <a:fld id="{2F0C258B-7F9F-4882-BAC1-54AC507C7770}" type="datetimeFigureOut">
               <a:rPr lang="en-US" smtClean="0"/>
-              <a:t>2/19/2014</a:t>
+              <a:t>2/20/2014</a:t>
             </a:fld>
             <a:endParaRPr lang="en-US"/>
           </a:p>
@@ -2303,7 +2308,7 @@
           <a:p>
             <a:fld id="{2F0C258B-7F9F-4882-BAC1-54AC507C7770}" type="datetimeFigureOut">
               <a:rPr lang="en-US" smtClean="0"/>
-              <a:t>2/19/2014</a:t>
+              <a:t>2/20/2014</a:t>
             </a:fld>
             <a:endParaRPr lang="en-US"/>
           </a:p>
@@ -2556,7 +2561,7 @@
           <a:p>
             <a:fld id="{2F0C258B-7F9F-4882-BAC1-54AC507C7770}" type="datetimeFigureOut">
               <a:rPr lang="en-US" smtClean="0"/>
-              <a:t>2/19/2014</a:t>
+              <a:t>2/20/2014</a:t>
             </a:fld>
             <a:endParaRPr lang="en-US"/>
           </a:p>
@@ -2769,7 +2774,7 @@
           <a:p>
             <a:fld id="{2F0C258B-7F9F-4882-BAC1-54AC507C7770}" type="datetimeFigureOut">
               <a:rPr lang="en-US" smtClean="0"/>
-              <a:t>2/19/2014</a:t>
+              <a:t>2/20/2014</a:t>
             </a:fld>
             <a:endParaRPr lang="en-US"/>
           </a:p>
@@ -12954,7 +12959,6 @@
               <a:rPr lang="en-US" altLang="ja-JP" sz="3200" dirty="0" smtClean="0"/>
               <a:t>kde_feature_g3.xml</a:t>
             </a:r>
-            <a:endParaRPr lang="en-US" altLang="ja-JP" sz="3200" dirty="0" smtClean="0"/>
           </a:p>
         </p:txBody>
       </p:sp>
@@ -13373,11 +13377,7 @@
             </a:r>
             <a:r>
               <a:rPr lang="ja-JP" altLang="en-US" sz="3200" dirty="0" smtClean="0"/>
-              <a:t>　　</a:t>
-            </a:r>
-            <a:r>
-              <a:rPr lang="ja-JP" altLang="en-US" sz="3200" dirty="0" smtClean="0"/>
-              <a:t>選択方式を検討したい。</a:t>
+              <a:t>　　選択方式を検討したい。</a:t>
             </a:r>
             <a:endParaRPr lang="en-US" altLang="ja-JP" sz="3200" dirty="0" smtClean="0"/>
           </a:p>
@@ -13502,7 +13502,7 @@
         </p:nvSpPr>
         <p:spPr>
           <a:xfrm>
-            <a:off x="2105025" y="2047875"/>
+            <a:off x="2057400" y="1524000"/>
             <a:ext cx="5162550" cy="3819525"/>
           </a:xfrm>
           <a:custGeom>
@@ -13607,7 +13607,7 @@
         </p:nvSpPr>
         <p:spPr>
           <a:xfrm>
-            <a:off x="3419475" y="3286125"/>
+            <a:off x="3371850" y="2762250"/>
             <a:ext cx="157163" cy="157163"/>
           </a:xfrm>
           <a:prstGeom prst="ellipse">
@@ -13655,7 +13655,7 @@
         </p:nvSpPr>
         <p:spPr>
           <a:xfrm>
-            <a:off x="3233737" y="4114800"/>
+            <a:off x="3186112" y="3590925"/>
             <a:ext cx="157163" cy="157163"/>
           </a:xfrm>
           <a:prstGeom prst="ellipse">
@@ -13703,7 +13703,7 @@
         </p:nvSpPr>
         <p:spPr>
           <a:xfrm>
-            <a:off x="3810000" y="4876800"/>
+            <a:off x="3762375" y="4352925"/>
             <a:ext cx="157163" cy="157163"/>
           </a:xfrm>
           <a:prstGeom prst="ellipse">
@@ -13751,7 +13751,7 @@
         </p:nvSpPr>
         <p:spPr>
           <a:xfrm>
-            <a:off x="5715000" y="4648200"/>
+            <a:off x="5667375" y="4124325"/>
             <a:ext cx="157163" cy="157163"/>
           </a:xfrm>
           <a:prstGeom prst="ellipse">
@@ -13799,7 +13799,7 @@
         </p:nvSpPr>
         <p:spPr>
           <a:xfrm>
-            <a:off x="4905375" y="2990850"/>
+            <a:off x="4857750" y="2466975"/>
             <a:ext cx="157163" cy="157163"/>
           </a:xfrm>
           <a:prstGeom prst="ellipse">
@@ -13850,7 +13850,7 @@
         </p:nvCxnSpPr>
         <p:spPr>
           <a:xfrm>
-            <a:off x="2524125" y="2676525"/>
+            <a:off x="2476500" y="2152650"/>
             <a:ext cx="1842291" cy="1304128"/>
           </a:xfrm>
           <a:prstGeom prst="line">
@@ -13886,7 +13886,7 @@
         </p:nvSpPr>
         <p:spPr>
           <a:xfrm>
-            <a:off x="4010025" y="4155281"/>
+            <a:off x="3962400" y="3631406"/>
             <a:ext cx="1231427" cy="369332"/>
           </a:xfrm>
           <a:prstGeom prst="rect">
@@ -13918,7 +13918,7 @@
         </p:nvCxnSpPr>
         <p:spPr>
           <a:xfrm flipH="1">
-            <a:off x="4429125" y="2047875"/>
+            <a:off x="4381500" y="1524000"/>
             <a:ext cx="1162050" cy="1981200"/>
           </a:xfrm>
           <a:prstGeom prst="line">
@@ -13956,7 +13956,7 @@
         </p:nvCxnSpPr>
         <p:spPr>
           <a:xfrm flipH="1" flipV="1">
-            <a:off x="4438650" y="4029075"/>
+            <a:off x="4391025" y="3505200"/>
             <a:ext cx="2828925" cy="1409700"/>
           </a:xfrm>
           <a:prstGeom prst="line">
@@ -13992,7 +13992,7 @@
         </p:nvCxnSpPr>
         <p:spPr>
           <a:xfrm flipV="1">
-            <a:off x="3343275" y="4029075"/>
+            <a:off x="3295650" y="3505200"/>
             <a:ext cx="1104900" cy="1838326"/>
           </a:xfrm>
           <a:prstGeom prst="line">
@@ -14030,7 +14030,7 @@
         </p:nvCxnSpPr>
         <p:spPr>
           <a:xfrm flipV="1">
-            <a:off x="2105025" y="4057650"/>
+            <a:off x="2057400" y="3533775"/>
             <a:ext cx="2343150" cy="266700"/>
           </a:xfrm>
           <a:prstGeom prst="line">
@@ -14066,7 +14066,7 @@
         </p:nvSpPr>
         <p:spPr>
           <a:xfrm>
-            <a:off x="4343400" y="3957637"/>
+            <a:off x="4295775" y="3433762"/>
             <a:ext cx="157163" cy="157163"/>
           </a:xfrm>
           <a:prstGeom prst="ellipse">
@@ -14103,6 +14103,62 @@
           <a:p>
             <a:pPr algn="ctr"/>
             <a:endParaRPr lang="en-US"/>
+          </a:p>
+        </p:txBody>
+      </p:sp>
+      <p:sp>
+        <p:nvSpPr>
+          <p:cNvPr id="16" name="TextBox 15"/>
+          <p:cNvSpPr txBox="1"/>
+          <p:nvPr/>
+        </p:nvSpPr>
+        <p:spPr>
+          <a:xfrm>
+            <a:off x="1" y="5288340"/>
+            <a:ext cx="9144000" cy="1569660"/>
+          </a:xfrm>
+          <a:prstGeom prst="rect">
+            <a:avLst/>
+          </a:prstGeom>
+          <a:noFill/>
+        </p:spPr>
+        <p:txBody>
+          <a:bodyPr wrap="square" rtlCol="0">
+            <a:spAutoFit/>
+          </a:bodyPr>
+          <a:lstStyle/>
+          <a:p>
+            <a:r>
+              <a:rPr lang="ja-JP" altLang="en-US" sz="3200" dirty="0" smtClean="0"/>
+              <a:t>⇒よく考えたら、もとの領域内は、ほぼ完璧に再現</a:t>
+            </a:r>
+            <a:endParaRPr lang="en-US" altLang="ja-JP" sz="3200" dirty="0" smtClean="0"/>
+          </a:p>
+          <a:p>
+            <a:r>
+              <a:rPr lang="ja-JP" altLang="en-US" sz="3200" dirty="0"/>
+              <a:t>　</a:t>
+            </a:r>
+            <a:r>
+              <a:rPr lang="ja-JP" altLang="en-US" sz="3200" dirty="0" smtClean="0"/>
+              <a:t>　</a:t>
+            </a:r>
+            <a:r>
+              <a:rPr lang="ja-JP" altLang="en-US" sz="3200" dirty="0" smtClean="0"/>
+              <a:t>できるので、シードは１個で十分だ。</a:t>
+            </a:r>
+            <a:endParaRPr lang="en-US" altLang="ja-JP" sz="3200" dirty="0" smtClean="0"/>
+          </a:p>
+          <a:p>
+            <a:r>
+              <a:rPr lang="ja-JP" altLang="en-US" sz="3200" dirty="0"/>
+              <a:t>　</a:t>
+            </a:r>
+            <a:r>
+              <a:rPr lang="ja-JP" altLang="en-US" sz="3200" dirty="0" smtClean="0"/>
+              <a:t>　問題は、もとの領域の外だ。。。。</a:t>
+            </a:r>
+            <a:endParaRPr lang="en-US" altLang="ja-JP" sz="3200" dirty="0" smtClean="0"/>
           </a:p>
         </p:txBody>
       </p:sp>
@@ -14120,6 +14176,2147 @@
 </file>
 
 <file path=ppt/slides/slide45.xml><?xml version="1.0" encoding="utf-8"?>
+<p:sld xmlns:a="http://schemas.openxmlformats.org/drawingml/2006/main" xmlns:r="http://schemas.openxmlformats.org/officeDocument/2006/relationships" xmlns:p="http://schemas.openxmlformats.org/presentationml/2006/main">
+  <p:cSld>
+    <p:spTree>
+      <p:nvGrpSpPr>
+        <p:cNvPr id="1" name=""/>
+        <p:cNvGrpSpPr/>
+        <p:nvPr/>
+      </p:nvGrpSpPr>
+      <p:grpSpPr>
+        <a:xfrm>
+          <a:off x="0" y="0"/>
+          <a:ext cx="0" cy="0"/>
+          <a:chOff x="0" y="0"/>
+          <a:chExt cx="0" cy="0"/>
+        </a:xfrm>
+      </p:grpSpPr>
+      <p:pic>
+        <p:nvPicPr>
+          <p:cNvPr id="1026" name="Picture 2"/>
+          <p:cNvPicPr>
+            <a:picLocks noChangeAspect="1" noChangeArrowheads="1"/>
+          </p:cNvPicPr>
+          <p:nvPr/>
+        </p:nvPicPr>
+        <p:blipFill>
+          <a:blip r:embed="rId2" cstate="print">
+            <a:extLst>
+              <a:ext uri="{28A0092B-C50C-407E-A947-70E740481C1C}">
+                <a14:useLocalDpi xmlns:a14="http://schemas.microsoft.com/office/drawing/2010/main" val="0"/>
+              </a:ext>
+            </a:extLst>
+          </a:blip>
+          <a:srcRect/>
+          <a:stretch>
+            <a:fillRect/>
+          </a:stretch>
+        </p:blipFill>
+        <p:spPr bwMode="auto">
+          <a:xfrm>
+            <a:off x="381000" y="1340061"/>
+            <a:ext cx="1524000" cy="1531410"/>
+          </a:xfrm>
+          <a:prstGeom prst="rect">
+            <a:avLst/>
+          </a:prstGeom>
+          <a:noFill/>
+          <a:ln>
+            <a:noFill/>
+          </a:ln>
+          <a:extLst>
+            <a:ext uri="{909E8E84-426E-40DD-AFC4-6F175D3DCCD1}">
+              <a14:hiddenFill xmlns:a14="http://schemas.microsoft.com/office/drawing/2010/main">
+                <a:solidFill>
+                  <a:schemeClr val="accent1"/>
+                </a:solidFill>
+              </a14:hiddenFill>
+            </a:ext>
+            <a:ext uri="{91240B29-F687-4F45-9708-019B960494DF}">
+              <a14:hiddenLine xmlns:a14="http://schemas.microsoft.com/office/drawing/2010/main" w="9525">
+                <a:solidFill>
+                  <a:schemeClr val="tx1"/>
+                </a:solidFill>
+                <a:miter lim="800000"/>
+                <a:headEnd/>
+                <a:tailEnd/>
+              </a14:hiddenLine>
+            </a:ext>
+          </a:extLst>
+        </p:spPr>
+      </p:pic>
+      <p:sp>
+        <p:nvSpPr>
+          <p:cNvPr id="3" name="TextBox 2"/>
+          <p:cNvSpPr txBox="1"/>
+          <p:nvPr/>
+        </p:nvSpPr>
+        <p:spPr>
+          <a:xfrm>
+            <a:off x="1" y="-13195"/>
+            <a:ext cx="9144000" cy="1077218"/>
+          </a:xfrm>
+          <a:prstGeom prst="rect">
+            <a:avLst/>
+          </a:prstGeom>
+          <a:noFill/>
+        </p:spPr>
+        <p:txBody>
+          <a:bodyPr wrap="square" rtlCol="0">
+            <a:spAutoFit/>
+          </a:bodyPr>
+          <a:lstStyle/>
+          <a:p>
+            <a:r>
+              <a:rPr lang="ja-JP" altLang="en-US" sz="3200" dirty="0"/>
+              <a:t>そ</a:t>
+            </a:r>
+            <a:r>
+              <a:rPr lang="ja-JP" altLang="en-US" sz="3200" dirty="0" smtClean="0"/>
+              <a:t>の前に、そもそもサンフランシスコをなぜ再現できなかったのか？⇒元の領域内は、再現できてた。</a:t>
+            </a:r>
+            <a:endParaRPr lang="en-US" altLang="ja-JP" sz="3200" dirty="0" smtClean="0"/>
+          </a:p>
+        </p:txBody>
+      </p:sp>
+      <p:pic>
+        <p:nvPicPr>
+          <p:cNvPr id="1027" name="Picture 3"/>
+          <p:cNvPicPr>
+            <a:picLocks noChangeAspect="1" noChangeArrowheads="1"/>
+          </p:cNvPicPr>
+          <p:nvPr/>
+        </p:nvPicPr>
+        <p:blipFill>
+          <a:blip r:embed="rId3" cstate="print">
+            <a:extLst>
+              <a:ext uri="{28A0092B-C50C-407E-A947-70E740481C1C}">
+                <a14:useLocalDpi xmlns:a14="http://schemas.microsoft.com/office/drawing/2010/main" val="0"/>
+              </a:ext>
+            </a:extLst>
+          </a:blip>
+          <a:srcRect/>
+          <a:stretch>
+            <a:fillRect/>
+          </a:stretch>
+        </p:blipFill>
+        <p:spPr bwMode="auto">
+          <a:xfrm>
+            <a:off x="1981200" y="1350559"/>
+            <a:ext cx="1533217" cy="1520912"/>
+          </a:xfrm>
+          <a:prstGeom prst="rect">
+            <a:avLst/>
+          </a:prstGeom>
+          <a:noFill/>
+          <a:ln>
+            <a:noFill/>
+          </a:ln>
+          <a:extLst>
+            <a:ext uri="{909E8E84-426E-40DD-AFC4-6F175D3DCCD1}">
+              <a14:hiddenFill xmlns:a14="http://schemas.microsoft.com/office/drawing/2010/main">
+                <a:solidFill>
+                  <a:schemeClr val="accent1"/>
+                </a:solidFill>
+              </a14:hiddenFill>
+            </a:ext>
+            <a:ext uri="{91240B29-F687-4F45-9708-019B960494DF}">
+              <a14:hiddenLine xmlns:a14="http://schemas.microsoft.com/office/drawing/2010/main" w="9525">
+                <a:solidFill>
+                  <a:schemeClr val="tx1"/>
+                </a:solidFill>
+                <a:miter lim="800000"/>
+                <a:headEnd/>
+                <a:tailEnd/>
+              </a14:hiddenLine>
+            </a:ext>
+          </a:extLst>
+        </p:spPr>
+      </p:pic>
+      <p:pic>
+        <p:nvPicPr>
+          <p:cNvPr id="1028" name="Picture 4"/>
+          <p:cNvPicPr>
+            <a:picLocks noChangeAspect="1" noChangeArrowheads="1"/>
+          </p:cNvPicPr>
+          <p:nvPr/>
+        </p:nvPicPr>
+        <p:blipFill>
+          <a:blip r:embed="rId4" cstate="print">
+            <a:extLst>
+              <a:ext uri="{28A0092B-C50C-407E-A947-70E740481C1C}">
+                <a14:useLocalDpi xmlns:a14="http://schemas.microsoft.com/office/drawing/2010/main" val="0"/>
+              </a:ext>
+            </a:extLst>
+          </a:blip>
+          <a:srcRect/>
+          <a:stretch>
+            <a:fillRect/>
+          </a:stretch>
+        </p:blipFill>
+        <p:spPr bwMode="auto">
+          <a:xfrm>
+            <a:off x="3581400" y="1350559"/>
+            <a:ext cx="1533217" cy="1533217"/>
+          </a:xfrm>
+          <a:prstGeom prst="rect">
+            <a:avLst/>
+          </a:prstGeom>
+          <a:noFill/>
+          <a:ln>
+            <a:noFill/>
+          </a:ln>
+          <a:extLst>
+            <a:ext uri="{909E8E84-426E-40DD-AFC4-6F175D3DCCD1}">
+              <a14:hiddenFill xmlns:a14="http://schemas.microsoft.com/office/drawing/2010/main">
+                <a:solidFill>
+                  <a:schemeClr val="accent1"/>
+                </a:solidFill>
+              </a14:hiddenFill>
+            </a:ext>
+            <a:ext uri="{91240B29-F687-4F45-9708-019B960494DF}">
+              <a14:hiddenLine xmlns:a14="http://schemas.microsoft.com/office/drawing/2010/main" w="9525">
+                <a:solidFill>
+                  <a:schemeClr val="tx1"/>
+                </a:solidFill>
+                <a:miter lim="800000"/>
+                <a:headEnd/>
+                <a:tailEnd/>
+              </a14:hiddenLine>
+            </a:ext>
+          </a:extLst>
+        </p:spPr>
+      </p:pic>
+      <p:pic>
+        <p:nvPicPr>
+          <p:cNvPr id="1029" name="Picture 5"/>
+          <p:cNvPicPr>
+            <a:picLocks noChangeAspect="1" noChangeArrowheads="1"/>
+          </p:cNvPicPr>
+          <p:nvPr/>
+        </p:nvPicPr>
+        <p:blipFill>
+          <a:blip r:embed="rId5" cstate="print">
+            <a:extLst>
+              <a:ext uri="{28A0092B-C50C-407E-A947-70E740481C1C}">
+                <a14:useLocalDpi xmlns:a14="http://schemas.microsoft.com/office/drawing/2010/main" val="0"/>
+              </a:ext>
+            </a:extLst>
+          </a:blip>
+          <a:srcRect/>
+          <a:stretch>
+            <a:fillRect/>
+          </a:stretch>
+        </p:blipFill>
+        <p:spPr bwMode="auto">
+          <a:xfrm>
+            <a:off x="5200650" y="1350559"/>
+            <a:ext cx="1524000" cy="1531339"/>
+          </a:xfrm>
+          <a:prstGeom prst="rect">
+            <a:avLst/>
+          </a:prstGeom>
+          <a:noFill/>
+          <a:ln>
+            <a:noFill/>
+          </a:ln>
+          <a:extLst>
+            <a:ext uri="{909E8E84-426E-40DD-AFC4-6F175D3DCCD1}">
+              <a14:hiddenFill xmlns:a14="http://schemas.microsoft.com/office/drawing/2010/main">
+                <a:solidFill>
+                  <a:schemeClr val="accent1"/>
+                </a:solidFill>
+              </a14:hiddenFill>
+            </a:ext>
+            <a:ext uri="{91240B29-F687-4F45-9708-019B960494DF}">
+              <a14:hiddenLine xmlns:a14="http://schemas.microsoft.com/office/drawing/2010/main" w="9525">
+                <a:solidFill>
+                  <a:schemeClr val="tx1"/>
+                </a:solidFill>
+                <a:miter lim="800000"/>
+                <a:headEnd/>
+                <a:tailEnd/>
+              </a14:hiddenLine>
+            </a:ext>
+          </a:extLst>
+        </p:spPr>
+      </p:pic>
+      <p:pic>
+        <p:nvPicPr>
+          <p:cNvPr id="1030" name="Picture 6"/>
+          <p:cNvPicPr>
+            <a:picLocks noChangeAspect="1" noChangeArrowheads="1"/>
+          </p:cNvPicPr>
+          <p:nvPr/>
+        </p:nvPicPr>
+        <p:blipFill>
+          <a:blip r:embed="rId6" cstate="print">
+            <a:extLst>
+              <a:ext uri="{28A0092B-C50C-407E-A947-70E740481C1C}">
+                <a14:useLocalDpi xmlns:a14="http://schemas.microsoft.com/office/drawing/2010/main" val="0"/>
+              </a:ext>
+            </a:extLst>
+          </a:blip>
+          <a:srcRect/>
+          <a:stretch>
+            <a:fillRect/>
+          </a:stretch>
+        </p:blipFill>
+        <p:spPr bwMode="auto">
+          <a:xfrm>
+            <a:off x="6858000" y="1350560"/>
+            <a:ext cx="1516014" cy="1520912"/>
+          </a:xfrm>
+          <a:prstGeom prst="rect">
+            <a:avLst/>
+          </a:prstGeom>
+          <a:noFill/>
+          <a:ln>
+            <a:noFill/>
+          </a:ln>
+          <a:extLst>
+            <a:ext uri="{909E8E84-426E-40DD-AFC4-6F175D3DCCD1}">
+              <a14:hiddenFill xmlns:a14="http://schemas.microsoft.com/office/drawing/2010/main">
+                <a:solidFill>
+                  <a:schemeClr val="accent1"/>
+                </a:solidFill>
+              </a14:hiddenFill>
+            </a:ext>
+            <a:ext uri="{91240B29-F687-4F45-9708-019B960494DF}">
+              <a14:hiddenLine xmlns:a14="http://schemas.microsoft.com/office/drawing/2010/main" w="9525">
+                <a:solidFill>
+                  <a:schemeClr val="tx1"/>
+                </a:solidFill>
+                <a:miter lim="800000"/>
+                <a:headEnd/>
+                <a:tailEnd/>
+              </a14:hiddenLine>
+            </a:ext>
+          </a:extLst>
+        </p:spPr>
+      </p:pic>
+      <p:pic>
+        <p:nvPicPr>
+          <p:cNvPr id="8" name="Picture 2"/>
+          <p:cNvPicPr>
+            <a:picLocks noChangeAspect="1" noChangeArrowheads="1"/>
+          </p:cNvPicPr>
+          <p:nvPr/>
+        </p:nvPicPr>
+        <p:blipFill>
+          <a:blip r:embed="rId7">
+            <a:extLst>
+              <a:ext uri="{28A0092B-C50C-407E-A947-70E740481C1C}">
+                <a14:useLocalDpi xmlns:a14="http://schemas.microsoft.com/office/drawing/2010/main" val="0"/>
+              </a:ext>
+            </a:extLst>
+          </a:blip>
+          <a:srcRect/>
+          <a:stretch>
+            <a:fillRect/>
+          </a:stretch>
+        </p:blipFill>
+        <p:spPr bwMode="auto">
+          <a:xfrm>
+            <a:off x="5334000" y="3158609"/>
+            <a:ext cx="3432993" cy="3383508"/>
+          </a:xfrm>
+          <a:prstGeom prst="rect">
+            <a:avLst/>
+          </a:prstGeom>
+          <a:noFill/>
+          <a:ln>
+            <a:noFill/>
+          </a:ln>
+          <a:extLst>
+            <a:ext uri="{909E8E84-426E-40DD-AFC4-6F175D3DCCD1}">
+              <a14:hiddenFill xmlns:a14="http://schemas.microsoft.com/office/drawing/2010/main">
+                <a:solidFill>
+                  <a:schemeClr val="accent1"/>
+                </a:solidFill>
+              </a14:hiddenFill>
+            </a:ext>
+            <a:ext uri="{91240B29-F687-4F45-9708-019B960494DF}">
+              <a14:hiddenLine xmlns:a14="http://schemas.microsoft.com/office/drawing/2010/main" w="9525">
+                <a:solidFill>
+                  <a:schemeClr val="tx1"/>
+                </a:solidFill>
+                <a:miter lim="800000"/>
+                <a:headEnd/>
+                <a:tailEnd/>
+              </a14:hiddenLine>
+            </a:ext>
+          </a:extLst>
+        </p:spPr>
+      </p:pic>
+      <p:pic>
+        <p:nvPicPr>
+          <p:cNvPr id="1031" name="Picture 7"/>
+          <p:cNvPicPr>
+            <a:picLocks noChangeAspect="1" noChangeArrowheads="1"/>
+          </p:cNvPicPr>
+          <p:nvPr/>
+        </p:nvPicPr>
+        <p:blipFill>
+          <a:blip r:embed="rId8" cstate="print">
+            <a:extLst>
+              <a:ext uri="{28A0092B-C50C-407E-A947-70E740481C1C}">
+                <a14:useLocalDpi xmlns:a14="http://schemas.microsoft.com/office/drawing/2010/main" val="0"/>
+              </a:ext>
+            </a:extLst>
+          </a:blip>
+          <a:srcRect/>
+          <a:stretch>
+            <a:fillRect/>
+          </a:stretch>
+        </p:blipFill>
+        <p:spPr bwMode="auto">
+          <a:xfrm>
+            <a:off x="381000" y="3173034"/>
+            <a:ext cx="1524000" cy="1519100"/>
+          </a:xfrm>
+          <a:prstGeom prst="rect">
+            <a:avLst/>
+          </a:prstGeom>
+          <a:noFill/>
+          <a:ln>
+            <a:noFill/>
+          </a:ln>
+          <a:extLst>
+            <a:ext uri="{909E8E84-426E-40DD-AFC4-6F175D3DCCD1}">
+              <a14:hiddenFill xmlns:a14="http://schemas.microsoft.com/office/drawing/2010/main">
+                <a:solidFill>
+                  <a:schemeClr val="accent1"/>
+                </a:solidFill>
+              </a14:hiddenFill>
+            </a:ext>
+            <a:ext uri="{91240B29-F687-4F45-9708-019B960494DF}">
+              <a14:hiddenLine xmlns:a14="http://schemas.microsoft.com/office/drawing/2010/main" w="9525">
+                <a:solidFill>
+                  <a:schemeClr val="tx1"/>
+                </a:solidFill>
+                <a:miter lim="800000"/>
+                <a:headEnd/>
+                <a:tailEnd/>
+              </a14:hiddenLine>
+            </a:ext>
+          </a:extLst>
+        </p:spPr>
+      </p:pic>
+      <p:sp>
+        <p:nvSpPr>
+          <p:cNvPr id="2" name="TextBox 1"/>
+          <p:cNvSpPr txBox="1"/>
+          <p:nvPr/>
+        </p:nvSpPr>
+        <p:spPr>
+          <a:xfrm>
+            <a:off x="504716" y="4692134"/>
+            <a:ext cx="1276568" cy="369332"/>
+          </a:xfrm>
+          <a:prstGeom prst="rect">
+            <a:avLst/>
+          </a:prstGeom>
+          <a:noFill/>
+        </p:spPr>
+        <p:txBody>
+          <a:bodyPr wrap="none" rtlCol="0">
+            <a:spAutoFit/>
+          </a:bodyPr>
+          <a:lstStyle/>
+          <a:p>
+            <a:r>
+              <a:rPr lang="en-US" dirty="0" smtClean="0"/>
+              <a:t>Iteration 20</a:t>
+            </a:r>
+            <a:endParaRPr lang="en-US" dirty="0"/>
+          </a:p>
+        </p:txBody>
+      </p:sp>
+      <p:pic>
+        <p:nvPicPr>
+          <p:cNvPr id="1032" name="Picture 8"/>
+          <p:cNvPicPr>
+            <a:picLocks noChangeAspect="1" noChangeArrowheads="1"/>
+          </p:cNvPicPr>
+          <p:nvPr/>
+        </p:nvPicPr>
+        <p:blipFill>
+          <a:blip r:embed="rId9" cstate="print">
+            <a:extLst>
+              <a:ext uri="{28A0092B-C50C-407E-A947-70E740481C1C}">
+                <a14:useLocalDpi xmlns:a14="http://schemas.microsoft.com/office/drawing/2010/main" val="0"/>
+              </a:ext>
+            </a:extLst>
+          </a:blip>
+          <a:srcRect/>
+          <a:stretch>
+            <a:fillRect/>
+          </a:stretch>
+        </p:blipFill>
+        <p:spPr bwMode="auto">
+          <a:xfrm>
+            <a:off x="1981200" y="3168134"/>
+            <a:ext cx="3352800" cy="3296664"/>
+          </a:xfrm>
+          <a:prstGeom prst="rect">
+            <a:avLst/>
+          </a:prstGeom>
+          <a:noFill/>
+          <a:ln>
+            <a:noFill/>
+          </a:ln>
+          <a:extLst>
+            <a:ext uri="{909E8E84-426E-40DD-AFC4-6F175D3DCCD1}">
+              <a14:hiddenFill xmlns:a14="http://schemas.microsoft.com/office/drawing/2010/main">
+                <a:solidFill>
+                  <a:schemeClr val="accent1"/>
+                </a:solidFill>
+              </a14:hiddenFill>
+            </a:ext>
+            <a:ext uri="{91240B29-F687-4F45-9708-019B960494DF}">
+              <a14:hiddenLine xmlns:a14="http://schemas.microsoft.com/office/drawing/2010/main" w="9525">
+                <a:solidFill>
+                  <a:schemeClr val="tx1"/>
+                </a:solidFill>
+                <a:miter lim="800000"/>
+                <a:headEnd/>
+                <a:tailEnd/>
+              </a14:hiddenLine>
+            </a:ext>
+          </a:extLst>
+        </p:spPr>
+      </p:pic>
+      <p:sp>
+        <p:nvSpPr>
+          <p:cNvPr id="12" name="TextBox 11"/>
+          <p:cNvSpPr txBox="1"/>
+          <p:nvPr/>
+        </p:nvSpPr>
+        <p:spPr>
+          <a:xfrm>
+            <a:off x="3019316" y="6447881"/>
+            <a:ext cx="1276568" cy="369332"/>
+          </a:xfrm>
+          <a:prstGeom prst="rect">
+            <a:avLst/>
+          </a:prstGeom>
+          <a:noFill/>
+        </p:spPr>
+        <p:txBody>
+          <a:bodyPr wrap="none" rtlCol="0">
+            <a:spAutoFit/>
+          </a:bodyPr>
+          <a:lstStyle/>
+          <a:p>
+            <a:r>
+              <a:rPr lang="en-US" dirty="0" smtClean="0"/>
+              <a:t>Iteration 60</a:t>
+            </a:r>
+            <a:endParaRPr lang="en-US" dirty="0"/>
+          </a:p>
+        </p:txBody>
+      </p:sp>
+      <p:sp>
+        <p:nvSpPr>
+          <p:cNvPr id="5" name="Freeform 4"/>
+          <p:cNvSpPr/>
+          <p:nvPr/>
+        </p:nvSpPr>
+        <p:spPr>
+          <a:xfrm>
+            <a:off x="2667000" y="3914775"/>
+            <a:ext cx="2152650" cy="2076450"/>
+          </a:xfrm>
+          <a:custGeom>
+            <a:avLst/>
+            <a:gdLst>
+              <a:gd name="connsiteX0" fmla="*/ 1295400 w 2152650"/>
+              <a:gd name="connsiteY0" fmla="*/ 57150 h 2076450"/>
+              <a:gd name="connsiteX1" fmla="*/ 1543050 w 2152650"/>
+              <a:gd name="connsiteY1" fmla="*/ 0 h 2076450"/>
+              <a:gd name="connsiteX2" fmla="*/ 2152650 w 2152650"/>
+              <a:gd name="connsiteY2" fmla="*/ 857250 h 2076450"/>
+              <a:gd name="connsiteX3" fmla="*/ 923925 w 2152650"/>
+              <a:gd name="connsiteY3" fmla="*/ 2076450 h 2076450"/>
+              <a:gd name="connsiteX4" fmla="*/ 190500 w 2152650"/>
+              <a:gd name="connsiteY4" fmla="*/ 1419225 h 2076450"/>
+              <a:gd name="connsiteX5" fmla="*/ 0 w 2152650"/>
+              <a:gd name="connsiteY5" fmla="*/ 323850 h 2076450"/>
+              <a:gd name="connsiteX6" fmla="*/ 1295400 w 2152650"/>
+              <a:gd name="connsiteY6" fmla="*/ 57150 h 2076450"/>
+            </a:gdLst>
+            <a:ahLst/>
+            <a:cxnLst>
+              <a:cxn ang="0">
+                <a:pos x="connsiteX0" y="connsiteY0"/>
+              </a:cxn>
+              <a:cxn ang="0">
+                <a:pos x="connsiteX1" y="connsiteY1"/>
+              </a:cxn>
+              <a:cxn ang="0">
+                <a:pos x="connsiteX2" y="connsiteY2"/>
+              </a:cxn>
+              <a:cxn ang="0">
+                <a:pos x="connsiteX3" y="connsiteY3"/>
+              </a:cxn>
+              <a:cxn ang="0">
+                <a:pos x="connsiteX4" y="connsiteY4"/>
+              </a:cxn>
+              <a:cxn ang="0">
+                <a:pos x="connsiteX5" y="connsiteY5"/>
+              </a:cxn>
+              <a:cxn ang="0">
+                <a:pos x="connsiteX6" y="connsiteY6"/>
+              </a:cxn>
+            </a:cxnLst>
+            <a:rect l="l" t="t" r="r" b="b"/>
+            <a:pathLst>
+              <a:path w="2152650" h="2076450">
+                <a:moveTo>
+                  <a:pt x="1295400" y="57150"/>
+                </a:moveTo>
+                <a:lnTo>
+                  <a:pt x="1543050" y="0"/>
+                </a:lnTo>
+                <a:lnTo>
+                  <a:pt x="2152650" y="857250"/>
+                </a:lnTo>
+                <a:lnTo>
+                  <a:pt x="923925" y="2076450"/>
+                </a:lnTo>
+                <a:lnTo>
+                  <a:pt x="190500" y="1419225"/>
+                </a:lnTo>
+                <a:lnTo>
+                  <a:pt x="0" y="323850"/>
+                </a:lnTo>
+                <a:lnTo>
+                  <a:pt x="1295400" y="57150"/>
+                </a:lnTo>
+                <a:close/>
+              </a:path>
+            </a:pathLst>
+          </a:custGeom>
+          <a:noFill/>
+          <a:ln>
+            <a:solidFill>
+              <a:schemeClr val="tx1"/>
+            </a:solidFill>
+            <a:prstDash val="dash"/>
+          </a:ln>
+        </p:spPr>
+        <p:style>
+          <a:lnRef idx="2">
+            <a:schemeClr val="accent1">
+              <a:shade val="50000"/>
+            </a:schemeClr>
+          </a:lnRef>
+          <a:fillRef idx="1">
+            <a:schemeClr val="accent1"/>
+          </a:fillRef>
+          <a:effectRef idx="0">
+            <a:schemeClr val="accent1"/>
+          </a:effectRef>
+          <a:fontRef idx="minor">
+            <a:schemeClr val="lt1"/>
+          </a:fontRef>
+        </p:style>
+        <p:txBody>
+          <a:bodyPr rtlCol="0" anchor="ctr"/>
+          <a:lstStyle/>
+          <a:p>
+            <a:pPr algn="ctr"/>
+            <a:endParaRPr lang="en-US"/>
+          </a:p>
+        </p:txBody>
+      </p:sp>
+      <p:sp>
+        <p:nvSpPr>
+          <p:cNvPr id="6" name="Oval 5"/>
+          <p:cNvSpPr/>
+          <p:nvPr/>
+        </p:nvSpPr>
+        <p:spPr>
+          <a:xfrm>
+            <a:off x="3238500" y="3352800"/>
+            <a:ext cx="304800" cy="304800"/>
+          </a:xfrm>
+          <a:prstGeom prst="ellipse">
+            <a:avLst/>
+          </a:prstGeom>
+          <a:noFill/>
+          <a:ln>
+            <a:solidFill>
+              <a:schemeClr val="tx1"/>
+            </a:solidFill>
+            <a:prstDash val="dash"/>
+          </a:ln>
+        </p:spPr>
+        <p:style>
+          <a:lnRef idx="2">
+            <a:schemeClr val="accent1">
+              <a:shade val="50000"/>
+            </a:schemeClr>
+          </a:lnRef>
+          <a:fillRef idx="1">
+            <a:schemeClr val="accent1"/>
+          </a:fillRef>
+          <a:effectRef idx="0">
+            <a:schemeClr val="accent1"/>
+          </a:effectRef>
+          <a:fontRef idx="minor">
+            <a:schemeClr val="lt1"/>
+          </a:fontRef>
+        </p:style>
+        <p:txBody>
+          <a:bodyPr rtlCol="0" anchor="ctr"/>
+          <a:lstStyle/>
+          <a:p>
+            <a:pPr algn="ctr"/>
+            <a:endParaRPr lang="en-US"/>
+          </a:p>
+        </p:txBody>
+      </p:sp>
+      <p:sp>
+        <p:nvSpPr>
+          <p:cNvPr id="16" name="TextBox 15"/>
+          <p:cNvSpPr txBox="1"/>
+          <p:nvPr/>
+        </p:nvSpPr>
+        <p:spPr>
+          <a:xfrm>
+            <a:off x="2057400" y="2983468"/>
+            <a:ext cx="3272050" cy="369332"/>
+          </a:xfrm>
+          <a:prstGeom prst="rect">
+            <a:avLst/>
+          </a:prstGeom>
+          <a:noFill/>
+        </p:spPr>
+        <p:txBody>
+          <a:bodyPr wrap="none" rtlCol="0">
+            <a:spAutoFit/>
+          </a:bodyPr>
+          <a:lstStyle/>
+          <a:p>
+            <a:r>
+              <a:rPr lang="ja-JP" altLang="en-US" dirty="0"/>
+              <a:t>な</a:t>
+            </a:r>
+            <a:r>
+              <a:rPr lang="ja-JP" altLang="en-US" dirty="0" smtClean="0"/>
+              <a:t>ぜここで、Ｔ字が選択された？</a:t>
+            </a:r>
+            <a:endParaRPr lang="en-US" dirty="0"/>
+          </a:p>
+        </p:txBody>
+      </p:sp>
+      <p:sp>
+        <p:nvSpPr>
+          <p:cNvPr id="17" name="Oval 16"/>
+          <p:cNvSpPr/>
+          <p:nvPr/>
+        </p:nvSpPr>
+        <p:spPr>
+          <a:xfrm>
+            <a:off x="6436625" y="4038600"/>
+            <a:ext cx="304800" cy="304800"/>
+          </a:xfrm>
+          <a:prstGeom prst="ellipse">
+            <a:avLst/>
+          </a:prstGeom>
+          <a:noFill/>
+          <a:ln>
+            <a:solidFill>
+              <a:schemeClr val="tx1"/>
+            </a:solidFill>
+            <a:prstDash val="dash"/>
+          </a:ln>
+        </p:spPr>
+        <p:style>
+          <a:lnRef idx="2">
+            <a:schemeClr val="accent1">
+              <a:shade val="50000"/>
+            </a:schemeClr>
+          </a:lnRef>
+          <a:fillRef idx="1">
+            <a:schemeClr val="accent1"/>
+          </a:fillRef>
+          <a:effectRef idx="0">
+            <a:schemeClr val="accent1"/>
+          </a:effectRef>
+          <a:fontRef idx="minor">
+            <a:schemeClr val="lt1"/>
+          </a:fontRef>
+        </p:style>
+        <p:txBody>
+          <a:bodyPr rtlCol="0" anchor="ctr"/>
+          <a:lstStyle/>
+          <a:p>
+            <a:pPr algn="ctr"/>
+            <a:endParaRPr lang="en-US"/>
+          </a:p>
+        </p:txBody>
+      </p:sp>
+      <p:sp>
+        <p:nvSpPr>
+          <p:cNvPr id="18" name="TextBox 17"/>
+          <p:cNvSpPr txBox="1"/>
+          <p:nvPr/>
+        </p:nvSpPr>
+        <p:spPr>
+          <a:xfrm>
+            <a:off x="5221975" y="3467100"/>
+            <a:ext cx="3866764" cy="1477328"/>
+          </a:xfrm>
+          <a:prstGeom prst="rect">
+            <a:avLst/>
+          </a:prstGeom>
+          <a:noFill/>
+        </p:spPr>
+        <p:txBody>
+          <a:bodyPr wrap="none" rtlCol="0">
+            <a:spAutoFit/>
+          </a:bodyPr>
+          <a:lstStyle/>
+          <a:p>
+            <a:r>
+              <a:rPr lang="ja-JP" altLang="en-US" dirty="0" smtClean="0"/>
+              <a:t>このカーネルが選択されていた。</a:t>
+            </a:r>
+            <a:endParaRPr lang="en-US" altLang="ja-JP" dirty="0" smtClean="0"/>
+          </a:p>
+          <a:p>
+            <a:r>
+              <a:rPr lang="ja-JP" altLang="en-US" dirty="0" smtClean="0"/>
+              <a:t>でも、こ</a:t>
+            </a:r>
+            <a:r>
+              <a:rPr lang="ja-JP" altLang="en-US" dirty="0"/>
+              <a:t>れ</a:t>
+            </a:r>
+            <a:r>
+              <a:rPr lang="ja-JP" altLang="en-US" dirty="0" smtClean="0"/>
+              <a:t>は仕方がない。</a:t>
+            </a:r>
+            <a:endParaRPr lang="en-US" altLang="ja-JP" dirty="0" smtClean="0"/>
+          </a:p>
+          <a:p>
+            <a:endParaRPr lang="en-US" dirty="0"/>
+          </a:p>
+          <a:p>
+            <a:r>
+              <a:rPr lang="ja-JP" altLang="en-US" dirty="0" smtClean="0"/>
+              <a:t>これが選択されても、良い結果に</a:t>
+            </a:r>
+            <a:endParaRPr lang="en-US" altLang="ja-JP" dirty="0" smtClean="0"/>
+          </a:p>
+          <a:p>
+            <a:r>
+              <a:rPr lang="ja-JP" altLang="en-US" dirty="0"/>
+              <a:t>なるような</a:t>
+            </a:r>
+            <a:r>
+              <a:rPr lang="ja-JP" altLang="en-US" dirty="0" smtClean="0"/>
+              <a:t>、何らかのアイデアが必要。</a:t>
+            </a:r>
+            <a:endParaRPr lang="en-US" dirty="0"/>
+          </a:p>
+        </p:txBody>
+      </p:sp>
+    </p:spTree>
+    <p:extLst>
+      <p:ext uri="{BB962C8B-B14F-4D97-AF65-F5344CB8AC3E}">
+        <p14:creationId xmlns:p14="http://schemas.microsoft.com/office/powerpoint/2010/main" val="2662155873"/>
+      </p:ext>
+    </p:extLst>
+  </p:cSld>
+  <p:clrMapOvr>
+    <a:masterClrMapping/>
+  </p:clrMapOvr>
+</p:sld>
+</file>
+
+<file path=ppt/slides/slide46.xml><?xml version="1.0" encoding="utf-8"?>
+<p:sld xmlns:a="http://schemas.openxmlformats.org/drawingml/2006/main" xmlns:r="http://schemas.openxmlformats.org/officeDocument/2006/relationships" xmlns:p="http://schemas.openxmlformats.org/presentationml/2006/main">
+  <p:cSld>
+    <p:spTree>
+      <p:nvGrpSpPr>
+        <p:cNvPr id="1" name=""/>
+        <p:cNvGrpSpPr/>
+        <p:nvPr/>
+      </p:nvGrpSpPr>
+      <p:grpSpPr>
+        <a:xfrm>
+          <a:off x="0" y="0"/>
+          <a:ext cx="0" cy="0"/>
+          <a:chOff x="0" y="0"/>
+          <a:chExt cx="0" cy="0"/>
+        </a:xfrm>
+      </p:grpSpPr>
+      <p:pic>
+        <p:nvPicPr>
+          <p:cNvPr id="2050" name="Picture 2"/>
+          <p:cNvPicPr>
+            <a:picLocks noChangeAspect="1" noChangeArrowheads="1"/>
+          </p:cNvPicPr>
+          <p:nvPr/>
+        </p:nvPicPr>
+        <p:blipFill>
+          <a:blip r:embed="rId2">
+            <a:extLst>
+              <a:ext uri="{28A0092B-C50C-407E-A947-70E740481C1C}">
+                <a14:useLocalDpi xmlns:a14="http://schemas.microsoft.com/office/drawing/2010/main" val="0"/>
+              </a:ext>
+            </a:extLst>
+          </a:blip>
+          <a:srcRect/>
+          <a:stretch>
+            <a:fillRect/>
+          </a:stretch>
+        </p:blipFill>
+        <p:spPr bwMode="auto">
+          <a:xfrm>
+            <a:off x="76200" y="914400"/>
+            <a:ext cx="4385653" cy="5029200"/>
+          </a:xfrm>
+          <a:prstGeom prst="rect">
+            <a:avLst/>
+          </a:prstGeom>
+          <a:noFill/>
+          <a:ln>
+            <a:noFill/>
+          </a:ln>
+          <a:extLst>
+            <a:ext uri="{909E8E84-426E-40DD-AFC4-6F175D3DCCD1}">
+              <a14:hiddenFill xmlns:a14="http://schemas.microsoft.com/office/drawing/2010/main">
+                <a:solidFill>
+                  <a:schemeClr val="accent1"/>
+                </a:solidFill>
+              </a14:hiddenFill>
+            </a:ext>
+            <a:ext uri="{91240B29-F687-4F45-9708-019B960494DF}">
+              <a14:hiddenLine xmlns:a14="http://schemas.microsoft.com/office/drawing/2010/main" w="9525">
+                <a:solidFill>
+                  <a:schemeClr val="tx1"/>
+                </a:solidFill>
+                <a:miter lim="800000"/>
+                <a:headEnd/>
+                <a:tailEnd/>
+              </a14:hiddenLine>
+            </a:ext>
+          </a:extLst>
+        </p:spPr>
+      </p:pic>
+      <p:sp>
+        <p:nvSpPr>
+          <p:cNvPr id="3" name="TextBox 2"/>
+          <p:cNvSpPr txBox="1"/>
+          <p:nvPr/>
+        </p:nvSpPr>
+        <p:spPr>
+          <a:xfrm>
+            <a:off x="1" y="-13195"/>
+            <a:ext cx="9144000" cy="584775"/>
+          </a:xfrm>
+          <a:prstGeom prst="rect">
+            <a:avLst/>
+          </a:prstGeom>
+          <a:noFill/>
+        </p:spPr>
+        <p:txBody>
+          <a:bodyPr wrap="square" rtlCol="0">
+            <a:spAutoFit/>
+          </a:bodyPr>
+          <a:lstStyle/>
+          <a:p>
+            <a:r>
+              <a:rPr lang="ja-JP" altLang="en-US" sz="3200" dirty="0" smtClean="0"/>
+              <a:t>左上の領域を広げて、カーネルを増やしてみよう。</a:t>
+            </a:r>
+            <a:endParaRPr lang="en-US" altLang="ja-JP" sz="3200" dirty="0" smtClean="0"/>
+          </a:p>
+        </p:txBody>
+      </p:sp>
+      <p:pic>
+        <p:nvPicPr>
+          <p:cNvPr id="2051" name="Picture 3"/>
+          <p:cNvPicPr>
+            <a:picLocks noChangeAspect="1" noChangeArrowheads="1"/>
+          </p:cNvPicPr>
+          <p:nvPr/>
+        </p:nvPicPr>
+        <p:blipFill>
+          <a:blip r:embed="rId3">
+            <a:extLst>
+              <a:ext uri="{28A0092B-C50C-407E-A947-70E740481C1C}">
+                <a14:useLocalDpi xmlns:a14="http://schemas.microsoft.com/office/drawing/2010/main" val="0"/>
+              </a:ext>
+            </a:extLst>
+          </a:blip>
+          <a:srcRect/>
+          <a:stretch>
+            <a:fillRect/>
+          </a:stretch>
+        </p:blipFill>
+        <p:spPr bwMode="auto">
+          <a:xfrm>
+            <a:off x="4876800" y="895764"/>
+            <a:ext cx="4008154" cy="5047836"/>
+          </a:xfrm>
+          <a:prstGeom prst="rect">
+            <a:avLst/>
+          </a:prstGeom>
+          <a:noFill/>
+          <a:ln>
+            <a:noFill/>
+          </a:ln>
+          <a:extLst>
+            <a:ext uri="{909E8E84-426E-40DD-AFC4-6F175D3DCCD1}">
+              <a14:hiddenFill xmlns:a14="http://schemas.microsoft.com/office/drawing/2010/main">
+                <a:solidFill>
+                  <a:schemeClr val="accent1"/>
+                </a:solidFill>
+              </a14:hiddenFill>
+            </a:ext>
+            <a:ext uri="{91240B29-F687-4F45-9708-019B960494DF}">
+              <a14:hiddenLine xmlns:a14="http://schemas.microsoft.com/office/drawing/2010/main" w="9525">
+                <a:solidFill>
+                  <a:schemeClr val="tx1"/>
+                </a:solidFill>
+                <a:miter lim="800000"/>
+                <a:headEnd/>
+                <a:tailEnd/>
+              </a14:hiddenLine>
+            </a:ext>
+          </a:extLst>
+        </p:spPr>
+      </p:pic>
+    </p:spTree>
+    <p:extLst>
+      <p:ext uri="{BB962C8B-B14F-4D97-AF65-F5344CB8AC3E}">
+        <p14:creationId xmlns:p14="http://schemas.microsoft.com/office/powerpoint/2010/main" val="17615884"/>
+      </p:ext>
+    </p:extLst>
+  </p:cSld>
+  <p:clrMapOvr>
+    <a:masterClrMapping/>
+  </p:clrMapOvr>
+</p:sld>
+</file>
+
+<file path=ppt/slides/slide47.xml><?xml version="1.0" encoding="utf-8"?>
+<p:sld xmlns:a="http://schemas.openxmlformats.org/drawingml/2006/main" xmlns:r="http://schemas.openxmlformats.org/officeDocument/2006/relationships" xmlns:p="http://schemas.openxmlformats.org/presentationml/2006/main">
+  <p:cSld>
+    <p:spTree>
+      <p:nvGrpSpPr>
+        <p:cNvPr id="1" name=""/>
+        <p:cNvGrpSpPr/>
+        <p:nvPr/>
+      </p:nvGrpSpPr>
+      <p:grpSpPr>
+        <a:xfrm>
+          <a:off x="0" y="0"/>
+          <a:ext cx="0" cy="0"/>
+          <a:chOff x="0" y="0"/>
+          <a:chExt cx="0" cy="0"/>
+        </a:xfrm>
+      </p:grpSpPr>
+      <p:pic>
+        <p:nvPicPr>
+          <p:cNvPr id="3075" name="Picture 3"/>
+          <p:cNvPicPr>
+            <a:picLocks noChangeAspect="1" noChangeArrowheads="1"/>
+          </p:cNvPicPr>
+          <p:nvPr/>
+        </p:nvPicPr>
+        <p:blipFill>
+          <a:blip r:embed="rId2">
+            <a:extLst>
+              <a:ext uri="{28A0092B-C50C-407E-A947-70E740481C1C}">
+                <a14:useLocalDpi xmlns:a14="http://schemas.microsoft.com/office/drawing/2010/main" val="0"/>
+              </a:ext>
+            </a:extLst>
+          </a:blip>
+          <a:srcRect/>
+          <a:stretch>
+            <a:fillRect/>
+          </a:stretch>
+        </p:blipFill>
+        <p:spPr bwMode="auto">
+          <a:xfrm>
+            <a:off x="1676400" y="1295400"/>
+            <a:ext cx="5351653" cy="5362575"/>
+          </a:xfrm>
+          <a:prstGeom prst="rect">
+            <a:avLst/>
+          </a:prstGeom>
+          <a:noFill/>
+          <a:ln>
+            <a:noFill/>
+          </a:ln>
+          <a:extLst>
+            <a:ext uri="{909E8E84-426E-40DD-AFC4-6F175D3DCCD1}">
+              <a14:hiddenFill xmlns:a14="http://schemas.microsoft.com/office/drawing/2010/main">
+                <a:solidFill>
+                  <a:schemeClr val="accent1"/>
+                </a:solidFill>
+              </a14:hiddenFill>
+            </a:ext>
+            <a:ext uri="{91240B29-F687-4F45-9708-019B960494DF}">
+              <a14:hiddenLine xmlns:a14="http://schemas.microsoft.com/office/drawing/2010/main" w="9525">
+                <a:solidFill>
+                  <a:schemeClr val="tx1"/>
+                </a:solidFill>
+                <a:miter lim="800000"/>
+                <a:headEnd/>
+                <a:tailEnd/>
+              </a14:hiddenLine>
+            </a:ext>
+          </a:extLst>
+        </p:spPr>
+      </p:pic>
+      <p:sp>
+        <p:nvSpPr>
+          <p:cNvPr id="4" name="TextBox 3"/>
+          <p:cNvSpPr txBox="1"/>
+          <p:nvPr/>
+        </p:nvSpPr>
+        <p:spPr>
+          <a:xfrm>
+            <a:off x="1" y="-13195"/>
+            <a:ext cx="9144000" cy="584775"/>
+          </a:xfrm>
+          <a:prstGeom prst="rect">
+            <a:avLst/>
+          </a:prstGeom>
+          <a:noFill/>
+        </p:spPr>
+        <p:txBody>
+          <a:bodyPr wrap="square" rtlCol="0">
+            <a:spAutoFit/>
+          </a:bodyPr>
+          <a:lstStyle/>
+          <a:p>
+            <a:r>
+              <a:rPr lang="ja-JP" altLang="en-US" sz="3200" dirty="0" smtClean="0"/>
+              <a:t>結果は、良くなった。</a:t>
+            </a:r>
+            <a:endParaRPr lang="en-US" altLang="ja-JP" sz="3200" dirty="0" smtClean="0"/>
+          </a:p>
+        </p:txBody>
+      </p:sp>
+    </p:spTree>
+    <p:extLst>
+      <p:ext uri="{BB962C8B-B14F-4D97-AF65-F5344CB8AC3E}">
+        <p14:creationId xmlns:p14="http://schemas.microsoft.com/office/powerpoint/2010/main" val="3548315790"/>
+      </p:ext>
+    </p:extLst>
+  </p:cSld>
+  <p:clrMapOvr>
+    <a:masterClrMapping/>
+  </p:clrMapOvr>
+</p:sld>
+</file>
+
+<file path=ppt/slides/slide48.xml><?xml version="1.0" encoding="utf-8"?>
+<p:sld xmlns:a="http://schemas.openxmlformats.org/drawingml/2006/main" xmlns:r="http://schemas.openxmlformats.org/officeDocument/2006/relationships" xmlns:p="http://schemas.openxmlformats.org/presentationml/2006/main">
+  <p:cSld>
+    <p:spTree>
+      <p:nvGrpSpPr>
+        <p:cNvPr id="1" name=""/>
+        <p:cNvGrpSpPr/>
+        <p:nvPr/>
+      </p:nvGrpSpPr>
+      <p:grpSpPr>
+        <a:xfrm>
+          <a:off x="0" y="0"/>
+          <a:ext cx="0" cy="0"/>
+          <a:chOff x="0" y="0"/>
+          <a:chExt cx="0" cy="0"/>
+        </a:xfrm>
+      </p:grpSpPr>
+      <p:pic>
+        <p:nvPicPr>
+          <p:cNvPr id="4098" name="Picture 2"/>
+          <p:cNvPicPr>
+            <a:picLocks noChangeAspect="1" noChangeArrowheads="1"/>
+          </p:cNvPicPr>
+          <p:nvPr/>
+        </p:nvPicPr>
+        <p:blipFill>
+          <a:blip r:embed="rId2">
+            <a:extLst>
+              <a:ext uri="{28A0092B-C50C-407E-A947-70E740481C1C}">
+                <a14:useLocalDpi xmlns:a14="http://schemas.microsoft.com/office/drawing/2010/main" val="0"/>
+              </a:ext>
+            </a:extLst>
+          </a:blip>
+          <a:srcRect/>
+          <a:stretch>
+            <a:fillRect/>
+          </a:stretch>
+        </p:blipFill>
+        <p:spPr bwMode="auto">
+          <a:xfrm>
+            <a:off x="1776413" y="1219200"/>
+            <a:ext cx="5439946" cy="5482050"/>
+          </a:xfrm>
+          <a:prstGeom prst="rect">
+            <a:avLst/>
+          </a:prstGeom>
+          <a:noFill/>
+          <a:ln>
+            <a:noFill/>
+          </a:ln>
+          <a:extLst>
+            <a:ext uri="{909E8E84-426E-40DD-AFC4-6F175D3DCCD1}">
+              <a14:hiddenFill xmlns:a14="http://schemas.microsoft.com/office/drawing/2010/main">
+                <a:solidFill>
+                  <a:schemeClr val="accent1"/>
+                </a:solidFill>
+              </a14:hiddenFill>
+            </a:ext>
+            <a:ext uri="{91240B29-F687-4F45-9708-019B960494DF}">
+              <a14:hiddenLine xmlns:a14="http://schemas.microsoft.com/office/drawing/2010/main" w="9525">
+                <a:solidFill>
+                  <a:schemeClr val="tx1"/>
+                </a:solidFill>
+                <a:miter lim="800000"/>
+                <a:headEnd/>
+                <a:tailEnd/>
+              </a14:hiddenLine>
+            </a:ext>
+          </a:extLst>
+        </p:spPr>
+      </p:pic>
+      <p:sp>
+        <p:nvSpPr>
+          <p:cNvPr id="2" name="TextBox 1"/>
+          <p:cNvSpPr txBox="1"/>
+          <p:nvPr/>
+        </p:nvSpPr>
+        <p:spPr>
+          <a:xfrm>
+            <a:off x="1" y="-13195"/>
+            <a:ext cx="9144000" cy="2062103"/>
+          </a:xfrm>
+          <a:prstGeom prst="rect">
+            <a:avLst/>
+          </a:prstGeom>
+          <a:noFill/>
+        </p:spPr>
+        <p:txBody>
+          <a:bodyPr wrap="square" rtlCol="0">
+            <a:spAutoFit/>
+          </a:bodyPr>
+          <a:lstStyle/>
+          <a:p>
+            <a:r>
+              <a:rPr lang="ja-JP" altLang="en-US" sz="3200" dirty="0" smtClean="0"/>
+              <a:t>もっと広い領域だと</a:t>
+            </a:r>
+            <a:endParaRPr lang="en-US" altLang="ja-JP" sz="3200" dirty="0" smtClean="0"/>
+          </a:p>
+          <a:p>
+            <a:r>
+              <a:rPr lang="ja-JP" altLang="en-US" sz="3200" dirty="0" smtClean="0"/>
+              <a:t>⇒　やはり、だいぶ良くなった。</a:t>
+            </a:r>
+            <a:r>
+              <a:rPr lang="en-US" altLang="ja-JP" sz="3200" dirty="0" err="1" smtClean="0"/>
+              <a:t>Boulverd</a:t>
+            </a:r>
+            <a:r>
+              <a:rPr lang="ja-JP" altLang="en-US" sz="3200" dirty="0" smtClean="0"/>
+              <a:t>が欲しいな。</a:t>
+            </a:r>
+            <a:endParaRPr lang="en-US" altLang="ja-JP" sz="3200" dirty="0" smtClean="0"/>
+          </a:p>
+          <a:p>
+            <a:r>
+              <a:rPr lang="ja-JP" altLang="en-US" sz="3200" dirty="0" smtClean="0"/>
+              <a:t>⇒　いや、</a:t>
+            </a:r>
+            <a:r>
+              <a:rPr lang="ja-JP" altLang="en-US" sz="3200" dirty="0"/>
+              <a:t>もとの</a:t>
+            </a:r>
+            <a:r>
+              <a:rPr lang="ja-JP" altLang="en-US" sz="3200" dirty="0" smtClean="0"/>
+              <a:t>領域自体が、</a:t>
+            </a:r>
+            <a:r>
+              <a:rPr lang="en-US" altLang="ja-JP" sz="3200" dirty="0" err="1" smtClean="0"/>
+              <a:t>Bouldverd</a:t>
+            </a:r>
+            <a:r>
+              <a:rPr lang="ja-JP" altLang="en-US" sz="3200" dirty="0" smtClean="0"/>
+              <a:t>をまたぐ</a:t>
+            </a:r>
+            <a:endParaRPr lang="en-US" altLang="ja-JP" sz="3200" dirty="0" smtClean="0"/>
+          </a:p>
+          <a:p>
+            <a:r>
+              <a:rPr lang="ja-JP" altLang="en-US" sz="3200" dirty="0"/>
+              <a:t>　</a:t>
+            </a:r>
+            <a:r>
+              <a:rPr lang="ja-JP" altLang="en-US" sz="3200" dirty="0" smtClean="0"/>
+              <a:t>　べきではないのでは？</a:t>
+            </a:r>
+            <a:endParaRPr lang="en-US" altLang="ja-JP" sz="3200" dirty="0" smtClean="0"/>
+          </a:p>
+        </p:txBody>
+      </p:sp>
+    </p:spTree>
+    <p:extLst>
+      <p:ext uri="{BB962C8B-B14F-4D97-AF65-F5344CB8AC3E}">
+        <p14:creationId xmlns:p14="http://schemas.microsoft.com/office/powerpoint/2010/main" val="3090825502"/>
+      </p:ext>
+    </p:extLst>
+  </p:cSld>
+  <p:clrMapOvr>
+    <a:masterClrMapping/>
+  </p:clrMapOvr>
+</p:sld>
+</file>
+
+<file path=ppt/slides/slide49.xml><?xml version="1.0" encoding="utf-8"?>
+<p:sld xmlns:a="http://schemas.openxmlformats.org/drawingml/2006/main" xmlns:r="http://schemas.openxmlformats.org/officeDocument/2006/relationships" xmlns:p="http://schemas.openxmlformats.org/presentationml/2006/main">
+  <p:cSld>
+    <p:spTree>
+      <p:nvGrpSpPr>
+        <p:cNvPr id="1" name=""/>
+        <p:cNvGrpSpPr/>
+        <p:nvPr/>
+      </p:nvGrpSpPr>
+      <p:grpSpPr>
+        <a:xfrm>
+          <a:off x="0" y="0"/>
+          <a:ext cx="0" cy="0"/>
+          <a:chOff x="0" y="0"/>
+          <a:chExt cx="0" cy="0"/>
+        </a:xfrm>
+      </p:grpSpPr>
+      <p:pic>
+        <p:nvPicPr>
+          <p:cNvPr id="5122" name="Picture 2"/>
+          <p:cNvPicPr>
+            <a:picLocks noChangeAspect="1" noChangeArrowheads="1"/>
+          </p:cNvPicPr>
+          <p:nvPr/>
+        </p:nvPicPr>
+        <p:blipFill>
+          <a:blip r:embed="rId2">
+            <a:extLst>
+              <a:ext uri="{28A0092B-C50C-407E-A947-70E740481C1C}">
+                <a14:useLocalDpi xmlns:a14="http://schemas.microsoft.com/office/drawing/2010/main" val="0"/>
+              </a:ext>
+            </a:extLst>
+          </a:blip>
+          <a:srcRect/>
+          <a:stretch>
+            <a:fillRect/>
+          </a:stretch>
+        </p:blipFill>
+        <p:spPr bwMode="auto">
+          <a:xfrm>
+            <a:off x="4205287" y="1924050"/>
+            <a:ext cx="4919663" cy="4838285"/>
+          </a:xfrm>
+          <a:prstGeom prst="rect">
+            <a:avLst/>
+          </a:prstGeom>
+          <a:noFill/>
+          <a:ln>
+            <a:noFill/>
+          </a:ln>
+          <a:extLst>
+            <a:ext uri="{909E8E84-426E-40DD-AFC4-6F175D3DCCD1}">
+              <a14:hiddenFill xmlns:a14="http://schemas.microsoft.com/office/drawing/2010/main">
+                <a:solidFill>
+                  <a:schemeClr val="accent1"/>
+                </a:solidFill>
+              </a14:hiddenFill>
+            </a:ext>
+            <a:ext uri="{91240B29-F687-4F45-9708-019B960494DF}">
+              <a14:hiddenLine xmlns:a14="http://schemas.microsoft.com/office/drawing/2010/main" w="9525">
+                <a:solidFill>
+                  <a:schemeClr val="tx1"/>
+                </a:solidFill>
+                <a:miter lim="800000"/>
+                <a:headEnd/>
+                <a:tailEnd/>
+              </a14:hiddenLine>
+            </a:ext>
+          </a:extLst>
+        </p:spPr>
+      </p:pic>
+      <p:sp>
+        <p:nvSpPr>
+          <p:cNvPr id="3" name="TextBox 2"/>
+          <p:cNvSpPr txBox="1"/>
+          <p:nvPr/>
+        </p:nvSpPr>
+        <p:spPr>
+          <a:xfrm>
+            <a:off x="1" y="-13195"/>
+            <a:ext cx="9144000" cy="1569660"/>
+          </a:xfrm>
+          <a:prstGeom prst="rect">
+            <a:avLst/>
+          </a:prstGeom>
+          <a:noFill/>
+        </p:spPr>
+        <p:txBody>
+          <a:bodyPr wrap="square" rtlCol="0">
+            <a:spAutoFit/>
+          </a:bodyPr>
+          <a:lstStyle/>
+          <a:p>
+            <a:r>
+              <a:rPr lang="ja-JP" altLang="en-US" sz="3200" dirty="0" smtClean="0"/>
+              <a:t>さて、</a:t>
+            </a:r>
+            <a:r>
+              <a:rPr lang="en-US" altLang="ja-JP" sz="3200" dirty="0" smtClean="0"/>
+              <a:t>Street</a:t>
+            </a:r>
+            <a:r>
+              <a:rPr lang="ja-JP" altLang="en-US" sz="3200" dirty="0" smtClean="0"/>
+              <a:t>の生成はどうか？</a:t>
+            </a:r>
+            <a:endParaRPr lang="en-US" altLang="ja-JP" sz="3200" dirty="0" smtClean="0"/>
+          </a:p>
+          <a:p>
+            <a:r>
+              <a:rPr lang="ja-JP" altLang="en-US" sz="3200" dirty="0" smtClean="0"/>
+              <a:t>⇒まず、サンプルの左上の</a:t>
+            </a:r>
+            <a:r>
+              <a:rPr lang="en-US" altLang="ja-JP" sz="3200" dirty="0" err="1" smtClean="0"/>
+              <a:t>Boulverd</a:t>
+            </a:r>
+            <a:r>
+              <a:rPr lang="ja-JP" altLang="en-US" sz="3200" dirty="0" smtClean="0"/>
+              <a:t>が邪魔だ。</a:t>
+            </a:r>
+            <a:endParaRPr lang="en-US" altLang="ja-JP" sz="3200" dirty="0" smtClean="0"/>
+          </a:p>
+          <a:p>
+            <a:r>
+              <a:rPr lang="ja-JP" altLang="en-US" sz="3200" dirty="0" smtClean="0"/>
+              <a:t>⇒あと、やはり</a:t>
+            </a:r>
+            <a:r>
+              <a:rPr lang="ja-JP" altLang="en-US" sz="3200" dirty="0"/>
+              <a:t>類</a:t>
+            </a:r>
+            <a:r>
+              <a:rPr lang="ja-JP" altLang="en-US" sz="3200" dirty="0" smtClean="0"/>
+              <a:t>似</a:t>
+            </a:r>
+            <a:r>
+              <a:rPr lang="en-US" altLang="ja-JP" sz="3200" dirty="0" smtClean="0"/>
+              <a:t>Face</a:t>
+            </a:r>
+            <a:r>
+              <a:rPr lang="ja-JP" altLang="en-US" sz="3200" dirty="0" smtClean="0"/>
+              <a:t>の</a:t>
+            </a:r>
+            <a:r>
+              <a:rPr lang="en-US" altLang="ja-JP" sz="3200" dirty="0" smtClean="0"/>
+              <a:t>Street</a:t>
+            </a:r>
+            <a:r>
+              <a:rPr lang="ja-JP" altLang="en-US" sz="3200" dirty="0" smtClean="0"/>
+              <a:t>を使用すべきだ。</a:t>
+            </a:r>
+            <a:endParaRPr lang="en-US" altLang="ja-JP" sz="3200" dirty="0" smtClean="0"/>
+          </a:p>
+        </p:txBody>
+      </p:sp>
+      <p:pic>
+        <p:nvPicPr>
+          <p:cNvPr id="4" name="Picture 2"/>
+          <p:cNvPicPr>
+            <a:picLocks noChangeAspect="1" noChangeArrowheads="1"/>
+          </p:cNvPicPr>
+          <p:nvPr/>
+        </p:nvPicPr>
+        <p:blipFill>
+          <a:blip r:embed="rId3">
+            <a:extLst>
+              <a:ext uri="{28A0092B-C50C-407E-A947-70E740481C1C}">
+                <a14:useLocalDpi xmlns:a14="http://schemas.microsoft.com/office/drawing/2010/main" val="0"/>
+              </a:ext>
+            </a:extLst>
+          </a:blip>
+          <a:srcRect/>
+          <a:stretch>
+            <a:fillRect/>
+          </a:stretch>
+        </p:blipFill>
+        <p:spPr bwMode="auto">
+          <a:xfrm>
+            <a:off x="114300" y="2140640"/>
+            <a:ext cx="4038599" cy="4631220"/>
+          </a:xfrm>
+          <a:prstGeom prst="rect">
+            <a:avLst/>
+          </a:prstGeom>
+          <a:noFill/>
+          <a:ln>
+            <a:noFill/>
+          </a:ln>
+          <a:extLst>
+            <a:ext uri="{909E8E84-426E-40DD-AFC4-6F175D3DCCD1}">
+              <a14:hiddenFill xmlns:a14="http://schemas.microsoft.com/office/drawing/2010/main">
+                <a:solidFill>
+                  <a:schemeClr val="accent1"/>
+                </a:solidFill>
+              </a14:hiddenFill>
+            </a:ext>
+            <a:ext uri="{91240B29-F687-4F45-9708-019B960494DF}">
+              <a14:hiddenLine xmlns:a14="http://schemas.microsoft.com/office/drawing/2010/main" w="9525">
+                <a:solidFill>
+                  <a:schemeClr val="tx1"/>
+                </a:solidFill>
+                <a:miter lim="800000"/>
+                <a:headEnd/>
+                <a:tailEnd/>
+              </a14:hiddenLine>
+            </a:ext>
+          </a:extLst>
+        </p:spPr>
+      </p:pic>
+      <p:sp>
+        <p:nvSpPr>
+          <p:cNvPr id="2" name="Oval 1"/>
+          <p:cNvSpPr/>
+          <p:nvPr/>
+        </p:nvSpPr>
+        <p:spPr>
+          <a:xfrm rot="21074808">
+            <a:off x="-63378" y="2790334"/>
+            <a:ext cx="4267200" cy="388958"/>
+          </a:xfrm>
+          <a:prstGeom prst="ellipse">
+            <a:avLst/>
+          </a:prstGeom>
+          <a:noFill/>
+          <a:ln>
+            <a:solidFill>
+              <a:schemeClr val="tx1"/>
+            </a:solidFill>
+            <a:prstDash val="dash"/>
+          </a:ln>
+        </p:spPr>
+        <p:style>
+          <a:lnRef idx="2">
+            <a:schemeClr val="accent1">
+              <a:shade val="50000"/>
+            </a:schemeClr>
+          </a:lnRef>
+          <a:fillRef idx="1">
+            <a:schemeClr val="accent1"/>
+          </a:fillRef>
+          <a:effectRef idx="0">
+            <a:schemeClr val="accent1"/>
+          </a:effectRef>
+          <a:fontRef idx="minor">
+            <a:schemeClr val="lt1"/>
+          </a:fontRef>
+        </p:style>
+        <p:txBody>
+          <a:bodyPr rtlCol="0" anchor="ctr"/>
+          <a:lstStyle/>
+          <a:p>
+            <a:pPr algn="ctr"/>
+            <a:endParaRPr lang="en-US"/>
+          </a:p>
+        </p:txBody>
+      </p:sp>
+    </p:spTree>
+    <p:extLst>
+      <p:ext uri="{BB962C8B-B14F-4D97-AF65-F5344CB8AC3E}">
+        <p14:creationId xmlns:p14="http://schemas.microsoft.com/office/powerpoint/2010/main" val="2260915333"/>
+      </p:ext>
+    </p:extLst>
+  </p:cSld>
+  <p:clrMapOvr>
+    <a:masterClrMapping/>
+  </p:clrMapOvr>
+</p:sld>
+</file>
+
+<file path=ppt/slides/slide5.xml><?xml version="1.0" encoding="utf-8"?>
+<p:sld xmlns:a="http://schemas.openxmlformats.org/drawingml/2006/main" xmlns:r="http://schemas.openxmlformats.org/officeDocument/2006/relationships" xmlns:p="http://schemas.openxmlformats.org/presentationml/2006/main">
+  <p:cSld>
+    <p:spTree>
+      <p:nvGrpSpPr>
+        <p:cNvPr id="1" name=""/>
+        <p:cNvGrpSpPr/>
+        <p:nvPr/>
+      </p:nvGrpSpPr>
+      <p:grpSpPr>
+        <a:xfrm>
+          <a:off x="0" y="0"/>
+          <a:ext cx="0" cy="0"/>
+          <a:chOff x="0" y="0"/>
+          <a:chExt cx="0" cy="0"/>
+        </a:xfrm>
+      </p:grpSpPr>
+      <p:pic>
+        <p:nvPicPr>
+          <p:cNvPr id="2051" name="Picture 3"/>
+          <p:cNvPicPr>
+            <a:picLocks noChangeAspect="1" noChangeArrowheads="1"/>
+          </p:cNvPicPr>
+          <p:nvPr/>
+        </p:nvPicPr>
+        <p:blipFill>
+          <a:blip r:embed="rId2">
+            <a:extLst>
+              <a:ext uri="{28A0092B-C50C-407E-A947-70E740481C1C}">
+                <a14:useLocalDpi xmlns:a14="http://schemas.microsoft.com/office/drawing/2010/main" val="0"/>
+              </a:ext>
+            </a:extLst>
+          </a:blip>
+          <a:srcRect/>
+          <a:stretch>
+            <a:fillRect/>
+          </a:stretch>
+        </p:blipFill>
+        <p:spPr bwMode="auto">
+          <a:xfrm>
+            <a:off x="2057400" y="1905001"/>
+            <a:ext cx="4942703" cy="4953000"/>
+          </a:xfrm>
+          <a:prstGeom prst="rect">
+            <a:avLst/>
+          </a:prstGeom>
+          <a:noFill/>
+          <a:ln>
+            <a:noFill/>
+          </a:ln>
+          <a:extLst>
+            <a:ext uri="{909E8E84-426E-40DD-AFC4-6F175D3DCCD1}">
+              <a14:hiddenFill xmlns:a14="http://schemas.microsoft.com/office/drawing/2010/main">
+                <a:solidFill>
+                  <a:schemeClr val="accent1"/>
+                </a:solidFill>
+              </a14:hiddenFill>
+            </a:ext>
+            <a:ext uri="{91240B29-F687-4F45-9708-019B960494DF}">
+              <a14:hiddenLine xmlns:a14="http://schemas.microsoft.com/office/drawing/2010/main" w="9525">
+                <a:solidFill>
+                  <a:schemeClr val="tx1"/>
+                </a:solidFill>
+                <a:miter lim="800000"/>
+                <a:headEnd/>
+                <a:tailEnd/>
+              </a14:hiddenLine>
+            </a:ext>
+          </a:extLst>
+        </p:spPr>
+      </p:pic>
+      <p:sp>
+        <p:nvSpPr>
+          <p:cNvPr id="3" name="TextBox 2"/>
+          <p:cNvSpPr txBox="1"/>
+          <p:nvPr/>
+        </p:nvSpPr>
+        <p:spPr>
+          <a:xfrm>
+            <a:off x="0" y="-13195"/>
+            <a:ext cx="7585731" cy="1569660"/>
+          </a:xfrm>
+          <a:prstGeom prst="rect">
+            <a:avLst/>
+          </a:prstGeom>
+          <a:noFill/>
+        </p:spPr>
+        <p:txBody>
+          <a:bodyPr wrap="none" rtlCol="0">
+            <a:spAutoFit/>
+          </a:bodyPr>
+          <a:lstStyle/>
+          <a:p>
+            <a:r>
+              <a:rPr lang="ja-JP" altLang="en-US" sz="3200" dirty="0" smtClean="0"/>
+              <a:t>道路の生成（</a:t>
+            </a:r>
+            <a:r>
+              <a:rPr lang="en-US" altLang="ja-JP" sz="3200" dirty="0" smtClean="0"/>
+              <a:t>Avenue</a:t>
+            </a:r>
+            <a:r>
+              <a:rPr lang="ja-JP" altLang="en-US" sz="3200" dirty="0" smtClean="0"/>
+              <a:t>）</a:t>
+            </a:r>
+            <a:endParaRPr lang="en-US" altLang="ja-JP" sz="3200" dirty="0" smtClean="0"/>
+          </a:p>
+          <a:p>
+            <a:r>
+              <a:rPr lang="en-US" altLang="ja-JP" sz="3200" dirty="0" smtClean="0"/>
+              <a:t>Iteration: 5</a:t>
+            </a:r>
+          </a:p>
+          <a:p>
+            <a:r>
+              <a:rPr lang="en-US" altLang="ja-JP" sz="3200" dirty="0" smtClean="0"/>
+              <a:t>Snap: ON</a:t>
+            </a:r>
+            <a:r>
+              <a:rPr lang="ja-JP" altLang="en-US" sz="3200" dirty="0"/>
+              <a:t>　</a:t>
+            </a:r>
+            <a:r>
+              <a:rPr lang="ja-JP" altLang="en-US" sz="3200" dirty="0" smtClean="0"/>
+              <a:t>（</a:t>
+            </a:r>
+            <a:r>
+              <a:rPr lang="en-US" altLang="ja-JP" sz="3200" dirty="0" smtClean="0"/>
+              <a:t>10m</a:t>
+            </a:r>
+            <a:r>
+              <a:rPr lang="ja-JP" altLang="en-US" sz="3200" dirty="0" smtClean="0"/>
+              <a:t>。ただし、最後の点は</a:t>
+            </a:r>
+            <a:r>
+              <a:rPr lang="en-US" altLang="ja-JP" sz="3200" dirty="0" smtClean="0"/>
+              <a:t>40m</a:t>
+            </a:r>
+            <a:r>
+              <a:rPr lang="ja-JP" altLang="en-US" sz="3200" dirty="0" smtClean="0"/>
+              <a:t>）</a:t>
+            </a:r>
+            <a:endParaRPr lang="en-US" altLang="ja-JP" sz="3200" dirty="0" smtClean="0"/>
+          </a:p>
+        </p:txBody>
+      </p:sp>
+      <p:sp>
+        <p:nvSpPr>
+          <p:cNvPr id="4" name="TextBox 3"/>
+          <p:cNvSpPr txBox="1"/>
+          <p:nvPr/>
+        </p:nvSpPr>
+        <p:spPr>
+          <a:xfrm>
+            <a:off x="3397441" y="4240840"/>
+            <a:ext cx="301686" cy="369332"/>
+          </a:xfrm>
+          <a:prstGeom prst="rect">
+            <a:avLst/>
+          </a:prstGeom>
+          <a:noFill/>
+        </p:spPr>
+        <p:txBody>
+          <a:bodyPr wrap="none" rtlCol="0">
+            <a:spAutoFit/>
+          </a:bodyPr>
+          <a:lstStyle/>
+          <a:p>
+            <a:r>
+              <a:rPr lang="en-US" dirty="0" smtClean="0"/>
+              <a:t>4</a:t>
+            </a:r>
+            <a:endParaRPr lang="en-US" dirty="0"/>
+          </a:p>
+        </p:txBody>
+      </p:sp>
+      <p:sp>
+        <p:nvSpPr>
+          <p:cNvPr id="5" name="TextBox 4"/>
+          <p:cNvSpPr txBox="1"/>
+          <p:nvPr/>
+        </p:nvSpPr>
+        <p:spPr>
+          <a:xfrm>
+            <a:off x="3333176" y="3871508"/>
+            <a:ext cx="301686" cy="369332"/>
+          </a:xfrm>
+          <a:prstGeom prst="rect">
+            <a:avLst/>
+          </a:prstGeom>
+          <a:noFill/>
+        </p:spPr>
+        <p:txBody>
+          <a:bodyPr wrap="none" rtlCol="0">
+            <a:spAutoFit/>
+          </a:bodyPr>
+          <a:lstStyle/>
+          <a:p>
+            <a:r>
+              <a:rPr lang="en-US" dirty="0" smtClean="0"/>
+              <a:t>5</a:t>
+            </a:r>
+            <a:endParaRPr lang="en-US" dirty="0"/>
+          </a:p>
+        </p:txBody>
+      </p:sp>
+      <p:sp>
+        <p:nvSpPr>
+          <p:cNvPr id="6" name="TextBox 5"/>
+          <p:cNvSpPr txBox="1"/>
+          <p:nvPr/>
+        </p:nvSpPr>
+        <p:spPr>
+          <a:xfrm>
+            <a:off x="5377084" y="4019922"/>
+            <a:ext cx="301686" cy="369332"/>
+          </a:xfrm>
+          <a:prstGeom prst="rect">
+            <a:avLst/>
+          </a:prstGeom>
+          <a:noFill/>
+        </p:spPr>
+        <p:txBody>
+          <a:bodyPr wrap="none" rtlCol="0">
+            <a:spAutoFit/>
+          </a:bodyPr>
+          <a:lstStyle/>
+          <a:p>
+            <a:r>
+              <a:rPr lang="en-US" dirty="0" smtClean="0"/>
+              <a:t>6</a:t>
+            </a:r>
+            <a:endParaRPr lang="en-US" dirty="0"/>
+          </a:p>
+        </p:txBody>
+      </p:sp>
+      <p:sp>
+        <p:nvSpPr>
+          <p:cNvPr id="7" name="TextBox 6"/>
+          <p:cNvSpPr txBox="1"/>
+          <p:nvPr/>
+        </p:nvSpPr>
+        <p:spPr>
+          <a:xfrm>
+            <a:off x="3484019" y="4762572"/>
+            <a:ext cx="301686" cy="369332"/>
+          </a:xfrm>
+          <a:prstGeom prst="rect">
+            <a:avLst/>
+          </a:prstGeom>
+          <a:noFill/>
+        </p:spPr>
+        <p:txBody>
+          <a:bodyPr wrap="none" rtlCol="0">
+            <a:spAutoFit/>
+          </a:bodyPr>
+          <a:lstStyle/>
+          <a:p>
+            <a:r>
+              <a:rPr lang="en-US" dirty="0" smtClean="0"/>
+              <a:t>7</a:t>
+            </a:r>
+            <a:endParaRPr lang="en-US" dirty="0"/>
+          </a:p>
+        </p:txBody>
+      </p:sp>
+      <p:sp>
+        <p:nvSpPr>
+          <p:cNvPr id="8" name="TextBox 7"/>
+          <p:cNvSpPr txBox="1"/>
+          <p:nvPr/>
+        </p:nvSpPr>
+        <p:spPr>
+          <a:xfrm>
+            <a:off x="5450619" y="3433658"/>
+            <a:ext cx="301686" cy="369332"/>
+          </a:xfrm>
+          <a:prstGeom prst="rect">
+            <a:avLst/>
+          </a:prstGeom>
+          <a:noFill/>
+        </p:spPr>
+        <p:txBody>
+          <a:bodyPr wrap="none" rtlCol="0">
+            <a:spAutoFit/>
+          </a:bodyPr>
+          <a:lstStyle/>
+          <a:p>
+            <a:r>
+              <a:rPr lang="en-US" dirty="0" smtClean="0"/>
+              <a:t>8</a:t>
+            </a:r>
+            <a:endParaRPr lang="en-US" dirty="0"/>
+          </a:p>
+        </p:txBody>
+      </p:sp>
+      <p:sp>
+        <p:nvSpPr>
+          <p:cNvPr id="9" name="TextBox 8"/>
+          <p:cNvSpPr txBox="1"/>
+          <p:nvPr/>
+        </p:nvSpPr>
+        <p:spPr>
+          <a:xfrm>
+            <a:off x="3182333" y="2654074"/>
+            <a:ext cx="301686" cy="369332"/>
+          </a:xfrm>
+          <a:prstGeom prst="rect">
+            <a:avLst/>
+          </a:prstGeom>
+          <a:noFill/>
+        </p:spPr>
+        <p:txBody>
+          <a:bodyPr wrap="none" rtlCol="0">
+            <a:spAutoFit/>
+          </a:bodyPr>
+          <a:lstStyle/>
+          <a:p>
+            <a:r>
+              <a:rPr lang="en-US" dirty="0" smtClean="0"/>
+              <a:t>9</a:t>
+            </a:r>
+            <a:endParaRPr lang="en-US" dirty="0"/>
+          </a:p>
+        </p:txBody>
+      </p:sp>
+      <p:sp>
+        <p:nvSpPr>
+          <p:cNvPr id="10" name="TextBox 9"/>
+          <p:cNvSpPr txBox="1"/>
+          <p:nvPr/>
+        </p:nvSpPr>
+        <p:spPr>
+          <a:xfrm>
+            <a:off x="1752600" y="4205639"/>
+            <a:ext cx="418704" cy="369332"/>
+          </a:xfrm>
+          <a:prstGeom prst="rect">
+            <a:avLst/>
+          </a:prstGeom>
+          <a:noFill/>
+        </p:spPr>
+        <p:txBody>
+          <a:bodyPr wrap="none" rtlCol="0">
+            <a:spAutoFit/>
+          </a:bodyPr>
+          <a:lstStyle/>
+          <a:p>
+            <a:r>
+              <a:rPr lang="en-US" dirty="0" smtClean="0"/>
+              <a:t>10</a:t>
+            </a:r>
+            <a:endParaRPr lang="en-US" dirty="0"/>
+          </a:p>
+        </p:txBody>
+      </p:sp>
+      <p:sp>
+        <p:nvSpPr>
+          <p:cNvPr id="12" name="TextBox 11"/>
+          <p:cNvSpPr txBox="1"/>
+          <p:nvPr/>
+        </p:nvSpPr>
+        <p:spPr>
+          <a:xfrm>
+            <a:off x="5034167" y="2318266"/>
+            <a:ext cx="418704" cy="369332"/>
+          </a:xfrm>
+          <a:prstGeom prst="rect">
+            <a:avLst/>
+          </a:prstGeom>
+          <a:noFill/>
+        </p:spPr>
+        <p:txBody>
+          <a:bodyPr wrap="none" rtlCol="0">
+            <a:spAutoFit/>
+          </a:bodyPr>
+          <a:lstStyle/>
+          <a:p>
+            <a:r>
+              <a:rPr lang="en-US" dirty="0" smtClean="0"/>
+              <a:t>20</a:t>
+            </a:r>
+            <a:endParaRPr lang="en-US" dirty="0"/>
+          </a:p>
+        </p:txBody>
+      </p:sp>
+      <p:sp>
+        <p:nvSpPr>
+          <p:cNvPr id="13" name="TextBox 12"/>
+          <p:cNvSpPr txBox="1"/>
+          <p:nvPr/>
+        </p:nvSpPr>
+        <p:spPr>
+          <a:xfrm>
+            <a:off x="6477000" y="3284033"/>
+            <a:ext cx="418704" cy="369332"/>
+          </a:xfrm>
+          <a:prstGeom prst="rect">
+            <a:avLst/>
+          </a:prstGeom>
+          <a:noFill/>
+        </p:spPr>
+        <p:txBody>
+          <a:bodyPr wrap="none" rtlCol="0">
+            <a:spAutoFit/>
+          </a:bodyPr>
+          <a:lstStyle/>
+          <a:p>
+            <a:r>
+              <a:rPr lang="en-US" dirty="0" smtClean="0"/>
+              <a:t>19</a:t>
+            </a:r>
+            <a:endParaRPr lang="en-US" dirty="0"/>
+          </a:p>
+        </p:txBody>
+      </p:sp>
+      <p:sp>
+        <p:nvSpPr>
+          <p:cNvPr id="14" name="TextBox 13"/>
+          <p:cNvSpPr txBox="1"/>
+          <p:nvPr/>
+        </p:nvSpPr>
+        <p:spPr>
+          <a:xfrm>
+            <a:off x="3914131" y="6096000"/>
+            <a:ext cx="418704" cy="369332"/>
+          </a:xfrm>
+          <a:prstGeom prst="rect">
+            <a:avLst/>
+          </a:prstGeom>
+          <a:noFill/>
+        </p:spPr>
+        <p:txBody>
+          <a:bodyPr wrap="none" rtlCol="0">
+            <a:spAutoFit/>
+          </a:bodyPr>
+          <a:lstStyle/>
+          <a:p>
+            <a:r>
+              <a:rPr lang="en-US" dirty="0" smtClean="0"/>
+              <a:t>15</a:t>
+            </a:r>
+            <a:endParaRPr lang="en-US" dirty="0"/>
+          </a:p>
+        </p:txBody>
+      </p:sp>
+      <p:sp>
+        <p:nvSpPr>
+          <p:cNvPr id="15" name="TextBox 14"/>
+          <p:cNvSpPr txBox="1"/>
+          <p:nvPr/>
+        </p:nvSpPr>
+        <p:spPr>
+          <a:xfrm>
+            <a:off x="1490026" y="4906618"/>
+            <a:ext cx="418704" cy="369332"/>
+          </a:xfrm>
+          <a:prstGeom prst="rect">
+            <a:avLst/>
+          </a:prstGeom>
+          <a:noFill/>
+        </p:spPr>
+        <p:txBody>
+          <a:bodyPr wrap="none" rtlCol="0">
+            <a:spAutoFit/>
+          </a:bodyPr>
+          <a:lstStyle/>
+          <a:p>
+            <a:r>
+              <a:rPr lang="en-US" dirty="0" smtClean="0"/>
+              <a:t>16</a:t>
+            </a:r>
+            <a:endParaRPr lang="en-US" dirty="0"/>
+          </a:p>
+        </p:txBody>
+      </p:sp>
+      <p:sp>
+        <p:nvSpPr>
+          <p:cNvPr id="16" name="TextBox 15"/>
+          <p:cNvSpPr txBox="1"/>
+          <p:nvPr/>
+        </p:nvSpPr>
+        <p:spPr>
+          <a:xfrm>
+            <a:off x="5333601" y="4372498"/>
+            <a:ext cx="418704" cy="369332"/>
+          </a:xfrm>
+          <a:prstGeom prst="rect">
+            <a:avLst/>
+          </a:prstGeom>
+          <a:noFill/>
+        </p:spPr>
+        <p:txBody>
+          <a:bodyPr wrap="none" rtlCol="0">
+            <a:spAutoFit/>
+          </a:bodyPr>
+          <a:lstStyle/>
+          <a:p>
+            <a:r>
+              <a:rPr lang="en-US" dirty="0" smtClean="0"/>
+              <a:t>14</a:t>
+            </a:r>
+            <a:endParaRPr lang="en-US" dirty="0"/>
+          </a:p>
+        </p:txBody>
+      </p:sp>
+      <p:sp>
+        <p:nvSpPr>
+          <p:cNvPr id="17" name="Oval 16"/>
+          <p:cNvSpPr/>
+          <p:nvPr/>
+        </p:nvSpPr>
+        <p:spPr>
+          <a:xfrm>
+            <a:off x="5181600" y="3690346"/>
+            <a:ext cx="304800" cy="304800"/>
+          </a:xfrm>
+          <a:prstGeom prst="ellipse">
+            <a:avLst/>
+          </a:prstGeom>
+          <a:noFill/>
+          <a:ln>
+            <a:prstDash val="sysDash"/>
+          </a:ln>
+        </p:spPr>
+        <p:style>
+          <a:lnRef idx="2">
+            <a:schemeClr val="accent1">
+              <a:shade val="50000"/>
+            </a:schemeClr>
+          </a:lnRef>
+          <a:fillRef idx="1">
+            <a:schemeClr val="accent1"/>
+          </a:fillRef>
+          <a:effectRef idx="0">
+            <a:schemeClr val="accent1"/>
+          </a:effectRef>
+          <a:fontRef idx="minor">
+            <a:schemeClr val="lt1"/>
+          </a:fontRef>
+        </p:style>
+        <p:txBody>
+          <a:bodyPr rtlCol="0" anchor="ctr"/>
+          <a:lstStyle/>
+          <a:p>
+            <a:pPr algn="ctr"/>
+            <a:endParaRPr lang="en-US"/>
+          </a:p>
+        </p:txBody>
+      </p:sp>
+    </p:spTree>
+    <p:extLst>
+      <p:ext uri="{BB962C8B-B14F-4D97-AF65-F5344CB8AC3E}">
+        <p14:creationId xmlns:p14="http://schemas.microsoft.com/office/powerpoint/2010/main" val="2783273200"/>
+      </p:ext>
+    </p:extLst>
+  </p:cSld>
+  <p:clrMapOvr>
+    <a:masterClrMapping/>
+  </p:clrMapOvr>
+</p:sld>
+</file>
+
+<file path=ppt/slides/slide50.xml><?xml version="1.0" encoding="utf-8"?>
 <p:sld xmlns:a="http://schemas.openxmlformats.org/drawingml/2006/main" xmlns:r="http://schemas.openxmlformats.org/officeDocument/2006/relationships" xmlns:p="http://schemas.openxmlformats.org/presentationml/2006/main">
   <p:cSld>
     <p:spTree>
@@ -14916,7 +17113,7 @@
 </p:sld>
 </file>
 
-<file path=ppt/slides/slide46.xml><?xml version="1.0" encoding="utf-8"?>
+<file path=ppt/slides/slide51.xml><?xml version="1.0" encoding="utf-8"?>
 <p:sld xmlns:a="http://schemas.openxmlformats.org/drawingml/2006/main" xmlns:r="http://schemas.openxmlformats.org/officeDocument/2006/relationships" xmlns:p="http://schemas.openxmlformats.org/presentationml/2006/main">
   <p:cSld>
     <p:spTree>
@@ -15830,7 +18027,7 @@
 </p:sld>
 </file>
 
-<file path=ppt/slides/slide47.xml><?xml version="1.0" encoding="utf-8"?>
+<file path=ppt/slides/slide52.xml><?xml version="1.0" encoding="utf-8"?>
 <p:sld xmlns:a="http://schemas.openxmlformats.org/drawingml/2006/main" xmlns:r="http://schemas.openxmlformats.org/officeDocument/2006/relationships" xmlns:p="http://schemas.openxmlformats.org/presentationml/2006/main">
   <p:cSld>
     <p:spTree>
@@ -16373,7 +18570,7 @@
 </p:sld>
 </file>
 
-<file path=ppt/slides/slide48.xml><?xml version="1.0" encoding="utf-8"?>
+<file path=ppt/slides/slide53.xml><?xml version="1.0" encoding="utf-8"?>
 <p:sld xmlns:a="http://schemas.openxmlformats.org/drawingml/2006/main" xmlns:r="http://schemas.openxmlformats.org/officeDocument/2006/relationships" xmlns:p="http://schemas.openxmlformats.org/presentationml/2006/main">
   <p:cSld>
     <p:spTree>
@@ -16887,7 +19084,7 @@
 </p:sld>
 </file>
 
-<file path=ppt/slides/slide49.xml><?xml version="1.0" encoding="utf-8"?>
+<file path=ppt/slides/slide54.xml><?xml version="1.0" encoding="utf-8"?>
 <p:sld xmlns:a="http://schemas.openxmlformats.org/drawingml/2006/main" xmlns:r="http://schemas.openxmlformats.org/officeDocument/2006/relationships" xmlns:p="http://schemas.openxmlformats.org/presentationml/2006/main">
   <p:cSld>
     <p:spTree>
@@ -17341,570 +19538,7 @@
 </p:sld>
 </file>
 
-<file path=ppt/slides/slide5.xml><?xml version="1.0" encoding="utf-8"?>
-<p:sld xmlns:a="http://schemas.openxmlformats.org/drawingml/2006/main" xmlns:r="http://schemas.openxmlformats.org/officeDocument/2006/relationships" xmlns:p="http://schemas.openxmlformats.org/presentationml/2006/main">
-  <p:cSld>
-    <p:spTree>
-      <p:nvGrpSpPr>
-        <p:cNvPr id="1" name=""/>
-        <p:cNvGrpSpPr/>
-        <p:nvPr/>
-      </p:nvGrpSpPr>
-      <p:grpSpPr>
-        <a:xfrm>
-          <a:off x="0" y="0"/>
-          <a:ext cx="0" cy="0"/>
-          <a:chOff x="0" y="0"/>
-          <a:chExt cx="0" cy="0"/>
-        </a:xfrm>
-      </p:grpSpPr>
-      <p:pic>
-        <p:nvPicPr>
-          <p:cNvPr id="2051" name="Picture 3"/>
-          <p:cNvPicPr>
-            <a:picLocks noChangeAspect="1" noChangeArrowheads="1"/>
-          </p:cNvPicPr>
-          <p:nvPr/>
-        </p:nvPicPr>
-        <p:blipFill>
-          <a:blip r:embed="rId2">
-            <a:extLst>
-              <a:ext uri="{28A0092B-C50C-407E-A947-70E740481C1C}">
-                <a14:useLocalDpi xmlns:a14="http://schemas.microsoft.com/office/drawing/2010/main" val="0"/>
-              </a:ext>
-            </a:extLst>
-          </a:blip>
-          <a:srcRect/>
-          <a:stretch>
-            <a:fillRect/>
-          </a:stretch>
-        </p:blipFill>
-        <p:spPr bwMode="auto">
-          <a:xfrm>
-            <a:off x="2057400" y="1905001"/>
-            <a:ext cx="4942703" cy="4953000"/>
-          </a:xfrm>
-          <a:prstGeom prst="rect">
-            <a:avLst/>
-          </a:prstGeom>
-          <a:noFill/>
-          <a:ln>
-            <a:noFill/>
-          </a:ln>
-          <a:extLst>
-            <a:ext uri="{909E8E84-426E-40DD-AFC4-6F175D3DCCD1}">
-              <a14:hiddenFill xmlns:a14="http://schemas.microsoft.com/office/drawing/2010/main">
-                <a:solidFill>
-                  <a:schemeClr val="accent1"/>
-                </a:solidFill>
-              </a14:hiddenFill>
-            </a:ext>
-            <a:ext uri="{91240B29-F687-4F45-9708-019B960494DF}">
-              <a14:hiddenLine xmlns:a14="http://schemas.microsoft.com/office/drawing/2010/main" w="9525">
-                <a:solidFill>
-                  <a:schemeClr val="tx1"/>
-                </a:solidFill>
-                <a:miter lim="800000"/>
-                <a:headEnd/>
-                <a:tailEnd/>
-              </a14:hiddenLine>
-            </a:ext>
-          </a:extLst>
-        </p:spPr>
-      </p:pic>
-      <p:sp>
-        <p:nvSpPr>
-          <p:cNvPr id="3" name="TextBox 2"/>
-          <p:cNvSpPr txBox="1"/>
-          <p:nvPr/>
-        </p:nvSpPr>
-        <p:spPr>
-          <a:xfrm>
-            <a:off x="0" y="-13195"/>
-            <a:ext cx="7585731" cy="1569660"/>
-          </a:xfrm>
-          <a:prstGeom prst="rect">
-            <a:avLst/>
-          </a:prstGeom>
-          <a:noFill/>
-        </p:spPr>
-        <p:txBody>
-          <a:bodyPr wrap="none" rtlCol="0">
-            <a:spAutoFit/>
-          </a:bodyPr>
-          <a:lstStyle/>
-          <a:p>
-            <a:r>
-              <a:rPr lang="ja-JP" altLang="en-US" sz="3200" dirty="0" smtClean="0"/>
-              <a:t>道路の生成（</a:t>
-            </a:r>
-            <a:r>
-              <a:rPr lang="en-US" altLang="ja-JP" sz="3200" dirty="0" smtClean="0"/>
-              <a:t>Avenue</a:t>
-            </a:r>
-            <a:r>
-              <a:rPr lang="ja-JP" altLang="en-US" sz="3200" dirty="0" smtClean="0"/>
-              <a:t>）</a:t>
-            </a:r>
-            <a:endParaRPr lang="en-US" altLang="ja-JP" sz="3200" dirty="0" smtClean="0"/>
-          </a:p>
-          <a:p>
-            <a:r>
-              <a:rPr lang="en-US" altLang="ja-JP" sz="3200" dirty="0" smtClean="0"/>
-              <a:t>Iteration: 5</a:t>
-            </a:r>
-          </a:p>
-          <a:p>
-            <a:r>
-              <a:rPr lang="en-US" altLang="ja-JP" sz="3200" dirty="0" smtClean="0"/>
-              <a:t>Snap: ON</a:t>
-            </a:r>
-            <a:r>
-              <a:rPr lang="ja-JP" altLang="en-US" sz="3200" dirty="0"/>
-              <a:t>　</a:t>
-            </a:r>
-            <a:r>
-              <a:rPr lang="ja-JP" altLang="en-US" sz="3200" dirty="0" smtClean="0"/>
-              <a:t>（</a:t>
-            </a:r>
-            <a:r>
-              <a:rPr lang="en-US" altLang="ja-JP" sz="3200" dirty="0" smtClean="0"/>
-              <a:t>10m</a:t>
-            </a:r>
-            <a:r>
-              <a:rPr lang="ja-JP" altLang="en-US" sz="3200" dirty="0" smtClean="0"/>
-              <a:t>。ただし、最後の点は</a:t>
-            </a:r>
-            <a:r>
-              <a:rPr lang="en-US" altLang="ja-JP" sz="3200" dirty="0" smtClean="0"/>
-              <a:t>40m</a:t>
-            </a:r>
-            <a:r>
-              <a:rPr lang="ja-JP" altLang="en-US" sz="3200" dirty="0" smtClean="0"/>
-              <a:t>）</a:t>
-            </a:r>
-            <a:endParaRPr lang="en-US" altLang="ja-JP" sz="3200" dirty="0" smtClean="0"/>
-          </a:p>
-        </p:txBody>
-      </p:sp>
-      <p:sp>
-        <p:nvSpPr>
-          <p:cNvPr id="4" name="TextBox 3"/>
-          <p:cNvSpPr txBox="1"/>
-          <p:nvPr/>
-        </p:nvSpPr>
-        <p:spPr>
-          <a:xfrm>
-            <a:off x="3397441" y="4240840"/>
-            <a:ext cx="301686" cy="369332"/>
-          </a:xfrm>
-          <a:prstGeom prst="rect">
-            <a:avLst/>
-          </a:prstGeom>
-          <a:noFill/>
-        </p:spPr>
-        <p:txBody>
-          <a:bodyPr wrap="none" rtlCol="0">
-            <a:spAutoFit/>
-          </a:bodyPr>
-          <a:lstStyle/>
-          <a:p>
-            <a:r>
-              <a:rPr lang="en-US" dirty="0" smtClean="0"/>
-              <a:t>4</a:t>
-            </a:r>
-            <a:endParaRPr lang="en-US" dirty="0"/>
-          </a:p>
-        </p:txBody>
-      </p:sp>
-      <p:sp>
-        <p:nvSpPr>
-          <p:cNvPr id="5" name="TextBox 4"/>
-          <p:cNvSpPr txBox="1"/>
-          <p:nvPr/>
-        </p:nvSpPr>
-        <p:spPr>
-          <a:xfrm>
-            <a:off x="3333176" y="3871508"/>
-            <a:ext cx="301686" cy="369332"/>
-          </a:xfrm>
-          <a:prstGeom prst="rect">
-            <a:avLst/>
-          </a:prstGeom>
-          <a:noFill/>
-        </p:spPr>
-        <p:txBody>
-          <a:bodyPr wrap="none" rtlCol="0">
-            <a:spAutoFit/>
-          </a:bodyPr>
-          <a:lstStyle/>
-          <a:p>
-            <a:r>
-              <a:rPr lang="en-US" dirty="0" smtClean="0"/>
-              <a:t>5</a:t>
-            </a:r>
-            <a:endParaRPr lang="en-US" dirty="0"/>
-          </a:p>
-        </p:txBody>
-      </p:sp>
-      <p:sp>
-        <p:nvSpPr>
-          <p:cNvPr id="6" name="TextBox 5"/>
-          <p:cNvSpPr txBox="1"/>
-          <p:nvPr/>
-        </p:nvSpPr>
-        <p:spPr>
-          <a:xfrm>
-            <a:off x="5377084" y="4019922"/>
-            <a:ext cx="301686" cy="369332"/>
-          </a:xfrm>
-          <a:prstGeom prst="rect">
-            <a:avLst/>
-          </a:prstGeom>
-          <a:noFill/>
-        </p:spPr>
-        <p:txBody>
-          <a:bodyPr wrap="none" rtlCol="0">
-            <a:spAutoFit/>
-          </a:bodyPr>
-          <a:lstStyle/>
-          <a:p>
-            <a:r>
-              <a:rPr lang="en-US" dirty="0" smtClean="0"/>
-              <a:t>6</a:t>
-            </a:r>
-            <a:endParaRPr lang="en-US" dirty="0"/>
-          </a:p>
-        </p:txBody>
-      </p:sp>
-      <p:sp>
-        <p:nvSpPr>
-          <p:cNvPr id="7" name="TextBox 6"/>
-          <p:cNvSpPr txBox="1"/>
-          <p:nvPr/>
-        </p:nvSpPr>
-        <p:spPr>
-          <a:xfrm>
-            <a:off x="3484019" y="4762572"/>
-            <a:ext cx="301686" cy="369332"/>
-          </a:xfrm>
-          <a:prstGeom prst="rect">
-            <a:avLst/>
-          </a:prstGeom>
-          <a:noFill/>
-        </p:spPr>
-        <p:txBody>
-          <a:bodyPr wrap="none" rtlCol="0">
-            <a:spAutoFit/>
-          </a:bodyPr>
-          <a:lstStyle/>
-          <a:p>
-            <a:r>
-              <a:rPr lang="en-US" dirty="0" smtClean="0"/>
-              <a:t>7</a:t>
-            </a:r>
-            <a:endParaRPr lang="en-US" dirty="0"/>
-          </a:p>
-        </p:txBody>
-      </p:sp>
-      <p:sp>
-        <p:nvSpPr>
-          <p:cNvPr id="8" name="TextBox 7"/>
-          <p:cNvSpPr txBox="1"/>
-          <p:nvPr/>
-        </p:nvSpPr>
-        <p:spPr>
-          <a:xfrm>
-            <a:off x="5450619" y="3433658"/>
-            <a:ext cx="301686" cy="369332"/>
-          </a:xfrm>
-          <a:prstGeom prst="rect">
-            <a:avLst/>
-          </a:prstGeom>
-          <a:noFill/>
-        </p:spPr>
-        <p:txBody>
-          <a:bodyPr wrap="none" rtlCol="0">
-            <a:spAutoFit/>
-          </a:bodyPr>
-          <a:lstStyle/>
-          <a:p>
-            <a:r>
-              <a:rPr lang="en-US" dirty="0" smtClean="0"/>
-              <a:t>8</a:t>
-            </a:r>
-            <a:endParaRPr lang="en-US" dirty="0"/>
-          </a:p>
-        </p:txBody>
-      </p:sp>
-      <p:sp>
-        <p:nvSpPr>
-          <p:cNvPr id="9" name="TextBox 8"/>
-          <p:cNvSpPr txBox="1"/>
-          <p:nvPr/>
-        </p:nvSpPr>
-        <p:spPr>
-          <a:xfrm>
-            <a:off x="3182333" y="2654074"/>
-            <a:ext cx="301686" cy="369332"/>
-          </a:xfrm>
-          <a:prstGeom prst="rect">
-            <a:avLst/>
-          </a:prstGeom>
-          <a:noFill/>
-        </p:spPr>
-        <p:txBody>
-          <a:bodyPr wrap="none" rtlCol="0">
-            <a:spAutoFit/>
-          </a:bodyPr>
-          <a:lstStyle/>
-          <a:p>
-            <a:r>
-              <a:rPr lang="en-US" dirty="0" smtClean="0"/>
-              <a:t>9</a:t>
-            </a:r>
-            <a:endParaRPr lang="en-US" dirty="0"/>
-          </a:p>
-        </p:txBody>
-      </p:sp>
-      <p:sp>
-        <p:nvSpPr>
-          <p:cNvPr id="10" name="TextBox 9"/>
-          <p:cNvSpPr txBox="1"/>
-          <p:nvPr/>
-        </p:nvSpPr>
-        <p:spPr>
-          <a:xfrm>
-            <a:off x="1752600" y="4205639"/>
-            <a:ext cx="418704" cy="369332"/>
-          </a:xfrm>
-          <a:prstGeom prst="rect">
-            <a:avLst/>
-          </a:prstGeom>
-          <a:noFill/>
-        </p:spPr>
-        <p:txBody>
-          <a:bodyPr wrap="none" rtlCol="0">
-            <a:spAutoFit/>
-          </a:bodyPr>
-          <a:lstStyle/>
-          <a:p>
-            <a:r>
-              <a:rPr lang="en-US" dirty="0" smtClean="0"/>
-              <a:t>10</a:t>
-            </a:r>
-            <a:endParaRPr lang="en-US" dirty="0"/>
-          </a:p>
-        </p:txBody>
-      </p:sp>
-      <p:sp>
-        <p:nvSpPr>
-          <p:cNvPr id="12" name="TextBox 11"/>
-          <p:cNvSpPr txBox="1"/>
-          <p:nvPr/>
-        </p:nvSpPr>
-        <p:spPr>
-          <a:xfrm>
-            <a:off x="5034167" y="2318266"/>
-            <a:ext cx="418704" cy="369332"/>
-          </a:xfrm>
-          <a:prstGeom prst="rect">
-            <a:avLst/>
-          </a:prstGeom>
-          <a:noFill/>
-        </p:spPr>
-        <p:txBody>
-          <a:bodyPr wrap="none" rtlCol="0">
-            <a:spAutoFit/>
-          </a:bodyPr>
-          <a:lstStyle/>
-          <a:p>
-            <a:r>
-              <a:rPr lang="en-US" dirty="0" smtClean="0"/>
-              <a:t>20</a:t>
-            </a:r>
-            <a:endParaRPr lang="en-US" dirty="0"/>
-          </a:p>
-        </p:txBody>
-      </p:sp>
-      <p:sp>
-        <p:nvSpPr>
-          <p:cNvPr id="13" name="TextBox 12"/>
-          <p:cNvSpPr txBox="1"/>
-          <p:nvPr/>
-        </p:nvSpPr>
-        <p:spPr>
-          <a:xfrm>
-            <a:off x="6477000" y="3284033"/>
-            <a:ext cx="418704" cy="369332"/>
-          </a:xfrm>
-          <a:prstGeom prst="rect">
-            <a:avLst/>
-          </a:prstGeom>
-          <a:noFill/>
-        </p:spPr>
-        <p:txBody>
-          <a:bodyPr wrap="none" rtlCol="0">
-            <a:spAutoFit/>
-          </a:bodyPr>
-          <a:lstStyle/>
-          <a:p>
-            <a:r>
-              <a:rPr lang="en-US" dirty="0" smtClean="0"/>
-              <a:t>19</a:t>
-            </a:r>
-            <a:endParaRPr lang="en-US" dirty="0"/>
-          </a:p>
-        </p:txBody>
-      </p:sp>
-      <p:sp>
-        <p:nvSpPr>
-          <p:cNvPr id="14" name="TextBox 13"/>
-          <p:cNvSpPr txBox="1"/>
-          <p:nvPr/>
-        </p:nvSpPr>
-        <p:spPr>
-          <a:xfrm>
-            <a:off x="3914131" y="6096000"/>
-            <a:ext cx="418704" cy="369332"/>
-          </a:xfrm>
-          <a:prstGeom prst="rect">
-            <a:avLst/>
-          </a:prstGeom>
-          <a:noFill/>
-        </p:spPr>
-        <p:txBody>
-          <a:bodyPr wrap="none" rtlCol="0">
-            <a:spAutoFit/>
-          </a:bodyPr>
-          <a:lstStyle/>
-          <a:p>
-            <a:r>
-              <a:rPr lang="en-US" dirty="0" smtClean="0"/>
-              <a:t>15</a:t>
-            </a:r>
-            <a:endParaRPr lang="en-US" dirty="0"/>
-          </a:p>
-        </p:txBody>
-      </p:sp>
-      <p:sp>
-        <p:nvSpPr>
-          <p:cNvPr id="15" name="TextBox 14"/>
-          <p:cNvSpPr txBox="1"/>
-          <p:nvPr/>
-        </p:nvSpPr>
-        <p:spPr>
-          <a:xfrm>
-            <a:off x="1490026" y="4906618"/>
-            <a:ext cx="418704" cy="369332"/>
-          </a:xfrm>
-          <a:prstGeom prst="rect">
-            <a:avLst/>
-          </a:prstGeom>
-          <a:noFill/>
-        </p:spPr>
-        <p:txBody>
-          <a:bodyPr wrap="none" rtlCol="0">
-            <a:spAutoFit/>
-          </a:bodyPr>
-          <a:lstStyle/>
-          <a:p>
-            <a:r>
-              <a:rPr lang="en-US" dirty="0" smtClean="0"/>
-              <a:t>16</a:t>
-            </a:r>
-            <a:endParaRPr lang="en-US" dirty="0"/>
-          </a:p>
-        </p:txBody>
-      </p:sp>
-      <p:sp>
-        <p:nvSpPr>
-          <p:cNvPr id="16" name="TextBox 15"/>
-          <p:cNvSpPr txBox="1"/>
-          <p:nvPr/>
-        </p:nvSpPr>
-        <p:spPr>
-          <a:xfrm>
-            <a:off x="5333601" y="4372498"/>
-            <a:ext cx="418704" cy="369332"/>
-          </a:xfrm>
-          <a:prstGeom prst="rect">
-            <a:avLst/>
-          </a:prstGeom>
-          <a:noFill/>
-        </p:spPr>
-        <p:txBody>
-          <a:bodyPr wrap="none" rtlCol="0">
-            <a:spAutoFit/>
-          </a:bodyPr>
-          <a:lstStyle/>
-          <a:p>
-            <a:r>
-              <a:rPr lang="en-US" dirty="0" smtClean="0"/>
-              <a:t>14</a:t>
-            </a:r>
-            <a:endParaRPr lang="en-US" dirty="0"/>
-          </a:p>
-        </p:txBody>
-      </p:sp>
-      <p:sp>
-        <p:nvSpPr>
-          <p:cNvPr id="17" name="Oval 16"/>
-          <p:cNvSpPr/>
-          <p:nvPr/>
-        </p:nvSpPr>
-        <p:spPr>
-          <a:xfrm>
-            <a:off x="5181600" y="3690346"/>
-            <a:ext cx="304800" cy="304800"/>
-          </a:xfrm>
-          <a:prstGeom prst="ellipse">
-            <a:avLst/>
-          </a:prstGeom>
-          <a:noFill/>
-          <a:ln>
-            <a:prstDash val="sysDash"/>
-          </a:ln>
-        </p:spPr>
-        <p:style>
-          <a:lnRef idx="2">
-            <a:schemeClr val="accent1">
-              <a:shade val="50000"/>
-            </a:schemeClr>
-          </a:lnRef>
-          <a:fillRef idx="1">
-            <a:schemeClr val="accent1"/>
-          </a:fillRef>
-          <a:effectRef idx="0">
-            <a:schemeClr val="accent1"/>
-          </a:effectRef>
-          <a:fontRef idx="minor">
-            <a:schemeClr val="lt1"/>
-          </a:fontRef>
-        </p:style>
-        <p:txBody>
-          <a:bodyPr rtlCol="0" anchor="ctr"/>
-          <a:lstStyle/>
-          <a:p>
-            <a:pPr algn="ctr"/>
-            <a:endParaRPr lang="en-US"/>
-          </a:p>
-        </p:txBody>
-      </p:sp>
-    </p:spTree>
-    <p:extLst>
-      <p:ext uri="{BB962C8B-B14F-4D97-AF65-F5344CB8AC3E}">
-        <p14:creationId xmlns:p14="http://schemas.microsoft.com/office/powerpoint/2010/main" val="2783273200"/>
-      </p:ext>
-    </p:extLst>
-  </p:cSld>
-  <p:clrMapOvr>
-    <a:masterClrMapping/>
-  </p:clrMapOvr>
-</p:sld>
-</file>
-
-<file path=ppt/slides/slide50.xml><?xml version="1.0" encoding="utf-8"?>
+<file path=ppt/slides/slide55.xml><?xml version="1.0" encoding="utf-8"?>
 <p:sld xmlns:a="http://schemas.openxmlformats.org/drawingml/2006/main" xmlns:r="http://schemas.openxmlformats.org/officeDocument/2006/relationships" xmlns:p="http://schemas.openxmlformats.org/presentationml/2006/main">
   <p:cSld>
     <p:spTree>

--- a/RoadDesigner.pptx
+++ b/RoadDesigner.pptx
@@ -54,12 +54,15 @@
     <p:sldId id="312" r:id="rId48"/>
     <p:sldId id="313" r:id="rId49"/>
     <p:sldId id="314" r:id="rId50"/>
-    <p:sldId id="301" r:id="rId51"/>
-    <p:sldId id="302" r:id="rId52"/>
-    <p:sldId id="268" r:id="rId53"/>
-    <p:sldId id="269" r:id="rId54"/>
-    <p:sldId id="275" r:id="rId55"/>
-    <p:sldId id="270" r:id="rId56"/>
+    <p:sldId id="315" r:id="rId51"/>
+    <p:sldId id="316" r:id="rId52"/>
+    <p:sldId id="301" r:id="rId53"/>
+    <p:sldId id="302" r:id="rId54"/>
+    <p:sldId id="268" r:id="rId55"/>
+    <p:sldId id="269" r:id="rId56"/>
+    <p:sldId id="275" r:id="rId57"/>
+    <p:sldId id="270" r:id="rId58"/>
+    <p:sldId id="317" r:id="rId59"/>
   </p:sldIdLst>
   <p:sldSz cx="9144000" cy="6858000" type="screen4x3"/>
   <p:notesSz cx="6997700" cy="9283700"/>
@@ -16357,6 +16360,1142 @@
           <a:p>
             <a:r>
               <a:rPr lang="ja-JP" altLang="en-US" sz="3200" dirty="0" smtClean="0"/>
+              <a:t>類似</a:t>
+            </a:r>
+            <a:r>
+              <a:rPr lang="en-US" altLang="ja-JP" sz="3200" dirty="0" smtClean="0"/>
+              <a:t>Face</a:t>
+            </a:r>
+            <a:r>
+              <a:rPr lang="ja-JP" altLang="en-US" sz="3200" dirty="0" smtClean="0"/>
+              <a:t>に基づいた</a:t>
+            </a:r>
+            <a:r>
+              <a:rPr lang="en-US" altLang="ja-JP" sz="3200" dirty="0" smtClean="0"/>
+              <a:t>Street</a:t>
+            </a:r>
+            <a:r>
+              <a:rPr lang="ja-JP" altLang="en-US" sz="3200" dirty="0" smtClean="0"/>
+              <a:t>の生成</a:t>
+            </a:r>
+            <a:endParaRPr lang="en-US" altLang="ja-JP" sz="3200" dirty="0" smtClean="0"/>
+          </a:p>
+        </p:txBody>
+      </p:sp>
+    </p:spTree>
+    <p:extLst>
+      <p:ext uri="{BB962C8B-B14F-4D97-AF65-F5344CB8AC3E}">
+        <p14:creationId xmlns:p14="http://schemas.microsoft.com/office/powerpoint/2010/main" val="4114366471"/>
+      </p:ext>
+    </p:extLst>
+  </p:cSld>
+  <p:clrMapOvr>
+    <a:masterClrMapping/>
+  </p:clrMapOvr>
+</p:sld>
+</file>
+
+<file path=ppt/slides/slide51.xml><?xml version="1.0" encoding="utf-8"?>
+<p:sld xmlns:a="http://schemas.openxmlformats.org/drawingml/2006/main" xmlns:r="http://schemas.openxmlformats.org/officeDocument/2006/relationships" xmlns:p="http://schemas.openxmlformats.org/presentationml/2006/main">
+  <p:cSld>
+    <p:spTree>
+      <p:nvGrpSpPr>
+        <p:cNvPr id="1" name=""/>
+        <p:cNvGrpSpPr/>
+        <p:nvPr/>
+      </p:nvGrpSpPr>
+      <p:grpSpPr>
+        <a:xfrm>
+          <a:off x="0" y="0"/>
+          <a:ext cx="0" cy="0"/>
+          <a:chOff x="0" y="0"/>
+          <a:chExt cx="0" cy="0"/>
+        </a:xfrm>
+      </p:grpSpPr>
+      <p:sp>
+        <p:nvSpPr>
+          <p:cNvPr id="2" name="TextBox 1"/>
+          <p:cNvSpPr txBox="1"/>
+          <p:nvPr/>
+        </p:nvSpPr>
+        <p:spPr>
+          <a:xfrm>
+            <a:off x="1" y="-13195"/>
+            <a:ext cx="9144000" cy="584775"/>
+          </a:xfrm>
+          <a:prstGeom prst="rect">
+            <a:avLst/>
+          </a:prstGeom>
+          <a:noFill/>
+        </p:spPr>
+        <p:txBody>
+          <a:bodyPr wrap="square" rtlCol="0">
+            <a:spAutoFit/>
+          </a:bodyPr>
+          <a:lstStyle/>
+          <a:p>
+            <a:r>
+              <a:rPr lang="ja-JP" altLang="en-US" sz="3200" dirty="0" smtClean="0"/>
+              <a:t>道路網生成ロジック：</a:t>
+            </a:r>
+            <a:endParaRPr lang="en-US" altLang="ja-JP" sz="3200" dirty="0" smtClean="0"/>
+          </a:p>
+        </p:txBody>
+      </p:sp>
+      <mc:AlternateContent xmlns:mc="http://schemas.openxmlformats.org/markup-compatibility/2006">
+        <mc:Choice xmlns:a14="http://schemas.microsoft.com/office/drawing/2010/main" Requires="a14">
+          <p:sp>
+            <p:nvSpPr>
+              <p:cNvPr id="4" name="TextBox 3"/>
+              <p:cNvSpPr txBox="1"/>
+              <p:nvPr/>
+            </p:nvSpPr>
+            <p:spPr>
+              <a:xfrm>
+                <a:off x="304800" y="609600"/>
+                <a:ext cx="8534400" cy="6269986"/>
+              </a:xfrm>
+              <a:prstGeom prst="rect">
+                <a:avLst/>
+              </a:prstGeom>
+              <a:noFill/>
+            </p:spPr>
+            <p:txBody>
+              <a:bodyPr wrap="square" rtlCol="0">
+                <a:spAutoFit/>
+              </a:bodyPr>
+              <a:lstStyle/>
+              <a:p>
+                <a:r>
+                  <a:rPr lang="en-US" altLang="ja-JP" sz="1050" dirty="0" smtClean="0"/>
+                  <a:t>If </a:t>
+                </a:r>
+                <a:r>
+                  <a:rPr lang="en-US" altLang="ja-JP" sz="1050" dirty="0" err="1" smtClean="0"/>
+                  <a:t>deadend</a:t>
+                </a:r>
+                <a:r>
+                  <a:rPr lang="ja-JP" altLang="en-US" sz="1050" dirty="0" smtClean="0"/>
+                  <a:t>フラグがついてない</a:t>
+                </a:r>
+                <a:endParaRPr lang="en-US" altLang="ja-JP" sz="1050" dirty="0" smtClean="0"/>
+              </a:p>
+              <a:p>
+                <a:r>
+                  <a:rPr lang="en-US" altLang="ja-JP" sz="1050" dirty="0" smtClean="0"/>
+                  <a:t>    </a:t>
+                </a:r>
+                <a:r>
+                  <a:rPr lang="en-US" altLang="ja-JP" sz="1050" dirty="0" err="1" smtClean="0"/>
+                  <a:t>toBeSeed</a:t>
+                </a:r>
+                <a:r>
+                  <a:rPr lang="en-US" altLang="ja-JP" sz="1050" dirty="0" smtClean="0"/>
+                  <a:t> </a:t>
+                </a:r>
+                <a:r>
+                  <a:rPr lang="ja-JP" altLang="en-US" sz="1050" dirty="0" smtClean="0"/>
+                  <a:t>← </a:t>
+                </a:r>
+                <a:r>
+                  <a:rPr lang="en-US" altLang="ja-JP" sz="1050" dirty="0" smtClean="0"/>
+                  <a:t>true</a:t>
+                </a:r>
+              </a:p>
+              <a:p>
+                <a:endParaRPr lang="en-US" altLang="ja-JP" sz="1050" dirty="0" smtClean="0"/>
+              </a:p>
+              <a:p>
+                <a:r>
+                  <a:rPr lang="en-US" altLang="ja-JP" sz="1050" dirty="0" smtClean="0"/>
+                  <a:t>while </a:t>
+                </a:r>
+                <a:r>
+                  <a:rPr lang="ja-JP" altLang="en-US" sz="1050" dirty="0" smtClean="0"/>
+                  <a:t>カーネルのエッジの終点に未到達</a:t>
+                </a:r>
+                <a:endParaRPr lang="en-US" altLang="ja-JP" sz="1050" dirty="0" smtClean="0"/>
+              </a:p>
+              <a:p>
+                <a:r>
+                  <a:rPr lang="en-US" altLang="ja-JP" sz="1050" dirty="0"/>
+                  <a:t> </a:t>
+                </a:r>
+                <a:r>
+                  <a:rPr lang="en-US" altLang="ja-JP" sz="1050" dirty="0" smtClean="0"/>
+                  <a:t>   </a:t>
+                </a:r>
+                <a:r>
+                  <a:rPr lang="ja-JP" altLang="en-US" sz="1050" dirty="0" smtClean="0"/>
+                  <a:t>１ステップ先へ</a:t>
+                </a:r>
+                <a14:m>
+                  <m:oMath xmlns:m="http://schemas.openxmlformats.org/officeDocument/2006/math">
+                    <m:r>
+                      <a:rPr lang="en-US" altLang="ja-JP" sz="1050" b="1" i="1">
+                        <a:latin typeface="Cambria Math"/>
+                      </a:rPr>
+                      <m:t>𝒑</m:t>
+                    </m:r>
+                  </m:oMath>
+                </a14:m>
+                <a:r>
+                  <a:rPr lang="ja-JP" altLang="en-US" sz="1050" dirty="0" smtClean="0"/>
+                  <a:t>を更新</a:t>
+                </a:r>
+                <a:endParaRPr lang="en-US" altLang="ja-JP" sz="1050" dirty="0" smtClean="0"/>
+              </a:p>
+              <a:p>
+                <a:endParaRPr lang="en-US" altLang="ja-JP" sz="1050" dirty="0" smtClean="0"/>
+              </a:p>
+              <a:p>
+                <a:r>
+                  <a:rPr lang="en-US" altLang="ja-JP" sz="1050" dirty="0" smtClean="0"/>
+                  <a:t>    if </a:t>
+                </a:r>
+                <a:r>
+                  <a:rPr lang="ja-JP" altLang="en-US" sz="1050" dirty="0" smtClean="0"/>
+                  <a:t>他のエッジと交差</a:t>
+                </a:r>
+                <a:endParaRPr lang="en-US" altLang="ja-JP" sz="1050" dirty="0" smtClean="0"/>
+              </a:p>
+              <a:p>
+                <a:r>
+                  <a:rPr lang="en-US" altLang="ja-JP" sz="1050" dirty="0"/>
+                  <a:t> </a:t>
+                </a:r>
+                <a:r>
+                  <a:rPr lang="en-US" altLang="ja-JP" sz="1050" dirty="0" smtClean="0"/>
+                  <a:t>       </a:t>
+                </a:r>
+                <a:r>
+                  <a:rPr lang="ja-JP" altLang="en-US" sz="1050" dirty="0" smtClean="0"/>
+                  <a:t>自分自身との交差なら、</a:t>
+                </a:r>
+                <a:r>
+                  <a:rPr lang="en-US" altLang="ja-JP" sz="1050" dirty="0" smtClean="0"/>
+                  <a:t>return                                        // </a:t>
+                </a:r>
+                <a:r>
+                  <a:rPr lang="ja-JP" altLang="en-US" sz="1050" dirty="0" smtClean="0"/>
+                  <a:t>ケース</a:t>
+                </a:r>
+                <a:r>
+                  <a:rPr lang="ja-JP" altLang="en-US" sz="1050" dirty="0"/>
+                  <a:t>２</a:t>
+                </a:r>
+                <a:r>
+                  <a:rPr lang="ja-JP" altLang="en-US" sz="1050" dirty="0" smtClean="0"/>
+                  <a:t>参照</a:t>
+                </a:r>
+                <a:endParaRPr lang="en-US" altLang="ja-JP" sz="1050" dirty="0" smtClean="0"/>
+              </a:p>
+              <a:p>
+                <a:r>
+                  <a:rPr lang="en-US" altLang="ja-JP" sz="1050" dirty="0" smtClean="0"/>
+                  <a:t>        </a:t>
+                </a:r>
+                <a:r>
+                  <a:rPr lang="ja-JP" altLang="en-US" sz="1050" dirty="0" smtClean="0"/>
+                  <a:t>他のエッジとの交差点を計算　⇒　</a:t>
+                </a:r>
+                <a:r>
+                  <a:rPr lang="en-US" altLang="ja-JP" sz="1050" dirty="0"/>
+                  <a:t> </a:t>
+                </a:r>
+                <a14:m>
+                  <m:oMath xmlns:m="http://schemas.openxmlformats.org/officeDocument/2006/math">
+                    <m:sSup>
+                      <m:sSupPr>
+                        <m:ctrlPr>
+                          <a:rPr lang="en-US" altLang="ja-JP" sz="1050" i="1">
+                            <a:latin typeface="Cambria Math"/>
+                          </a:rPr>
+                        </m:ctrlPr>
+                      </m:sSupPr>
+                      <m:e>
+                        <m:r>
+                          <a:rPr lang="en-US" altLang="ja-JP" sz="1050" b="1" i="1">
+                            <a:latin typeface="Cambria Math"/>
+                          </a:rPr>
+                          <m:t>𝒑</m:t>
+                        </m:r>
+                      </m:e>
+                      <m:sup>
+                        <m:r>
+                          <a:rPr lang="en-US" altLang="ja-JP" sz="1050" i="1">
+                            <a:latin typeface="Cambria Math"/>
+                          </a:rPr>
+                          <m:t>′</m:t>
+                        </m:r>
+                      </m:sup>
+                    </m:sSup>
+                  </m:oMath>
+                </a14:m>
+                <a:endParaRPr lang="en-US" altLang="ja-JP" sz="1050" dirty="0" smtClean="0"/>
+              </a:p>
+              <a:p>
+                <a:r>
+                  <a:rPr lang="en-US" altLang="ja-JP" sz="1050" dirty="0" smtClean="0"/>
+                  <a:t>        </a:t>
+                </a:r>
+                <a14:m>
+                  <m:oMath xmlns:m="http://schemas.openxmlformats.org/officeDocument/2006/math">
+                    <m:r>
+                      <a:rPr lang="en-US" altLang="ja-JP" sz="1050" b="1" i="1">
+                        <a:latin typeface="Cambria Math"/>
+                      </a:rPr>
+                      <m:t>𝒑</m:t>
+                    </m:r>
+                  </m:oMath>
+                </a14:m>
+                <a:r>
+                  <a:rPr lang="ja-JP" altLang="en-US" sz="1050" dirty="0" smtClean="0"/>
+                  <a:t> ← </a:t>
+                </a:r>
+                <a14:m>
+                  <m:oMath xmlns:m="http://schemas.openxmlformats.org/officeDocument/2006/math">
+                    <m:sSup>
+                      <m:sSupPr>
+                        <m:ctrlPr>
+                          <a:rPr lang="en-US" altLang="ja-JP" sz="1050" i="1" smtClean="0">
+                            <a:latin typeface="Cambria Math"/>
+                          </a:rPr>
+                        </m:ctrlPr>
+                      </m:sSupPr>
+                      <m:e>
+                        <m:r>
+                          <a:rPr lang="en-US" altLang="ja-JP" sz="1050" b="1" i="1" smtClean="0">
+                            <a:latin typeface="Cambria Math"/>
+                          </a:rPr>
+                          <m:t>𝒑</m:t>
+                        </m:r>
+                      </m:e>
+                      <m:sup>
+                        <m:r>
+                          <a:rPr lang="en-US" altLang="ja-JP" sz="1050" b="0" i="1" smtClean="0">
+                            <a:latin typeface="Cambria Math"/>
+                          </a:rPr>
+                          <m:t>′</m:t>
+                        </m:r>
+                      </m:sup>
+                    </m:sSup>
+                  </m:oMath>
+                </a14:m>
+                <a:r>
+                  <a:rPr lang="ja-JP" altLang="en-US" sz="1050" dirty="0" smtClean="0"/>
+                  <a:t>　　　　　　　　　　　　　　　　　　　　　　　　　　　　 </a:t>
+                </a:r>
+                <a:r>
+                  <a:rPr lang="en-US" altLang="ja-JP" sz="1050" dirty="0" smtClean="0"/>
+                  <a:t>// </a:t>
+                </a:r>
+                <a:r>
+                  <a:rPr lang="ja-JP" altLang="en-US" sz="1050" dirty="0" smtClean="0"/>
+                  <a:t>ここでは</a:t>
+                </a:r>
+                <a14:m>
+                  <m:oMath xmlns:m="http://schemas.openxmlformats.org/officeDocument/2006/math">
+                    <m:r>
+                      <a:rPr lang="en-US" altLang="ja-JP" sz="1050" b="1" i="1">
+                        <a:latin typeface="Cambria Math"/>
+                      </a:rPr>
+                      <m:t>𝒑</m:t>
+                    </m:r>
+                  </m:oMath>
+                </a14:m>
+                <a:r>
+                  <a:rPr lang="ja-JP" altLang="en-US" sz="1050" dirty="0" smtClean="0"/>
+                  <a:t>を更新するだけで、</a:t>
+                </a:r>
+                <a:r>
+                  <a:rPr lang="en-US" altLang="ja-JP" sz="1050" dirty="0" smtClean="0"/>
+                  <a:t>snap</a:t>
+                </a:r>
+                <a:r>
+                  <a:rPr lang="ja-JP" altLang="en-US" sz="1050" dirty="0" smtClean="0"/>
+                  <a:t>させない。後で、</a:t>
+                </a:r>
+                <a:r>
+                  <a:rPr lang="en-US" altLang="ja-JP" sz="1050" dirty="0" smtClean="0"/>
+                  <a:t>snap</a:t>
+                </a:r>
+                <a:r>
+                  <a:rPr lang="ja-JP" altLang="en-US" sz="1050" dirty="0" smtClean="0"/>
+                  <a:t>するから。</a:t>
+                </a:r>
+                <a:endParaRPr lang="en-US" sz="1050" dirty="0" smtClean="0"/>
+              </a:p>
+              <a:p>
+                <a:endParaRPr lang="en-US" sz="1050" dirty="0"/>
+              </a:p>
+              <a:p>
+                <a:r>
+                  <a:rPr lang="en-US" sz="1050" dirty="0" smtClean="0"/>
+                  <a:t>    if </a:t>
+                </a:r>
+                <a14:m>
+                  <m:oMath xmlns:m="http://schemas.openxmlformats.org/officeDocument/2006/math">
+                    <m:r>
+                      <a:rPr lang="en-US" altLang="ja-JP" sz="1050" b="1" i="1">
+                        <a:latin typeface="Cambria Math"/>
+                      </a:rPr>
+                      <m:t>𝒑</m:t>
+                    </m:r>
+                  </m:oMath>
+                </a14:m>
+                <a:r>
+                  <a:rPr lang="ja-JP" altLang="en-US" sz="1050" dirty="0" smtClean="0"/>
+                  <a:t>が領域の外</a:t>
+                </a:r>
+                <a:endParaRPr lang="en-US" altLang="ja-JP" sz="1050" dirty="0" smtClean="0"/>
+              </a:p>
+              <a:p>
+                <a:r>
+                  <a:rPr lang="en-US" sz="1050" dirty="0"/>
+                  <a:t> </a:t>
+                </a:r>
+                <a:r>
+                  <a:rPr lang="en-US" sz="1050" dirty="0" smtClean="0"/>
+                  <a:t>       </a:t>
+                </a:r>
+                <a:r>
+                  <a:rPr lang="ja-JP" altLang="en-US" sz="1050" dirty="0" smtClean="0"/>
+                  <a:t>領域の境界との交差点を計算</a:t>
+                </a:r>
+                <a:r>
+                  <a:rPr lang="ja-JP" altLang="en-US" sz="1050" dirty="0"/>
+                  <a:t>　⇒　</a:t>
+                </a:r>
+                <a:r>
+                  <a:rPr lang="en-US" altLang="ja-JP" sz="1050" dirty="0"/>
+                  <a:t> </a:t>
+                </a:r>
+                <a14:m>
+                  <m:oMath xmlns:m="http://schemas.openxmlformats.org/officeDocument/2006/math">
+                    <m:sSup>
+                      <m:sSupPr>
+                        <m:ctrlPr>
+                          <a:rPr lang="en-US" altLang="ja-JP" sz="1050" i="1">
+                            <a:latin typeface="Cambria Math"/>
+                          </a:rPr>
+                        </m:ctrlPr>
+                      </m:sSupPr>
+                      <m:e>
+                        <m:r>
+                          <a:rPr lang="en-US" altLang="ja-JP" sz="1050" b="1" i="1">
+                            <a:latin typeface="Cambria Math"/>
+                          </a:rPr>
+                          <m:t>𝒑</m:t>
+                        </m:r>
+                      </m:e>
+                      <m:sup>
+                        <m:r>
+                          <a:rPr lang="en-US" altLang="ja-JP" sz="1050" i="1">
+                            <a:latin typeface="Cambria Math"/>
+                          </a:rPr>
+                          <m:t>′</m:t>
+                        </m:r>
+                      </m:sup>
+                    </m:sSup>
+                  </m:oMath>
+                </a14:m>
+                <a:endParaRPr lang="en-US" sz="1050" dirty="0" smtClean="0"/>
+              </a:p>
+              <a:p>
+                <a:r>
+                  <a:rPr lang="en-US" sz="1050" dirty="0" smtClean="0"/>
+                  <a:t>        </a:t>
+                </a:r>
+                <a:r>
+                  <a:rPr lang="en-US" sz="1050" dirty="0"/>
+                  <a:t>if </a:t>
+                </a:r>
+                <a:r>
+                  <a:rPr lang="ja-JP" altLang="en-US" sz="1050" dirty="0" smtClean="0"/>
+                  <a:t>交差相手のエッジが、同じタイプの</a:t>
+                </a:r>
+                <a:r>
+                  <a:rPr lang="en-US" altLang="ja-JP" sz="1050" dirty="0" err="1" smtClean="0"/>
+                  <a:t>roadType</a:t>
+                </a:r>
+                <a:endParaRPr lang="en-US" sz="1050" dirty="0"/>
+              </a:p>
+              <a:p>
+                <a:r>
+                  <a:rPr lang="en-US" sz="1050" dirty="0"/>
+                  <a:t>       </a:t>
+                </a:r>
+                <a:r>
+                  <a:rPr lang="en-US" sz="1050" dirty="0" smtClean="0"/>
+                  <a:t>     </a:t>
+                </a:r>
+                <a:r>
+                  <a:rPr lang="en-US" sz="1050" dirty="0" err="1"/>
+                  <a:t>toBeSeed</a:t>
+                </a:r>
+                <a:r>
+                  <a:rPr lang="en-US" sz="1050" dirty="0"/>
+                  <a:t> </a:t>
+                </a:r>
+                <a:r>
+                  <a:rPr lang="ja-JP" altLang="en-US" sz="1050" dirty="0"/>
+                  <a:t>← </a:t>
+                </a:r>
+                <a:r>
+                  <a:rPr lang="en-US" altLang="ja-JP" sz="1050" dirty="0"/>
+                  <a:t>false</a:t>
+                </a:r>
+                <a:r>
+                  <a:rPr lang="en-US" altLang="ja-JP" sz="1050" dirty="0" smtClean="0"/>
+                  <a:t>                                                            </a:t>
+                </a:r>
+                <a:r>
+                  <a:rPr lang="en-US" altLang="ja-JP" sz="1050" dirty="0"/>
+                  <a:t>// </a:t>
+                </a:r>
+                <a:r>
+                  <a:rPr lang="en-US" altLang="ja-JP" sz="1050" dirty="0" smtClean="0"/>
+                  <a:t>street</a:t>
+                </a:r>
+                <a:r>
+                  <a:rPr lang="ja-JP" altLang="en-US" sz="1050" dirty="0" smtClean="0"/>
+                  <a:t>が</a:t>
+                </a:r>
+                <a:r>
+                  <a:rPr lang="en-US" altLang="ja-JP" sz="1050" dirty="0" smtClean="0"/>
+                  <a:t>avenue</a:t>
+                </a:r>
+                <a:r>
+                  <a:rPr lang="ja-JP" altLang="en-US" sz="1050" dirty="0" smtClean="0"/>
+                  <a:t>に</a:t>
+                </a:r>
+                <a:r>
+                  <a:rPr lang="en-US" altLang="ja-JP" sz="1050" dirty="0"/>
+                  <a:t>snap</a:t>
+                </a:r>
+                <a:r>
+                  <a:rPr lang="ja-JP" altLang="en-US" sz="1050" dirty="0"/>
+                  <a:t>された場</a:t>
+                </a:r>
+                <a:r>
+                  <a:rPr lang="ja-JP" altLang="en-US" sz="1050" dirty="0" smtClean="0"/>
+                  <a:t>合は、</a:t>
+                </a:r>
+                <a:r>
+                  <a:rPr lang="en-US" altLang="ja-JP" sz="1050" dirty="0"/>
+                  <a:t>seed</a:t>
+                </a:r>
+                <a:r>
+                  <a:rPr lang="ja-JP" altLang="en-US" sz="1050" dirty="0"/>
+                  <a:t>に追加する。（ケース５参照</a:t>
+                </a:r>
+                <a:r>
+                  <a:rPr lang="ja-JP" altLang="en-US" sz="1050" dirty="0" smtClean="0"/>
+                  <a:t>）</a:t>
+                </a:r>
+                <a:endParaRPr lang="en-US" altLang="ja-JP" sz="1050" dirty="0" smtClean="0"/>
+              </a:p>
+              <a:p>
+                <a:r>
+                  <a:rPr lang="en-US" altLang="ja-JP" sz="1050" dirty="0" smtClean="0"/>
+                  <a:t>       </a:t>
+                </a:r>
+                <a14:m>
+                  <m:oMath xmlns:m="http://schemas.openxmlformats.org/officeDocument/2006/math">
+                    <m:r>
+                      <a:rPr lang="en-US" altLang="ja-JP" sz="1050" b="1" i="1">
+                        <a:latin typeface="Cambria Math"/>
+                      </a:rPr>
+                      <m:t>𝒑</m:t>
+                    </m:r>
+                  </m:oMath>
+                </a14:m>
+                <a:r>
+                  <a:rPr lang="ja-JP" altLang="en-US" sz="1050" dirty="0"/>
+                  <a:t> ← </a:t>
+                </a:r>
+                <a14:m>
+                  <m:oMath xmlns:m="http://schemas.openxmlformats.org/officeDocument/2006/math">
+                    <m:sSup>
+                      <m:sSupPr>
+                        <m:ctrlPr>
+                          <a:rPr lang="en-US" altLang="ja-JP" sz="1050" i="1">
+                            <a:latin typeface="Cambria Math"/>
+                          </a:rPr>
+                        </m:ctrlPr>
+                      </m:sSupPr>
+                      <m:e>
+                        <m:r>
+                          <a:rPr lang="en-US" altLang="ja-JP" sz="1050" b="1" i="1">
+                            <a:latin typeface="Cambria Math"/>
+                          </a:rPr>
+                          <m:t>𝒑</m:t>
+                        </m:r>
+                      </m:e>
+                      <m:sup>
+                        <m:r>
+                          <a:rPr lang="en-US" altLang="ja-JP" sz="1050" i="1">
+                            <a:latin typeface="Cambria Math"/>
+                          </a:rPr>
+                          <m:t>′</m:t>
+                        </m:r>
+                      </m:sup>
+                    </m:sSup>
+                  </m:oMath>
+                </a14:m>
+                <a:endParaRPr lang="en-US" sz="1050" dirty="0" smtClean="0"/>
+              </a:p>
+              <a:p>
+                <a:endParaRPr lang="en-US" sz="1050" dirty="0" smtClean="0"/>
+              </a:p>
+              <a:p>
+                <a:r>
+                  <a:rPr lang="en-US" sz="1050" dirty="0"/>
+                  <a:t> </a:t>
+                </a:r>
+                <a:r>
+                  <a:rPr lang="en-US" sz="1050" dirty="0" smtClean="0"/>
+                  <a:t>   If </a:t>
+                </a:r>
+                <a:r>
+                  <a:rPr lang="ja-JP" altLang="en-US" sz="1050" dirty="0" smtClean="0"/>
+                  <a:t>近くに頂点がある</a:t>
+                </a:r>
+                <a:endParaRPr lang="en-US" altLang="ja-JP" sz="1050" dirty="0" smtClean="0"/>
+              </a:p>
+              <a:p>
+                <a:r>
+                  <a:rPr lang="en-US" sz="1050" dirty="0"/>
+                  <a:t> </a:t>
+                </a:r>
+                <a:r>
+                  <a:rPr lang="en-US" sz="1050" dirty="0" smtClean="0"/>
+                  <a:t>       </a:t>
+                </a:r>
+                <a:r>
+                  <a:rPr lang="ja-JP" altLang="en-US" sz="1050" dirty="0"/>
+                  <a:t>近く</a:t>
+                </a:r>
+                <a:r>
+                  <a:rPr lang="ja-JP" altLang="en-US" sz="1050" dirty="0" smtClean="0"/>
+                  <a:t>の</a:t>
+                </a:r>
+                <a:r>
+                  <a:rPr lang="ja-JP" altLang="en-US" sz="1050" dirty="0"/>
+                  <a:t>頂点</a:t>
+                </a:r>
+                <a14:m>
+                  <m:oMath xmlns:m="http://schemas.openxmlformats.org/officeDocument/2006/math">
+                    <m:sSub>
+                      <m:sSubPr>
+                        <m:ctrlPr>
+                          <a:rPr lang="en-US" altLang="ja-JP" sz="1050" i="1">
+                            <a:latin typeface="Cambria Math"/>
+                          </a:rPr>
+                        </m:ctrlPr>
+                      </m:sSubPr>
+                      <m:e>
+                        <m:r>
+                          <a:rPr lang="en-US" altLang="ja-JP" sz="1050" i="1">
+                            <a:latin typeface="Cambria Math"/>
+                          </a:rPr>
+                          <m:t>𝑣</m:t>
+                        </m:r>
+                      </m:e>
+                      <m:sub>
+                        <m:r>
+                          <a:rPr lang="en-US" altLang="ja-JP" sz="1050" b="0" i="1" smtClean="0">
+                            <a:latin typeface="Cambria Math"/>
+                          </a:rPr>
+                          <m:t>𝑠𝑛𝑎𝑝</m:t>
+                        </m:r>
+                      </m:sub>
+                    </m:sSub>
+                  </m:oMath>
+                </a14:m>
+                <a:r>
+                  <a:rPr lang="ja-JP" altLang="en-US" sz="1050" dirty="0" smtClean="0"/>
+                  <a:t>を求める</a:t>
+                </a:r>
+                <a:endParaRPr lang="en-US" altLang="ja-JP" sz="1050" dirty="0" smtClean="0"/>
+              </a:p>
+              <a:p>
+                <a:r>
+                  <a:rPr lang="en-US" altLang="ja-JP" sz="1050" dirty="0"/>
+                  <a:t> </a:t>
+                </a:r>
+                <a:r>
+                  <a:rPr lang="en-US" altLang="ja-JP" sz="1050" dirty="0" smtClean="0"/>
+                  <a:t>       snapped </a:t>
+                </a:r>
+                <a:r>
+                  <a:rPr lang="ja-JP" altLang="en-US" sz="1050" dirty="0" smtClean="0"/>
+                  <a:t>← </a:t>
+                </a:r>
+                <a:r>
+                  <a:rPr lang="en-US" altLang="ja-JP" sz="1050" dirty="0" smtClean="0"/>
+                  <a:t>true</a:t>
+                </a:r>
+              </a:p>
+              <a:p>
+                <a:r>
+                  <a:rPr lang="en-US" altLang="ja-JP" sz="1050" dirty="0" smtClean="0"/>
+                  <a:t>        </a:t>
+                </a:r>
+                <a:r>
+                  <a:rPr lang="en-US" altLang="ja-JP" sz="1050" dirty="0" err="1" smtClean="0"/>
+                  <a:t>toBeSeed</a:t>
+                </a:r>
+                <a:r>
+                  <a:rPr lang="en-US" altLang="ja-JP" sz="1050" dirty="0" smtClean="0"/>
+                  <a:t> </a:t>
+                </a:r>
+                <a:r>
+                  <a:rPr lang="ja-JP" altLang="en-US" sz="1050" dirty="0" smtClean="0"/>
+                  <a:t>← </a:t>
+                </a:r>
+                <a:r>
+                  <a:rPr lang="en-US" altLang="ja-JP" sz="1050" dirty="0" smtClean="0"/>
+                  <a:t>false</a:t>
+                </a:r>
+              </a:p>
+              <a:p>
+                <a:r>
+                  <a:rPr lang="en-US" altLang="ja-JP" sz="1050" dirty="0"/>
+                  <a:t> </a:t>
+                </a:r>
+                <a:r>
+                  <a:rPr lang="en-US" altLang="ja-JP" sz="1050" dirty="0" smtClean="0"/>
+                  <a:t>       break</a:t>
+                </a:r>
+              </a:p>
+              <a:p>
+                <a:endParaRPr lang="en-US" altLang="ja-JP" sz="1050" dirty="0"/>
+              </a:p>
+              <a:p>
+                <a:r>
+                  <a:rPr lang="en-US" altLang="ja-JP" sz="1050" dirty="0" smtClean="0"/>
+                  <a:t>    if </a:t>
+                </a:r>
+                <a:r>
+                  <a:rPr lang="ja-JP" altLang="en-US" sz="1050" dirty="0" smtClean="0"/>
+                  <a:t>近くにエッジがある</a:t>
+                </a:r>
+                <a:endParaRPr lang="en-US" altLang="ja-JP" sz="1050" dirty="0" smtClean="0"/>
+              </a:p>
+              <a:p>
+                <a:r>
+                  <a:rPr lang="en-US" altLang="ja-JP" sz="1050" dirty="0"/>
+                  <a:t> </a:t>
+                </a:r>
+                <a:r>
+                  <a:rPr lang="en-US" altLang="ja-JP" sz="1050" dirty="0" smtClean="0"/>
+                  <a:t>       </a:t>
+                </a:r>
+                <a:r>
+                  <a:rPr lang="ja-JP" altLang="en-US" sz="1050" dirty="0" smtClean="0"/>
+                  <a:t>エッジを、スナップ箇所で分割</a:t>
+                </a:r>
+                <a:r>
+                  <a:rPr lang="ja-JP" altLang="en-US" sz="1050" dirty="0"/>
+                  <a:t>し</a:t>
+                </a:r>
+                <a:r>
+                  <a:rPr lang="ja-JP" altLang="en-US" sz="1050" dirty="0" smtClean="0"/>
+                  <a:t>、分割した箇所に、</a:t>
+                </a:r>
+                <a:r>
+                  <a:rPr lang="ja-JP" altLang="en-US" sz="1050" dirty="0"/>
+                  <a:t>頂点</a:t>
+                </a:r>
+                <a14:m>
+                  <m:oMath xmlns:m="http://schemas.openxmlformats.org/officeDocument/2006/math">
+                    <m:sSub>
+                      <m:sSubPr>
+                        <m:ctrlPr>
+                          <a:rPr lang="en-US" altLang="ja-JP" sz="1050" i="1">
+                            <a:latin typeface="Cambria Math"/>
+                          </a:rPr>
+                        </m:ctrlPr>
+                      </m:sSubPr>
+                      <m:e>
+                        <m:r>
+                          <a:rPr lang="en-US" altLang="ja-JP" sz="1050" i="1">
+                            <a:latin typeface="Cambria Math"/>
+                          </a:rPr>
+                          <m:t>𝑣</m:t>
+                        </m:r>
+                      </m:e>
+                      <m:sub>
+                        <m:r>
+                          <a:rPr lang="en-US" altLang="ja-JP" sz="1050" i="1">
+                            <a:latin typeface="Cambria Math"/>
+                          </a:rPr>
+                          <m:t>𝑠𝑛𝑎𝑝</m:t>
+                        </m:r>
+                      </m:sub>
+                    </m:sSub>
+                  </m:oMath>
+                </a14:m>
+                <a:r>
+                  <a:rPr lang="ja-JP" altLang="en-US" sz="1050" dirty="0" smtClean="0"/>
+                  <a:t>を追加</a:t>
+                </a:r>
+                <a:endParaRPr lang="en-US" altLang="ja-JP" sz="1050" dirty="0" smtClean="0"/>
+              </a:p>
+              <a:p>
+                <a:r>
+                  <a:rPr lang="en-US" altLang="ja-JP" sz="1050" dirty="0" smtClean="0"/>
+                  <a:t>        snapped </a:t>
+                </a:r>
+                <a:r>
+                  <a:rPr lang="ja-JP" altLang="en-US" sz="1050" dirty="0" smtClean="0"/>
+                  <a:t>← </a:t>
+                </a:r>
+                <a:r>
+                  <a:rPr lang="en-US" altLang="ja-JP" sz="1050" dirty="0" smtClean="0"/>
+                  <a:t>true</a:t>
+                </a:r>
+              </a:p>
+              <a:p>
+                <a:r>
+                  <a:rPr lang="en-US" altLang="ja-JP" sz="1050" dirty="0" smtClean="0"/>
+                  <a:t>        break</a:t>
+                </a:r>
+              </a:p>
+              <a:p>
+                <a:r>
+                  <a:rPr lang="en-US" altLang="ja-JP" sz="1050" dirty="0" smtClean="0"/>
+                  <a:t>end while</a:t>
+                </a:r>
+              </a:p>
+              <a:p>
+                <a:endParaRPr lang="en-US" altLang="ja-JP" sz="1050" dirty="0" smtClean="0"/>
+              </a:p>
+              <a:p>
+                <a14:m>
+                  <m:oMath xmlns:m="http://schemas.openxmlformats.org/officeDocument/2006/math">
+                    <m:r>
+                      <a:rPr lang="en-US" altLang="ja-JP" sz="1050" b="1" i="1">
+                        <a:latin typeface="Cambria Math"/>
+                      </a:rPr>
+                      <m:t>𝒑</m:t>
+                    </m:r>
+                  </m:oMath>
+                </a14:m>
+                <a:r>
+                  <a:rPr lang="ja-JP" altLang="en-US" sz="1050" dirty="0" smtClean="0"/>
+                  <a:t>の位置に、新しい頂点</a:t>
+                </a:r>
+                <a14:m>
+                  <m:oMath xmlns:m="http://schemas.openxmlformats.org/officeDocument/2006/math">
+                    <m:sSub>
+                      <m:sSubPr>
+                        <m:ctrlPr>
+                          <a:rPr lang="en-US" altLang="ja-JP" sz="1050" i="1" smtClean="0">
+                            <a:latin typeface="Cambria Math"/>
+                          </a:rPr>
+                        </m:ctrlPr>
+                      </m:sSubPr>
+                      <m:e>
+                        <m:r>
+                          <a:rPr lang="en-US" altLang="ja-JP" sz="1050" b="0" i="1" smtClean="0">
+                            <a:latin typeface="Cambria Math"/>
+                          </a:rPr>
+                          <m:t>𝑣</m:t>
+                        </m:r>
+                      </m:e>
+                      <m:sub>
+                        <m:r>
+                          <a:rPr lang="en-US" altLang="ja-JP" sz="1050" b="0" i="1" smtClean="0">
+                            <a:latin typeface="Cambria Math"/>
+                          </a:rPr>
+                          <m:t>𝑛𝑒𝑤</m:t>
+                        </m:r>
+                      </m:sub>
+                    </m:sSub>
+                  </m:oMath>
+                </a14:m>
+                <a:r>
+                  <a:rPr lang="ja-JP" altLang="en-US" sz="1050" dirty="0" smtClean="0"/>
+                  <a:t>を追加</a:t>
+                </a:r>
+                <a:endParaRPr lang="en-US" altLang="ja-JP" sz="1050" dirty="0" smtClean="0"/>
+              </a:p>
+              <a:p>
+                <a:r>
+                  <a:rPr lang="ja-JP" altLang="en-US" sz="1050" dirty="0"/>
+                  <a:t>開始頂</a:t>
+                </a:r>
+                <a:r>
+                  <a:rPr lang="ja-JP" altLang="en-US" sz="1050" dirty="0" smtClean="0"/>
+                  <a:t>点</a:t>
+                </a:r>
+                <a:r>
+                  <a:rPr lang="ja-JP" altLang="en-US" sz="1050" dirty="0"/>
+                  <a:t>と</a:t>
+                </a:r>
+                <a:r>
+                  <a:rPr lang="ja-JP" altLang="en-US" sz="1050" dirty="0" smtClean="0"/>
+                  <a:t>の間にエッジ</a:t>
+                </a:r>
+                <a14:m>
+                  <m:oMath xmlns:m="http://schemas.openxmlformats.org/officeDocument/2006/math">
+                    <m:r>
+                      <a:rPr lang="en-US" altLang="ja-JP" sz="1050" b="0" i="1" smtClean="0">
+                        <a:latin typeface="Cambria Math"/>
+                      </a:rPr>
+                      <m:t>𝑒</m:t>
+                    </m:r>
+                  </m:oMath>
+                </a14:m>
+                <a:r>
+                  <a:rPr lang="ja-JP" altLang="en-US" sz="1050" dirty="0" smtClean="0"/>
+                  <a:t>を追加</a:t>
+                </a:r>
+                <a:endParaRPr lang="en-US" altLang="ja-JP" sz="1050" dirty="0" smtClean="0"/>
+              </a:p>
+              <a:p>
+                <a:endParaRPr lang="en-US" altLang="ja-JP" sz="1050" dirty="0"/>
+              </a:p>
+              <a:p>
+                <a:r>
+                  <a:rPr lang="en-US" altLang="ja-JP" sz="1050" dirty="0" smtClean="0"/>
+                  <a:t>if snapped</a:t>
+                </a:r>
+              </a:p>
+              <a:p>
+                <a:r>
+                  <a:rPr lang="en-US" altLang="ja-JP" sz="1050" dirty="0" smtClean="0"/>
+                  <a:t>    </a:t>
+                </a:r>
+                <a14:m>
+                  <m:oMath xmlns:m="http://schemas.openxmlformats.org/officeDocument/2006/math">
+                    <m:sSub>
+                      <m:sSubPr>
+                        <m:ctrlPr>
+                          <a:rPr lang="en-US" altLang="ja-JP" sz="1050" i="1">
+                            <a:latin typeface="Cambria Math"/>
+                          </a:rPr>
+                        </m:ctrlPr>
+                      </m:sSubPr>
+                      <m:e>
+                        <m:r>
+                          <a:rPr lang="en-US" altLang="ja-JP" sz="1050" i="1">
+                            <a:latin typeface="Cambria Math"/>
+                          </a:rPr>
+                          <m:t>𝑣</m:t>
+                        </m:r>
+                      </m:e>
+                      <m:sub>
+                        <m:r>
+                          <a:rPr lang="en-US" altLang="ja-JP" sz="1050" i="1">
+                            <a:latin typeface="Cambria Math"/>
+                          </a:rPr>
+                          <m:t>𝑛𝑒𝑤</m:t>
+                        </m:r>
+                      </m:sub>
+                    </m:sSub>
+                  </m:oMath>
+                </a14:m>
+                <a:r>
+                  <a:rPr lang="ja-JP" altLang="en-US" sz="1050" dirty="0" smtClean="0"/>
+                  <a:t>を</a:t>
+                </a:r>
+                <a14:m>
+                  <m:oMath xmlns:m="http://schemas.openxmlformats.org/officeDocument/2006/math">
+                    <m:sSub>
+                      <m:sSubPr>
+                        <m:ctrlPr>
+                          <a:rPr lang="en-US" altLang="ja-JP" sz="1050" i="1">
+                            <a:latin typeface="Cambria Math"/>
+                          </a:rPr>
+                        </m:ctrlPr>
+                      </m:sSubPr>
+                      <m:e>
+                        <m:r>
+                          <a:rPr lang="en-US" altLang="ja-JP" sz="1050" i="1">
+                            <a:latin typeface="Cambria Math"/>
+                          </a:rPr>
+                          <m:t>𝑣</m:t>
+                        </m:r>
+                      </m:e>
+                      <m:sub>
+                        <m:r>
+                          <a:rPr lang="en-US" altLang="ja-JP" sz="1050" i="1">
+                            <a:latin typeface="Cambria Math"/>
+                          </a:rPr>
+                          <m:t>𝑠𝑛𝑎𝑝</m:t>
+                        </m:r>
+                      </m:sub>
+                    </m:sSub>
+                  </m:oMath>
+                </a14:m>
+                <a:r>
+                  <a:rPr lang="ja-JP" altLang="en-US" sz="1050" dirty="0" smtClean="0"/>
+                  <a:t>にスナップさせる</a:t>
+                </a:r>
+                <a:endParaRPr lang="en-US" altLang="ja-JP" sz="1050" dirty="0"/>
+              </a:p>
+              <a:p>
+                <a:endParaRPr lang="en-US" altLang="ja-JP" sz="1050" dirty="0" smtClean="0"/>
+              </a:p>
+              <a:p>
+                <a:r>
+                  <a:rPr lang="en-US" altLang="ja-JP" sz="1050" dirty="0" smtClean="0"/>
+                  <a:t>If  </a:t>
+                </a:r>
+                <a:r>
+                  <a:rPr lang="en-US" altLang="ja-JP" sz="1050" dirty="0" err="1" smtClean="0"/>
+                  <a:t>toBeSeed</a:t>
+                </a:r>
+                <a:endParaRPr lang="en-US" altLang="ja-JP" sz="1050" dirty="0" smtClean="0"/>
+              </a:p>
+              <a:p>
+                <a:r>
+                  <a:rPr lang="en-US" altLang="ja-JP" sz="1050" dirty="0"/>
+                  <a:t> </a:t>
+                </a:r>
+                <a:r>
+                  <a:rPr lang="en-US" altLang="ja-JP" sz="1050" dirty="0" smtClean="0"/>
+                  <a:t>   seed</a:t>
+                </a:r>
+                <a:r>
+                  <a:rPr lang="ja-JP" altLang="en-US" sz="1050" dirty="0" smtClean="0"/>
+                  <a:t>に</a:t>
+                </a:r>
+                <a14:m>
+                  <m:oMath xmlns:m="http://schemas.openxmlformats.org/officeDocument/2006/math">
+                    <m:sSub>
+                      <m:sSubPr>
+                        <m:ctrlPr>
+                          <a:rPr lang="en-US" altLang="ja-JP" sz="1050" i="1">
+                            <a:latin typeface="Cambria Math"/>
+                          </a:rPr>
+                        </m:ctrlPr>
+                      </m:sSubPr>
+                      <m:e>
+                        <m:r>
+                          <a:rPr lang="en-US" altLang="ja-JP" sz="1050" i="1">
+                            <a:latin typeface="Cambria Math"/>
+                          </a:rPr>
+                          <m:t>𝑣</m:t>
+                        </m:r>
+                      </m:e>
+                      <m:sub>
+                        <m:r>
+                          <a:rPr lang="en-US" altLang="ja-JP" sz="1050" i="1">
+                            <a:latin typeface="Cambria Math"/>
+                          </a:rPr>
+                          <m:t>𝑛𝑒𝑤</m:t>
+                        </m:r>
+                      </m:sub>
+                    </m:sSub>
+                  </m:oMath>
+                </a14:m>
+                <a:r>
+                  <a:rPr lang="ja-JP" altLang="en-US" sz="1050" dirty="0" smtClean="0"/>
+                  <a:t>を追加</a:t>
+                </a:r>
+                <a:endParaRPr lang="en-US" altLang="ja-JP" sz="1050" dirty="0" smtClean="0"/>
+              </a:p>
+            </p:txBody>
+          </p:sp>
+        </mc:Choice>
+        <mc:Fallback>
+          <p:sp>
+            <p:nvSpPr>
+              <p:cNvPr id="4" name="TextBox 3"/>
+              <p:cNvSpPr txBox="1">
+                <a:spLocks noRot="1" noChangeAspect="1" noMove="1" noResize="1" noEditPoints="1" noAdjustHandles="1" noChangeArrowheads="1" noChangeShapeType="1" noTextEdit="1"/>
+              </p:cNvSpPr>
+              <p:nvPr/>
+            </p:nvSpPr>
+            <p:spPr>
+              <a:xfrm>
+                <a:off x="304800" y="609600"/>
+                <a:ext cx="8534400" cy="6269986"/>
+              </a:xfrm>
+              <a:prstGeom prst="rect">
+                <a:avLst/>
+              </a:prstGeom>
+              <a:blipFill rotWithShape="1">
+                <a:blip r:embed="rId2"/>
+                <a:stretch>
+                  <a:fillRect/>
+                </a:stretch>
+              </a:blipFill>
+            </p:spPr>
+            <p:txBody>
+              <a:bodyPr/>
+              <a:lstStyle/>
+              <a:p>
+                <a:r>
+                  <a:rPr lang="en-US">
+                    <a:noFill/>
+                  </a:rPr>
+                  <a:t> </a:t>
+                </a:r>
+              </a:p>
+            </p:txBody>
+          </p:sp>
+        </mc:Fallback>
+      </mc:AlternateContent>
+    </p:spTree>
+    <p:extLst>
+      <p:ext uri="{BB962C8B-B14F-4D97-AF65-F5344CB8AC3E}">
+        <p14:creationId xmlns:p14="http://schemas.microsoft.com/office/powerpoint/2010/main" val="2160062678"/>
+      </p:ext>
+    </p:extLst>
+  </p:cSld>
+  <p:clrMapOvr>
+    <a:masterClrMapping/>
+  </p:clrMapOvr>
+</p:sld>
+</file>
+
+<file path=ppt/slides/slide52.xml><?xml version="1.0" encoding="utf-8"?>
+<p:sld xmlns:a="http://schemas.openxmlformats.org/drawingml/2006/main" xmlns:r="http://schemas.openxmlformats.org/officeDocument/2006/relationships" xmlns:p="http://schemas.openxmlformats.org/presentationml/2006/main">
+  <p:cSld>
+    <p:spTree>
+      <p:nvGrpSpPr>
+        <p:cNvPr id="1" name=""/>
+        <p:cNvGrpSpPr/>
+        <p:nvPr/>
+      </p:nvGrpSpPr>
+      <p:grpSpPr>
+        <a:xfrm>
+          <a:off x="0" y="0"/>
+          <a:ext cx="0" cy="0"/>
+          <a:chOff x="0" y="0"/>
+          <a:chExt cx="0" cy="0"/>
+        </a:xfrm>
+      </p:grpSpPr>
+      <p:sp>
+        <p:nvSpPr>
+          <p:cNvPr id="2" name="TextBox 1"/>
+          <p:cNvSpPr txBox="1"/>
+          <p:nvPr/>
+        </p:nvSpPr>
+        <p:spPr>
+          <a:xfrm>
+            <a:off x="1" y="-13195"/>
+            <a:ext cx="9144000" cy="584775"/>
+          </a:xfrm>
+          <a:prstGeom prst="rect">
+            <a:avLst/>
+          </a:prstGeom>
+          <a:noFill/>
+        </p:spPr>
+        <p:txBody>
+          <a:bodyPr wrap="square" rtlCol="0">
+            <a:spAutoFit/>
+          </a:bodyPr>
+          <a:lstStyle/>
+          <a:p>
+            <a:r>
+              <a:rPr lang="ja-JP" altLang="en-US" sz="3200" dirty="0" smtClean="0"/>
               <a:t>原因：</a:t>
             </a:r>
             <a:endParaRPr lang="en-US" altLang="ja-JP" sz="3200" dirty="0" smtClean="0"/>
@@ -17113,7 +18252,7 @@
 </p:sld>
 </file>
 
-<file path=ppt/slides/slide51.xml><?xml version="1.0" encoding="utf-8"?>
+<file path=ppt/slides/slide53.xml><?xml version="1.0" encoding="utf-8"?>
 <p:sld xmlns:a="http://schemas.openxmlformats.org/drawingml/2006/main" xmlns:r="http://schemas.openxmlformats.org/officeDocument/2006/relationships" xmlns:p="http://schemas.openxmlformats.org/presentationml/2006/main">
   <p:cSld>
     <p:spTree>
@@ -18027,7 +19166,7 @@
 </p:sld>
 </file>
 
-<file path=ppt/slides/slide52.xml><?xml version="1.0" encoding="utf-8"?>
+<file path=ppt/slides/slide54.xml><?xml version="1.0" encoding="utf-8"?>
 <p:sld xmlns:a="http://schemas.openxmlformats.org/drawingml/2006/main" xmlns:r="http://schemas.openxmlformats.org/officeDocument/2006/relationships" xmlns:p="http://schemas.openxmlformats.org/presentationml/2006/main">
   <p:cSld>
     <p:spTree>
@@ -18570,7 +19709,7 @@
 </p:sld>
 </file>
 
-<file path=ppt/slides/slide53.xml><?xml version="1.0" encoding="utf-8"?>
+<file path=ppt/slides/slide55.xml><?xml version="1.0" encoding="utf-8"?>
 <p:sld xmlns:a="http://schemas.openxmlformats.org/drawingml/2006/main" xmlns:r="http://schemas.openxmlformats.org/officeDocument/2006/relationships" xmlns:p="http://schemas.openxmlformats.org/presentationml/2006/main">
   <p:cSld>
     <p:spTree>
@@ -19084,7 +20223,7 @@
 </p:sld>
 </file>
 
-<file path=ppt/slides/slide54.xml><?xml version="1.0" encoding="utf-8"?>
+<file path=ppt/slides/slide56.xml><?xml version="1.0" encoding="utf-8"?>
 <p:sld xmlns:a="http://schemas.openxmlformats.org/drawingml/2006/main" xmlns:r="http://schemas.openxmlformats.org/officeDocument/2006/relationships" xmlns:p="http://schemas.openxmlformats.org/presentationml/2006/main">
   <p:cSld>
     <p:spTree>
@@ -19538,7 +20677,7 @@
 </p:sld>
 </file>
 
-<file path=ppt/slides/slide55.xml><?xml version="1.0" encoding="utf-8"?>
+<file path=ppt/slides/slide57.xml><?xml version="1.0" encoding="utf-8"?>
 <p:sld xmlns:a="http://schemas.openxmlformats.org/drawingml/2006/main" xmlns:r="http://schemas.openxmlformats.org/officeDocument/2006/relationships" xmlns:p="http://schemas.openxmlformats.org/presentationml/2006/main">
   <p:cSld>
     <p:spTree>
@@ -20276,6 +21415,560 @@
     <p:extLst>
       <p:ext uri="{BB962C8B-B14F-4D97-AF65-F5344CB8AC3E}">
         <p14:creationId xmlns:p14="http://schemas.microsoft.com/office/powerpoint/2010/main" val="106156660"/>
+      </p:ext>
+    </p:extLst>
+  </p:cSld>
+  <p:clrMapOvr>
+    <a:masterClrMapping/>
+  </p:clrMapOvr>
+</p:sld>
+</file>
+
+<file path=ppt/slides/slide58.xml><?xml version="1.0" encoding="utf-8"?>
+<p:sld xmlns:a="http://schemas.openxmlformats.org/drawingml/2006/main" xmlns:r="http://schemas.openxmlformats.org/officeDocument/2006/relationships" xmlns:p="http://schemas.openxmlformats.org/presentationml/2006/main">
+  <p:cSld>
+    <p:spTree>
+      <p:nvGrpSpPr>
+        <p:cNvPr id="1" name=""/>
+        <p:cNvGrpSpPr/>
+        <p:nvPr/>
+      </p:nvGrpSpPr>
+      <p:grpSpPr>
+        <a:xfrm>
+          <a:off x="0" y="0"/>
+          <a:ext cx="0" cy="0"/>
+          <a:chOff x="0" y="0"/>
+          <a:chExt cx="0" cy="0"/>
+        </a:xfrm>
+      </p:grpSpPr>
+      <p:sp>
+        <p:nvSpPr>
+          <p:cNvPr id="2" name="TextBox 1"/>
+          <p:cNvSpPr txBox="1"/>
+          <p:nvPr/>
+        </p:nvSpPr>
+        <p:spPr>
+          <a:xfrm>
+            <a:off x="394251" y="838200"/>
+            <a:ext cx="8651727" cy="1077218"/>
+          </a:xfrm>
+          <a:prstGeom prst="rect">
+            <a:avLst/>
+          </a:prstGeom>
+          <a:noFill/>
+        </p:spPr>
+        <p:txBody>
+          <a:bodyPr wrap="none" rtlCol="0">
+            <a:spAutoFit/>
+          </a:bodyPr>
+          <a:lstStyle/>
+          <a:p>
+            <a:r>
+              <a:rPr lang="ja-JP" altLang="en-US" sz="3200" dirty="0"/>
+              <a:t>５</a:t>
+            </a:r>
+            <a:r>
+              <a:rPr lang="ja-JP" altLang="en-US" sz="3200" dirty="0" smtClean="0"/>
+              <a:t>）</a:t>
+            </a:r>
+            <a:r>
+              <a:rPr lang="ja-JP" altLang="en-US" sz="3200" dirty="0" smtClean="0"/>
+              <a:t>　</a:t>
+            </a:r>
+            <a:r>
+              <a:rPr lang="en-US" altLang="ja-JP" sz="3200" dirty="0" smtClean="0"/>
+              <a:t>Street</a:t>
+            </a:r>
+            <a:r>
+              <a:rPr lang="ja-JP" altLang="en-US" sz="3200" dirty="0" smtClean="0"/>
+              <a:t>が</a:t>
+            </a:r>
+            <a:r>
+              <a:rPr lang="en-US" altLang="ja-JP" sz="3200" dirty="0" smtClean="0"/>
+              <a:t>Avenue</a:t>
+            </a:r>
+            <a:r>
+              <a:rPr lang="ja-JP" altLang="en-US" sz="3200" dirty="0" smtClean="0"/>
+              <a:t>エ</a:t>
+            </a:r>
+            <a:r>
+              <a:rPr lang="ja-JP" altLang="en-US" sz="3200" dirty="0" smtClean="0"/>
+              <a:t>ッジ</a:t>
+            </a:r>
+            <a:r>
+              <a:rPr lang="ja-JP" altLang="en-US" sz="3200" dirty="0" smtClean="0"/>
+              <a:t>に</a:t>
+            </a:r>
+            <a:r>
+              <a:rPr lang="ja-JP" altLang="en-US" sz="3200" dirty="0"/>
+              <a:t>スナッ</a:t>
+            </a:r>
+            <a:r>
+              <a:rPr lang="ja-JP" altLang="en-US" sz="3200" dirty="0" smtClean="0"/>
+              <a:t>プ</a:t>
+            </a:r>
+            <a:r>
+              <a:rPr lang="ja-JP" altLang="en-US" sz="3200" dirty="0"/>
+              <a:t>し</a:t>
+            </a:r>
+            <a:r>
+              <a:rPr lang="ja-JP" altLang="en-US" sz="3200" dirty="0" smtClean="0"/>
+              <a:t>た場合は、</a:t>
+            </a:r>
+            <a:endParaRPr lang="en-US" altLang="ja-JP" sz="3200" dirty="0" smtClean="0"/>
+          </a:p>
+          <a:p>
+            <a:r>
+              <a:rPr lang="en-US" altLang="ja-JP" sz="3200" dirty="0"/>
+              <a:t> </a:t>
+            </a:r>
+            <a:r>
+              <a:rPr lang="en-US" altLang="ja-JP" sz="3200" dirty="0" smtClean="0"/>
+              <a:t>       </a:t>
+            </a:r>
+            <a:r>
+              <a:rPr lang="ja-JP" altLang="en-US" sz="3200" dirty="0" smtClean="0"/>
+              <a:t>シードとする</a:t>
+            </a:r>
+            <a:endParaRPr lang="en-US" altLang="ja-JP" sz="3200" dirty="0" smtClean="0"/>
+          </a:p>
+        </p:txBody>
+      </p:sp>
+      <p:cxnSp>
+        <p:nvCxnSpPr>
+          <p:cNvPr id="3" name="Straight Connector 2"/>
+          <p:cNvCxnSpPr/>
+          <p:nvPr/>
+        </p:nvCxnSpPr>
+        <p:spPr>
+          <a:xfrm>
+            <a:off x="2800350" y="2339008"/>
+            <a:ext cx="0" cy="2590800"/>
+          </a:xfrm>
+          <a:prstGeom prst="line">
+            <a:avLst/>
+          </a:prstGeom>
+          <a:ln w="25400">
+            <a:solidFill>
+              <a:schemeClr val="tx1"/>
+            </a:solidFill>
+          </a:ln>
+        </p:spPr>
+        <p:style>
+          <a:lnRef idx="1">
+            <a:schemeClr val="accent1"/>
+          </a:lnRef>
+          <a:fillRef idx="0">
+            <a:schemeClr val="accent1"/>
+          </a:fillRef>
+          <a:effectRef idx="0">
+            <a:schemeClr val="accent1"/>
+          </a:effectRef>
+          <a:fontRef idx="minor">
+            <a:schemeClr val="tx1"/>
+          </a:fontRef>
+        </p:style>
+      </p:cxnSp>
+      <p:sp>
+        <p:nvSpPr>
+          <p:cNvPr id="4" name="Right Arrow 3"/>
+          <p:cNvSpPr/>
+          <p:nvPr/>
+        </p:nvSpPr>
+        <p:spPr>
+          <a:xfrm>
+            <a:off x="4379637" y="3200400"/>
+            <a:ext cx="304800" cy="1219200"/>
+          </a:xfrm>
+          <a:prstGeom prst="rightArrow">
+            <a:avLst/>
+          </a:prstGeom>
+          <a:solidFill>
+            <a:schemeClr val="accent6">
+              <a:lumMod val="20000"/>
+              <a:lumOff val="80000"/>
+            </a:schemeClr>
+          </a:solidFill>
+          <a:ln>
+            <a:solidFill>
+              <a:schemeClr val="accent6">
+                <a:lumMod val="50000"/>
+              </a:schemeClr>
+            </a:solidFill>
+          </a:ln>
+        </p:spPr>
+        <p:style>
+          <a:lnRef idx="2">
+            <a:schemeClr val="accent1">
+              <a:shade val="50000"/>
+            </a:schemeClr>
+          </a:lnRef>
+          <a:fillRef idx="1">
+            <a:schemeClr val="accent1"/>
+          </a:fillRef>
+          <a:effectRef idx="0">
+            <a:schemeClr val="accent1"/>
+          </a:effectRef>
+          <a:fontRef idx="minor">
+            <a:schemeClr val="lt1"/>
+          </a:fontRef>
+        </p:style>
+        <p:txBody>
+          <a:bodyPr rtlCol="0" anchor="ctr"/>
+          <a:lstStyle/>
+          <a:p>
+            <a:pPr algn="ctr"/>
+            <a:endParaRPr lang="en-US"/>
+          </a:p>
+        </p:txBody>
+      </p:sp>
+      <p:sp>
+        <p:nvSpPr>
+          <p:cNvPr id="5" name="Oval 4"/>
+          <p:cNvSpPr/>
+          <p:nvPr/>
+        </p:nvSpPr>
+        <p:spPr>
+          <a:xfrm>
+            <a:off x="1219200" y="4191000"/>
+            <a:ext cx="152400" cy="152400"/>
+          </a:xfrm>
+          <a:prstGeom prst="ellipse">
+            <a:avLst/>
+          </a:prstGeom>
+          <a:solidFill>
+            <a:schemeClr val="tx1"/>
+          </a:solidFill>
+          <a:ln>
+            <a:solidFill>
+              <a:schemeClr val="tx1"/>
+            </a:solidFill>
+          </a:ln>
+        </p:spPr>
+        <p:style>
+          <a:lnRef idx="2">
+            <a:schemeClr val="accent1">
+              <a:shade val="50000"/>
+            </a:schemeClr>
+          </a:lnRef>
+          <a:fillRef idx="1">
+            <a:schemeClr val="accent1"/>
+          </a:fillRef>
+          <a:effectRef idx="0">
+            <a:schemeClr val="accent1"/>
+          </a:effectRef>
+          <a:fontRef idx="minor">
+            <a:schemeClr val="lt1"/>
+          </a:fontRef>
+        </p:style>
+        <p:txBody>
+          <a:bodyPr rtlCol="0" anchor="ctr"/>
+          <a:lstStyle/>
+          <a:p>
+            <a:pPr algn="ctr"/>
+            <a:endParaRPr lang="en-US"/>
+          </a:p>
+        </p:txBody>
+      </p:sp>
+      <p:cxnSp>
+        <p:nvCxnSpPr>
+          <p:cNvPr id="6" name="Straight Arrow Connector 5"/>
+          <p:cNvCxnSpPr/>
+          <p:nvPr/>
+        </p:nvCxnSpPr>
+        <p:spPr>
+          <a:xfrm>
+            <a:off x="1295400" y="4253533"/>
+            <a:ext cx="1524000" cy="0"/>
+          </a:xfrm>
+          <a:prstGeom prst="straightConnector1">
+            <a:avLst/>
+          </a:prstGeom>
+          <a:ln w="25400">
+            <a:solidFill>
+              <a:schemeClr val="tx1"/>
+            </a:solidFill>
+            <a:tailEnd type="arrow" w="lg" len="lg"/>
+          </a:ln>
+        </p:spPr>
+        <p:style>
+          <a:lnRef idx="1">
+            <a:schemeClr val="accent1"/>
+          </a:lnRef>
+          <a:fillRef idx="0">
+            <a:schemeClr val="accent1"/>
+          </a:fillRef>
+          <a:effectRef idx="0">
+            <a:schemeClr val="accent1"/>
+          </a:effectRef>
+          <a:fontRef idx="minor">
+            <a:schemeClr val="tx1"/>
+          </a:fontRef>
+        </p:style>
+      </p:cxnSp>
+      <p:cxnSp>
+        <p:nvCxnSpPr>
+          <p:cNvPr id="8" name="Straight Connector 7"/>
+          <p:cNvCxnSpPr/>
+          <p:nvPr/>
+        </p:nvCxnSpPr>
+        <p:spPr>
+          <a:xfrm>
+            <a:off x="2952750" y="2343150"/>
+            <a:ext cx="0" cy="2590800"/>
+          </a:xfrm>
+          <a:prstGeom prst="line">
+            <a:avLst/>
+          </a:prstGeom>
+          <a:ln w="25400">
+            <a:solidFill>
+              <a:schemeClr val="tx1"/>
+            </a:solidFill>
+          </a:ln>
+        </p:spPr>
+        <p:style>
+          <a:lnRef idx="1">
+            <a:schemeClr val="accent1"/>
+          </a:lnRef>
+          <a:fillRef idx="0">
+            <a:schemeClr val="accent1"/>
+          </a:fillRef>
+          <a:effectRef idx="0">
+            <a:schemeClr val="accent1"/>
+          </a:effectRef>
+          <a:fontRef idx="minor">
+            <a:schemeClr val="tx1"/>
+          </a:fontRef>
+        </p:style>
+      </p:cxnSp>
+      <p:cxnSp>
+        <p:nvCxnSpPr>
+          <p:cNvPr id="9" name="Straight Connector 8"/>
+          <p:cNvCxnSpPr/>
+          <p:nvPr/>
+        </p:nvCxnSpPr>
+        <p:spPr>
+          <a:xfrm>
+            <a:off x="7010400" y="2362200"/>
+            <a:ext cx="0" cy="2590800"/>
+          </a:xfrm>
+          <a:prstGeom prst="line">
+            <a:avLst/>
+          </a:prstGeom>
+          <a:ln w="25400">
+            <a:solidFill>
+              <a:schemeClr val="tx1"/>
+            </a:solidFill>
+          </a:ln>
+        </p:spPr>
+        <p:style>
+          <a:lnRef idx="1">
+            <a:schemeClr val="accent1"/>
+          </a:lnRef>
+          <a:fillRef idx="0">
+            <a:schemeClr val="accent1"/>
+          </a:fillRef>
+          <a:effectRef idx="0">
+            <a:schemeClr val="accent1"/>
+          </a:effectRef>
+          <a:fontRef idx="minor">
+            <a:schemeClr val="tx1"/>
+          </a:fontRef>
+        </p:style>
+      </p:cxnSp>
+      <p:cxnSp>
+        <p:nvCxnSpPr>
+          <p:cNvPr id="11" name="Straight Arrow Connector 10"/>
+          <p:cNvCxnSpPr/>
+          <p:nvPr/>
+        </p:nvCxnSpPr>
+        <p:spPr>
+          <a:xfrm>
+            <a:off x="5505450" y="4276725"/>
+            <a:ext cx="1524000" cy="0"/>
+          </a:xfrm>
+          <a:prstGeom prst="straightConnector1">
+            <a:avLst/>
+          </a:prstGeom>
+          <a:ln w="25400">
+            <a:solidFill>
+              <a:schemeClr val="tx1"/>
+            </a:solidFill>
+            <a:tailEnd type="none" w="lg" len="lg"/>
+          </a:ln>
+        </p:spPr>
+        <p:style>
+          <a:lnRef idx="1">
+            <a:schemeClr val="accent1"/>
+          </a:lnRef>
+          <a:fillRef idx="0">
+            <a:schemeClr val="accent1"/>
+          </a:fillRef>
+          <a:effectRef idx="0">
+            <a:schemeClr val="accent1"/>
+          </a:effectRef>
+          <a:fontRef idx="minor">
+            <a:schemeClr val="tx1"/>
+          </a:fontRef>
+        </p:style>
+      </p:cxnSp>
+      <p:cxnSp>
+        <p:nvCxnSpPr>
+          <p:cNvPr id="12" name="Straight Connector 11"/>
+          <p:cNvCxnSpPr/>
+          <p:nvPr/>
+        </p:nvCxnSpPr>
+        <p:spPr>
+          <a:xfrm>
+            <a:off x="7162800" y="2366342"/>
+            <a:ext cx="0" cy="2590800"/>
+          </a:xfrm>
+          <a:prstGeom prst="line">
+            <a:avLst/>
+          </a:prstGeom>
+          <a:ln w="25400">
+            <a:solidFill>
+              <a:schemeClr val="tx1"/>
+            </a:solidFill>
+          </a:ln>
+        </p:spPr>
+        <p:style>
+          <a:lnRef idx="1">
+            <a:schemeClr val="accent1"/>
+          </a:lnRef>
+          <a:fillRef idx="0">
+            <a:schemeClr val="accent1"/>
+          </a:fillRef>
+          <a:effectRef idx="0">
+            <a:schemeClr val="accent1"/>
+          </a:effectRef>
+          <a:fontRef idx="minor">
+            <a:schemeClr val="tx1"/>
+          </a:fontRef>
+        </p:style>
+      </p:cxnSp>
+      <p:sp>
+        <p:nvSpPr>
+          <p:cNvPr id="13" name="Oval 12"/>
+          <p:cNvSpPr/>
+          <p:nvPr/>
+        </p:nvSpPr>
+        <p:spPr>
+          <a:xfrm>
+            <a:off x="7086600" y="4210050"/>
+            <a:ext cx="152400" cy="152400"/>
+          </a:xfrm>
+          <a:prstGeom prst="ellipse">
+            <a:avLst/>
+          </a:prstGeom>
+          <a:solidFill>
+            <a:schemeClr val="tx1"/>
+          </a:solidFill>
+          <a:ln>
+            <a:solidFill>
+              <a:schemeClr val="tx1"/>
+            </a:solidFill>
+          </a:ln>
+        </p:spPr>
+        <p:style>
+          <a:lnRef idx="2">
+            <a:schemeClr val="accent1">
+              <a:shade val="50000"/>
+            </a:schemeClr>
+          </a:lnRef>
+          <a:fillRef idx="1">
+            <a:schemeClr val="accent1"/>
+          </a:fillRef>
+          <a:effectRef idx="0">
+            <a:schemeClr val="accent1"/>
+          </a:effectRef>
+          <a:fontRef idx="minor">
+            <a:schemeClr val="lt1"/>
+          </a:fontRef>
+        </p:style>
+        <p:txBody>
+          <a:bodyPr rtlCol="0" anchor="ctr"/>
+          <a:lstStyle/>
+          <a:p>
+            <a:pPr algn="ctr"/>
+            <a:endParaRPr lang="en-US"/>
+          </a:p>
+        </p:txBody>
+      </p:sp>
+      <p:cxnSp>
+        <p:nvCxnSpPr>
+          <p:cNvPr id="14" name="Straight Arrow Connector 13"/>
+          <p:cNvCxnSpPr/>
+          <p:nvPr/>
+        </p:nvCxnSpPr>
+        <p:spPr>
+          <a:xfrm>
+            <a:off x="7162800" y="4272583"/>
+            <a:ext cx="1524000" cy="0"/>
+          </a:xfrm>
+          <a:prstGeom prst="straightConnector1">
+            <a:avLst/>
+          </a:prstGeom>
+          <a:ln w="25400">
+            <a:solidFill>
+              <a:schemeClr val="tx1"/>
+            </a:solidFill>
+            <a:tailEnd type="arrow" w="lg" len="lg"/>
+          </a:ln>
+        </p:spPr>
+        <p:style>
+          <a:lnRef idx="1">
+            <a:schemeClr val="accent1"/>
+          </a:lnRef>
+          <a:fillRef idx="0">
+            <a:schemeClr val="accent1"/>
+          </a:fillRef>
+          <a:effectRef idx="0">
+            <a:schemeClr val="accent1"/>
+          </a:effectRef>
+          <a:fontRef idx="minor">
+            <a:schemeClr val="tx1"/>
+          </a:fontRef>
+        </p:style>
+      </p:cxnSp>
+      <p:sp>
+        <p:nvSpPr>
+          <p:cNvPr id="15" name="TextBox 14"/>
+          <p:cNvSpPr txBox="1"/>
+          <p:nvPr/>
+        </p:nvSpPr>
+        <p:spPr>
+          <a:xfrm>
+            <a:off x="5562600" y="5029200"/>
+            <a:ext cx="3070071" cy="400110"/>
+          </a:xfrm>
+          <a:prstGeom prst="rect">
+            <a:avLst/>
+          </a:prstGeom>
+          <a:noFill/>
+        </p:spPr>
+        <p:txBody>
+          <a:bodyPr wrap="none" rtlCol="0">
+            <a:spAutoFit/>
+          </a:bodyPr>
+          <a:lstStyle/>
+          <a:p>
+            <a:r>
+              <a:rPr lang="ja-JP" altLang="en-US" sz="2000" dirty="0"/>
+              <a:t>自</a:t>
+            </a:r>
+            <a:r>
+              <a:rPr lang="ja-JP" altLang="en-US" sz="2000" dirty="0" smtClean="0"/>
+              <a:t>然な交差点になるはず。</a:t>
+            </a:r>
+            <a:endParaRPr lang="en-US" sz="2000" dirty="0"/>
+          </a:p>
+        </p:txBody>
+      </p:sp>
+    </p:spTree>
+    <p:extLst>
+      <p:ext uri="{BB962C8B-B14F-4D97-AF65-F5344CB8AC3E}">
+        <p14:creationId xmlns:p14="http://schemas.microsoft.com/office/powerpoint/2010/main" val="2389257409"/>
       </p:ext>
     </p:extLst>
   </p:cSld>

--- a/RoadDesigner.pptx
+++ b/RoadDesigner.pptx
@@ -54,15 +54,23 @@
     <p:sldId id="312" r:id="rId48"/>
     <p:sldId id="313" r:id="rId49"/>
     <p:sldId id="314" r:id="rId50"/>
-    <p:sldId id="315" r:id="rId51"/>
-    <p:sldId id="316" r:id="rId52"/>
-    <p:sldId id="301" r:id="rId53"/>
-    <p:sldId id="302" r:id="rId54"/>
-    <p:sldId id="268" r:id="rId55"/>
-    <p:sldId id="269" r:id="rId56"/>
-    <p:sldId id="275" r:id="rId57"/>
-    <p:sldId id="270" r:id="rId58"/>
-    <p:sldId id="317" r:id="rId59"/>
+    <p:sldId id="318" r:id="rId51"/>
+    <p:sldId id="319" r:id="rId52"/>
+    <p:sldId id="320" r:id="rId53"/>
+    <p:sldId id="321" r:id="rId54"/>
+    <p:sldId id="322" r:id="rId55"/>
+    <p:sldId id="323" r:id="rId56"/>
+    <p:sldId id="324" r:id="rId57"/>
+    <p:sldId id="325" r:id="rId58"/>
+    <p:sldId id="315" r:id="rId59"/>
+    <p:sldId id="316" r:id="rId60"/>
+    <p:sldId id="301" r:id="rId61"/>
+    <p:sldId id="302" r:id="rId62"/>
+    <p:sldId id="268" r:id="rId63"/>
+    <p:sldId id="269" r:id="rId64"/>
+    <p:sldId id="275" r:id="rId65"/>
+    <p:sldId id="270" r:id="rId66"/>
+    <p:sldId id="317" r:id="rId67"/>
   </p:sldIdLst>
   <p:sldSz cx="9144000" cy="6858000" type="screen4x3"/>
   <p:notesSz cx="6997700" cy="9283700"/>
@@ -14144,11 +14152,7 @@
             </a:r>
             <a:r>
               <a:rPr lang="ja-JP" altLang="en-US" sz="3200" dirty="0" smtClean="0"/>
-              <a:t>　</a:t>
-            </a:r>
-            <a:r>
-              <a:rPr lang="ja-JP" altLang="en-US" sz="3200" dirty="0" smtClean="0"/>
-              <a:t>できるので、シードは１個で十分だ。</a:t>
+              <a:t>　できるので、シードは１個で十分だ。</a:t>
             </a:r>
             <a:endParaRPr lang="en-US" altLang="ja-JP" sz="3200" dirty="0" smtClean="0"/>
           </a:p>
@@ -16336,16 +16340,70 @@
           <a:chExt cx="0" cy="0"/>
         </a:xfrm>
       </p:grpSpPr>
-      <p:sp>
-        <p:nvSpPr>
-          <p:cNvPr id="2" name="TextBox 1"/>
+      <p:pic>
+        <p:nvPicPr>
+          <p:cNvPr id="6147" name="Picture 3"/>
+          <p:cNvPicPr>
+            <a:picLocks noChangeAspect="1" noChangeArrowheads="1"/>
+          </p:cNvPicPr>
+          <p:nvPr/>
+        </p:nvPicPr>
+        <p:blipFill>
+          <a:blip r:embed="rId2">
+            <a:extLst>
+              <a:ext uri="{28A0092B-C50C-407E-A947-70E740481C1C}">
+                <a14:useLocalDpi xmlns:a14="http://schemas.microsoft.com/office/drawing/2010/main" val="0"/>
+              </a:ext>
+            </a:extLst>
+          </a:blip>
+          <a:srcRect/>
+          <a:stretch>
+            <a:fillRect/>
+          </a:stretch>
+        </p:blipFill>
+        <p:spPr bwMode="auto">
+          <a:xfrm>
+            <a:off x="76201" y="1371600"/>
+            <a:ext cx="2139902" cy="2743200"/>
+          </a:xfrm>
+          <a:prstGeom prst="rect">
+            <a:avLst/>
+          </a:prstGeom>
+          <a:noFill/>
+          <a:ln>
+            <a:noFill/>
+          </a:ln>
+          <a:extLst>
+            <a:ext uri="{909E8E84-426E-40DD-AFC4-6F175D3DCCD1}">
+              <a14:hiddenFill xmlns:a14="http://schemas.microsoft.com/office/drawing/2010/main">
+                <a:solidFill>
+                  <a:schemeClr val="accent1"/>
+                </a:solidFill>
+              </a14:hiddenFill>
+            </a:ext>
+            <a:ext uri="{91240B29-F687-4F45-9708-019B960494DF}">
+              <a14:hiddenLine xmlns:a14="http://schemas.microsoft.com/office/drawing/2010/main" w="9525">
+                <a:solidFill>
+                  <a:schemeClr val="tx1"/>
+                </a:solidFill>
+                <a:miter lim="800000"/>
+                <a:headEnd/>
+                <a:tailEnd/>
+              </a14:hiddenLine>
+            </a:ext>
+          </a:extLst>
+        </p:spPr>
+      </p:pic>
+      <p:sp>
+        <p:nvSpPr>
+          <p:cNvPr id="4" name="TextBox 3"/>
           <p:cNvSpPr txBox="1"/>
           <p:nvPr/>
         </p:nvSpPr>
         <p:spPr>
           <a:xfrm>
             <a:off x="1" y="-13195"/>
-            <a:ext cx="9144000" cy="584775"/>
+            <a:ext cx="9144000" cy="1077218"/>
           </a:xfrm>
           <a:prstGeom prst="rect">
             <a:avLst/>
@@ -16360,32 +16418,134 @@
           <a:p>
             <a:r>
               <a:rPr lang="ja-JP" altLang="en-US" sz="3200" dirty="0" smtClean="0"/>
-              <a:t>類似</a:t>
+              <a:t>別の領域でやってみる。</a:t>
+            </a:r>
+            <a:endParaRPr lang="en-US" altLang="ja-JP" sz="3200" dirty="0" smtClean="0"/>
+          </a:p>
+          <a:p>
+            <a:r>
+              <a:rPr lang="ja-JP" altLang="en-US" sz="3200" dirty="0" smtClean="0"/>
+              <a:t>⇒  </a:t>
             </a:r>
             <a:r>
               <a:rPr lang="en-US" altLang="ja-JP" sz="3200" dirty="0" smtClean="0"/>
-              <a:t>Face</a:t>
-            </a:r>
-            <a:r>
-              <a:rPr lang="ja-JP" altLang="en-US" sz="3200" dirty="0" smtClean="0"/>
-              <a:t>に基づいた</a:t>
-            </a:r>
-            <a:r>
-              <a:rPr lang="en-US" altLang="ja-JP" sz="3200" dirty="0" smtClean="0"/>
-              <a:t>Street</a:t>
-            </a:r>
-            <a:r>
-              <a:rPr lang="ja-JP" altLang="en-US" sz="3200" dirty="0" smtClean="0"/>
-              <a:t>の生成</a:t>
-            </a:r>
-            <a:endParaRPr lang="en-US" altLang="ja-JP" sz="3200" dirty="0" smtClean="0"/>
-          </a:p>
-        </p:txBody>
-      </p:sp>
+              <a:t>kde_feature_i.xml</a:t>
+            </a:r>
+          </a:p>
+        </p:txBody>
+      </p:sp>
+      <p:pic>
+        <p:nvPicPr>
+          <p:cNvPr id="6148" name="Picture 4"/>
+          <p:cNvPicPr>
+            <a:picLocks noChangeAspect="1" noChangeArrowheads="1"/>
+          </p:cNvPicPr>
+          <p:nvPr/>
+        </p:nvPicPr>
+        <p:blipFill>
+          <a:blip r:embed="rId3">
+            <a:extLst>
+              <a:ext uri="{28A0092B-C50C-407E-A947-70E740481C1C}">
+                <a14:useLocalDpi xmlns:a14="http://schemas.microsoft.com/office/drawing/2010/main" val="0"/>
+              </a:ext>
+            </a:extLst>
+          </a:blip>
+          <a:srcRect/>
+          <a:stretch>
+            <a:fillRect/>
+          </a:stretch>
+        </p:blipFill>
+        <p:spPr bwMode="auto">
+          <a:xfrm>
+            <a:off x="2438400" y="1447801"/>
+            <a:ext cx="2963333" cy="3810000"/>
+          </a:xfrm>
+          <a:prstGeom prst="rect">
+            <a:avLst/>
+          </a:prstGeom>
+          <a:noFill/>
+          <a:ln>
+            <a:noFill/>
+          </a:ln>
+          <a:extLst>
+            <a:ext uri="{909E8E84-426E-40DD-AFC4-6F175D3DCCD1}">
+              <a14:hiddenFill xmlns:a14="http://schemas.microsoft.com/office/drawing/2010/main">
+                <a:solidFill>
+                  <a:schemeClr val="accent1"/>
+                </a:solidFill>
+              </a14:hiddenFill>
+            </a:ext>
+            <a:ext uri="{91240B29-F687-4F45-9708-019B960494DF}">
+              <a14:hiddenLine xmlns:a14="http://schemas.microsoft.com/office/drawing/2010/main" w="9525">
+                <a:solidFill>
+                  <a:schemeClr val="tx1"/>
+                </a:solidFill>
+                <a:miter lim="800000"/>
+                <a:headEnd/>
+                <a:tailEnd/>
+              </a14:hiddenLine>
+            </a:ext>
+          </a:extLst>
+        </p:spPr>
+      </p:pic>
+      <p:pic>
+        <p:nvPicPr>
+          <p:cNvPr id="6149" name="Picture 5"/>
+          <p:cNvPicPr>
+            <a:picLocks noChangeAspect="1" noChangeArrowheads="1"/>
+          </p:cNvPicPr>
+          <p:nvPr/>
+        </p:nvPicPr>
+        <p:blipFill>
+          <a:blip r:embed="rId4">
+            <a:extLst>
+              <a:ext uri="{28A0092B-C50C-407E-A947-70E740481C1C}">
+                <a14:useLocalDpi xmlns:a14="http://schemas.microsoft.com/office/drawing/2010/main" val="0"/>
+              </a:ext>
+            </a:extLst>
+          </a:blip>
+          <a:srcRect/>
+          <a:stretch>
+            <a:fillRect/>
+          </a:stretch>
+        </p:blipFill>
+        <p:spPr bwMode="auto">
+          <a:xfrm>
+            <a:off x="5755106" y="1447801"/>
+            <a:ext cx="3007894" cy="3810000"/>
+          </a:xfrm>
+          <a:prstGeom prst="rect">
+            <a:avLst/>
+          </a:prstGeom>
+          <a:noFill/>
+          <a:ln>
+            <a:noFill/>
+          </a:ln>
+          <a:extLst>
+            <a:ext uri="{909E8E84-426E-40DD-AFC4-6F175D3DCCD1}">
+              <a14:hiddenFill xmlns:a14="http://schemas.microsoft.com/office/drawing/2010/main">
+                <a:solidFill>
+                  <a:schemeClr val="accent1"/>
+                </a:solidFill>
+              </a14:hiddenFill>
+            </a:ext>
+            <a:ext uri="{91240B29-F687-4F45-9708-019B960494DF}">
+              <a14:hiddenLine xmlns:a14="http://schemas.microsoft.com/office/drawing/2010/main" w="9525">
+                <a:solidFill>
+                  <a:schemeClr val="tx1"/>
+                </a:solidFill>
+                <a:miter lim="800000"/>
+                <a:headEnd/>
+                <a:tailEnd/>
+              </a14:hiddenLine>
+            </a:ext>
+          </a:extLst>
+        </p:spPr>
+      </p:pic>
     </p:spTree>
     <p:extLst>
       <p:ext uri="{BB962C8B-B14F-4D97-AF65-F5344CB8AC3E}">
-        <p14:creationId xmlns:p14="http://schemas.microsoft.com/office/powerpoint/2010/main" val="4114366471"/>
+        <p14:creationId xmlns:p14="http://schemas.microsoft.com/office/powerpoint/2010/main" val="638742098"/>
       </p:ext>
     </p:extLst>
   </p:cSld>
@@ -16412,16 +16572,70 @@
           <a:chExt cx="0" cy="0"/>
         </a:xfrm>
       </p:grpSpPr>
-      <p:sp>
-        <p:nvSpPr>
-          <p:cNvPr id="2" name="TextBox 1"/>
+      <p:pic>
+        <p:nvPicPr>
+          <p:cNvPr id="7171" name="Picture 3"/>
+          <p:cNvPicPr>
+            <a:picLocks noChangeAspect="1" noChangeArrowheads="1"/>
+          </p:cNvPicPr>
+          <p:nvPr/>
+        </p:nvPicPr>
+        <p:blipFill>
+          <a:blip r:embed="rId2">
+            <a:extLst>
+              <a:ext uri="{28A0092B-C50C-407E-A947-70E740481C1C}">
+                <a14:useLocalDpi xmlns:a14="http://schemas.microsoft.com/office/drawing/2010/main" val="0"/>
+              </a:ext>
+            </a:extLst>
+          </a:blip>
+          <a:srcRect/>
+          <a:stretch>
+            <a:fillRect/>
+          </a:stretch>
+        </p:blipFill>
+        <p:spPr bwMode="auto">
+          <a:xfrm>
+            <a:off x="2133600" y="1524000"/>
+            <a:ext cx="5070508" cy="5124450"/>
+          </a:xfrm>
+          <a:prstGeom prst="rect">
+            <a:avLst/>
+          </a:prstGeom>
+          <a:noFill/>
+          <a:ln>
+            <a:noFill/>
+          </a:ln>
+          <a:extLst>
+            <a:ext uri="{909E8E84-426E-40DD-AFC4-6F175D3DCCD1}">
+              <a14:hiddenFill xmlns:a14="http://schemas.microsoft.com/office/drawing/2010/main">
+                <a:solidFill>
+                  <a:schemeClr val="accent1"/>
+                </a:solidFill>
+              </a14:hiddenFill>
+            </a:ext>
+            <a:ext uri="{91240B29-F687-4F45-9708-019B960494DF}">
+              <a14:hiddenLine xmlns:a14="http://schemas.microsoft.com/office/drawing/2010/main" w="9525">
+                <a:solidFill>
+                  <a:schemeClr val="tx1"/>
+                </a:solidFill>
+                <a:miter lim="800000"/>
+                <a:headEnd/>
+                <a:tailEnd/>
+              </a14:hiddenLine>
+            </a:ext>
+          </a:extLst>
+        </p:spPr>
+      </p:pic>
+      <p:sp>
+        <p:nvSpPr>
+          <p:cNvPr id="4" name="TextBox 3"/>
           <p:cNvSpPr txBox="1"/>
           <p:nvPr/>
         </p:nvSpPr>
         <p:spPr>
           <a:xfrm>
             <a:off x="1" y="-13195"/>
-            <a:ext cx="9144000" cy="584775"/>
+            <a:ext cx="9144000" cy="1077218"/>
           </a:xfrm>
           <a:prstGeom prst="rect">
             <a:avLst/>
@@ -16435,6 +16649,1202 @@
           <a:lstStyle/>
           <a:p>
             <a:r>
+              <a:rPr lang="ja-JP" altLang="en-US" sz="3200" dirty="0"/>
+              <a:t>まあ</a:t>
+            </a:r>
+            <a:r>
+              <a:rPr lang="ja-JP" altLang="en-US" sz="3200" dirty="0" smtClean="0"/>
+              <a:t>まあの結果。</a:t>
+            </a:r>
+            <a:endParaRPr lang="en-US" altLang="ja-JP" sz="3200" dirty="0" smtClean="0"/>
+          </a:p>
+          <a:p>
+            <a:r>
+              <a:rPr lang="ja-JP" altLang="en-US" sz="3200" dirty="0"/>
+              <a:t>しかし</a:t>
+            </a:r>
+            <a:r>
+              <a:rPr lang="ja-JP" altLang="en-US" sz="3200" dirty="0" smtClean="0"/>
+              <a:t>、やはり</a:t>
+            </a:r>
+            <a:r>
+              <a:rPr lang="ja-JP" altLang="en-US" sz="3200" dirty="0"/>
+              <a:t>類</a:t>
+            </a:r>
+            <a:r>
+              <a:rPr lang="ja-JP" altLang="en-US" sz="3200" dirty="0" smtClean="0"/>
+              <a:t>似</a:t>
+            </a:r>
+            <a:r>
+              <a:rPr lang="en-US" altLang="ja-JP" sz="3200" dirty="0" smtClean="0"/>
+              <a:t>Face</a:t>
+            </a:r>
+            <a:r>
+              <a:rPr lang="ja-JP" altLang="en-US" sz="3200" dirty="0" smtClean="0"/>
+              <a:t>のアプローチをやるべきだ。</a:t>
+            </a:r>
+            <a:endParaRPr lang="en-US" altLang="ja-JP" sz="3200" dirty="0" smtClean="0"/>
+          </a:p>
+        </p:txBody>
+      </p:sp>
+    </p:spTree>
+    <p:extLst>
+      <p:ext uri="{BB962C8B-B14F-4D97-AF65-F5344CB8AC3E}">
+        <p14:creationId xmlns:p14="http://schemas.microsoft.com/office/powerpoint/2010/main" val="2521018193"/>
+      </p:ext>
+    </p:extLst>
+  </p:cSld>
+  <p:clrMapOvr>
+    <a:masterClrMapping/>
+  </p:clrMapOvr>
+</p:sld>
+</file>
+
+<file path=ppt/slides/slide52.xml><?xml version="1.0" encoding="utf-8"?>
+<p:sld xmlns:a="http://schemas.openxmlformats.org/drawingml/2006/main" xmlns:r="http://schemas.openxmlformats.org/officeDocument/2006/relationships" xmlns:p="http://schemas.openxmlformats.org/presentationml/2006/main">
+  <p:cSld>
+    <p:spTree>
+      <p:nvGrpSpPr>
+        <p:cNvPr id="1" name=""/>
+        <p:cNvGrpSpPr/>
+        <p:nvPr/>
+      </p:nvGrpSpPr>
+      <p:grpSpPr>
+        <a:xfrm>
+          <a:off x="0" y="0"/>
+          <a:ext cx="0" cy="0"/>
+          <a:chOff x="0" y="0"/>
+          <a:chExt cx="0" cy="0"/>
+        </a:xfrm>
+      </p:grpSpPr>
+      <p:sp>
+        <p:nvSpPr>
+          <p:cNvPr id="2" name="TextBox 1"/>
+          <p:cNvSpPr txBox="1"/>
+          <p:nvPr/>
+        </p:nvSpPr>
+        <p:spPr>
+          <a:xfrm>
+            <a:off x="1" y="-13195"/>
+            <a:ext cx="9144000" cy="1077218"/>
+          </a:xfrm>
+          <a:prstGeom prst="rect">
+            <a:avLst/>
+          </a:prstGeom>
+          <a:noFill/>
+        </p:spPr>
+        <p:txBody>
+          <a:bodyPr wrap="square" rtlCol="0">
+            <a:spAutoFit/>
+          </a:bodyPr>
+          <a:lstStyle/>
+          <a:p>
+            <a:r>
+              <a:rPr lang="ja-JP" altLang="en-US" sz="3200" dirty="0" smtClean="0"/>
+              <a:t>ここで、ロンドンについても、実験。</a:t>
+            </a:r>
+            <a:endParaRPr lang="en-US" altLang="ja-JP" sz="3200" dirty="0" smtClean="0"/>
+          </a:p>
+          <a:p>
+            <a:r>
+              <a:rPr lang="ja-JP" altLang="en-US" sz="3200" dirty="0" smtClean="0"/>
+              <a:t>⇒ </a:t>
+            </a:r>
+            <a:r>
+              <a:rPr lang="en-US" altLang="ja-JP" sz="3200" dirty="0" smtClean="0"/>
+              <a:t>kde_feature_london.xml</a:t>
+            </a:r>
+          </a:p>
+        </p:txBody>
+      </p:sp>
+      <p:pic>
+        <p:nvPicPr>
+          <p:cNvPr id="8194" name="Picture 2"/>
+          <p:cNvPicPr>
+            <a:picLocks noChangeAspect="1" noChangeArrowheads="1"/>
+          </p:cNvPicPr>
+          <p:nvPr/>
+        </p:nvPicPr>
+        <p:blipFill>
+          <a:blip r:embed="rId2">
+            <a:extLst>
+              <a:ext uri="{28A0092B-C50C-407E-A947-70E740481C1C}">
+                <a14:useLocalDpi xmlns:a14="http://schemas.microsoft.com/office/drawing/2010/main" val="0"/>
+              </a:ext>
+            </a:extLst>
+          </a:blip>
+          <a:srcRect/>
+          <a:stretch>
+            <a:fillRect/>
+          </a:stretch>
+        </p:blipFill>
+        <p:spPr bwMode="auto">
+          <a:xfrm>
+            <a:off x="2971800" y="1143000"/>
+            <a:ext cx="3200400" cy="2333166"/>
+          </a:xfrm>
+          <a:prstGeom prst="rect">
+            <a:avLst/>
+          </a:prstGeom>
+          <a:noFill/>
+          <a:ln>
+            <a:noFill/>
+          </a:ln>
+          <a:extLst>
+            <a:ext uri="{909E8E84-426E-40DD-AFC4-6F175D3DCCD1}">
+              <a14:hiddenFill xmlns:a14="http://schemas.microsoft.com/office/drawing/2010/main">
+                <a:solidFill>
+                  <a:schemeClr val="accent1"/>
+                </a:solidFill>
+              </a14:hiddenFill>
+            </a:ext>
+            <a:ext uri="{91240B29-F687-4F45-9708-019B960494DF}">
+              <a14:hiddenLine xmlns:a14="http://schemas.microsoft.com/office/drawing/2010/main" w="9525">
+                <a:solidFill>
+                  <a:schemeClr val="tx1"/>
+                </a:solidFill>
+                <a:miter lim="800000"/>
+                <a:headEnd/>
+                <a:tailEnd/>
+              </a14:hiddenLine>
+            </a:ext>
+          </a:extLst>
+        </p:spPr>
+      </p:pic>
+      <p:pic>
+        <p:nvPicPr>
+          <p:cNvPr id="8195" name="Picture 3"/>
+          <p:cNvPicPr>
+            <a:picLocks noChangeAspect="1" noChangeArrowheads="1"/>
+          </p:cNvPicPr>
+          <p:nvPr/>
+        </p:nvPicPr>
+        <p:blipFill>
+          <a:blip r:embed="rId3">
+            <a:extLst>
+              <a:ext uri="{28A0092B-C50C-407E-A947-70E740481C1C}">
+                <a14:useLocalDpi xmlns:a14="http://schemas.microsoft.com/office/drawing/2010/main" val="0"/>
+              </a:ext>
+            </a:extLst>
+          </a:blip>
+          <a:srcRect/>
+          <a:stretch>
+            <a:fillRect/>
+          </a:stretch>
+        </p:blipFill>
+        <p:spPr bwMode="auto">
+          <a:xfrm>
+            <a:off x="0" y="3581400"/>
+            <a:ext cx="4486708" cy="3276600"/>
+          </a:xfrm>
+          <a:prstGeom prst="rect">
+            <a:avLst/>
+          </a:prstGeom>
+          <a:noFill/>
+          <a:ln>
+            <a:noFill/>
+          </a:ln>
+          <a:extLst>
+            <a:ext uri="{909E8E84-426E-40DD-AFC4-6F175D3DCCD1}">
+              <a14:hiddenFill xmlns:a14="http://schemas.microsoft.com/office/drawing/2010/main">
+                <a:solidFill>
+                  <a:schemeClr val="accent1"/>
+                </a:solidFill>
+              </a14:hiddenFill>
+            </a:ext>
+            <a:ext uri="{91240B29-F687-4F45-9708-019B960494DF}">
+              <a14:hiddenLine xmlns:a14="http://schemas.microsoft.com/office/drawing/2010/main" w="9525">
+                <a:solidFill>
+                  <a:schemeClr val="tx1"/>
+                </a:solidFill>
+                <a:miter lim="800000"/>
+                <a:headEnd/>
+                <a:tailEnd/>
+              </a14:hiddenLine>
+            </a:ext>
+          </a:extLst>
+        </p:spPr>
+      </p:pic>
+      <p:pic>
+        <p:nvPicPr>
+          <p:cNvPr id="8197" name="Picture 5"/>
+          <p:cNvPicPr>
+            <a:picLocks noChangeAspect="1" noChangeArrowheads="1"/>
+          </p:cNvPicPr>
+          <p:nvPr/>
+        </p:nvPicPr>
+        <p:blipFill>
+          <a:blip r:embed="rId4">
+            <a:extLst>
+              <a:ext uri="{28A0092B-C50C-407E-A947-70E740481C1C}">
+                <a14:useLocalDpi xmlns:a14="http://schemas.microsoft.com/office/drawing/2010/main" val="0"/>
+              </a:ext>
+            </a:extLst>
+          </a:blip>
+          <a:srcRect/>
+          <a:stretch>
+            <a:fillRect/>
+          </a:stretch>
+        </p:blipFill>
+        <p:spPr bwMode="auto">
+          <a:xfrm>
+            <a:off x="4771141" y="3581400"/>
+            <a:ext cx="4372859" cy="3276600"/>
+          </a:xfrm>
+          <a:prstGeom prst="rect">
+            <a:avLst/>
+          </a:prstGeom>
+          <a:noFill/>
+          <a:ln>
+            <a:noFill/>
+          </a:ln>
+          <a:extLst>
+            <a:ext uri="{909E8E84-426E-40DD-AFC4-6F175D3DCCD1}">
+              <a14:hiddenFill xmlns:a14="http://schemas.microsoft.com/office/drawing/2010/main">
+                <a:solidFill>
+                  <a:schemeClr val="accent1"/>
+                </a:solidFill>
+              </a14:hiddenFill>
+            </a:ext>
+            <a:ext uri="{91240B29-F687-4F45-9708-019B960494DF}">
+              <a14:hiddenLine xmlns:a14="http://schemas.microsoft.com/office/drawing/2010/main" w="9525">
+                <a:solidFill>
+                  <a:schemeClr val="tx1"/>
+                </a:solidFill>
+                <a:miter lim="800000"/>
+                <a:headEnd/>
+                <a:tailEnd/>
+              </a14:hiddenLine>
+            </a:ext>
+          </a:extLst>
+        </p:spPr>
+      </p:pic>
+    </p:spTree>
+    <p:extLst>
+      <p:ext uri="{BB962C8B-B14F-4D97-AF65-F5344CB8AC3E}">
+        <p14:creationId xmlns:p14="http://schemas.microsoft.com/office/powerpoint/2010/main" val="162021043"/>
+      </p:ext>
+    </p:extLst>
+  </p:cSld>
+  <p:clrMapOvr>
+    <a:masterClrMapping/>
+  </p:clrMapOvr>
+</p:sld>
+</file>
+
+<file path=ppt/slides/slide53.xml><?xml version="1.0" encoding="utf-8"?>
+<p:sld xmlns:a="http://schemas.openxmlformats.org/drawingml/2006/main" xmlns:r="http://schemas.openxmlformats.org/officeDocument/2006/relationships" xmlns:p="http://schemas.openxmlformats.org/presentationml/2006/main">
+  <p:cSld>
+    <p:spTree>
+      <p:nvGrpSpPr>
+        <p:cNvPr id="1" name=""/>
+        <p:cNvGrpSpPr/>
+        <p:nvPr/>
+      </p:nvGrpSpPr>
+      <p:grpSpPr>
+        <a:xfrm>
+          <a:off x="0" y="0"/>
+          <a:ext cx="0" cy="0"/>
+          <a:chOff x="0" y="0"/>
+          <a:chExt cx="0" cy="0"/>
+        </a:xfrm>
+      </p:grpSpPr>
+      <p:pic>
+        <p:nvPicPr>
+          <p:cNvPr id="9218" name="Picture 2"/>
+          <p:cNvPicPr>
+            <a:picLocks noChangeAspect="1" noChangeArrowheads="1"/>
+          </p:cNvPicPr>
+          <p:nvPr/>
+        </p:nvPicPr>
+        <p:blipFill>
+          <a:blip r:embed="rId2">
+            <a:extLst>
+              <a:ext uri="{28A0092B-C50C-407E-A947-70E740481C1C}">
+                <a14:useLocalDpi xmlns:a14="http://schemas.microsoft.com/office/drawing/2010/main" val="0"/>
+              </a:ext>
+            </a:extLst>
+          </a:blip>
+          <a:srcRect/>
+          <a:stretch>
+            <a:fillRect/>
+          </a:stretch>
+        </p:blipFill>
+        <p:spPr bwMode="auto">
+          <a:xfrm>
+            <a:off x="1905000" y="1371600"/>
+            <a:ext cx="5126787" cy="5486400"/>
+          </a:xfrm>
+          <a:prstGeom prst="rect">
+            <a:avLst/>
+          </a:prstGeom>
+          <a:noFill/>
+          <a:ln>
+            <a:noFill/>
+          </a:ln>
+          <a:extLst>
+            <a:ext uri="{909E8E84-426E-40DD-AFC4-6F175D3DCCD1}">
+              <a14:hiddenFill xmlns:a14="http://schemas.microsoft.com/office/drawing/2010/main">
+                <a:solidFill>
+                  <a:schemeClr val="accent1"/>
+                </a:solidFill>
+              </a14:hiddenFill>
+            </a:ext>
+            <a:ext uri="{91240B29-F687-4F45-9708-019B960494DF}">
+              <a14:hiddenLine xmlns:a14="http://schemas.microsoft.com/office/drawing/2010/main" w="9525">
+                <a:solidFill>
+                  <a:schemeClr val="tx1"/>
+                </a:solidFill>
+                <a:miter lim="800000"/>
+                <a:headEnd/>
+                <a:tailEnd/>
+              </a14:hiddenLine>
+            </a:ext>
+          </a:extLst>
+        </p:spPr>
+      </p:pic>
+      <p:sp>
+        <p:nvSpPr>
+          <p:cNvPr id="3" name="TextBox 2"/>
+          <p:cNvSpPr txBox="1"/>
+          <p:nvPr/>
+        </p:nvSpPr>
+        <p:spPr>
+          <a:xfrm>
+            <a:off x="1" y="-13195"/>
+            <a:ext cx="9144000" cy="1077218"/>
+          </a:xfrm>
+          <a:prstGeom prst="rect">
+            <a:avLst/>
+          </a:prstGeom>
+          <a:noFill/>
+        </p:spPr>
+        <p:txBody>
+          <a:bodyPr wrap="square" rtlCol="0">
+            <a:spAutoFit/>
+          </a:bodyPr>
+          <a:lstStyle/>
+          <a:p>
+            <a:r>
+              <a:rPr lang="ja-JP" altLang="en-US" sz="3200" dirty="0"/>
+              <a:t>結</a:t>
+            </a:r>
+            <a:r>
+              <a:rPr lang="ja-JP" altLang="en-US" sz="3200" dirty="0" smtClean="0"/>
+              <a:t>果</a:t>
+            </a:r>
+            <a:r>
+              <a:rPr lang="ja-JP" altLang="en-US" sz="3200" dirty="0"/>
+              <a:t>は</a:t>
+            </a:r>
+            <a:r>
+              <a:rPr lang="ja-JP" altLang="en-US" sz="3200" dirty="0" smtClean="0"/>
+              <a:t>、ぼろぼろ。</a:t>
+            </a:r>
+            <a:endParaRPr lang="en-US" altLang="ja-JP" sz="3200" dirty="0" smtClean="0"/>
+          </a:p>
+          <a:p>
+            <a:r>
+              <a:rPr lang="ja-JP" altLang="en-US" sz="3200" dirty="0" smtClean="0"/>
+              <a:t>⇒　</a:t>
+            </a:r>
+            <a:r>
+              <a:rPr lang="en-US" altLang="ja-JP" sz="3200" dirty="0" smtClean="0"/>
+              <a:t>Boulevard</a:t>
+            </a:r>
+            <a:r>
+              <a:rPr lang="ja-JP" altLang="en-US" sz="3200" dirty="0" smtClean="0"/>
+              <a:t>も、</a:t>
+            </a:r>
+            <a:r>
+              <a:rPr lang="en-US" altLang="ja-JP" sz="3200" dirty="0" smtClean="0"/>
+              <a:t>Avenue</a:t>
+            </a:r>
+            <a:r>
+              <a:rPr lang="ja-JP" altLang="en-US" sz="3200" dirty="0" smtClean="0"/>
+              <a:t>と同様に扱うべきでは？</a:t>
+            </a:r>
+            <a:endParaRPr lang="en-US" altLang="ja-JP" sz="3200" dirty="0" smtClean="0"/>
+          </a:p>
+        </p:txBody>
+      </p:sp>
+    </p:spTree>
+    <p:extLst>
+      <p:ext uri="{BB962C8B-B14F-4D97-AF65-F5344CB8AC3E}">
+        <p14:creationId xmlns:p14="http://schemas.microsoft.com/office/powerpoint/2010/main" val="3351079175"/>
+      </p:ext>
+    </p:extLst>
+  </p:cSld>
+  <p:clrMapOvr>
+    <a:masterClrMapping/>
+  </p:clrMapOvr>
+</p:sld>
+</file>
+
+<file path=ppt/slides/slide54.xml><?xml version="1.0" encoding="utf-8"?>
+<p:sld xmlns:a="http://schemas.openxmlformats.org/drawingml/2006/main" xmlns:r="http://schemas.openxmlformats.org/officeDocument/2006/relationships" xmlns:p="http://schemas.openxmlformats.org/presentationml/2006/main">
+  <p:cSld>
+    <p:spTree>
+      <p:nvGrpSpPr>
+        <p:cNvPr id="1" name=""/>
+        <p:cNvGrpSpPr/>
+        <p:nvPr/>
+      </p:nvGrpSpPr>
+      <p:grpSpPr>
+        <a:xfrm>
+          <a:off x="0" y="0"/>
+          <a:ext cx="0" cy="0"/>
+          <a:chOff x="0" y="0"/>
+          <a:chExt cx="0" cy="0"/>
+        </a:xfrm>
+      </p:grpSpPr>
+      <p:sp>
+        <p:nvSpPr>
+          <p:cNvPr id="2" name="TextBox 1"/>
+          <p:cNvSpPr txBox="1"/>
+          <p:nvPr/>
+        </p:nvSpPr>
+        <p:spPr>
+          <a:xfrm>
+            <a:off x="1" y="-13195"/>
+            <a:ext cx="9144000" cy="1569660"/>
+          </a:xfrm>
+          <a:prstGeom prst="rect">
+            <a:avLst/>
+          </a:prstGeom>
+          <a:noFill/>
+        </p:spPr>
+        <p:txBody>
+          <a:bodyPr wrap="square" rtlCol="0">
+            <a:spAutoFit/>
+          </a:bodyPr>
+          <a:lstStyle/>
+          <a:p>
+            <a:r>
+              <a:rPr lang="en-US" altLang="ja-JP" sz="3200" dirty="0" smtClean="0"/>
+              <a:t>Boulevard</a:t>
+            </a:r>
+            <a:r>
+              <a:rPr lang="ja-JP" altLang="en-US" sz="3200" dirty="0" smtClean="0"/>
+              <a:t>も、</a:t>
+            </a:r>
+            <a:r>
+              <a:rPr lang="en-US" altLang="ja-JP" sz="3200" dirty="0" smtClean="0"/>
+              <a:t>Avenue</a:t>
+            </a:r>
+            <a:r>
+              <a:rPr lang="ja-JP" altLang="en-US" sz="3200" dirty="0" smtClean="0"/>
+              <a:t>と同様に扱</a:t>
+            </a:r>
+            <a:r>
+              <a:rPr lang="ja-JP" altLang="en-US" sz="3200" dirty="0"/>
+              <a:t>ってみた</a:t>
+            </a:r>
+            <a:r>
+              <a:rPr lang="ja-JP" altLang="en-US" sz="3200" dirty="0" smtClean="0"/>
+              <a:t>。</a:t>
+            </a:r>
+            <a:endParaRPr lang="en-US" altLang="ja-JP" sz="3200" dirty="0" smtClean="0"/>
+          </a:p>
+          <a:p>
+            <a:r>
+              <a:rPr lang="ja-JP" altLang="en-US" sz="3200" dirty="0" smtClean="0"/>
+              <a:t>⇒　</a:t>
+            </a:r>
+            <a:r>
+              <a:rPr lang="en-US" altLang="ja-JP" sz="3200" dirty="0" smtClean="0"/>
+              <a:t>kde_feature_london2.xml</a:t>
+            </a:r>
+          </a:p>
+          <a:p>
+            <a:r>
+              <a:rPr lang="ja-JP" altLang="en-US" sz="3200" dirty="0" smtClean="0"/>
+              <a:t>⇒　まあまあの結果。</a:t>
+            </a:r>
+            <a:endParaRPr lang="en-US" altLang="ja-JP" sz="3200" dirty="0" smtClean="0"/>
+          </a:p>
+        </p:txBody>
+      </p:sp>
+      <p:pic>
+        <p:nvPicPr>
+          <p:cNvPr id="10242" name="Picture 2"/>
+          <p:cNvPicPr>
+            <a:picLocks noChangeAspect="1" noChangeArrowheads="1"/>
+          </p:cNvPicPr>
+          <p:nvPr/>
+        </p:nvPicPr>
+        <p:blipFill>
+          <a:blip r:embed="rId2">
+            <a:extLst>
+              <a:ext uri="{28A0092B-C50C-407E-A947-70E740481C1C}">
+                <a14:useLocalDpi xmlns:a14="http://schemas.microsoft.com/office/drawing/2010/main" val="0"/>
+              </a:ext>
+            </a:extLst>
+          </a:blip>
+          <a:srcRect/>
+          <a:stretch>
+            <a:fillRect/>
+          </a:stretch>
+        </p:blipFill>
+        <p:spPr bwMode="auto">
+          <a:xfrm>
+            <a:off x="1295400" y="1981200"/>
+            <a:ext cx="6829425" cy="4314825"/>
+          </a:xfrm>
+          <a:prstGeom prst="rect">
+            <a:avLst/>
+          </a:prstGeom>
+          <a:noFill/>
+          <a:ln>
+            <a:noFill/>
+          </a:ln>
+          <a:extLst>
+            <a:ext uri="{909E8E84-426E-40DD-AFC4-6F175D3DCCD1}">
+              <a14:hiddenFill xmlns:a14="http://schemas.microsoft.com/office/drawing/2010/main">
+                <a:solidFill>
+                  <a:schemeClr val="accent1"/>
+                </a:solidFill>
+              </a14:hiddenFill>
+            </a:ext>
+            <a:ext uri="{91240B29-F687-4F45-9708-019B960494DF}">
+              <a14:hiddenLine xmlns:a14="http://schemas.microsoft.com/office/drawing/2010/main" w="9525">
+                <a:solidFill>
+                  <a:schemeClr val="tx1"/>
+                </a:solidFill>
+                <a:miter lim="800000"/>
+                <a:headEnd/>
+                <a:tailEnd/>
+              </a14:hiddenLine>
+            </a:ext>
+          </a:extLst>
+        </p:spPr>
+      </p:pic>
+      <p:sp>
+        <p:nvSpPr>
+          <p:cNvPr id="4" name="Freeform 3"/>
+          <p:cNvSpPr/>
+          <p:nvPr/>
+        </p:nvSpPr>
+        <p:spPr>
+          <a:xfrm>
+            <a:off x="3276600" y="2838450"/>
+            <a:ext cx="3962400" cy="2971800"/>
+          </a:xfrm>
+          <a:custGeom>
+            <a:avLst/>
+            <a:gdLst>
+              <a:gd name="connsiteX0" fmla="*/ 0 w 3962400"/>
+              <a:gd name="connsiteY0" fmla="*/ 0 h 2971800"/>
+              <a:gd name="connsiteX1" fmla="*/ 3962400 w 3962400"/>
+              <a:gd name="connsiteY1" fmla="*/ 552450 h 2971800"/>
+              <a:gd name="connsiteX2" fmla="*/ 3038475 w 3962400"/>
+              <a:gd name="connsiteY2" fmla="*/ 2971800 h 2971800"/>
+              <a:gd name="connsiteX3" fmla="*/ 47625 w 3962400"/>
+              <a:gd name="connsiteY3" fmla="*/ 2390775 h 2971800"/>
+              <a:gd name="connsiteX4" fmla="*/ 95250 w 3962400"/>
+              <a:gd name="connsiteY4" fmla="*/ 19050 h 2971800"/>
+            </a:gdLst>
+            <a:ahLst/>
+            <a:cxnLst>
+              <a:cxn ang="0">
+                <a:pos x="connsiteX0" y="connsiteY0"/>
+              </a:cxn>
+              <a:cxn ang="0">
+                <a:pos x="connsiteX1" y="connsiteY1"/>
+              </a:cxn>
+              <a:cxn ang="0">
+                <a:pos x="connsiteX2" y="connsiteY2"/>
+              </a:cxn>
+              <a:cxn ang="0">
+                <a:pos x="connsiteX3" y="connsiteY3"/>
+              </a:cxn>
+              <a:cxn ang="0">
+                <a:pos x="connsiteX4" y="connsiteY4"/>
+              </a:cxn>
+            </a:cxnLst>
+            <a:rect l="l" t="t" r="r" b="b"/>
+            <a:pathLst>
+              <a:path w="3962400" h="2971800">
+                <a:moveTo>
+                  <a:pt x="0" y="0"/>
+                </a:moveTo>
+                <a:lnTo>
+                  <a:pt x="3962400" y="552450"/>
+                </a:lnTo>
+                <a:lnTo>
+                  <a:pt x="3038475" y="2971800"/>
+                </a:lnTo>
+                <a:lnTo>
+                  <a:pt x="47625" y="2390775"/>
+                </a:lnTo>
+                <a:lnTo>
+                  <a:pt x="95250" y="19050"/>
+                </a:lnTo>
+              </a:path>
+            </a:pathLst>
+          </a:custGeom>
+          <a:noFill/>
+          <a:ln>
+            <a:solidFill>
+              <a:schemeClr val="tx1"/>
+            </a:solidFill>
+            <a:prstDash val="dash"/>
+          </a:ln>
+        </p:spPr>
+        <p:style>
+          <a:lnRef idx="2">
+            <a:schemeClr val="accent1">
+              <a:shade val="50000"/>
+            </a:schemeClr>
+          </a:lnRef>
+          <a:fillRef idx="1">
+            <a:schemeClr val="accent1"/>
+          </a:fillRef>
+          <a:effectRef idx="0">
+            <a:schemeClr val="accent1"/>
+          </a:effectRef>
+          <a:fontRef idx="minor">
+            <a:schemeClr val="lt1"/>
+          </a:fontRef>
+        </p:style>
+        <p:txBody>
+          <a:bodyPr rtlCol="0" anchor="ctr"/>
+          <a:lstStyle/>
+          <a:p>
+            <a:pPr algn="ctr"/>
+            <a:endParaRPr lang="en-US"/>
+          </a:p>
+        </p:txBody>
+      </p:sp>
+    </p:spTree>
+    <p:extLst>
+      <p:ext uri="{BB962C8B-B14F-4D97-AF65-F5344CB8AC3E}">
+        <p14:creationId xmlns:p14="http://schemas.microsoft.com/office/powerpoint/2010/main" val="3162719138"/>
+      </p:ext>
+    </p:extLst>
+  </p:cSld>
+  <p:clrMapOvr>
+    <a:masterClrMapping/>
+  </p:clrMapOvr>
+</p:sld>
+</file>
+
+<file path=ppt/slides/slide55.xml><?xml version="1.0" encoding="utf-8"?>
+<p:sld xmlns:a="http://schemas.openxmlformats.org/drawingml/2006/main" xmlns:r="http://schemas.openxmlformats.org/officeDocument/2006/relationships" xmlns:p="http://schemas.openxmlformats.org/presentationml/2006/main">
+  <p:cSld>
+    <p:spTree>
+      <p:nvGrpSpPr>
+        <p:cNvPr id="1" name=""/>
+        <p:cNvGrpSpPr/>
+        <p:nvPr/>
+      </p:nvGrpSpPr>
+      <p:grpSpPr>
+        <a:xfrm>
+          <a:off x="0" y="0"/>
+          <a:ext cx="0" cy="0"/>
+          <a:chOff x="0" y="0"/>
+          <a:chExt cx="0" cy="0"/>
+        </a:xfrm>
+      </p:grpSpPr>
+      <p:pic>
+        <p:nvPicPr>
+          <p:cNvPr id="2" name="Picture 3"/>
+          <p:cNvPicPr>
+            <a:picLocks noChangeAspect="1" noChangeArrowheads="1"/>
+          </p:cNvPicPr>
+          <p:nvPr/>
+        </p:nvPicPr>
+        <p:blipFill>
+          <a:blip r:embed="rId2">
+            <a:extLst>
+              <a:ext uri="{28A0092B-C50C-407E-A947-70E740481C1C}">
+                <a14:useLocalDpi xmlns:a14="http://schemas.microsoft.com/office/drawing/2010/main" val="0"/>
+              </a:ext>
+            </a:extLst>
+          </a:blip>
+          <a:srcRect/>
+          <a:stretch>
+            <a:fillRect/>
+          </a:stretch>
+        </p:blipFill>
+        <p:spPr bwMode="auto">
+          <a:xfrm>
+            <a:off x="381000" y="1562100"/>
+            <a:ext cx="2139902" cy="2743200"/>
+          </a:xfrm>
+          <a:prstGeom prst="rect">
+            <a:avLst/>
+          </a:prstGeom>
+          <a:noFill/>
+          <a:ln>
+            <a:noFill/>
+          </a:ln>
+          <a:extLst>
+            <a:ext uri="{909E8E84-426E-40DD-AFC4-6F175D3DCCD1}">
+              <a14:hiddenFill xmlns:a14="http://schemas.microsoft.com/office/drawing/2010/main">
+                <a:solidFill>
+                  <a:schemeClr val="accent1"/>
+                </a:solidFill>
+              </a14:hiddenFill>
+            </a:ext>
+            <a:ext uri="{91240B29-F687-4F45-9708-019B960494DF}">
+              <a14:hiddenLine xmlns:a14="http://schemas.microsoft.com/office/drawing/2010/main" w="9525">
+                <a:solidFill>
+                  <a:schemeClr val="tx1"/>
+                </a:solidFill>
+                <a:miter lim="800000"/>
+                <a:headEnd/>
+                <a:tailEnd/>
+              </a14:hiddenLine>
+            </a:ext>
+          </a:extLst>
+        </p:spPr>
+      </p:pic>
+      <p:sp>
+        <p:nvSpPr>
+          <p:cNvPr id="3" name="TextBox 2"/>
+          <p:cNvSpPr txBox="1"/>
+          <p:nvPr/>
+        </p:nvSpPr>
+        <p:spPr>
+          <a:xfrm>
+            <a:off x="1" y="-13195"/>
+            <a:ext cx="9144000" cy="1077218"/>
+          </a:xfrm>
+          <a:prstGeom prst="rect">
+            <a:avLst/>
+          </a:prstGeom>
+          <a:noFill/>
+        </p:spPr>
+        <p:txBody>
+          <a:bodyPr wrap="square" rtlCol="0">
+            <a:spAutoFit/>
+          </a:bodyPr>
+          <a:lstStyle/>
+          <a:p>
+            <a:r>
+              <a:rPr lang="ja-JP" altLang="en-US" sz="3200" dirty="0" smtClean="0"/>
+              <a:t>サンフランシスコも、</a:t>
+            </a:r>
+            <a:r>
+              <a:rPr lang="en-US" altLang="ja-JP" sz="3200" dirty="0" smtClean="0"/>
+              <a:t>Boulevard</a:t>
+            </a:r>
+            <a:r>
+              <a:rPr lang="ja-JP" altLang="en-US" sz="3200" dirty="0" smtClean="0"/>
+              <a:t>を</a:t>
+            </a:r>
+            <a:r>
+              <a:rPr lang="en-US" altLang="ja-JP" sz="3200" dirty="0" smtClean="0"/>
+              <a:t>Avenue</a:t>
+            </a:r>
+            <a:r>
+              <a:rPr lang="ja-JP" altLang="en-US" sz="3200" dirty="0" smtClean="0"/>
+              <a:t>に追加。</a:t>
+            </a:r>
+            <a:endParaRPr lang="en-US" altLang="ja-JP" sz="3200" dirty="0" smtClean="0"/>
+          </a:p>
+          <a:p>
+            <a:r>
+              <a:rPr lang="ja-JP" altLang="en-US" sz="3200" dirty="0" smtClean="0"/>
+              <a:t>⇒　</a:t>
+            </a:r>
+            <a:r>
+              <a:rPr lang="en-US" altLang="ja-JP" sz="3200" dirty="0" smtClean="0"/>
+              <a:t>kde_feature_sanfrancisco.xml</a:t>
+            </a:r>
+            <a:endParaRPr lang="en-US" altLang="ja-JP" sz="3200" dirty="0" smtClean="0"/>
+          </a:p>
+        </p:txBody>
+      </p:sp>
+      <p:pic>
+        <p:nvPicPr>
+          <p:cNvPr id="1026" name="Picture 2"/>
+          <p:cNvPicPr>
+            <a:picLocks noChangeAspect="1" noChangeArrowheads="1"/>
+          </p:cNvPicPr>
+          <p:nvPr/>
+        </p:nvPicPr>
+        <p:blipFill>
+          <a:blip r:embed="rId3">
+            <a:extLst>
+              <a:ext uri="{28A0092B-C50C-407E-A947-70E740481C1C}">
+                <a14:useLocalDpi xmlns:a14="http://schemas.microsoft.com/office/drawing/2010/main" val="0"/>
+              </a:ext>
+            </a:extLst>
+          </a:blip>
+          <a:srcRect/>
+          <a:stretch>
+            <a:fillRect/>
+          </a:stretch>
+        </p:blipFill>
+        <p:spPr bwMode="auto">
+          <a:xfrm>
+            <a:off x="3581399" y="1571625"/>
+            <a:ext cx="5447307" cy="5132433"/>
+          </a:xfrm>
+          <a:prstGeom prst="rect">
+            <a:avLst/>
+          </a:prstGeom>
+          <a:noFill/>
+          <a:ln>
+            <a:noFill/>
+          </a:ln>
+          <a:extLst>
+            <a:ext uri="{909E8E84-426E-40DD-AFC4-6F175D3DCCD1}">
+              <a14:hiddenFill xmlns:a14="http://schemas.microsoft.com/office/drawing/2010/main">
+                <a:solidFill>
+                  <a:schemeClr val="accent1"/>
+                </a:solidFill>
+              </a14:hiddenFill>
+            </a:ext>
+            <a:ext uri="{91240B29-F687-4F45-9708-019B960494DF}">
+              <a14:hiddenLine xmlns:a14="http://schemas.microsoft.com/office/drawing/2010/main" w="9525">
+                <a:solidFill>
+                  <a:schemeClr val="tx1"/>
+                </a:solidFill>
+                <a:miter lim="800000"/>
+                <a:headEnd/>
+                <a:tailEnd/>
+              </a14:hiddenLine>
+            </a:ext>
+          </a:extLst>
+        </p:spPr>
+      </p:pic>
+    </p:spTree>
+    <p:extLst>
+      <p:ext uri="{BB962C8B-B14F-4D97-AF65-F5344CB8AC3E}">
+        <p14:creationId xmlns:p14="http://schemas.microsoft.com/office/powerpoint/2010/main" val="797393660"/>
+      </p:ext>
+    </p:extLst>
+  </p:cSld>
+  <p:clrMapOvr>
+    <a:masterClrMapping/>
+  </p:clrMapOvr>
+</p:sld>
+</file>
+
+<file path=ppt/slides/slide56.xml><?xml version="1.0" encoding="utf-8"?>
+<p:sld xmlns:a="http://schemas.openxmlformats.org/drawingml/2006/main" xmlns:r="http://schemas.openxmlformats.org/officeDocument/2006/relationships" xmlns:p="http://schemas.openxmlformats.org/presentationml/2006/main">
+  <p:cSld>
+    <p:spTree>
+      <p:nvGrpSpPr>
+        <p:cNvPr id="1" name=""/>
+        <p:cNvGrpSpPr/>
+        <p:nvPr/>
+      </p:nvGrpSpPr>
+      <p:grpSpPr>
+        <a:xfrm>
+          <a:off x="0" y="0"/>
+          <a:ext cx="0" cy="0"/>
+          <a:chOff x="0" y="0"/>
+          <a:chExt cx="0" cy="0"/>
+        </a:xfrm>
+      </p:grpSpPr>
+      <p:sp>
+        <p:nvSpPr>
+          <p:cNvPr id="2" name="TextBox 1"/>
+          <p:cNvSpPr txBox="1"/>
+          <p:nvPr/>
+        </p:nvSpPr>
+        <p:spPr>
+          <a:xfrm>
+            <a:off x="1" y="-13195"/>
+            <a:ext cx="9144000" cy="1077218"/>
+          </a:xfrm>
+          <a:prstGeom prst="rect">
+            <a:avLst/>
+          </a:prstGeom>
+          <a:noFill/>
+        </p:spPr>
+        <p:txBody>
+          <a:bodyPr wrap="square" rtlCol="0">
+            <a:spAutoFit/>
+          </a:bodyPr>
+          <a:lstStyle/>
+          <a:p>
+            <a:r>
+              <a:rPr lang="en-US" altLang="ja-JP" sz="3200" dirty="0" err="1" smtClean="0"/>
+              <a:t>Brazilia</a:t>
+            </a:r>
+            <a:r>
+              <a:rPr lang="ja-JP" altLang="en-US" sz="3200" dirty="0" smtClean="0"/>
+              <a:t>も、</a:t>
+            </a:r>
+            <a:r>
+              <a:rPr lang="en-US" altLang="ja-JP" sz="3200" dirty="0" smtClean="0"/>
+              <a:t>Boulevard</a:t>
+            </a:r>
+            <a:r>
+              <a:rPr lang="ja-JP" altLang="en-US" sz="3200" dirty="0" smtClean="0"/>
+              <a:t>を</a:t>
+            </a:r>
+            <a:r>
+              <a:rPr lang="en-US" altLang="ja-JP" sz="3200" dirty="0" smtClean="0"/>
+              <a:t>Avenue</a:t>
+            </a:r>
+            <a:r>
+              <a:rPr lang="ja-JP" altLang="en-US" sz="3200" dirty="0" smtClean="0"/>
+              <a:t>に追加。</a:t>
+            </a:r>
+            <a:endParaRPr lang="en-US" altLang="ja-JP" sz="3200" dirty="0" smtClean="0"/>
+          </a:p>
+          <a:p>
+            <a:r>
+              <a:rPr lang="ja-JP" altLang="en-US" sz="3200" dirty="0" smtClean="0"/>
+              <a:t>⇒　</a:t>
+            </a:r>
+            <a:r>
+              <a:rPr lang="en-US" altLang="ja-JP" sz="3200" dirty="0" smtClean="0"/>
+              <a:t>kde_feature_brazilia.xml</a:t>
+            </a:r>
+            <a:endParaRPr lang="en-US" altLang="ja-JP" sz="3200" dirty="0" smtClean="0"/>
+          </a:p>
+        </p:txBody>
+      </p:sp>
+      <p:pic>
+        <p:nvPicPr>
+          <p:cNvPr id="3074" name="Picture 2"/>
+          <p:cNvPicPr>
+            <a:picLocks noChangeAspect="1" noChangeArrowheads="1"/>
+          </p:cNvPicPr>
+          <p:nvPr/>
+        </p:nvPicPr>
+        <p:blipFill>
+          <a:blip r:embed="rId2">
+            <a:extLst>
+              <a:ext uri="{28A0092B-C50C-407E-A947-70E740481C1C}">
+                <a14:useLocalDpi xmlns:a14="http://schemas.microsoft.com/office/drawing/2010/main" val="0"/>
+              </a:ext>
+            </a:extLst>
+          </a:blip>
+          <a:srcRect/>
+          <a:stretch>
+            <a:fillRect/>
+          </a:stretch>
+        </p:blipFill>
+        <p:spPr bwMode="auto">
+          <a:xfrm>
+            <a:off x="1538287" y="1262582"/>
+            <a:ext cx="6005513" cy="5564066"/>
+          </a:xfrm>
+          <a:prstGeom prst="rect">
+            <a:avLst/>
+          </a:prstGeom>
+          <a:noFill/>
+          <a:ln>
+            <a:noFill/>
+          </a:ln>
+          <a:extLst>
+            <a:ext uri="{909E8E84-426E-40DD-AFC4-6F175D3DCCD1}">
+              <a14:hiddenFill xmlns:a14="http://schemas.microsoft.com/office/drawing/2010/main">
+                <a:solidFill>
+                  <a:schemeClr val="accent1"/>
+                </a:solidFill>
+              </a14:hiddenFill>
+            </a:ext>
+            <a:ext uri="{91240B29-F687-4F45-9708-019B960494DF}">
+              <a14:hiddenLine xmlns:a14="http://schemas.microsoft.com/office/drawing/2010/main" w="9525">
+                <a:solidFill>
+                  <a:schemeClr val="tx1"/>
+                </a:solidFill>
+                <a:miter lim="800000"/>
+                <a:headEnd/>
+                <a:tailEnd/>
+              </a14:hiddenLine>
+            </a:ext>
+          </a:extLst>
+        </p:spPr>
+      </p:pic>
+    </p:spTree>
+    <p:extLst>
+      <p:ext uri="{BB962C8B-B14F-4D97-AF65-F5344CB8AC3E}">
+        <p14:creationId xmlns:p14="http://schemas.microsoft.com/office/powerpoint/2010/main" val="3606918488"/>
+      </p:ext>
+    </p:extLst>
+  </p:cSld>
+  <p:clrMapOvr>
+    <a:masterClrMapping/>
+  </p:clrMapOvr>
+</p:sld>
+</file>
+
+<file path=ppt/slides/slide57.xml><?xml version="1.0" encoding="utf-8"?>
+<p:sld xmlns:a="http://schemas.openxmlformats.org/drawingml/2006/main" xmlns:r="http://schemas.openxmlformats.org/officeDocument/2006/relationships" xmlns:p="http://schemas.openxmlformats.org/presentationml/2006/main">
+  <p:cSld>
+    <p:spTree>
+      <p:nvGrpSpPr>
+        <p:cNvPr id="1" name=""/>
+        <p:cNvGrpSpPr/>
+        <p:nvPr/>
+      </p:nvGrpSpPr>
+      <p:grpSpPr>
+        <a:xfrm>
+          <a:off x="0" y="0"/>
+          <a:ext cx="0" cy="0"/>
+          <a:chOff x="0" y="0"/>
+          <a:chExt cx="0" cy="0"/>
+        </a:xfrm>
+      </p:grpSpPr>
+      <p:sp>
+        <p:nvSpPr>
+          <p:cNvPr id="2" name="TextBox 1"/>
+          <p:cNvSpPr txBox="1"/>
+          <p:nvPr/>
+        </p:nvSpPr>
+        <p:spPr>
+          <a:xfrm>
+            <a:off x="1" y="-13195"/>
+            <a:ext cx="9144000" cy="584775"/>
+          </a:xfrm>
+          <a:prstGeom prst="rect">
+            <a:avLst/>
+          </a:prstGeom>
+          <a:noFill/>
+        </p:spPr>
+        <p:txBody>
+          <a:bodyPr wrap="square" rtlCol="0">
+            <a:spAutoFit/>
+          </a:bodyPr>
+          <a:lstStyle/>
+          <a:p>
+            <a:r>
+              <a:rPr lang="ja-JP" altLang="en-US" sz="3200" dirty="0" smtClean="0"/>
+              <a:t>共起確率が絶対必要だ。</a:t>
+            </a:r>
+            <a:endParaRPr lang="en-US" altLang="ja-JP" sz="3200" dirty="0" smtClean="0"/>
+          </a:p>
+        </p:txBody>
+      </p:sp>
+    </p:spTree>
+    <p:extLst>
+      <p:ext uri="{BB962C8B-B14F-4D97-AF65-F5344CB8AC3E}">
+        <p14:creationId xmlns:p14="http://schemas.microsoft.com/office/powerpoint/2010/main" val="2798607571"/>
+      </p:ext>
+    </p:extLst>
+  </p:cSld>
+  <p:clrMapOvr>
+    <a:masterClrMapping/>
+  </p:clrMapOvr>
+</p:sld>
+</file>
+
+<file path=ppt/slides/slide58.xml><?xml version="1.0" encoding="utf-8"?>
+<p:sld xmlns:a="http://schemas.openxmlformats.org/drawingml/2006/main" xmlns:r="http://schemas.openxmlformats.org/officeDocument/2006/relationships" xmlns:p="http://schemas.openxmlformats.org/presentationml/2006/main">
+  <p:cSld>
+    <p:spTree>
+      <p:nvGrpSpPr>
+        <p:cNvPr id="1" name=""/>
+        <p:cNvGrpSpPr/>
+        <p:nvPr/>
+      </p:nvGrpSpPr>
+      <p:grpSpPr>
+        <a:xfrm>
+          <a:off x="0" y="0"/>
+          <a:ext cx="0" cy="0"/>
+          <a:chOff x="0" y="0"/>
+          <a:chExt cx="0" cy="0"/>
+        </a:xfrm>
+      </p:grpSpPr>
+      <p:sp>
+        <p:nvSpPr>
+          <p:cNvPr id="2" name="TextBox 1"/>
+          <p:cNvSpPr txBox="1"/>
+          <p:nvPr/>
+        </p:nvSpPr>
+        <p:spPr>
+          <a:xfrm>
+            <a:off x="1" y="-13195"/>
+            <a:ext cx="9144000" cy="584775"/>
+          </a:xfrm>
+          <a:prstGeom prst="rect">
+            <a:avLst/>
+          </a:prstGeom>
+          <a:noFill/>
+        </p:spPr>
+        <p:txBody>
+          <a:bodyPr wrap="square" rtlCol="0">
+            <a:spAutoFit/>
+          </a:bodyPr>
+          <a:lstStyle/>
+          <a:p>
+            <a:r>
+              <a:rPr lang="ja-JP" altLang="en-US" sz="3200" dirty="0" smtClean="0"/>
+              <a:t>類似</a:t>
+            </a:r>
+            <a:r>
+              <a:rPr lang="en-US" altLang="ja-JP" sz="3200" dirty="0" smtClean="0"/>
+              <a:t>Face</a:t>
+            </a:r>
+            <a:r>
+              <a:rPr lang="ja-JP" altLang="en-US" sz="3200" dirty="0" smtClean="0"/>
+              <a:t>に基づいた</a:t>
+            </a:r>
+            <a:r>
+              <a:rPr lang="en-US" altLang="ja-JP" sz="3200" dirty="0" smtClean="0"/>
+              <a:t>Street</a:t>
+            </a:r>
+            <a:r>
+              <a:rPr lang="ja-JP" altLang="en-US" sz="3200" dirty="0" smtClean="0"/>
+              <a:t>の生成</a:t>
+            </a:r>
+            <a:endParaRPr lang="en-US" altLang="ja-JP" sz="3200" dirty="0" smtClean="0"/>
+          </a:p>
+        </p:txBody>
+      </p:sp>
+    </p:spTree>
+    <p:extLst>
+      <p:ext uri="{BB962C8B-B14F-4D97-AF65-F5344CB8AC3E}">
+        <p14:creationId xmlns:p14="http://schemas.microsoft.com/office/powerpoint/2010/main" val="4114366471"/>
+      </p:ext>
+    </p:extLst>
+  </p:cSld>
+  <p:clrMapOvr>
+    <a:masterClrMapping/>
+  </p:clrMapOvr>
+</p:sld>
+</file>
+
+<file path=ppt/slides/slide59.xml><?xml version="1.0" encoding="utf-8"?>
+<p:sld xmlns:a="http://schemas.openxmlformats.org/drawingml/2006/main" xmlns:r="http://schemas.openxmlformats.org/officeDocument/2006/relationships" xmlns:p="http://schemas.openxmlformats.org/presentationml/2006/main">
+  <p:cSld>
+    <p:spTree>
+      <p:nvGrpSpPr>
+        <p:cNvPr id="1" name=""/>
+        <p:cNvGrpSpPr/>
+        <p:nvPr/>
+      </p:nvGrpSpPr>
+      <p:grpSpPr>
+        <a:xfrm>
+          <a:off x="0" y="0"/>
+          <a:ext cx="0" cy="0"/>
+          <a:chOff x="0" y="0"/>
+          <a:chExt cx="0" cy="0"/>
+        </a:xfrm>
+      </p:grpSpPr>
+      <p:sp>
+        <p:nvSpPr>
+          <p:cNvPr id="2" name="TextBox 1"/>
+          <p:cNvSpPr txBox="1"/>
+          <p:nvPr/>
+        </p:nvSpPr>
+        <p:spPr>
+          <a:xfrm>
+            <a:off x="1" y="-13195"/>
+            <a:ext cx="9144000" cy="584775"/>
+          </a:xfrm>
+          <a:prstGeom prst="rect">
+            <a:avLst/>
+          </a:prstGeom>
+          <a:noFill/>
+        </p:spPr>
+        <p:txBody>
+          <a:bodyPr wrap="square" rtlCol="0">
+            <a:spAutoFit/>
+          </a:bodyPr>
+          <a:lstStyle/>
+          <a:p>
+            <a:r>
               <a:rPr lang="ja-JP" altLang="en-US" sz="3200" dirty="0" smtClean="0"/>
               <a:t>道路網生成ロジック：</a:t>
             </a:r>
@@ -16442,8 +17852,8 @@
           </a:p>
         </p:txBody>
       </p:sp>
-      <mc:AlternateContent xmlns:mc="http://schemas.openxmlformats.org/markup-compatibility/2006">
-        <mc:Choice xmlns:a14="http://schemas.microsoft.com/office/drawing/2010/main" Requires="a14">
+      <mc:AlternateContent xmlns:mc="http://schemas.openxmlformats.org/markup-compatibility/2006" xmlns:a14="http://schemas.microsoft.com/office/drawing/2010/main">
+        <mc:Choice Requires="a14">
           <p:sp>
             <p:nvSpPr>
               <p:cNvPr id="4" name="TextBox 3"/>
@@ -16453,7 +17863,7 @@
             <p:spPr>
               <a:xfrm>
                 <a:off x="304800" y="609600"/>
-                <a:ext cx="8534400" cy="6269986"/>
+                <a:ext cx="8534400" cy="6916317"/>
               </a:xfrm>
               <a:prstGeom prst="rect">
                 <a:avLst/>
@@ -16804,102 +18214,8 @@
               </a:p>
               <a:p>
                 <a:r>
-                  <a:rPr lang="en-US" sz="1050" dirty="0" smtClean="0"/>
+                  <a:rPr lang="en-US" altLang="ja-JP" sz="1050" b="1" dirty="0" smtClean="0"/>
                   <a:t>        </a:t>
-                </a:r>
-                <a:r>
-                  <a:rPr lang="en-US" sz="1050" dirty="0"/>
-                  <a:t>if </a:t>
-                </a:r>
-                <a:r>
-                  <a:rPr lang="ja-JP" altLang="en-US" sz="1050" dirty="0" smtClean="0"/>
-                  <a:t>交差相手のエッジが、同じタイプの</a:t>
-                </a:r>
-                <a:r>
-                  <a:rPr lang="en-US" altLang="ja-JP" sz="1050" dirty="0" err="1" smtClean="0"/>
-                  <a:t>roadType</a:t>
-                </a:r>
-                <a:endParaRPr lang="en-US" sz="1050" dirty="0"/>
-              </a:p>
-              <a:p>
-                <a:r>
-                  <a:rPr lang="en-US" sz="1050" dirty="0"/>
-                  <a:t>       </a:t>
-                </a:r>
-                <a:r>
-                  <a:rPr lang="en-US" sz="1050" dirty="0" smtClean="0"/>
-                  <a:t>     </a:t>
-                </a:r>
-                <a:r>
-                  <a:rPr lang="en-US" sz="1050" dirty="0" err="1"/>
-                  <a:t>toBeSeed</a:t>
-                </a:r>
-                <a:r>
-                  <a:rPr lang="en-US" sz="1050" dirty="0"/>
-                  <a:t> </a:t>
-                </a:r>
-                <a:r>
-                  <a:rPr lang="ja-JP" altLang="en-US" sz="1050" dirty="0"/>
-                  <a:t>← </a:t>
-                </a:r>
-                <a:r>
-                  <a:rPr lang="en-US" altLang="ja-JP" sz="1050" dirty="0"/>
-                  <a:t>false</a:t>
-                </a:r>
-                <a:r>
-                  <a:rPr lang="en-US" altLang="ja-JP" sz="1050" dirty="0" smtClean="0"/>
-                  <a:t>                                                            </a:t>
-                </a:r>
-                <a:r>
-                  <a:rPr lang="en-US" altLang="ja-JP" sz="1050" dirty="0"/>
-                  <a:t>// </a:t>
-                </a:r>
-                <a:r>
-                  <a:rPr lang="en-US" altLang="ja-JP" sz="1050" dirty="0" smtClean="0"/>
-                  <a:t>street</a:t>
-                </a:r>
-                <a:r>
-                  <a:rPr lang="ja-JP" altLang="en-US" sz="1050" dirty="0" smtClean="0"/>
-                  <a:t>が</a:t>
-                </a:r>
-                <a:r>
-                  <a:rPr lang="en-US" altLang="ja-JP" sz="1050" dirty="0" smtClean="0"/>
-                  <a:t>avenue</a:t>
-                </a:r>
-                <a:r>
-                  <a:rPr lang="ja-JP" altLang="en-US" sz="1050" dirty="0" smtClean="0"/>
-                  <a:t>に</a:t>
-                </a:r>
-                <a:r>
-                  <a:rPr lang="en-US" altLang="ja-JP" sz="1050" dirty="0"/>
-                  <a:t>snap</a:t>
-                </a:r>
-                <a:r>
-                  <a:rPr lang="ja-JP" altLang="en-US" sz="1050" dirty="0"/>
-                  <a:t>された場</a:t>
-                </a:r>
-                <a:r>
-                  <a:rPr lang="ja-JP" altLang="en-US" sz="1050" dirty="0" smtClean="0"/>
-                  <a:t>合は、</a:t>
-                </a:r>
-                <a:r>
-                  <a:rPr lang="en-US" altLang="ja-JP" sz="1050" dirty="0"/>
-                  <a:t>seed</a:t>
-                </a:r>
-                <a:r>
-                  <a:rPr lang="ja-JP" altLang="en-US" sz="1050" dirty="0"/>
-                  <a:t>に追加する。（ケース５参照</a:t>
-                </a:r>
-                <a:r>
-                  <a:rPr lang="ja-JP" altLang="en-US" sz="1050" dirty="0" smtClean="0"/>
-                  <a:t>）</a:t>
-                </a:r>
-                <a:endParaRPr lang="en-US" altLang="ja-JP" sz="1050" dirty="0" smtClean="0"/>
-              </a:p>
-              <a:p>
-                <a:r>
-                  <a:rPr lang="en-US" altLang="ja-JP" sz="1050" dirty="0" smtClean="0"/>
-                  <a:t>       </a:t>
                 </a:r>
                 <a14:m>
                   <m:oMath xmlns:m="http://schemas.openxmlformats.org/officeDocument/2006/math">
@@ -16944,6 +18260,51 @@
                     </m:sSup>
                   </m:oMath>
                 </a14:m>
+                <a:endParaRPr lang="en-US" sz="1050" dirty="0" smtClean="0"/>
+              </a:p>
+              <a:p>
+                <a:r>
+                  <a:rPr lang="en-US" sz="1050" dirty="0"/>
+                  <a:t> </a:t>
+                </a:r>
+                <a:r>
+                  <a:rPr lang="en-US" sz="1050" dirty="0" smtClean="0"/>
+                  <a:t>       </a:t>
+                </a:r>
+                <a:r>
+                  <a:rPr lang="en-US" sz="1050" dirty="0" err="1" smtClean="0"/>
+                  <a:t>toBeSelected</a:t>
+                </a:r>
+                <a:r>
+                  <a:rPr lang="en-US" sz="1050" dirty="0" smtClean="0"/>
+                  <a:t> </a:t>
+                </a:r>
+                <a:r>
+                  <a:rPr lang="ja-JP" altLang="en-US" sz="1050" dirty="0" smtClean="0"/>
+                  <a:t>← </a:t>
+                </a:r>
+                <a:r>
+                  <a:rPr lang="en-US" altLang="ja-JP" sz="1050" dirty="0" smtClean="0"/>
+                  <a:t>false</a:t>
+                </a:r>
+              </a:p>
+              <a:p>
+                <a:r>
+                  <a:rPr lang="en-US" sz="1050" dirty="0"/>
+                  <a:t> </a:t>
+                </a:r>
+                <a:r>
+                  <a:rPr lang="en-US" sz="1050" dirty="0" smtClean="0"/>
+                  <a:t>       outside </a:t>
+                </a:r>
+                <a:r>
+                  <a:rPr lang="ja-JP" altLang="en-US" sz="1050" dirty="0" smtClean="0"/>
+                  <a:t>← </a:t>
+                </a:r>
+                <a:r>
+                  <a:rPr lang="en-US" altLang="ja-JP" sz="1050" dirty="0" smtClean="0"/>
+                  <a:t>true</a:t>
+                </a:r>
                 <a:endParaRPr lang="en-US" sz="1050" dirty="0" smtClean="0"/>
               </a:p>
               <a:p>
@@ -17160,8 +18521,100 @@
               </a:p>
               <a:p>
                 <a:r>
+                  <a:rPr lang="en-US" sz="1050" dirty="0" smtClean="0"/>
+                  <a:t>        </a:t>
+                </a:r>
+                <a:r>
+                  <a:rPr lang="en-US" sz="1050" dirty="0"/>
+                  <a:t>if </a:t>
+                </a:r>
+                <a:r>
+                  <a:rPr lang="ja-JP" altLang="en-US" sz="1050" dirty="0"/>
+                  <a:t>交差相手のエッジが、同じタイプの</a:t>
+                </a:r>
+                <a:r>
+                  <a:rPr lang="en-US" altLang="ja-JP" sz="1050" dirty="0" err="1"/>
+                  <a:t>roadType</a:t>
+                </a:r>
+                <a:endParaRPr lang="en-US" sz="1050" dirty="0"/>
+              </a:p>
+              <a:p>
+                <a:r>
+                  <a:rPr lang="en-US" sz="1050" dirty="0"/>
+                  <a:t>            </a:t>
+                </a:r>
+                <a:r>
+                  <a:rPr lang="en-US" sz="1050" dirty="0" err="1"/>
+                  <a:t>toBeSeed</a:t>
+                </a:r>
+                <a:r>
+                  <a:rPr lang="en-US" sz="1050" dirty="0"/>
+                  <a:t> </a:t>
+                </a:r>
+                <a:r>
+                  <a:rPr lang="ja-JP" altLang="en-US" sz="1050" dirty="0"/>
+                  <a:t>← </a:t>
+                </a:r>
+                <a:r>
+                  <a:rPr lang="en-US" altLang="ja-JP" sz="1050" dirty="0"/>
+                  <a:t>false                                                            // street</a:t>
+                </a:r>
+                <a:r>
+                  <a:rPr lang="ja-JP" altLang="en-US" sz="1050" dirty="0"/>
+                  <a:t>が</a:t>
+                </a:r>
+                <a:r>
+                  <a:rPr lang="en-US" altLang="ja-JP" sz="1050" dirty="0"/>
+                  <a:t>avenue</a:t>
+                </a:r>
+                <a:r>
+                  <a:rPr lang="ja-JP" altLang="en-US" sz="1050" dirty="0"/>
+                  <a:t>に</a:t>
+                </a:r>
+                <a:r>
+                  <a:rPr lang="en-US" altLang="ja-JP" sz="1050" dirty="0"/>
+                  <a:t>snap</a:t>
+                </a:r>
+                <a:r>
+                  <a:rPr lang="ja-JP" altLang="en-US" sz="1050" dirty="0"/>
+                  <a:t>された場合は、</a:t>
+                </a:r>
+                <a:r>
+                  <a:rPr lang="en-US" altLang="ja-JP" sz="1050" dirty="0"/>
+                  <a:t>seed</a:t>
+                </a:r>
+                <a:r>
+                  <a:rPr lang="ja-JP" altLang="en-US" sz="1050" dirty="0"/>
+                  <a:t>に追加する。（ケース５参照）</a:t>
+                </a:r>
+                <a:r>
+                  <a:rPr lang="en-US" altLang="ja-JP" sz="1050" dirty="0" smtClean="0"/>
+                  <a:t> </a:t>
+                </a:r>
+              </a:p>
+              <a:p>
+                <a:r>
                   <a:rPr lang="en-US" altLang="ja-JP" sz="1050" dirty="0" smtClean="0"/>
                   <a:t>        break</a:t>
+                </a:r>
+              </a:p>
+              <a:p>
+                <a:endParaRPr lang="en-US" altLang="ja-JP" sz="1050" dirty="0"/>
+              </a:p>
+              <a:p>
+                <a:r>
+                  <a:rPr lang="en-US" altLang="ja-JP" sz="1050" dirty="0" smtClean="0"/>
+                  <a:t>    if outside</a:t>
+                </a:r>
+              </a:p>
+              <a:p>
+                <a:r>
+                  <a:rPr lang="en-US" altLang="ja-JP" sz="1050" dirty="0"/>
+                  <a:t> </a:t>
+                </a:r>
+                <a:r>
+                  <a:rPr lang="en-US" altLang="ja-JP" sz="1050" dirty="0" smtClean="0"/>
+                  <a:t>       break</a:t>
                 </a:r>
               </a:p>
               <a:p>
@@ -17403,7 +18856,7 @@
             </p:txBody>
           </p:sp>
         </mc:Choice>
-        <mc:Fallback>
+        <mc:Fallback xmlns="">
           <p:sp>
             <p:nvSpPr>
               <p:cNvPr id="4" name="TextBox 3"/>
@@ -17415,7 +18868,7 @@
             <p:spPr>
               <a:xfrm>
                 <a:off x="304800" y="609600"/>
-                <a:ext cx="8534400" cy="6269986"/>
+                <a:ext cx="8534400" cy="6916317"/>
               </a:xfrm>
               <a:prstGeom prst="rect">
                 <a:avLst/>
@@ -17455,7 +18908,630 @@
 </p:sld>
 </file>
 
-<file path=ppt/slides/slide52.xml><?xml version="1.0" encoding="utf-8"?>
+<file path=ppt/slides/slide6.xml><?xml version="1.0" encoding="utf-8"?>
+<p:sld xmlns:a="http://schemas.openxmlformats.org/drawingml/2006/main" xmlns:r="http://schemas.openxmlformats.org/officeDocument/2006/relationships" xmlns:p="http://schemas.openxmlformats.org/presentationml/2006/main">
+  <p:cSld>
+    <p:spTree>
+      <p:nvGrpSpPr>
+        <p:cNvPr id="1" name=""/>
+        <p:cNvGrpSpPr/>
+        <p:nvPr/>
+      </p:nvGrpSpPr>
+      <p:grpSpPr>
+        <a:xfrm>
+          <a:off x="0" y="0"/>
+          <a:ext cx="0" cy="0"/>
+          <a:chOff x="0" y="0"/>
+          <a:chExt cx="0" cy="0"/>
+        </a:xfrm>
+      </p:grpSpPr>
+      <p:pic>
+        <p:nvPicPr>
+          <p:cNvPr id="3074" name="Picture 2"/>
+          <p:cNvPicPr>
+            <a:picLocks noChangeAspect="1" noChangeArrowheads="1"/>
+          </p:cNvPicPr>
+          <p:nvPr/>
+        </p:nvPicPr>
+        <p:blipFill>
+          <a:blip r:embed="rId2">
+            <a:extLst>
+              <a:ext uri="{28A0092B-C50C-407E-A947-70E740481C1C}">
+                <a14:useLocalDpi xmlns:a14="http://schemas.microsoft.com/office/drawing/2010/main" val="0"/>
+              </a:ext>
+            </a:extLst>
+          </a:blip>
+          <a:srcRect/>
+          <a:stretch>
+            <a:fillRect/>
+          </a:stretch>
+        </p:blipFill>
+        <p:spPr bwMode="auto">
+          <a:xfrm>
+            <a:off x="1981200" y="1828800"/>
+            <a:ext cx="5029200" cy="5029200"/>
+          </a:xfrm>
+          <a:prstGeom prst="rect">
+            <a:avLst/>
+          </a:prstGeom>
+          <a:noFill/>
+          <a:ln>
+            <a:noFill/>
+          </a:ln>
+          <a:extLst>
+            <a:ext uri="{909E8E84-426E-40DD-AFC4-6F175D3DCCD1}">
+              <a14:hiddenFill xmlns:a14="http://schemas.microsoft.com/office/drawing/2010/main">
+                <a:solidFill>
+                  <a:schemeClr val="accent1"/>
+                </a:solidFill>
+              </a14:hiddenFill>
+            </a:ext>
+            <a:ext uri="{91240B29-F687-4F45-9708-019B960494DF}">
+              <a14:hiddenLine xmlns:a14="http://schemas.microsoft.com/office/drawing/2010/main" w="9525">
+                <a:solidFill>
+                  <a:schemeClr val="tx1"/>
+                </a:solidFill>
+                <a:miter lim="800000"/>
+                <a:headEnd/>
+                <a:tailEnd/>
+              </a14:hiddenLine>
+            </a:ext>
+          </a:extLst>
+        </p:spPr>
+      </p:pic>
+      <p:sp>
+        <p:nvSpPr>
+          <p:cNvPr id="3" name="TextBox 2"/>
+          <p:cNvSpPr txBox="1"/>
+          <p:nvPr/>
+        </p:nvSpPr>
+        <p:spPr>
+          <a:xfrm>
+            <a:off x="0" y="-13195"/>
+            <a:ext cx="7585731" cy="1569660"/>
+          </a:xfrm>
+          <a:prstGeom prst="rect">
+            <a:avLst/>
+          </a:prstGeom>
+          <a:noFill/>
+        </p:spPr>
+        <p:txBody>
+          <a:bodyPr wrap="none" rtlCol="0">
+            <a:spAutoFit/>
+          </a:bodyPr>
+          <a:lstStyle/>
+          <a:p>
+            <a:r>
+              <a:rPr lang="ja-JP" altLang="en-US" sz="3200" dirty="0" smtClean="0"/>
+              <a:t>道路の生成（</a:t>
+            </a:r>
+            <a:r>
+              <a:rPr lang="en-US" altLang="ja-JP" sz="3200" dirty="0" smtClean="0"/>
+              <a:t>Avenue</a:t>
+            </a:r>
+            <a:r>
+              <a:rPr lang="ja-JP" altLang="en-US" sz="3200" dirty="0" smtClean="0"/>
+              <a:t>）</a:t>
+            </a:r>
+            <a:endParaRPr lang="en-US" altLang="ja-JP" sz="3200" dirty="0" smtClean="0"/>
+          </a:p>
+          <a:p>
+            <a:r>
+              <a:rPr lang="en-US" altLang="ja-JP" sz="3200" dirty="0" smtClean="0"/>
+              <a:t>Iteration: 6</a:t>
+            </a:r>
+          </a:p>
+          <a:p>
+            <a:r>
+              <a:rPr lang="en-US" altLang="ja-JP" sz="3200" dirty="0" smtClean="0"/>
+              <a:t>Snap: ON</a:t>
+            </a:r>
+            <a:r>
+              <a:rPr lang="ja-JP" altLang="en-US" sz="3200" dirty="0"/>
+              <a:t>　</a:t>
+            </a:r>
+            <a:r>
+              <a:rPr lang="ja-JP" altLang="en-US" sz="3200" dirty="0" smtClean="0"/>
+              <a:t>（</a:t>
+            </a:r>
+            <a:r>
+              <a:rPr lang="en-US" altLang="ja-JP" sz="3200" dirty="0" smtClean="0"/>
+              <a:t>10m</a:t>
+            </a:r>
+            <a:r>
+              <a:rPr lang="ja-JP" altLang="en-US" sz="3200" dirty="0" smtClean="0"/>
+              <a:t>。ただし、最後の点は</a:t>
+            </a:r>
+            <a:r>
+              <a:rPr lang="en-US" altLang="ja-JP" sz="3200" dirty="0" smtClean="0"/>
+              <a:t>40m</a:t>
+            </a:r>
+            <a:r>
+              <a:rPr lang="ja-JP" altLang="en-US" sz="3200" dirty="0" smtClean="0"/>
+              <a:t>）</a:t>
+            </a:r>
+            <a:endParaRPr lang="en-US" altLang="ja-JP" sz="3200" dirty="0" smtClean="0"/>
+          </a:p>
+        </p:txBody>
+      </p:sp>
+      <p:sp>
+        <p:nvSpPr>
+          <p:cNvPr id="4" name="TextBox 3"/>
+          <p:cNvSpPr txBox="1"/>
+          <p:nvPr/>
+        </p:nvSpPr>
+        <p:spPr>
+          <a:xfrm>
+            <a:off x="3357471" y="4240840"/>
+            <a:ext cx="301686" cy="369332"/>
+          </a:xfrm>
+          <a:prstGeom prst="rect">
+            <a:avLst/>
+          </a:prstGeom>
+          <a:noFill/>
+        </p:spPr>
+        <p:txBody>
+          <a:bodyPr wrap="none" rtlCol="0">
+            <a:spAutoFit/>
+          </a:bodyPr>
+          <a:lstStyle/>
+          <a:p>
+            <a:r>
+              <a:rPr lang="en-US" dirty="0" smtClean="0"/>
+              <a:t>4</a:t>
+            </a:r>
+            <a:endParaRPr lang="en-US" dirty="0"/>
+          </a:p>
+        </p:txBody>
+      </p:sp>
+      <p:sp>
+        <p:nvSpPr>
+          <p:cNvPr id="5" name="TextBox 4"/>
+          <p:cNvSpPr txBox="1"/>
+          <p:nvPr/>
+        </p:nvSpPr>
+        <p:spPr>
+          <a:xfrm>
+            <a:off x="3293206" y="3871508"/>
+            <a:ext cx="301686" cy="369332"/>
+          </a:xfrm>
+          <a:prstGeom prst="rect">
+            <a:avLst/>
+          </a:prstGeom>
+          <a:noFill/>
+        </p:spPr>
+        <p:txBody>
+          <a:bodyPr wrap="none" rtlCol="0">
+            <a:spAutoFit/>
+          </a:bodyPr>
+          <a:lstStyle/>
+          <a:p>
+            <a:r>
+              <a:rPr lang="en-US" dirty="0" smtClean="0"/>
+              <a:t>5</a:t>
+            </a:r>
+            <a:endParaRPr lang="en-US" dirty="0"/>
+          </a:p>
+        </p:txBody>
+      </p:sp>
+      <p:sp>
+        <p:nvSpPr>
+          <p:cNvPr id="6" name="TextBox 5"/>
+          <p:cNvSpPr txBox="1"/>
+          <p:nvPr/>
+        </p:nvSpPr>
+        <p:spPr>
+          <a:xfrm>
+            <a:off x="5337114" y="4019922"/>
+            <a:ext cx="301686" cy="369332"/>
+          </a:xfrm>
+          <a:prstGeom prst="rect">
+            <a:avLst/>
+          </a:prstGeom>
+          <a:noFill/>
+        </p:spPr>
+        <p:txBody>
+          <a:bodyPr wrap="none" rtlCol="0">
+            <a:spAutoFit/>
+          </a:bodyPr>
+          <a:lstStyle/>
+          <a:p>
+            <a:r>
+              <a:rPr lang="en-US" dirty="0" smtClean="0"/>
+              <a:t>6</a:t>
+            </a:r>
+            <a:endParaRPr lang="en-US" dirty="0"/>
+          </a:p>
+        </p:txBody>
+      </p:sp>
+      <p:sp>
+        <p:nvSpPr>
+          <p:cNvPr id="7" name="TextBox 6"/>
+          <p:cNvSpPr txBox="1"/>
+          <p:nvPr/>
+        </p:nvSpPr>
+        <p:spPr>
+          <a:xfrm>
+            <a:off x="3444049" y="4762572"/>
+            <a:ext cx="301686" cy="369332"/>
+          </a:xfrm>
+          <a:prstGeom prst="rect">
+            <a:avLst/>
+          </a:prstGeom>
+          <a:noFill/>
+        </p:spPr>
+        <p:txBody>
+          <a:bodyPr wrap="none" rtlCol="0">
+            <a:spAutoFit/>
+          </a:bodyPr>
+          <a:lstStyle/>
+          <a:p>
+            <a:r>
+              <a:rPr lang="en-US" dirty="0" smtClean="0"/>
+              <a:t>7</a:t>
+            </a:r>
+            <a:endParaRPr lang="en-US" dirty="0"/>
+          </a:p>
+        </p:txBody>
+      </p:sp>
+      <p:sp>
+        <p:nvSpPr>
+          <p:cNvPr id="8" name="TextBox 7"/>
+          <p:cNvSpPr txBox="1"/>
+          <p:nvPr/>
+        </p:nvSpPr>
+        <p:spPr>
+          <a:xfrm>
+            <a:off x="5196010" y="3650590"/>
+            <a:ext cx="301686" cy="369332"/>
+          </a:xfrm>
+          <a:prstGeom prst="rect">
+            <a:avLst/>
+          </a:prstGeom>
+          <a:noFill/>
+        </p:spPr>
+        <p:txBody>
+          <a:bodyPr wrap="none" rtlCol="0">
+            <a:spAutoFit/>
+          </a:bodyPr>
+          <a:lstStyle/>
+          <a:p>
+            <a:r>
+              <a:rPr lang="en-US" dirty="0" smtClean="0"/>
+              <a:t>8</a:t>
+            </a:r>
+            <a:endParaRPr lang="en-US" dirty="0"/>
+          </a:p>
+        </p:txBody>
+      </p:sp>
+      <p:sp>
+        <p:nvSpPr>
+          <p:cNvPr id="9" name="TextBox 8"/>
+          <p:cNvSpPr txBox="1"/>
+          <p:nvPr/>
+        </p:nvSpPr>
+        <p:spPr>
+          <a:xfrm>
+            <a:off x="2898714" y="2514600"/>
+            <a:ext cx="301686" cy="369332"/>
+          </a:xfrm>
+          <a:prstGeom prst="rect">
+            <a:avLst/>
+          </a:prstGeom>
+          <a:noFill/>
+        </p:spPr>
+        <p:txBody>
+          <a:bodyPr wrap="none" rtlCol="0">
+            <a:spAutoFit/>
+          </a:bodyPr>
+          <a:lstStyle/>
+          <a:p>
+            <a:r>
+              <a:rPr lang="en-US" dirty="0" smtClean="0"/>
+              <a:t>9</a:t>
+            </a:r>
+            <a:endParaRPr lang="en-US" dirty="0"/>
+          </a:p>
+        </p:txBody>
+      </p:sp>
+      <p:sp>
+        <p:nvSpPr>
+          <p:cNvPr id="10" name="TextBox 9"/>
+          <p:cNvSpPr txBox="1"/>
+          <p:nvPr/>
+        </p:nvSpPr>
+        <p:spPr>
+          <a:xfrm>
+            <a:off x="1712630" y="4205639"/>
+            <a:ext cx="418704" cy="369332"/>
+          </a:xfrm>
+          <a:prstGeom prst="rect">
+            <a:avLst/>
+          </a:prstGeom>
+          <a:noFill/>
+        </p:spPr>
+        <p:txBody>
+          <a:bodyPr wrap="none" rtlCol="0">
+            <a:spAutoFit/>
+          </a:bodyPr>
+          <a:lstStyle/>
+          <a:p>
+            <a:r>
+              <a:rPr lang="en-US" dirty="0" smtClean="0"/>
+              <a:t>10</a:t>
+            </a:r>
+            <a:endParaRPr lang="en-US" dirty="0"/>
+          </a:p>
+        </p:txBody>
+      </p:sp>
+      <p:sp>
+        <p:nvSpPr>
+          <p:cNvPr id="11" name="TextBox 10"/>
+          <p:cNvSpPr txBox="1"/>
+          <p:nvPr/>
+        </p:nvSpPr>
+        <p:spPr>
+          <a:xfrm>
+            <a:off x="2936557" y="2133600"/>
+            <a:ext cx="418704" cy="369332"/>
+          </a:xfrm>
+          <a:prstGeom prst="rect">
+            <a:avLst/>
+          </a:prstGeom>
+          <a:noFill/>
+        </p:spPr>
+        <p:txBody>
+          <a:bodyPr wrap="none" rtlCol="0">
+            <a:spAutoFit/>
+          </a:bodyPr>
+          <a:lstStyle/>
+          <a:p>
+            <a:r>
+              <a:rPr lang="en-US" dirty="0" smtClean="0"/>
+              <a:t>21</a:t>
+            </a:r>
+            <a:endParaRPr lang="en-US" dirty="0"/>
+          </a:p>
+        </p:txBody>
+      </p:sp>
+      <p:sp>
+        <p:nvSpPr>
+          <p:cNvPr id="12" name="TextBox 11"/>
+          <p:cNvSpPr txBox="1"/>
+          <p:nvPr/>
+        </p:nvSpPr>
+        <p:spPr>
+          <a:xfrm>
+            <a:off x="1562496" y="2882136"/>
+            <a:ext cx="418704" cy="369332"/>
+          </a:xfrm>
+          <a:prstGeom prst="rect">
+            <a:avLst/>
+          </a:prstGeom>
+          <a:noFill/>
+        </p:spPr>
+        <p:txBody>
+          <a:bodyPr wrap="none" rtlCol="0">
+            <a:spAutoFit/>
+          </a:bodyPr>
+          <a:lstStyle/>
+          <a:p>
+            <a:r>
+              <a:rPr lang="en-US" dirty="0" smtClean="0"/>
+              <a:t>23</a:t>
+            </a:r>
+            <a:endParaRPr lang="en-US" dirty="0"/>
+          </a:p>
+        </p:txBody>
+      </p:sp>
+      <p:sp>
+        <p:nvSpPr>
+          <p:cNvPr id="15" name="TextBox 14"/>
+          <p:cNvSpPr txBox="1"/>
+          <p:nvPr/>
+        </p:nvSpPr>
+        <p:spPr>
+          <a:xfrm>
+            <a:off x="5034167" y="2318266"/>
+            <a:ext cx="418704" cy="369332"/>
+          </a:xfrm>
+          <a:prstGeom prst="rect">
+            <a:avLst/>
+          </a:prstGeom>
+          <a:noFill/>
+        </p:spPr>
+        <p:txBody>
+          <a:bodyPr wrap="none" rtlCol="0">
+            <a:spAutoFit/>
+          </a:bodyPr>
+          <a:lstStyle/>
+          <a:p>
+            <a:r>
+              <a:rPr lang="en-US" dirty="0" smtClean="0"/>
+              <a:t>20</a:t>
+            </a:r>
+            <a:endParaRPr lang="en-US" dirty="0"/>
+          </a:p>
+        </p:txBody>
+      </p:sp>
+      <p:sp>
+        <p:nvSpPr>
+          <p:cNvPr id="16" name="TextBox 15"/>
+          <p:cNvSpPr txBox="1"/>
+          <p:nvPr/>
+        </p:nvSpPr>
+        <p:spPr>
+          <a:xfrm>
+            <a:off x="6477000" y="3284033"/>
+            <a:ext cx="418704" cy="369332"/>
+          </a:xfrm>
+          <a:prstGeom prst="rect">
+            <a:avLst/>
+          </a:prstGeom>
+          <a:noFill/>
+        </p:spPr>
+        <p:txBody>
+          <a:bodyPr wrap="none" rtlCol="0">
+            <a:spAutoFit/>
+          </a:bodyPr>
+          <a:lstStyle/>
+          <a:p>
+            <a:r>
+              <a:rPr lang="en-US" dirty="0" smtClean="0"/>
+              <a:t>19</a:t>
+            </a:r>
+            <a:endParaRPr lang="en-US" dirty="0"/>
+          </a:p>
+        </p:txBody>
+      </p:sp>
+      <p:sp>
+        <p:nvSpPr>
+          <p:cNvPr id="17" name="TextBox 16"/>
+          <p:cNvSpPr txBox="1"/>
+          <p:nvPr/>
+        </p:nvSpPr>
+        <p:spPr>
+          <a:xfrm>
+            <a:off x="3914131" y="6096000"/>
+            <a:ext cx="418704" cy="369332"/>
+          </a:xfrm>
+          <a:prstGeom prst="rect">
+            <a:avLst/>
+          </a:prstGeom>
+          <a:noFill/>
+        </p:spPr>
+        <p:txBody>
+          <a:bodyPr wrap="none" rtlCol="0">
+            <a:spAutoFit/>
+          </a:bodyPr>
+          <a:lstStyle/>
+          <a:p>
+            <a:r>
+              <a:rPr lang="en-US" dirty="0" smtClean="0"/>
+              <a:t>15</a:t>
+            </a:r>
+            <a:endParaRPr lang="en-US" dirty="0"/>
+          </a:p>
+        </p:txBody>
+      </p:sp>
+      <p:sp>
+        <p:nvSpPr>
+          <p:cNvPr id="18" name="TextBox 17"/>
+          <p:cNvSpPr txBox="1"/>
+          <p:nvPr/>
+        </p:nvSpPr>
+        <p:spPr>
+          <a:xfrm>
+            <a:off x="1490026" y="4906618"/>
+            <a:ext cx="418704" cy="369332"/>
+          </a:xfrm>
+          <a:prstGeom prst="rect">
+            <a:avLst/>
+          </a:prstGeom>
+          <a:noFill/>
+        </p:spPr>
+        <p:txBody>
+          <a:bodyPr wrap="none" rtlCol="0">
+            <a:spAutoFit/>
+          </a:bodyPr>
+          <a:lstStyle/>
+          <a:p>
+            <a:r>
+              <a:rPr lang="en-US" dirty="0" smtClean="0"/>
+              <a:t>16</a:t>
+            </a:r>
+            <a:endParaRPr lang="en-US" dirty="0"/>
+          </a:p>
+        </p:txBody>
+      </p:sp>
+      <p:sp>
+        <p:nvSpPr>
+          <p:cNvPr id="19" name="TextBox 18"/>
+          <p:cNvSpPr txBox="1"/>
+          <p:nvPr/>
+        </p:nvSpPr>
+        <p:spPr>
+          <a:xfrm>
+            <a:off x="5333601" y="4372498"/>
+            <a:ext cx="418704" cy="369332"/>
+          </a:xfrm>
+          <a:prstGeom prst="rect">
+            <a:avLst/>
+          </a:prstGeom>
+          <a:noFill/>
+        </p:spPr>
+        <p:txBody>
+          <a:bodyPr wrap="none" rtlCol="0">
+            <a:spAutoFit/>
+          </a:bodyPr>
+          <a:lstStyle/>
+          <a:p>
+            <a:r>
+              <a:rPr lang="en-US" dirty="0" smtClean="0"/>
+              <a:t>14</a:t>
+            </a:r>
+            <a:endParaRPr lang="en-US" dirty="0"/>
+          </a:p>
+        </p:txBody>
+      </p:sp>
+      <p:sp>
+        <p:nvSpPr>
+          <p:cNvPr id="20" name="Oval 19"/>
+          <p:cNvSpPr/>
+          <p:nvPr/>
+        </p:nvSpPr>
+        <p:spPr>
+          <a:xfrm>
+            <a:off x="3200400" y="2706756"/>
+            <a:ext cx="304800" cy="304800"/>
+          </a:xfrm>
+          <a:prstGeom prst="ellipse">
+            <a:avLst/>
+          </a:prstGeom>
+          <a:noFill/>
+          <a:ln>
+            <a:prstDash val="sysDash"/>
+          </a:ln>
+        </p:spPr>
+        <p:style>
+          <a:lnRef idx="2">
+            <a:schemeClr val="accent1">
+              <a:shade val="50000"/>
+            </a:schemeClr>
+          </a:lnRef>
+          <a:fillRef idx="1">
+            <a:schemeClr val="accent1"/>
+          </a:fillRef>
+          <a:effectRef idx="0">
+            <a:schemeClr val="accent1"/>
+          </a:effectRef>
+          <a:fontRef idx="minor">
+            <a:schemeClr val="lt1"/>
+          </a:fontRef>
+        </p:style>
+        <p:txBody>
+          <a:bodyPr rtlCol="0" anchor="ctr"/>
+          <a:lstStyle/>
+          <a:p>
+            <a:pPr algn="ctr"/>
+            <a:endParaRPr lang="en-US"/>
+          </a:p>
+        </p:txBody>
+      </p:sp>
+    </p:spTree>
+    <p:extLst>
+      <p:ext uri="{BB962C8B-B14F-4D97-AF65-F5344CB8AC3E}">
+        <p14:creationId xmlns:p14="http://schemas.microsoft.com/office/powerpoint/2010/main" val="606492918"/>
+      </p:ext>
+    </p:extLst>
+  </p:cSld>
+  <p:clrMapOvr>
+    <a:masterClrMapping/>
+  </p:clrMapOvr>
+</p:sld>
+</file>
+
+<file path=ppt/slides/slide60.xml><?xml version="1.0" encoding="utf-8"?>
 <p:sld xmlns:a="http://schemas.openxmlformats.org/drawingml/2006/main" xmlns:r="http://schemas.openxmlformats.org/officeDocument/2006/relationships" xmlns:p="http://schemas.openxmlformats.org/presentationml/2006/main">
   <p:cSld>
     <p:spTree>
@@ -18252,7 +20328,7 @@
 </p:sld>
 </file>
 
-<file path=ppt/slides/slide53.xml><?xml version="1.0" encoding="utf-8"?>
+<file path=ppt/slides/slide61.xml><?xml version="1.0" encoding="utf-8"?>
 <p:sld xmlns:a="http://schemas.openxmlformats.org/drawingml/2006/main" xmlns:r="http://schemas.openxmlformats.org/officeDocument/2006/relationships" xmlns:p="http://schemas.openxmlformats.org/presentationml/2006/main">
   <p:cSld>
     <p:spTree>
@@ -19166,7 +21242,7 @@
 </p:sld>
 </file>
 
-<file path=ppt/slides/slide54.xml><?xml version="1.0" encoding="utf-8"?>
+<file path=ppt/slides/slide62.xml><?xml version="1.0" encoding="utf-8"?>
 <p:sld xmlns:a="http://schemas.openxmlformats.org/drawingml/2006/main" xmlns:r="http://schemas.openxmlformats.org/officeDocument/2006/relationships" xmlns:p="http://schemas.openxmlformats.org/presentationml/2006/main">
   <p:cSld>
     <p:spTree>
@@ -19709,7 +21785,7 @@
 </p:sld>
 </file>
 
-<file path=ppt/slides/slide55.xml><?xml version="1.0" encoding="utf-8"?>
+<file path=ppt/slides/slide63.xml><?xml version="1.0" encoding="utf-8"?>
 <p:sld xmlns:a="http://schemas.openxmlformats.org/drawingml/2006/main" xmlns:r="http://schemas.openxmlformats.org/officeDocument/2006/relationships" xmlns:p="http://schemas.openxmlformats.org/presentationml/2006/main">
   <p:cSld>
     <p:spTree>
@@ -20223,7 +22299,7 @@
 </p:sld>
 </file>
 
-<file path=ppt/slides/slide56.xml><?xml version="1.0" encoding="utf-8"?>
+<file path=ppt/slides/slide64.xml><?xml version="1.0" encoding="utf-8"?>
 <p:sld xmlns:a="http://schemas.openxmlformats.org/drawingml/2006/main" xmlns:r="http://schemas.openxmlformats.org/officeDocument/2006/relationships" xmlns:p="http://schemas.openxmlformats.org/presentationml/2006/main">
   <p:cSld>
     <p:spTree>
@@ -20677,7 +22753,7 @@
 </p:sld>
 </file>
 
-<file path=ppt/slides/slide57.xml><?xml version="1.0" encoding="utf-8"?>
+<file path=ppt/slides/slide65.xml><?xml version="1.0" encoding="utf-8"?>
 <p:sld xmlns:a="http://schemas.openxmlformats.org/drawingml/2006/main" xmlns:r="http://schemas.openxmlformats.org/officeDocument/2006/relationships" xmlns:p="http://schemas.openxmlformats.org/presentationml/2006/main">
   <p:cSld>
     <p:spTree>
@@ -21424,7 +23500,7 @@
 </p:sld>
 </file>
 
-<file path=ppt/slides/slide58.xml><?xml version="1.0" encoding="utf-8"?>
+<file path=ppt/slides/slide66.xml><?xml version="1.0" encoding="utf-8"?>
 <p:sld xmlns:a="http://schemas.openxmlformats.org/drawingml/2006/main" xmlns:r="http://schemas.openxmlformats.org/officeDocument/2006/relationships" xmlns:p="http://schemas.openxmlformats.org/presentationml/2006/main">
   <p:cSld>
     <p:spTree>
@@ -21469,11 +23545,7 @@
             </a:r>
             <a:r>
               <a:rPr lang="ja-JP" altLang="en-US" sz="3200" dirty="0" smtClean="0"/>
-              <a:t>）</a:t>
-            </a:r>
-            <a:r>
-              <a:rPr lang="ja-JP" altLang="en-US" sz="3200" dirty="0" smtClean="0"/>
-              <a:t>　</a:t>
+              <a:t>）　</a:t>
             </a:r>
             <a:r>
               <a:rPr lang="en-US" altLang="ja-JP" sz="3200" dirty="0" smtClean="0"/>
@@ -21489,15 +23561,7 @@
             </a:r>
             <a:r>
               <a:rPr lang="ja-JP" altLang="en-US" sz="3200" dirty="0" smtClean="0"/>
-              <a:t>エ</a:t>
-            </a:r>
-            <a:r>
-              <a:rPr lang="ja-JP" altLang="en-US" sz="3200" dirty="0" smtClean="0"/>
-              <a:t>ッジ</a:t>
-            </a:r>
-            <a:r>
-              <a:rPr lang="ja-JP" altLang="en-US" sz="3200" dirty="0" smtClean="0"/>
-              <a:t>に</a:t>
+              <a:t>エッジに</a:t>
             </a:r>
             <a:r>
               <a:rPr lang="ja-JP" altLang="en-US" sz="3200" dirty="0"/>
@@ -21969,629 +24033,6 @@
     <p:extLst>
       <p:ext uri="{BB962C8B-B14F-4D97-AF65-F5344CB8AC3E}">
         <p14:creationId xmlns:p14="http://schemas.microsoft.com/office/powerpoint/2010/main" val="2389257409"/>
-      </p:ext>
-    </p:extLst>
-  </p:cSld>
-  <p:clrMapOvr>
-    <a:masterClrMapping/>
-  </p:clrMapOvr>
-</p:sld>
-</file>
-
-<file path=ppt/slides/slide6.xml><?xml version="1.0" encoding="utf-8"?>
-<p:sld xmlns:a="http://schemas.openxmlformats.org/drawingml/2006/main" xmlns:r="http://schemas.openxmlformats.org/officeDocument/2006/relationships" xmlns:p="http://schemas.openxmlformats.org/presentationml/2006/main">
-  <p:cSld>
-    <p:spTree>
-      <p:nvGrpSpPr>
-        <p:cNvPr id="1" name=""/>
-        <p:cNvGrpSpPr/>
-        <p:nvPr/>
-      </p:nvGrpSpPr>
-      <p:grpSpPr>
-        <a:xfrm>
-          <a:off x="0" y="0"/>
-          <a:ext cx="0" cy="0"/>
-          <a:chOff x="0" y="0"/>
-          <a:chExt cx="0" cy="0"/>
-        </a:xfrm>
-      </p:grpSpPr>
-      <p:pic>
-        <p:nvPicPr>
-          <p:cNvPr id="3074" name="Picture 2"/>
-          <p:cNvPicPr>
-            <a:picLocks noChangeAspect="1" noChangeArrowheads="1"/>
-          </p:cNvPicPr>
-          <p:nvPr/>
-        </p:nvPicPr>
-        <p:blipFill>
-          <a:blip r:embed="rId2">
-            <a:extLst>
-              <a:ext uri="{28A0092B-C50C-407E-A947-70E740481C1C}">
-                <a14:useLocalDpi xmlns:a14="http://schemas.microsoft.com/office/drawing/2010/main" val="0"/>
-              </a:ext>
-            </a:extLst>
-          </a:blip>
-          <a:srcRect/>
-          <a:stretch>
-            <a:fillRect/>
-          </a:stretch>
-        </p:blipFill>
-        <p:spPr bwMode="auto">
-          <a:xfrm>
-            <a:off x="1981200" y="1828800"/>
-            <a:ext cx="5029200" cy="5029200"/>
-          </a:xfrm>
-          <a:prstGeom prst="rect">
-            <a:avLst/>
-          </a:prstGeom>
-          <a:noFill/>
-          <a:ln>
-            <a:noFill/>
-          </a:ln>
-          <a:extLst>
-            <a:ext uri="{909E8E84-426E-40DD-AFC4-6F175D3DCCD1}">
-              <a14:hiddenFill xmlns:a14="http://schemas.microsoft.com/office/drawing/2010/main">
-                <a:solidFill>
-                  <a:schemeClr val="accent1"/>
-                </a:solidFill>
-              </a14:hiddenFill>
-            </a:ext>
-            <a:ext uri="{91240B29-F687-4F45-9708-019B960494DF}">
-              <a14:hiddenLine xmlns:a14="http://schemas.microsoft.com/office/drawing/2010/main" w="9525">
-                <a:solidFill>
-                  <a:schemeClr val="tx1"/>
-                </a:solidFill>
-                <a:miter lim="800000"/>
-                <a:headEnd/>
-                <a:tailEnd/>
-              </a14:hiddenLine>
-            </a:ext>
-          </a:extLst>
-        </p:spPr>
-      </p:pic>
-      <p:sp>
-        <p:nvSpPr>
-          <p:cNvPr id="3" name="TextBox 2"/>
-          <p:cNvSpPr txBox="1"/>
-          <p:nvPr/>
-        </p:nvSpPr>
-        <p:spPr>
-          <a:xfrm>
-            <a:off x="0" y="-13195"/>
-            <a:ext cx="7585731" cy="1569660"/>
-          </a:xfrm>
-          <a:prstGeom prst="rect">
-            <a:avLst/>
-          </a:prstGeom>
-          <a:noFill/>
-        </p:spPr>
-        <p:txBody>
-          <a:bodyPr wrap="none" rtlCol="0">
-            <a:spAutoFit/>
-          </a:bodyPr>
-          <a:lstStyle/>
-          <a:p>
-            <a:r>
-              <a:rPr lang="ja-JP" altLang="en-US" sz="3200" dirty="0" smtClean="0"/>
-              <a:t>道路の生成（</a:t>
-            </a:r>
-            <a:r>
-              <a:rPr lang="en-US" altLang="ja-JP" sz="3200" dirty="0" smtClean="0"/>
-              <a:t>Avenue</a:t>
-            </a:r>
-            <a:r>
-              <a:rPr lang="ja-JP" altLang="en-US" sz="3200" dirty="0" smtClean="0"/>
-              <a:t>）</a:t>
-            </a:r>
-            <a:endParaRPr lang="en-US" altLang="ja-JP" sz="3200" dirty="0" smtClean="0"/>
-          </a:p>
-          <a:p>
-            <a:r>
-              <a:rPr lang="en-US" altLang="ja-JP" sz="3200" dirty="0" smtClean="0"/>
-              <a:t>Iteration: 6</a:t>
-            </a:r>
-          </a:p>
-          <a:p>
-            <a:r>
-              <a:rPr lang="en-US" altLang="ja-JP" sz="3200" dirty="0" smtClean="0"/>
-              <a:t>Snap: ON</a:t>
-            </a:r>
-            <a:r>
-              <a:rPr lang="ja-JP" altLang="en-US" sz="3200" dirty="0"/>
-              <a:t>　</a:t>
-            </a:r>
-            <a:r>
-              <a:rPr lang="ja-JP" altLang="en-US" sz="3200" dirty="0" smtClean="0"/>
-              <a:t>（</a:t>
-            </a:r>
-            <a:r>
-              <a:rPr lang="en-US" altLang="ja-JP" sz="3200" dirty="0" smtClean="0"/>
-              <a:t>10m</a:t>
-            </a:r>
-            <a:r>
-              <a:rPr lang="ja-JP" altLang="en-US" sz="3200" dirty="0" smtClean="0"/>
-              <a:t>。ただし、最後の点は</a:t>
-            </a:r>
-            <a:r>
-              <a:rPr lang="en-US" altLang="ja-JP" sz="3200" dirty="0" smtClean="0"/>
-              <a:t>40m</a:t>
-            </a:r>
-            <a:r>
-              <a:rPr lang="ja-JP" altLang="en-US" sz="3200" dirty="0" smtClean="0"/>
-              <a:t>）</a:t>
-            </a:r>
-            <a:endParaRPr lang="en-US" altLang="ja-JP" sz="3200" dirty="0" smtClean="0"/>
-          </a:p>
-        </p:txBody>
-      </p:sp>
-      <p:sp>
-        <p:nvSpPr>
-          <p:cNvPr id="4" name="TextBox 3"/>
-          <p:cNvSpPr txBox="1"/>
-          <p:nvPr/>
-        </p:nvSpPr>
-        <p:spPr>
-          <a:xfrm>
-            <a:off x="3357471" y="4240840"/>
-            <a:ext cx="301686" cy="369332"/>
-          </a:xfrm>
-          <a:prstGeom prst="rect">
-            <a:avLst/>
-          </a:prstGeom>
-          <a:noFill/>
-        </p:spPr>
-        <p:txBody>
-          <a:bodyPr wrap="none" rtlCol="0">
-            <a:spAutoFit/>
-          </a:bodyPr>
-          <a:lstStyle/>
-          <a:p>
-            <a:r>
-              <a:rPr lang="en-US" dirty="0" smtClean="0"/>
-              <a:t>4</a:t>
-            </a:r>
-            <a:endParaRPr lang="en-US" dirty="0"/>
-          </a:p>
-        </p:txBody>
-      </p:sp>
-      <p:sp>
-        <p:nvSpPr>
-          <p:cNvPr id="5" name="TextBox 4"/>
-          <p:cNvSpPr txBox="1"/>
-          <p:nvPr/>
-        </p:nvSpPr>
-        <p:spPr>
-          <a:xfrm>
-            <a:off x="3293206" y="3871508"/>
-            <a:ext cx="301686" cy="369332"/>
-          </a:xfrm>
-          <a:prstGeom prst="rect">
-            <a:avLst/>
-          </a:prstGeom>
-          <a:noFill/>
-        </p:spPr>
-        <p:txBody>
-          <a:bodyPr wrap="none" rtlCol="0">
-            <a:spAutoFit/>
-          </a:bodyPr>
-          <a:lstStyle/>
-          <a:p>
-            <a:r>
-              <a:rPr lang="en-US" dirty="0" smtClean="0"/>
-              <a:t>5</a:t>
-            </a:r>
-            <a:endParaRPr lang="en-US" dirty="0"/>
-          </a:p>
-        </p:txBody>
-      </p:sp>
-      <p:sp>
-        <p:nvSpPr>
-          <p:cNvPr id="6" name="TextBox 5"/>
-          <p:cNvSpPr txBox="1"/>
-          <p:nvPr/>
-        </p:nvSpPr>
-        <p:spPr>
-          <a:xfrm>
-            <a:off x="5337114" y="4019922"/>
-            <a:ext cx="301686" cy="369332"/>
-          </a:xfrm>
-          <a:prstGeom prst="rect">
-            <a:avLst/>
-          </a:prstGeom>
-          <a:noFill/>
-        </p:spPr>
-        <p:txBody>
-          <a:bodyPr wrap="none" rtlCol="0">
-            <a:spAutoFit/>
-          </a:bodyPr>
-          <a:lstStyle/>
-          <a:p>
-            <a:r>
-              <a:rPr lang="en-US" dirty="0" smtClean="0"/>
-              <a:t>6</a:t>
-            </a:r>
-            <a:endParaRPr lang="en-US" dirty="0"/>
-          </a:p>
-        </p:txBody>
-      </p:sp>
-      <p:sp>
-        <p:nvSpPr>
-          <p:cNvPr id="7" name="TextBox 6"/>
-          <p:cNvSpPr txBox="1"/>
-          <p:nvPr/>
-        </p:nvSpPr>
-        <p:spPr>
-          <a:xfrm>
-            <a:off x="3444049" y="4762572"/>
-            <a:ext cx="301686" cy="369332"/>
-          </a:xfrm>
-          <a:prstGeom prst="rect">
-            <a:avLst/>
-          </a:prstGeom>
-          <a:noFill/>
-        </p:spPr>
-        <p:txBody>
-          <a:bodyPr wrap="none" rtlCol="0">
-            <a:spAutoFit/>
-          </a:bodyPr>
-          <a:lstStyle/>
-          <a:p>
-            <a:r>
-              <a:rPr lang="en-US" dirty="0" smtClean="0"/>
-              <a:t>7</a:t>
-            </a:r>
-            <a:endParaRPr lang="en-US" dirty="0"/>
-          </a:p>
-        </p:txBody>
-      </p:sp>
-      <p:sp>
-        <p:nvSpPr>
-          <p:cNvPr id="8" name="TextBox 7"/>
-          <p:cNvSpPr txBox="1"/>
-          <p:nvPr/>
-        </p:nvSpPr>
-        <p:spPr>
-          <a:xfrm>
-            <a:off x="5196010" y="3650590"/>
-            <a:ext cx="301686" cy="369332"/>
-          </a:xfrm>
-          <a:prstGeom prst="rect">
-            <a:avLst/>
-          </a:prstGeom>
-          <a:noFill/>
-        </p:spPr>
-        <p:txBody>
-          <a:bodyPr wrap="none" rtlCol="0">
-            <a:spAutoFit/>
-          </a:bodyPr>
-          <a:lstStyle/>
-          <a:p>
-            <a:r>
-              <a:rPr lang="en-US" dirty="0" smtClean="0"/>
-              <a:t>8</a:t>
-            </a:r>
-            <a:endParaRPr lang="en-US" dirty="0"/>
-          </a:p>
-        </p:txBody>
-      </p:sp>
-      <p:sp>
-        <p:nvSpPr>
-          <p:cNvPr id="9" name="TextBox 8"/>
-          <p:cNvSpPr txBox="1"/>
-          <p:nvPr/>
-        </p:nvSpPr>
-        <p:spPr>
-          <a:xfrm>
-            <a:off x="2898714" y="2514600"/>
-            <a:ext cx="301686" cy="369332"/>
-          </a:xfrm>
-          <a:prstGeom prst="rect">
-            <a:avLst/>
-          </a:prstGeom>
-          <a:noFill/>
-        </p:spPr>
-        <p:txBody>
-          <a:bodyPr wrap="none" rtlCol="0">
-            <a:spAutoFit/>
-          </a:bodyPr>
-          <a:lstStyle/>
-          <a:p>
-            <a:r>
-              <a:rPr lang="en-US" dirty="0" smtClean="0"/>
-              <a:t>9</a:t>
-            </a:r>
-            <a:endParaRPr lang="en-US" dirty="0"/>
-          </a:p>
-        </p:txBody>
-      </p:sp>
-      <p:sp>
-        <p:nvSpPr>
-          <p:cNvPr id="10" name="TextBox 9"/>
-          <p:cNvSpPr txBox="1"/>
-          <p:nvPr/>
-        </p:nvSpPr>
-        <p:spPr>
-          <a:xfrm>
-            <a:off x="1712630" y="4205639"/>
-            <a:ext cx="418704" cy="369332"/>
-          </a:xfrm>
-          <a:prstGeom prst="rect">
-            <a:avLst/>
-          </a:prstGeom>
-          <a:noFill/>
-        </p:spPr>
-        <p:txBody>
-          <a:bodyPr wrap="none" rtlCol="0">
-            <a:spAutoFit/>
-          </a:bodyPr>
-          <a:lstStyle/>
-          <a:p>
-            <a:r>
-              <a:rPr lang="en-US" dirty="0" smtClean="0"/>
-              <a:t>10</a:t>
-            </a:r>
-            <a:endParaRPr lang="en-US" dirty="0"/>
-          </a:p>
-        </p:txBody>
-      </p:sp>
-      <p:sp>
-        <p:nvSpPr>
-          <p:cNvPr id="11" name="TextBox 10"/>
-          <p:cNvSpPr txBox="1"/>
-          <p:nvPr/>
-        </p:nvSpPr>
-        <p:spPr>
-          <a:xfrm>
-            <a:off x="2936557" y="2133600"/>
-            <a:ext cx="418704" cy="369332"/>
-          </a:xfrm>
-          <a:prstGeom prst="rect">
-            <a:avLst/>
-          </a:prstGeom>
-          <a:noFill/>
-        </p:spPr>
-        <p:txBody>
-          <a:bodyPr wrap="none" rtlCol="0">
-            <a:spAutoFit/>
-          </a:bodyPr>
-          <a:lstStyle/>
-          <a:p>
-            <a:r>
-              <a:rPr lang="en-US" dirty="0" smtClean="0"/>
-              <a:t>21</a:t>
-            </a:r>
-            <a:endParaRPr lang="en-US" dirty="0"/>
-          </a:p>
-        </p:txBody>
-      </p:sp>
-      <p:sp>
-        <p:nvSpPr>
-          <p:cNvPr id="12" name="TextBox 11"/>
-          <p:cNvSpPr txBox="1"/>
-          <p:nvPr/>
-        </p:nvSpPr>
-        <p:spPr>
-          <a:xfrm>
-            <a:off x="1562496" y="2882136"/>
-            <a:ext cx="418704" cy="369332"/>
-          </a:xfrm>
-          <a:prstGeom prst="rect">
-            <a:avLst/>
-          </a:prstGeom>
-          <a:noFill/>
-        </p:spPr>
-        <p:txBody>
-          <a:bodyPr wrap="none" rtlCol="0">
-            <a:spAutoFit/>
-          </a:bodyPr>
-          <a:lstStyle/>
-          <a:p>
-            <a:r>
-              <a:rPr lang="en-US" dirty="0" smtClean="0"/>
-              <a:t>23</a:t>
-            </a:r>
-            <a:endParaRPr lang="en-US" dirty="0"/>
-          </a:p>
-        </p:txBody>
-      </p:sp>
-      <p:sp>
-        <p:nvSpPr>
-          <p:cNvPr id="15" name="TextBox 14"/>
-          <p:cNvSpPr txBox="1"/>
-          <p:nvPr/>
-        </p:nvSpPr>
-        <p:spPr>
-          <a:xfrm>
-            <a:off x="5034167" y="2318266"/>
-            <a:ext cx="418704" cy="369332"/>
-          </a:xfrm>
-          <a:prstGeom prst="rect">
-            <a:avLst/>
-          </a:prstGeom>
-          <a:noFill/>
-        </p:spPr>
-        <p:txBody>
-          <a:bodyPr wrap="none" rtlCol="0">
-            <a:spAutoFit/>
-          </a:bodyPr>
-          <a:lstStyle/>
-          <a:p>
-            <a:r>
-              <a:rPr lang="en-US" dirty="0" smtClean="0"/>
-              <a:t>20</a:t>
-            </a:r>
-            <a:endParaRPr lang="en-US" dirty="0"/>
-          </a:p>
-        </p:txBody>
-      </p:sp>
-      <p:sp>
-        <p:nvSpPr>
-          <p:cNvPr id="16" name="TextBox 15"/>
-          <p:cNvSpPr txBox="1"/>
-          <p:nvPr/>
-        </p:nvSpPr>
-        <p:spPr>
-          <a:xfrm>
-            <a:off x="6477000" y="3284033"/>
-            <a:ext cx="418704" cy="369332"/>
-          </a:xfrm>
-          <a:prstGeom prst="rect">
-            <a:avLst/>
-          </a:prstGeom>
-          <a:noFill/>
-        </p:spPr>
-        <p:txBody>
-          <a:bodyPr wrap="none" rtlCol="0">
-            <a:spAutoFit/>
-          </a:bodyPr>
-          <a:lstStyle/>
-          <a:p>
-            <a:r>
-              <a:rPr lang="en-US" dirty="0" smtClean="0"/>
-              <a:t>19</a:t>
-            </a:r>
-            <a:endParaRPr lang="en-US" dirty="0"/>
-          </a:p>
-        </p:txBody>
-      </p:sp>
-      <p:sp>
-        <p:nvSpPr>
-          <p:cNvPr id="17" name="TextBox 16"/>
-          <p:cNvSpPr txBox="1"/>
-          <p:nvPr/>
-        </p:nvSpPr>
-        <p:spPr>
-          <a:xfrm>
-            <a:off x="3914131" y="6096000"/>
-            <a:ext cx="418704" cy="369332"/>
-          </a:xfrm>
-          <a:prstGeom prst="rect">
-            <a:avLst/>
-          </a:prstGeom>
-          <a:noFill/>
-        </p:spPr>
-        <p:txBody>
-          <a:bodyPr wrap="none" rtlCol="0">
-            <a:spAutoFit/>
-          </a:bodyPr>
-          <a:lstStyle/>
-          <a:p>
-            <a:r>
-              <a:rPr lang="en-US" dirty="0" smtClean="0"/>
-              <a:t>15</a:t>
-            </a:r>
-            <a:endParaRPr lang="en-US" dirty="0"/>
-          </a:p>
-        </p:txBody>
-      </p:sp>
-      <p:sp>
-        <p:nvSpPr>
-          <p:cNvPr id="18" name="TextBox 17"/>
-          <p:cNvSpPr txBox="1"/>
-          <p:nvPr/>
-        </p:nvSpPr>
-        <p:spPr>
-          <a:xfrm>
-            <a:off x="1490026" y="4906618"/>
-            <a:ext cx="418704" cy="369332"/>
-          </a:xfrm>
-          <a:prstGeom prst="rect">
-            <a:avLst/>
-          </a:prstGeom>
-          <a:noFill/>
-        </p:spPr>
-        <p:txBody>
-          <a:bodyPr wrap="none" rtlCol="0">
-            <a:spAutoFit/>
-          </a:bodyPr>
-          <a:lstStyle/>
-          <a:p>
-            <a:r>
-              <a:rPr lang="en-US" dirty="0" smtClean="0"/>
-              <a:t>16</a:t>
-            </a:r>
-            <a:endParaRPr lang="en-US" dirty="0"/>
-          </a:p>
-        </p:txBody>
-      </p:sp>
-      <p:sp>
-        <p:nvSpPr>
-          <p:cNvPr id="19" name="TextBox 18"/>
-          <p:cNvSpPr txBox="1"/>
-          <p:nvPr/>
-        </p:nvSpPr>
-        <p:spPr>
-          <a:xfrm>
-            <a:off x="5333601" y="4372498"/>
-            <a:ext cx="418704" cy="369332"/>
-          </a:xfrm>
-          <a:prstGeom prst="rect">
-            <a:avLst/>
-          </a:prstGeom>
-          <a:noFill/>
-        </p:spPr>
-        <p:txBody>
-          <a:bodyPr wrap="none" rtlCol="0">
-            <a:spAutoFit/>
-          </a:bodyPr>
-          <a:lstStyle/>
-          <a:p>
-            <a:r>
-              <a:rPr lang="en-US" dirty="0" smtClean="0"/>
-              <a:t>14</a:t>
-            </a:r>
-            <a:endParaRPr lang="en-US" dirty="0"/>
-          </a:p>
-        </p:txBody>
-      </p:sp>
-      <p:sp>
-        <p:nvSpPr>
-          <p:cNvPr id="20" name="Oval 19"/>
-          <p:cNvSpPr/>
-          <p:nvPr/>
-        </p:nvSpPr>
-        <p:spPr>
-          <a:xfrm>
-            <a:off x="3200400" y="2706756"/>
-            <a:ext cx="304800" cy="304800"/>
-          </a:xfrm>
-          <a:prstGeom prst="ellipse">
-            <a:avLst/>
-          </a:prstGeom>
-          <a:noFill/>
-          <a:ln>
-            <a:prstDash val="sysDash"/>
-          </a:ln>
-        </p:spPr>
-        <p:style>
-          <a:lnRef idx="2">
-            <a:schemeClr val="accent1">
-              <a:shade val="50000"/>
-            </a:schemeClr>
-          </a:lnRef>
-          <a:fillRef idx="1">
-            <a:schemeClr val="accent1"/>
-          </a:fillRef>
-          <a:effectRef idx="0">
-            <a:schemeClr val="accent1"/>
-          </a:effectRef>
-          <a:fontRef idx="minor">
-            <a:schemeClr val="lt1"/>
-          </a:fontRef>
-        </p:style>
-        <p:txBody>
-          <a:bodyPr rtlCol="0" anchor="ctr"/>
-          <a:lstStyle/>
-          <a:p>
-            <a:pPr algn="ctr"/>
-            <a:endParaRPr lang="en-US"/>
-          </a:p>
-        </p:txBody>
-      </p:sp>
-    </p:spTree>
-    <p:extLst>
-      <p:ext uri="{BB962C8B-B14F-4D97-AF65-F5344CB8AC3E}">
-        <p14:creationId xmlns:p14="http://schemas.microsoft.com/office/powerpoint/2010/main" val="606492918"/>
       </p:ext>
     </p:extLst>
   </p:cSld>

--- a/RoadDesigner.pptx
+++ b/RoadDesigner.pptx
@@ -62,18 +62,20 @@
     <p:sldId id="323" r:id="rId56"/>
     <p:sldId id="324" r:id="rId57"/>
     <p:sldId id="325" r:id="rId58"/>
-    <p:sldId id="315" r:id="rId59"/>
-    <p:sldId id="316" r:id="rId60"/>
-    <p:sldId id="301" r:id="rId61"/>
-    <p:sldId id="302" r:id="rId62"/>
-    <p:sldId id="268" r:id="rId63"/>
-    <p:sldId id="269" r:id="rId64"/>
-    <p:sldId id="275" r:id="rId65"/>
-    <p:sldId id="270" r:id="rId66"/>
-    <p:sldId id="317" r:id="rId67"/>
+    <p:sldId id="326" r:id="rId59"/>
+    <p:sldId id="327" r:id="rId60"/>
+    <p:sldId id="315" r:id="rId61"/>
+    <p:sldId id="316" r:id="rId62"/>
+    <p:sldId id="301" r:id="rId63"/>
+    <p:sldId id="302" r:id="rId64"/>
+    <p:sldId id="268" r:id="rId65"/>
+    <p:sldId id="269" r:id="rId66"/>
+    <p:sldId id="275" r:id="rId67"/>
+    <p:sldId id="270" r:id="rId68"/>
+    <p:sldId id="317" r:id="rId69"/>
   </p:sldIdLst>
   <p:sldSz cx="9144000" cy="6858000" type="screen4x3"/>
-  <p:notesSz cx="6997700" cy="9283700"/>
+  <p:notesSz cx="7010400" cy="9296400"/>
   <p:defaultTextStyle>
     <a:defPPr>
       <a:defRPr lang="en-US"/>
@@ -17453,7 +17455,6 @@
               <a:rPr lang="en-US" altLang="ja-JP" sz="3200" dirty="0" smtClean="0"/>
               <a:t>kde_feature_sanfrancisco.xml</a:t>
             </a:r>
-            <a:endParaRPr lang="en-US" altLang="ja-JP" sz="3200" dirty="0" smtClean="0"/>
           </a:p>
         </p:txBody>
       </p:sp>
@@ -17598,7 +17599,6 @@
               <a:rPr lang="en-US" altLang="ja-JP" sz="3200" dirty="0" smtClean="0"/>
               <a:t>kde_feature_brazilia.xml</a:t>
             </a:r>
-            <a:endParaRPr lang="en-US" altLang="ja-JP" sz="3200" dirty="0" smtClean="0"/>
           </a:p>
         </p:txBody>
       </p:sp>
@@ -17686,6 +17686,60 @@
           <a:chExt cx="0" cy="0"/>
         </a:xfrm>
       </p:grpSpPr>
+      <p:pic>
+        <p:nvPicPr>
+          <p:cNvPr id="1029" name="Picture 5"/>
+          <p:cNvPicPr>
+            <a:picLocks noChangeAspect="1" noChangeArrowheads="1"/>
+          </p:cNvPicPr>
+          <p:nvPr/>
+        </p:nvPicPr>
+        <p:blipFill>
+          <a:blip r:embed="rId2">
+            <a:extLst>
+              <a:ext uri="{28A0092B-C50C-407E-A947-70E740481C1C}">
+                <a14:useLocalDpi xmlns:a14="http://schemas.microsoft.com/office/drawing/2010/main" val="0"/>
+              </a:ext>
+            </a:extLst>
+          </a:blip>
+          <a:srcRect/>
+          <a:stretch>
+            <a:fillRect/>
+          </a:stretch>
+        </p:blipFill>
+        <p:spPr bwMode="auto">
+          <a:xfrm>
+            <a:off x="3138200" y="699543"/>
+            <a:ext cx="2933700" cy="2707645"/>
+          </a:xfrm>
+          <a:prstGeom prst="rect">
+            <a:avLst/>
+          </a:prstGeom>
+          <a:noFill/>
+          <a:ln>
+            <a:noFill/>
+          </a:ln>
+          <a:extLst>
+            <a:ext uri="{909E8E84-426E-40DD-AFC4-6F175D3DCCD1}">
+              <a14:hiddenFill xmlns:a14="http://schemas.microsoft.com/office/drawing/2010/main">
+                <a:solidFill>
+                  <a:schemeClr val="accent1"/>
+                </a:solidFill>
+              </a14:hiddenFill>
+            </a:ext>
+            <a:ext uri="{91240B29-F687-4F45-9708-019B960494DF}">
+              <a14:hiddenLine xmlns:a14="http://schemas.microsoft.com/office/drawing/2010/main" w="9525">
+                <a:solidFill>
+                  <a:schemeClr val="tx1"/>
+                </a:solidFill>
+                <a:miter lim="800000"/>
+                <a:headEnd/>
+                <a:tailEnd/>
+              </a14:hiddenLine>
+            </a:ext>
+          </a:extLst>
+        </p:spPr>
+      </p:pic>
       <p:sp>
         <p:nvSpPr>
           <p:cNvPr id="2" name="TextBox 1"/>
@@ -17695,7 +17749,7 @@
         <p:spPr>
           <a:xfrm>
             <a:off x="1" y="-13195"/>
-            <a:ext cx="9144000" cy="584775"/>
+            <a:ext cx="9144000" cy="1077218"/>
           </a:xfrm>
           <a:prstGeom prst="rect">
             <a:avLst/>
@@ -17710,9 +17764,230 @@
           <a:p>
             <a:r>
               <a:rPr lang="ja-JP" altLang="en-US" sz="3200" dirty="0" smtClean="0"/>
-              <a:t>共起確率が絶対必要だ。</a:t>
+              <a:t>隣接頂点との共起</a:t>
+            </a:r>
+            <a:r>
+              <a:rPr lang="ja-JP" altLang="en-US" sz="3200" dirty="0" smtClean="0"/>
+              <a:t>性の考慮</a:t>
+            </a:r>
+            <a:r>
+              <a:rPr lang="ja-JP" altLang="en-US" sz="3200" dirty="0" smtClean="0"/>
+              <a:t>が</a:t>
+            </a:r>
+            <a:r>
+              <a:rPr lang="ja-JP" altLang="en-US" sz="3200" dirty="0" smtClean="0"/>
+              <a:t>絶対必要だ</a:t>
+            </a:r>
+            <a:r>
+              <a:rPr lang="ja-JP" altLang="en-US" sz="3200" dirty="0" smtClean="0"/>
+              <a:t>。</a:t>
             </a:r>
             <a:endParaRPr lang="en-US" altLang="ja-JP" sz="3200" dirty="0" smtClean="0"/>
+          </a:p>
+          <a:p>
+            <a:r>
+              <a:rPr lang="ja-JP" altLang="en-US" sz="3200" dirty="0" smtClean="0"/>
+              <a:t>⇒　結果は、うーん、あまり変わらない感じ。。。</a:t>
+            </a:r>
+            <a:endParaRPr lang="en-US" altLang="ja-JP" sz="3200" dirty="0" smtClean="0"/>
+          </a:p>
+        </p:txBody>
+      </p:sp>
+      <p:pic>
+        <p:nvPicPr>
+          <p:cNvPr id="1028" name="Picture 4"/>
+          <p:cNvPicPr>
+            <a:picLocks noChangeAspect="1" noChangeArrowheads="1"/>
+          </p:cNvPicPr>
+          <p:nvPr/>
+        </p:nvPicPr>
+        <p:blipFill>
+          <a:blip r:embed="rId3">
+            <a:extLst>
+              <a:ext uri="{28A0092B-C50C-407E-A947-70E740481C1C}">
+                <a14:useLocalDpi xmlns:a14="http://schemas.microsoft.com/office/drawing/2010/main" val="0"/>
+              </a:ext>
+            </a:extLst>
+          </a:blip>
+          <a:srcRect/>
+          <a:stretch>
+            <a:fillRect/>
+          </a:stretch>
+        </p:blipFill>
+        <p:spPr bwMode="auto">
+          <a:xfrm>
+            <a:off x="5943600" y="3416713"/>
+            <a:ext cx="3052869" cy="3153624"/>
+          </a:xfrm>
+          <a:prstGeom prst="rect">
+            <a:avLst/>
+          </a:prstGeom>
+          <a:noFill/>
+          <a:ln>
+            <a:noFill/>
+          </a:ln>
+          <a:extLst>
+            <a:ext uri="{909E8E84-426E-40DD-AFC4-6F175D3DCCD1}">
+              <a14:hiddenFill xmlns:a14="http://schemas.microsoft.com/office/drawing/2010/main">
+                <a:solidFill>
+                  <a:schemeClr val="accent1"/>
+                </a:solidFill>
+              </a14:hiddenFill>
+            </a:ext>
+            <a:ext uri="{91240B29-F687-4F45-9708-019B960494DF}">
+              <a14:hiddenLine xmlns:a14="http://schemas.microsoft.com/office/drawing/2010/main" w="9525">
+                <a:solidFill>
+                  <a:schemeClr val="tx1"/>
+                </a:solidFill>
+                <a:miter lim="800000"/>
+                <a:headEnd/>
+                <a:tailEnd/>
+              </a14:hiddenLine>
+            </a:ext>
+          </a:extLst>
+        </p:spPr>
+      </p:pic>
+      <p:sp>
+        <p:nvSpPr>
+          <p:cNvPr id="3" name="TextBox 2"/>
+          <p:cNvSpPr txBox="1"/>
+          <p:nvPr/>
+        </p:nvSpPr>
+        <p:spPr>
+          <a:xfrm>
+            <a:off x="3071526" y="3416713"/>
+            <a:ext cx="3000950" cy="369332"/>
+          </a:xfrm>
+          <a:prstGeom prst="rect">
+            <a:avLst/>
+          </a:prstGeom>
+          <a:noFill/>
+        </p:spPr>
+        <p:txBody>
+          <a:bodyPr wrap="none" rtlCol="0">
+            <a:spAutoFit/>
+          </a:bodyPr>
+          <a:lstStyle/>
+          <a:p>
+            <a:r>
+              <a:rPr lang="en-US" dirty="0" smtClean="0"/>
+              <a:t>kde_feature_sanfrancisco.xml</a:t>
+            </a:r>
+            <a:endParaRPr lang="en-US" dirty="0"/>
+          </a:p>
+        </p:txBody>
+      </p:sp>
+      <p:sp>
+        <p:nvSpPr>
+          <p:cNvPr id="8" name="TextBox 7"/>
+          <p:cNvSpPr txBox="1"/>
+          <p:nvPr/>
+        </p:nvSpPr>
+        <p:spPr>
+          <a:xfrm>
+            <a:off x="6043325" y="2971800"/>
+            <a:ext cx="2493503" cy="369332"/>
+          </a:xfrm>
+          <a:prstGeom prst="rect">
+            <a:avLst/>
+          </a:prstGeom>
+          <a:noFill/>
+        </p:spPr>
+        <p:txBody>
+          <a:bodyPr wrap="none" rtlCol="0">
+            <a:spAutoFit/>
+          </a:bodyPr>
+          <a:lstStyle/>
+          <a:p>
+            <a:r>
+              <a:rPr lang="en-US" dirty="0" smtClean="0"/>
+              <a:t>kde_feature_brazilia.xml</a:t>
+            </a:r>
+            <a:endParaRPr lang="en-US" dirty="0"/>
+          </a:p>
+        </p:txBody>
+      </p:sp>
+      <p:pic>
+        <p:nvPicPr>
+          <p:cNvPr id="1030" name="Picture 6"/>
+          <p:cNvPicPr>
+            <a:picLocks noChangeAspect="1" noChangeArrowheads="1"/>
+          </p:cNvPicPr>
+          <p:nvPr/>
+        </p:nvPicPr>
+        <p:blipFill>
+          <a:blip r:embed="rId4">
+            <a:extLst>
+              <a:ext uri="{28A0092B-C50C-407E-A947-70E740481C1C}">
+                <a14:useLocalDpi xmlns:a14="http://schemas.microsoft.com/office/drawing/2010/main" val="0"/>
+              </a:ext>
+            </a:extLst>
+          </a:blip>
+          <a:srcRect/>
+          <a:stretch>
+            <a:fillRect/>
+          </a:stretch>
+        </p:blipFill>
+        <p:spPr bwMode="auto">
+          <a:xfrm>
+            <a:off x="1" y="3782109"/>
+            <a:ext cx="3047999" cy="2788227"/>
+          </a:xfrm>
+          <a:prstGeom prst="rect">
+            <a:avLst/>
+          </a:prstGeom>
+          <a:noFill/>
+          <a:ln>
+            <a:noFill/>
+          </a:ln>
+          <a:extLst>
+            <a:ext uri="{909E8E84-426E-40DD-AFC4-6F175D3DCCD1}">
+              <a14:hiddenFill xmlns:a14="http://schemas.microsoft.com/office/drawing/2010/main">
+                <a:solidFill>
+                  <a:schemeClr val="accent1"/>
+                </a:solidFill>
+              </a14:hiddenFill>
+            </a:ext>
+            <a:ext uri="{91240B29-F687-4F45-9708-019B960494DF}">
+              <a14:hiddenLine xmlns:a14="http://schemas.microsoft.com/office/drawing/2010/main" w="9525">
+                <a:solidFill>
+                  <a:schemeClr val="tx1"/>
+                </a:solidFill>
+                <a:miter lim="800000"/>
+                <a:headEnd/>
+                <a:tailEnd/>
+              </a14:hiddenLine>
+            </a:ext>
+          </a:extLst>
+        </p:spPr>
+      </p:pic>
+      <p:sp>
+        <p:nvSpPr>
+          <p:cNvPr id="10" name="TextBox 9"/>
+          <p:cNvSpPr txBox="1"/>
+          <p:nvPr/>
+        </p:nvSpPr>
+        <p:spPr>
+          <a:xfrm>
+            <a:off x="47050" y="3407188"/>
+            <a:ext cx="2487027" cy="369332"/>
+          </a:xfrm>
+          <a:prstGeom prst="rect">
+            <a:avLst/>
+          </a:prstGeom>
+          <a:noFill/>
+        </p:spPr>
+        <p:txBody>
+          <a:bodyPr wrap="none" rtlCol="0">
+            <a:spAutoFit/>
+          </a:bodyPr>
+          <a:lstStyle/>
+          <a:p>
+            <a:r>
+              <a:rPr lang="en-US" dirty="0" smtClean="0"/>
+              <a:t>kde_feature_london.xml</a:t>
+            </a:r>
+            <a:endParaRPr lang="en-US" dirty="0"/>
           </a:p>
         </p:txBody>
       </p:sp>
@@ -17770,6 +18045,1163 @@
           <a:p>
             <a:r>
               <a:rPr lang="ja-JP" altLang="en-US" sz="3200" dirty="0" smtClean="0"/>
+              <a:t>サンフランシスコのデバッグ：</a:t>
+            </a:r>
+            <a:endParaRPr lang="en-US" altLang="ja-JP" sz="3200" dirty="0" smtClean="0"/>
+          </a:p>
+        </p:txBody>
+      </p:sp>
+      <p:pic>
+        <p:nvPicPr>
+          <p:cNvPr id="2050" name="Picture 2"/>
+          <p:cNvPicPr>
+            <a:picLocks noChangeAspect="1" noChangeArrowheads="1"/>
+          </p:cNvPicPr>
+          <p:nvPr/>
+        </p:nvPicPr>
+        <p:blipFill>
+          <a:blip r:embed="rId2" cstate="print">
+            <a:extLst>
+              <a:ext uri="{28A0092B-C50C-407E-A947-70E740481C1C}">
+                <a14:useLocalDpi xmlns:a14="http://schemas.microsoft.com/office/drawing/2010/main" val="0"/>
+              </a:ext>
+            </a:extLst>
+          </a:blip>
+          <a:srcRect/>
+          <a:stretch>
+            <a:fillRect/>
+          </a:stretch>
+        </p:blipFill>
+        <p:spPr bwMode="auto">
+          <a:xfrm>
+            <a:off x="152400" y="962025"/>
+            <a:ext cx="1473568" cy="1476375"/>
+          </a:xfrm>
+          <a:prstGeom prst="rect">
+            <a:avLst/>
+          </a:prstGeom>
+          <a:noFill/>
+          <a:ln>
+            <a:noFill/>
+          </a:ln>
+          <a:extLst>
+            <a:ext uri="{909E8E84-426E-40DD-AFC4-6F175D3DCCD1}">
+              <a14:hiddenFill xmlns:a14="http://schemas.microsoft.com/office/drawing/2010/main">
+                <a:solidFill>
+                  <a:schemeClr val="accent1"/>
+                </a:solidFill>
+              </a14:hiddenFill>
+            </a:ext>
+            <a:ext uri="{91240B29-F687-4F45-9708-019B960494DF}">
+              <a14:hiddenLine xmlns:a14="http://schemas.microsoft.com/office/drawing/2010/main" w="9525">
+                <a:solidFill>
+                  <a:schemeClr val="tx1"/>
+                </a:solidFill>
+                <a:miter lim="800000"/>
+                <a:headEnd/>
+                <a:tailEnd/>
+              </a14:hiddenLine>
+            </a:ext>
+          </a:extLst>
+        </p:spPr>
+      </p:pic>
+      <p:pic>
+        <p:nvPicPr>
+          <p:cNvPr id="2051" name="Picture 3"/>
+          <p:cNvPicPr>
+            <a:picLocks noChangeAspect="1" noChangeArrowheads="1"/>
+          </p:cNvPicPr>
+          <p:nvPr/>
+        </p:nvPicPr>
+        <p:blipFill>
+          <a:blip r:embed="rId3" cstate="print">
+            <a:extLst>
+              <a:ext uri="{28A0092B-C50C-407E-A947-70E740481C1C}">
+                <a14:useLocalDpi xmlns:a14="http://schemas.microsoft.com/office/drawing/2010/main" val="0"/>
+              </a:ext>
+            </a:extLst>
+          </a:blip>
+          <a:srcRect/>
+          <a:stretch>
+            <a:fillRect/>
+          </a:stretch>
+        </p:blipFill>
+        <p:spPr bwMode="auto">
+          <a:xfrm>
+            <a:off x="1752600" y="962025"/>
+            <a:ext cx="1476375" cy="1476375"/>
+          </a:xfrm>
+          <a:prstGeom prst="rect">
+            <a:avLst/>
+          </a:prstGeom>
+          <a:noFill/>
+          <a:ln>
+            <a:noFill/>
+          </a:ln>
+          <a:extLst>
+            <a:ext uri="{909E8E84-426E-40DD-AFC4-6F175D3DCCD1}">
+              <a14:hiddenFill xmlns:a14="http://schemas.microsoft.com/office/drawing/2010/main">
+                <a:solidFill>
+                  <a:schemeClr val="accent1"/>
+                </a:solidFill>
+              </a14:hiddenFill>
+            </a:ext>
+            <a:ext uri="{91240B29-F687-4F45-9708-019B960494DF}">
+              <a14:hiddenLine xmlns:a14="http://schemas.microsoft.com/office/drawing/2010/main" w="9525">
+                <a:solidFill>
+                  <a:schemeClr val="tx1"/>
+                </a:solidFill>
+                <a:miter lim="800000"/>
+                <a:headEnd/>
+                <a:tailEnd/>
+              </a14:hiddenLine>
+            </a:ext>
+          </a:extLst>
+        </p:spPr>
+      </p:pic>
+      <p:sp>
+        <p:nvSpPr>
+          <p:cNvPr id="3" name="TextBox 2"/>
+          <p:cNvSpPr txBox="1"/>
+          <p:nvPr/>
+        </p:nvSpPr>
+        <p:spPr>
+          <a:xfrm>
+            <a:off x="309410" y="2407682"/>
+            <a:ext cx="1159548" cy="369332"/>
+          </a:xfrm>
+          <a:prstGeom prst="rect">
+            <a:avLst/>
+          </a:prstGeom>
+          <a:noFill/>
+        </p:spPr>
+        <p:txBody>
+          <a:bodyPr wrap="none" rtlCol="0">
+            <a:spAutoFit/>
+          </a:bodyPr>
+          <a:lstStyle/>
+          <a:p>
+            <a:r>
+              <a:rPr lang="en-US" dirty="0" smtClean="0"/>
+              <a:t>Iteration 1</a:t>
+            </a:r>
+            <a:endParaRPr lang="en-US" dirty="0"/>
+          </a:p>
+        </p:txBody>
+      </p:sp>
+      <p:sp>
+        <p:nvSpPr>
+          <p:cNvPr id="6" name="TextBox 5"/>
+          <p:cNvSpPr txBox="1"/>
+          <p:nvPr/>
+        </p:nvSpPr>
+        <p:spPr>
+          <a:xfrm>
+            <a:off x="1905000" y="2407682"/>
+            <a:ext cx="1159548" cy="369332"/>
+          </a:xfrm>
+          <a:prstGeom prst="rect">
+            <a:avLst/>
+          </a:prstGeom>
+          <a:noFill/>
+        </p:spPr>
+        <p:txBody>
+          <a:bodyPr wrap="none" rtlCol="0">
+            <a:spAutoFit/>
+          </a:bodyPr>
+          <a:lstStyle/>
+          <a:p>
+            <a:r>
+              <a:rPr lang="en-US" dirty="0" smtClean="0"/>
+              <a:t>Iteration 2</a:t>
+            </a:r>
+            <a:endParaRPr lang="en-US" dirty="0"/>
+          </a:p>
+        </p:txBody>
+      </p:sp>
+      <p:pic>
+        <p:nvPicPr>
+          <p:cNvPr id="2052" name="Picture 4"/>
+          <p:cNvPicPr>
+            <a:picLocks noChangeAspect="1" noChangeArrowheads="1"/>
+          </p:cNvPicPr>
+          <p:nvPr/>
+        </p:nvPicPr>
+        <p:blipFill>
+          <a:blip r:embed="rId4" cstate="print">
+            <a:extLst>
+              <a:ext uri="{28A0092B-C50C-407E-A947-70E740481C1C}">
+                <a14:useLocalDpi xmlns:a14="http://schemas.microsoft.com/office/drawing/2010/main" val="0"/>
+              </a:ext>
+            </a:extLst>
+          </a:blip>
+          <a:srcRect/>
+          <a:stretch>
+            <a:fillRect/>
+          </a:stretch>
+        </p:blipFill>
+        <p:spPr bwMode="auto">
+          <a:xfrm>
+            <a:off x="3352800" y="952500"/>
+            <a:ext cx="1479182" cy="1476375"/>
+          </a:xfrm>
+          <a:prstGeom prst="rect">
+            <a:avLst/>
+          </a:prstGeom>
+          <a:noFill/>
+          <a:ln>
+            <a:noFill/>
+          </a:ln>
+          <a:extLst>
+            <a:ext uri="{909E8E84-426E-40DD-AFC4-6F175D3DCCD1}">
+              <a14:hiddenFill xmlns:a14="http://schemas.microsoft.com/office/drawing/2010/main">
+                <a:solidFill>
+                  <a:schemeClr val="accent1"/>
+                </a:solidFill>
+              </a14:hiddenFill>
+            </a:ext>
+            <a:ext uri="{91240B29-F687-4F45-9708-019B960494DF}">
+              <a14:hiddenLine xmlns:a14="http://schemas.microsoft.com/office/drawing/2010/main" w="9525">
+                <a:solidFill>
+                  <a:schemeClr val="tx1"/>
+                </a:solidFill>
+                <a:miter lim="800000"/>
+                <a:headEnd/>
+                <a:tailEnd/>
+              </a14:hiddenLine>
+            </a:ext>
+          </a:extLst>
+        </p:spPr>
+      </p:pic>
+      <p:sp>
+        <p:nvSpPr>
+          <p:cNvPr id="9" name="TextBox 8"/>
+          <p:cNvSpPr txBox="1"/>
+          <p:nvPr/>
+        </p:nvSpPr>
+        <p:spPr>
+          <a:xfrm>
+            <a:off x="3564852" y="2409825"/>
+            <a:ext cx="1159548" cy="369332"/>
+          </a:xfrm>
+          <a:prstGeom prst="rect">
+            <a:avLst/>
+          </a:prstGeom>
+          <a:noFill/>
+        </p:spPr>
+        <p:txBody>
+          <a:bodyPr wrap="none" rtlCol="0">
+            <a:spAutoFit/>
+          </a:bodyPr>
+          <a:lstStyle/>
+          <a:p>
+            <a:r>
+              <a:rPr lang="en-US" dirty="0" smtClean="0"/>
+              <a:t>Iteration 3</a:t>
+            </a:r>
+            <a:endParaRPr lang="en-US" dirty="0"/>
+          </a:p>
+        </p:txBody>
+      </p:sp>
+      <p:pic>
+        <p:nvPicPr>
+          <p:cNvPr id="2053" name="Picture 5"/>
+          <p:cNvPicPr>
+            <a:picLocks noChangeAspect="1" noChangeArrowheads="1"/>
+          </p:cNvPicPr>
+          <p:nvPr/>
+        </p:nvPicPr>
+        <p:blipFill>
+          <a:blip r:embed="rId5" cstate="print">
+            <a:extLst>
+              <a:ext uri="{28A0092B-C50C-407E-A947-70E740481C1C}">
+                <a14:useLocalDpi xmlns:a14="http://schemas.microsoft.com/office/drawing/2010/main" val="0"/>
+              </a:ext>
+            </a:extLst>
+          </a:blip>
+          <a:srcRect/>
+          <a:stretch>
+            <a:fillRect/>
+          </a:stretch>
+        </p:blipFill>
+        <p:spPr bwMode="auto">
+          <a:xfrm>
+            <a:off x="4953000" y="952500"/>
+            <a:ext cx="1470782" cy="1476375"/>
+          </a:xfrm>
+          <a:prstGeom prst="rect">
+            <a:avLst/>
+          </a:prstGeom>
+          <a:noFill/>
+          <a:ln>
+            <a:noFill/>
+          </a:ln>
+          <a:extLst>
+            <a:ext uri="{909E8E84-426E-40DD-AFC4-6F175D3DCCD1}">
+              <a14:hiddenFill xmlns:a14="http://schemas.microsoft.com/office/drawing/2010/main">
+                <a:solidFill>
+                  <a:schemeClr val="accent1"/>
+                </a:solidFill>
+              </a14:hiddenFill>
+            </a:ext>
+            <a:ext uri="{91240B29-F687-4F45-9708-019B960494DF}">
+              <a14:hiddenLine xmlns:a14="http://schemas.microsoft.com/office/drawing/2010/main" w="9525">
+                <a:solidFill>
+                  <a:schemeClr val="tx1"/>
+                </a:solidFill>
+                <a:miter lim="800000"/>
+                <a:headEnd/>
+                <a:tailEnd/>
+              </a14:hiddenLine>
+            </a:ext>
+          </a:extLst>
+        </p:spPr>
+      </p:pic>
+      <p:sp>
+        <p:nvSpPr>
+          <p:cNvPr id="11" name="TextBox 10"/>
+          <p:cNvSpPr txBox="1"/>
+          <p:nvPr/>
+        </p:nvSpPr>
+        <p:spPr>
+          <a:xfrm>
+            <a:off x="5088852" y="2411968"/>
+            <a:ext cx="1159548" cy="369332"/>
+          </a:xfrm>
+          <a:prstGeom prst="rect">
+            <a:avLst/>
+          </a:prstGeom>
+          <a:noFill/>
+        </p:spPr>
+        <p:txBody>
+          <a:bodyPr wrap="none" rtlCol="0">
+            <a:spAutoFit/>
+          </a:bodyPr>
+          <a:lstStyle/>
+          <a:p>
+            <a:r>
+              <a:rPr lang="en-US" dirty="0" smtClean="0"/>
+              <a:t>Iteration 5</a:t>
+            </a:r>
+            <a:endParaRPr lang="en-US" dirty="0"/>
+          </a:p>
+        </p:txBody>
+      </p:sp>
+      <p:pic>
+        <p:nvPicPr>
+          <p:cNvPr id="2054" name="Picture 6"/>
+          <p:cNvPicPr>
+            <a:picLocks noChangeAspect="1" noChangeArrowheads="1"/>
+          </p:cNvPicPr>
+          <p:nvPr/>
+        </p:nvPicPr>
+        <p:blipFill>
+          <a:blip r:embed="rId6">
+            <a:extLst>
+              <a:ext uri="{28A0092B-C50C-407E-A947-70E740481C1C}">
+                <a14:useLocalDpi xmlns:a14="http://schemas.microsoft.com/office/drawing/2010/main" val="0"/>
+              </a:ext>
+            </a:extLst>
+          </a:blip>
+          <a:srcRect/>
+          <a:stretch>
+            <a:fillRect/>
+          </a:stretch>
+        </p:blipFill>
+        <p:spPr bwMode="auto">
+          <a:xfrm>
+            <a:off x="380999" y="3175112"/>
+            <a:ext cx="2971801" cy="3682887"/>
+          </a:xfrm>
+          <a:prstGeom prst="rect">
+            <a:avLst/>
+          </a:prstGeom>
+          <a:noFill/>
+          <a:ln>
+            <a:noFill/>
+          </a:ln>
+          <a:extLst>
+            <a:ext uri="{909E8E84-426E-40DD-AFC4-6F175D3DCCD1}">
+              <a14:hiddenFill xmlns:a14="http://schemas.microsoft.com/office/drawing/2010/main">
+                <a:solidFill>
+                  <a:schemeClr val="accent1"/>
+                </a:solidFill>
+              </a14:hiddenFill>
+            </a:ext>
+            <a:ext uri="{91240B29-F687-4F45-9708-019B960494DF}">
+              <a14:hiddenLine xmlns:a14="http://schemas.microsoft.com/office/drawing/2010/main" w="9525">
+                <a:solidFill>
+                  <a:schemeClr val="tx1"/>
+                </a:solidFill>
+                <a:miter lim="800000"/>
+                <a:headEnd/>
+                <a:tailEnd/>
+              </a14:hiddenLine>
+            </a:ext>
+          </a:extLst>
+        </p:spPr>
+      </p:pic>
+    </p:spTree>
+    <p:extLst>
+      <p:ext uri="{BB962C8B-B14F-4D97-AF65-F5344CB8AC3E}">
+        <p14:creationId xmlns:p14="http://schemas.microsoft.com/office/powerpoint/2010/main" val="776960086"/>
+      </p:ext>
+    </p:extLst>
+  </p:cSld>
+  <p:clrMapOvr>
+    <a:masterClrMapping/>
+  </p:clrMapOvr>
+</p:sld>
+</file>
+
+<file path=ppt/slides/slide59.xml><?xml version="1.0" encoding="utf-8"?>
+<p:sld xmlns:a="http://schemas.openxmlformats.org/drawingml/2006/main" xmlns:r="http://schemas.openxmlformats.org/officeDocument/2006/relationships" xmlns:p="http://schemas.openxmlformats.org/presentationml/2006/main">
+  <p:cSld>
+    <p:spTree>
+      <p:nvGrpSpPr>
+        <p:cNvPr id="1" name=""/>
+        <p:cNvGrpSpPr/>
+        <p:nvPr/>
+      </p:nvGrpSpPr>
+      <p:grpSpPr>
+        <a:xfrm>
+          <a:off x="0" y="0"/>
+          <a:ext cx="0" cy="0"/>
+          <a:chOff x="0" y="0"/>
+          <a:chExt cx="0" cy="0"/>
+        </a:xfrm>
+      </p:grpSpPr>
+      <p:pic>
+        <p:nvPicPr>
+          <p:cNvPr id="2" name="Picture 4"/>
+          <p:cNvPicPr>
+            <a:picLocks noChangeAspect="1" noChangeArrowheads="1"/>
+          </p:cNvPicPr>
+          <p:nvPr/>
+        </p:nvPicPr>
+        <p:blipFill>
+          <a:blip r:embed="rId2">
+            <a:extLst>
+              <a:ext uri="{28A0092B-C50C-407E-A947-70E740481C1C}">
+                <a14:useLocalDpi xmlns:a14="http://schemas.microsoft.com/office/drawing/2010/main" val="0"/>
+              </a:ext>
+            </a:extLst>
+          </a:blip>
+          <a:srcRect/>
+          <a:stretch>
+            <a:fillRect/>
+          </a:stretch>
+        </p:blipFill>
+        <p:spPr bwMode="auto">
+          <a:xfrm>
+            <a:off x="2057400" y="228600"/>
+            <a:ext cx="4724400" cy="6074229"/>
+          </a:xfrm>
+          <a:prstGeom prst="rect">
+            <a:avLst/>
+          </a:prstGeom>
+          <a:noFill/>
+          <a:ln>
+            <a:noFill/>
+          </a:ln>
+          <a:extLst>
+            <a:ext uri="{909E8E84-426E-40DD-AFC4-6F175D3DCCD1}">
+              <a14:hiddenFill xmlns:a14="http://schemas.microsoft.com/office/drawing/2010/main">
+                <a:solidFill>
+                  <a:schemeClr val="accent1"/>
+                </a:solidFill>
+              </a14:hiddenFill>
+            </a:ext>
+            <a:ext uri="{91240B29-F687-4F45-9708-019B960494DF}">
+              <a14:hiddenLine xmlns:a14="http://schemas.microsoft.com/office/drawing/2010/main" w="9525">
+                <a:solidFill>
+                  <a:schemeClr val="tx1"/>
+                </a:solidFill>
+                <a:miter lim="800000"/>
+                <a:headEnd/>
+                <a:tailEnd/>
+              </a14:hiddenLine>
+            </a:ext>
+          </a:extLst>
+        </p:spPr>
+      </p:pic>
+    </p:spTree>
+    <p:extLst>
+      <p:ext uri="{BB962C8B-B14F-4D97-AF65-F5344CB8AC3E}">
+        <p14:creationId xmlns:p14="http://schemas.microsoft.com/office/powerpoint/2010/main" val="1525899797"/>
+      </p:ext>
+    </p:extLst>
+  </p:cSld>
+  <p:clrMapOvr>
+    <a:masterClrMapping/>
+  </p:clrMapOvr>
+</p:sld>
+</file>
+
+<file path=ppt/slides/slide6.xml><?xml version="1.0" encoding="utf-8"?>
+<p:sld xmlns:a="http://schemas.openxmlformats.org/drawingml/2006/main" xmlns:r="http://schemas.openxmlformats.org/officeDocument/2006/relationships" xmlns:p="http://schemas.openxmlformats.org/presentationml/2006/main">
+  <p:cSld>
+    <p:spTree>
+      <p:nvGrpSpPr>
+        <p:cNvPr id="1" name=""/>
+        <p:cNvGrpSpPr/>
+        <p:nvPr/>
+      </p:nvGrpSpPr>
+      <p:grpSpPr>
+        <a:xfrm>
+          <a:off x="0" y="0"/>
+          <a:ext cx="0" cy="0"/>
+          <a:chOff x="0" y="0"/>
+          <a:chExt cx="0" cy="0"/>
+        </a:xfrm>
+      </p:grpSpPr>
+      <p:pic>
+        <p:nvPicPr>
+          <p:cNvPr id="3074" name="Picture 2"/>
+          <p:cNvPicPr>
+            <a:picLocks noChangeAspect="1" noChangeArrowheads="1"/>
+          </p:cNvPicPr>
+          <p:nvPr/>
+        </p:nvPicPr>
+        <p:blipFill>
+          <a:blip r:embed="rId2">
+            <a:extLst>
+              <a:ext uri="{28A0092B-C50C-407E-A947-70E740481C1C}">
+                <a14:useLocalDpi xmlns:a14="http://schemas.microsoft.com/office/drawing/2010/main" val="0"/>
+              </a:ext>
+            </a:extLst>
+          </a:blip>
+          <a:srcRect/>
+          <a:stretch>
+            <a:fillRect/>
+          </a:stretch>
+        </p:blipFill>
+        <p:spPr bwMode="auto">
+          <a:xfrm>
+            <a:off x="1981200" y="1828800"/>
+            <a:ext cx="5029200" cy="5029200"/>
+          </a:xfrm>
+          <a:prstGeom prst="rect">
+            <a:avLst/>
+          </a:prstGeom>
+          <a:noFill/>
+          <a:ln>
+            <a:noFill/>
+          </a:ln>
+          <a:extLst>
+            <a:ext uri="{909E8E84-426E-40DD-AFC4-6F175D3DCCD1}">
+              <a14:hiddenFill xmlns:a14="http://schemas.microsoft.com/office/drawing/2010/main">
+                <a:solidFill>
+                  <a:schemeClr val="accent1"/>
+                </a:solidFill>
+              </a14:hiddenFill>
+            </a:ext>
+            <a:ext uri="{91240B29-F687-4F45-9708-019B960494DF}">
+              <a14:hiddenLine xmlns:a14="http://schemas.microsoft.com/office/drawing/2010/main" w="9525">
+                <a:solidFill>
+                  <a:schemeClr val="tx1"/>
+                </a:solidFill>
+                <a:miter lim="800000"/>
+                <a:headEnd/>
+                <a:tailEnd/>
+              </a14:hiddenLine>
+            </a:ext>
+          </a:extLst>
+        </p:spPr>
+      </p:pic>
+      <p:sp>
+        <p:nvSpPr>
+          <p:cNvPr id="3" name="TextBox 2"/>
+          <p:cNvSpPr txBox="1"/>
+          <p:nvPr/>
+        </p:nvSpPr>
+        <p:spPr>
+          <a:xfrm>
+            <a:off x="0" y="-13195"/>
+            <a:ext cx="7585731" cy="1569660"/>
+          </a:xfrm>
+          <a:prstGeom prst="rect">
+            <a:avLst/>
+          </a:prstGeom>
+          <a:noFill/>
+        </p:spPr>
+        <p:txBody>
+          <a:bodyPr wrap="none" rtlCol="0">
+            <a:spAutoFit/>
+          </a:bodyPr>
+          <a:lstStyle/>
+          <a:p>
+            <a:r>
+              <a:rPr lang="ja-JP" altLang="en-US" sz="3200" dirty="0" smtClean="0"/>
+              <a:t>道路の生成（</a:t>
+            </a:r>
+            <a:r>
+              <a:rPr lang="en-US" altLang="ja-JP" sz="3200" dirty="0" smtClean="0"/>
+              <a:t>Avenue</a:t>
+            </a:r>
+            <a:r>
+              <a:rPr lang="ja-JP" altLang="en-US" sz="3200" dirty="0" smtClean="0"/>
+              <a:t>）</a:t>
+            </a:r>
+            <a:endParaRPr lang="en-US" altLang="ja-JP" sz="3200" dirty="0" smtClean="0"/>
+          </a:p>
+          <a:p>
+            <a:r>
+              <a:rPr lang="en-US" altLang="ja-JP" sz="3200" dirty="0" smtClean="0"/>
+              <a:t>Iteration: 6</a:t>
+            </a:r>
+          </a:p>
+          <a:p>
+            <a:r>
+              <a:rPr lang="en-US" altLang="ja-JP" sz="3200" dirty="0" smtClean="0"/>
+              <a:t>Snap: ON</a:t>
+            </a:r>
+            <a:r>
+              <a:rPr lang="ja-JP" altLang="en-US" sz="3200" dirty="0"/>
+              <a:t>　</a:t>
+            </a:r>
+            <a:r>
+              <a:rPr lang="ja-JP" altLang="en-US" sz="3200" dirty="0" smtClean="0"/>
+              <a:t>（</a:t>
+            </a:r>
+            <a:r>
+              <a:rPr lang="en-US" altLang="ja-JP" sz="3200" dirty="0" smtClean="0"/>
+              <a:t>10m</a:t>
+            </a:r>
+            <a:r>
+              <a:rPr lang="ja-JP" altLang="en-US" sz="3200" dirty="0" smtClean="0"/>
+              <a:t>。ただし、最後の点は</a:t>
+            </a:r>
+            <a:r>
+              <a:rPr lang="en-US" altLang="ja-JP" sz="3200" dirty="0" smtClean="0"/>
+              <a:t>40m</a:t>
+            </a:r>
+            <a:r>
+              <a:rPr lang="ja-JP" altLang="en-US" sz="3200" dirty="0" smtClean="0"/>
+              <a:t>）</a:t>
+            </a:r>
+            <a:endParaRPr lang="en-US" altLang="ja-JP" sz="3200" dirty="0" smtClean="0"/>
+          </a:p>
+        </p:txBody>
+      </p:sp>
+      <p:sp>
+        <p:nvSpPr>
+          <p:cNvPr id="4" name="TextBox 3"/>
+          <p:cNvSpPr txBox="1"/>
+          <p:nvPr/>
+        </p:nvSpPr>
+        <p:spPr>
+          <a:xfrm>
+            <a:off x="3357471" y="4240840"/>
+            <a:ext cx="301686" cy="369332"/>
+          </a:xfrm>
+          <a:prstGeom prst="rect">
+            <a:avLst/>
+          </a:prstGeom>
+          <a:noFill/>
+        </p:spPr>
+        <p:txBody>
+          <a:bodyPr wrap="none" rtlCol="0">
+            <a:spAutoFit/>
+          </a:bodyPr>
+          <a:lstStyle/>
+          <a:p>
+            <a:r>
+              <a:rPr lang="en-US" dirty="0" smtClean="0"/>
+              <a:t>4</a:t>
+            </a:r>
+            <a:endParaRPr lang="en-US" dirty="0"/>
+          </a:p>
+        </p:txBody>
+      </p:sp>
+      <p:sp>
+        <p:nvSpPr>
+          <p:cNvPr id="5" name="TextBox 4"/>
+          <p:cNvSpPr txBox="1"/>
+          <p:nvPr/>
+        </p:nvSpPr>
+        <p:spPr>
+          <a:xfrm>
+            <a:off x="3293206" y="3871508"/>
+            <a:ext cx="301686" cy="369332"/>
+          </a:xfrm>
+          <a:prstGeom prst="rect">
+            <a:avLst/>
+          </a:prstGeom>
+          <a:noFill/>
+        </p:spPr>
+        <p:txBody>
+          <a:bodyPr wrap="none" rtlCol="0">
+            <a:spAutoFit/>
+          </a:bodyPr>
+          <a:lstStyle/>
+          <a:p>
+            <a:r>
+              <a:rPr lang="en-US" dirty="0" smtClean="0"/>
+              <a:t>5</a:t>
+            </a:r>
+            <a:endParaRPr lang="en-US" dirty="0"/>
+          </a:p>
+        </p:txBody>
+      </p:sp>
+      <p:sp>
+        <p:nvSpPr>
+          <p:cNvPr id="6" name="TextBox 5"/>
+          <p:cNvSpPr txBox="1"/>
+          <p:nvPr/>
+        </p:nvSpPr>
+        <p:spPr>
+          <a:xfrm>
+            <a:off x="5337114" y="4019922"/>
+            <a:ext cx="301686" cy="369332"/>
+          </a:xfrm>
+          <a:prstGeom prst="rect">
+            <a:avLst/>
+          </a:prstGeom>
+          <a:noFill/>
+        </p:spPr>
+        <p:txBody>
+          <a:bodyPr wrap="none" rtlCol="0">
+            <a:spAutoFit/>
+          </a:bodyPr>
+          <a:lstStyle/>
+          <a:p>
+            <a:r>
+              <a:rPr lang="en-US" dirty="0" smtClean="0"/>
+              <a:t>6</a:t>
+            </a:r>
+            <a:endParaRPr lang="en-US" dirty="0"/>
+          </a:p>
+        </p:txBody>
+      </p:sp>
+      <p:sp>
+        <p:nvSpPr>
+          <p:cNvPr id="7" name="TextBox 6"/>
+          <p:cNvSpPr txBox="1"/>
+          <p:nvPr/>
+        </p:nvSpPr>
+        <p:spPr>
+          <a:xfrm>
+            <a:off x="3444049" y="4762572"/>
+            <a:ext cx="301686" cy="369332"/>
+          </a:xfrm>
+          <a:prstGeom prst="rect">
+            <a:avLst/>
+          </a:prstGeom>
+          <a:noFill/>
+        </p:spPr>
+        <p:txBody>
+          <a:bodyPr wrap="none" rtlCol="0">
+            <a:spAutoFit/>
+          </a:bodyPr>
+          <a:lstStyle/>
+          <a:p>
+            <a:r>
+              <a:rPr lang="en-US" dirty="0" smtClean="0"/>
+              <a:t>7</a:t>
+            </a:r>
+            <a:endParaRPr lang="en-US" dirty="0"/>
+          </a:p>
+        </p:txBody>
+      </p:sp>
+      <p:sp>
+        <p:nvSpPr>
+          <p:cNvPr id="8" name="TextBox 7"/>
+          <p:cNvSpPr txBox="1"/>
+          <p:nvPr/>
+        </p:nvSpPr>
+        <p:spPr>
+          <a:xfrm>
+            <a:off x="5196010" y="3650590"/>
+            <a:ext cx="301686" cy="369332"/>
+          </a:xfrm>
+          <a:prstGeom prst="rect">
+            <a:avLst/>
+          </a:prstGeom>
+          <a:noFill/>
+        </p:spPr>
+        <p:txBody>
+          <a:bodyPr wrap="none" rtlCol="0">
+            <a:spAutoFit/>
+          </a:bodyPr>
+          <a:lstStyle/>
+          <a:p>
+            <a:r>
+              <a:rPr lang="en-US" dirty="0" smtClean="0"/>
+              <a:t>8</a:t>
+            </a:r>
+            <a:endParaRPr lang="en-US" dirty="0"/>
+          </a:p>
+        </p:txBody>
+      </p:sp>
+      <p:sp>
+        <p:nvSpPr>
+          <p:cNvPr id="9" name="TextBox 8"/>
+          <p:cNvSpPr txBox="1"/>
+          <p:nvPr/>
+        </p:nvSpPr>
+        <p:spPr>
+          <a:xfrm>
+            <a:off x="2898714" y="2514600"/>
+            <a:ext cx="301686" cy="369332"/>
+          </a:xfrm>
+          <a:prstGeom prst="rect">
+            <a:avLst/>
+          </a:prstGeom>
+          <a:noFill/>
+        </p:spPr>
+        <p:txBody>
+          <a:bodyPr wrap="none" rtlCol="0">
+            <a:spAutoFit/>
+          </a:bodyPr>
+          <a:lstStyle/>
+          <a:p>
+            <a:r>
+              <a:rPr lang="en-US" dirty="0" smtClean="0"/>
+              <a:t>9</a:t>
+            </a:r>
+            <a:endParaRPr lang="en-US" dirty="0"/>
+          </a:p>
+        </p:txBody>
+      </p:sp>
+      <p:sp>
+        <p:nvSpPr>
+          <p:cNvPr id="10" name="TextBox 9"/>
+          <p:cNvSpPr txBox="1"/>
+          <p:nvPr/>
+        </p:nvSpPr>
+        <p:spPr>
+          <a:xfrm>
+            <a:off x="1712630" y="4205639"/>
+            <a:ext cx="418704" cy="369332"/>
+          </a:xfrm>
+          <a:prstGeom prst="rect">
+            <a:avLst/>
+          </a:prstGeom>
+          <a:noFill/>
+        </p:spPr>
+        <p:txBody>
+          <a:bodyPr wrap="none" rtlCol="0">
+            <a:spAutoFit/>
+          </a:bodyPr>
+          <a:lstStyle/>
+          <a:p>
+            <a:r>
+              <a:rPr lang="en-US" dirty="0" smtClean="0"/>
+              <a:t>10</a:t>
+            </a:r>
+            <a:endParaRPr lang="en-US" dirty="0"/>
+          </a:p>
+        </p:txBody>
+      </p:sp>
+      <p:sp>
+        <p:nvSpPr>
+          <p:cNvPr id="11" name="TextBox 10"/>
+          <p:cNvSpPr txBox="1"/>
+          <p:nvPr/>
+        </p:nvSpPr>
+        <p:spPr>
+          <a:xfrm>
+            <a:off x="2936557" y="2133600"/>
+            <a:ext cx="418704" cy="369332"/>
+          </a:xfrm>
+          <a:prstGeom prst="rect">
+            <a:avLst/>
+          </a:prstGeom>
+          <a:noFill/>
+        </p:spPr>
+        <p:txBody>
+          <a:bodyPr wrap="none" rtlCol="0">
+            <a:spAutoFit/>
+          </a:bodyPr>
+          <a:lstStyle/>
+          <a:p>
+            <a:r>
+              <a:rPr lang="en-US" dirty="0" smtClean="0"/>
+              <a:t>21</a:t>
+            </a:r>
+            <a:endParaRPr lang="en-US" dirty="0"/>
+          </a:p>
+        </p:txBody>
+      </p:sp>
+      <p:sp>
+        <p:nvSpPr>
+          <p:cNvPr id="12" name="TextBox 11"/>
+          <p:cNvSpPr txBox="1"/>
+          <p:nvPr/>
+        </p:nvSpPr>
+        <p:spPr>
+          <a:xfrm>
+            <a:off x="1562496" y="2882136"/>
+            <a:ext cx="418704" cy="369332"/>
+          </a:xfrm>
+          <a:prstGeom prst="rect">
+            <a:avLst/>
+          </a:prstGeom>
+          <a:noFill/>
+        </p:spPr>
+        <p:txBody>
+          <a:bodyPr wrap="none" rtlCol="0">
+            <a:spAutoFit/>
+          </a:bodyPr>
+          <a:lstStyle/>
+          <a:p>
+            <a:r>
+              <a:rPr lang="en-US" dirty="0" smtClean="0"/>
+              <a:t>23</a:t>
+            </a:r>
+            <a:endParaRPr lang="en-US" dirty="0"/>
+          </a:p>
+        </p:txBody>
+      </p:sp>
+      <p:sp>
+        <p:nvSpPr>
+          <p:cNvPr id="15" name="TextBox 14"/>
+          <p:cNvSpPr txBox="1"/>
+          <p:nvPr/>
+        </p:nvSpPr>
+        <p:spPr>
+          <a:xfrm>
+            <a:off x="5034167" y="2318266"/>
+            <a:ext cx="418704" cy="369332"/>
+          </a:xfrm>
+          <a:prstGeom prst="rect">
+            <a:avLst/>
+          </a:prstGeom>
+          <a:noFill/>
+        </p:spPr>
+        <p:txBody>
+          <a:bodyPr wrap="none" rtlCol="0">
+            <a:spAutoFit/>
+          </a:bodyPr>
+          <a:lstStyle/>
+          <a:p>
+            <a:r>
+              <a:rPr lang="en-US" dirty="0" smtClean="0"/>
+              <a:t>20</a:t>
+            </a:r>
+            <a:endParaRPr lang="en-US" dirty="0"/>
+          </a:p>
+        </p:txBody>
+      </p:sp>
+      <p:sp>
+        <p:nvSpPr>
+          <p:cNvPr id="16" name="TextBox 15"/>
+          <p:cNvSpPr txBox="1"/>
+          <p:nvPr/>
+        </p:nvSpPr>
+        <p:spPr>
+          <a:xfrm>
+            <a:off x="6477000" y="3284033"/>
+            <a:ext cx="418704" cy="369332"/>
+          </a:xfrm>
+          <a:prstGeom prst="rect">
+            <a:avLst/>
+          </a:prstGeom>
+          <a:noFill/>
+        </p:spPr>
+        <p:txBody>
+          <a:bodyPr wrap="none" rtlCol="0">
+            <a:spAutoFit/>
+          </a:bodyPr>
+          <a:lstStyle/>
+          <a:p>
+            <a:r>
+              <a:rPr lang="en-US" dirty="0" smtClean="0"/>
+              <a:t>19</a:t>
+            </a:r>
+            <a:endParaRPr lang="en-US" dirty="0"/>
+          </a:p>
+        </p:txBody>
+      </p:sp>
+      <p:sp>
+        <p:nvSpPr>
+          <p:cNvPr id="17" name="TextBox 16"/>
+          <p:cNvSpPr txBox="1"/>
+          <p:nvPr/>
+        </p:nvSpPr>
+        <p:spPr>
+          <a:xfrm>
+            <a:off x="3914131" y="6096000"/>
+            <a:ext cx="418704" cy="369332"/>
+          </a:xfrm>
+          <a:prstGeom prst="rect">
+            <a:avLst/>
+          </a:prstGeom>
+          <a:noFill/>
+        </p:spPr>
+        <p:txBody>
+          <a:bodyPr wrap="none" rtlCol="0">
+            <a:spAutoFit/>
+          </a:bodyPr>
+          <a:lstStyle/>
+          <a:p>
+            <a:r>
+              <a:rPr lang="en-US" dirty="0" smtClean="0"/>
+              <a:t>15</a:t>
+            </a:r>
+            <a:endParaRPr lang="en-US" dirty="0"/>
+          </a:p>
+        </p:txBody>
+      </p:sp>
+      <p:sp>
+        <p:nvSpPr>
+          <p:cNvPr id="18" name="TextBox 17"/>
+          <p:cNvSpPr txBox="1"/>
+          <p:nvPr/>
+        </p:nvSpPr>
+        <p:spPr>
+          <a:xfrm>
+            <a:off x="1490026" y="4906618"/>
+            <a:ext cx="418704" cy="369332"/>
+          </a:xfrm>
+          <a:prstGeom prst="rect">
+            <a:avLst/>
+          </a:prstGeom>
+          <a:noFill/>
+        </p:spPr>
+        <p:txBody>
+          <a:bodyPr wrap="none" rtlCol="0">
+            <a:spAutoFit/>
+          </a:bodyPr>
+          <a:lstStyle/>
+          <a:p>
+            <a:r>
+              <a:rPr lang="en-US" dirty="0" smtClean="0"/>
+              <a:t>16</a:t>
+            </a:r>
+            <a:endParaRPr lang="en-US" dirty="0"/>
+          </a:p>
+        </p:txBody>
+      </p:sp>
+      <p:sp>
+        <p:nvSpPr>
+          <p:cNvPr id="19" name="TextBox 18"/>
+          <p:cNvSpPr txBox="1"/>
+          <p:nvPr/>
+        </p:nvSpPr>
+        <p:spPr>
+          <a:xfrm>
+            <a:off x="5333601" y="4372498"/>
+            <a:ext cx="418704" cy="369332"/>
+          </a:xfrm>
+          <a:prstGeom prst="rect">
+            <a:avLst/>
+          </a:prstGeom>
+          <a:noFill/>
+        </p:spPr>
+        <p:txBody>
+          <a:bodyPr wrap="none" rtlCol="0">
+            <a:spAutoFit/>
+          </a:bodyPr>
+          <a:lstStyle/>
+          <a:p>
+            <a:r>
+              <a:rPr lang="en-US" dirty="0" smtClean="0"/>
+              <a:t>14</a:t>
+            </a:r>
+            <a:endParaRPr lang="en-US" dirty="0"/>
+          </a:p>
+        </p:txBody>
+      </p:sp>
+      <p:sp>
+        <p:nvSpPr>
+          <p:cNvPr id="20" name="Oval 19"/>
+          <p:cNvSpPr/>
+          <p:nvPr/>
+        </p:nvSpPr>
+        <p:spPr>
+          <a:xfrm>
+            <a:off x="3200400" y="2706756"/>
+            <a:ext cx="304800" cy="304800"/>
+          </a:xfrm>
+          <a:prstGeom prst="ellipse">
+            <a:avLst/>
+          </a:prstGeom>
+          <a:noFill/>
+          <a:ln>
+            <a:prstDash val="sysDash"/>
+          </a:ln>
+        </p:spPr>
+        <p:style>
+          <a:lnRef idx="2">
+            <a:schemeClr val="accent1">
+              <a:shade val="50000"/>
+            </a:schemeClr>
+          </a:lnRef>
+          <a:fillRef idx="1">
+            <a:schemeClr val="accent1"/>
+          </a:fillRef>
+          <a:effectRef idx="0">
+            <a:schemeClr val="accent1"/>
+          </a:effectRef>
+          <a:fontRef idx="minor">
+            <a:schemeClr val="lt1"/>
+          </a:fontRef>
+        </p:style>
+        <p:txBody>
+          <a:bodyPr rtlCol="0" anchor="ctr"/>
+          <a:lstStyle/>
+          <a:p>
+            <a:pPr algn="ctr"/>
+            <a:endParaRPr lang="en-US"/>
+          </a:p>
+        </p:txBody>
+      </p:sp>
+    </p:spTree>
+    <p:extLst>
+      <p:ext uri="{BB962C8B-B14F-4D97-AF65-F5344CB8AC3E}">
+        <p14:creationId xmlns:p14="http://schemas.microsoft.com/office/powerpoint/2010/main" val="606492918"/>
+      </p:ext>
+    </p:extLst>
+  </p:cSld>
+  <p:clrMapOvr>
+    <a:masterClrMapping/>
+  </p:clrMapOvr>
+</p:sld>
+</file>
+
+<file path=ppt/slides/slide60.xml><?xml version="1.0" encoding="utf-8"?>
+<p:sld xmlns:a="http://schemas.openxmlformats.org/drawingml/2006/main" xmlns:r="http://schemas.openxmlformats.org/officeDocument/2006/relationships" xmlns:p="http://schemas.openxmlformats.org/presentationml/2006/main">
+  <p:cSld>
+    <p:spTree>
+      <p:nvGrpSpPr>
+        <p:cNvPr id="1" name=""/>
+        <p:cNvGrpSpPr/>
+        <p:nvPr/>
+      </p:nvGrpSpPr>
+      <p:grpSpPr>
+        <a:xfrm>
+          <a:off x="0" y="0"/>
+          <a:ext cx="0" cy="0"/>
+          <a:chOff x="0" y="0"/>
+          <a:chExt cx="0" cy="0"/>
+        </a:xfrm>
+      </p:grpSpPr>
+      <p:sp>
+        <p:nvSpPr>
+          <p:cNvPr id="2" name="TextBox 1"/>
+          <p:cNvSpPr txBox="1"/>
+          <p:nvPr/>
+        </p:nvSpPr>
+        <p:spPr>
+          <a:xfrm>
+            <a:off x="1" y="-13195"/>
+            <a:ext cx="9144000" cy="584775"/>
+          </a:xfrm>
+          <a:prstGeom prst="rect">
+            <a:avLst/>
+          </a:prstGeom>
+          <a:noFill/>
+        </p:spPr>
+        <p:txBody>
+          <a:bodyPr wrap="square" rtlCol="0">
+            <a:spAutoFit/>
+          </a:bodyPr>
+          <a:lstStyle/>
+          <a:p>
+            <a:r>
+              <a:rPr lang="ja-JP" altLang="en-US" sz="3200" dirty="0" smtClean="0"/>
               <a:t>類似</a:t>
             </a:r>
             <a:r>
@@ -17805,7 +19237,7 @@
 </p:sld>
 </file>
 
-<file path=ppt/slides/slide59.xml><?xml version="1.0" encoding="utf-8"?>
+<file path=ppt/slides/slide61.xml><?xml version="1.0" encoding="utf-8"?>
 <p:sld xmlns:a="http://schemas.openxmlformats.org/drawingml/2006/main" xmlns:r="http://schemas.openxmlformats.org/officeDocument/2006/relationships" xmlns:p="http://schemas.openxmlformats.org/presentationml/2006/main">
   <p:cSld>
     <p:spTree>
@@ -18908,630 +20340,7 @@
 </p:sld>
 </file>
 
-<file path=ppt/slides/slide6.xml><?xml version="1.0" encoding="utf-8"?>
-<p:sld xmlns:a="http://schemas.openxmlformats.org/drawingml/2006/main" xmlns:r="http://schemas.openxmlformats.org/officeDocument/2006/relationships" xmlns:p="http://schemas.openxmlformats.org/presentationml/2006/main">
-  <p:cSld>
-    <p:spTree>
-      <p:nvGrpSpPr>
-        <p:cNvPr id="1" name=""/>
-        <p:cNvGrpSpPr/>
-        <p:nvPr/>
-      </p:nvGrpSpPr>
-      <p:grpSpPr>
-        <a:xfrm>
-          <a:off x="0" y="0"/>
-          <a:ext cx="0" cy="0"/>
-          <a:chOff x="0" y="0"/>
-          <a:chExt cx="0" cy="0"/>
-        </a:xfrm>
-      </p:grpSpPr>
-      <p:pic>
-        <p:nvPicPr>
-          <p:cNvPr id="3074" name="Picture 2"/>
-          <p:cNvPicPr>
-            <a:picLocks noChangeAspect="1" noChangeArrowheads="1"/>
-          </p:cNvPicPr>
-          <p:nvPr/>
-        </p:nvPicPr>
-        <p:blipFill>
-          <a:blip r:embed="rId2">
-            <a:extLst>
-              <a:ext uri="{28A0092B-C50C-407E-A947-70E740481C1C}">
-                <a14:useLocalDpi xmlns:a14="http://schemas.microsoft.com/office/drawing/2010/main" val="0"/>
-              </a:ext>
-            </a:extLst>
-          </a:blip>
-          <a:srcRect/>
-          <a:stretch>
-            <a:fillRect/>
-          </a:stretch>
-        </p:blipFill>
-        <p:spPr bwMode="auto">
-          <a:xfrm>
-            <a:off x="1981200" y="1828800"/>
-            <a:ext cx="5029200" cy="5029200"/>
-          </a:xfrm>
-          <a:prstGeom prst="rect">
-            <a:avLst/>
-          </a:prstGeom>
-          <a:noFill/>
-          <a:ln>
-            <a:noFill/>
-          </a:ln>
-          <a:extLst>
-            <a:ext uri="{909E8E84-426E-40DD-AFC4-6F175D3DCCD1}">
-              <a14:hiddenFill xmlns:a14="http://schemas.microsoft.com/office/drawing/2010/main">
-                <a:solidFill>
-                  <a:schemeClr val="accent1"/>
-                </a:solidFill>
-              </a14:hiddenFill>
-            </a:ext>
-            <a:ext uri="{91240B29-F687-4F45-9708-019B960494DF}">
-              <a14:hiddenLine xmlns:a14="http://schemas.microsoft.com/office/drawing/2010/main" w="9525">
-                <a:solidFill>
-                  <a:schemeClr val="tx1"/>
-                </a:solidFill>
-                <a:miter lim="800000"/>
-                <a:headEnd/>
-                <a:tailEnd/>
-              </a14:hiddenLine>
-            </a:ext>
-          </a:extLst>
-        </p:spPr>
-      </p:pic>
-      <p:sp>
-        <p:nvSpPr>
-          <p:cNvPr id="3" name="TextBox 2"/>
-          <p:cNvSpPr txBox="1"/>
-          <p:nvPr/>
-        </p:nvSpPr>
-        <p:spPr>
-          <a:xfrm>
-            <a:off x="0" y="-13195"/>
-            <a:ext cx="7585731" cy="1569660"/>
-          </a:xfrm>
-          <a:prstGeom prst="rect">
-            <a:avLst/>
-          </a:prstGeom>
-          <a:noFill/>
-        </p:spPr>
-        <p:txBody>
-          <a:bodyPr wrap="none" rtlCol="0">
-            <a:spAutoFit/>
-          </a:bodyPr>
-          <a:lstStyle/>
-          <a:p>
-            <a:r>
-              <a:rPr lang="ja-JP" altLang="en-US" sz="3200" dirty="0" smtClean="0"/>
-              <a:t>道路の生成（</a:t>
-            </a:r>
-            <a:r>
-              <a:rPr lang="en-US" altLang="ja-JP" sz="3200" dirty="0" smtClean="0"/>
-              <a:t>Avenue</a:t>
-            </a:r>
-            <a:r>
-              <a:rPr lang="ja-JP" altLang="en-US" sz="3200" dirty="0" smtClean="0"/>
-              <a:t>）</a:t>
-            </a:r>
-            <a:endParaRPr lang="en-US" altLang="ja-JP" sz="3200" dirty="0" smtClean="0"/>
-          </a:p>
-          <a:p>
-            <a:r>
-              <a:rPr lang="en-US" altLang="ja-JP" sz="3200" dirty="0" smtClean="0"/>
-              <a:t>Iteration: 6</a:t>
-            </a:r>
-          </a:p>
-          <a:p>
-            <a:r>
-              <a:rPr lang="en-US" altLang="ja-JP" sz="3200" dirty="0" smtClean="0"/>
-              <a:t>Snap: ON</a:t>
-            </a:r>
-            <a:r>
-              <a:rPr lang="ja-JP" altLang="en-US" sz="3200" dirty="0"/>
-              <a:t>　</a:t>
-            </a:r>
-            <a:r>
-              <a:rPr lang="ja-JP" altLang="en-US" sz="3200" dirty="0" smtClean="0"/>
-              <a:t>（</a:t>
-            </a:r>
-            <a:r>
-              <a:rPr lang="en-US" altLang="ja-JP" sz="3200" dirty="0" smtClean="0"/>
-              <a:t>10m</a:t>
-            </a:r>
-            <a:r>
-              <a:rPr lang="ja-JP" altLang="en-US" sz="3200" dirty="0" smtClean="0"/>
-              <a:t>。ただし、最後の点は</a:t>
-            </a:r>
-            <a:r>
-              <a:rPr lang="en-US" altLang="ja-JP" sz="3200" dirty="0" smtClean="0"/>
-              <a:t>40m</a:t>
-            </a:r>
-            <a:r>
-              <a:rPr lang="ja-JP" altLang="en-US" sz="3200" dirty="0" smtClean="0"/>
-              <a:t>）</a:t>
-            </a:r>
-            <a:endParaRPr lang="en-US" altLang="ja-JP" sz="3200" dirty="0" smtClean="0"/>
-          </a:p>
-        </p:txBody>
-      </p:sp>
-      <p:sp>
-        <p:nvSpPr>
-          <p:cNvPr id="4" name="TextBox 3"/>
-          <p:cNvSpPr txBox="1"/>
-          <p:nvPr/>
-        </p:nvSpPr>
-        <p:spPr>
-          <a:xfrm>
-            <a:off x="3357471" y="4240840"/>
-            <a:ext cx="301686" cy="369332"/>
-          </a:xfrm>
-          <a:prstGeom prst="rect">
-            <a:avLst/>
-          </a:prstGeom>
-          <a:noFill/>
-        </p:spPr>
-        <p:txBody>
-          <a:bodyPr wrap="none" rtlCol="0">
-            <a:spAutoFit/>
-          </a:bodyPr>
-          <a:lstStyle/>
-          <a:p>
-            <a:r>
-              <a:rPr lang="en-US" dirty="0" smtClean="0"/>
-              <a:t>4</a:t>
-            </a:r>
-            <a:endParaRPr lang="en-US" dirty="0"/>
-          </a:p>
-        </p:txBody>
-      </p:sp>
-      <p:sp>
-        <p:nvSpPr>
-          <p:cNvPr id="5" name="TextBox 4"/>
-          <p:cNvSpPr txBox="1"/>
-          <p:nvPr/>
-        </p:nvSpPr>
-        <p:spPr>
-          <a:xfrm>
-            <a:off x="3293206" y="3871508"/>
-            <a:ext cx="301686" cy="369332"/>
-          </a:xfrm>
-          <a:prstGeom prst="rect">
-            <a:avLst/>
-          </a:prstGeom>
-          <a:noFill/>
-        </p:spPr>
-        <p:txBody>
-          <a:bodyPr wrap="none" rtlCol="0">
-            <a:spAutoFit/>
-          </a:bodyPr>
-          <a:lstStyle/>
-          <a:p>
-            <a:r>
-              <a:rPr lang="en-US" dirty="0" smtClean="0"/>
-              <a:t>5</a:t>
-            </a:r>
-            <a:endParaRPr lang="en-US" dirty="0"/>
-          </a:p>
-        </p:txBody>
-      </p:sp>
-      <p:sp>
-        <p:nvSpPr>
-          <p:cNvPr id="6" name="TextBox 5"/>
-          <p:cNvSpPr txBox="1"/>
-          <p:nvPr/>
-        </p:nvSpPr>
-        <p:spPr>
-          <a:xfrm>
-            <a:off x="5337114" y="4019922"/>
-            <a:ext cx="301686" cy="369332"/>
-          </a:xfrm>
-          <a:prstGeom prst="rect">
-            <a:avLst/>
-          </a:prstGeom>
-          <a:noFill/>
-        </p:spPr>
-        <p:txBody>
-          <a:bodyPr wrap="none" rtlCol="0">
-            <a:spAutoFit/>
-          </a:bodyPr>
-          <a:lstStyle/>
-          <a:p>
-            <a:r>
-              <a:rPr lang="en-US" dirty="0" smtClean="0"/>
-              <a:t>6</a:t>
-            </a:r>
-            <a:endParaRPr lang="en-US" dirty="0"/>
-          </a:p>
-        </p:txBody>
-      </p:sp>
-      <p:sp>
-        <p:nvSpPr>
-          <p:cNvPr id="7" name="TextBox 6"/>
-          <p:cNvSpPr txBox="1"/>
-          <p:nvPr/>
-        </p:nvSpPr>
-        <p:spPr>
-          <a:xfrm>
-            <a:off x="3444049" y="4762572"/>
-            <a:ext cx="301686" cy="369332"/>
-          </a:xfrm>
-          <a:prstGeom prst="rect">
-            <a:avLst/>
-          </a:prstGeom>
-          <a:noFill/>
-        </p:spPr>
-        <p:txBody>
-          <a:bodyPr wrap="none" rtlCol="0">
-            <a:spAutoFit/>
-          </a:bodyPr>
-          <a:lstStyle/>
-          <a:p>
-            <a:r>
-              <a:rPr lang="en-US" dirty="0" smtClean="0"/>
-              <a:t>7</a:t>
-            </a:r>
-            <a:endParaRPr lang="en-US" dirty="0"/>
-          </a:p>
-        </p:txBody>
-      </p:sp>
-      <p:sp>
-        <p:nvSpPr>
-          <p:cNvPr id="8" name="TextBox 7"/>
-          <p:cNvSpPr txBox="1"/>
-          <p:nvPr/>
-        </p:nvSpPr>
-        <p:spPr>
-          <a:xfrm>
-            <a:off x="5196010" y="3650590"/>
-            <a:ext cx="301686" cy="369332"/>
-          </a:xfrm>
-          <a:prstGeom prst="rect">
-            <a:avLst/>
-          </a:prstGeom>
-          <a:noFill/>
-        </p:spPr>
-        <p:txBody>
-          <a:bodyPr wrap="none" rtlCol="0">
-            <a:spAutoFit/>
-          </a:bodyPr>
-          <a:lstStyle/>
-          <a:p>
-            <a:r>
-              <a:rPr lang="en-US" dirty="0" smtClean="0"/>
-              <a:t>8</a:t>
-            </a:r>
-            <a:endParaRPr lang="en-US" dirty="0"/>
-          </a:p>
-        </p:txBody>
-      </p:sp>
-      <p:sp>
-        <p:nvSpPr>
-          <p:cNvPr id="9" name="TextBox 8"/>
-          <p:cNvSpPr txBox="1"/>
-          <p:nvPr/>
-        </p:nvSpPr>
-        <p:spPr>
-          <a:xfrm>
-            <a:off x="2898714" y="2514600"/>
-            <a:ext cx="301686" cy="369332"/>
-          </a:xfrm>
-          <a:prstGeom prst="rect">
-            <a:avLst/>
-          </a:prstGeom>
-          <a:noFill/>
-        </p:spPr>
-        <p:txBody>
-          <a:bodyPr wrap="none" rtlCol="0">
-            <a:spAutoFit/>
-          </a:bodyPr>
-          <a:lstStyle/>
-          <a:p>
-            <a:r>
-              <a:rPr lang="en-US" dirty="0" smtClean="0"/>
-              <a:t>9</a:t>
-            </a:r>
-            <a:endParaRPr lang="en-US" dirty="0"/>
-          </a:p>
-        </p:txBody>
-      </p:sp>
-      <p:sp>
-        <p:nvSpPr>
-          <p:cNvPr id="10" name="TextBox 9"/>
-          <p:cNvSpPr txBox="1"/>
-          <p:nvPr/>
-        </p:nvSpPr>
-        <p:spPr>
-          <a:xfrm>
-            <a:off x="1712630" y="4205639"/>
-            <a:ext cx="418704" cy="369332"/>
-          </a:xfrm>
-          <a:prstGeom prst="rect">
-            <a:avLst/>
-          </a:prstGeom>
-          <a:noFill/>
-        </p:spPr>
-        <p:txBody>
-          <a:bodyPr wrap="none" rtlCol="0">
-            <a:spAutoFit/>
-          </a:bodyPr>
-          <a:lstStyle/>
-          <a:p>
-            <a:r>
-              <a:rPr lang="en-US" dirty="0" smtClean="0"/>
-              <a:t>10</a:t>
-            </a:r>
-            <a:endParaRPr lang="en-US" dirty="0"/>
-          </a:p>
-        </p:txBody>
-      </p:sp>
-      <p:sp>
-        <p:nvSpPr>
-          <p:cNvPr id="11" name="TextBox 10"/>
-          <p:cNvSpPr txBox="1"/>
-          <p:nvPr/>
-        </p:nvSpPr>
-        <p:spPr>
-          <a:xfrm>
-            <a:off x="2936557" y="2133600"/>
-            <a:ext cx="418704" cy="369332"/>
-          </a:xfrm>
-          <a:prstGeom prst="rect">
-            <a:avLst/>
-          </a:prstGeom>
-          <a:noFill/>
-        </p:spPr>
-        <p:txBody>
-          <a:bodyPr wrap="none" rtlCol="0">
-            <a:spAutoFit/>
-          </a:bodyPr>
-          <a:lstStyle/>
-          <a:p>
-            <a:r>
-              <a:rPr lang="en-US" dirty="0" smtClean="0"/>
-              <a:t>21</a:t>
-            </a:r>
-            <a:endParaRPr lang="en-US" dirty="0"/>
-          </a:p>
-        </p:txBody>
-      </p:sp>
-      <p:sp>
-        <p:nvSpPr>
-          <p:cNvPr id="12" name="TextBox 11"/>
-          <p:cNvSpPr txBox="1"/>
-          <p:nvPr/>
-        </p:nvSpPr>
-        <p:spPr>
-          <a:xfrm>
-            <a:off x="1562496" y="2882136"/>
-            <a:ext cx="418704" cy="369332"/>
-          </a:xfrm>
-          <a:prstGeom prst="rect">
-            <a:avLst/>
-          </a:prstGeom>
-          <a:noFill/>
-        </p:spPr>
-        <p:txBody>
-          <a:bodyPr wrap="none" rtlCol="0">
-            <a:spAutoFit/>
-          </a:bodyPr>
-          <a:lstStyle/>
-          <a:p>
-            <a:r>
-              <a:rPr lang="en-US" dirty="0" smtClean="0"/>
-              <a:t>23</a:t>
-            </a:r>
-            <a:endParaRPr lang="en-US" dirty="0"/>
-          </a:p>
-        </p:txBody>
-      </p:sp>
-      <p:sp>
-        <p:nvSpPr>
-          <p:cNvPr id="15" name="TextBox 14"/>
-          <p:cNvSpPr txBox="1"/>
-          <p:nvPr/>
-        </p:nvSpPr>
-        <p:spPr>
-          <a:xfrm>
-            <a:off x="5034167" y="2318266"/>
-            <a:ext cx="418704" cy="369332"/>
-          </a:xfrm>
-          <a:prstGeom prst="rect">
-            <a:avLst/>
-          </a:prstGeom>
-          <a:noFill/>
-        </p:spPr>
-        <p:txBody>
-          <a:bodyPr wrap="none" rtlCol="0">
-            <a:spAutoFit/>
-          </a:bodyPr>
-          <a:lstStyle/>
-          <a:p>
-            <a:r>
-              <a:rPr lang="en-US" dirty="0" smtClean="0"/>
-              <a:t>20</a:t>
-            </a:r>
-            <a:endParaRPr lang="en-US" dirty="0"/>
-          </a:p>
-        </p:txBody>
-      </p:sp>
-      <p:sp>
-        <p:nvSpPr>
-          <p:cNvPr id="16" name="TextBox 15"/>
-          <p:cNvSpPr txBox="1"/>
-          <p:nvPr/>
-        </p:nvSpPr>
-        <p:spPr>
-          <a:xfrm>
-            <a:off x="6477000" y="3284033"/>
-            <a:ext cx="418704" cy="369332"/>
-          </a:xfrm>
-          <a:prstGeom prst="rect">
-            <a:avLst/>
-          </a:prstGeom>
-          <a:noFill/>
-        </p:spPr>
-        <p:txBody>
-          <a:bodyPr wrap="none" rtlCol="0">
-            <a:spAutoFit/>
-          </a:bodyPr>
-          <a:lstStyle/>
-          <a:p>
-            <a:r>
-              <a:rPr lang="en-US" dirty="0" smtClean="0"/>
-              <a:t>19</a:t>
-            </a:r>
-            <a:endParaRPr lang="en-US" dirty="0"/>
-          </a:p>
-        </p:txBody>
-      </p:sp>
-      <p:sp>
-        <p:nvSpPr>
-          <p:cNvPr id="17" name="TextBox 16"/>
-          <p:cNvSpPr txBox="1"/>
-          <p:nvPr/>
-        </p:nvSpPr>
-        <p:spPr>
-          <a:xfrm>
-            <a:off x="3914131" y="6096000"/>
-            <a:ext cx="418704" cy="369332"/>
-          </a:xfrm>
-          <a:prstGeom prst="rect">
-            <a:avLst/>
-          </a:prstGeom>
-          <a:noFill/>
-        </p:spPr>
-        <p:txBody>
-          <a:bodyPr wrap="none" rtlCol="0">
-            <a:spAutoFit/>
-          </a:bodyPr>
-          <a:lstStyle/>
-          <a:p>
-            <a:r>
-              <a:rPr lang="en-US" dirty="0" smtClean="0"/>
-              <a:t>15</a:t>
-            </a:r>
-            <a:endParaRPr lang="en-US" dirty="0"/>
-          </a:p>
-        </p:txBody>
-      </p:sp>
-      <p:sp>
-        <p:nvSpPr>
-          <p:cNvPr id="18" name="TextBox 17"/>
-          <p:cNvSpPr txBox="1"/>
-          <p:nvPr/>
-        </p:nvSpPr>
-        <p:spPr>
-          <a:xfrm>
-            <a:off x="1490026" y="4906618"/>
-            <a:ext cx="418704" cy="369332"/>
-          </a:xfrm>
-          <a:prstGeom prst="rect">
-            <a:avLst/>
-          </a:prstGeom>
-          <a:noFill/>
-        </p:spPr>
-        <p:txBody>
-          <a:bodyPr wrap="none" rtlCol="0">
-            <a:spAutoFit/>
-          </a:bodyPr>
-          <a:lstStyle/>
-          <a:p>
-            <a:r>
-              <a:rPr lang="en-US" dirty="0" smtClean="0"/>
-              <a:t>16</a:t>
-            </a:r>
-            <a:endParaRPr lang="en-US" dirty="0"/>
-          </a:p>
-        </p:txBody>
-      </p:sp>
-      <p:sp>
-        <p:nvSpPr>
-          <p:cNvPr id="19" name="TextBox 18"/>
-          <p:cNvSpPr txBox="1"/>
-          <p:nvPr/>
-        </p:nvSpPr>
-        <p:spPr>
-          <a:xfrm>
-            <a:off x="5333601" y="4372498"/>
-            <a:ext cx="418704" cy="369332"/>
-          </a:xfrm>
-          <a:prstGeom prst="rect">
-            <a:avLst/>
-          </a:prstGeom>
-          <a:noFill/>
-        </p:spPr>
-        <p:txBody>
-          <a:bodyPr wrap="none" rtlCol="0">
-            <a:spAutoFit/>
-          </a:bodyPr>
-          <a:lstStyle/>
-          <a:p>
-            <a:r>
-              <a:rPr lang="en-US" dirty="0" smtClean="0"/>
-              <a:t>14</a:t>
-            </a:r>
-            <a:endParaRPr lang="en-US" dirty="0"/>
-          </a:p>
-        </p:txBody>
-      </p:sp>
-      <p:sp>
-        <p:nvSpPr>
-          <p:cNvPr id="20" name="Oval 19"/>
-          <p:cNvSpPr/>
-          <p:nvPr/>
-        </p:nvSpPr>
-        <p:spPr>
-          <a:xfrm>
-            <a:off x="3200400" y="2706756"/>
-            <a:ext cx="304800" cy="304800"/>
-          </a:xfrm>
-          <a:prstGeom prst="ellipse">
-            <a:avLst/>
-          </a:prstGeom>
-          <a:noFill/>
-          <a:ln>
-            <a:prstDash val="sysDash"/>
-          </a:ln>
-        </p:spPr>
-        <p:style>
-          <a:lnRef idx="2">
-            <a:schemeClr val="accent1">
-              <a:shade val="50000"/>
-            </a:schemeClr>
-          </a:lnRef>
-          <a:fillRef idx="1">
-            <a:schemeClr val="accent1"/>
-          </a:fillRef>
-          <a:effectRef idx="0">
-            <a:schemeClr val="accent1"/>
-          </a:effectRef>
-          <a:fontRef idx="minor">
-            <a:schemeClr val="lt1"/>
-          </a:fontRef>
-        </p:style>
-        <p:txBody>
-          <a:bodyPr rtlCol="0" anchor="ctr"/>
-          <a:lstStyle/>
-          <a:p>
-            <a:pPr algn="ctr"/>
-            <a:endParaRPr lang="en-US"/>
-          </a:p>
-        </p:txBody>
-      </p:sp>
-    </p:spTree>
-    <p:extLst>
-      <p:ext uri="{BB962C8B-B14F-4D97-AF65-F5344CB8AC3E}">
-        <p14:creationId xmlns:p14="http://schemas.microsoft.com/office/powerpoint/2010/main" val="606492918"/>
-      </p:ext>
-    </p:extLst>
-  </p:cSld>
-  <p:clrMapOvr>
-    <a:masterClrMapping/>
-  </p:clrMapOvr>
-</p:sld>
-</file>
-
-<file path=ppt/slides/slide60.xml><?xml version="1.0" encoding="utf-8"?>
+<file path=ppt/slides/slide62.xml><?xml version="1.0" encoding="utf-8"?>
 <p:sld xmlns:a="http://schemas.openxmlformats.org/drawingml/2006/main" xmlns:r="http://schemas.openxmlformats.org/officeDocument/2006/relationships" xmlns:p="http://schemas.openxmlformats.org/presentationml/2006/main">
   <p:cSld>
     <p:spTree>
@@ -20328,7 +21137,7 @@
 </p:sld>
 </file>
 
-<file path=ppt/slides/slide61.xml><?xml version="1.0" encoding="utf-8"?>
+<file path=ppt/slides/slide63.xml><?xml version="1.0" encoding="utf-8"?>
 <p:sld xmlns:a="http://schemas.openxmlformats.org/drawingml/2006/main" xmlns:r="http://schemas.openxmlformats.org/officeDocument/2006/relationships" xmlns:p="http://schemas.openxmlformats.org/presentationml/2006/main">
   <p:cSld>
     <p:spTree>
@@ -21242,7 +22051,7 @@
 </p:sld>
 </file>
 
-<file path=ppt/slides/slide62.xml><?xml version="1.0" encoding="utf-8"?>
+<file path=ppt/slides/slide64.xml><?xml version="1.0" encoding="utf-8"?>
 <p:sld xmlns:a="http://schemas.openxmlformats.org/drawingml/2006/main" xmlns:r="http://schemas.openxmlformats.org/officeDocument/2006/relationships" xmlns:p="http://schemas.openxmlformats.org/presentationml/2006/main">
   <p:cSld>
     <p:spTree>
@@ -21785,7 +22594,7 @@
 </p:sld>
 </file>
 
-<file path=ppt/slides/slide63.xml><?xml version="1.0" encoding="utf-8"?>
+<file path=ppt/slides/slide65.xml><?xml version="1.0" encoding="utf-8"?>
 <p:sld xmlns:a="http://schemas.openxmlformats.org/drawingml/2006/main" xmlns:r="http://schemas.openxmlformats.org/officeDocument/2006/relationships" xmlns:p="http://schemas.openxmlformats.org/presentationml/2006/main">
   <p:cSld>
     <p:spTree>
@@ -22299,7 +23108,7 @@
 </p:sld>
 </file>
 
-<file path=ppt/slides/slide64.xml><?xml version="1.0" encoding="utf-8"?>
+<file path=ppt/slides/slide66.xml><?xml version="1.0" encoding="utf-8"?>
 <p:sld xmlns:a="http://schemas.openxmlformats.org/drawingml/2006/main" xmlns:r="http://schemas.openxmlformats.org/officeDocument/2006/relationships" xmlns:p="http://schemas.openxmlformats.org/presentationml/2006/main">
   <p:cSld>
     <p:spTree>
@@ -22753,7 +23562,7 @@
 </p:sld>
 </file>
 
-<file path=ppt/slides/slide65.xml><?xml version="1.0" encoding="utf-8"?>
+<file path=ppt/slides/slide67.xml><?xml version="1.0" encoding="utf-8"?>
 <p:sld xmlns:a="http://schemas.openxmlformats.org/drawingml/2006/main" xmlns:r="http://schemas.openxmlformats.org/officeDocument/2006/relationships" xmlns:p="http://schemas.openxmlformats.org/presentationml/2006/main">
   <p:cSld>
     <p:spTree>
@@ -23500,7 +24309,7 @@
 </p:sld>
 </file>
 
-<file path=ppt/slides/slide66.xml><?xml version="1.0" encoding="utf-8"?>
+<file path=ppt/slides/slide68.xml><?xml version="1.0" encoding="utf-8"?>
 <p:sld xmlns:a="http://schemas.openxmlformats.org/drawingml/2006/main" xmlns:r="http://schemas.openxmlformats.org/officeDocument/2006/relationships" xmlns:p="http://schemas.openxmlformats.org/presentationml/2006/main">
   <p:cSld>
     <p:spTree>

--- a/RoadDesigner.pptx
+++ b/RoadDesigner.pptx
@@ -64,18 +64,22 @@
     <p:sldId id="325" r:id="rId58"/>
     <p:sldId id="326" r:id="rId59"/>
     <p:sldId id="327" r:id="rId60"/>
-    <p:sldId id="315" r:id="rId61"/>
-    <p:sldId id="316" r:id="rId62"/>
-    <p:sldId id="301" r:id="rId63"/>
-    <p:sldId id="302" r:id="rId64"/>
-    <p:sldId id="268" r:id="rId65"/>
-    <p:sldId id="269" r:id="rId66"/>
-    <p:sldId id="275" r:id="rId67"/>
-    <p:sldId id="270" r:id="rId68"/>
-    <p:sldId id="317" r:id="rId69"/>
+    <p:sldId id="328" r:id="rId61"/>
+    <p:sldId id="329" r:id="rId62"/>
+    <p:sldId id="330" r:id="rId63"/>
+    <p:sldId id="331" r:id="rId64"/>
+    <p:sldId id="315" r:id="rId65"/>
+    <p:sldId id="316" r:id="rId66"/>
+    <p:sldId id="301" r:id="rId67"/>
+    <p:sldId id="302" r:id="rId68"/>
+    <p:sldId id="268" r:id="rId69"/>
+    <p:sldId id="269" r:id="rId70"/>
+    <p:sldId id="275" r:id="rId71"/>
+    <p:sldId id="270" r:id="rId72"/>
+    <p:sldId id="317" r:id="rId73"/>
   </p:sldIdLst>
   <p:sldSz cx="9144000" cy="6858000" type="screen4x3"/>
-  <p:notesSz cx="7010400" cy="9296400"/>
+  <p:notesSz cx="6997700" cy="9283700"/>
   <p:defaultTextStyle>
     <a:defPPr>
       <a:defRPr lang="en-US"/>
@@ -355,7 +359,7 @@
           <a:p>
             <a:fld id="{2F0C258B-7F9F-4882-BAC1-54AC507C7770}" type="datetimeFigureOut">
               <a:rPr lang="en-US" smtClean="0"/>
-              <a:t>2/20/2014</a:t>
+              <a:t>2/21/2014</a:t>
             </a:fld>
             <a:endParaRPr lang="en-US"/>
           </a:p>
@@ -525,7 +529,7 @@
           <a:p>
             <a:fld id="{2F0C258B-7F9F-4882-BAC1-54AC507C7770}" type="datetimeFigureOut">
               <a:rPr lang="en-US" smtClean="0"/>
-              <a:t>2/20/2014</a:t>
+              <a:t>2/21/2014</a:t>
             </a:fld>
             <a:endParaRPr lang="en-US"/>
           </a:p>
@@ -705,7 +709,7 @@
           <a:p>
             <a:fld id="{2F0C258B-7F9F-4882-BAC1-54AC507C7770}" type="datetimeFigureOut">
               <a:rPr lang="en-US" smtClean="0"/>
-              <a:t>2/20/2014</a:t>
+              <a:t>2/21/2014</a:t>
             </a:fld>
             <a:endParaRPr lang="en-US"/>
           </a:p>
@@ -875,7 +879,7 @@
           <a:p>
             <a:fld id="{2F0C258B-7F9F-4882-BAC1-54AC507C7770}" type="datetimeFigureOut">
               <a:rPr lang="en-US" smtClean="0"/>
-              <a:t>2/20/2014</a:t>
+              <a:t>2/21/2014</a:t>
             </a:fld>
             <a:endParaRPr lang="en-US"/>
           </a:p>
@@ -1121,7 +1125,7 @@
           <a:p>
             <a:fld id="{2F0C258B-7F9F-4882-BAC1-54AC507C7770}" type="datetimeFigureOut">
               <a:rPr lang="en-US" smtClean="0"/>
-              <a:t>2/20/2014</a:t>
+              <a:t>2/21/2014</a:t>
             </a:fld>
             <a:endParaRPr lang="en-US"/>
           </a:p>
@@ -1409,7 +1413,7 @@
           <a:p>
             <a:fld id="{2F0C258B-7F9F-4882-BAC1-54AC507C7770}" type="datetimeFigureOut">
               <a:rPr lang="en-US" smtClean="0"/>
-              <a:t>2/20/2014</a:t>
+              <a:t>2/21/2014</a:t>
             </a:fld>
             <a:endParaRPr lang="en-US"/>
           </a:p>
@@ -1831,7 +1835,7 @@
           <a:p>
             <a:fld id="{2F0C258B-7F9F-4882-BAC1-54AC507C7770}" type="datetimeFigureOut">
               <a:rPr lang="en-US" smtClean="0"/>
-              <a:t>2/20/2014</a:t>
+              <a:t>2/21/2014</a:t>
             </a:fld>
             <a:endParaRPr lang="en-US"/>
           </a:p>
@@ -1949,7 +1953,7 @@
           <a:p>
             <a:fld id="{2F0C258B-7F9F-4882-BAC1-54AC507C7770}" type="datetimeFigureOut">
               <a:rPr lang="en-US" smtClean="0"/>
-              <a:t>2/20/2014</a:t>
+              <a:t>2/21/2014</a:t>
             </a:fld>
             <a:endParaRPr lang="en-US"/>
           </a:p>
@@ -2044,7 +2048,7 @@
           <a:p>
             <a:fld id="{2F0C258B-7F9F-4882-BAC1-54AC507C7770}" type="datetimeFigureOut">
               <a:rPr lang="en-US" smtClean="0"/>
-              <a:t>2/20/2014</a:t>
+              <a:t>2/21/2014</a:t>
             </a:fld>
             <a:endParaRPr lang="en-US"/>
           </a:p>
@@ -2321,7 +2325,7 @@
           <a:p>
             <a:fld id="{2F0C258B-7F9F-4882-BAC1-54AC507C7770}" type="datetimeFigureOut">
               <a:rPr lang="en-US" smtClean="0"/>
-              <a:t>2/20/2014</a:t>
+              <a:t>2/21/2014</a:t>
             </a:fld>
             <a:endParaRPr lang="en-US"/>
           </a:p>
@@ -2574,7 +2578,7 @@
           <a:p>
             <a:fld id="{2F0C258B-7F9F-4882-BAC1-54AC507C7770}" type="datetimeFigureOut">
               <a:rPr lang="en-US" smtClean="0"/>
-              <a:t>2/20/2014</a:t>
+              <a:t>2/21/2014</a:t>
             </a:fld>
             <a:endParaRPr lang="en-US"/>
           </a:p>
@@ -2787,7 +2791,7 @@
           <a:p>
             <a:fld id="{2F0C258B-7F9F-4882-BAC1-54AC507C7770}" type="datetimeFigureOut">
               <a:rPr lang="en-US" smtClean="0"/>
-              <a:t>2/20/2014</a:t>
+              <a:t>2/21/2014</a:t>
             </a:fld>
             <a:endParaRPr lang="en-US"/>
           </a:p>
@@ -17764,23 +17768,7 @@
           <a:p>
             <a:r>
               <a:rPr lang="ja-JP" altLang="en-US" sz="3200" dirty="0" smtClean="0"/>
-              <a:t>隣接頂点との共起</a:t>
-            </a:r>
-            <a:r>
-              <a:rPr lang="ja-JP" altLang="en-US" sz="3200" dirty="0" smtClean="0"/>
-              <a:t>性の考慮</a:t>
-            </a:r>
-            <a:r>
-              <a:rPr lang="ja-JP" altLang="en-US" sz="3200" dirty="0" smtClean="0"/>
-              <a:t>が</a:t>
-            </a:r>
-            <a:r>
-              <a:rPr lang="ja-JP" altLang="en-US" sz="3200" dirty="0" smtClean="0"/>
-              <a:t>絶対必要だ</a:t>
-            </a:r>
-            <a:r>
-              <a:rPr lang="ja-JP" altLang="en-US" sz="3200" dirty="0" smtClean="0"/>
-              <a:t>。</a:t>
+              <a:t>隣接頂点との共起性の考慮が絶対必要だ。</a:t>
             </a:r>
             <a:endParaRPr lang="en-US" altLang="ja-JP" sz="3200" dirty="0" smtClean="0"/>
           </a:p>
@@ -18029,7 +18017,7 @@
         </p:nvSpPr>
         <p:spPr>
           <a:xfrm>
-            <a:off x="1" y="-13195"/>
+            <a:off x="1" y="-13196"/>
             <a:ext cx="9144000" cy="584775"/>
           </a:xfrm>
           <a:prstGeom prst="rect">
@@ -18473,7 +18461,7 @@
       </p:grpSpPr>
       <p:pic>
         <p:nvPicPr>
-          <p:cNvPr id="2" name="Picture 4"/>
+          <p:cNvPr id="2050" name="Picture 2"/>
           <p:cNvPicPr>
             <a:picLocks noChangeAspect="1" noChangeArrowheads="1"/>
           </p:cNvPicPr>
@@ -18494,8 +18482,8 @@
         </p:blipFill>
         <p:spPr bwMode="auto">
           <a:xfrm>
-            <a:off x="2057400" y="228600"/>
-            <a:ext cx="4724400" cy="6074229"/>
+            <a:off x="1524000" y="1524000"/>
+            <a:ext cx="5438775" cy="4972389"/>
           </a:xfrm>
           <a:prstGeom prst="rect">
             <a:avLst/>
@@ -18525,10 +18513,55 @@
           </a:extLst>
         </p:spPr>
       </p:pic>
+      <p:sp>
+        <p:nvSpPr>
+          <p:cNvPr id="3" name="TextBox 2"/>
+          <p:cNvSpPr txBox="1"/>
+          <p:nvPr/>
+        </p:nvSpPr>
+        <p:spPr>
+          <a:xfrm>
+            <a:off x="1" y="-13196"/>
+            <a:ext cx="9144000" cy="2062103"/>
+          </a:xfrm>
+          <a:prstGeom prst="rect">
+            <a:avLst/>
+          </a:prstGeom>
+          <a:noFill/>
+        </p:spPr>
+        <p:txBody>
+          <a:bodyPr wrap="square" rtlCol="0">
+            <a:spAutoFit/>
+          </a:bodyPr>
+          <a:lstStyle/>
+          <a:p>
+            <a:r>
+              <a:rPr lang="ja-JP" altLang="en-US" sz="3200" dirty="0"/>
+              <a:t>左</a:t>
+            </a:r>
+            <a:r>
+              <a:rPr lang="ja-JP" altLang="en-US" sz="3200" dirty="0" smtClean="0"/>
+              <a:t>下部の繰り返しの原因は、共起性によるもの。</a:t>
+            </a:r>
+            <a:endParaRPr lang="en-US" altLang="ja-JP" sz="3200" dirty="0" smtClean="0"/>
+          </a:p>
+          <a:p>
+            <a:r>
+              <a:rPr lang="ja-JP" altLang="en-US" sz="3200" dirty="0"/>
+              <a:t>もと</a:t>
+            </a:r>
+            <a:r>
+              <a:rPr lang="ja-JP" altLang="en-US" sz="3200" dirty="0" smtClean="0"/>
+              <a:t>のエリアの一番端のカーネルは、繰り返し使用されてしまう可能性があり、結果として、繰り返しパターンが発生してしまう。</a:t>
+            </a:r>
+            <a:endParaRPr lang="en-US" altLang="ja-JP" sz="3200" dirty="0" smtClean="0"/>
+          </a:p>
+        </p:txBody>
+      </p:sp>
     </p:spTree>
     <p:extLst>
       <p:ext uri="{BB962C8B-B14F-4D97-AF65-F5344CB8AC3E}">
-        <p14:creationId xmlns:p14="http://schemas.microsoft.com/office/powerpoint/2010/main" val="1525899797"/>
+        <p14:creationId xmlns:p14="http://schemas.microsoft.com/office/powerpoint/2010/main" val="123796752"/>
       </p:ext>
     </p:extLst>
   </p:cSld>
@@ -19178,6 +19211,913 @@
           <a:chExt cx="0" cy="0"/>
         </a:xfrm>
       </p:grpSpPr>
+      <p:pic>
+        <p:nvPicPr>
+          <p:cNvPr id="3074" name="Picture 2"/>
+          <p:cNvPicPr>
+            <a:picLocks noChangeAspect="1" noChangeArrowheads="1"/>
+          </p:cNvPicPr>
+          <p:nvPr/>
+        </p:nvPicPr>
+        <p:blipFill>
+          <a:blip r:embed="rId2">
+            <a:extLst>
+              <a:ext uri="{28A0092B-C50C-407E-A947-70E740481C1C}">
+                <a14:useLocalDpi xmlns:a14="http://schemas.microsoft.com/office/drawing/2010/main" val="0"/>
+              </a:ext>
+            </a:extLst>
+          </a:blip>
+          <a:srcRect/>
+          <a:stretch>
+            <a:fillRect/>
+          </a:stretch>
+        </p:blipFill>
+        <p:spPr bwMode="auto">
+          <a:xfrm>
+            <a:off x="541181" y="0"/>
+            <a:ext cx="7917019" cy="6858000"/>
+          </a:xfrm>
+          <a:prstGeom prst="rect">
+            <a:avLst/>
+          </a:prstGeom>
+          <a:noFill/>
+          <a:ln>
+            <a:noFill/>
+          </a:ln>
+          <a:extLst>
+            <a:ext uri="{909E8E84-426E-40DD-AFC4-6F175D3DCCD1}">
+              <a14:hiddenFill xmlns:a14="http://schemas.microsoft.com/office/drawing/2010/main">
+                <a:solidFill>
+                  <a:schemeClr val="accent1"/>
+                </a:solidFill>
+              </a14:hiddenFill>
+            </a:ext>
+            <a:ext uri="{91240B29-F687-4F45-9708-019B960494DF}">
+              <a14:hiddenLine xmlns:a14="http://schemas.microsoft.com/office/drawing/2010/main" w="9525">
+                <a:solidFill>
+                  <a:schemeClr val="tx1"/>
+                </a:solidFill>
+                <a:miter lim="800000"/>
+                <a:headEnd/>
+                <a:tailEnd/>
+              </a14:hiddenLine>
+            </a:ext>
+          </a:extLst>
+        </p:spPr>
+      </p:pic>
+    </p:spTree>
+    <p:extLst>
+      <p:ext uri="{BB962C8B-B14F-4D97-AF65-F5344CB8AC3E}">
+        <p14:creationId xmlns:p14="http://schemas.microsoft.com/office/powerpoint/2010/main" val="1001146948"/>
+      </p:ext>
+    </p:extLst>
+  </p:cSld>
+  <p:clrMapOvr>
+    <a:masterClrMapping/>
+  </p:clrMapOvr>
+</p:sld>
+</file>
+
+<file path=ppt/slides/slide61.xml><?xml version="1.0" encoding="utf-8"?>
+<p:sld xmlns:a="http://schemas.openxmlformats.org/drawingml/2006/main" xmlns:r="http://schemas.openxmlformats.org/officeDocument/2006/relationships" xmlns:p="http://schemas.openxmlformats.org/presentationml/2006/main">
+  <p:cSld>
+    <p:spTree>
+      <p:nvGrpSpPr>
+        <p:cNvPr id="1" name=""/>
+        <p:cNvGrpSpPr/>
+        <p:nvPr/>
+      </p:nvGrpSpPr>
+      <p:grpSpPr>
+        <a:xfrm>
+          <a:off x="0" y="0"/>
+          <a:ext cx="0" cy="0"/>
+          <a:chOff x="0" y="0"/>
+          <a:chExt cx="0" cy="0"/>
+        </a:xfrm>
+      </p:grpSpPr>
+      <p:pic>
+        <p:nvPicPr>
+          <p:cNvPr id="4" name="Picture 2"/>
+          <p:cNvPicPr>
+            <a:picLocks noChangeAspect="1" noChangeArrowheads="1"/>
+          </p:cNvPicPr>
+          <p:nvPr/>
+        </p:nvPicPr>
+        <p:blipFill>
+          <a:blip r:embed="rId2">
+            <a:extLst>
+              <a:ext uri="{28A0092B-C50C-407E-A947-70E740481C1C}">
+                <a14:useLocalDpi xmlns:a14="http://schemas.microsoft.com/office/drawing/2010/main" val="0"/>
+              </a:ext>
+            </a:extLst>
+          </a:blip>
+          <a:srcRect/>
+          <a:stretch>
+            <a:fillRect/>
+          </a:stretch>
+        </p:blipFill>
+        <p:spPr bwMode="auto">
+          <a:xfrm>
+            <a:off x="152400" y="2438400"/>
+            <a:ext cx="3880357" cy="3656058"/>
+          </a:xfrm>
+          <a:prstGeom prst="rect">
+            <a:avLst/>
+          </a:prstGeom>
+          <a:noFill/>
+          <a:ln>
+            <a:noFill/>
+          </a:ln>
+          <a:extLst>
+            <a:ext uri="{909E8E84-426E-40DD-AFC4-6F175D3DCCD1}">
+              <a14:hiddenFill xmlns:a14="http://schemas.microsoft.com/office/drawing/2010/main">
+                <a:solidFill>
+                  <a:schemeClr val="accent1"/>
+                </a:solidFill>
+              </a14:hiddenFill>
+            </a:ext>
+            <a:ext uri="{91240B29-F687-4F45-9708-019B960494DF}">
+              <a14:hiddenLine xmlns:a14="http://schemas.microsoft.com/office/drawing/2010/main" w="9525">
+                <a:solidFill>
+                  <a:schemeClr val="tx1"/>
+                </a:solidFill>
+                <a:miter lim="800000"/>
+                <a:headEnd/>
+                <a:tailEnd/>
+              </a14:hiddenLine>
+            </a:ext>
+          </a:extLst>
+        </p:spPr>
+      </p:pic>
+      <p:pic>
+        <p:nvPicPr>
+          <p:cNvPr id="4098" name="Picture 2"/>
+          <p:cNvPicPr>
+            <a:picLocks noChangeAspect="1" noChangeArrowheads="1"/>
+          </p:cNvPicPr>
+          <p:nvPr/>
+        </p:nvPicPr>
+        <p:blipFill>
+          <a:blip r:embed="rId3">
+            <a:extLst>
+              <a:ext uri="{28A0092B-C50C-407E-A947-70E740481C1C}">
+                <a14:useLocalDpi xmlns:a14="http://schemas.microsoft.com/office/drawing/2010/main" val="0"/>
+              </a:ext>
+            </a:extLst>
+          </a:blip>
+          <a:srcRect/>
+          <a:stretch>
+            <a:fillRect/>
+          </a:stretch>
+        </p:blipFill>
+        <p:spPr bwMode="auto">
+          <a:xfrm>
+            <a:off x="3733800" y="1538287"/>
+            <a:ext cx="5319713" cy="5319713"/>
+          </a:xfrm>
+          <a:prstGeom prst="rect">
+            <a:avLst/>
+          </a:prstGeom>
+          <a:noFill/>
+          <a:ln>
+            <a:noFill/>
+          </a:ln>
+          <a:extLst>
+            <a:ext uri="{909E8E84-426E-40DD-AFC4-6F175D3DCCD1}">
+              <a14:hiddenFill xmlns:a14="http://schemas.microsoft.com/office/drawing/2010/main">
+                <a:solidFill>
+                  <a:schemeClr val="accent1"/>
+                </a:solidFill>
+              </a14:hiddenFill>
+            </a:ext>
+            <a:ext uri="{91240B29-F687-4F45-9708-019B960494DF}">
+              <a14:hiddenLine xmlns:a14="http://schemas.microsoft.com/office/drawing/2010/main" w="9525">
+                <a:solidFill>
+                  <a:schemeClr val="tx1"/>
+                </a:solidFill>
+                <a:miter lim="800000"/>
+                <a:headEnd/>
+                <a:tailEnd/>
+              </a14:hiddenLine>
+            </a:ext>
+          </a:extLst>
+        </p:spPr>
+      </p:pic>
+      <p:sp>
+        <p:nvSpPr>
+          <p:cNvPr id="2" name="TextBox 1"/>
+          <p:cNvSpPr txBox="1"/>
+          <p:nvPr/>
+        </p:nvSpPr>
+        <p:spPr>
+          <a:xfrm>
+            <a:off x="1" y="-13196"/>
+            <a:ext cx="9144000" cy="2062103"/>
+          </a:xfrm>
+          <a:prstGeom prst="rect">
+            <a:avLst/>
+          </a:prstGeom>
+          <a:noFill/>
+        </p:spPr>
+        <p:txBody>
+          <a:bodyPr wrap="square" rtlCol="0">
+            <a:spAutoFit/>
+          </a:bodyPr>
+          <a:lstStyle/>
+          <a:p>
+            <a:r>
+              <a:rPr lang="ja-JP" altLang="en-US" sz="3200" dirty="0" smtClean="0"/>
+              <a:t>その名の通り、近隣頂点と同じカーネルを使わないという制約を設けてみよう。</a:t>
+            </a:r>
+            <a:endParaRPr lang="en-US" altLang="ja-JP" sz="3200" dirty="0" smtClean="0"/>
+          </a:p>
+          <a:p>
+            <a:r>
+              <a:rPr lang="ja-JP" altLang="en-US" sz="3200" dirty="0" smtClean="0"/>
+              <a:t>⇒　そのために、各カーネルに</a:t>
+            </a:r>
+            <a:r>
+              <a:rPr lang="en-US" altLang="ja-JP" sz="3200" dirty="0" smtClean="0"/>
+              <a:t>id</a:t>
+            </a:r>
+            <a:r>
+              <a:rPr lang="ja-JP" altLang="en-US" sz="3200" dirty="0" smtClean="0"/>
+              <a:t>を付与。</a:t>
+            </a:r>
+            <a:endParaRPr lang="en-US" altLang="ja-JP" sz="3200" dirty="0" smtClean="0"/>
+          </a:p>
+          <a:p>
+            <a:r>
+              <a:rPr lang="ja-JP" altLang="en-US" sz="3200" dirty="0"/>
+              <a:t>　</a:t>
+            </a:r>
+            <a:r>
+              <a:rPr lang="ja-JP" altLang="en-US" sz="3200" dirty="0" smtClean="0"/>
+              <a:t>　　</a:t>
+            </a:r>
+            <a:r>
+              <a:rPr lang="en-US" altLang="ja-JP" sz="3200" dirty="0" smtClean="0"/>
+              <a:t>kde_feature_sanfrancisco2.xml</a:t>
+            </a:r>
+          </a:p>
+        </p:txBody>
+      </p:sp>
+      <p:sp>
+        <p:nvSpPr>
+          <p:cNvPr id="5" name="Right Arrow 4"/>
+          <p:cNvSpPr/>
+          <p:nvPr/>
+        </p:nvSpPr>
+        <p:spPr>
+          <a:xfrm>
+            <a:off x="3429000" y="3886200"/>
+            <a:ext cx="152400" cy="609600"/>
+          </a:xfrm>
+          <a:prstGeom prst="rightArrow">
+            <a:avLst/>
+          </a:prstGeom>
+        </p:spPr>
+        <p:style>
+          <a:lnRef idx="2">
+            <a:schemeClr val="accent1">
+              <a:shade val="50000"/>
+            </a:schemeClr>
+          </a:lnRef>
+          <a:fillRef idx="1">
+            <a:schemeClr val="accent1"/>
+          </a:fillRef>
+          <a:effectRef idx="0">
+            <a:schemeClr val="accent1"/>
+          </a:effectRef>
+          <a:fontRef idx="minor">
+            <a:schemeClr val="lt1"/>
+          </a:fontRef>
+        </p:style>
+        <p:txBody>
+          <a:bodyPr rtlCol="0" anchor="ctr"/>
+          <a:lstStyle/>
+          <a:p>
+            <a:pPr algn="ctr"/>
+            <a:endParaRPr lang="en-US"/>
+          </a:p>
+        </p:txBody>
+      </p:sp>
+      <p:sp>
+        <p:nvSpPr>
+          <p:cNvPr id="6" name="Oval 5"/>
+          <p:cNvSpPr/>
+          <p:nvPr/>
+        </p:nvSpPr>
+        <p:spPr>
+          <a:xfrm>
+            <a:off x="3810000" y="5105400"/>
+            <a:ext cx="762001" cy="1447800"/>
+          </a:xfrm>
+          <a:prstGeom prst="ellipse">
+            <a:avLst/>
+          </a:prstGeom>
+          <a:noFill/>
+          <a:ln>
+            <a:solidFill>
+              <a:schemeClr val="tx1"/>
+            </a:solidFill>
+            <a:prstDash val="dash"/>
+          </a:ln>
+        </p:spPr>
+        <p:style>
+          <a:lnRef idx="2">
+            <a:schemeClr val="accent1">
+              <a:shade val="50000"/>
+            </a:schemeClr>
+          </a:lnRef>
+          <a:fillRef idx="1">
+            <a:schemeClr val="accent1"/>
+          </a:fillRef>
+          <a:effectRef idx="0">
+            <a:schemeClr val="accent1"/>
+          </a:effectRef>
+          <a:fontRef idx="minor">
+            <a:schemeClr val="lt1"/>
+          </a:fontRef>
+        </p:style>
+        <p:txBody>
+          <a:bodyPr rtlCol="0" anchor="ctr"/>
+          <a:lstStyle/>
+          <a:p>
+            <a:pPr algn="ctr"/>
+            <a:endParaRPr lang="en-US"/>
+          </a:p>
+        </p:txBody>
+      </p:sp>
+      <p:sp>
+        <p:nvSpPr>
+          <p:cNvPr id="7" name="TextBox 6"/>
+          <p:cNvSpPr txBox="1"/>
+          <p:nvPr/>
+        </p:nvSpPr>
+        <p:spPr>
+          <a:xfrm>
+            <a:off x="3002913" y="6553200"/>
+            <a:ext cx="2331087" cy="369332"/>
+          </a:xfrm>
+          <a:prstGeom prst="rect">
+            <a:avLst/>
+          </a:prstGeom>
+          <a:noFill/>
+        </p:spPr>
+        <p:txBody>
+          <a:bodyPr wrap="none" rtlCol="0">
+            <a:spAutoFit/>
+          </a:bodyPr>
+          <a:lstStyle/>
+          <a:p>
+            <a:r>
+              <a:rPr lang="ja-JP" altLang="en-US" dirty="0" smtClean="0"/>
+              <a:t>繰り返しはなくなった。</a:t>
+            </a:r>
+            <a:endParaRPr lang="en-US" dirty="0"/>
+          </a:p>
+        </p:txBody>
+      </p:sp>
+    </p:spTree>
+    <p:extLst>
+      <p:ext uri="{BB962C8B-B14F-4D97-AF65-F5344CB8AC3E}">
+        <p14:creationId xmlns:p14="http://schemas.microsoft.com/office/powerpoint/2010/main" val="2485884997"/>
+      </p:ext>
+    </p:extLst>
+  </p:cSld>
+  <p:clrMapOvr>
+    <a:masterClrMapping/>
+  </p:clrMapOvr>
+</p:sld>
+</file>
+
+<file path=ppt/slides/slide62.xml><?xml version="1.0" encoding="utf-8"?>
+<p:sld xmlns:a="http://schemas.openxmlformats.org/drawingml/2006/main" xmlns:r="http://schemas.openxmlformats.org/officeDocument/2006/relationships" xmlns:p="http://schemas.openxmlformats.org/presentationml/2006/main">
+  <p:cSld>
+    <p:spTree>
+      <p:nvGrpSpPr>
+        <p:cNvPr id="1" name=""/>
+        <p:cNvGrpSpPr/>
+        <p:nvPr/>
+      </p:nvGrpSpPr>
+      <p:grpSpPr>
+        <a:xfrm>
+          <a:off x="0" y="0"/>
+          <a:ext cx="0" cy="0"/>
+          <a:chOff x="0" y="0"/>
+          <a:chExt cx="0" cy="0"/>
+        </a:xfrm>
+      </p:grpSpPr>
+      <p:sp>
+        <p:nvSpPr>
+          <p:cNvPr id="2" name="TextBox 1"/>
+          <p:cNvSpPr txBox="1"/>
+          <p:nvPr/>
+        </p:nvSpPr>
+        <p:spPr>
+          <a:xfrm>
+            <a:off x="1" y="-13196"/>
+            <a:ext cx="9144000" cy="1077218"/>
+          </a:xfrm>
+          <a:prstGeom prst="rect">
+            <a:avLst/>
+          </a:prstGeom>
+          <a:noFill/>
+        </p:spPr>
+        <p:txBody>
+          <a:bodyPr wrap="square" rtlCol="0">
+            <a:spAutoFit/>
+          </a:bodyPr>
+          <a:lstStyle/>
+          <a:p>
+            <a:r>
+              <a:rPr lang="ja-JP" altLang="en-US" sz="3200" dirty="0" smtClean="0"/>
+              <a:t>他のマップも同様に：</a:t>
+            </a:r>
+            <a:endParaRPr lang="en-US" altLang="ja-JP" sz="3200" dirty="0" smtClean="0"/>
+          </a:p>
+          <a:p>
+            <a:r>
+              <a:rPr lang="en-US" altLang="ja-JP" sz="3200" dirty="0" smtClean="0"/>
+              <a:t>kde_feature_brazilia2.xml</a:t>
+            </a:r>
+          </a:p>
+        </p:txBody>
+      </p:sp>
+      <p:pic>
+        <p:nvPicPr>
+          <p:cNvPr id="4" name="Picture 2"/>
+          <p:cNvPicPr>
+            <a:picLocks noChangeAspect="1" noChangeArrowheads="1"/>
+          </p:cNvPicPr>
+          <p:nvPr/>
+        </p:nvPicPr>
+        <p:blipFill>
+          <a:blip r:embed="rId2">
+            <a:extLst>
+              <a:ext uri="{28A0092B-C50C-407E-A947-70E740481C1C}">
+                <a14:useLocalDpi xmlns:a14="http://schemas.microsoft.com/office/drawing/2010/main" val="0"/>
+              </a:ext>
+            </a:extLst>
+          </a:blip>
+          <a:srcRect/>
+          <a:stretch>
+            <a:fillRect/>
+          </a:stretch>
+        </p:blipFill>
+        <p:spPr bwMode="auto">
+          <a:xfrm>
+            <a:off x="152400" y="2073075"/>
+            <a:ext cx="4314898" cy="3997723"/>
+          </a:xfrm>
+          <a:prstGeom prst="rect">
+            <a:avLst/>
+          </a:prstGeom>
+          <a:noFill/>
+          <a:ln>
+            <a:noFill/>
+          </a:ln>
+          <a:extLst>
+            <a:ext uri="{909E8E84-426E-40DD-AFC4-6F175D3DCCD1}">
+              <a14:hiddenFill xmlns:a14="http://schemas.microsoft.com/office/drawing/2010/main">
+                <a:solidFill>
+                  <a:schemeClr val="accent1"/>
+                </a:solidFill>
+              </a14:hiddenFill>
+            </a:ext>
+            <a:ext uri="{91240B29-F687-4F45-9708-019B960494DF}">
+              <a14:hiddenLine xmlns:a14="http://schemas.microsoft.com/office/drawing/2010/main" w="9525">
+                <a:solidFill>
+                  <a:schemeClr val="tx1"/>
+                </a:solidFill>
+                <a:miter lim="800000"/>
+                <a:headEnd/>
+                <a:tailEnd/>
+              </a14:hiddenLine>
+            </a:ext>
+          </a:extLst>
+        </p:spPr>
+      </p:pic>
+      <p:pic>
+        <p:nvPicPr>
+          <p:cNvPr id="5122" name="Picture 2"/>
+          <p:cNvPicPr>
+            <a:picLocks noChangeAspect="1" noChangeArrowheads="1"/>
+          </p:cNvPicPr>
+          <p:nvPr/>
+        </p:nvPicPr>
+        <p:blipFill>
+          <a:blip r:embed="rId3">
+            <a:extLst>
+              <a:ext uri="{28A0092B-C50C-407E-A947-70E740481C1C}">
+                <a14:useLocalDpi xmlns:a14="http://schemas.microsoft.com/office/drawing/2010/main" val="0"/>
+              </a:ext>
+            </a:extLst>
+          </a:blip>
+          <a:srcRect/>
+          <a:stretch>
+            <a:fillRect/>
+          </a:stretch>
+        </p:blipFill>
+        <p:spPr bwMode="auto">
+          <a:xfrm>
+            <a:off x="3562350" y="1219200"/>
+            <a:ext cx="5553075" cy="5553075"/>
+          </a:xfrm>
+          <a:prstGeom prst="rect">
+            <a:avLst/>
+          </a:prstGeom>
+          <a:noFill/>
+          <a:ln>
+            <a:noFill/>
+          </a:ln>
+          <a:extLst>
+            <a:ext uri="{909E8E84-426E-40DD-AFC4-6F175D3DCCD1}">
+              <a14:hiddenFill xmlns:a14="http://schemas.microsoft.com/office/drawing/2010/main">
+                <a:solidFill>
+                  <a:schemeClr val="accent1"/>
+                </a:solidFill>
+              </a14:hiddenFill>
+            </a:ext>
+            <a:ext uri="{91240B29-F687-4F45-9708-019B960494DF}">
+              <a14:hiddenLine xmlns:a14="http://schemas.microsoft.com/office/drawing/2010/main" w="9525">
+                <a:solidFill>
+                  <a:schemeClr val="tx1"/>
+                </a:solidFill>
+                <a:miter lim="800000"/>
+                <a:headEnd/>
+                <a:tailEnd/>
+              </a14:hiddenLine>
+            </a:ext>
+          </a:extLst>
+        </p:spPr>
+      </p:pic>
+      <p:sp>
+        <p:nvSpPr>
+          <p:cNvPr id="3" name="Right Arrow 2"/>
+          <p:cNvSpPr/>
+          <p:nvPr/>
+        </p:nvSpPr>
+        <p:spPr>
+          <a:xfrm>
+            <a:off x="3276600" y="3886200"/>
+            <a:ext cx="152400" cy="609600"/>
+          </a:xfrm>
+          <a:prstGeom prst="rightArrow">
+            <a:avLst/>
+          </a:prstGeom>
+        </p:spPr>
+        <p:style>
+          <a:lnRef idx="2">
+            <a:schemeClr val="accent1">
+              <a:shade val="50000"/>
+            </a:schemeClr>
+          </a:lnRef>
+          <a:fillRef idx="1">
+            <a:schemeClr val="accent1"/>
+          </a:fillRef>
+          <a:effectRef idx="0">
+            <a:schemeClr val="accent1"/>
+          </a:effectRef>
+          <a:fontRef idx="minor">
+            <a:schemeClr val="lt1"/>
+          </a:fontRef>
+        </p:style>
+        <p:txBody>
+          <a:bodyPr rtlCol="0" anchor="ctr"/>
+          <a:lstStyle/>
+          <a:p>
+            <a:pPr algn="ctr"/>
+            <a:endParaRPr lang="en-US"/>
+          </a:p>
+        </p:txBody>
+      </p:sp>
+      <p:sp>
+        <p:nvSpPr>
+          <p:cNvPr id="5" name="Oval 4"/>
+          <p:cNvSpPr/>
+          <p:nvPr/>
+        </p:nvSpPr>
+        <p:spPr>
+          <a:xfrm>
+            <a:off x="3810000" y="2286000"/>
+            <a:ext cx="762001" cy="4267200"/>
+          </a:xfrm>
+          <a:prstGeom prst="ellipse">
+            <a:avLst/>
+          </a:prstGeom>
+          <a:noFill/>
+          <a:ln>
+            <a:solidFill>
+              <a:schemeClr val="tx1"/>
+            </a:solidFill>
+            <a:prstDash val="dash"/>
+          </a:ln>
+        </p:spPr>
+        <p:style>
+          <a:lnRef idx="2">
+            <a:schemeClr val="accent1">
+              <a:shade val="50000"/>
+            </a:schemeClr>
+          </a:lnRef>
+          <a:fillRef idx="1">
+            <a:schemeClr val="accent1"/>
+          </a:fillRef>
+          <a:effectRef idx="0">
+            <a:schemeClr val="accent1"/>
+          </a:effectRef>
+          <a:fontRef idx="minor">
+            <a:schemeClr val="lt1"/>
+          </a:fontRef>
+        </p:style>
+        <p:txBody>
+          <a:bodyPr rtlCol="0" anchor="ctr"/>
+          <a:lstStyle/>
+          <a:p>
+            <a:pPr algn="ctr"/>
+            <a:endParaRPr lang="en-US"/>
+          </a:p>
+        </p:txBody>
+      </p:sp>
+      <p:sp>
+        <p:nvSpPr>
+          <p:cNvPr id="6" name="TextBox 5"/>
+          <p:cNvSpPr txBox="1"/>
+          <p:nvPr/>
+        </p:nvSpPr>
+        <p:spPr>
+          <a:xfrm>
+            <a:off x="2209800" y="6553200"/>
+            <a:ext cx="4105611" cy="369332"/>
+          </a:xfrm>
+          <a:prstGeom prst="rect">
+            <a:avLst/>
+          </a:prstGeom>
+          <a:noFill/>
+        </p:spPr>
+        <p:txBody>
+          <a:bodyPr wrap="none" rtlCol="0">
+            <a:spAutoFit/>
+          </a:bodyPr>
+          <a:lstStyle/>
+          <a:p>
+            <a:r>
+              <a:rPr lang="ja-JP" altLang="en-US" dirty="0"/>
+              <a:t>なぜ</a:t>
+            </a:r>
+            <a:r>
+              <a:rPr lang="ja-JP" altLang="en-US" dirty="0" smtClean="0"/>
+              <a:t>、この部分に道路網ができたのか？</a:t>
+            </a:r>
+            <a:endParaRPr lang="en-US" dirty="0"/>
+          </a:p>
+        </p:txBody>
+      </p:sp>
+    </p:spTree>
+    <p:extLst>
+      <p:ext uri="{BB962C8B-B14F-4D97-AF65-F5344CB8AC3E}">
+        <p14:creationId xmlns:p14="http://schemas.microsoft.com/office/powerpoint/2010/main" val="1798073132"/>
+      </p:ext>
+    </p:extLst>
+  </p:cSld>
+  <p:clrMapOvr>
+    <a:masterClrMapping/>
+  </p:clrMapOvr>
+</p:sld>
+</file>
+
+<file path=ppt/slides/slide63.xml><?xml version="1.0" encoding="utf-8"?>
+<p:sld xmlns:a="http://schemas.openxmlformats.org/drawingml/2006/main" xmlns:r="http://schemas.openxmlformats.org/officeDocument/2006/relationships" xmlns:p="http://schemas.openxmlformats.org/presentationml/2006/main">
+  <p:cSld>
+    <p:spTree>
+      <p:nvGrpSpPr>
+        <p:cNvPr id="1" name=""/>
+        <p:cNvGrpSpPr/>
+        <p:nvPr/>
+      </p:nvGrpSpPr>
+      <p:grpSpPr>
+        <a:xfrm>
+          <a:off x="0" y="0"/>
+          <a:ext cx="0" cy="0"/>
+          <a:chOff x="0" y="0"/>
+          <a:chExt cx="0" cy="0"/>
+        </a:xfrm>
+      </p:grpSpPr>
+      <p:sp>
+        <p:nvSpPr>
+          <p:cNvPr id="2" name="TextBox 1"/>
+          <p:cNvSpPr txBox="1"/>
+          <p:nvPr/>
+        </p:nvSpPr>
+        <p:spPr>
+          <a:xfrm>
+            <a:off x="1" y="-13196"/>
+            <a:ext cx="9144000" cy="1077218"/>
+          </a:xfrm>
+          <a:prstGeom prst="rect">
+            <a:avLst/>
+          </a:prstGeom>
+          <a:noFill/>
+        </p:spPr>
+        <p:txBody>
+          <a:bodyPr wrap="square" rtlCol="0">
+            <a:spAutoFit/>
+          </a:bodyPr>
+          <a:lstStyle/>
+          <a:p>
+            <a:r>
+              <a:rPr lang="ja-JP" altLang="en-US" sz="3200" dirty="0" smtClean="0"/>
+              <a:t>他のマップも同様に：</a:t>
+            </a:r>
+            <a:endParaRPr lang="en-US" altLang="ja-JP" sz="3200" dirty="0" smtClean="0"/>
+          </a:p>
+          <a:p>
+            <a:r>
+              <a:rPr lang="en-US" altLang="ja-JP" sz="3200" dirty="0" smtClean="0"/>
+              <a:t>kde_feature_london3.xml</a:t>
+            </a:r>
+          </a:p>
+        </p:txBody>
+      </p:sp>
+      <p:pic>
+        <p:nvPicPr>
+          <p:cNvPr id="4" name="Picture 2"/>
+          <p:cNvPicPr>
+            <a:picLocks noChangeAspect="1" noChangeArrowheads="1"/>
+          </p:cNvPicPr>
+          <p:nvPr/>
+        </p:nvPicPr>
+        <p:blipFill>
+          <a:blip r:embed="rId2">
+            <a:extLst>
+              <a:ext uri="{28A0092B-C50C-407E-A947-70E740481C1C}">
+                <a14:useLocalDpi xmlns:a14="http://schemas.microsoft.com/office/drawing/2010/main" val="0"/>
+              </a:ext>
+            </a:extLst>
+          </a:blip>
+          <a:srcRect/>
+          <a:stretch>
+            <a:fillRect/>
+          </a:stretch>
+        </p:blipFill>
+        <p:spPr bwMode="auto">
+          <a:xfrm>
+            <a:off x="1" y="2438400"/>
+            <a:ext cx="5334000" cy="3370017"/>
+          </a:xfrm>
+          <a:prstGeom prst="rect">
+            <a:avLst/>
+          </a:prstGeom>
+          <a:noFill/>
+          <a:ln>
+            <a:noFill/>
+          </a:ln>
+          <a:extLst>
+            <a:ext uri="{909E8E84-426E-40DD-AFC4-6F175D3DCCD1}">
+              <a14:hiddenFill xmlns:a14="http://schemas.microsoft.com/office/drawing/2010/main">
+                <a:solidFill>
+                  <a:schemeClr val="accent1"/>
+                </a:solidFill>
+              </a14:hiddenFill>
+            </a:ext>
+            <a:ext uri="{91240B29-F687-4F45-9708-019B960494DF}">
+              <a14:hiddenLine xmlns:a14="http://schemas.microsoft.com/office/drawing/2010/main" w="9525">
+                <a:solidFill>
+                  <a:schemeClr val="tx1"/>
+                </a:solidFill>
+                <a:miter lim="800000"/>
+                <a:headEnd/>
+                <a:tailEnd/>
+              </a14:hiddenLine>
+            </a:ext>
+          </a:extLst>
+        </p:spPr>
+      </p:pic>
+      <p:sp>
+        <p:nvSpPr>
+          <p:cNvPr id="3" name="Right Arrow 2"/>
+          <p:cNvSpPr/>
+          <p:nvPr/>
+        </p:nvSpPr>
+        <p:spPr>
+          <a:xfrm>
+            <a:off x="4267200" y="3886200"/>
+            <a:ext cx="152400" cy="762000"/>
+          </a:xfrm>
+          <a:prstGeom prst="rightArrow">
+            <a:avLst/>
+          </a:prstGeom>
+        </p:spPr>
+        <p:style>
+          <a:lnRef idx="2">
+            <a:schemeClr val="accent1">
+              <a:shade val="50000"/>
+            </a:schemeClr>
+          </a:lnRef>
+          <a:fillRef idx="1">
+            <a:schemeClr val="accent1"/>
+          </a:fillRef>
+          <a:effectRef idx="0">
+            <a:schemeClr val="accent1"/>
+          </a:effectRef>
+          <a:fontRef idx="minor">
+            <a:schemeClr val="lt1"/>
+          </a:fontRef>
+        </p:style>
+        <p:txBody>
+          <a:bodyPr rtlCol="0" anchor="ctr"/>
+          <a:lstStyle/>
+          <a:p>
+            <a:pPr algn="ctr"/>
+            <a:endParaRPr lang="en-US"/>
+          </a:p>
+        </p:txBody>
+      </p:sp>
+      <p:pic>
+        <p:nvPicPr>
+          <p:cNvPr id="6147" name="Picture 3"/>
+          <p:cNvPicPr>
+            <a:picLocks noChangeAspect="1" noChangeArrowheads="1"/>
+          </p:cNvPicPr>
+          <p:nvPr/>
+        </p:nvPicPr>
+        <p:blipFill>
+          <a:blip r:embed="rId3">
+            <a:extLst>
+              <a:ext uri="{28A0092B-C50C-407E-A947-70E740481C1C}">
+                <a14:useLocalDpi xmlns:a14="http://schemas.microsoft.com/office/drawing/2010/main" val="0"/>
+              </a:ext>
+            </a:extLst>
+          </a:blip>
+          <a:srcRect/>
+          <a:stretch>
+            <a:fillRect/>
+          </a:stretch>
+        </p:blipFill>
+        <p:spPr bwMode="auto">
+          <a:xfrm>
+            <a:off x="4495800" y="1849314"/>
+            <a:ext cx="4518018" cy="4548188"/>
+          </a:xfrm>
+          <a:prstGeom prst="rect">
+            <a:avLst/>
+          </a:prstGeom>
+          <a:noFill/>
+          <a:ln>
+            <a:noFill/>
+          </a:ln>
+          <a:extLst>
+            <a:ext uri="{909E8E84-426E-40DD-AFC4-6F175D3DCCD1}">
+              <a14:hiddenFill xmlns:a14="http://schemas.microsoft.com/office/drawing/2010/main">
+                <a:solidFill>
+                  <a:schemeClr val="accent1"/>
+                </a:solidFill>
+              </a14:hiddenFill>
+            </a:ext>
+            <a:ext uri="{91240B29-F687-4F45-9708-019B960494DF}">
+              <a14:hiddenLine xmlns:a14="http://schemas.microsoft.com/office/drawing/2010/main" w="9525">
+                <a:solidFill>
+                  <a:schemeClr val="tx1"/>
+                </a:solidFill>
+                <a:miter lim="800000"/>
+                <a:headEnd/>
+                <a:tailEnd/>
+              </a14:hiddenLine>
+            </a:ext>
+          </a:extLst>
+        </p:spPr>
+      </p:pic>
+    </p:spTree>
+    <p:extLst>
+      <p:ext uri="{BB962C8B-B14F-4D97-AF65-F5344CB8AC3E}">
+        <p14:creationId xmlns:p14="http://schemas.microsoft.com/office/powerpoint/2010/main" val="3031116106"/>
+      </p:ext>
+    </p:extLst>
+  </p:cSld>
+  <p:clrMapOvr>
+    <a:masterClrMapping/>
+  </p:clrMapOvr>
+</p:sld>
+</file>
+
+<file path=ppt/slides/slide64.xml><?xml version="1.0" encoding="utf-8"?>
+<p:sld xmlns:a="http://schemas.openxmlformats.org/drawingml/2006/main" xmlns:r="http://schemas.openxmlformats.org/officeDocument/2006/relationships" xmlns:p="http://schemas.openxmlformats.org/presentationml/2006/main">
+  <p:cSld>
+    <p:spTree>
+      <p:nvGrpSpPr>
+        <p:cNvPr id="1" name=""/>
+        <p:cNvGrpSpPr/>
+        <p:nvPr/>
+      </p:nvGrpSpPr>
+      <p:grpSpPr>
+        <a:xfrm>
+          <a:off x="0" y="0"/>
+          <a:ext cx="0" cy="0"/>
+          <a:chOff x="0" y="0"/>
+          <a:chExt cx="0" cy="0"/>
+        </a:xfrm>
+      </p:grpSpPr>
       <p:sp>
         <p:nvSpPr>
           <p:cNvPr id="2" name="TextBox 1"/>
@@ -19237,7 +20177,7 @@
 </p:sld>
 </file>
 
-<file path=ppt/slides/slide61.xml><?xml version="1.0" encoding="utf-8"?>
+<file path=ppt/slides/slide65.xml><?xml version="1.0" encoding="utf-8"?>
 <p:sld xmlns:a="http://schemas.openxmlformats.org/drawingml/2006/main" xmlns:r="http://schemas.openxmlformats.org/officeDocument/2006/relationships" xmlns:p="http://schemas.openxmlformats.org/presentationml/2006/main">
   <p:cSld>
     <p:spTree>
@@ -20340,7 +21280,7 @@
 </p:sld>
 </file>
 
-<file path=ppt/slides/slide62.xml><?xml version="1.0" encoding="utf-8"?>
+<file path=ppt/slides/slide66.xml><?xml version="1.0" encoding="utf-8"?>
 <p:sld xmlns:a="http://schemas.openxmlformats.org/drawingml/2006/main" xmlns:r="http://schemas.openxmlformats.org/officeDocument/2006/relationships" xmlns:p="http://schemas.openxmlformats.org/presentationml/2006/main">
   <p:cSld>
     <p:spTree>
@@ -21137,7 +22077,7 @@
 </p:sld>
 </file>
 
-<file path=ppt/slides/slide63.xml><?xml version="1.0" encoding="utf-8"?>
+<file path=ppt/slides/slide67.xml><?xml version="1.0" encoding="utf-8"?>
 <p:sld xmlns:a="http://schemas.openxmlformats.org/drawingml/2006/main" xmlns:r="http://schemas.openxmlformats.org/officeDocument/2006/relationships" xmlns:p="http://schemas.openxmlformats.org/presentationml/2006/main">
   <p:cSld>
     <p:spTree>
@@ -22051,7 +22991,7 @@
 </p:sld>
 </file>
 
-<file path=ppt/slides/slide64.xml><?xml version="1.0" encoding="utf-8"?>
+<file path=ppt/slides/slide68.xml><?xml version="1.0" encoding="utf-8"?>
 <p:sld xmlns:a="http://schemas.openxmlformats.org/drawingml/2006/main" xmlns:r="http://schemas.openxmlformats.org/officeDocument/2006/relationships" xmlns:p="http://schemas.openxmlformats.org/presentationml/2006/main">
   <p:cSld>
     <p:spTree>
@@ -22594,7 +23534,7 @@
 </p:sld>
 </file>
 
-<file path=ppt/slides/slide65.xml><?xml version="1.0" encoding="utf-8"?>
+<file path=ppt/slides/slide69.xml><?xml version="1.0" encoding="utf-8"?>
 <p:sld xmlns:a="http://schemas.openxmlformats.org/drawingml/2006/main" xmlns:r="http://schemas.openxmlformats.org/officeDocument/2006/relationships" xmlns:p="http://schemas.openxmlformats.org/presentationml/2006/main">
   <p:cSld>
     <p:spTree>
@@ -23108,7 +24048,100 @@
 </p:sld>
 </file>
 
-<file path=ppt/slides/slide66.xml><?xml version="1.0" encoding="utf-8"?>
+<file path=ppt/slides/slide7.xml><?xml version="1.0" encoding="utf-8"?>
+<p:sld xmlns:a="http://schemas.openxmlformats.org/drawingml/2006/main" xmlns:r="http://schemas.openxmlformats.org/officeDocument/2006/relationships" xmlns:p="http://schemas.openxmlformats.org/presentationml/2006/main">
+  <p:cSld>
+    <p:spTree>
+      <p:nvGrpSpPr>
+        <p:cNvPr id="1" name=""/>
+        <p:cNvGrpSpPr/>
+        <p:nvPr/>
+      </p:nvGrpSpPr>
+      <p:grpSpPr>
+        <a:xfrm>
+          <a:off x="0" y="0"/>
+          <a:ext cx="0" cy="0"/>
+          <a:chOff x="0" y="0"/>
+          <a:chExt cx="0" cy="0"/>
+        </a:xfrm>
+      </p:grpSpPr>
+      <p:sp>
+        <p:nvSpPr>
+          <p:cNvPr id="2" name="TextBox 1"/>
+          <p:cNvSpPr txBox="1"/>
+          <p:nvPr/>
+        </p:nvSpPr>
+        <p:spPr>
+          <a:xfrm>
+            <a:off x="0" y="-13195"/>
+            <a:ext cx="9144000" cy="5509200"/>
+          </a:xfrm>
+          <a:prstGeom prst="rect">
+            <a:avLst/>
+          </a:prstGeom>
+          <a:noFill/>
+        </p:spPr>
+        <p:txBody>
+          <a:bodyPr wrap="square" rtlCol="0">
+            <a:spAutoFit/>
+          </a:bodyPr>
+          <a:lstStyle/>
+          <a:p>
+            <a:r>
+              <a:rPr lang="ja-JP" altLang="en-US" sz="3200" dirty="0" smtClean="0"/>
+              <a:t>カーネルを選択する際、エッジのフィッティング度に加えて、元の相対座標を考慮している。</a:t>
+            </a:r>
+            <a:endParaRPr lang="en-US" altLang="ja-JP" sz="3200" dirty="0" smtClean="0"/>
+          </a:p>
+          <a:p>
+            <a:r>
+              <a:rPr lang="ja-JP" altLang="en-US" sz="3200" dirty="0"/>
+              <a:t>しかし</a:t>
+            </a:r>
+            <a:r>
+              <a:rPr lang="ja-JP" altLang="en-US" sz="3200" dirty="0" smtClean="0"/>
+              <a:t>、ユーザが選択した領域が、元の領域より広い場合、たとえば、元の領域の範囲を左方向に超えた場所は、一番左のカーネルが選択され続けるという現象が発生してしまう。</a:t>
+            </a:r>
+            <a:endParaRPr lang="en-US" altLang="ja-JP" sz="3200" dirty="0" smtClean="0"/>
+          </a:p>
+          <a:p>
+            <a:r>
+              <a:rPr lang="ja-JP" altLang="en-US" sz="3200" dirty="0"/>
+              <a:t>そこで</a:t>
+            </a:r>
+            <a:r>
+              <a:rPr lang="ja-JP" altLang="en-US" sz="3200" dirty="0" smtClean="0"/>
+              <a:t>、一つ前に選択されたエッジからの相対座標を使用することにした。</a:t>
+            </a:r>
+            <a:endParaRPr lang="en-US" altLang="ja-JP" sz="3200" dirty="0" smtClean="0"/>
+          </a:p>
+          <a:p>
+            <a:r>
+              <a:rPr lang="ja-JP" altLang="en-US" sz="3200" dirty="0"/>
+              <a:t>さらに</a:t>
+            </a:r>
+            <a:r>
+              <a:rPr lang="ja-JP" altLang="en-US" sz="3200" dirty="0" smtClean="0"/>
+              <a:t>、その座標が、元の領域の範囲外の場合は、座標を考慮しないで、エッジのフィッティング度のみでカーネルを選択するようにした。</a:t>
+            </a:r>
+            <a:endParaRPr lang="en-US" altLang="ja-JP" sz="3200" dirty="0" smtClean="0"/>
+          </a:p>
+        </p:txBody>
+      </p:sp>
+    </p:spTree>
+    <p:extLst>
+      <p:ext uri="{BB962C8B-B14F-4D97-AF65-F5344CB8AC3E}">
+        <p14:creationId xmlns:p14="http://schemas.microsoft.com/office/powerpoint/2010/main" val="1372805848"/>
+      </p:ext>
+    </p:extLst>
+  </p:cSld>
+  <p:clrMapOvr>
+    <a:masterClrMapping/>
+  </p:clrMapOvr>
+</p:sld>
+</file>
+
+<file path=ppt/slides/slide70.xml><?xml version="1.0" encoding="utf-8"?>
 <p:sld xmlns:a="http://schemas.openxmlformats.org/drawingml/2006/main" xmlns:r="http://schemas.openxmlformats.org/officeDocument/2006/relationships" xmlns:p="http://schemas.openxmlformats.org/presentationml/2006/main">
   <p:cSld>
     <p:spTree>
@@ -23562,7 +24595,7 @@
 </p:sld>
 </file>
 
-<file path=ppt/slides/slide67.xml><?xml version="1.0" encoding="utf-8"?>
+<file path=ppt/slides/slide71.xml><?xml version="1.0" encoding="utf-8"?>
 <p:sld xmlns:a="http://schemas.openxmlformats.org/drawingml/2006/main" xmlns:r="http://schemas.openxmlformats.org/officeDocument/2006/relationships" xmlns:p="http://schemas.openxmlformats.org/presentationml/2006/main">
   <p:cSld>
     <p:spTree>
@@ -24309,7 +25342,7 @@
 </p:sld>
 </file>
 
-<file path=ppt/slides/slide68.xml><?xml version="1.0" encoding="utf-8"?>
+<file path=ppt/slides/slide72.xml><?xml version="1.0" encoding="utf-8"?>
 <p:sld xmlns:a="http://schemas.openxmlformats.org/drawingml/2006/main" xmlns:r="http://schemas.openxmlformats.org/officeDocument/2006/relationships" xmlns:p="http://schemas.openxmlformats.org/presentationml/2006/main">
   <p:cSld>
     <p:spTree>
@@ -24842,99 +25875,6 @@
     <p:extLst>
       <p:ext uri="{BB962C8B-B14F-4D97-AF65-F5344CB8AC3E}">
         <p14:creationId xmlns:p14="http://schemas.microsoft.com/office/powerpoint/2010/main" val="2389257409"/>
-      </p:ext>
-    </p:extLst>
-  </p:cSld>
-  <p:clrMapOvr>
-    <a:masterClrMapping/>
-  </p:clrMapOvr>
-</p:sld>
-</file>
-
-<file path=ppt/slides/slide7.xml><?xml version="1.0" encoding="utf-8"?>
-<p:sld xmlns:a="http://schemas.openxmlformats.org/drawingml/2006/main" xmlns:r="http://schemas.openxmlformats.org/officeDocument/2006/relationships" xmlns:p="http://schemas.openxmlformats.org/presentationml/2006/main">
-  <p:cSld>
-    <p:spTree>
-      <p:nvGrpSpPr>
-        <p:cNvPr id="1" name=""/>
-        <p:cNvGrpSpPr/>
-        <p:nvPr/>
-      </p:nvGrpSpPr>
-      <p:grpSpPr>
-        <a:xfrm>
-          <a:off x="0" y="0"/>
-          <a:ext cx="0" cy="0"/>
-          <a:chOff x="0" y="0"/>
-          <a:chExt cx="0" cy="0"/>
-        </a:xfrm>
-      </p:grpSpPr>
-      <p:sp>
-        <p:nvSpPr>
-          <p:cNvPr id="2" name="TextBox 1"/>
-          <p:cNvSpPr txBox="1"/>
-          <p:nvPr/>
-        </p:nvSpPr>
-        <p:spPr>
-          <a:xfrm>
-            <a:off x="0" y="-13195"/>
-            <a:ext cx="9144000" cy="5509200"/>
-          </a:xfrm>
-          <a:prstGeom prst="rect">
-            <a:avLst/>
-          </a:prstGeom>
-          <a:noFill/>
-        </p:spPr>
-        <p:txBody>
-          <a:bodyPr wrap="square" rtlCol="0">
-            <a:spAutoFit/>
-          </a:bodyPr>
-          <a:lstStyle/>
-          <a:p>
-            <a:r>
-              <a:rPr lang="ja-JP" altLang="en-US" sz="3200" dirty="0" smtClean="0"/>
-              <a:t>カーネルを選択する際、エッジのフィッティング度に加えて、元の相対座標を考慮している。</a:t>
-            </a:r>
-            <a:endParaRPr lang="en-US" altLang="ja-JP" sz="3200" dirty="0" smtClean="0"/>
-          </a:p>
-          <a:p>
-            <a:r>
-              <a:rPr lang="ja-JP" altLang="en-US" sz="3200" dirty="0"/>
-              <a:t>しかし</a:t>
-            </a:r>
-            <a:r>
-              <a:rPr lang="ja-JP" altLang="en-US" sz="3200" dirty="0" smtClean="0"/>
-              <a:t>、ユーザが選択した領域が、元の領域より広い場合、たとえば、元の領域の範囲を左方向に超えた場所は、一番左のカーネルが選択され続けるという現象が発生してしまう。</a:t>
-            </a:r>
-            <a:endParaRPr lang="en-US" altLang="ja-JP" sz="3200" dirty="0" smtClean="0"/>
-          </a:p>
-          <a:p>
-            <a:r>
-              <a:rPr lang="ja-JP" altLang="en-US" sz="3200" dirty="0"/>
-              <a:t>そこで</a:t>
-            </a:r>
-            <a:r>
-              <a:rPr lang="ja-JP" altLang="en-US" sz="3200" dirty="0" smtClean="0"/>
-              <a:t>、一つ前に選択されたエッジからの相対座標を使用することにした。</a:t>
-            </a:r>
-            <a:endParaRPr lang="en-US" altLang="ja-JP" sz="3200" dirty="0" smtClean="0"/>
-          </a:p>
-          <a:p>
-            <a:r>
-              <a:rPr lang="ja-JP" altLang="en-US" sz="3200" dirty="0"/>
-              <a:t>さらに</a:t>
-            </a:r>
-            <a:r>
-              <a:rPr lang="ja-JP" altLang="en-US" sz="3200" dirty="0" smtClean="0"/>
-              <a:t>、その座標が、元の領域の範囲外の場合は、座標を考慮しないで、エッジのフィッティング度のみでカーネルを選択するようにした。</a:t>
-            </a:r>
-            <a:endParaRPr lang="en-US" altLang="ja-JP" sz="3200" dirty="0" smtClean="0"/>
-          </a:p>
-        </p:txBody>
-      </p:sp>
-    </p:spTree>
-    <p:extLst>
-      <p:ext uri="{BB962C8B-B14F-4D97-AF65-F5344CB8AC3E}">
-        <p14:creationId xmlns:p14="http://schemas.microsoft.com/office/powerpoint/2010/main" val="1372805848"/>
       </p:ext>
     </p:extLst>
   </p:cSld>

--- a/RoadDesigner.pptx
+++ b/RoadDesigner.pptx
@@ -68,15 +68,18 @@
     <p:sldId id="329" r:id="rId62"/>
     <p:sldId id="330" r:id="rId63"/>
     <p:sldId id="331" r:id="rId64"/>
-    <p:sldId id="315" r:id="rId65"/>
-    <p:sldId id="316" r:id="rId66"/>
-    <p:sldId id="301" r:id="rId67"/>
-    <p:sldId id="302" r:id="rId68"/>
-    <p:sldId id="268" r:id="rId69"/>
-    <p:sldId id="269" r:id="rId70"/>
-    <p:sldId id="275" r:id="rId71"/>
-    <p:sldId id="270" r:id="rId72"/>
-    <p:sldId id="317" r:id="rId73"/>
+    <p:sldId id="333" r:id="rId65"/>
+    <p:sldId id="334" r:id="rId66"/>
+    <p:sldId id="335" r:id="rId67"/>
+    <p:sldId id="315" r:id="rId68"/>
+    <p:sldId id="316" r:id="rId69"/>
+    <p:sldId id="301" r:id="rId70"/>
+    <p:sldId id="302" r:id="rId71"/>
+    <p:sldId id="268" r:id="rId72"/>
+    <p:sldId id="269" r:id="rId73"/>
+    <p:sldId id="275" r:id="rId74"/>
+    <p:sldId id="270" r:id="rId75"/>
+    <p:sldId id="317" r:id="rId76"/>
   </p:sldIdLst>
   <p:sldSz cx="9144000" cy="6858000" type="screen4x3"/>
   <p:notesSz cx="6997700" cy="9283700"/>
@@ -19351,7 +19354,7 @@
       </p:pic>
       <p:pic>
         <p:nvPicPr>
-          <p:cNvPr id="4098" name="Picture 2"/>
+          <p:cNvPr id="4099" name="Picture 3"/>
           <p:cNvPicPr>
             <a:picLocks noChangeAspect="1" noChangeArrowheads="1"/>
           </p:cNvPicPr>
@@ -19372,8 +19375,8 @@
         </p:blipFill>
         <p:spPr bwMode="auto">
           <a:xfrm>
-            <a:off x="3733800" y="1538287"/>
-            <a:ext cx="5319713" cy="5319713"/>
+            <a:off x="3838574" y="1371600"/>
+            <a:ext cx="5229225" cy="5248275"/>
           </a:xfrm>
           <a:prstGeom prst="rect">
             <a:avLst/>
@@ -19558,7 +19561,7 @@
         <p:spPr>
           <a:xfrm>
             <a:off x="3002913" y="6553200"/>
-            <a:ext cx="2331087" cy="369332"/>
+            <a:ext cx="2869696" cy="369332"/>
           </a:xfrm>
           <a:prstGeom prst="rect">
             <a:avLst/>
@@ -19573,7 +19576,7 @@
           <a:p>
             <a:r>
               <a:rPr lang="ja-JP" altLang="en-US" dirty="0" smtClean="0"/>
-              <a:t>繰り返しはなくなった。</a:t>
+              <a:t>繰り返しはなくなったが、、、</a:t>
             </a:r>
             <a:endParaRPr lang="en-US" dirty="0"/>
           </a:p>
@@ -20118,6 +20121,705 @@
           <a:chExt cx="0" cy="0"/>
         </a:xfrm>
       </p:grpSpPr>
+      <p:pic>
+        <p:nvPicPr>
+          <p:cNvPr id="9219" name="Picture 3"/>
+          <p:cNvPicPr>
+            <a:picLocks noChangeAspect="1" noChangeArrowheads="1"/>
+          </p:cNvPicPr>
+          <p:nvPr/>
+        </p:nvPicPr>
+        <p:blipFill>
+          <a:blip r:embed="rId2">
+            <a:extLst>
+              <a:ext uri="{28A0092B-C50C-407E-A947-70E740481C1C}">
+                <a14:useLocalDpi xmlns:a14="http://schemas.microsoft.com/office/drawing/2010/main" val="0"/>
+              </a:ext>
+            </a:extLst>
+          </a:blip>
+          <a:srcRect/>
+          <a:stretch>
+            <a:fillRect/>
+          </a:stretch>
+        </p:blipFill>
+        <p:spPr bwMode="auto">
+          <a:xfrm>
+            <a:off x="3886199" y="1776702"/>
+            <a:ext cx="4968827" cy="5014623"/>
+          </a:xfrm>
+          <a:prstGeom prst="rect">
+            <a:avLst/>
+          </a:prstGeom>
+          <a:noFill/>
+          <a:ln>
+            <a:noFill/>
+          </a:ln>
+          <a:extLst>
+            <a:ext uri="{909E8E84-426E-40DD-AFC4-6F175D3DCCD1}">
+              <a14:hiddenFill xmlns:a14="http://schemas.microsoft.com/office/drawing/2010/main">
+                <a:solidFill>
+                  <a:schemeClr val="accent1"/>
+                </a:solidFill>
+              </a14:hiddenFill>
+            </a:ext>
+            <a:ext uri="{91240B29-F687-4F45-9708-019B960494DF}">
+              <a14:hiddenLine xmlns:a14="http://schemas.microsoft.com/office/drawing/2010/main" w="9525">
+                <a:solidFill>
+                  <a:schemeClr val="tx1"/>
+                </a:solidFill>
+                <a:miter lim="800000"/>
+                <a:headEnd/>
+                <a:tailEnd/>
+              </a14:hiddenLine>
+            </a:ext>
+          </a:extLst>
+        </p:spPr>
+      </p:pic>
+      <p:sp>
+        <p:nvSpPr>
+          <p:cNvPr id="2" name="TextBox 1"/>
+          <p:cNvSpPr txBox="1"/>
+          <p:nvPr/>
+        </p:nvSpPr>
+        <p:spPr>
+          <a:xfrm>
+            <a:off x="1" y="-13196"/>
+            <a:ext cx="9144000" cy="2554545"/>
+          </a:xfrm>
+          <a:prstGeom prst="rect">
+            <a:avLst/>
+          </a:prstGeom>
+          <a:noFill/>
+        </p:spPr>
+        <p:txBody>
+          <a:bodyPr wrap="square" rtlCol="0">
+            <a:spAutoFit/>
+          </a:bodyPr>
+          <a:lstStyle/>
+          <a:p>
+            <a:r>
+              <a:rPr lang="ja-JP" altLang="en-US" sz="3200" dirty="0"/>
+              <a:t>近</a:t>
+            </a:r>
+            <a:r>
+              <a:rPr lang="ja-JP" altLang="en-US" sz="3200" dirty="0" smtClean="0"/>
+              <a:t>隣頂点のカーネルを使用しないための、</a:t>
+            </a:r>
+            <a:endParaRPr lang="en-US" altLang="ja-JP" sz="3200" dirty="0" smtClean="0"/>
+          </a:p>
+          <a:p>
+            <a:r>
+              <a:rPr lang="ja-JP" altLang="en-US" sz="3200" dirty="0"/>
+              <a:t>近</a:t>
+            </a:r>
+            <a:r>
+              <a:rPr lang="ja-JP" altLang="en-US" sz="3200" dirty="0" smtClean="0"/>
+              <a:t>隣のしきい値</a:t>
+            </a:r>
+            <a:r>
+              <a:rPr lang="ja-JP" altLang="en-US" sz="3200" dirty="0" smtClean="0"/>
+              <a:t>：</a:t>
+            </a:r>
+            <a:endParaRPr lang="en-US" altLang="ja-JP" sz="3200" dirty="0" smtClean="0"/>
+          </a:p>
+          <a:p>
+            <a:r>
+              <a:rPr lang="en-US" altLang="ja-JP" sz="3200" dirty="0" smtClean="0"/>
+              <a:t>Avenue</a:t>
+            </a:r>
+            <a:r>
+              <a:rPr lang="ja-JP" altLang="en-US" sz="3200" dirty="0" smtClean="0"/>
+              <a:t>：　</a:t>
+            </a:r>
+            <a:r>
+              <a:rPr lang="en-US" altLang="ja-JP" sz="3200" dirty="0" smtClean="0"/>
+              <a:t>500m </a:t>
+            </a:r>
+            <a:r>
+              <a:rPr lang="ja-JP" altLang="en-US" sz="3200" dirty="0" smtClean="0"/>
+              <a:t>⇒ </a:t>
+            </a:r>
+            <a:r>
+              <a:rPr lang="en-US" altLang="ja-JP" sz="3200" dirty="0" smtClean="0"/>
+              <a:t>300m </a:t>
+            </a:r>
+            <a:r>
+              <a:rPr lang="ja-JP" altLang="en-US" sz="3200" dirty="0" smtClean="0"/>
+              <a:t>に減らした。</a:t>
+            </a:r>
+            <a:endParaRPr lang="en-US" altLang="ja-JP" sz="3200" dirty="0" smtClean="0"/>
+          </a:p>
+          <a:p>
+            <a:r>
+              <a:rPr lang="en-US" altLang="ja-JP" sz="3200" dirty="0" err="1" smtClean="0"/>
+              <a:t>Streeet</a:t>
+            </a:r>
+            <a:r>
+              <a:rPr lang="ja-JP" altLang="en-US" sz="3200" dirty="0" smtClean="0"/>
+              <a:t>：　</a:t>
+            </a:r>
+            <a:r>
+              <a:rPr lang="en-US" altLang="ja-JP" sz="3200" dirty="0" smtClean="0"/>
+              <a:t>500m </a:t>
+            </a:r>
+            <a:r>
+              <a:rPr lang="ja-JP" altLang="en-US" sz="3200" dirty="0" smtClean="0"/>
+              <a:t>⇒ </a:t>
+            </a:r>
+            <a:r>
+              <a:rPr lang="en-US" altLang="ja-JP" sz="3200" dirty="0" smtClean="0"/>
+              <a:t>10m</a:t>
+            </a:r>
+            <a:r>
+              <a:rPr lang="ja-JP" altLang="en-US" sz="3200" dirty="0" smtClean="0"/>
+              <a:t>に減らした。</a:t>
+            </a:r>
+            <a:endParaRPr lang="en-US" altLang="ja-JP" sz="3200" dirty="0" smtClean="0"/>
+          </a:p>
+          <a:p>
+            <a:r>
+              <a:rPr lang="ja-JP" altLang="en-US" sz="3200" dirty="0" smtClean="0"/>
+              <a:t>⇒　</a:t>
+            </a:r>
+            <a:r>
+              <a:rPr lang="en-US" altLang="ja-JP" sz="3200" dirty="0" smtClean="0"/>
+              <a:t>Local Street</a:t>
+            </a:r>
+            <a:r>
+              <a:rPr lang="ja-JP" altLang="en-US" sz="3200" dirty="0" smtClean="0"/>
+              <a:t>について、まだデバッグが必要。</a:t>
+            </a:r>
+            <a:endParaRPr lang="en-US" altLang="ja-JP" sz="3200" dirty="0" smtClean="0"/>
+          </a:p>
+        </p:txBody>
+      </p:sp>
+      <p:pic>
+        <p:nvPicPr>
+          <p:cNvPr id="4" name="Picture 3"/>
+          <p:cNvPicPr>
+            <a:picLocks noChangeAspect="1" noChangeArrowheads="1"/>
+          </p:cNvPicPr>
+          <p:nvPr/>
+        </p:nvPicPr>
+        <p:blipFill>
+          <a:blip r:embed="rId3">
+            <a:extLst>
+              <a:ext uri="{28A0092B-C50C-407E-A947-70E740481C1C}">
+                <a14:useLocalDpi xmlns:a14="http://schemas.microsoft.com/office/drawing/2010/main" val="0"/>
+              </a:ext>
+            </a:extLst>
+          </a:blip>
+          <a:srcRect/>
+          <a:stretch>
+            <a:fillRect/>
+          </a:stretch>
+        </p:blipFill>
+        <p:spPr bwMode="auto">
+          <a:xfrm>
+            <a:off x="533400" y="3352800"/>
+            <a:ext cx="2139902" cy="2743200"/>
+          </a:xfrm>
+          <a:prstGeom prst="rect">
+            <a:avLst/>
+          </a:prstGeom>
+          <a:noFill/>
+          <a:ln>
+            <a:noFill/>
+          </a:ln>
+          <a:extLst>
+            <a:ext uri="{909E8E84-426E-40DD-AFC4-6F175D3DCCD1}">
+              <a14:hiddenFill xmlns:a14="http://schemas.microsoft.com/office/drawing/2010/main">
+                <a:solidFill>
+                  <a:schemeClr val="accent1"/>
+                </a:solidFill>
+              </a14:hiddenFill>
+            </a:ext>
+            <a:ext uri="{91240B29-F687-4F45-9708-019B960494DF}">
+              <a14:hiddenLine xmlns:a14="http://schemas.microsoft.com/office/drawing/2010/main" w="9525">
+                <a:solidFill>
+                  <a:schemeClr val="tx1"/>
+                </a:solidFill>
+                <a:miter lim="800000"/>
+                <a:headEnd/>
+                <a:tailEnd/>
+              </a14:hiddenLine>
+            </a:ext>
+          </a:extLst>
+        </p:spPr>
+      </p:pic>
+      <p:sp>
+        <p:nvSpPr>
+          <p:cNvPr id="3" name="Oval 2"/>
+          <p:cNvSpPr/>
+          <p:nvPr/>
+        </p:nvSpPr>
+        <p:spPr>
+          <a:xfrm rot="21084371">
+            <a:off x="4267200" y="2897754"/>
+            <a:ext cx="3048000" cy="228600"/>
+          </a:xfrm>
+          <a:prstGeom prst="ellipse">
+            <a:avLst/>
+          </a:prstGeom>
+          <a:noFill/>
+          <a:ln>
+            <a:solidFill>
+              <a:schemeClr val="tx1"/>
+            </a:solidFill>
+            <a:prstDash val="dash"/>
+          </a:ln>
+        </p:spPr>
+        <p:style>
+          <a:lnRef idx="2">
+            <a:schemeClr val="accent1">
+              <a:shade val="50000"/>
+            </a:schemeClr>
+          </a:lnRef>
+          <a:fillRef idx="1">
+            <a:schemeClr val="accent1"/>
+          </a:fillRef>
+          <a:effectRef idx="0">
+            <a:schemeClr val="accent1"/>
+          </a:effectRef>
+          <a:fontRef idx="minor">
+            <a:schemeClr val="lt1"/>
+          </a:fontRef>
+        </p:style>
+        <p:txBody>
+          <a:bodyPr rtlCol="0" anchor="ctr"/>
+          <a:lstStyle/>
+          <a:p>
+            <a:pPr algn="ctr"/>
+            <a:endParaRPr lang="en-US"/>
+          </a:p>
+        </p:txBody>
+      </p:sp>
+      <p:sp>
+        <p:nvSpPr>
+          <p:cNvPr id="5" name="TextBox 4"/>
+          <p:cNvSpPr txBox="1"/>
+          <p:nvPr/>
+        </p:nvSpPr>
+        <p:spPr>
+          <a:xfrm>
+            <a:off x="4572001" y="3168134"/>
+            <a:ext cx="2645276" cy="369332"/>
+          </a:xfrm>
+          <a:prstGeom prst="rect">
+            <a:avLst/>
+          </a:prstGeom>
+          <a:noFill/>
+        </p:spPr>
+        <p:txBody>
+          <a:bodyPr wrap="none" rtlCol="0">
+            <a:spAutoFit/>
+          </a:bodyPr>
+          <a:lstStyle/>
+          <a:p>
+            <a:r>
+              <a:rPr lang="ja-JP" altLang="en-US" dirty="0" smtClean="0"/>
+              <a:t>特に、これを何とかしたい</a:t>
+            </a:r>
+            <a:endParaRPr lang="en-US" dirty="0"/>
+          </a:p>
+        </p:txBody>
+      </p:sp>
+    </p:spTree>
+    <p:extLst>
+      <p:ext uri="{BB962C8B-B14F-4D97-AF65-F5344CB8AC3E}">
+        <p14:creationId xmlns:p14="http://schemas.microsoft.com/office/powerpoint/2010/main" val="557094563"/>
+      </p:ext>
+    </p:extLst>
+  </p:cSld>
+  <p:clrMapOvr>
+    <a:masterClrMapping/>
+  </p:clrMapOvr>
+</p:sld>
+</file>
+
+<file path=ppt/slides/slide65.xml><?xml version="1.0" encoding="utf-8"?>
+<p:sld xmlns:a="http://schemas.openxmlformats.org/drawingml/2006/main" xmlns:r="http://schemas.openxmlformats.org/officeDocument/2006/relationships" xmlns:p="http://schemas.openxmlformats.org/presentationml/2006/main">
+  <p:cSld>
+    <p:spTree>
+      <p:nvGrpSpPr>
+        <p:cNvPr id="1" name=""/>
+        <p:cNvGrpSpPr/>
+        <p:nvPr/>
+      </p:nvGrpSpPr>
+      <p:grpSpPr>
+        <a:xfrm>
+          <a:off x="0" y="0"/>
+          <a:ext cx="0" cy="0"/>
+          <a:chOff x="0" y="0"/>
+          <a:chExt cx="0" cy="0"/>
+        </a:xfrm>
+      </p:grpSpPr>
+      <p:pic>
+        <p:nvPicPr>
+          <p:cNvPr id="3" name="Picture 3"/>
+          <p:cNvPicPr>
+            <a:picLocks noChangeAspect="1" noChangeArrowheads="1"/>
+          </p:cNvPicPr>
+          <p:nvPr/>
+        </p:nvPicPr>
+        <p:blipFill>
+          <a:blip r:embed="rId2">
+            <a:extLst>
+              <a:ext uri="{28A0092B-C50C-407E-A947-70E740481C1C}">
+                <a14:useLocalDpi xmlns:a14="http://schemas.microsoft.com/office/drawing/2010/main" val="0"/>
+              </a:ext>
+            </a:extLst>
+          </a:blip>
+          <a:srcRect/>
+          <a:stretch>
+            <a:fillRect/>
+          </a:stretch>
+        </p:blipFill>
+        <p:spPr bwMode="auto">
+          <a:xfrm>
+            <a:off x="304800" y="2181710"/>
+            <a:ext cx="4518018" cy="4548188"/>
+          </a:xfrm>
+          <a:prstGeom prst="rect">
+            <a:avLst/>
+          </a:prstGeom>
+          <a:noFill/>
+          <a:ln>
+            <a:noFill/>
+          </a:ln>
+          <a:extLst>
+            <a:ext uri="{909E8E84-426E-40DD-AFC4-6F175D3DCCD1}">
+              <a14:hiddenFill xmlns:a14="http://schemas.microsoft.com/office/drawing/2010/main">
+                <a:solidFill>
+                  <a:schemeClr val="accent1"/>
+                </a:solidFill>
+              </a14:hiddenFill>
+            </a:ext>
+            <a:ext uri="{91240B29-F687-4F45-9708-019B960494DF}">
+              <a14:hiddenLine xmlns:a14="http://schemas.microsoft.com/office/drawing/2010/main" w="9525">
+                <a:solidFill>
+                  <a:schemeClr val="tx1"/>
+                </a:solidFill>
+                <a:miter lim="800000"/>
+                <a:headEnd/>
+                <a:tailEnd/>
+              </a14:hiddenLine>
+            </a:ext>
+          </a:extLst>
+        </p:spPr>
+      </p:pic>
+      <p:pic>
+        <p:nvPicPr>
+          <p:cNvPr id="11266" name="Picture 2"/>
+          <p:cNvPicPr>
+            <a:picLocks noChangeAspect="1" noChangeArrowheads="1"/>
+          </p:cNvPicPr>
+          <p:nvPr/>
+        </p:nvPicPr>
+        <p:blipFill>
+          <a:blip r:embed="rId3">
+            <a:extLst>
+              <a:ext uri="{28A0092B-C50C-407E-A947-70E740481C1C}">
+                <a14:useLocalDpi xmlns:a14="http://schemas.microsoft.com/office/drawing/2010/main" val="0"/>
+              </a:ext>
+            </a:extLst>
+          </a:blip>
+          <a:srcRect/>
+          <a:stretch>
+            <a:fillRect/>
+          </a:stretch>
+        </p:blipFill>
+        <p:spPr bwMode="auto">
+          <a:xfrm>
+            <a:off x="4343400" y="2133600"/>
+            <a:ext cx="4672013" cy="4644409"/>
+          </a:xfrm>
+          <a:prstGeom prst="rect">
+            <a:avLst/>
+          </a:prstGeom>
+          <a:noFill/>
+          <a:ln>
+            <a:noFill/>
+          </a:ln>
+          <a:extLst>
+            <a:ext uri="{909E8E84-426E-40DD-AFC4-6F175D3DCCD1}">
+              <a14:hiddenFill xmlns:a14="http://schemas.microsoft.com/office/drawing/2010/main">
+                <a:solidFill>
+                  <a:schemeClr val="accent1"/>
+                </a:solidFill>
+              </a14:hiddenFill>
+            </a:ext>
+            <a:ext uri="{91240B29-F687-4F45-9708-019B960494DF}">
+              <a14:hiddenLine xmlns:a14="http://schemas.microsoft.com/office/drawing/2010/main" w="9525">
+                <a:solidFill>
+                  <a:schemeClr val="tx1"/>
+                </a:solidFill>
+                <a:miter lim="800000"/>
+                <a:headEnd/>
+                <a:tailEnd/>
+              </a14:hiddenLine>
+            </a:ext>
+          </a:extLst>
+        </p:spPr>
+      </p:pic>
+      <p:sp>
+        <p:nvSpPr>
+          <p:cNvPr id="4" name="Right Arrow 3"/>
+          <p:cNvSpPr/>
+          <p:nvPr/>
+        </p:nvSpPr>
+        <p:spPr>
+          <a:xfrm>
+            <a:off x="4191000" y="3886200"/>
+            <a:ext cx="152400" cy="762000"/>
+          </a:xfrm>
+          <a:prstGeom prst="rightArrow">
+            <a:avLst/>
+          </a:prstGeom>
+        </p:spPr>
+        <p:style>
+          <a:lnRef idx="2">
+            <a:schemeClr val="accent1">
+              <a:shade val="50000"/>
+            </a:schemeClr>
+          </a:lnRef>
+          <a:fillRef idx="1">
+            <a:schemeClr val="accent1"/>
+          </a:fillRef>
+          <a:effectRef idx="0">
+            <a:schemeClr val="accent1"/>
+          </a:effectRef>
+          <a:fontRef idx="minor">
+            <a:schemeClr val="lt1"/>
+          </a:fontRef>
+        </p:style>
+        <p:txBody>
+          <a:bodyPr rtlCol="0" anchor="ctr"/>
+          <a:lstStyle/>
+          <a:p>
+            <a:pPr algn="ctr"/>
+            <a:endParaRPr lang="en-US"/>
+          </a:p>
+        </p:txBody>
+      </p:sp>
+      <p:sp>
+        <p:nvSpPr>
+          <p:cNvPr id="5" name="TextBox 4"/>
+          <p:cNvSpPr txBox="1"/>
+          <p:nvPr/>
+        </p:nvSpPr>
+        <p:spPr>
+          <a:xfrm>
+            <a:off x="1" y="-13196"/>
+            <a:ext cx="9144000" cy="584775"/>
+          </a:xfrm>
+          <a:prstGeom prst="rect">
+            <a:avLst/>
+          </a:prstGeom>
+          <a:noFill/>
+        </p:spPr>
+        <p:txBody>
+          <a:bodyPr wrap="square" rtlCol="0">
+            <a:spAutoFit/>
+          </a:bodyPr>
+          <a:lstStyle/>
+          <a:p>
+            <a:r>
+              <a:rPr lang="en-US" altLang="ja-JP" sz="3200" dirty="0" smtClean="0"/>
+              <a:t>London</a:t>
+            </a:r>
+            <a:r>
+              <a:rPr lang="ja-JP" altLang="en-US" sz="3200" dirty="0" smtClean="0"/>
+              <a:t>についても同様に：</a:t>
+            </a:r>
+            <a:endParaRPr lang="en-US" altLang="ja-JP" sz="3200" dirty="0" smtClean="0"/>
+          </a:p>
+        </p:txBody>
+      </p:sp>
+    </p:spTree>
+    <p:extLst>
+      <p:ext uri="{BB962C8B-B14F-4D97-AF65-F5344CB8AC3E}">
+        <p14:creationId xmlns:p14="http://schemas.microsoft.com/office/powerpoint/2010/main" val="4283526705"/>
+      </p:ext>
+    </p:extLst>
+  </p:cSld>
+  <p:clrMapOvr>
+    <a:masterClrMapping/>
+  </p:clrMapOvr>
+</p:sld>
+</file>
+
+<file path=ppt/slides/slide66.xml><?xml version="1.0" encoding="utf-8"?>
+<p:sld xmlns:a="http://schemas.openxmlformats.org/drawingml/2006/main" xmlns:r="http://schemas.openxmlformats.org/officeDocument/2006/relationships" xmlns:p="http://schemas.openxmlformats.org/presentationml/2006/main">
+  <p:cSld>
+    <p:spTree>
+      <p:nvGrpSpPr>
+        <p:cNvPr id="1" name=""/>
+        <p:cNvGrpSpPr/>
+        <p:nvPr/>
+      </p:nvGrpSpPr>
+      <p:grpSpPr>
+        <a:xfrm>
+          <a:off x="0" y="0"/>
+          <a:ext cx="0" cy="0"/>
+          <a:chOff x="0" y="0"/>
+          <a:chExt cx="0" cy="0"/>
+        </a:xfrm>
+      </p:grpSpPr>
+      <p:sp>
+        <p:nvSpPr>
+          <p:cNvPr id="2" name="TextBox 1"/>
+          <p:cNvSpPr txBox="1"/>
+          <p:nvPr/>
+        </p:nvSpPr>
+        <p:spPr>
+          <a:xfrm>
+            <a:off x="1" y="-13196"/>
+            <a:ext cx="9144000" cy="3539430"/>
+          </a:xfrm>
+          <a:prstGeom prst="rect">
+            <a:avLst/>
+          </a:prstGeom>
+          <a:noFill/>
+        </p:spPr>
+        <p:txBody>
+          <a:bodyPr wrap="square" rtlCol="0">
+            <a:spAutoFit/>
+          </a:bodyPr>
+          <a:lstStyle/>
+          <a:p>
+            <a:r>
+              <a:rPr lang="ja-JP" altLang="en-US" sz="3200" dirty="0" smtClean="0"/>
+              <a:t>とりあえず、</a:t>
+            </a:r>
+            <a:r>
+              <a:rPr lang="en-US" altLang="ja-JP" sz="3200" dirty="0" smtClean="0"/>
+              <a:t>Street</a:t>
+            </a:r>
+            <a:r>
+              <a:rPr lang="ja-JP" altLang="en-US" sz="3200" dirty="0" smtClean="0"/>
+              <a:t>が</a:t>
+            </a:r>
+            <a:r>
+              <a:rPr lang="en-US" altLang="ja-JP" sz="3200" dirty="0" smtClean="0"/>
+              <a:t>Avenue</a:t>
+            </a:r>
+            <a:r>
+              <a:rPr lang="ja-JP" altLang="en-US" sz="3200" dirty="0" smtClean="0"/>
+              <a:t>にぶつかった際に、</a:t>
+            </a:r>
+            <a:endParaRPr lang="en-US" altLang="ja-JP" sz="3200" dirty="0" smtClean="0"/>
+          </a:p>
+          <a:p>
+            <a:r>
+              <a:rPr lang="ja-JP" altLang="en-US" sz="3200" dirty="0"/>
+              <a:t>シー</a:t>
+            </a:r>
+            <a:r>
+              <a:rPr lang="ja-JP" altLang="en-US" sz="3200" dirty="0" smtClean="0"/>
+              <a:t>ドにするというのを止めた。</a:t>
+            </a:r>
+            <a:endParaRPr lang="en-US" altLang="ja-JP" sz="3200" dirty="0"/>
+          </a:p>
+          <a:p>
+            <a:r>
+              <a:rPr lang="ja-JP" altLang="en-US" sz="3200" dirty="0" smtClean="0"/>
+              <a:t>⇒　どんな道路でも、成長時に他の道路とぶつかった</a:t>
+            </a:r>
+            <a:endParaRPr lang="en-US" altLang="ja-JP" sz="3200" dirty="0" smtClean="0"/>
+          </a:p>
+          <a:p>
+            <a:r>
+              <a:rPr lang="ja-JP" altLang="en-US" sz="3200" dirty="0"/>
+              <a:t>　</a:t>
+            </a:r>
+            <a:r>
+              <a:rPr lang="ja-JP" altLang="en-US" sz="3200" dirty="0" smtClean="0"/>
+              <a:t>　　際は、シードとしない。</a:t>
+            </a:r>
+            <a:endParaRPr lang="en-US" altLang="ja-JP" sz="3200" dirty="0" smtClean="0"/>
+          </a:p>
+          <a:p>
+            <a:r>
+              <a:rPr lang="ja-JP" altLang="en-US" sz="3200" dirty="0"/>
+              <a:t>　</a:t>
+            </a:r>
+            <a:r>
+              <a:rPr lang="ja-JP" altLang="en-US" sz="3200" dirty="0" smtClean="0"/>
+              <a:t>　（もし、サンプルの</a:t>
+            </a:r>
+            <a:r>
+              <a:rPr lang="en-US" altLang="ja-JP" sz="3200" dirty="0" smtClean="0"/>
+              <a:t>Street</a:t>
+            </a:r>
+            <a:r>
+              <a:rPr lang="ja-JP" altLang="en-US" sz="3200" dirty="0" smtClean="0"/>
+              <a:t>を適切に利用するような</a:t>
+            </a:r>
+            <a:endParaRPr lang="en-US" altLang="ja-JP" sz="3200" dirty="0" smtClean="0"/>
+          </a:p>
+          <a:p>
+            <a:r>
+              <a:rPr lang="ja-JP" altLang="en-US" sz="3200" dirty="0"/>
+              <a:t>　</a:t>
+            </a:r>
+            <a:r>
+              <a:rPr lang="ja-JP" altLang="en-US" sz="3200" dirty="0" smtClean="0"/>
+              <a:t>　　アルゴリズムであれば、シードとしなくても、</a:t>
+            </a:r>
+            <a:endParaRPr lang="en-US" altLang="ja-JP" sz="3200" dirty="0" smtClean="0"/>
+          </a:p>
+          <a:p>
+            <a:r>
+              <a:rPr lang="ja-JP" altLang="en-US" sz="3200" dirty="0"/>
+              <a:t>　</a:t>
+            </a:r>
+            <a:r>
+              <a:rPr lang="ja-JP" altLang="en-US" sz="3200" dirty="0" smtClean="0"/>
+              <a:t>　　</a:t>
+            </a:r>
+            <a:r>
+              <a:rPr lang="en-US" altLang="ja-JP" sz="3200" dirty="0" smtClean="0"/>
+              <a:t>Case</a:t>
+            </a:r>
+            <a:r>
+              <a:rPr lang="ja-JP" altLang="en-US" sz="3200" dirty="0" smtClean="0"/>
+              <a:t>５でも、きれいな交差点になるはず。）</a:t>
+            </a:r>
+            <a:endParaRPr lang="en-US" altLang="ja-JP" sz="3200" dirty="0" smtClean="0"/>
+          </a:p>
+        </p:txBody>
+      </p:sp>
+    </p:spTree>
+    <p:extLst>
+      <p:ext uri="{BB962C8B-B14F-4D97-AF65-F5344CB8AC3E}">
+        <p14:creationId xmlns:p14="http://schemas.microsoft.com/office/powerpoint/2010/main" val="747296128"/>
+      </p:ext>
+    </p:extLst>
+  </p:cSld>
+  <p:clrMapOvr>
+    <a:masterClrMapping/>
+  </p:clrMapOvr>
+</p:sld>
+</file>
+
+<file path=ppt/slides/slide67.xml><?xml version="1.0" encoding="utf-8"?>
+<p:sld xmlns:a="http://schemas.openxmlformats.org/drawingml/2006/main" xmlns:r="http://schemas.openxmlformats.org/officeDocument/2006/relationships" xmlns:p="http://schemas.openxmlformats.org/presentationml/2006/main">
+  <p:cSld>
+    <p:spTree>
+      <p:nvGrpSpPr>
+        <p:cNvPr id="1" name=""/>
+        <p:cNvGrpSpPr/>
+        <p:nvPr/>
+      </p:nvGrpSpPr>
+      <p:grpSpPr>
+        <a:xfrm>
+          <a:off x="0" y="0"/>
+          <a:ext cx="0" cy="0"/>
+          <a:chOff x="0" y="0"/>
+          <a:chExt cx="0" cy="0"/>
+        </a:xfrm>
+      </p:grpSpPr>
       <p:sp>
         <p:nvSpPr>
           <p:cNvPr id="2" name="TextBox 1"/>
@@ -20177,7 +20879,7 @@
 </p:sld>
 </file>
 
-<file path=ppt/slides/slide65.xml><?xml version="1.0" encoding="utf-8"?>
+<file path=ppt/slides/slide68.xml><?xml version="1.0" encoding="utf-8"?>
 <p:sld xmlns:a="http://schemas.openxmlformats.org/drawingml/2006/main" xmlns:r="http://schemas.openxmlformats.org/officeDocument/2006/relationships" xmlns:p="http://schemas.openxmlformats.org/presentationml/2006/main">
   <p:cSld>
     <p:spTree>
@@ -21280,7 +21982,7 @@
 </p:sld>
 </file>
 
-<file path=ppt/slides/slide66.xml><?xml version="1.0" encoding="utf-8"?>
+<file path=ppt/slides/slide69.xml><?xml version="1.0" encoding="utf-8"?>
 <p:sld xmlns:a="http://schemas.openxmlformats.org/drawingml/2006/main" xmlns:r="http://schemas.openxmlformats.org/officeDocument/2006/relationships" xmlns:p="http://schemas.openxmlformats.org/presentationml/2006/main">
   <p:cSld>
     <p:spTree>
@@ -22077,7 +22779,100 @@
 </p:sld>
 </file>
 
-<file path=ppt/slides/slide67.xml><?xml version="1.0" encoding="utf-8"?>
+<file path=ppt/slides/slide7.xml><?xml version="1.0" encoding="utf-8"?>
+<p:sld xmlns:a="http://schemas.openxmlformats.org/drawingml/2006/main" xmlns:r="http://schemas.openxmlformats.org/officeDocument/2006/relationships" xmlns:p="http://schemas.openxmlformats.org/presentationml/2006/main">
+  <p:cSld>
+    <p:spTree>
+      <p:nvGrpSpPr>
+        <p:cNvPr id="1" name=""/>
+        <p:cNvGrpSpPr/>
+        <p:nvPr/>
+      </p:nvGrpSpPr>
+      <p:grpSpPr>
+        <a:xfrm>
+          <a:off x="0" y="0"/>
+          <a:ext cx="0" cy="0"/>
+          <a:chOff x="0" y="0"/>
+          <a:chExt cx="0" cy="0"/>
+        </a:xfrm>
+      </p:grpSpPr>
+      <p:sp>
+        <p:nvSpPr>
+          <p:cNvPr id="2" name="TextBox 1"/>
+          <p:cNvSpPr txBox="1"/>
+          <p:nvPr/>
+        </p:nvSpPr>
+        <p:spPr>
+          <a:xfrm>
+            <a:off x="0" y="-13195"/>
+            <a:ext cx="9144000" cy="5509200"/>
+          </a:xfrm>
+          <a:prstGeom prst="rect">
+            <a:avLst/>
+          </a:prstGeom>
+          <a:noFill/>
+        </p:spPr>
+        <p:txBody>
+          <a:bodyPr wrap="square" rtlCol="0">
+            <a:spAutoFit/>
+          </a:bodyPr>
+          <a:lstStyle/>
+          <a:p>
+            <a:r>
+              <a:rPr lang="ja-JP" altLang="en-US" sz="3200" dirty="0" smtClean="0"/>
+              <a:t>カーネルを選択する際、エッジのフィッティング度に加えて、元の相対座標を考慮している。</a:t>
+            </a:r>
+            <a:endParaRPr lang="en-US" altLang="ja-JP" sz="3200" dirty="0" smtClean="0"/>
+          </a:p>
+          <a:p>
+            <a:r>
+              <a:rPr lang="ja-JP" altLang="en-US" sz="3200" dirty="0"/>
+              <a:t>しかし</a:t>
+            </a:r>
+            <a:r>
+              <a:rPr lang="ja-JP" altLang="en-US" sz="3200" dirty="0" smtClean="0"/>
+              <a:t>、ユーザが選択した領域が、元の領域より広い場合、たとえば、元の領域の範囲を左方向に超えた場所は、一番左のカーネルが選択され続けるという現象が発生してしまう。</a:t>
+            </a:r>
+            <a:endParaRPr lang="en-US" altLang="ja-JP" sz="3200" dirty="0" smtClean="0"/>
+          </a:p>
+          <a:p>
+            <a:r>
+              <a:rPr lang="ja-JP" altLang="en-US" sz="3200" dirty="0"/>
+              <a:t>そこで</a:t>
+            </a:r>
+            <a:r>
+              <a:rPr lang="ja-JP" altLang="en-US" sz="3200" dirty="0" smtClean="0"/>
+              <a:t>、一つ前に選択されたエッジからの相対座標を使用することにした。</a:t>
+            </a:r>
+            <a:endParaRPr lang="en-US" altLang="ja-JP" sz="3200" dirty="0" smtClean="0"/>
+          </a:p>
+          <a:p>
+            <a:r>
+              <a:rPr lang="ja-JP" altLang="en-US" sz="3200" dirty="0"/>
+              <a:t>さらに</a:t>
+            </a:r>
+            <a:r>
+              <a:rPr lang="ja-JP" altLang="en-US" sz="3200" dirty="0" smtClean="0"/>
+              <a:t>、その座標が、元の領域の範囲外の場合は、座標を考慮しないで、エッジのフィッティング度のみでカーネルを選択するようにした。</a:t>
+            </a:r>
+            <a:endParaRPr lang="en-US" altLang="ja-JP" sz="3200" dirty="0" smtClean="0"/>
+          </a:p>
+        </p:txBody>
+      </p:sp>
+    </p:spTree>
+    <p:extLst>
+      <p:ext uri="{BB962C8B-B14F-4D97-AF65-F5344CB8AC3E}">
+        <p14:creationId xmlns:p14="http://schemas.microsoft.com/office/powerpoint/2010/main" val="1372805848"/>
+      </p:ext>
+    </p:extLst>
+  </p:cSld>
+  <p:clrMapOvr>
+    <a:masterClrMapping/>
+  </p:clrMapOvr>
+</p:sld>
+</file>
+
+<file path=ppt/slides/slide70.xml><?xml version="1.0" encoding="utf-8"?>
 <p:sld xmlns:a="http://schemas.openxmlformats.org/drawingml/2006/main" xmlns:r="http://schemas.openxmlformats.org/officeDocument/2006/relationships" xmlns:p="http://schemas.openxmlformats.org/presentationml/2006/main">
   <p:cSld>
     <p:spTree>
@@ -22991,7 +23786,7 @@
 </p:sld>
 </file>
 
-<file path=ppt/slides/slide68.xml><?xml version="1.0" encoding="utf-8"?>
+<file path=ppt/slides/slide71.xml><?xml version="1.0" encoding="utf-8"?>
 <p:sld xmlns:a="http://schemas.openxmlformats.org/drawingml/2006/main" xmlns:r="http://schemas.openxmlformats.org/officeDocument/2006/relationships" xmlns:p="http://schemas.openxmlformats.org/presentationml/2006/main">
   <p:cSld>
     <p:spTree>
@@ -23534,7 +24329,7 @@
 </p:sld>
 </file>
 
-<file path=ppt/slides/slide69.xml><?xml version="1.0" encoding="utf-8"?>
+<file path=ppt/slides/slide72.xml><?xml version="1.0" encoding="utf-8"?>
 <p:sld xmlns:a="http://schemas.openxmlformats.org/drawingml/2006/main" xmlns:r="http://schemas.openxmlformats.org/officeDocument/2006/relationships" xmlns:p="http://schemas.openxmlformats.org/presentationml/2006/main">
   <p:cSld>
     <p:spTree>
@@ -24048,100 +24843,7 @@
 </p:sld>
 </file>
 
-<file path=ppt/slides/slide7.xml><?xml version="1.0" encoding="utf-8"?>
-<p:sld xmlns:a="http://schemas.openxmlformats.org/drawingml/2006/main" xmlns:r="http://schemas.openxmlformats.org/officeDocument/2006/relationships" xmlns:p="http://schemas.openxmlformats.org/presentationml/2006/main">
-  <p:cSld>
-    <p:spTree>
-      <p:nvGrpSpPr>
-        <p:cNvPr id="1" name=""/>
-        <p:cNvGrpSpPr/>
-        <p:nvPr/>
-      </p:nvGrpSpPr>
-      <p:grpSpPr>
-        <a:xfrm>
-          <a:off x="0" y="0"/>
-          <a:ext cx="0" cy="0"/>
-          <a:chOff x="0" y="0"/>
-          <a:chExt cx="0" cy="0"/>
-        </a:xfrm>
-      </p:grpSpPr>
-      <p:sp>
-        <p:nvSpPr>
-          <p:cNvPr id="2" name="TextBox 1"/>
-          <p:cNvSpPr txBox="1"/>
-          <p:nvPr/>
-        </p:nvSpPr>
-        <p:spPr>
-          <a:xfrm>
-            <a:off x="0" y="-13195"/>
-            <a:ext cx="9144000" cy="5509200"/>
-          </a:xfrm>
-          <a:prstGeom prst="rect">
-            <a:avLst/>
-          </a:prstGeom>
-          <a:noFill/>
-        </p:spPr>
-        <p:txBody>
-          <a:bodyPr wrap="square" rtlCol="0">
-            <a:spAutoFit/>
-          </a:bodyPr>
-          <a:lstStyle/>
-          <a:p>
-            <a:r>
-              <a:rPr lang="ja-JP" altLang="en-US" sz="3200" dirty="0" smtClean="0"/>
-              <a:t>カーネルを選択する際、エッジのフィッティング度に加えて、元の相対座標を考慮している。</a:t>
-            </a:r>
-            <a:endParaRPr lang="en-US" altLang="ja-JP" sz="3200" dirty="0" smtClean="0"/>
-          </a:p>
-          <a:p>
-            <a:r>
-              <a:rPr lang="ja-JP" altLang="en-US" sz="3200" dirty="0"/>
-              <a:t>しかし</a:t>
-            </a:r>
-            <a:r>
-              <a:rPr lang="ja-JP" altLang="en-US" sz="3200" dirty="0" smtClean="0"/>
-              <a:t>、ユーザが選択した領域が、元の領域より広い場合、たとえば、元の領域の範囲を左方向に超えた場所は、一番左のカーネルが選択され続けるという現象が発生してしまう。</a:t>
-            </a:r>
-            <a:endParaRPr lang="en-US" altLang="ja-JP" sz="3200" dirty="0" smtClean="0"/>
-          </a:p>
-          <a:p>
-            <a:r>
-              <a:rPr lang="ja-JP" altLang="en-US" sz="3200" dirty="0"/>
-              <a:t>そこで</a:t>
-            </a:r>
-            <a:r>
-              <a:rPr lang="ja-JP" altLang="en-US" sz="3200" dirty="0" smtClean="0"/>
-              <a:t>、一つ前に選択されたエッジからの相対座標を使用することにした。</a:t>
-            </a:r>
-            <a:endParaRPr lang="en-US" altLang="ja-JP" sz="3200" dirty="0" smtClean="0"/>
-          </a:p>
-          <a:p>
-            <a:r>
-              <a:rPr lang="ja-JP" altLang="en-US" sz="3200" dirty="0"/>
-              <a:t>さらに</a:t>
-            </a:r>
-            <a:r>
-              <a:rPr lang="ja-JP" altLang="en-US" sz="3200" dirty="0" smtClean="0"/>
-              <a:t>、その座標が、元の領域の範囲外の場合は、座標を考慮しないで、エッジのフィッティング度のみでカーネルを選択するようにした。</a:t>
-            </a:r>
-            <a:endParaRPr lang="en-US" altLang="ja-JP" sz="3200" dirty="0" smtClean="0"/>
-          </a:p>
-        </p:txBody>
-      </p:sp>
-    </p:spTree>
-    <p:extLst>
-      <p:ext uri="{BB962C8B-B14F-4D97-AF65-F5344CB8AC3E}">
-        <p14:creationId xmlns:p14="http://schemas.microsoft.com/office/powerpoint/2010/main" val="1372805848"/>
-      </p:ext>
-    </p:extLst>
-  </p:cSld>
-  <p:clrMapOvr>
-    <a:masterClrMapping/>
-  </p:clrMapOvr>
-</p:sld>
-</file>
-
-<file path=ppt/slides/slide70.xml><?xml version="1.0" encoding="utf-8"?>
+<file path=ppt/slides/slide73.xml><?xml version="1.0" encoding="utf-8"?>
 <p:sld xmlns:a="http://schemas.openxmlformats.org/drawingml/2006/main" xmlns:r="http://schemas.openxmlformats.org/officeDocument/2006/relationships" xmlns:p="http://schemas.openxmlformats.org/presentationml/2006/main">
   <p:cSld>
     <p:spTree>
@@ -24595,7 +25297,7 @@
 </p:sld>
 </file>
 
-<file path=ppt/slides/slide71.xml><?xml version="1.0" encoding="utf-8"?>
+<file path=ppt/slides/slide74.xml><?xml version="1.0" encoding="utf-8"?>
 <p:sld xmlns:a="http://schemas.openxmlformats.org/drawingml/2006/main" xmlns:r="http://schemas.openxmlformats.org/officeDocument/2006/relationships" xmlns:p="http://schemas.openxmlformats.org/presentationml/2006/main">
   <p:cSld>
     <p:spTree>
@@ -25342,7 +26044,7 @@
 </p:sld>
 </file>
 
-<file path=ppt/slides/slide72.xml><?xml version="1.0" encoding="utf-8"?>
+<file path=ppt/slides/slide75.xml><?xml version="1.0" encoding="utf-8"?>
 <p:sld xmlns:a="http://schemas.openxmlformats.org/drawingml/2006/main" xmlns:r="http://schemas.openxmlformats.org/officeDocument/2006/relationships" xmlns:p="http://schemas.openxmlformats.org/presentationml/2006/main">
   <p:cSld>
     <p:spTree>
@@ -25871,6 +26573,76 @@
           </a:p>
         </p:txBody>
       </p:sp>
+      <p:cxnSp>
+        <p:nvCxnSpPr>
+          <p:cNvPr id="10" name="Straight Connector 9"/>
+          <p:cNvCxnSpPr/>
+          <p:nvPr/>
+        </p:nvCxnSpPr>
+        <p:spPr>
+          <a:xfrm flipH="1">
+            <a:off x="1524000" y="838200"/>
+            <a:ext cx="5715000" cy="5105400"/>
+          </a:xfrm>
+          <a:prstGeom prst="line">
+            <a:avLst/>
+          </a:prstGeom>
+          <a:ln w="117475">
+            <a:solidFill>
+              <a:srgbClr val="FF0000"/>
+            </a:solidFill>
+          </a:ln>
+        </p:spPr>
+        <p:style>
+          <a:lnRef idx="1">
+            <a:schemeClr val="accent1"/>
+          </a:lnRef>
+          <a:fillRef idx="0">
+            <a:schemeClr val="accent1"/>
+          </a:fillRef>
+          <a:effectRef idx="0">
+            <a:schemeClr val="accent1"/>
+          </a:effectRef>
+          <a:fontRef idx="minor">
+            <a:schemeClr val="tx1"/>
+          </a:fontRef>
+        </p:style>
+      </p:cxnSp>
+      <p:cxnSp>
+        <p:nvCxnSpPr>
+          <p:cNvPr id="17" name="Straight Connector 16"/>
+          <p:cNvCxnSpPr/>
+          <p:nvPr/>
+        </p:nvCxnSpPr>
+        <p:spPr>
+          <a:xfrm flipH="1" flipV="1">
+            <a:off x="1828800" y="990600"/>
+            <a:ext cx="5638800" cy="5334000"/>
+          </a:xfrm>
+          <a:prstGeom prst="line">
+            <a:avLst/>
+          </a:prstGeom>
+          <a:ln w="117475">
+            <a:solidFill>
+              <a:srgbClr val="FF0000"/>
+            </a:solidFill>
+          </a:ln>
+        </p:spPr>
+        <p:style>
+          <a:lnRef idx="1">
+            <a:schemeClr val="accent1"/>
+          </a:lnRef>
+          <a:fillRef idx="0">
+            <a:schemeClr val="accent1"/>
+          </a:fillRef>
+          <a:effectRef idx="0">
+            <a:schemeClr val="accent1"/>
+          </a:effectRef>
+          <a:fontRef idx="minor">
+            <a:schemeClr val="tx1"/>
+          </a:fontRef>
+        </p:style>
+      </p:cxnSp>
     </p:spTree>
     <p:extLst>
       <p:ext uri="{BB962C8B-B14F-4D97-AF65-F5344CB8AC3E}">
